--- a/Presentations/Project Proposal/Project Proposal Presentation Structure+.pptx
+++ b/Presentations/Project Proposal/Project Proposal Presentation Structure+.pptx
@@ -5,13 +5,16 @@
     <p:sldMasterId id="2147483660" r:id="rId1"/>
   </p:sldMasterIdLst>
   <p:notesMasterIdLst>
-    <p:notesMasterId r:id="rId6"/>
+    <p:notesMasterId r:id="rId9"/>
   </p:notesMasterIdLst>
   <p:sldIdLst>
-    <p:sldId id="318" r:id="rId2"/>
-    <p:sldId id="319" r:id="rId3"/>
-    <p:sldId id="320" r:id="rId4"/>
-    <p:sldId id="321" r:id="rId5"/>
+    <p:sldId id="322" r:id="rId2"/>
+    <p:sldId id="318" r:id="rId3"/>
+    <p:sldId id="323" r:id="rId4"/>
+    <p:sldId id="324" r:id="rId5"/>
+    <p:sldId id="319" r:id="rId6"/>
+    <p:sldId id="320" r:id="rId7"/>
+    <p:sldId id="321" r:id="rId8"/>
   </p:sldIdLst>
   <p:sldSz cx="9144000" cy="5715000" type="screen16x10"/>
   <p:notesSz cx="6858000" cy="9144000"/>
@@ -212,7 +215,7 @@
           <a:p>
             <a:fld id="{A066BCB4-5747-4B09-964D-B3729956D23A}" type="datetimeFigureOut">
               <a:rPr lang="de-DE" smtClean="0"/>
-              <a:t>08.05.2022</a:t>
+              <a:t>09.05.2022</a:t>
             </a:fld>
             <a:endParaRPr lang="de-DE"/>
           </a:p>
@@ -479,6 +482,1040 @@
 </p:notesMaster>
 </file>
 
+<file path=ppt/notesSlides/notesSlide1.xml><?xml version="1.0" encoding="utf-8"?>
+<p:notes xmlns:a="http://schemas.openxmlformats.org/drawingml/2006/main" xmlns:r="http://schemas.openxmlformats.org/officeDocument/2006/relationships" xmlns:p="http://schemas.openxmlformats.org/presentationml/2006/main">
+  <p:cSld>
+    <p:spTree>
+      <p:nvGrpSpPr>
+        <p:cNvPr id="1" name=""/>
+        <p:cNvGrpSpPr/>
+        <p:nvPr/>
+      </p:nvGrpSpPr>
+      <p:grpSpPr>
+        <a:xfrm>
+          <a:off x="0" y="0"/>
+          <a:ext cx="0" cy="0"/>
+          <a:chOff x="0" y="0"/>
+          <a:chExt cx="0" cy="0"/>
+        </a:xfrm>
+      </p:grpSpPr>
+      <p:sp>
+        <p:nvSpPr>
+          <p:cNvPr id="2" name="Folienbildplatzhalter 1"/>
+          <p:cNvSpPr>
+            <a:spLocks noGrp="1" noRot="1" noChangeAspect="1"/>
+          </p:cNvSpPr>
+          <p:nvPr>
+            <p:ph type="sldImg"/>
+          </p:nvPr>
+        </p:nvSpPr>
+        <p:spPr/>
+      </p:sp>
+      <p:sp>
+        <p:nvSpPr>
+          <p:cNvPr id="3" name="Notizenplatzhalter 2"/>
+          <p:cNvSpPr>
+            <a:spLocks noGrp="1"/>
+          </p:cNvSpPr>
+          <p:nvPr>
+            <p:ph type="body" idx="1"/>
+          </p:nvPr>
+        </p:nvSpPr>
+        <p:spPr/>
+        <p:txBody>
+          <a:bodyPr/>
+          <a:lstStyle/>
+          <a:p>
+            <a:r>
+              <a:rPr lang="en-US" dirty="0"/>
+              <a:t>Two important key words: first is TRAs</a:t>
+            </a:r>
+          </a:p>
+          <a:p>
+            <a:r>
+              <a:rPr lang="en-US" dirty="0"/>
+              <a:t>Functional immune cells are </a:t>
+            </a:r>
+            <a:r>
+              <a:rPr lang="en-US" dirty="0" err="1"/>
+              <a:t>necasssary</a:t>
+            </a:r>
+            <a:r>
+              <a:rPr lang="en-US" dirty="0"/>
+              <a:t> to prevent infections</a:t>
+            </a:r>
+          </a:p>
+          <a:p>
+            <a:r>
+              <a:rPr lang="en-US" dirty="0"/>
+              <a:t>Shouldn’t react against </a:t>
+            </a:r>
+            <a:r>
+              <a:rPr lang="en-US" dirty="0" err="1"/>
+              <a:t>selfantigens</a:t>
+            </a:r>
+            <a:r>
+              <a:rPr lang="en-US" dirty="0"/>
+              <a:t> -&gt; negative control in thymus</a:t>
+            </a:r>
+          </a:p>
+          <a:p>
+            <a:pPr marL="0" marR="0" lvl="0" indent="0" algn="l" defTabSz="914400" rtl="0" eaLnBrk="1" fontAlgn="auto" latinLnBrk="0" hangingPunct="1">
+              <a:lnSpc>
+                <a:spcPct val="100000"/>
+              </a:lnSpc>
+              <a:spcBef>
+                <a:spcPts val="0"/>
+              </a:spcBef>
+              <a:spcAft>
+                <a:spcPts val="0"/>
+              </a:spcAft>
+              <a:buClrTx/>
+              <a:buSzTx/>
+              <a:buFontTx/>
+              <a:buNone/>
+              <a:tabLst/>
+              <a:defRPr/>
+            </a:pPr>
+            <a:r>
+              <a:rPr lang="de-DE" b="0" i="0" dirty="0" err="1">
+                <a:solidFill>
+                  <a:srgbClr val="000000"/>
+                </a:solidFill>
+                <a:effectLst/>
+                <a:latin typeface="Linux Libertine"/>
+              </a:rPr>
+              <a:t>Medullary</a:t>
+            </a:r>
+            <a:r>
+              <a:rPr lang="de-DE" b="0" i="0" dirty="0">
+                <a:solidFill>
+                  <a:srgbClr val="000000"/>
+                </a:solidFill>
+                <a:effectLst/>
+                <a:latin typeface="Linux Libertine"/>
+              </a:rPr>
+              <a:t> </a:t>
+            </a:r>
+            <a:r>
+              <a:rPr lang="de-DE" b="0" i="0" dirty="0" err="1">
+                <a:solidFill>
+                  <a:srgbClr val="000000"/>
+                </a:solidFill>
+                <a:effectLst/>
+                <a:latin typeface="Linux Libertine"/>
+              </a:rPr>
+              <a:t>thymic</a:t>
+            </a:r>
+            <a:r>
+              <a:rPr lang="de-DE" b="0" i="0" dirty="0">
+                <a:solidFill>
+                  <a:srgbClr val="000000"/>
+                </a:solidFill>
+                <a:effectLst/>
+                <a:latin typeface="Linux Libertine"/>
+              </a:rPr>
+              <a:t> epithelial </a:t>
+            </a:r>
+            <a:r>
+              <a:rPr lang="de-DE" b="0" i="0" dirty="0" err="1">
+                <a:solidFill>
+                  <a:srgbClr val="000000"/>
+                </a:solidFill>
+                <a:effectLst/>
+                <a:latin typeface="Linux Libertine"/>
+              </a:rPr>
+              <a:t>cells</a:t>
+            </a:r>
+            <a:r>
+              <a:rPr lang="de-DE" b="0" i="0" dirty="0">
+                <a:solidFill>
+                  <a:srgbClr val="000000"/>
+                </a:solidFill>
+                <a:effectLst/>
+                <a:latin typeface="Linux Libertine"/>
+              </a:rPr>
+              <a:t> (</a:t>
+            </a:r>
+            <a:r>
+              <a:rPr lang="de-DE" b="0" i="0" dirty="0" err="1">
+                <a:solidFill>
+                  <a:srgbClr val="000000"/>
+                </a:solidFill>
+                <a:effectLst/>
+                <a:latin typeface="Linux Libertine"/>
+              </a:rPr>
+              <a:t>mTECs</a:t>
+            </a:r>
+            <a:r>
+              <a:rPr lang="de-DE" b="0" i="0" dirty="0">
+                <a:solidFill>
+                  <a:srgbClr val="000000"/>
+                </a:solidFill>
+                <a:effectLst/>
+                <a:latin typeface="Linux Libertine"/>
+              </a:rPr>
+              <a:t>) </a:t>
+            </a:r>
+            <a:r>
+              <a:rPr lang="de-DE" b="0" i="0" dirty="0" err="1">
+                <a:solidFill>
+                  <a:srgbClr val="000000"/>
+                </a:solidFill>
+                <a:effectLst/>
+                <a:latin typeface="Linux Libertine"/>
+              </a:rPr>
+              <a:t>present</a:t>
+            </a:r>
+            <a:r>
+              <a:rPr lang="de-DE" b="0" i="0" dirty="0">
+                <a:solidFill>
+                  <a:srgbClr val="000000"/>
+                </a:solidFill>
+                <a:effectLst/>
+                <a:latin typeface="Linux Libertine"/>
+              </a:rPr>
+              <a:t> </a:t>
+            </a:r>
+            <a:r>
+              <a:rPr lang="de-DE" b="0" i="0" dirty="0" err="1">
+                <a:solidFill>
+                  <a:srgbClr val="000000"/>
+                </a:solidFill>
+                <a:effectLst/>
+                <a:latin typeface="Linux Libertine"/>
+              </a:rPr>
+              <a:t>slef</a:t>
+            </a:r>
+            <a:r>
+              <a:rPr lang="de-DE" b="0" i="0" dirty="0">
+                <a:solidFill>
+                  <a:srgbClr val="000000"/>
+                </a:solidFill>
+                <a:effectLst/>
+                <a:latin typeface="Linux Libertine"/>
+              </a:rPr>
+              <a:t>-antigens on </a:t>
+            </a:r>
+            <a:r>
+              <a:rPr lang="de-DE" b="0" i="0" dirty="0" err="1">
+                <a:solidFill>
+                  <a:srgbClr val="000000"/>
+                </a:solidFill>
+                <a:effectLst/>
+                <a:latin typeface="Linux Libertine"/>
+              </a:rPr>
+              <a:t>their</a:t>
+            </a:r>
+            <a:r>
+              <a:rPr lang="de-DE" b="0" i="0" dirty="0">
+                <a:solidFill>
+                  <a:srgbClr val="000000"/>
+                </a:solidFill>
+                <a:effectLst/>
+                <a:latin typeface="Linux Libertine"/>
+              </a:rPr>
+              <a:t> </a:t>
+            </a:r>
+            <a:r>
+              <a:rPr lang="de-DE" b="0" i="0" dirty="0" err="1">
+                <a:solidFill>
+                  <a:srgbClr val="000000"/>
+                </a:solidFill>
+                <a:effectLst/>
+                <a:latin typeface="Linux Libertine"/>
+              </a:rPr>
+              <a:t>surface</a:t>
+            </a:r>
+            <a:r>
+              <a:rPr lang="de-DE" b="0" i="0" dirty="0">
+                <a:solidFill>
+                  <a:srgbClr val="000000"/>
+                </a:solidFill>
+                <a:effectLst/>
+                <a:latin typeface="Linux Libertine"/>
+              </a:rPr>
+              <a:t>, </a:t>
+            </a:r>
+            <a:r>
+              <a:rPr lang="de-DE" b="0" i="0" dirty="0" err="1">
+                <a:solidFill>
+                  <a:srgbClr val="000000"/>
+                </a:solidFill>
+                <a:effectLst/>
+                <a:latin typeface="Linux Libertine"/>
+              </a:rPr>
+              <a:t>reacting</a:t>
+            </a:r>
+            <a:r>
+              <a:rPr lang="de-DE" b="0" i="0" dirty="0">
+                <a:solidFill>
+                  <a:srgbClr val="000000"/>
+                </a:solidFill>
+                <a:effectLst/>
+                <a:latin typeface="Linux Libertine"/>
+              </a:rPr>
+              <a:t> immune </a:t>
+            </a:r>
+            <a:r>
+              <a:rPr lang="de-DE" b="0" i="0" dirty="0" err="1">
+                <a:solidFill>
+                  <a:srgbClr val="000000"/>
+                </a:solidFill>
+                <a:effectLst/>
+                <a:latin typeface="Linux Libertine"/>
+              </a:rPr>
+              <a:t>cell</a:t>
+            </a:r>
+            <a:r>
+              <a:rPr lang="de-DE" b="0" i="0" dirty="0">
+                <a:solidFill>
+                  <a:srgbClr val="000000"/>
+                </a:solidFill>
+                <a:effectLst/>
+                <a:latin typeface="Linux Libertine"/>
+              </a:rPr>
+              <a:t> will </a:t>
+            </a:r>
+            <a:r>
+              <a:rPr lang="de-DE" b="0" i="0" dirty="0" err="1">
+                <a:solidFill>
+                  <a:srgbClr val="000000"/>
+                </a:solidFill>
+                <a:effectLst/>
+                <a:latin typeface="Linux Libertine"/>
+              </a:rPr>
+              <a:t>be</a:t>
+            </a:r>
+            <a:r>
+              <a:rPr lang="de-DE" b="0" i="0" dirty="0">
+                <a:solidFill>
+                  <a:srgbClr val="000000"/>
+                </a:solidFill>
+                <a:effectLst/>
+                <a:latin typeface="Linux Libertine"/>
+              </a:rPr>
+              <a:t> </a:t>
+            </a:r>
+            <a:r>
+              <a:rPr lang="de-DE" b="0" i="0" dirty="0" err="1">
+                <a:solidFill>
+                  <a:srgbClr val="000000"/>
+                </a:solidFill>
+                <a:effectLst/>
+                <a:latin typeface="Linux Libertine"/>
+              </a:rPr>
+              <a:t>removed</a:t>
+            </a:r>
+            <a:endParaRPr lang="de-DE" b="0" i="0" dirty="0">
+              <a:solidFill>
+                <a:srgbClr val="000000"/>
+              </a:solidFill>
+              <a:effectLst/>
+              <a:latin typeface="Linux Libertine"/>
+            </a:endParaRPr>
+          </a:p>
+          <a:p>
+            <a:pPr marL="0" marR="0" lvl="0" indent="0" algn="l" defTabSz="914400" rtl="0" eaLnBrk="1" fontAlgn="auto" latinLnBrk="0" hangingPunct="1">
+              <a:lnSpc>
+                <a:spcPct val="100000"/>
+              </a:lnSpc>
+              <a:spcBef>
+                <a:spcPts val="0"/>
+              </a:spcBef>
+              <a:spcAft>
+                <a:spcPts val="0"/>
+              </a:spcAft>
+              <a:buClrTx/>
+              <a:buSzTx/>
+              <a:buFontTx/>
+              <a:buNone/>
+              <a:tabLst/>
+              <a:defRPr/>
+            </a:pPr>
+            <a:r>
+              <a:rPr lang="en-US" dirty="0"/>
+              <a:t>Tissue restricted antigens (TRAs) code for </a:t>
+            </a:r>
+            <a:r>
+              <a:rPr lang="en-US" dirty="0" err="1"/>
+              <a:t>selfantigens</a:t>
+            </a:r>
+            <a:endParaRPr lang="en-US" dirty="0"/>
+          </a:p>
+          <a:p>
+            <a:pPr marL="0" marR="0" lvl="0" indent="0" algn="l" defTabSz="914400" rtl="0" eaLnBrk="1" fontAlgn="auto" latinLnBrk="0" hangingPunct="1">
+              <a:lnSpc>
+                <a:spcPct val="100000"/>
+              </a:lnSpc>
+              <a:spcBef>
+                <a:spcPts val="0"/>
+              </a:spcBef>
+              <a:spcAft>
+                <a:spcPts val="0"/>
+              </a:spcAft>
+              <a:buClrTx/>
+              <a:buSzTx/>
+              <a:buFontTx/>
+              <a:buNone/>
+              <a:tabLst/>
+              <a:defRPr/>
+            </a:pPr>
+            <a:r>
+              <a:rPr lang="de-DE" b="0" i="0" dirty="0">
+                <a:solidFill>
+                  <a:srgbClr val="000000"/>
+                </a:solidFill>
+                <a:effectLst/>
+                <a:latin typeface="Linux Libertine"/>
+              </a:rPr>
+              <a:t>Genes </a:t>
+            </a:r>
+            <a:r>
+              <a:rPr lang="de-DE" b="0" i="0" dirty="0" err="1">
+                <a:solidFill>
+                  <a:srgbClr val="000000"/>
+                </a:solidFill>
+                <a:effectLst/>
+                <a:latin typeface="Linux Libertine"/>
+              </a:rPr>
+              <a:t>more</a:t>
+            </a:r>
+            <a:r>
+              <a:rPr lang="de-DE" b="0" i="0" dirty="0">
+                <a:solidFill>
+                  <a:srgbClr val="000000"/>
+                </a:solidFill>
+                <a:effectLst/>
+                <a:latin typeface="Linux Libertine"/>
+              </a:rPr>
+              <a:t> </a:t>
+            </a:r>
+            <a:r>
+              <a:rPr lang="de-DE" b="0" i="0" dirty="0" err="1">
+                <a:solidFill>
+                  <a:srgbClr val="000000"/>
+                </a:solidFill>
+                <a:effectLst/>
+                <a:latin typeface="Linux Libertine"/>
+              </a:rPr>
+              <a:t>than</a:t>
+            </a:r>
+            <a:r>
+              <a:rPr lang="de-DE" b="0" i="0" dirty="0">
+                <a:solidFill>
+                  <a:srgbClr val="000000"/>
+                </a:solidFill>
+                <a:effectLst/>
+                <a:latin typeface="Linux Libertine"/>
+              </a:rPr>
+              <a:t> 5x </a:t>
+            </a:r>
+            <a:r>
+              <a:rPr lang="de-DE" b="0" i="0" dirty="0" err="1">
+                <a:solidFill>
+                  <a:srgbClr val="000000"/>
+                </a:solidFill>
+                <a:effectLst/>
+                <a:latin typeface="Linux Libertine"/>
+              </a:rPr>
+              <a:t>the</a:t>
+            </a:r>
+            <a:r>
+              <a:rPr lang="de-DE" b="0" i="0" dirty="0">
+                <a:solidFill>
+                  <a:srgbClr val="000000"/>
+                </a:solidFill>
+                <a:effectLst/>
+                <a:latin typeface="Linux Libertine"/>
+              </a:rPr>
+              <a:t> median in </a:t>
+            </a:r>
+            <a:r>
+              <a:rPr lang="de-DE" b="0" i="0" dirty="0" err="1">
+                <a:solidFill>
+                  <a:srgbClr val="000000"/>
+                </a:solidFill>
+                <a:effectLst/>
+                <a:latin typeface="Linux Libertine"/>
+              </a:rPr>
+              <a:t>less</a:t>
+            </a:r>
+            <a:r>
+              <a:rPr lang="de-DE" b="0" i="0" dirty="0">
+                <a:solidFill>
+                  <a:srgbClr val="000000"/>
+                </a:solidFill>
+                <a:effectLst/>
+                <a:latin typeface="Linux Libertine"/>
+              </a:rPr>
+              <a:t> </a:t>
+            </a:r>
+            <a:r>
+              <a:rPr lang="de-DE" b="0" i="0" dirty="0" err="1">
+                <a:solidFill>
+                  <a:srgbClr val="000000"/>
+                </a:solidFill>
+                <a:effectLst/>
+                <a:latin typeface="Linux Libertine"/>
+              </a:rPr>
+              <a:t>than</a:t>
+            </a:r>
+            <a:r>
+              <a:rPr lang="de-DE" b="0" i="0" dirty="0">
+                <a:solidFill>
+                  <a:srgbClr val="000000"/>
+                </a:solidFill>
+                <a:effectLst/>
+                <a:latin typeface="Linux Libertine"/>
+              </a:rPr>
+              <a:t> 5 </a:t>
+            </a:r>
+            <a:r>
+              <a:rPr lang="de-DE" b="0" i="0" dirty="0" err="1">
+                <a:solidFill>
+                  <a:srgbClr val="000000"/>
+                </a:solidFill>
+                <a:effectLst/>
+                <a:latin typeface="Linux Libertine"/>
+              </a:rPr>
+              <a:t>diffrent</a:t>
+            </a:r>
+            <a:r>
+              <a:rPr lang="de-DE" b="0" i="0" dirty="0">
+                <a:solidFill>
+                  <a:srgbClr val="000000"/>
+                </a:solidFill>
+                <a:effectLst/>
+                <a:latin typeface="Linux Libertine"/>
+              </a:rPr>
+              <a:t> </a:t>
+            </a:r>
+            <a:r>
+              <a:rPr lang="de-DE" b="0" i="0" dirty="0" err="1">
+                <a:solidFill>
+                  <a:srgbClr val="000000"/>
+                </a:solidFill>
+                <a:effectLst/>
+                <a:latin typeface="Linux Libertine"/>
+              </a:rPr>
+              <a:t>tissues</a:t>
+            </a:r>
+            <a:r>
+              <a:rPr lang="de-DE" b="0" i="0" dirty="0">
+                <a:solidFill>
+                  <a:srgbClr val="000000"/>
+                </a:solidFill>
+                <a:effectLst/>
+                <a:latin typeface="Linux Libertine"/>
+              </a:rPr>
+              <a:t> </a:t>
+            </a:r>
+            <a:r>
+              <a:rPr lang="de-DE" b="0" i="0" dirty="0" err="1">
+                <a:solidFill>
+                  <a:srgbClr val="000000"/>
+                </a:solidFill>
+                <a:effectLst/>
+                <a:latin typeface="Linux Libertine"/>
+              </a:rPr>
+              <a:t>expressed</a:t>
+            </a:r>
+            <a:endParaRPr lang="de-DE" b="0" i="0" dirty="0">
+              <a:solidFill>
+                <a:srgbClr val="000000"/>
+              </a:solidFill>
+              <a:effectLst/>
+              <a:latin typeface="Linux Libertine"/>
+            </a:endParaRPr>
+          </a:p>
+          <a:p>
+            <a:pPr marL="0" marR="0" lvl="0" indent="0" algn="l" defTabSz="914400" rtl="0" eaLnBrk="1" fontAlgn="auto" latinLnBrk="0" hangingPunct="1">
+              <a:lnSpc>
+                <a:spcPct val="100000"/>
+              </a:lnSpc>
+              <a:spcBef>
+                <a:spcPts val="0"/>
+              </a:spcBef>
+              <a:spcAft>
+                <a:spcPts val="0"/>
+              </a:spcAft>
+              <a:buClrTx/>
+              <a:buSzTx/>
+              <a:buFontTx/>
+              <a:buNone/>
+              <a:tabLst/>
+              <a:defRPr/>
+            </a:pPr>
+            <a:r>
+              <a:rPr lang="de-DE" b="0" i="0" dirty="0">
+                <a:solidFill>
+                  <a:srgbClr val="000000"/>
+                </a:solidFill>
+                <a:effectLst/>
+                <a:latin typeface="Linux Libertine"/>
+              </a:rPr>
+              <a:t>TRAs </a:t>
+            </a:r>
+            <a:r>
+              <a:rPr lang="de-DE" b="0" i="0" dirty="0" err="1">
+                <a:solidFill>
+                  <a:srgbClr val="000000"/>
+                </a:solidFill>
+                <a:effectLst/>
+                <a:latin typeface="Linux Libertine"/>
+              </a:rPr>
+              <a:t>are</a:t>
+            </a:r>
+            <a:r>
+              <a:rPr lang="de-DE" b="0" i="0" dirty="0">
+                <a:solidFill>
+                  <a:srgbClr val="000000"/>
+                </a:solidFill>
+                <a:effectLst/>
+                <a:latin typeface="Linux Libertine"/>
+              </a:rPr>
+              <a:t> </a:t>
+            </a:r>
+            <a:r>
+              <a:rPr lang="de-DE" b="0" i="0" dirty="0" err="1">
+                <a:solidFill>
+                  <a:srgbClr val="000000"/>
+                </a:solidFill>
+                <a:effectLst/>
+                <a:latin typeface="Linux Libertine"/>
+              </a:rPr>
+              <a:t>ordered</a:t>
+            </a:r>
+            <a:r>
+              <a:rPr lang="de-DE" b="0" i="0" dirty="0">
+                <a:solidFill>
+                  <a:srgbClr val="000000"/>
+                </a:solidFill>
+                <a:effectLst/>
+                <a:latin typeface="Linux Libertine"/>
+              </a:rPr>
+              <a:t> in </a:t>
+            </a:r>
+            <a:r>
+              <a:rPr lang="de-DE" b="0" i="0" dirty="0" err="1">
+                <a:solidFill>
+                  <a:srgbClr val="000000"/>
+                </a:solidFill>
+                <a:effectLst/>
+                <a:latin typeface="Linux Libertine"/>
+              </a:rPr>
+              <a:t>cluster</a:t>
+            </a:r>
+            <a:r>
+              <a:rPr lang="de-DE" b="0" i="0" dirty="0">
+                <a:solidFill>
+                  <a:srgbClr val="000000"/>
+                </a:solidFill>
+                <a:effectLst/>
+                <a:latin typeface="Linux Libertine"/>
+              </a:rPr>
+              <a:t> </a:t>
+            </a:r>
+            <a:r>
+              <a:rPr lang="de-DE" b="0" i="0" dirty="0" err="1">
+                <a:solidFill>
+                  <a:srgbClr val="000000"/>
+                </a:solidFill>
+                <a:effectLst/>
+                <a:latin typeface="Linux Libertine"/>
+              </a:rPr>
+              <a:t>which</a:t>
+            </a:r>
+            <a:r>
+              <a:rPr lang="de-DE" b="0" i="0" dirty="0">
+                <a:solidFill>
+                  <a:srgbClr val="000000"/>
+                </a:solidFill>
+                <a:effectLst/>
+                <a:latin typeface="Linux Libertine"/>
+              </a:rPr>
+              <a:t> </a:t>
+            </a:r>
+            <a:r>
+              <a:rPr lang="de-DE" b="0" i="0" dirty="0" err="1">
+                <a:solidFill>
+                  <a:srgbClr val="000000"/>
+                </a:solidFill>
+                <a:effectLst/>
+                <a:latin typeface="Linux Libertine"/>
+              </a:rPr>
+              <a:t>are</a:t>
+            </a:r>
+            <a:r>
+              <a:rPr lang="de-DE" b="0" i="0" dirty="0">
+                <a:solidFill>
+                  <a:srgbClr val="000000"/>
+                </a:solidFill>
+                <a:effectLst/>
+                <a:latin typeface="Linux Libertine"/>
+              </a:rPr>
+              <a:t> </a:t>
+            </a:r>
+            <a:r>
+              <a:rPr lang="de-DE" b="0" i="0" dirty="0" err="1">
+                <a:solidFill>
+                  <a:srgbClr val="000000"/>
+                </a:solidFill>
+                <a:effectLst/>
+                <a:latin typeface="Linux Libertine"/>
+              </a:rPr>
+              <a:t>controlled</a:t>
+            </a:r>
+            <a:r>
+              <a:rPr lang="de-DE" b="0" i="0" dirty="0">
+                <a:solidFill>
+                  <a:srgbClr val="000000"/>
+                </a:solidFill>
+                <a:effectLst/>
+                <a:latin typeface="Linux Libertine"/>
+              </a:rPr>
+              <a:t> by </a:t>
+            </a:r>
+            <a:r>
+              <a:rPr lang="de-DE" b="0" i="0" dirty="0" err="1">
+                <a:solidFill>
+                  <a:srgbClr val="000000"/>
+                </a:solidFill>
+                <a:effectLst/>
+                <a:latin typeface="Linux Libertine"/>
+              </a:rPr>
+              <a:t>the</a:t>
+            </a:r>
+            <a:r>
+              <a:rPr lang="de-DE" b="0" i="0" dirty="0">
+                <a:solidFill>
+                  <a:srgbClr val="000000"/>
+                </a:solidFill>
+                <a:effectLst/>
+                <a:latin typeface="Linux Libertine"/>
+              </a:rPr>
+              <a:t> </a:t>
+            </a:r>
+            <a:r>
+              <a:rPr lang="de-DE" b="0" i="0" dirty="0" err="1">
+                <a:solidFill>
+                  <a:srgbClr val="000000"/>
+                </a:solidFill>
+                <a:effectLst/>
+                <a:latin typeface="Linux Libertine"/>
+              </a:rPr>
+              <a:t>transcriptionfactor</a:t>
+            </a:r>
+            <a:r>
+              <a:rPr lang="de-DE" b="0" i="0" dirty="0">
+                <a:solidFill>
+                  <a:srgbClr val="000000"/>
+                </a:solidFill>
+                <a:effectLst/>
+                <a:latin typeface="Linux Libertine"/>
+              </a:rPr>
+              <a:t> </a:t>
+            </a:r>
+            <a:r>
+              <a:rPr lang="en-US" dirty="0"/>
+              <a:t>Autoimmune Regulator (AIRE)</a:t>
+            </a:r>
+            <a:endParaRPr lang="de-DE" b="0" i="0" dirty="0">
+              <a:solidFill>
+                <a:srgbClr val="000000"/>
+              </a:solidFill>
+              <a:effectLst/>
+              <a:latin typeface="Linux Libertine"/>
+            </a:endParaRPr>
+          </a:p>
+          <a:p>
+            <a:endParaRPr lang="en-US" dirty="0"/>
+          </a:p>
+        </p:txBody>
+      </p:sp>
+      <p:sp>
+        <p:nvSpPr>
+          <p:cNvPr id="4" name="Foliennummernplatzhalter 3"/>
+          <p:cNvSpPr>
+            <a:spLocks noGrp="1"/>
+          </p:cNvSpPr>
+          <p:nvPr>
+            <p:ph type="sldNum" sz="quarter" idx="5"/>
+          </p:nvPr>
+        </p:nvSpPr>
+        <p:spPr/>
+        <p:txBody>
+          <a:bodyPr/>
+          <a:lstStyle/>
+          <a:p>
+            <a:fld id="{E7F12AC4-85F9-4B93-92D3-A9937CE1B92C}" type="slidenum">
+              <a:rPr lang="de-DE" smtClean="0"/>
+              <a:t>2</a:t>
+            </a:fld>
+            <a:endParaRPr lang="de-DE"/>
+          </a:p>
+        </p:txBody>
+      </p:sp>
+    </p:spTree>
+    <p:extLst>
+      <p:ext uri="{BB962C8B-B14F-4D97-AF65-F5344CB8AC3E}">
+        <p14:creationId xmlns:p14="http://schemas.microsoft.com/office/powerpoint/2010/main" val="1022425557"/>
+      </p:ext>
+    </p:extLst>
+  </p:cSld>
+  <p:clrMapOvr>
+    <a:masterClrMapping/>
+  </p:clrMapOvr>
+</p:notes>
+</file>
+
+<file path=ppt/notesSlides/notesSlide2.xml><?xml version="1.0" encoding="utf-8"?>
+<p:notes xmlns:a="http://schemas.openxmlformats.org/drawingml/2006/main" xmlns:r="http://schemas.openxmlformats.org/officeDocument/2006/relationships" xmlns:p="http://schemas.openxmlformats.org/presentationml/2006/main">
+  <p:cSld>
+    <p:spTree>
+      <p:nvGrpSpPr>
+        <p:cNvPr id="1" name=""/>
+        <p:cNvGrpSpPr/>
+        <p:nvPr/>
+      </p:nvGrpSpPr>
+      <p:grpSpPr>
+        <a:xfrm>
+          <a:off x="0" y="0"/>
+          <a:ext cx="0" cy="0"/>
+          <a:chOff x="0" y="0"/>
+          <a:chExt cx="0" cy="0"/>
+        </a:xfrm>
+      </p:grpSpPr>
+      <p:sp>
+        <p:nvSpPr>
+          <p:cNvPr id="2" name="Folienbildplatzhalter 1"/>
+          <p:cNvSpPr>
+            <a:spLocks noGrp="1" noRot="1" noChangeAspect="1"/>
+          </p:cNvSpPr>
+          <p:nvPr>
+            <p:ph type="sldImg"/>
+          </p:nvPr>
+        </p:nvSpPr>
+        <p:spPr/>
+      </p:sp>
+      <p:sp>
+        <p:nvSpPr>
+          <p:cNvPr id="3" name="Notizenplatzhalter 2"/>
+          <p:cNvSpPr>
+            <a:spLocks noGrp="1"/>
+          </p:cNvSpPr>
+          <p:nvPr>
+            <p:ph type="body" idx="1"/>
+          </p:nvPr>
+        </p:nvSpPr>
+        <p:spPr/>
+        <p:txBody>
+          <a:bodyPr/>
+          <a:lstStyle/>
+          <a:p>
+            <a:r>
+              <a:rPr lang="en-US" dirty="0"/>
+              <a:t>The second important key word is chemokine</a:t>
+            </a:r>
+          </a:p>
+          <a:p>
+            <a:r>
+              <a:rPr lang="en-US" dirty="0"/>
+              <a:t>Small </a:t>
+            </a:r>
+            <a:r>
+              <a:rPr lang="en-US" dirty="0" err="1"/>
+              <a:t>groupe</a:t>
+            </a:r>
+            <a:r>
+              <a:rPr lang="en-US" dirty="0"/>
+              <a:t> of proteins with similar structure</a:t>
+            </a:r>
+          </a:p>
+          <a:p>
+            <a:r>
+              <a:rPr lang="en-US" dirty="0" err="1"/>
+              <a:t>Chemoattractors</a:t>
+            </a:r>
+            <a:r>
+              <a:rPr lang="en-US" dirty="0"/>
+              <a:t>: 	-&gt; cells (dendritic cells) </a:t>
+            </a:r>
+            <a:r>
+              <a:rPr lang="en-US" dirty="0" err="1"/>
+              <a:t>rerlease</a:t>
+            </a:r>
+            <a:r>
+              <a:rPr lang="en-US" dirty="0"/>
+              <a:t> them, effector cells (leukocytes) move to the origin of release</a:t>
+            </a:r>
+          </a:p>
+          <a:p>
+            <a:r>
+              <a:rPr lang="en-US" dirty="0"/>
+              <a:t>		-&gt;chemokines bind to GPCR and induce  signaling cascade</a:t>
+            </a:r>
+          </a:p>
+          <a:p>
+            <a:r>
+              <a:rPr lang="en-US" dirty="0"/>
+              <a:t> </a:t>
+            </a:r>
+          </a:p>
+        </p:txBody>
+      </p:sp>
+      <p:sp>
+        <p:nvSpPr>
+          <p:cNvPr id="4" name="Foliennummernplatzhalter 3"/>
+          <p:cNvSpPr>
+            <a:spLocks noGrp="1"/>
+          </p:cNvSpPr>
+          <p:nvPr>
+            <p:ph type="sldNum" sz="quarter" idx="5"/>
+          </p:nvPr>
+        </p:nvSpPr>
+        <p:spPr/>
+        <p:txBody>
+          <a:bodyPr/>
+          <a:lstStyle/>
+          <a:p>
+            <a:fld id="{E7F12AC4-85F9-4B93-92D3-A9937CE1B92C}" type="slidenum">
+              <a:rPr lang="de-DE" smtClean="0"/>
+              <a:t>3</a:t>
+            </a:fld>
+            <a:endParaRPr lang="de-DE"/>
+          </a:p>
+        </p:txBody>
+      </p:sp>
+    </p:spTree>
+    <p:extLst>
+      <p:ext uri="{BB962C8B-B14F-4D97-AF65-F5344CB8AC3E}">
+        <p14:creationId xmlns:p14="http://schemas.microsoft.com/office/powerpoint/2010/main" val="1790567612"/>
+      </p:ext>
+    </p:extLst>
+  </p:cSld>
+  <p:clrMapOvr>
+    <a:masterClrMapping/>
+  </p:clrMapOvr>
+</p:notes>
+</file>
+
+<file path=ppt/notesSlides/notesSlide3.xml><?xml version="1.0" encoding="utf-8"?>
+<p:notes xmlns:a="http://schemas.openxmlformats.org/drawingml/2006/main" xmlns:r="http://schemas.openxmlformats.org/officeDocument/2006/relationships" xmlns:p="http://schemas.openxmlformats.org/presentationml/2006/main">
+  <p:cSld>
+    <p:spTree>
+      <p:nvGrpSpPr>
+        <p:cNvPr id="1" name=""/>
+        <p:cNvGrpSpPr/>
+        <p:nvPr/>
+      </p:nvGrpSpPr>
+      <p:grpSpPr>
+        <a:xfrm>
+          <a:off x="0" y="0"/>
+          <a:ext cx="0" cy="0"/>
+          <a:chOff x="0" y="0"/>
+          <a:chExt cx="0" cy="0"/>
+        </a:xfrm>
+      </p:grpSpPr>
+      <p:sp>
+        <p:nvSpPr>
+          <p:cNvPr id="2" name="Folienbildplatzhalter 1"/>
+          <p:cNvSpPr>
+            <a:spLocks noGrp="1" noRot="1" noChangeAspect="1"/>
+          </p:cNvSpPr>
+          <p:nvPr>
+            <p:ph type="sldImg"/>
+          </p:nvPr>
+        </p:nvSpPr>
+        <p:spPr/>
+      </p:sp>
+      <p:sp>
+        <p:nvSpPr>
+          <p:cNvPr id="3" name="Notizenplatzhalter 2"/>
+          <p:cNvSpPr>
+            <a:spLocks noGrp="1"/>
+          </p:cNvSpPr>
+          <p:nvPr>
+            <p:ph type="body" idx="1"/>
+          </p:nvPr>
+        </p:nvSpPr>
+        <p:spPr/>
+        <p:txBody>
+          <a:bodyPr/>
+          <a:lstStyle/>
+          <a:p>
+            <a:r>
+              <a:rPr lang="en-US" dirty="0"/>
+              <a:t>Functional immune cells are </a:t>
+            </a:r>
+            <a:r>
+              <a:rPr lang="en-US" dirty="0" err="1"/>
+              <a:t>necasssary</a:t>
+            </a:r>
+            <a:r>
+              <a:rPr lang="en-US" dirty="0"/>
+              <a:t> to prevent infections</a:t>
+            </a:r>
+          </a:p>
+          <a:p>
+            <a:r>
+              <a:rPr lang="en-US" dirty="0"/>
+              <a:t>Shouldn’t react against </a:t>
+            </a:r>
+            <a:r>
+              <a:rPr lang="en-US" dirty="0" err="1"/>
+              <a:t>selfantigens</a:t>
+            </a:r>
+            <a:r>
+              <a:rPr lang="en-US" dirty="0"/>
+              <a:t> -&gt; negative control in thymus</a:t>
+            </a:r>
+          </a:p>
+          <a:p>
+            <a:r>
+              <a:rPr lang="en-US" dirty="0"/>
+              <a:t> </a:t>
+            </a:r>
+          </a:p>
+        </p:txBody>
+      </p:sp>
+      <p:sp>
+        <p:nvSpPr>
+          <p:cNvPr id="4" name="Foliennummernplatzhalter 3"/>
+          <p:cNvSpPr>
+            <a:spLocks noGrp="1"/>
+          </p:cNvSpPr>
+          <p:nvPr>
+            <p:ph type="sldNum" sz="quarter" idx="5"/>
+          </p:nvPr>
+        </p:nvSpPr>
+        <p:spPr/>
+        <p:txBody>
+          <a:bodyPr/>
+          <a:lstStyle/>
+          <a:p>
+            <a:fld id="{E7F12AC4-85F9-4B93-92D3-A9937CE1B92C}" type="slidenum">
+              <a:rPr lang="de-DE" smtClean="0"/>
+              <a:t>4</a:t>
+            </a:fld>
+            <a:endParaRPr lang="de-DE"/>
+          </a:p>
+        </p:txBody>
+      </p:sp>
+    </p:spTree>
+    <p:extLst>
+      <p:ext uri="{BB962C8B-B14F-4D97-AF65-F5344CB8AC3E}">
+        <p14:creationId xmlns:p14="http://schemas.microsoft.com/office/powerpoint/2010/main" val="1097646354"/>
+      </p:ext>
+    </p:extLst>
+  </p:cSld>
+  <p:clrMapOvr>
+    <a:masterClrMapping/>
+  </p:clrMapOvr>
+</p:notes>
+</file>
+
 <file path=ppt/slideLayouts/slideLayout1.xml><?xml version="1.0" encoding="utf-8"?>
 <p:sldLayout xmlns:a="http://schemas.openxmlformats.org/drawingml/2006/main" xmlns:r="http://schemas.openxmlformats.org/officeDocument/2006/relationships" xmlns:p="http://schemas.openxmlformats.org/presentationml/2006/main" type="title" preserve="1">
   <p:cSld name="Titelfolie">
@@ -610,7 +1647,7 @@
           <a:p>
             <a:fld id="{4E4D35B4-7069-4B30-92CD-0AEC62722384}" type="datetime1">
               <a:rPr lang="de-DE" smtClean="0"/>
-              <a:t>08.05.2022</a:t>
+              <a:t>09.05.2022</a:t>
             </a:fld>
             <a:endParaRPr lang="de-DE"/>
           </a:p>
@@ -783,7 +1820,7 @@
           <a:p>
             <a:fld id="{EF11B494-B548-4041-8C78-F3F11B2153ED}" type="datetime1">
               <a:rPr lang="de-DE" smtClean="0"/>
-              <a:t>08.05.2022</a:t>
+              <a:t>09.05.2022</a:t>
             </a:fld>
             <a:endParaRPr lang="de-DE"/>
           </a:p>
@@ -966,7 +2003,7 @@
           <a:p>
             <a:fld id="{D34EC744-8E0F-4666-BC5A-495C368D8BA0}" type="datetime1">
               <a:rPr lang="de-DE" smtClean="0"/>
-              <a:t>08.05.2022</a:t>
+              <a:t>09.05.2022</a:t>
             </a:fld>
             <a:endParaRPr lang="de-DE"/>
           </a:p>
@@ -1139,7 +2176,7 @@
           <a:p>
             <a:fld id="{1F96605B-8219-405C-BAB3-22CFB93EC77D}" type="datetime1">
               <a:rPr lang="de-DE" smtClean="0"/>
-              <a:t>08.05.2022</a:t>
+              <a:t>09.05.2022</a:t>
             </a:fld>
             <a:endParaRPr lang="de-DE"/>
           </a:p>
@@ -1388,7 +2425,7 @@
           <a:p>
             <a:fld id="{B8870600-3A68-4AB7-9141-BAD48B0D6406}" type="datetime1">
               <a:rPr lang="de-DE" smtClean="0"/>
-              <a:t>08.05.2022</a:t>
+              <a:t>09.05.2022</a:t>
             </a:fld>
             <a:endParaRPr lang="de-DE"/>
           </a:p>
@@ -1623,7 +2660,7 @@
           <a:p>
             <a:fld id="{5FD8DBC4-4E8B-4F2E-8D75-B3D601992F13}" type="datetime1">
               <a:rPr lang="de-DE" smtClean="0"/>
-              <a:t>08.05.2022</a:t>
+              <a:t>09.05.2022</a:t>
             </a:fld>
             <a:endParaRPr lang="de-DE"/>
           </a:p>
@@ -1993,7 +3030,7 @@
           <a:p>
             <a:fld id="{E38F780F-35A8-41F2-803D-8DFD54272BEF}" type="datetime1">
               <a:rPr lang="de-DE" smtClean="0"/>
-              <a:t>08.05.2022</a:t>
+              <a:t>09.05.2022</a:t>
             </a:fld>
             <a:endParaRPr lang="de-DE"/>
           </a:p>
@@ -2114,7 +3151,7 @@
           <a:p>
             <a:fld id="{E248A22B-5891-4BB7-B577-825EF80C8DC0}" type="datetime1">
               <a:rPr lang="de-DE" smtClean="0"/>
-              <a:t>08.05.2022</a:t>
+              <a:t>09.05.2022</a:t>
             </a:fld>
             <a:endParaRPr lang="de-DE"/>
           </a:p>
@@ -2212,7 +3249,7 @@
           <a:p>
             <a:fld id="{EBAB5F03-E438-409F-948A-23B68EC68711}" type="datetime1">
               <a:rPr lang="de-DE" smtClean="0"/>
-              <a:t>08.05.2022</a:t>
+              <a:t>09.05.2022</a:t>
             </a:fld>
             <a:endParaRPr lang="de-DE"/>
           </a:p>
@@ -2492,7 +3529,7 @@
           <a:p>
             <a:fld id="{189EC830-2B5C-4E75-B244-C97623B20C7C}" type="datetime1">
               <a:rPr lang="de-DE" smtClean="0"/>
-              <a:t>08.05.2022</a:t>
+              <a:t>09.05.2022</a:t>
             </a:fld>
             <a:endParaRPr lang="de-DE"/>
           </a:p>
@@ -2752,7 +3789,7 @@
           <a:p>
             <a:fld id="{B68E9873-F58D-4E9C-B2A6-B07C00CC07F2}" type="datetime1">
               <a:rPr lang="de-DE" smtClean="0"/>
-              <a:t>08.05.2022</a:t>
+              <a:t>09.05.2022</a:t>
             </a:fld>
             <a:endParaRPr lang="de-DE"/>
           </a:p>
@@ -2968,7 +4005,7 @@
           <a:p>
             <a:fld id="{108A87E1-5614-4AB1-8F63-E303A46FF430}" type="datetime1">
               <a:rPr lang="de-DE" smtClean="0"/>
-              <a:t>08.05.2022</a:t>
+              <a:t>09.05.2022</a:t>
             </a:fld>
             <a:endParaRPr lang="de-DE"/>
           </a:p>
@@ -3363,38 +4400,6 @@
 <file path=ppt/slides/slide1.xml><?xml version="1.0" encoding="utf-8"?>
 <p:sld xmlns:a="http://schemas.openxmlformats.org/drawingml/2006/main" xmlns:r="http://schemas.openxmlformats.org/officeDocument/2006/relationships" xmlns:p="http://schemas.openxmlformats.org/presentationml/2006/main">
   <p:cSld>
-    <p:bg>
-      <p:bgPr>
-        <a:gradFill flip="none" rotWithShape="1">
-          <a:gsLst>
-            <a:gs pos="28571">
-              <a:schemeClr val="accent1">
-                <a:lumMod val="5000"/>
-                <a:lumOff val="95000"/>
-                <a:alpha val="54000"/>
-              </a:schemeClr>
-            </a:gs>
-            <a:gs pos="79000">
-              <a:srgbClr val="8CD0F4">
-                <a:alpha val="50000"/>
-                <a:lumMod val="72000"/>
-                <a:lumOff val="28000"/>
-              </a:srgbClr>
-            </a:gs>
-            <a:gs pos="100000">
-              <a:srgbClr val="10A1EA">
-                <a:alpha val="26000"/>
-                <a:lumMod val="73000"/>
-                <a:lumOff val="27000"/>
-              </a:srgbClr>
-            </a:gs>
-          </a:gsLst>
-          <a:lin ang="2700000" scaled="1"/>
-          <a:tileRect/>
-        </a:gradFill>
-        <a:effectLst/>
-      </p:bgPr>
-    </p:bg>
     <p:spTree>
       <p:nvGrpSpPr>
         <p:cNvPr id="1" name=""/>
@@ -3411,10 +4416,60 @@
       </p:grpSpPr>
       <p:sp>
         <p:nvSpPr>
-          <p:cNvPr id="9" name="Datumsplatzhalter 8">
+          <p:cNvPr id="2" name="Titel 1">
             <a:extLst>
               <a:ext uri="{FF2B5EF4-FFF2-40B4-BE49-F238E27FC236}">
-                <a16:creationId xmlns:a16="http://schemas.microsoft.com/office/drawing/2014/main" id="{B2E44AFA-B29A-4513-B164-74DF574E302B}"/>
+                <a16:creationId xmlns:a16="http://schemas.microsoft.com/office/drawing/2014/main" id="{4FCEAA53-2A3A-FB28-5197-397821E608E7}"/>
+              </a:ext>
+            </a:extLst>
+          </p:cNvPr>
+          <p:cNvSpPr>
+            <a:spLocks noGrp="1"/>
+          </p:cNvSpPr>
+          <p:nvPr>
+            <p:ph type="ctrTitle"/>
+          </p:nvPr>
+        </p:nvSpPr>
+        <p:spPr/>
+        <p:txBody>
+          <a:bodyPr/>
+          <a:lstStyle/>
+          <a:p>
+            <a:endParaRPr lang="en-US"/>
+          </a:p>
+        </p:txBody>
+      </p:sp>
+      <p:sp>
+        <p:nvSpPr>
+          <p:cNvPr id="3" name="Untertitel 2">
+            <a:extLst>
+              <a:ext uri="{FF2B5EF4-FFF2-40B4-BE49-F238E27FC236}">
+                <a16:creationId xmlns:a16="http://schemas.microsoft.com/office/drawing/2014/main" id="{B85CC125-86BF-836A-DAE4-76DBB7911FD1}"/>
+              </a:ext>
+            </a:extLst>
+          </p:cNvPr>
+          <p:cNvSpPr>
+            <a:spLocks noGrp="1"/>
+          </p:cNvSpPr>
+          <p:nvPr>
+            <p:ph type="subTitle" idx="1"/>
+          </p:nvPr>
+        </p:nvSpPr>
+        <p:spPr/>
+        <p:txBody>
+          <a:bodyPr/>
+          <a:lstStyle/>
+          <a:p>
+            <a:endParaRPr lang="en-US"/>
+          </a:p>
+        </p:txBody>
+      </p:sp>
+      <p:sp>
+        <p:nvSpPr>
+          <p:cNvPr id="4" name="Datumsplatzhalter 3">
+            <a:extLst>
+              <a:ext uri="{FF2B5EF4-FFF2-40B4-BE49-F238E27FC236}">
+                <a16:creationId xmlns:a16="http://schemas.microsoft.com/office/drawing/2014/main" id="{D27362FE-6270-E25B-284E-2B486739A085}"/>
               </a:ext>
             </a:extLst>
           </p:cNvPr>
@@ -3425,214 +4480,53 @@
             <p:ph type="dt" sz="half" idx="10"/>
           </p:nvPr>
         </p:nvSpPr>
-        <p:spPr>
-          <a:xfrm>
-            <a:off x="628650" y="5357247"/>
-            <a:ext cx="2057400" cy="304271"/>
-          </a:xfrm>
-        </p:spPr>
+        <p:spPr/>
         <p:txBody>
           <a:bodyPr/>
           <a:lstStyle/>
           <a:p>
-            <a:fld id="{4ABD6D1D-9BE7-4B6A-B4D1-FD497C782274}" type="datetime1">
-              <a:rPr lang="de-DE" smtClean="0">
-                <a:solidFill>
-                  <a:srgbClr val="2E4186"/>
-                </a:solidFill>
-              </a:rPr>
-              <a:t>08.05.2022</a:t>
+            <a:fld id="{4E4D35B4-7069-4B30-92CD-0AEC62722384}" type="datetime1">
+              <a:rPr lang="de-DE" smtClean="0"/>
+              <a:t>09.05.2022</a:t>
             </a:fld>
-            <a:endParaRPr lang="de-DE" dirty="0">
-              <a:solidFill>
-                <a:srgbClr val="2E4186"/>
-              </a:solidFill>
-            </a:endParaRPr>
-          </a:p>
-        </p:txBody>
-      </p:sp>
-      <p:sp>
-        <p:nvSpPr>
-          <p:cNvPr id="13" name="Textfeld 12">
+            <a:endParaRPr lang="de-DE"/>
+          </a:p>
+        </p:txBody>
+      </p:sp>
+      <p:sp>
+        <p:nvSpPr>
+          <p:cNvPr id="5" name="Fußzeilenplatzhalter 4">
             <a:extLst>
               <a:ext uri="{FF2B5EF4-FFF2-40B4-BE49-F238E27FC236}">
-                <a16:creationId xmlns:a16="http://schemas.microsoft.com/office/drawing/2014/main" id="{88E434CB-53F2-43DE-989A-34F83773913E}"/>
+                <a16:creationId xmlns:a16="http://schemas.microsoft.com/office/drawing/2014/main" id="{AFC56C96-4352-D25B-6569-742CAD21BC4F}"/>
               </a:ext>
             </a:extLst>
           </p:cNvPr>
-          <p:cNvSpPr txBox="1"/>
-          <p:nvPr/>
-        </p:nvSpPr>
-        <p:spPr>
-          <a:xfrm>
-            <a:off x="855423" y="295945"/>
-            <a:ext cx="7187979" cy="584775"/>
-          </a:xfrm>
-          <a:prstGeom prst="rect">
-            <a:avLst/>
-          </a:prstGeom>
-          <a:noFill/>
-        </p:spPr>
-        <p:txBody>
-          <a:bodyPr wrap="square" rtlCol="0">
-            <a:spAutoFit/>
-          </a:bodyPr>
+          <p:cNvSpPr>
+            <a:spLocks noGrp="1"/>
+          </p:cNvSpPr>
+          <p:nvPr>
+            <p:ph type="ftr" sz="quarter" idx="11"/>
+          </p:nvPr>
+        </p:nvSpPr>
+        <p:spPr/>
+        <p:txBody>
+          <a:bodyPr/>
           <a:lstStyle/>
           <a:p>
             <a:r>
-              <a:rPr lang="de-DE" sz="3200" dirty="0">
-                <a:latin typeface="+mj-lt"/>
-              </a:rPr>
-              <a:t>Biological </a:t>
-            </a:r>
-            <a:r>
-              <a:rPr lang="de-DE" sz="3200" dirty="0" err="1">
-                <a:latin typeface="+mj-lt"/>
-              </a:rPr>
-              <a:t>background</a:t>
-            </a:r>
-            <a:endParaRPr lang="de-DE" sz="3200" dirty="0">
-              <a:latin typeface="+mj-lt"/>
-            </a:endParaRPr>
-          </a:p>
-        </p:txBody>
-      </p:sp>
-      <p:cxnSp>
-        <p:nvCxnSpPr>
-          <p:cNvPr id="14" name="Gerader Verbinder 13">
+              <a:rPr lang="de-DE"/>
+              <a:t>Paul Christmann</a:t>
+            </a:r>
+          </a:p>
+        </p:txBody>
+      </p:sp>
+      <p:sp>
+        <p:nvSpPr>
+          <p:cNvPr id="6" name="Foliennummernplatzhalter 5">
             <a:extLst>
               <a:ext uri="{FF2B5EF4-FFF2-40B4-BE49-F238E27FC236}">
-                <a16:creationId xmlns:a16="http://schemas.microsoft.com/office/drawing/2014/main" id="{1CDE483F-007A-4AB6-9094-9439F0148193}"/>
-              </a:ext>
-            </a:extLst>
-          </p:cNvPr>
-          <p:cNvCxnSpPr>
-            <a:cxnSpLocks/>
-          </p:cNvCxnSpPr>
-          <p:nvPr/>
-        </p:nvCxnSpPr>
-        <p:spPr>
-          <a:xfrm>
-            <a:off x="726619" y="849404"/>
-            <a:ext cx="6854981" cy="0"/>
-          </a:xfrm>
-          <a:prstGeom prst="line">
-            <a:avLst/>
-          </a:prstGeom>
-          <a:ln>
-            <a:solidFill>
-              <a:srgbClr val="10A1EA"/>
-            </a:solidFill>
-          </a:ln>
-        </p:spPr>
-        <p:style>
-          <a:lnRef idx="1">
-            <a:schemeClr val="accent1"/>
-          </a:lnRef>
-          <a:fillRef idx="0">
-            <a:schemeClr val="accent1"/>
-          </a:fillRef>
-          <a:effectRef idx="0">
-            <a:schemeClr val="accent1"/>
-          </a:effectRef>
-          <a:fontRef idx="minor">
-            <a:schemeClr val="tx1"/>
-          </a:fontRef>
-        </p:style>
-      </p:cxnSp>
-      <p:sp>
-        <p:nvSpPr>
-          <p:cNvPr id="24" name="Rechteck 23">
-            <a:extLst>
-              <a:ext uri="{FF2B5EF4-FFF2-40B4-BE49-F238E27FC236}">
-                <a16:creationId xmlns:a16="http://schemas.microsoft.com/office/drawing/2014/main" id="{85AA2DAF-4E4E-60E3-5793-E5162487086D}"/>
-              </a:ext>
-            </a:extLst>
-          </p:cNvPr>
-          <p:cNvSpPr/>
-          <p:nvPr/>
-        </p:nvSpPr>
-        <p:spPr>
-          <a:xfrm>
-            <a:off x="152780" y="0"/>
-            <a:ext cx="406921" cy="5715000"/>
-          </a:xfrm>
-          <a:prstGeom prst="rect">
-            <a:avLst/>
-          </a:prstGeom>
-          <a:gradFill>
-            <a:gsLst>
-              <a:gs pos="1000">
-                <a:schemeClr val="bg1">
-                  <a:alpha val="91000"/>
-                </a:schemeClr>
-              </a:gs>
-              <a:gs pos="89000">
-                <a:schemeClr val="bg1"/>
-              </a:gs>
-              <a:gs pos="57000">
-                <a:srgbClr val="12D4E8"/>
-              </a:gs>
-              <a:gs pos="30000">
-                <a:srgbClr val="10A1EA"/>
-              </a:gs>
-              <a:gs pos="6000">
-                <a:srgbClr val="12D4E8"/>
-              </a:gs>
-              <a:gs pos="15000">
-                <a:srgbClr val="175CF5"/>
-              </a:gs>
-              <a:gs pos="10000">
-                <a:srgbClr val="10A1EA"/>
-              </a:gs>
-              <a:gs pos="22000">
-                <a:srgbClr val="175CF5"/>
-              </a:gs>
-            </a:gsLst>
-            <a:lin ang="5400000" scaled="1"/>
-          </a:gradFill>
-          <a:ln>
-            <a:noFill/>
-          </a:ln>
-          <a:effectLst>
-            <a:softEdge rad="38100"/>
-          </a:effectLst>
-        </p:spPr>
-        <p:style>
-          <a:lnRef idx="2">
-            <a:schemeClr val="accent1">
-              <a:shade val="50000"/>
-            </a:schemeClr>
-          </a:lnRef>
-          <a:fillRef idx="1">
-            <a:schemeClr val="accent1"/>
-          </a:fillRef>
-          <a:effectRef idx="0">
-            <a:schemeClr val="accent1"/>
-          </a:effectRef>
-          <a:fontRef idx="minor">
-            <a:schemeClr val="lt1"/>
-          </a:fontRef>
-        </p:style>
-        <p:txBody>
-          <a:bodyPr rot="0" spcFirstLastPara="0" vert="horz" wrap="square" lIns="91440" tIns="45720" rIns="91440" bIns="45720" numCol="1" spcCol="0" rtlCol="0" fromWordArt="0" anchor="ctr" anchorCtr="0" forceAA="0" compatLnSpc="1">
-            <a:prstTxWarp prst="textNoShape">
-              <a:avLst/>
-            </a:prstTxWarp>
-            <a:noAutofit/>
-          </a:bodyPr>
-          <a:lstStyle/>
-          <a:p>
-            <a:endParaRPr lang="de-DE"/>
-          </a:p>
-        </p:txBody>
-      </p:sp>
-      <p:sp>
-        <p:nvSpPr>
-          <p:cNvPr id="2" name="Foliennummernplatzhalter 1">
-            <a:extLst>
-              <a:ext uri="{FF2B5EF4-FFF2-40B4-BE49-F238E27FC236}">
-                <a16:creationId xmlns:a16="http://schemas.microsoft.com/office/drawing/2014/main" id="{7127E193-062B-1452-70A0-30F77337207F}"/>
+                <a16:creationId xmlns:a16="http://schemas.microsoft.com/office/drawing/2014/main" id="{91850625-F6D2-DF31-E70F-6D6409F30B9D}"/>
               </a:ext>
             </a:extLst>
           </p:cNvPr>
@@ -3643,308 +4537,23 @@
             <p:ph type="sldNum" sz="quarter" idx="12"/>
           </p:nvPr>
         </p:nvSpPr>
-        <p:spPr>
-          <a:xfrm>
-            <a:off x="6774750" y="5325759"/>
-            <a:ext cx="2057400" cy="304271"/>
-          </a:xfrm>
-        </p:spPr>
+        <p:spPr/>
         <p:txBody>
           <a:bodyPr/>
           <a:lstStyle/>
           <a:p>
             <a:fld id="{D3D8A29C-259F-45D5-BFFA-A48772AC905C}" type="slidenum">
-              <a:rPr lang="de-DE" smtClean="0">
-                <a:solidFill>
-                  <a:srgbClr val="2E4186"/>
-                </a:solidFill>
-              </a:rPr>
+              <a:rPr lang="de-DE" smtClean="0"/>
               <a:t>1</a:t>
             </a:fld>
-            <a:endParaRPr lang="de-DE" dirty="0">
-              <a:solidFill>
-                <a:srgbClr val="2E4186"/>
-              </a:solidFill>
-            </a:endParaRPr>
-          </a:p>
-        </p:txBody>
-      </p:sp>
-      <p:cxnSp>
-        <p:nvCxnSpPr>
-          <p:cNvPr id="23" name="Gerader Verbinder 22">
-            <a:extLst>
-              <a:ext uri="{FF2B5EF4-FFF2-40B4-BE49-F238E27FC236}">
-                <a16:creationId xmlns:a16="http://schemas.microsoft.com/office/drawing/2014/main" id="{F400FDB4-FD57-FB87-F549-2AF5E6E1AE51}"/>
-              </a:ext>
-            </a:extLst>
-          </p:cNvPr>
-          <p:cNvCxnSpPr>
-            <a:cxnSpLocks/>
-          </p:cNvCxnSpPr>
-          <p:nvPr/>
-        </p:nvCxnSpPr>
-        <p:spPr>
-          <a:xfrm flipH="1">
-            <a:off x="8832150" y="4805914"/>
-            <a:ext cx="311850" cy="909086"/>
-          </a:xfrm>
-          <a:prstGeom prst="line">
-            <a:avLst/>
-          </a:prstGeom>
-          <a:ln>
-            <a:solidFill>
-              <a:srgbClr val="10A1EA"/>
-            </a:solidFill>
-          </a:ln>
-        </p:spPr>
-        <p:style>
-          <a:lnRef idx="1">
-            <a:schemeClr val="accent1"/>
-          </a:lnRef>
-          <a:fillRef idx="0">
-            <a:schemeClr val="accent1"/>
-          </a:fillRef>
-          <a:effectRef idx="0">
-            <a:schemeClr val="accent1"/>
-          </a:effectRef>
-          <a:fontRef idx="minor">
-            <a:schemeClr val="tx1"/>
-          </a:fontRef>
-        </p:style>
-      </p:cxnSp>
-      <p:pic>
-        <p:nvPicPr>
-          <p:cNvPr id="39" name="Grafik 38">
-            <a:extLst>
-              <a:ext uri="{FF2B5EF4-FFF2-40B4-BE49-F238E27FC236}">
-                <a16:creationId xmlns:a16="http://schemas.microsoft.com/office/drawing/2014/main" id="{83A8EE2E-0954-6F9A-1734-5FCF5AFB3FA0}"/>
-              </a:ext>
-            </a:extLst>
-          </p:cNvPr>
-          <p:cNvPicPr>
-            <a:picLocks noChangeAspect="1"/>
-          </p:cNvPicPr>
-          <p:nvPr/>
-        </p:nvPicPr>
-        <p:blipFill>
-          <a:blip r:embed="rId2"/>
-          <a:stretch>
-            <a:fillRect/>
-          </a:stretch>
-        </p:blipFill>
-        <p:spPr>
-          <a:xfrm>
-            <a:off x="7644639" y="107468"/>
-            <a:ext cx="1385921" cy="1236316"/>
-          </a:xfrm>
-          <a:prstGeom prst="rect">
-            <a:avLst/>
-          </a:prstGeom>
-        </p:spPr>
-      </p:pic>
-      <p:cxnSp>
-        <p:nvCxnSpPr>
-          <p:cNvPr id="42" name="Gerader Verbinder 41">
-            <a:extLst>
-              <a:ext uri="{FF2B5EF4-FFF2-40B4-BE49-F238E27FC236}">
-                <a16:creationId xmlns:a16="http://schemas.microsoft.com/office/drawing/2014/main" id="{916F5C3D-50C3-059D-6772-1DD70D5E9604}"/>
-              </a:ext>
-            </a:extLst>
-          </p:cNvPr>
-          <p:cNvCxnSpPr>
-            <a:cxnSpLocks/>
-          </p:cNvCxnSpPr>
-          <p:nvPr/>
-        </p:nvCxnSpPr>
-        <p:spPr>
-          <a:xfrm>
-            <a:off x="628650" y="5378847"/>
-            <a:ext cx="7414752" cy="0"/>
-          </a:xfrm>
-          <a:prstGeom prst="line">
-            <a:avLst/>
-          </a:prstGeom>
-          <a:ln>
-            <a:solidFill>
-              <a:srgbClr val="10A1EA"/>
-            </a:solidFill>
-          </a:ln>
-        </p:spPr>
-        <p:style>
-          <a:lnRef idx="1">
-            <a:schemeClr val="accent1"/>
-          </a:lnRef>
-          <a:fillRef idx="0">
-            <a:schemeClr val="accent1"/>
-          </a:fillRef>
-          <a:effectRef idx="0">
-            <a:schemeClr val="accent1"/>
-          </a:effectRef>
-          <a:fontRef idx="minor">
-            <a:schemeClr val="tx1"/>
-          </a:fontRef>
-        </p:style>
-      </p:cxnSp>
-      <p:pic>
-        <p:nvPicPr>
-          <p:cNvPr id="45" name="Grafik 44" descr="Monatskalender Silhouette">
-            <a:extLst>
-              <a:ext uri="{FF2B5EF4-FFF2-40B4-BE49-F238E27FC236}">
-                <a16:creationId xmlns:a16="http://schemas.microsoft.com/office/drawing/2014/main" id="{ADE41C17-DE6A-3F4F-C168-68D57E9362E4}"/>
-              </a:ext>
-            </a:extLst>
-          </p:cNvPr>
-          <p:cNvPicPr>
-            <a:picLocks noChangeAspect="1"/>
-          </p:cNvPicPr>
-          <p:nvPr/>
-        </p:nvPicPr>
-        <p:blipFill>
-          <a:blip r:embed="rId3">
-            <a:extLst>
-              <a:ext uri="{28A0092B-C50C-407E-A947-70E740481C1C}">
-                <a14:useLocalDpi xmlns:a14="http://schemas.microsoft.com/office/drawing/2010/main" val="0"/>
-              </a:ext>
-              <a:ext uri="{96DAC541-7B7A-43D3-8B79-37D633B846F1}">
-                <asvg:svgBlip xmlns:asvg="http://schemas.microsoft.com/office/drawing/2016/SVG/main" r:embed="rId4"/>
-              </a:ext>
-            </a:extLst>
-          </a:blip>
-          <a:stretch>
-            <a:fillRect/>
-          </a:stretch>
-        </p:blipFill>
-        <p:spPr>
-          <a:xfrm>
-            <a:off x="147948" y="3234705"/>
-            <a:ext cx="406921" cy="406921"/>
-          </a:xfrm>
-          <a:prstGeom prst="rect">
-            <a:avLst/>
-          </a:prstGeom>
-        </p:spPr>
-      </p:pic>
-      <p:pic>
-        <p:nvPicPr>
-          <p:cNvPr id="47" name="Grafik 46" descr="DNA mit einfarbiger Füllung">
-            <a:extLst>
-              <a:ext uri="{FF2B5EF4-FFF2-40B4-BE49-F238E27FC236}">
-                <a16:creationId xmlns:a16="http://schemas.microsoft.com/office/drawing/2014/main" id="{E6445AF2-A601-F24F-39D8-B822D387361F}"/>
-              </a:ext>
-            </a:extLst>
-          </p:cNvPr>
-          <p:cNvPicPr>
-            <a:picLocks noChangeAspect="1"/>
-          </p:cNvPicPr>
-          <p:nvPr/>
-        </p:nvPicPr>
-        <p:blipFill>
-          <a:blip r:embed="rId5">
-            <a:extLst>
-              <a:ext uri="{28A0092B-C50C-407E-A947-70E740481C1C}">
-                <a14:useLocalDpi xmlns:a14="http://schemas.microsoft.com/office/drawing/2010/main" val="0"/>
-              </a:ext>
-              <a:ext uri="{96DAC541-7B7A-43D3-8B79-37D633B846F1}">
-                <asvg:svgBlip xmlns:asvg="http://schemas.microsoft.com/office/drawing/2016/SVG/main" r:embed="rId6"/>
-              </a:ext>
-            </a:extLst>
-          </a:blip>
-          <a:stretch>
-            <a:fillRect/>
-          </a:stretch>
-        </p:blipFill>
-        <p:spPr>
-          <a:xfrm>
-            <a:off x="147947" y="872897"/>
-            <a:ext cx="406921" cy="406921"/>
-          </a:xfrm>
-          <a:prstGeom prst="rect">
-            <a:avLst/>
-          </a:prstGeom>
-        </p:spPr>
-      </p:pic>
-      <p:pic>
-        <p:nvPicPr>
-          <p:cNvPr id="51" name="Grafik 50" descr="Balkendiagramm Silhouette">
-            <a:extLst>
-              <a:ext uri="{FF2B5EF4-FFF2-40B4-BE49-F238E27FC236}">
-                <a16:creationId xmlns:a16="http://schemas.microsoft.com/office/drawing/2014/main" id="{96C3BDE6-7984-B720-4EB5-C4480C42E2EA}"/>
-              </a:ext>
-            </a:extLst>
-          </p:cNvPr>
-          <p:cNvPicPr>
-            <a:picLocks noChangeAspect="1"/>
-          </p:cNvPicPr>
-          <p:nvPr/>
-        </p:nvPicPr>
-        <p:blipFill>
-          <a:blip r:embed="rId7">
-            <a:extLst>
-              <a:ext uri="{28A0092B-C50C-407E-A947-70E740481C1C}">
-                <a14:useLocalDpi xmlns:a14="http://schemas.microsoft.com/office/drawing/2010/main" val="0"/>
-              </a:ext>
-              <a:ext uri="{96DAC541-7B7A-43D3-8B79-37D633B846F1}">
-                <asvg:svgBlip xmlns:asvg="http://schemas.microsoft.com/office/drawing/2016/SVG/main" r:embed="rId8"/>
-              </a:ext>
-            </a:extLst>
-          </a:blip>
-          <a:stretch>
-            <a:fillRect/>
-          </a:stretch>
-        </p:blipFill>
-        <p:spPr>
-          <a:xfrm>
-            <a:off x="156220" y="2053801"/>
-            <a:ext cx="406921" cy="406921"/>
-          </a:xfrm>
-          <a:prstGeom prst="rect">
-            <a:avLst/>
-          </a:prstGeom>
-        </p:spPr>
-      </p:pic>
-      <p:pic>
-        <p:nvPicPr>
-          <p:cNvPr id="57" name="Grafik 56" descr="Benutzer Silhouette">
-            <a:extLst>
-              <a:ext uri="{FF2B5EF4-FFF2-40B4-BE49-F238E27FC236}">
-                <a16:creationId xmlns:a16="http://schemas.microsoft.com/office/drawing/2014/main" id="{FAF1D196-7D05-3E8B-77EB-98DB84254DF3}"/>
-              </a:ext>
-            </a:extLst>
-          </p:cNvPr>
-          <p:cNvPicPr>
-            <a:picLocks noChangeAspect="1"/>
-          </p:cNvPicPr>
-          <p:nvPr/>
-        </p:nvPicPr>
-        <p:blipFill>
-          <a:blip r:embed="rId9">
-            <a:extLst>
-              <a:ext uri="{28A0092B-C50C-407E-A947-70E740481C1C}">
-                <a14:useLocalDpi xmlns:a14="http://schemas.microsoft.com/office/drawing/2010/main" val="0"/>
-              </a:ext>
-              <a:ext uri="{96DAC541-7B7A-43D3-8B79-37D633B846F1}">
-                <asvg:svgBlip xmlns:asvg="http://schemas.microsoft.com/office/drawing/2016/SVG/main" r:embed="rId10"/>
-              </a:ext>
-            </a:extLst>
-          </a:blip>
-          <a:stretch>
-            <a:fillRect/>
-          </a:stretch>
-        </p:blipFill>
-        <p:spPr>
-          <a:xfrm>
-            <a:off x="147949" y="4415609"/>
-            <a:ext cx="406921" cy="406921"/>
-          </a:xfrm>
-          <a:prstGeom prst="rect">
-            <a:avLst/>
-          </a:prstGeom>
-        </p:spPr>
-      </p:pic>
+            <a:endParaRPr lang="de-DE"/>
+          </a:p>
+        </p:txBody>
+      </p:sp>
     </p:spTree>
     <p:extLst>
       <p:ext uri="{BB962C8B-B14F-4D97-AF65-F5344CB8AC3E}">
-        <p14:creationId xmlns:p14="http://schemas.microsoft.com/office/powerpoint/2010/main" val="2235751213"/>
+        <p14:creationId xmlns:p14="http://schemas.microsoft.com/office/powerpoint/2010/main" val="2839282687"/>
       </p:ext>
     </p:extLst>
   </p:cSld>
@@ -4035,7 +4644,7 @@
                   <a:srgbClr val="2E4186"/>
                 </a:solidFill>
               </a:rPr>
-              <a:t>08.05.2022</a:t>
+              <a:t>09.05.2022</a:t>
             </a:fld>
             <a:endParaRPr lang="de-DE" dirty="0">
               <a:solidFill>
@@ -4077,8 +4686,17 @@
               <a:rPr lang="de-DE" sz="3200" dirty="0">
                 <a:latin typeface="+mj-lt"/>
               </a:rPr>
-              <a:t>Dataset</a:t>
-            </a:r>
+              <a:t>Biological </a:t>
+            </a:r>
+            <a:r>
+              <a:rPr lang="de-DE" sz="3200" dirty="0" err="1">
+                <a:latin typeface="+mj-lt"/>
+              </a:rPr>
+              <a:t>background</a:t>
+            </a:r>
+            <a:endParaRPr lang="de-DE" sz="3200" dirty="0">
+              <a:latin typeface="+mj-lt"/>
+            </a:endParaRPr>
           </a:p>
         </p:txBody>
       </p:sp>
@@ -4147,30 +4765,30 @@
           </a:prstGeom>
           <a:gradFill>
             <a:gsLst>
-              <a:gs pos="2000">
+              <a:gs pos="1000">
                 <a:schemeClr val="bg1">
                   <a:alpha val="91000"/>
                 </a:schemeClr>
               </a:gs>
-              <a:gs pos="95000">
+              <a:gs pos="89000">
                 <a:schemeClr val="bg1"/>
               </a:gs>
-              <a:gs pos="75000">
+              <a:gs pos="57000">
                 <a:srgbClr val="12D4E8"/>
               </a:gs>
-              <a:gs pos="58000">
+              <a:gs pos="30000">
                 <a:srgbClr val="10A1EA"/>
               </a:gs>
-              <a:gs pos="15000">
+              <a:gs pos="6000">
                 <a:srgbClr val="12D4E8"/>
               </a:gs>
-              <a:gs pos="35000">
+              <a:gs pos="15000">
                 <a:srgbClr val="175CF5"/>
               </a:gs>
-              <a:gs pos="26000">
+              <a:gs pos="10000">
                 <a:srgbClr val="10A1EA"/>
               </a:gs>
-              <a:gs pos="46000">
+              <a:gs pos="22000">
                 <a:srgbClr val="175CF5"/>
               </a:gs>
             </a:gsLst>
@@ -4312,7 +4930,7 @@
           <p:nvPr/>
         </p:nvPicPr>
         <p:blipFill>
-          <a:blip r:embed="rId2"/>
+          <a:blip r:embed="rId3"/>
           <a:stretch>
             <a:fillRect/>
           </a:stretch>
@@ -4385,13 +5003,13 @@
           <p:nvPr/>
         </p:nvPicPr>
         <p:blipFill>
-          <a:blip r:embed="rId3">
+          <a:blip r:embed="rId4">
             <a:extLst>
               <a:ext uri="{28A0092B-C50C-407E-A947-70E740481C1C}">
                 <a14:useLocalDpi xmlns:a14="http://schemas.microsoft.com/office/drawing/2010/main" val="0"/>
               </a:ext>
               <a:ext uri="{96DAC541-7B7A-43D3-8B79-37D633B846F1}">
-                <asvg:svgBlip xmlns:asvg="http://schemas.microsoft.com/office/drawing/2016/SVG/main" r:embed="rId4"/>
+                <asvg:svgBlip xmlns:asvg="http://schemas.microsoft.com/office/drawing/2016/SVG/main" r:embed="rId5"/>
               </a:ext>
             </a:extLst>
           </a:blip>
@@ -4411,10 +5029,10 @@
       </p:pic>
       <p:pic>
         <p:nvPicPr>
-          <p:cNvPr id="49" name="Grafik 48" descr="DNA Silhouette">
+          <p:cNvPr id="47" name="Grafik 46" descr="DNA mit einfarbiger Füllung">
             <a:extLst>
               <a:ext uri="{FF2B5EF4-FFF2-40B4-BE49-F238E27FC236}">
-                <a16:creationId xmlns:a16="http://schemas.microsoft.com/office/drawing/2014/main" id="{6DEF5C3C-BCD8-CE26-6A1F-44421E61A3CA}"/>
+                <a16:creationId xmlns:a16="http://schemas.microsoft.com/office/drawing/2014/main" id="{E6445AF2-A601-F24F-39D8-B822D387361F}"/>
               </a:ext>
             </a:extLst>
           </p:cNvPr>
@@ -4424,13 +5042,13 @@
           <p:nvPr/>
         </p:nvPicPr>
         <p:blipFill>
-          <a:blip r:embed="rId5">
+          <a:blip r:embed="rId6">
             <a:extLst>
               <a:ext uri="{28A0092B-C50C-407E-A947-70E740481C1C}">
                 <a14:useLocalDpi xmlns:a14="http://schemas.microsoft.com/office/drawing/2010/main" val="0"/>
               </a:ext>
               <a:ext uri="{96DAC541-7B7A-43D3-8B79-37D633B846F1}">
-                <asvg:svgBlip xmlns:asvg="http://schemas.microsoft.com/office/drawing/2016/SVG/main" r:embed="rId6"/>
+                <asvg:svgBlip xmlns:asvg="http://schemas.microsoft.com/office/drawing/2016/SVG/main" r:embed="rId7"/>
               </a:ext>
             </a:extLst>
           </a:blip>
@@ -4440,7 +5058,7 @@
         </p:blipFill>
         <p:spPr>
           <a:xfrm>
-            <a:off x="143735" y="872897"/>
+            <a:off x="147947" y="872897"/>
             <a:ext cx="406921" cy="406921"/>
           </a:xfrm>
           <a:prstGeom prst="rect">
@@ -4450,10 +5068,10 @@
       </p:pic>
       <p:pic>
         <p:nvPicPr>
-          <p:cNvPr id="53" name="Grafik 52" descr="Balkendiagramm mit einfarbiger Füllung">
+          <p:cNvPr id="51" name="Grafik 50" descr="Balkendiagramm Silhouette">
             <a:extLst>
               <a:ext uri="{FF2B5EF4-FFF2-40B4-BE49-F238E27FC236}">
-                <a16:creationId xmlns:a16="http://schemas.microsoft.com/office/drawing/2014/main" id="{AB79FB33-E613-4BA8-9EB6-7A65F1DCEBBD}"/>
+                <a16:creationId xmlns:a16="http://schemas.microsoft.com/office/drawing/2014/main" id="{96C3BDE6-7984-B720-4EB5-C4480C42E2EA}"/>
               </a:ext>
             </a:extLst>
           </p:cNvPr>
@@ -4463,13 +5081,13 @@
           <p:nvPr/>
         </p:nvPicPr>
         <p:blipFill>
-          <a:blip r:embed="rId7">
+          <a:blip r:embed="rId8">
             <a:extLst>
               <a:ext uri="{28A0092B-C50C-407E-A947-70E740481C1C}">
                 <a14:useLocalDpi xmlns:a14="http://schemas.microsoft.com/office/drawing/2010/main" val="0"/>
               </a:ext>
               <a:ext uri="{96DAC541-7B7A-43D3-8B79-37D633B846F1}">
-                <asvg:svgBlip xmlns:asvg="http://schemas.microsoft.com/office/drawing/2016/SVG/main" r:embed="rId8"/>
+                <asvg:svgBlip xmlns:asvg="http://schemas.microsoft.com/office/drawing/2016/SVG/main" r:embed="rId9"/>
               </a:ext>
             </a:extLst>
           </a:blip>
@@ -4479,7 +5097,7 @@
         </p:blipFill>
         <p:spPr>
           <a:xfrm>
-            <a:off x="161825" y="2053186"/>
+            <a:off x="156220" y="2053801"/>
             <a:ext cx="406921" cy="406921"/>
           </a:xfrm>
           <a:prstGeom prst="rect">
@@ -4502,13 +5120,13 @@
           <p:nvPr/>
         </p:nvPicPr>
         <p:blipFill>
-          <a:blip r:embed="rId9">
+          <a:blip r:embed="rId10">
             <a:extLst>
               <a:ext uri="{28A0092B-C50C-407E-A947-70E740481C1C}">
                 <a14:useLocalDpi xmlns:a14="http://schemas.microsoft.com/office/drawing/2010/main" val="0"/>
               </a:ext>
               <a:ext uri="{96DAC541-7B7A-43D3-8B79-37D633B846F1}">
-                <asvg:svgBlip xmlns:asvg="http://schemas.microsoft.com/office/drawing/2016/SVG/main" r:embed="rId10"/>
+                <asvg:svgBlip xmlns:asvg="http://schemas.microsoft.com/office/drawing/2016/SVG/main" r:embed="rId11"/>
               </a:ext>
             </a:extLst>
           </a:blip>
@@ -4526,16 +5144,588 @@
           </a:prstGeom>
         </p:spPr>
       </p:pic>
+      <p:sp>
+        <p:nvSpPr>
+          <p:cNvPr id="4" name="Textfeld 3">
+            <a:extLst>
+              <a:ext uri="{FF2B5EF4-FFF2-40B4-BE49-F238E27FC236}">
+                <a16:creationId xmlns:a16="http://schemas.microsoft.com/office/drawing/2014/main" id="{C2273754-8FD8-80D4-BF42-2C5E7C7214B8}"/>
+              </a:ext>
+            </a:extLst>
+          </p:cNvPr>
+          <p:cNvSpPr txBox="1"/>
+          <p:nvPr/>
+        </p:nvSpPr>
+        <p:spPr>
+          <a:xfrm>
+            <a:off x="854632" y="948149"/>
+            <a:ext cx="4556354" cy="461665"/>
+          </a:xfrm>
+          <a:prstGeom prst="rect">
+            <a:avLst/>
+          </a:prstGeom>
+          <a:noFill/>
+        </p:spPr>
+        <p:txBody>
+          <a:bodyPr wrap="square" rtlCol="0">
+            <a:spAutoFit/>
+          </a:bodyPr>
+          <a:lstStyle/>
+          <a:p>
+            <a:r>
+              <a:rPr lang="en-US" sz="2400" dirty="0"/>
+              <a:t>1. Tissue restricted antigens (TRAs)</a:t>
+            </a:r>
+          </a:p>
+        </p:txBody>
+      </p:sp>
+      <p:sp>
+        <p:nvSpPr>
+          <p:cNvPr id="5" name="Textfeld 4">
+            <a:extLst>
+              <a:ext uri="{FF2B5EF4-FFF2-40B4-BE49-F238E27FC236}">
+                <a16:creationId xmlns:a16="http://schemas.microsoft.com/office/drawing/2014/main" id="{BD395C64-BDEF-D2C3-FC62-C2A4E947ECEA}"/>
+              </a:ext>
+            </a:extLst>
+          </p:cNvPr>
+          <p:cNvSpPr txBox="1"/>
+          <p:nvPr/>
+        </p:nvSpPr>
+        <p:spPr>
+          <a:xfrm>
+            <a:off x="854632" y="1435767"/>
+            <a:ext cx="7187978" cy="369332"/>
+          </a:xfrm>
+          <a:prstGeom prst="rect">
+            <a:avLst/>
+          </a:prstGeom>
+          <a:noFill/>
+        </p:spPr>
+        <p:txBody>
+          <a:bodyPr wrap="square" rtlCol="0">
+            <a:spAutoFit/>
+          </a:bodyPr>
+          <a:lstStyle/>
+          <a:p>
+            <a:pPr marL="285750" indent="-285750">
+              <a:buFont typeface="Arial" panose="020B0604020202020204" pitchFamily="34" charset="0"/>
+              <a:buChar char="•"/>
+            </a:pPr>
+            <a:r>
+              <a:rPr lang="en-US" dirty="0"/>
+              <a:t>Genes for Self-antigens → essential for functional immune cells</a:t>
+            </a:r>
+          </a:p>
+        </p:txBody>
+      </p:sp>
+      <p:sp>
+        <p:nvSpPr>
+          <p:cNvPr id="6" name="Textfeld 5">
+            <a:extLst>
+              <a:ext uri="{FF2B5EF4-FFF2-40B4-BE49-F238E27FC236}">
+                <a16:creationId xmlns:a16="http://schemas.microsoft.com/office/drawing/2014/main" id="{4147400C-2A6F-40A9-0514-B54D28D2BC12}"/>
+              </a:ext>
+            </a:extLst>
+          </p:cNvPr>
+          <p:cNvSpPr txBox="1"/>
+          <p:nvPr/>
+        </p:nvSpPr>
+        <p:spPr>
+          <a:xfrm>
+            <a:off x="854632" y="1803351"/>
+            <a:ext cx="7839601" cy="369332"/>
+          </a:xfrm>
+          <a:prstGeom prst="rect">
+            <a:avLst/>
+          </a:prstGeom>
+          <a:noFill/>
+        </p:spPr>
+        <p:txBody>
+          <a:bodyPr wrap="square" rtlCol="0">
+            <a:spAutoFit/>
+          </a:bodyPr>
+          <a:lstStyle/>
+          <a:p>
+            <a:pPr marL="285750" indent="-285750">
+              <a:buFont typeface="Arial" panose="020B0604020202020204" pitchFamily="34" charset="0"/>
+              <a:buChar char="•"/>
+            </a:pPr>
+            <a:r>
+              <a:rPr lang="en-US" dirty="0"/>
+              <a:t>Genes which are more than 5x than the median in less than 5 tissues expressed </a:t>
+            </a:r>
+          </a:p>
+        </p:txBody>
+      </p:sp>
+      <p:sp>
+        <p:nvSpPr>
+          <p:cNvPr id="7" name="Textfeld 6">
+            <a:extLst>
+              <a:ext uri="{FF2B5EF4-FFF2-40B4-BE49-F238E27FC236}">
+                <a16:creationId xmlns:a16="http://schemas.microsoft.com/office/drawing/2014/main" id="{B6DF40DB-96B9-974B-74D5-9EE13F515362}"/>
+              </a:ext>
+            </a:extLst>
+          </p:cNvPr>
+          <p:cNvSpPr txBox="1"/>
+          <p:nvPr/>
+        </p:nvSpPr>
+        <p:spPr>
+          <a:xfrm>
+            <a:off x="858072" y="2172683"/>
+            <a:ext cx="7487300" cy="369332"/>
+          </a:xfrm>
+          <a:prstGeom prst="rect">
+            <a:avLst/>
+          </a:prstGeom>
+          <a:noFill/>
+        </p:spPr>
+        <p:txBody>
+          <a:bodyPr wrap="square" rtlCol="0">
+            <a:spAutoFit/>
+          </a:bodyPr>
+          <a:lstStyle/>
+          <a:p>
+            <a:pPr marL="285750" indent="-285750">
+              <a:buFont typeface="Arial" panose="020B0604020202020204" pitchFamily="34" charset="0"/>
+              <a:buChar char="•"/>
+            </a:pPr>
+            <a:r>
+              <a:rPr lang="en-US" dirty="0"/>
+              <a:t>Ordered in Autoimmune Regulator (AIRE) controlled cluster</a:t>
+            </a:r>
+          </a:p>
+        </p:txBody>
+      </p:sp>
+      <p:pic>
+        <p:nvPicPr>
+          <p:cNvPr id="10" name="Grafik 9">
+            <a:extLst>
+              <a:ext uri="{FF2B5EF4-FFF2-40B4-BE49-F238E27FC236}">
+                <a16:creationId xmlns:a16="http://schemas.microsoft.com/office/drawing/2014/main" id="{136E0AE4-F569-7FA2-340F-BEA933ECD81D}"/>
+              </a:ext>
+            </a:extLst>
+          </p:cNvPr>
+          <p:cNvPicPr>
+            <a:picLocks noChangeAspect="1"/>
+          </p:cNvPicPr>
+          <p:nvPr/>
+        </p:nvPicPr>
+        <p:blipFill>
+          <a:blip r:embed="rId12"/>
+          <a:stretch>
+            <a:fillRect/>
+          </a:stretch>
+        </p:blipFill>
+        <p:spPr>
+          <a:xfrm>
+            <a:off x="854632" y="2695923"/>
+            <a:ext cx="4508878" cy="2475928"/>
+          </a:xfrm>
+          <a:prstGeom prst="rect">
+            <a:avLst/>
+          </a:prstGeom>
+        </p:spPr>
+      </p:pic>
+      <p:sp>
+        <p:nvSpPr>
+          <p:cNvPr id="11" name="Multiplikationszeichen 10">
+            <a:extLst>
+              <a:ext uri="{FF2B5EF4-FFF2-40B4-BE49-F238E27FC236}">
+                <a16:creationId xmlns:a16="http://schemas.microsoft.com/office/drawing/2014/main" id="{EEC00F55-A299-B811-A182-EA092261AAA0}"/>
+              </a:ext>
+            </a:extLst>
+          </p:cNvPr>
+          <p:cNvSpPr/>
+          <p:nvPr/>
+        </p:nvSpPr>
+        <p:spPr>
+          <a:xfrm>
+            <a:off x="478174" y="3350571"/>
+            <a:ext cx="2302554" cy="1792150"/>
+          </a:xfrm>
+          <a:prstGeom prst="mathMultiply">
+            <a:avLst/>
+          </a:prstGeom>
+          <a:solidFill>
+            <a:srgbClr val="FF0000"/>
+          </a:solidFill>
+          <a:ln>
+            <a:solidFill>
+              <a:srgbClr val="FF0000"/>
+            </a:solidFill>
+          </a:ln>
+        </p:spPr>
+        <p:style>
+          <a:lnRef idx="2">
+            <a:schemeClr val="accent1">
+              <a:shade val="50000"/>
+            </a:schemeClr>
+          </a:lnRef>
+          <a:fillRef idx="1">
+            <a:schemeClr val="accent1"/>
+          </a:fillRef>
+          <a:effectRef idx="0">
+            <a:schemeClr val="accent1"/>
+          </a:effectRef>
+          <a:fontRef idx="minor">
+            <a:schemeClr val="lt1"/>
+          </a:fontRef>
+        </p:style>
+        <p:txBody>
+          <a:bodyPr rtlCol="0" anchor="ctr"/>
+          <a:lstStyle/>
+          <a:p>
+            <a:pPr algn="ctr"/>
+            <a:endParaRPr lang="en-US"/>
+          </a:p>
+        </p:txBody>
+      </p:sp>
+      <p:pic>
+        <p:nvPicPr>
+          <p:cNvPr id="15" name="Grafik 14">
+            <a:extLst>
+              <a:ext uri="{FF2B5EF4-FFF2-40B4-BE49-F238E27FC236}">
+                <a16:creationId xmlns:a16="http://schemas.microsoft.com/office/drawing/2014/main" id="{8064A186-9699-1A52-B742-0E0100AB1EAD}"/>
+              </a:ext>
+            </a:extLst>
+          </p:cNvPr>
+          <p:cNvPicPr>
+            <a:picLocks noChangeAspect="1"/>
+          </p:cNvPicPr>
+          <p:nvPr/>
+        </p:nvPicPr>
+        <p:blipFill>
+          <a:blip r:embed="rId13"/>
+          <a:stretch>
+            <a:fillRect/>
+          </a:stretch>
+        </p:blipFill>
+        <p:spPr>
+          <a:xfrm>
+            <a:off x="854632" y="2704704"/>
+            <a:ext cx="4652477" cy="2458366"/>
+          </a:xfrm>
+          <a:prstGeom prst="rect">
+            <a:avLst/>
+          </a:prstGeom>
+        </p:spPr>
+      </p:pic>
     </p:spTree>
     <p:extLst>
       <p:ext uri="{BB962C8B-B14F-4D97-AF65-F5344CB8AC3E}">
-        <p14:creationId xmlns:p14="http://schemas.microsoft.com/office/powerpoint/2010/main" val="3842833307"/>
+        <p14:creationId xmlns:p14="http://schemas.microsoft.com/office/powerpoint/2010/main" val="2235751213"/>
       </p:ext>
     </p:extLst>
   </p:cSld>
   <p:clrMapOvr>
     <a:masterClrMapping/>
   </p:clrMapOvr>
+  <p:timing>
+    <p:tnLst>
+      <p:par>
+        <p:cTn id="1" dur="indefinite" restart="never" nodeType="tmRoot">
+          <p:childTnLst>
+            <p:seq concurrent="1" nextAc="seek">
+              <p:cTn id="2" dur="indefinite" nodeType="mainSeq">
+                <p:childTnLst>
+                  <p:par>
+                    <p:cTn id="3" fill="hold">
+                      <p:stCondLst>
+                        <p:cond delay="indefinite"/>
+                      </p:stCondLst>
+                      <p:childTnLst>
+                        <p:par>
+                          <p:cTn id="4" fill="hold">
+                            <p:stCondLst>
+                              <p:cond delay="0"/>
+                            </p:stCondLst>
+                            <p:childTnLst>
+                              <p:par>
+                                <p:cTn id="5" presetID="1" presetClass="entr" presetSubtype="0" fill="hold" nodeType="clickEffect">
+                                  <p:stCondLst>
+                                    <p:cond delay="0"/>
+                                  </p:stCondLst>
+                                  <p:childTnLst>
+                                    <p:set>
+                                      <p:cBhvr>
+                                        <p:cTn id="6" dur="1" fill="hold">
+                                          <p:stCondLst>
+                                            <p:cond delay="0"/>
+                                          </p:stCondLst>
+                                        </p:cTn>
+                                        <p:tgtEl>
+                                          <p:spTgt spid="10"/>
+                                        </p:tgtEl>
+                                        <p:attrNameLst>
+                                          <p:attrName>style.visibility</p:attrName>
+                                        </p:attrNameLst>
+                                      </p:cBhvr>
+                                      <p:to>
+                                        <p:strVal val="visible"/>
+                                      </p:to>
+                                    </p:set>
+                                  </p:childTnLst>
+                                </p:cTn>
+                              </p:par>
+                            </p:childTnLst>
+                          </p:cTn>
+                        </p:par>
+                      </p:childTnLst>
+                    </p:cTn>
+                  </p:par>
+                  <p:par>
+                    <p:cTn id="7" fill="hold">
+                      <p:stCondLst>
+                        <p:cond delay="indefinite"/>
+                      </p:stCondLst>
+                      <p:childTnLst>
+                        <p:par>
+                          <p:cTn id="8" fill="hold">
+                            <p:stCondLst>
+                              <p:cond delay="0"/>
+                            </p:stCondLst>
+                            <p:childTnLst>
+                              <p:par>
+                                <p:cTn id="9" presetID="1" presetClass="entr" presetSubtype="0" fill="hold" grpId="0" nodeType="clickEffect">
+                                  <p:stCondLst>
+                                    <p:cond delay="0"/>
+                                  </p:stCondLst>
+                                  <p:childTnLst>
+                                    <p:set>
+                                      <p:cBhvr>
+                                        <p:cTn id="10" dur="1" fill="hold">
+                                          <p:stCondLst>
+                                            <p:cond delay="0"/>
+                                          </p:stCondLst>
+                                        </p:cTn>
+                                        <p:tgtEl>
+                                          <p:spTgt spid="11"/>
+                                        </p:tgtEl>
+                                        <p:attrNameLst>
+                                          <p:attrName>style.visibility</p:attrName>
+                                        </p:attrNameLst>
+                                      </p:cBhvr>
+                                      <p:to>
+                                        <p:strVal val="visible"/>
+                                      </p:to>
+                                    </p:set>
+                                  </p:childTnLst>
+                                </p:cTn>
+                              </p:par>
+                            </p:childTnLst>
+                          </p:cTn>
+                        </p:par>
+                      </p:childTnLst>
+                    </p:cTn>
+                  </p:par>
+                  <p:par>
+                    <p:cTn id="11" fill="hold">
+                      <p:stCondLst>
+                        <p:cond delay="indefinite"/>
+                      </p:stCondLst>
+                      <p:childTnLst>
+                        <p:par>
+                          <p:cTn id="12" fill="hold">
+                            <p:stCondLst>
+                              <p:cond delay="0"/>
+                            </p:stCondLst>
+                            <p:childTnLst>
+                              <p:par>
+                                <p:cTn id="13" presetID="1" presetClass="entr" presetSubtype="0" fill="hold" nodeType="clickEffect">
+                                  <p:stCondLst>
+                                    <p:cond delay="0"/>
+                                  </p:stCondLst>
+                                  <p:childTnLst>
+                                    <p:set>
+                                      <p:cBhvr>
+                                        <p:cTn id="14" dur="1" fill="hold">
+                                          <p:stCondLst>
+                                            <p:cond delay="0"/>
+                                          </p:stCondLst>
+                                        </p:cTn>
+                                        <p:tgtEl>
+                                          <p:spTgt spid="15"/>
+                                        </p:tgtEl>
+                                        <p:attrNameLst>
+                                          <p:attrName>style.visibility</p:attrName>
+                                        </p:attrNameLst>
+                                      </p:cBhvr>
+                                      <p:to>
+                                        <p:strVal val="visible"/>
+                                      </p:to>
+                                    </p:set>
+                                  </p:childTnLst>
+                                </p:cTn>
+                              </p:par>
+                            </p:childTnLst>
+                          </p:cTn>
+                        </p:par>
+                      </p:childTnLst>
+                    </p:cTn>
+                  </p:par>
+                  <p:par>
+                    <p:cTn id="15" fill="hold">
+                      <p:stCondLst>
+                        <p:cond delay="indefinite"/>
+                      </p:stCondLst>
+                      <p:childTnLst>
+                        <p:par>
+                          <p:cTn id="16" fill="hold">
+                            <p:stCondLst>
+                              <p:cond delay="0"/>
+                            </p:stCondLst>
+                            <p:childTnLst>
+                              <p:par>
+                                <p:cTn id="17" presetID="1" presetClass="entr" presetSubtype="0" fill="hold" grpId="0" nodeType="clickEffect">
+                                  <p:stCondLst>
+                                    <p:cond delay="0"/>
+                                  </p:stCondLst>
+                                  <p:childTnLst>
+                                    <p:set>
+                                      <p:cBhvr>
+                                        <p:cTn id="18" dur="1" fill="hold">
+                                          <p:stCondLst>
+                                            <p:cond delay="0"/>
+                                          </p:stCondLst>
+                                        </p:cTn>
+                                        <p:tgtEl>
+                                          <p:spTgt spid="5"/>
+                                        </p:tgtEl>
+                                        <p:attrNameLst>
+                                          <p:attrName>style.visibility</p:attrName>
+                                        </p:attrNameLst>
+                                      </p:cBhvr>
+                                      <p:to>
+                                        <p:strVal val="visible"/>
+                                      </p:to>
+                                    </p:set>
+                                  </p:childTnLst>
+                                </p:cTn>
+                              </p:par>
+                            </p:childTnLst>
+                          </p:cTn>
+                        </p:par>
+                      </p:childTnLst>
+                    </p:cTn>
+                  </p:par>
+                  <p:par>
+                    <p:cTn id="19" fill="hold">
+                      <p:stCondLst>
+                        <p:cond delay="indefinite"/>
+                      </p:stCondLst>
+                      <p:childTnLst>
+                        <p:par>
+                          <p:cTn id="20" fill="hold">
+                            <p:stCondLst>
+                              <p:cond delay="0"/>
+                            </p:stCondLst>
+                            <p:childTnLst>
+                              <p:par>
+                                <p:cTn id="21" presetID="1" presetClass="entr" presetSubtype="0" fill="hold" grpId="0" nodeType="clickEffect">
+                                  <p:stCondLst>
+                                    <p:cond delay="0"/>
+                                  </p:stCondLst>
+                                  <p:childTnLst>
+                                    <p:set>
+                                      <p:cBhvr>
+                                        <p:cTn id="22" dur="1" fill="hold">
+                                          <p:stCondLst>
+                                            <p:cond delay="0"/>
+                                          </p:stCondLst>
+                                        </p:cTn>
+                                        <p:tgtEl>
+                                          <p:spTgt spid="6"/>
+                                        </p:tgtEl>
+                                        <p:attrNameLst>
+                                          <p:attrName>style.visibility</p:attrName>
+                                        </p:attrNameLst>
+                                      </p:cBhvr>
+                                      <p:to>
+                                        <p:strVal val="visible"/>
+                                      </p:to>
+                                    </p:set>
+                                  </p:childTnLst>
+                                </p:cTn>
+                              </p:par>
+                            </p:childTnLst>
+                          </p:cTn>
+                        </p:par>
+                      </p:childTnLst>
+                    </p:cTn>
+                  </p:par>
+                  <p:par>
+                    <p:cTn id="23" fill="hold">
+                      <p:stCondLst>
+                        <p:cond delay="indefinite"/>
+                      </p:stCondLst>
+                      <p:childTnLst>
+                        <p:par>
+                          <p:cTn id="24" fill="hold">
+                            <p:stCondLst>
+                              <p:cond delay="0"/>
+                            </p:stCondLst>
+                            <p:childTnLst>
+                              <p:par>
+                                <p:cTn id="25" presetID="1" presetClass="entr" presetSubtype="0" fill="hold" grpId="0" nodeType="clickEffect">
+                                  <p:stCondLst>
+                                    <p:cond delay="0"/>
+                                  </p:stCondLst>
+                                  <p:childTnLst>
+                                    <p:set>
+                                      <p:cBhvr>
+                                        <p:cTn id="26" dur="1" fill="hold">
+                                          <p:stCondLst>
+                                            <p:cond delay="0"/>
+                                          </p:stCondLst>
+                                        </p:cTn>
+                                        <p:tgtEl>
+                                          <p:spTgt spid="7"/>
+                                        </p:tgtEl>
+                                        <p:attrNameLst>
+                                          <p:attrName>style.visibility</p:attrName>
+                                        </p:attrNameLst>
+                                      </p:cBhvr>
+                                      <p:to>
+                                        <p:strVal val="visible"/>
+                                      </p:to>
+                                    </p:set>
+                                  </p:childTnLst>
+                                </p:cTn>
+                              </p:par>
+                            </p:childTnLst>
+                          </p:cTn>
+                        </p:par>
+                      </p:childTnLst>
+                    </p:cTn>
+                  </p:par>
+                </p:childTnLst>
+              </p:cTn>
+              <p:prevCondLst>
+                <p:cond evt="onPrev" delay="0">
+                  <p:tgtEl>
+                    <p:sldTgt/>
+                  </p:tgtEl>
+                </p:cond>
+              </p:prevCondLst>
+              <p:nextCondLst>
+                <p:cond evt="onNext" delay="0">
+                  <p:tgtEl>
+                    <p:sldTgt/>
+                  </p:tgtEl>
+                </p:cond>
+              </p:nextCondLst>
+            </p:seq>
+          </p:childTnLst>
+        </p:cTn>
+      </p:par>
+    </p:tnLst>
+    <p:bldLst>
+      <p:bldP spid="5" grpId="0"/>
+      <p:bldP spid="6" grpId="0"/>
+      <p:bldP spid="7" grpId="0"/>
+      <p:bldP spid="11" grpId="0" animBg="1"/>
+    </p:bldLst>
+  </p:timing>
 </p:sld>
 </file>
 
@@ -4614,18 +5804,70 @@
           <a:bodyPr/>
           <a:lstStyle/>
           <a:p>
+            <a:pPr marL="0" marR="0" lvl="0" indent="0" algn="l" defTabSz="457200" rtl="0" eaLnBrk="1" fontAlgn="auto" latinLnBrk="0" hangingPunct="1">
+              <a:lnSpc>
+                <a:spcPct val="100000"/>
+              </a:lnSpc>
+              <a:spcBef>
+                <a:spcPts val="0"/>
+              </a:spcBef>
+              <a:spcAft>
+                <a:spcPts val="0"/>
+              </a:spcAft>
+              <a:buClrTx/>
+              <a:buSzTx/>
+              <a:buFontTx/>
+              <a:buNone/>
+              <a:tabLst/>
+              <a:defRPr/>
+            </a:pPr>
             <a:fld id="{4ABD6D1D-9BE7-4B6A-B4D1-FD497C782274}" type="datetime1">
-              <a:rPr lang="de-DE" smtClean="0">
+              <a:rPr kumimoji="0" lang="de-DE" sz="900" b="0" i="0" u="none" strike="noStrike" kern="1200" cap="none" spc="0" normalizeH="0" baseline="0" noProof="0" smtClean="0">
+                <a:ln>
+                  <a:noFill/>
+                </a:ln>
                 <a:solidFill>
                   <a:srgbClr val="2E4186"/>
                 </a:solidFill>
+                <a:effectLst/>
+                <a:uLnTx/>
+                <a:uFillTx/>
+                <a:latin typeface="Calibri" panose="020F0502020204030204"/>
+                <a:ea typeface="+mn-ea"/>
+                <a:cs typeface="+mn-cs"/>
               </a:rPr>
-              <a:t>08.05.2022</a:t>
+              <a:pPr marL="0" marR="0" lvl="0" indent="0" algn="l" defTabSz="457200" rtl="0" eaLnBrk="1" fontAlgn="auto" latinLnBrk="0" hangingPunct="1">
+                <a:lnSpc>
+                  <a:spcPct val="100000"/>
+                </a:lnSpc>
+                <a:spcBef>
+                  <a:spcPts val="0"/>
+                </a:spcBef>
+                <a:spcAft>
+                  <a:spcPts val="0"/>
+                </a:spcAft>
+                <a:buClrTx/>
+                <a:buSzTx/>
+                <a:buFontTx/>
+                <a:buNone/>
+                <a:tabLst/>
+                <a:defRPr/>
+              </a:pPr>
+              <a:t>09.05.2022</a:t>
             </a:fld>
-            <a:endParaRPr lang="de-DE" dirty="0">
+            <a:endParaRPr kumimoji="0" lang="de-DE" sz="900" b="0" i="0" u="none" strike="noStrike" kern="1200" cap="none" spc="0" normalizeH="0" baseline="0" noProof="0" dirty="0">
+              <a:ln>
+                <a:noFill/>
+              </a:ln>
               <a:solidFill>
                 <a:srgbClr val="2E4186"/>
               </a:solidFill>
+              <a:effectLst/>
+              <a:uLnTx/>
+              <a:uFillTx/>
+              <a:latin typeface="Calibri" panose="020F0502020204030204"/>
+              <a:ea typeface="+mn-ea"/>
+              <a:cs typeface="+mn-cs"/>
             </a:endParaRPr>
           </a:p>
         </p:txBody>
@@ -4658,12 +5900,71 @@
           </a:bodyPr>
           <a:lstStyle/>
           <a:p>
-            <a:r>
-              <a:rPr lang="de-DE" sz="3200" dirty="0">
-                <a:latin typeface="+mj-lt"/>
+            <a:pPr marL="0" marR="0" lvl="0" indent="0" algn="l" defTabSz="457200" rtl="0" eaLnBrk="1" fontAlgn="auto" latinLnBrk="0" hangingPunct="1">
+              <a:lnSpc>
+                <a:spcPct val="100000"/>
+              </a:lnSpc>
+              <a:spcBef>
+                <a:spcPts val="0"/>
+              </a:spcBef>
+              <a:spcAft>
+                <a:spcPts val="0"/>
+              </a:spcAft>
+              <a:buClrTx/>
+              <a:buSzTx/>
+              <a:buFontTx/>
+              <a:buNone/>
+              <a:tabLst/>
+              <a:defRPr/>
+            </a:pPr>
+            <a:r>
+              <a:rPr kumimoji="0" lang="de-DE" sz="3200" b="0" i="0" u="none" strike="noStrike" kern="1200" cap="none" spc="0" normalizeH="0" baseline="0" noProof="0" dirty="0">
+                <a:ln>
+                  <a:noFill/>
+                </a:ln>
+                <a:solidFill>
+                  <a:prstClr val="black"/>
+                </a:solidFill>
+                <a:effectLst/>
+                <a:uLnTx/>
+                <a:uFillTx/>
+                <a:latin typeface="Calibri Light" panose="020F0302020204030204"/>
+                <a:ea typeface="+mn-ea"/>
+                <a:cs typeface="+mn-cs"/>
               </a:rPr>
-              <a:t>Milestones/Timeline</a:t>
-            </a:r>
+              <a:t>Biological </a:t>
+            </a:r>
+            <a:r>
+              <a:rPr kumimoji="0" lang="de-DE" sz="3200" b="0" i="0" u="none" strike="noStrike" kern="1200" cap="none" spc="0" normalizeH="0" baseline="0" noProof="0" dirty="0" err="1">
+                <a:ln>
+                  <a:noFill/>
+                </a:ln>
+                <a:solidFill>
+                  <a:prstClr val="black"/>
+                </a:solidFill>
+                <a:effectLst/>
+                <a:uLnTx/>
+                <a:uFillTx/>
+                <a:latin typeface="Calibri Light" panose="020F0302020204030204"/>
+                <a:ea typeface="+mn-ea"/>
+                <a:cs typeface="+mn-cs"/>
+              </a:rPr>
+              <a:t>background</a:t>
+            </a:r>
+            <a:endParaRPr kumimoji="0" lang="de-DE" sz="3200" b="0" i="0" u="none" strike="noStrike" kern="1200" cap="none" spc="0" normalizeH="0" baseline="0" noProof="0" dirty="0">
+              <a:ln>
+                <a:noFill/>
+              </a:ln>
+              <a:solidFill>
+                <a:prstClr val="black"/>
+              </a:solidFill>
+              <a:effectLst/>
+              <a:uLnTx/>
+              <a:uFillTx/>
+              <a:latin typeface="Calibri Light" panose="020F0302020204030204"/>
+              <a:ea typeface="+mn-ea"/>
+              <a:cs typeface="+mn-cs"/>
+            </a:endParaRPr>
           </a:p>
         </p:txBody>
       </p:sp>
@@ -4732,30 +6033,30 @@
           </a:prstGeom>
           <a:gradFill>
             <a:gsLst>
-              <a:gs pos="5000">
+              <a:gs pos="1000">
                 <a:schemeClr val="bg1">
                   <a:alpha val="91000"/>
                 </a:schemeClr>
               </a:gs>
-              <a:gs pos="98000">
+              <a:gs pos="89000">
                 <a:schemeClr val="bg1"/>
               </a:gs>
-              <a:gs pos="85000">
+              <a:gs pos="57000">
                 <a:srgbClr val="12D4E8"/>
               </a:gs>
-              <a:gs pos="77000">
+              <a:gs pos="30000">
                 <a:srgbClr val="10A1EA"/>
               </a:gs>
-              <a:gs pos="32000">
+              <a:gs pos="6000">
                 <a:srgbClr val="12D4E8"/>
               </a:gs>
-              <a:gs pos="56000">
+              <a:gs pos="15000">
                 <a:srgbClr val="175CF5"/>
               </a:gs>
-              <a:gs pos="46000">
+              <a:gs pos="10000">
                 <a:srgbClr val="10A1EA"/>
               </a:gs>
-              <a:gs pos="65000">
+              <a:gs pos="22000">
                 <a:srgbClr val="175CF5"/>
               </a:gs>
             </a:gsLst>
@@ -4793,7 +6094,37 @@
           </a:bodyPr>
           <a:lstStyle/>
           <a:p>
-            <a:endParaRPr lang="de-DE"/>
+            <a:pPr marL="0" marR="0" lvl="0" indent="0" algn="l" defTabSz="457200" rtl="0" eaLnBrk="1" fontAlgn="auto" latinLnBrk="0" hangingPunct="1">
+              <a:lnSpc>
+                <a:spcPct val="100000"/>
+              </a:lnSpc>
+              <a:spcBef>
+                <a:spcPts val="0"/>
+              </a:spcBef>
+              <a:spcAft>
+                <a:spcPts val="0"/>
+              </a:spcAft>
+              <a:buClrTx/>
+              <a:buSzTx/>
+              <a:buFontTx/>
+              <a:buNone/>
+              <a:tabLst/>
+              <a:defRPr/>
+            </a:pPr>
+            <a:endParaRPr kumimoji="0" lang="de-DE" sz="1800" b="0" i="0" u="none" strike="noStrike" kern="1200" cap="none" spc="0" normalizeH="0" baseline="0" noProof="0">
+              <a:ln>
+                <a:noFill/>
+              </a:ln>
+              <a:solidFill>
+                <a:prstClr val="white"/>
+              </a:solidFill>
+              <a:effectLst/>
+              <a:uLnTx/>
+              <a:uFillTx/>
+              <a:latin typeface="Calibri" panose="020F0502020204030204"/>
+              <a:ea typeface="+mn-ea"/>
+              <a:cs typeface="+mn-cs"/>
+            </a:endParaRPr>
           </a:p>
         </p:txBody>
       </p:sp>
@@ -4823,18 +6154,70 @@
           <a:bodyPr/>
           <a:lstStyle/>
           <a:p>
+            <a:pPr marL="0" marR="0" lvl="0" indent="0" algn="r" defTabSz="457200" rtl="0" eaLnBrk="1" fontAlgn="auto" latinLnBrk="0" hangingPunct="1">
+              <a:lnSpc>
+                <a:spcPct val="100000"/>
+              </a:lnSpc>
+              <a:spcBef>
+                <a:spcPts val="0"/>
+              </a:spcBef>
+              <a:spcAft>
+                <a:spcPts val="0"/>
+              </a:spcAft>
+              <a:buClrTx/>
+              <a:buSzTx/>
+              <a:buFontTx/>
+              <a:buNone/>
+              <a:tabLst/>
+              <a:defRPr/>
+            </a:pPr>
             <a:fld id="{D3D8A29C-259F-45D5-BFFA-A48772AC905C}" type="slidenum">
-              <a:rPr lang="de-DE" smtClean="0">
+              <a:rPr kumimoji="0" lang="de-DE" sz="900" b="0" i="0" u="none" strike="noStrike" kern="1200" cap="none" spc="0" normalizeH="0" baseline="0" noProof="0" smtClean="0">
+                <a:ln>
+                  <a:noFill/>
+                </a:ln>
                 <a:solidFill>
                   <a:srgbClr val="2E4186"/>
                 </a:solidFill>
+                <a:effectLst/>
+                <a:uLnTx/>
+                <a:uFillTx/>
+                <a:latin typeface="Calibri" panose="020F0502020204030204"/>
+                <a:ea typeface="+mn-ea"/>
+                <a:cs typeface="+mn-cs"/>
               </a:rPr>
+              <a:pPr marL="0" marR="0" lvl="0" indent="0" algn="r" defTabSz="457200" rtl="0" eaLnBrk="1" fontAlgn="auto" latinLnBrk="0" hangingPunct="1">
+                <a:lnSpc>
+                  <a:spcPct val="100000"/>
+                </a:lnSpc>
+                <a:spcBef>
+                  <a:spcPts val="0"/>
+                </a:spcBef>
+                <a:spcAft>
+                  <a:spcPts val="0"/>
+                </a:spcAft>
+                <a:buClrTx/>
+                <a:buSzTx/>
+                <a:buFontTx/>
+                <a:buNone/>
+                <a:tabLst/>
+                <a:defRPr/>
+              </a:pPr>
               <a:t>3</a:t>
             </a:fld>
-            <a:endParaRPr lang="de-DE" dirty="0">
+            <a:endParaRPr kumimoji="0" lang="de-DE" sz="900" b="0" i="0" u="none" strike="noStrike" kern="1200" cap="none" spc="0" normalizeH="0" baseline="0" noProof="0" dirty="0">
+              <a:ln>
+                <a:noFill/>
+              </a:ln>
               <a:solidFill>
                 <a:srgbClr val="2E4186"/>
               </a:solidFill>
+              <a:effectLst/>
+              <a:uLnTx/>
+              <a:uFillTx/>
+              <a:latin typeface="Calibri" panose="020F0502020204030204"/>
+              <a:ea typeface="+mn-ea"/>
+              <a:cs typeface="+mn-cs"/>
             </a:endParaRPr>
           </a:p>
         </p:txBody>
@@ -4897,7 +6280,7 @@
           <p:nvPr/>
         </p:nvPicPr>
         <p:blipFill>
-          <a:blip r:embed="rId2"/>
+          <a:blip r:embed="rId3"/>
           <a:stretch>
             <a:fillRect/>
           </a:stretch>
@@ -4957,10 +6340,10 @@
       </p:cxnSp>
       <p:pic>
         <p:nvPicPr>
-          <p:cNvPr id="49" name="Grafik 48" descr="DNA Silhouette">
+          <p:cNvPr id="45" name="Grafik 44" descr="Monatskalender Silhouette">
             <a:extLst>
               <a:ext uri="{FF2B5EF4-FFF2-40B4-BE49-F238E27FC236}">
-                <a16:creationId xmlns:a16="http://schemas.microsoft.com/office/drawing/2014/main" id="{6DEF5C3C-BCD8-CE26-6A1F-44421E61A3CA}"/>
+                <a16:creationId xmlns:a16="http://schemas.microsoft.com/office/drawing/2014/main" id="{ADE41C17-DE6A-3F4F-C168-68D57E9362E4}"/>
               </a:ext>
             </a:extLst>
           </p:cNvPr>
@@ -4970,13 +6353,13 @@
           <p:nvPr/>
         </p:nvPicPr>
         <p:blipFill>
-          <a:blip r:embed="rId3">
+          <a:blip r:embed="rId4">
             <a:extLst>
               <a:ext uri="{28A0092B-C50C-407E-A947-70E740481C1C}">
                 <a14:useLocalDpi xmlns:a14="http://schemas.microsoft.com/office/drawing/2010/main" val="0"/>
               </a:ext>
               <a:ext uri="{96DAC541-7B7A-43D3-8B79-37D633B846F1}">
-                <asvg:svgBlip xmlns:asvg="http://schemas.microsoft.com/office/drawing/2016/SVG/main" r:embed="rId4"/>
+                <asvg:svgBlip xmlns:asvg="http://schemas.microsoft.com/office/drawing/2016/SVG/main" r:embed="rId5"/>
               </a:ext>
             </a:extLst>
           </a:blip>
@@ -4986,7 +6369,7 @@
         </p:blipFill>
         <p:spPr>
           <a:xfrm>
-            <a:off x="143735" y="872897"/>
+            <a:off x="147948" y="3234705"/>
             <a:ext cx="406921" cy="406921"/>
           </a:xfrm>
           <a:prstGeom prst="rect">
@@ -4996,10 +6379,10 @@
       </p:pic>
       <p:pic>
         <p:nvPicPr>
-          <p:cNvPr id="51" name="Grafik 50" descr="Balkendiagramm Silhouette">
+          <p:cNvPr id="47" name="Grafik 46" descr="DNA mit einfarbiger Füllung">
             <a:extLst>
               <a:ext uri="{FF2B5EF4-FFF2-40B4-BE49-F238E27FC236}">
-                <a16:creationId xmlns:a16="http://schemas.microsoft.com/office/drawing/2014/main" id="{96C3BDE6-7984-B720-4EB5-C4480C42E2EA}"/>
+                <a16:creationId xmlns:a16="http://schemas.microsoft.com/office/drawing/2014/main" id="{E6445AF2-A601-F24F-39D8-B822D387361F}"/>
               </a:ext>
             </a:extLst>
           </p:cNvPr>
@@ -5009,13 +6392,13 @@
           <p:nvPr/>
         </p:nvPicPr>
         <p:blipFill>
-          <a:blip r:embed="rId5">
+          <a:blip r:embed="rId6">
             <a:extLst>
               <a:ext uri="{28A0092B-C50C-407E-A947-70E740481C1C}">
                 <a14:useLocalDpi xmlns:a14="http://schemas.microsoft.com/office/drawing/2010/main" val="0"/>
               </a:ext>
               <a:ext uri="{96DAC541-7B7A-43D3-8B79-37D633B846F1}">
-                <asvg:svgBlip xmlns:asvg="http://schemas.microsoft.com/office/drawing/2016/SVG/main" r:embed="rId6"/>
+                <asvg:svgBlip xmlns:asvg="http://schemas.microsoft.com/office/drawing/2016/SVG/main" r:embed="rId7"/>
               </a:ext>
             </a:extLst>
           </a:blip>
@@ -5025,7 +6408,7 @@
         </p:blipFill>
         <p:spPr>
           <a:xfrm>
-            <a:off x="156220" y="2053801"/>
+            <a:off x="147947" y="872897"/>
             <a:ext cx="406921" cy="406921"/>
           </a:xfrm>
           <a:prstGeom prst="rect">
@@ -5035,10 +6418,10 @@
       </p:pic>
       <p:pic>
         <p:nvPicPr>
-          <p:cNvPr id="55" name="Grafik 54" descr="Monatskalender mit einfarbiger Füllung">
+          <p:cNvPr id="51" name="Grafik 50" descr="Balkendiagramm Silhouette">
             <a:extLst>
               <a:ext uri="{FF2B5EF4-FFF2-40B4-BE49-F238E27FC236}">
-                <a16:creationId xmlns:a16="http://schemas.microsoft.com/office/drawing/2014/main" id="{22B8239E-946F-E377-A9D5-1C5712DC9123}"/>
+                <a16:creationId xmlns:a16="http://schemas.microsoft.com/office/drawing/2014/main" id="{96C3BDE6-7984-B720-4EB5-C4480C42E2EA}"/>
               </a:ext>
             </a:extLst>
           </p:cNvPr>
@@ -5048,13 +6431,13 @@
           <p:nvPr/>
         </p:nvPicPr>
         <p:blipFill>
-          <a:blip r:embed="rId7">
+          <a:blip r:embed="rId8">
             <a:extLst>
               <a:ext uri="{28A0092B-C50C-407E-A947-70E740481C1C}">
                 <a14:useLocalDpi xmlns:a14="http://schemas.microsoft.com/office/drawing/2010/main" val="0"/>
               </a:ext>
               <a:ext uri="{96DAC541-7B7A-43D3-8B79-37D633B846F1}">
-                <asvg:svgBlip xmlns:asvg="http://schemas.microsoft.com/office/drawing/2016/SVG/main" r:embed="rId8"/>
+                <asvg:svgBlip xmlns:asvg="http://schemas.microsoft.com/office/drawing/2016/SVG/main" r:embed="rId9"/>
               </a:ext>
             </a:extLst>
           </a:blip>
@@ -5064,7 +6447,7 @@
         </p:blipFill>
         <p:spPr>
           <a:xfrm>
-            <a:off x="143734" y="3234705"/>
+            <a:off x="156220" y="2053801"/>
             <a:ext cx="406921" cy="406921"/>
           </a:xfrm>
           <a:prstGeom prst="rect">
@@ -5087,13 +6470,13 @@
           <p:nvPr/>
         </p:nvPicPr>
         <p:blipFill>
-          <a:blip r:embed="rId9">
+          <a:blip r:embed="rId10">
             <a:extLst>
               <a:ext uri="{28A0092B-C50C-407E-A947-70E740481C1C}">
                 <a14:useLocalDpi xmlns:a14="http://schemas.microsoft.com/office/drawing/2010/main" val="0"/>
               </a:ext>
               <a:ext uri="{96DAC541-7B7A-43D3-8B79-37D633B846F1}">
-                <asvg:svgBlip xmlns:asvg="http://schemas.microsoft.com/office/drawing/2016/SVG/main" r:embed="rId10"/>
+                <asvg:svgBlip xmlns:asvg="http://schemas.microsoft.com/office/drawing/2016/SVG/main" r:embed="rId11"/>
               </a:ext>
             </a:extLst>
           </a:blip>
@@ -5111,10 +6494,1289 @@
           </a:prstGeom>
         </p:spPr>
       </p:pic>
+      <p:sp>
+        <p:nvSpPr>
+          <p:cNvPr id="17" name="Textfeld 16">
+            <a:extLst>
+              <a:ext uri="{FF2B5EF4-FFF2-40B4-BE49-F238E27FC236}">
+                <a16:creationId xmlns:a16="http://schemas.microsoft.com/office/drawing/2014/main" id="{4239C7F8-76C7-2741-EE17-611C716D0ACB}"/>
+              </a:ext>
+            </a:extLst>
+          </p:cNvPr>
+          <p:cNvSpPr txBox="1"/>
+          <p:nvPr/>
+        </p:nvSpPr>
+        <p:spPr>
+          <a:xfrm>
+            <a:off x="854632" y="948149"/>
+            <a:ext cx="4556354" cy="461665"/>
+          </a:xfrm>
+          <a:prstGeom prst="rect">
+            <a:avLst/>
+          </a:prstGeom>
+          <a:noFill/>
+        </p:spPr>
+        <p:txBody>
+          <a:bodyPr wrap="square" rtlCol="0">
+            <a:spAutoFit/>
+          </a:bodyPr>
+          <a:lstStyle/>
+          <a:p>
+            <a:r>
+              <a:rPr lang="en-US" sz="2400" dirty="0"/>
+              <a:t>2. Chemokines</a:t>
+            </a:r>
+          </a:p>
+        </p:txBody>
+      </p:sp>
+      <p:sp>
+        <p:nvSpPr>
+          <p:cNvPr id="5" name="Textfeld 4">
+            <a:extLst>
+              <a:ext uri="{FF2B5EF4-FFF2-40B4-BE49-F238E27FC236}">
+                <a16:creationId xmlns:a16="http://schemas.microsoft.com/office/drawing/2014/main" id="{D4E32959-3614-27CF-545D-2CFAE215BC58}"/>
+              </a:ext>
+            </a:extLst>
+          </p:cNvPr>
+          <p:cNvSpPr txBox="1"/>
+          <p:nvPr/>
+        </p:nvSpPr>
+        <p:spPr>
+          <a:xfrm>
+            <a:off x="854632" y="1413032"/>
+            <a:ext cx="4556354" cy="369332"/>
+          </a:xfrm>
+          <a:prstGeom prst="rect">
+            <a:avLst/>
+          </a:prstGeom>
+          <a:noFill/>
+        </p:spPr>
+        <p:txBody>
+          <a:bodyPr wrap="square" rtlCol="0">
+            <a:spAutoFit/>
+          </a:bodyPr>
+          <a:lstStyle/>
+          <a:p>
+            <a:pPr marL="285750" indent="-285750">
+              <a:buFont typeface="Arial" panose="020B0604020202020204" pitchFamily="34" charset="0"/>
+              <a:buChar char="•"/>
+            </a:pPr>
+            <a:r>
+              <a:rPr lang="en-US" dirty="0"/>
+              <a:t>Groupe of small similar proteins</a:t>
+            </a:r>
+          </a:p>
+        </p:txBody>
+      </p:sp>
+      <p:sp>
+        <p:nvSpPr>
+          <p:cNvPr id="6" name="Textfeld 5">
+            <a:extLst>
+              <a:ext uri="{FF2B5EF4-FFF2-40B4-BE49-F238E27FC236}">
+                <a16:creationId xmlns:a16="http://schemas.microsoft.com/office/drawing/2014/main" id="{3176CA52-3897-AAE7-243B-DF15D77A298D}"/>
+              </a:ext>
+            </a:extLst>
+          </p:cNvPr>
+          <p:cNvSpPr txBox="1"/>
+          <p:nvPr/>
+        </p:nvSpPr>
+        <p:spPr>
+          <a:xfrm>
+            <a:off x="861512" y="1794651"/>
+            <a:ext cx="3850547" cy="369332"/>
+          </a:xfrm>
+          <a:prstGeom prst="rect">
+            <a:avLst/>
+          </a:prstGeom>
+          <a:noFill/>
+        </p:spPr>
+        <p:txBody>
+          <a:bodyPr wrap="square" rtlCol="0">
+            <a:spAutoFit/>
+          </a:bodyPr>
+          <a:lstStyle/>
+          <a:p>
+            <a:pPr marL="285750" indent="-285750">
+              <a:buFont typeface="Arial" panose="020B0604020202020204" pitchFamily="34" charset="0"/>
+              <a:buChar char="•"/>
+            </a:pPr>
+            <a:r>
+              <a:rPr lang="en-US" dirty="0" err="1"/>
+              <a:t>chemoattractors</a:t>
+            </a:r>
+            <a:endParaRPr lang="en-US" dirty="0"/>
+          </a:p>
+        </p:txBody>
+      </p:sp>
+      <p:sp>
+        <p:nvSpPr>
+          <p:cNvPr id="7" name="Textfeld 6">
+            <a:extLst>
+              <a:ext uri="{FF2B5EF4-FFF2-40B4-BE49-F238E27FC236}">
+                <a16:creationId xmlns:a16="http://schemas.microsoft.com/office/drawing/2014/main" id="{CADA45C5-B97C-2408-1F65-F4D502207DBD}"/>
+              </a:ext>
+            </a:extLst>
+          </p:cNvPr>
+          <p:cNvSpPr txBox="1"/>
+          <p:nvPr/>
+        </p:nvSpPr>
+        <p:spPr>
+          <a:xfrm>
+            <a:off x="861512" y="2162220"/>
+            <a:ext cx="7087057" cy="646331"/>
+          </a:xfrm>
+          <a:prstGeom prst="rect">
+            <a:avLst/>
+          </a:prstGeom>
+          <a:noFill/>
+        </p:spPr>
+        <p:txBody>
+          <a:bodyPr wrap="square" rtlCol="0">
+            <a:spAutoFit/>
+          </a:bodyPr>
+          <a:lstStyle/>
+          <a:p>
+            <a:pPr marL="285750" indent="-285750">
+              <a:buFont typeface="Arial" panose="020B0604020202020204" pitchFamily="34" charset="0"/>
+              <a:buChar char="•"/>
+            </a:pPr>
+            <a:r>
+              <a:rPr lang="en-US" dirty="0"/>
+              <a:t>Bind to G-Protein coupled receptors (GPCR) → induce signaling cascade</a:t>
+            </a:r>
+          </a:p>
+        </p:txBody>
+      </p:sp>
+      <p:pic>
+        <p:nvPicPr>
+          <p:cNvPr id="8" name="Grafik 7">
+            <a:extLst>
+              <a:ext uri="{FF2B5EF4-FFF2-40B4-BE49-F238E27FC236}">
+                <a16:creationId xmlns:a16="http://schemas.microsoft.com/office/drawing/2014/main" id="{9E2E9193-9D83-C66E-46F1-EEAD4B753458}"/>
+              </a:ext>
+            </a:extLst>
+          </p:cNvPr>
+          <p:cNvPicPr>
+            <a:picLocks noChangeAspect="1"/>
+          </p:cNvPicPr>
+          <p:nvPr/>
+        </p:nvPicPr>
+        <p:blipFill>
+          <a:blip r:embed="rId12"/>
+          <a:stretch>
+            <a:fillRect/>
+          </a:stretch>
+        </p:blipFill>
+        <p:spPr>
+          <a:xfrm>
+            <a:off x="2189527" y="2627868"/>
+            <a:ext cx="5317551" cy="2499797"/>
+          </a:xfrm>
+          <a:prstGeom prst="rect">
+            <a:avLst/>
+          </a:prstGeom>
+        </p:spPr>
+      </p:pic>
+      <p:sp>
+        <p:nvSpPr>
+          <p:cNvPr id="10" name="Pfeil: nach unten 9">
+            <a:extLst>
+              <a:ext uri="{FF2B5EF4-FFF2-40B4-BE49-F238E27FC236}">
+                <a16:creationId xmlns:a16="http://schemas.microsoft.com/office/drawing/2014/main" id="{C77DF16C-452B-E568-BAA1-ABDBA65DC7A2}"/>
+              </a:ext>
+            </a:extLst>
+          </p:cNvPr>
+          <p:cNvSpPr/>
+          <p:nvPr/>
+        </p:nvSpPr>
+        <p:spPr>
+          <a:xfrm rot="5400000">
+            <a:off x="6031121" y="3938001"/>
+            <a:ext cx="203460" cy="1158676"/>
+          </a:xfrm>
+          <a:prstGeom prst="downArrow">
+            <a:avLst/>
+          </a:prstGeom>
+          <a:solidFill>
+            <a:srgbClr val="0D0B10"/>
+          </a:solidFill>
+          <a:ln>
+            <a:solidFill>
+              <a:srgbClr val="0D0B10"/>
+            </a:solidFill>
+          </a:ln>
+        </p:spPr>
+        <p:style>
+          <a:lnRef idx="2">
+            <a:schemeClr val="accent1">
+              <a:shade val="50000"/>
+            </a:schemeClr>
+          </a:lnRef>
+          <a:fillRef idx="1">
+            <a:schemeClr val="accent1"/>
+          </a:fillRef>
+          <a:effectRef idx="0">
+            <a:schemeClr val="accent1"/>
+          </a:effectRef>
+          <a:fontRef idx="minor">
+            <a:schemeClr val="lt1"/>
+          </a:fontRef>
+        </p:style>
+        <p:txBody>
+          <a:bodyPr rtlCol="0" anchor="ctr"/>
+          <a:lstStyle/>
+          <a:p>
+            <a:pPr algn="ctr"/>
+            <a:endParaRPr lang="en-US"/>
+          </a:p>
+        </p:txBody>
+      </p:sp>
     </p:spTree>
     <p:extLst>
       <p:ext uri="{BB962C8B-B14F-4D97-AF65-F5344CB8AC3E}">
-        <p14:creationId xmlns:p14="http://schemas.microsoft.com/office/powerpoint/2010/main" val="2494335024"/>
+        <p14:creationId xmlns:p14="http://schemas.microsoft.com/office/powerpoint/2010/main" val="3615779631"/>
+      </p:ext>
+    </p:extLst>
+  </p:cSld>
+  <p:clrMapOvr>
+    <a:masterClrMapping/>
+  </p:clrMapOvr>
+  <p:timing>
+    <p:tnLst>
+      <p:par>
+        <p:cTn id="1" dur="indefinite" restart="never" nodeType="tmRoot">
+          <p:childTnLst>
+            <p:seq concurrent="1" nextAc="seek">
+              <p:cTn id="2" dur="indefinite" nodeType="mainSeq">
+                <p:childTnLst>
+                  <p:par>
+                    <p:cTn id="3" fill="hold">
+                      <p:stCondLst>
+                        <p:cond delay="indefinite"/>
+                      </p:stCondLst>
+                      <p:childTnLst>
+                        <p:par>
+                          <p:cTn id="4" fill="hold">
+                            <p:stCondLst>
+                              <p:cond delay="0"/>
+                            </p:stCondLst>
+                            <p:childTnLst>
+                              <p:par>
+                                <p:cTn id="5" presetID="1" presetClass="entr" presetSubtype="0" fill="hold" grpId="0" nodeType="clickEffect">
+                                  <p:stCondLst>
+                                    <p:cond delay="0"/>
+                                  </p:stCondLst>
+                                  <p:childTnLst>
+                                    <p:set>
+                                      <p:cBhvr>
+                                        <p:cTn id="6" dur="1" fill="hold">
+                                          <p:stCondLst>
+                                            <p:cond delay="0"/>
+                                          </p:stCondLst>
+                                        </p:cTn>
+                                        <p:tgtEl>
+                                          <p:spTgt spid="5"/>
+                                        </p:tgtEl>
+                                        <p:attrNameLst>
+                                          <p:attrName>style.visibility</p:attrName>
+                                        </p:attrNameLst>
+                                      </p:cBhvr>
+                                      <p:to>
+                                        <p:strVal val="visible"/>
+                                      </p:to>
+                                    </p:set>
+                                  </p:childTnLst>
+                                </p:cTn>
+                              </p:par>
+                            </p:childTnLst>
+                          </p:cTn>
+                        </p:par>
+                      </p:childTnLst>
+                    </p:cTn>
+                  </p:par>
+                  <p:par>
+                    <p:cTn id="7" fill="hold">
+                      <p:stCondLst>
+                        <p:cond delay="indefinite"/>
+                      </p:stCondLst>
+                      <p:childTnLst>
+                        <p:par>
+                          <p:cTn id="8" fill="hold">
+                            <p:stCondLst>
+                              <p:cond delay="0"/>
+                            </p:stCondLst>
+                            <p:childTnLst>
+                              <p:par>
+                                <p:cTn id="9" presetID="1" presetClass="entr" presetSubtype="0" fill="hold" grpId="0" nodeType="clickEffect">
+                                  <p:stCondLst>
+                                    <p:cond delay="0"/>
+                                  </p:stCondLst>
+                                  <p:childTnLst>
+                                    <p:set>
+                                      <p:cBhvr>
+                                        <p:cTn id="10" dur="1" fill="hold">
+                                          <p:stCondLst>
+                                            <p:cond delay="0"/>
+                                          </p:stCondLst>
+                                        </p:cTn>
+                                        <p:tgtEl>
+                                          <p:spTgt spid="6"/>
+                                        </p:tgtEl>
+                                        <p:attrNameLst>
+                                          <p:attrName>style.visibility</p:attrName>
+                                        </p:attrNameLst>
+                                      </p:cBhvr>
+                                      <p:to>
+                                        <p:strVal val="visible"/>
+                                      </p:to>
+                                    </p:set>
+                                  </p:childTnLst>
+                                </p:cTn>
+                              </p:par>
+                            </p:childTnLst>
+                          </p:cTn>
+                        </p:par>
+                      </p:childTnLst>
+                    </p:cTn>
+                  </p:par>
+                  <p:par>
+                    <p:cTn id="11" fill="hold">
+                      <p:stCondLst>
+                        <p:cond delay="indefinite"/>
+                      </p:stCondLst>
+                      <p:childTnLst>
+                        <p:par>
+                          <p:cTn id="12" fill="hold">
+                            <p:stCondLst>
+                              <p:cond delay="0"/>
+                            </p:stCondLst>
+                            <p:childTnLst>
+                              <p:par>
+                                <p:cTn id="13" presetID="1" presetClass="entr" presetSubtype="0" fill="hold" nodeType="clickEffect">
+                                  <p:stCondLst>
+                                    <p:cond delay="0"/>
+                                  </p:stCondLst>
+                                  <p:childTnLst>
+                                    <p:set>
+                                      <p:cBhvr>
+                                        <p:cTn id="14" dur="1" fill="hold">
+                                          <p:stCondLst>
+                                            <p:cond delay="0"/>
+                                          </p:stCondLst>
+                                        </p:cTn>
+                                        <p:tgtEl>
+                                          <p:spTgt spid="8"/>
+                                        </p:tgtEl>
+                                        <p:attrNameLst>
+                                          <p:attrName>style.visibility</p:attrName>
+                                        </p:attrNameLst>
+                                      </p:cBhvr>
+                                      <p:to>
+                                        <p:strVal val="visible"/>
+                                      </p:to>
+                                    </p:set>
+                                  </p:childTnLst>
+                                </p:cTn>
+                              </p:par>
+                            </p:childTnLst>
+                          </p:cTn>
+                        </p:par>
+                      </p:childTnLst>
+                    </p:cTn>
+                  </p:par>
+                  <p:par>
+                    <p:cTn id="15" fill="hold">
+                      <p:stCondLst>
+                        <p:cond delay="indefinite"/>
+                      </p:stCondLst>
+                      <p:childTnLst>
+                        <p:par>
+                          <p:cTn id="16" fill="hold">
+                            <p:stCondLst>
+                              <p:cond delay="0"/>
+                            </p:stCondLst>
+                            <p:childTnLst>
+                              <p:par>
+                                <p:cTn id="17" presetID="1" presetClass="entr" presetSubtype="0" fill="hold" grpId="0" nodeType="clickEffect">
+                                  <p:stCondLst>
+                                    <p:cond delay="0"/>
+                                  </p:stCondLst>
+                                  <p:childTnLst>
+                                    <p:set>
+                                      <p:cBhvr>
+                                        <p:cTn id="18" dur="1" fill="hold">
+                                          <p:stCondLst>
+                                            <p:cond delay="0"/>
+                                          </p:stCondLst>
+                                        </p:cTn>
+                                        <p:tgtEl>
+                                          <p:spTgt spid="10"/>
+                                        </p:tgtEl>
+                                        <p:attrNameLst>
+                                          <p:attrName>style.visibility</p:attrName>
+                                        </p:attrNameLst>
+                                      </p:cBhvr>
+                                      <p:to>
+                                        <p:strVal val="visible"/>
+                                      </p:to>
+                                    </p:set>
+                                  </p:childTnLst>
+                                </p:cTn>
+                              </p:par>
+                            </p:childTnLst>
+                          </p:cTn>
+                        </p:par>
+                      </p:childTnLst>
+                    </p:cTn>
+                  </p:par>
+                  <p:par>
+                    <p:cTn id="19" fill="hold">
+                      <p:stCondLst>
+                        <p:cond delay="indefinite"/>
+                      </p:stCondLst>
+                      <p:childTnLst>
+                        <p:par>
+                          <p:cTn id="20" fill="hold">
+                            <p:stCondLst>
+                              <p:cond delay="0"/>
+                            </p:stCondLst>
+                            <p:childTnLst>
+                              <p:par>
+                                <p:cTn id="21" presetID="1" presetClass="entr" presetSubtype="0" fill="hold" grpId="0" nodeType="clickEffect">
+                                  <p:stCondLst>
+                                    <p:cond delay="0"/>
+                                  </p:stCondLst>
+                                  <p:childTnLst>
+                                    <p:set>
+                                      <p:cBhvr>
+                                        <p:cTn id="22" dur="1" fill="hold">
+                                          <p:stCondLst>
+                                            <p:cond delay="0"/>
+                                          </p:stCondLst>
+                                        </p:cTn>
+                                        <p:tgtEl>
+                                          <p:spTgt spid="7"/>
+                                        </p:tgtEl>
+                                        <p:attrNameLst>
+                                          <p:attrName>style.visibility</p:attrName>
+                                        </p:attrNameLst>
+                                      </p:cBhvr>
+                                      <p:to>
+                                        <p:strVal val="visible"/>
+                                      </p:to>
+                                    </p:set>
+                                  </p:childTnLst>
+                                </p:cTn>
+                              </p:par>
+                            </p:childTnLst>
+                          </p:cTn>
+                        </p:par>
+                      </p:childTnLst>
+                    </p:cTn>
+                  </p:par>
+                </p:childTnLst>
+              </p:cTn>
+              <p:prevCondLst>
+                <p:cond evt="onPrev" delay="0">
+                  <p:tgtEl>
+                    <p:sldTgt/>
+                  </p:tgtEl>
+                </p:cond>
+              </p:prevCondLst>
+              <p:nextCondLst>
+                <p:cond evt="onNext" delay="0">
+                  <p:tgtEl>
+                    <p:sldTgt/>
+                  </p:tgtEl>
+                </p:cond>
+              </p:nextCondLst>
+            </p:seq>
+          </p:childTnLst>
+        </p:cTn>
+      </p:par>
+    </p:tnLst>
+    <p:bldLst>
+      <p:bldP spid="5" grpId="0"/>
+      <p:bldP spid="6" grpId="0"/>
+      <p:bldP spid="7" grpId="0"/>
+      <p:bldP spid="10" grpId="0" animBg="1"/>
+    </p:bldLst>
+  </p:timing>
+</p:sld>
+</file>
+
+<file path=ppt/slides/slide4.xml><?xml version="1.0" encoding="utf-8"?>
+<p:sld xmlns:a="http://schemas.openxmlformats.org/drawingml/2006/main" xmlns:r="http://schemas.openxmlformats.org/officeDocument/2006/relationships" xmlns:p="http://schemas.openxmlformats.org/presentationml/2006/main">
+  <p:cSld>
+    <p:spTree>
+      <p:nvGrpSpPr>
+        <p:cNvPr id="1" name=""/>
+        <p:cNvGrpSpPr/>
+        <p:nvPr/>
+      </p:nvGrpSpPr>
+      <p:grpSpPr>
+        <a:xfrm>
+          <a:off x="0" y="0"/>
+          <a:ext cx="0" cy="0"/>
+          <a:chOff x="0" y="0"/>
+          <a:chExt cx="0" cy="0"/>
+        </a:xfrm>
+      </p:grpSpPr>
+      <p:sp>
+        <p:nvSpPr>
+          <p:cNvPr id="9" name="Datumsplatzhalter 8">
+            <a:extLst>
+              <a:ext uri="{FF2B5EF4-FFF2-40B4-BE49-F238E27FC236}">
+                <a16:creationId xmlns:a16="http://schemas.microsoft.com/office/drawing/2014/main" id="{B2E44AFA-B29A-4513-B164-74DF574E302B}"/>
+              </a:ext>
+            </a:extLst>
+          </p:cNvPr>
+          <p:cNvSpPr>
+            <a:spLocks noGrp="1"/>
+          </p:cNvSpPr>
+          <p:nvPr>
+            <p:ph type="dt" sz="half" idx="10"/>
+          </p:nvPr>
+        </p:nvSpPr>
+        <p:spPr>
+          <a:xfrm>
+            <a:off x="628650" y="5357247"/>
+            <a:ext cx="2057400" cy="304271"/>
+          </a:xfrm>
+        </p:spPr>
+        <p:txBody>
+          <a:bodyPr/>
+          <a:lstStyle/>
+          <a:p>
+            <a:pPr marL="0" marR="0" lvl="0" indent="0" algn="l" defTabSz="457200" rtl="0" eaLnBrk="1" fontAlgn="auto" latinLnBrk="0" hangingPunct="1">
+              <a:lnSpc>
+                <a:spcPct val="100000"/>
+              </a:lnSpc>
+              <a:spcBef>
+                <a:spcPts val="0"/>
+              </a:spcBef>
+              <a:spcAft>
+                <a:spcPts val="0"/>
+              </a:spcAft>
+              <a:buClrTx/>
+              <a:buSzTx/>
+              <a:buFontTx/>
+              <a:buNone/>
+              <a:tabLst/>
+              <a:defRPr/>
+            </a:pPr>
+            <a:fld id="{4ABD6D1D-9BE7-4B6A-B4D1-FD497C782274}" type="datetime1">
+              <a:rPr kumimoji="0" lang="de-DE" sz="900" b="0" i="0" u="none" strike="noStrike" kern="1200" cap="none" spc="0" normalizeH="0" baseline="0" noProof="0" smtClean="0">
+                <a:ln>
+                  <a:noFill/>
+                </a:ln>
+                <a:solidFill>
+                  <a:srgbClr val="2E4186"/>
+                </a:solidFill>
+                <a:effectLst/>
+                <a:uLnTx/>
+                <a:uFillTx/>
+                <a:latin typeface="Calibri" panose="020F0502020204030204"/>
+                <a:ea typeface="+mn-ea"/>
+                <a:cs typeface="+mn-cs"/>
+              </a:rPr>
+              <a:pPr marL="0" marR="0" lvl="0" indent="0" algn="l" defTabSz="457200" rtl="0" eaLnBrk="1" fontAlgn="auto" latinLnBrk="0" hangingPunct="1">
+                <a:lnSpc>
+                  <a:spcPct val="100000"/>
+                </a:lnSpc>
+                <a:spcBef>
+                  <a:spcPts val="0"/>
+                </a:spcBef>
+                <a:spcAft>
+                  <a:spcPts val="0"/>
+                </a:spcAft>
+                <a:buClrTx/>
+                <a:buSzTx/>
+                <a:buFontTx/>
+                <a:buNone/>
+                <a:tabLst/>
+                <a:defRPr/>
+              </a:pPr>
+              <a:t>09.05.2022</a:t>
+            </a:fld>
+            <a:endParaRPr kumimoji="0" lang="de-DE" sz="900" b="0" i="0" u="none" strike="noStrike" kern="1200" cap="none" spc="0" normalizeH="0" baseline="0" noProof="0" dirty="0">
+              <a:ln>
+                <a:noFill/>
+              </a:ln>
+              <a:solidFill>
+                <a:srgbClr val="2E4186"/>
+              </a:solidFill>
+              <a:effectLst/>
+              <a:uLnTx/>
+              <a:uFillTx/>
+              <a:latin typeface="Calibri" panose="020F0502020204030204"/>
+              <a:ea typeface="+mn-ea"/>
+              <a:cs typeface="+mn-cs"/>
+            </a:endParaRPr>
+          </a:p>
+        </p:txBody>
+      </p:sp>
+      <p:sp>
+        <p:nvSpPr>
+          <p:cNvPr id="13" name="Textfeld 12">
+            <a:extLst>
+              <a:ext uri="{FF2B5EF4-FFF2-40B4-BE49-F238E27FC236}">
+                <a16:creationId xmlns:a16="http://schemas.microsoft.com/office/drawing/2014/main" id="{88E434CB-53F2-43DE-989A-34F83773913E}"/>
+              </a:ext>
+            </a:extLst>
+          </p:cNvPr>
+          <p:cNvSpPr txBox="1"/>
+          <p:nvPr/>
+        </p:nvSpPr>
+        <p:spPr>
+          <a:xfrm>
+            <a:off x="855423" y="295945"/>
+            <a:ext cx="7187979" cy="584775"/>
+          </a:xfrm>
+          <a:prstGeom prst="rect">
+            <a:avLst/>
+          </a:prstGeom>
+          <a:noFill/>
+        </p:spPr>
+        <p:txBody>
+          <a:bodyPr wrap="square" rtlCol="0">
+            <a:spAutoFit/>
+          </a:bodyPr>
+          <a:lstStyle/>
+          <a:p>
+            <a:pPr marL="0" marR="0" lvl="0" indent="0" algn="l" defTabSz="457200" rtl="0" eaLnBrk="1" fontAlgn="auto" latinLnBrk="0" hangingPunct="1">
+              <a:lnSpc>
+                <a:spcPct val="100000"/>
+              </a:lnSpc>
+              <a:spcBef>
+                <a:spcPts val="0"/>
+              </a:spcBef>
+              <a:spcAft>
+                <a:spcPts val="0"/>
+              </a:spcAft>
+              <a:buClrTx/>
+              <a:buSzTx/>
+              <a:buFontTx/>
+              <a:buNone/>
+              <a:tabLst/>
+              <a:defRPr/>
+            </a:pPr>
+            <a:r>
+              <a:rPr kumimoji="0" lang="de-DE" sz="3200" b="0" i="0" u="none" strike="noStrike" kern="1200" cap="none" spc="0" normalizeH="0" baseline="0" noProof="0" dirty="0">
+                <a:ln>
+                  <a:noFill/>
+                </a:ln>
+                <a:solidFill>
+                  <a:prstClr val="black"/>
+                </a:solidFill>
+                <a:effectLst/>
+                <a:uLnTx/>
+                <a:uFillTx/>
+                <a:latin typeface="Calibri Light" panose="020F0302020204030204"/>
+                <a:ea typeface="+mn-ea"/>
+                <a:cs typeface="+mn-cs"/>
+              </a:rPr>
+              <a:t>Biological </a:t>
+            </a:r>
+            <a:r>
+              <a:rPr kumimoji="0" lang="de-DE" sz="3200" b="0" i="0" u="none" strike="noStrike" kern="1200" cap="none" spc="0" normalizeH="0" baseline="0" noProof="0" dirty="0" err="1">
+                <a:ln>
+                  <a:noFill/>
+                </a:ln>
+                <a:solidFill>
+                  <a:prstClr val="black"/>
+                </a:solidFill>
+                <a:effectLst/>
+                <a:uLnTx/>
+                <a:uFillTx/>
+                <a:latin typeface="Calibri Light" panose="020F0302020204030204"/>
+                <a:ea typeface="+mn-ea"/>
+                <a:cs typeface="+mn-cs"/>
+              </a:rPr>
+              <a:t>background</a:t>
+            </a:r>
+            <a:endParaRPr kumimoji="0" lang="de-DE" sz="3200" b="0" i="0" u="none" strike="noStrike" kern="1200" cap="none" spc="0" normalizeH="0" baseline="0" noProof="0" dirty="0">
+              <a:ln>
+                <a:noFill/>
+              </a:ln>
+              <a:solidFill>
+                <a:prstClr val="black"/>
+              </a:solidFill>
+              <a:effectLst/>
+              <a:uLnTx/>
+              <a:uFillTx/>
+              <a:latin typeface="Calibri Light" panose="020F0302020204030204"/>
+              <a:ea typeface="+mn-ea"/>
+              <a:cs typeface="+mn-cs"/>
+            </a:endParaRPr>
+          </a:p>
+        </p:txBody>
+      </p:sp>
+      <p:cxnSp>
+        <p:nvCxnSpPr>
+          <p:cNvPr id="14" name="Gerader Verbinder 13">
+            <a:extLst>
+              <a:ext uri="{FF2B5EF4-FFF2-40B4-BE49-F238E27FC236}">
+                <a16:creationId xmlns:a16="http://schemas.microsoft.com/office/drawing/2014/main" id="{1CDE483F-007A-4AB6-9094-9439F0148193}"/>
+              </a:ext>
+            </a:extLst>
+          </p:cNvPr>
+          <p:cNvCxnSpPr>
+            <a:cxnSpLocks/>
+          </p:cNvCxnSpPr>
+          <p:nvPr/>
+        </p:nvCxnSpPr>
+        <p:spPr>
+          <a:xfrm>
+            <a:off x="726619" y="849404"/>
+            <a:ext cx="6854981" cy="0"/>
+          </a:xfrm>
+          <a:prstGeom prst="line">
+            <a:avLst/>
+          </a:prstGeom>
+          <a:ln>
+            <a:solidFill>
+              <a:srgbClr val="10A1EA"/>
+            </a:solidFill>
+          </a:ln>
+        </p:spPr>
+        <p:style>
+          <a:lnRef idx="1">
+            <a:schemeClr val="accent1"/>
+          </a:lnRef>
+          <a:fillRef idx="0">
+            <a:schemeClr val="accent1"/>
+          </a:fillRef>
+          <a:effectRef idx="0">
+            <a:schemeClr val="accent1"/>
+          </a:effectRef>
+          <a:fontRef idx="minor">
+            <a:schemeClr val="tx1"/>
+          </a:fontRef>
+        </p:style>
+      </p:cxnSp>
+      <p:sp>
+        <p:nvSpPr>
+          <p:cNvPr id="24" name="Rechteck 23">
+            <a:extLst>
+              <a:ext uri="{FF2B5EF4-FFF2-40B4-BE49-F238E27FC236}">
+                <a16:creationId xmlns:a16="http://schemas.microsoft.com/office/drawing/2014/main" id="{85AA2DAF-4E4E-60E3-5793-E5162487086D}"/>
+              </a:ext>
+            </a:extLst>
+          </p:cNvPr>
+          <p:cNvSpPr/>
+          <p:nvPr/>
+        </p:nvSpPr>
+        <p:spPr>
+          <a:xfrm>
+            <a:off x="152780" y="0"/>
+            <a:ext cx="406921" cy="5715000"/>
+          </a:xfrm>
+          <a:prstGeom prst="rect">
+            <a:avLst/>
+          </a:prstGeom>
+          <a:gradFill>
+            <a:gsLst>
+              <a:gs pos="1000">
+                <a:schemeClr val="bg1">
+                  <a:alpha val="91000"/>
+                </a:schemeClr>
+              </a:gs>
+              <a:gs pos="89000">
+                <a:schemeClr val="bg1"/>
+              </a:gs>
+              <a:gs pos="57000">
+                <a:srgbClr val="12D4E8"/>
+              </a:gs>
+              <a:gs pos="30000">
+                <a:srgbClr val="10A1EA"/>
+              </a:gs>
+              <a:gs pos="6000">
+                <a:srgbClr val="12D4E8"/>
+              </a:gs>
+              <a:gs pos="15000">
+                <a:srgbClr val="175CF5"/>
+              </a:gs>
+              <a:gs pos="10000">
+                <a:srgbClr val="10A1EA"/>
+              </a:gs>
+              <a:gs pos="22000">
+                <a:srgbClr val="175CF5"/>
+              </a:gs>
+            </a:gsLst>
+            <a:lin ang="5400000" scaled="1"/>
+          </a:gradFill>
+          <a:ln>
+            <a:noFill/>
+          </a:ln>
+          <a:effectLst>
+            <a:softEdge rad="38100"/>
+          </a:effectLst>
+        </p:spPr>
+        <p:style>
+          <a:lnRef idx="2">
+            <a:schemeClr val="accent1">
+              <a:shade val="50000"/>
+            </a:schemeClr>
+          </a:lnRef>
+          <a:fillRef idx="1">
+            <a:schemeClr val="accent1"/>
+          </a:fillRef>
+          <a:effectRef idx="0">
+            <a:schemeClr val="accent1"/>
+          </a:effectRef>
+          <a:fontRef idx="minor">
+            <a:schemeClr val="lt1"/>
+          </a:fontRef>
+        </p:style>
+        <p:txBody>
+          <a:bodyPr rot="0" spcFirstLastPara="0" vert="horz" wrap="square" lIns="91440" tIns="45720" rIns="91440" bIns="45720" numCol="1" spcCol="0" rtlCol="0" fromWordArt="0" anchor="ctr" anchorCtr="0" forceAA="0" compatLnSpc="1">
+            <a:prstTxWarp prst="textNoShape">
+              <a:avLst/>
+            </a:prstTxWarp>
+            <a:noAutofit/>
+          </a:bodyPr>
+          <a:lstStyle/>
+          <a:p>
+            <a:pPr marL="0" marR="0" lvl="0" indent="0" algn="l" defTabSz="457200" rtl="0" eaLnBrk="1" fontAlgn="auto" latinLnBrk="0" hangingPunct="1">
+              <a:lnSpc>
+                <a:spcPct val="100000"/>
+              </a:lnSpc>
+              <a:spcBef>
+                <a:spcPts val="0"/>
+              </a:spcBef>
+              <a:spcAft>
+                <a:spcPts val="0"/>
+              </a:spcAft>
+              <a:buClrTx/>
+              <a:buSzTx/>
+              <a:buFontTx/>
+              <a:buNone/>
+              <a:tabLst/>
+              <a:defRPr/>
+            </a:pPr>
+            <a:endParaRPr kumimoji="0" lang="de-DE" sz="1800" b="0" i="0" u="none" strike="noStrike" kern="1200" cap="none" spc="0" normalizeH="0" baseline="0" noProof="0">
+              <a:ln>
+                <a:noFill/>
+              </a:ln>
+              <a:solidFill>
+                <a:prstClr val="white"/>
+              </a:solidFill>
+              <a:effectLst/>
+              <a:uLnTx/>
+              <a:uFillTx/>
+              <a:latin typeface="Calibri" panose="020F0502020204030204"/>
+              <a:ea typeface="+mn-ea"/>
+              <a:cs typeface="+mn-cs"/>
+            </a:endParaRPr>
+          </a:p>
+        </p:txBody>
+      </p:sp>
+      <p:sp>
+        <p:nvSpPr>
+          <p:cNvPr id="2" name="Foliennummernplatzhalter 1">
+            <a:extLst>
+              <a:ext uri="{FF2B5EF4-FFF2-40B4-BE49-F238E27FC236}">
+                <a16:creationId xmlns:a16="http://schemas.microsoft.com/office/drawing/2014/main" id="{7127E193-062B-1452-70A0-30F77337207F}"/>
+              </a:ext>
+            </a:extLst>
+          </p:cNvPr>
+          <p:cNvSpPr>
+            <a:spLocks noGrp="1"/>
+          </p:cNvSpPr>
+          <p:nvPr>
+            <p:ph type="sldNum" sz="quarter" idx="12"/>
+          </p:nvPr>
+        </p:nvSpPr>
+        <p:spPr>
+          <a:xfrm>
+            <a:off x="6774750" y="5325759"/>
+            <a:ext cx="2057400" cy="304271"/>
+          </a:xfrm>
+        </p:spPr>
+        <p:txBody>
+          <a:bodyPr/>
+          <a:lstStyle/>
+          <a:p>
+            <a:pPr marL="0" marR="0" lvl="0" indent="0" algn="r" defTabSz="457200" rtl="0" eaLnBrk="1" fontAlgn="auto" latinLnBrk="0" hangingPunct="1">
+              <a:lnSpc>
+                <a:spcPct val="100000"/>
+              </a:lnSpc>
+              <a:spcBef>
+                <a:spcPts val="0"/>
+              </a:spcBef>
+              <a:spcAft>
+                <a:spcPts val="0"/>
+              </a:spcAft>
+              <a:buClrTx/>
+              <a:buSzTx/>
+              <a:buFontTx/>
+              <a:buNone/>
+              <a:tabLst/>
+              <a:defRPr/>
+            </a:pPr>
+            <a:fld id="{D3D8A29C-259F-45D5-BFFA-A48772AC905C}" type="slidenum">
+              <a:rPr kumimoji="0" lang="de-DE" sz="900" b="0" i="0" u="none" strike="noStrike" kern="1200" cap="none" spc="0" normalizeH="0" baseline="0" noProof="0" smtClean="0">
+                <a:ln>
+                  <a:noFill/>
+                </a:ln>
+                <a:solidFill>
+                  <a:srgbClr val="2E4186"/>
+                </a:solidFill>
+                <a:effectLst/>
+                <a:uLnTx/>
+                <a:uFillTx/>
+                <a:latin typeface="Calibri" panose="020F0502020204030204"/>
+                <a:ea typeface="+mn-ea"/>
+                <a:cs typeface="+mn-cs"/>
+              </a:rPr>
+              <a:pPr marL="0" marR="0" lvl="0" indent="0" algn="r" defTabSz="457200" rtl="0" eaLnBrk="1" fontAlgn="auto" latinLnBrk="0" hangingPunct="1">
+                <a:lnSpc>
+                  <a:spcPct val="100000"/>
+                </a:lnSpc>
+                <a:spcBef>
+                  <a:spcPts val="0"/>
+                </a:spcBef>
+                <a:spcAft>
+                  <a:spcPts val="0"/>
+                </a:spcAft>
+                <a:buClrTx/>
+                <a:buSzTx/>
+                <a:buFontTx/>
+                <a:buNone/>
+                <a:tabLst/>
+                <a:defRPr/>
+              </a:pPr>
+              <a:t>4</a:t>
+            </a:fld>
+            <a:endParaRPr kumimoji="0" lang="de-DE" sz="900" b="0" i="0" u="none" strike="noStrike" kern="1200" cap="none" spc="0" normalizeH="0" baseline="0" noProof="0" dirty="0">
+              <a:ln>
+                <a:noFill/>
+              </a:ln>
+              <a:solidFill>
+                <a:srgbClr val="2E4186"/>
+              </a:solidFill>
+              <a:effectLst/>
+              <a:uLnTx/>
+              <a:uFillTx/>
+              <a:latin typeface="Calibri" panose="020F0502020204030204"/>
+              <a:ea typeface="+mn-ea"/>
+              <a:cs typeface="+mn-cs"/>
+            </a:endParaRPr>
+          </a:p>
+        </p:txBody>
+      </p:sp>
+      <p:cxnSp>
+        <p:nvCxnSpPr>
+          <p:cNvPr id="23" name="Gerader Verbinder 22">
+            <a:extLst>
+              <a:ext uri="{FF2B5EF4-FFF2-40B4-BE49-F238E27FC236}">
+                <a16:creationId xmlns:a16="http://schemas.microsoft.com/office/drawing/2014/main" id="{F400FDB4-FD57-FB87-F549-2AF5E6E1AE51}"/>
+              </a:ext>
+            </a:extLst>
+          </p:cNvPr>
+          <p:cNvCxnSpPr>
+            <a:cxnSpLocks/>
+          </p:cNvCxnSpPr>
+          <p:nvPr/>
+        </p:nvCxnSpPr>
+        <p:spPr>
+          <a:xfrm flipH="1">
+            <a:off x="8832150" y="4805914"/>
+            <a:ext cx="311850" cy="909086"/>
+          </a:xfrm>
+          <a:prstGeom prst="line">
+            <a:avLst/>
+          </a:prstGeom>
+          <a:ln>
+            <a:solidFill>
+              <a:srgbClr val="10A1EA"/>
+            </a:solidFill>
+          </a:ln>
+        </p:spPr>
+        <p:style>
+          <a:lnRef idx="1">
+            <a:schemeClr val="accent1"/>
+          </a:lnRef>
+          <a:fillRef idx="0">
+            <a:schemeClr val="accent1"/>
+          </a:fillRef>
+          <a:effectRef idx="0">
+            <a:schemeClr val="accent1"/>
+          </a:effectRef>
+          <a:fontRef idx="minor">
+            <a:schemeClr val="tx1"/>
+          </a:fontRef>
+        </p:style>
+      </p:cxnSp>
+      <p:pic>
+        <p:nvPicPr>
+          <p:cNvPr id="39" name="Grafik 38">
+            <a:extLst>
+              <a:ext uri="{FF2B5EF4-FFF2-40B4-BE49-F238E27FC236}">
+                <a16:creationId xmlns:a16="http://schemas.microsoft.com/office/drawing/2014/main" id="{83A8EE2E-0954-6F9A-1734-5FCF5AFB3FA0}"/>
+              </a:ext>
+            </a:extLst>
+          </p:cNvPr>
+          <p:cNvPicPr>
+            <a:picLocks noChangeAspect="1"/>
+          </p:cNvPicPr>
+          <p:nvPr/>
+        </p:nvPicPr>
+        <p:blipFill>
+          <a:blip r:embed="rId3"/>
+          <a:stretch>
+            <a:fillRect/>
+          </a:stretch>
+        </p:blipFill>
+        <p:spPr>
+          <a:xfrm>
+            <a:off x="7644639" y="107468"/>
+            <a:ext cx="1385921" cy="1236316"/>
+          </a:xfrm>
+          <a:prstGeom prst="rect">
+            <a:avLst/>
+          </a:prstGeom>
+        </p:spPr>
+      </p:pic>
+      <p:cxnSp>
+        <p:nvCxnSpPr>
+          <p:cNvPr id="42" name="Gerader Verbinder 41">
+            <a:extLst>
+              <a:ext uri="{FF2B5EF4-FFF2-40B4-BE49-F238E27FC236}">
+                <a16:creationId xmlns:a16="http://schemas.microsoft.com/office/drawing/2014/main" id="{916F5C3D-50C3-059D-6772-1DD70D5E9604}"/>
+              </a:ext>
+            </a:extLst>
+          </p:cNvPr>
+          <p:cNvCxnSpPr>
+            <a:cxnSpLocks/>
+          </p:cNvCxnSpPr>
+          <p:nvPr/>
+        </p:nvCxnSpPr>
+        <p:spPr>
+          <a:xfrm>
+            <a:off x="628650" y="5378847"/>
+            <a:ext cx="7414752" cy="0"/>
+          </a:xfrm>
+          <a:prstGeom prst="line">
+            <a:avLst/>
+          </a:prstGeom>
+          <a:ln>
+            <a:solidFill>
+              <a:srgbClr val="10A1EA"/>
+            </a:solidFill>
+          </a:ln>
+        </p:spPr>
+        <p:style>
+          <a:lnRef idx="1">
+            <a:schemeClr val="accent1"/>
+          </a:lnRef>
+          <a:fillRef idx="0">
+            <a:schemeClr val="accent1"/>
+          </a:fillRef>
+          <a:effectRef idx="0">
+            <a:schemeClr val="accent1"/>
+          </a:effectRef>
+          <a:fontRef idx="minor">
+            <a:schemeClr val="tx1"/>
+          </a:fontRef>
+        </p:style>
+      </p:cxnSp>
+      <p:pic>
+        <p:nvPicPr>
+          <p:cNvPr id="45" name="Grafik 44" descr="Monatskalender Silhouette">
+            <a:extLst>
+              <a:ext uri="{FF2B5EF4-FFF2-40B4-BE49-F238E27FC236}">
+                <a16:creationId xmlns:a16="http://schemas.microsoft.com/office/drawing/2014/main" id="{ADE41C17-DE6A-3F4F-C168-68D57E9362E4}"/>
+              </a:ext>
+            </a:extLst>
+          </p:cNvPr>
+          <p:cNvPicPr>
+            <a:picLocks noChangeAspect="1"/>
+          </p:cNvPicPr>
+          <p:nvPr/>
+        </p:nvPicPr>
+        <p:blipFill>
+          <a:blip r:embed="rId4">
+            <a:extLst>
+              <a:ext uri="{28A0092B-C50C-407E-A947-70E740481C1C}">
+                <a14:useLocalDpi xmlns:a14="http://schemas.microsoft.com/office/drawing/2010/main" val="0"/>
+              </a:ext>
+              <a:ext uri="{96DAC541-7B7A-43D3-8B79-37D633B846F1}">
+                <asvg:svgBlip xmlns:asvg="http://schemas.microsoft.com/office/drawing/2016/SVG/main" r:embed="rId5"/>
+              </a:ext>
+            </a:extLst>
+          </a:blip>
+          <a:stretch>
+            <a:fillRect/>
+          </a:stretch>
+        </p:blipFill>
+        <p:spPr>
+          <a:xfrm>
+            <a:off x="147948" y="3234705"/>
+            <a:ext cx="406921" cy="406921"/>
+          </a:xfrm>
+          <a:prstGeom prst="rect">
+            <a:avLst/>
+          </a:prstGeom>
+        </p:spPr>
+      </p:pic>
+      <p:pic>
+        <p:nvPicPr>
+          <p:cNvPr id="47" name="Grafik 46" descr="DNA mit einfarbiger Füllung">
+            <a:extLst>
+              <a:ext uri="{FF2B5EF4-FFF2-40B4-BE49-F238E27FC236}">
+                <a16:creationId xmlns:a16="http://schemas.microsoft.com/office/drawing/2014/main" id="{E6445AF2-A601-F24F-39D8-B822D387361F}"/>
+              </a:ext>
+            </a:extLst>
+          </p:cNvPr>
+          <p:cNvPicPr>
+            <a:picLocks noChangeAspect="1"/>
+          </p:cNvPicPr>
+          <p:nvPr/>
+        </p:nvPicPr>
+        <p:blipFill>
+          <a:blip r:embed="rId6">
+            <a:extLst>
+              <a:ext uri="{28A0092B-C50C-407E-A947-70E740481C1C}">
+                <a14:useLocalDpi xmlns:a14="http://schemas.microsoft.com/office/drawing/2010/main" val="0"/>
+              </a:ext>
+              <a:ext uri="{96DAC541-7B7A-43D3-8B79-37D633B846F1}">
+                <asvg:svgBlip xmlns:asvg="http://schemas.microsoft.com/office/drawing/2016/SVG/main" r:embed="rId7"/>
+              </a:ext>
+            </a:extLst>
+          </a:blip>
+          <a:stretch>
+            <a:fillRect/>
+          </a:stretch>
+        </p:blipFill>
+        <p:spPr>
+          <a:xfrm>
+            <a:off x="147947" y="872897"/>
+            <a:ext cx="406921" cy="406921"/>
+          </a:xfrm>
+          <a:prstGeom prst="rect">
+            <a:avLst/>
+          </a:prstGeom>
+        </p:spPr>
+      </p:pic>
+      <p:pic>
+        <p:nvPicPr>
+          <p:cNvPr id="51" name="Grafik 50" descr="Balkendiagramm Silhouette">
+            <a:extLst>
+              <a:ext uri="{FF2B5EF4-FFF2-40B4-BE49-F238E27FC236}">
+                <a16:creationId xmlns:a16="http://schemas.microsoft.com/office/drawing/2014/main" id="{96C3BDE6-7984-B720-4EB5-C4480C42E2EA}"/>
+              </a:ext>
+            </a:extLst>
+          </p:cNvPr>
+          <p:cNvPicPr>
+            <a:picLocks noChangeAspect="1"/>
+          </p:cNvPicPr>
+          <p:nvPr/>
+        </p:nvPicPr>
+        <p:blipFill>
+          <a:blip r:embed="rId8">
+            <a:extLst>
+              <a:ext uri="{28A0092B-C50C-407E-A947-70E740481C1C}">
+                <a14:useLocalDpi xmlns:a14="http://schemas.microsoft.com/office/drawing/2010/main" val="0"/>
+              </a:ext>
+              <a:ext uri="{96DAC541-7B7A-43D3-8B79-37D633B846F1}">
+                <asvg:svgBlip xmlns:asvg="http://schemas.microsoft.com/office/drawing/2016/SVG/main" r:embed="rId9"/>
+              </a:ext>
+            </a:extLst>
+          </a:blip>
+          <a:stretch>
+            <a:fillRect/>
+          </a:stretch>
+        </p:blipFill>
+        <p:spPr>
+          <a:xfrm>
+            <a:off x="156220" y="2053801"/>
+            <a:ext cx="406921" cy="406921"/>
+          </a:xfrm>
+          <a:prstGeom prst="rect">
+            <a:avLst/>
+          </a:prstGeom>
+        </p:spPr>
+      </p:pic>
+      <p:pic>
+        <p:nvPicPr>
+          <p:cNvPr id="57" name="Grafik 56" descr="Benutzer Silhouette">
+            <a:extLst>
+              <a:ext uri="{FF2B5EF4-FFF2-40B4-BE49-F238E27FC236}">
+                <a16:creationId xmlns:a16="http://schemas.microsoft.com/office/drawing/2014/main" id="{FAF1D196-7D05-3E8B-77EB-98DB84254DF3}"/>
+              </a:ext>
+            </a:extLst>
+          </p:cNvPr>
+          <p:cNvPicPr>
+            <a:picLocks noChangeAspect="1"/>
+          </p:cNvPicPr>
+          <p:nvPr/>
+        </p:nvPicPr>
+        <p:blipFill>
+          <a:blip r:embed="rId10">
+            <a:extLst>
+              <a:ext uri="{28A0092B-C50C-407E-A947-70E740481C1C}">
+                <a14:useLocalDpi xmlns:a14="http://schemas.microsoft.com/office/drawing/2010/main" val="0"/>
+              </a:ext>
+              <a:ext uri="{96DAC541-7B7A-43D3-8B79-37D633B846F1}">
+                <asvg:svgBlip xmlns:asvg="http://schemas.microsoft.com/office/drawing/2016/SVG/main" r:embed="rId11"/>
+              </a:ext>
+            </a:extLst>
+          </a:blip>
+          <a:stretch>
+            <a:fillRect/>
+          </a:stretch>
+        </p:blipFill>
+        <p:spPr>
+          <a:xfrm>
+            <a:off x="147949" y="4415609"/>
+            <a:ext cx="406921" cy="406921"/>
+          </a:xfrm>
+          <a:prstGeom prst="rect">
+            <a:avLst/>
+          </a:prstGeom>
+        </p:spPr>
+      </p:pic>
+      <p:sp>
+        <p:nvSpPr>
+          <p:cNvPr id="16" name="Textfeld 15">
+            <a:extLst>
+              <a:ext uri="{FF2B5EF4-FFF2-40B4-BE49-F238E27FC236}">
+                <a16:creationId xmlns:a16="http://schemas.microsoft.com/office/drawing/2014/main" id="{879B0F17-F148-5E16-8821-AF3E7006B5BB}"/>
+              </a:ext>
+            </a:extLst>
+          </p:cNvPr>
+          <p:cNvSpPr txBox="1"/>
+          <p:nvPr/>
+        </p:nvSpPr>
+        <p:spPr>
+          <a:xfrm>
+            <a:off x="854632" y="948149"/>
+            <a:ext cx="4556354" cy="461665"/>
+          </a:xfrm>
+          <a:prstGeom prst="rect">
+            <a:avLst/>
+          </a:prstGeom>
+          <a:noFill/>
+        </p:spPr>
+        <p:txBody>
+          <a:bodyPr wrap="square" rtlCol="0">
+            <a:spAutoFit/>
+          </a:bodyPr>
+          <a:lstStyle/>
+          <a:p>
+            <a:r>
+              <a:rPr lang="en-US" sz="2400" dirty="0"/>
+              <a:t>3. Biological thesis</a:t>
+            </a:r>
+          </a:p>
+        </p:txBody>
+      </p:sp>
+    </p:spTree>
+    <p:extLst>
+      <p:ext uri="{BB962C8B-B14F-4D97-AF65-F5344CB8AC3E}">
+        <p14:creationId xmlns:p14="http://schemas.microsoft.com/office/powerpoint/2010/main" val="25286458"/>
       </p:ext>
     </p:extLst>
   </p:cSld>
@@ -5124,7 +7786,7 @@
 </p:sld>
 </file>
 
-<file path=ppt/slides/slide4.xml><?xml version="1.0" encoding="utf-8"?>
+<file path=ppt/slides/slide5.xml><?xml version="1.0" encoding="utf-8"?>
 <p:sld xmlns:a="http://schemas.openxmlformats.org/drawingml/2006/main" xmlns:r="http://schemas.openxmlformats.org/officeDocument/2006/relationships" xmlns:p="http://schemas.openxmlformats.org/presentationml/2006/main">
   <p:cSld>
     <p:bg>
@@ -5205,7 +7867,1177 @@
                   <a:srgbClr val="2E4186"/>
                 </a:solidFill>
               </a:rPr>
-              <a:t>08.05.2022</a:t>
+              <a:t>09.05.2022</a:t>
+            </a:fld>
+            <a:endParaRPr lang="de-DE" dirty="0">
+              <a:solidFill>
+                <a:srgbClr val="2E4186"/>
+              </a:solidFill>
+            </a:endParaRPr>
+          </a:p>
+        </p:txBody>
+      </p:sp>
+      <p:sp>
+        <p:nvSpPr>
+          <p:cNvPr id="13" name="Textfeld 12">
+            <a:extLst>
+              <a:ext uri="{FF2B5EF4-FFF2-40B4-BE49-F238E27FC236}">
+                <a16:creationId xmlns:a16="http://schemas.microsoft.com/office/drawing/2014/main" id="{88E434CB-53F2-43DE-989A-34F83773913E}"/>
+              </a:ext>
+            </a:extLst>
+          </p:cNvPr>
+          <p:cNvSpPr txBox="1"/>
+          <p:nvPr/>
+        </p:nvSpPr>
+        <p:spPr>
+          <a:xfrm>
+            <a:off x="855423" y="295945"/>
+            <a:ext cx="7187979" cy="584775"/>
+          </a:xfrm>
+          <a:prstGeom prst="rect">
+            <a:avLst/>
+          </a:prstGeom>
+          <a:noFill/>
+        </p:spPr>
+        <p:txBody>
+          <a:bodyPr wrap="square" rtlCol="0">
+            <a:spAutoFit/>
+          </a:bodyPr>
+          <a:lstStyle/>
+          <a:p>
+            <a:r>
+              <a:rPr lang="de-DE" sz="3200" dirty="0">
+                <a:latin typeface="+mj-lt"/>
+              </a:rPr>
+              <a:t>Dataset</a:t>
+            </a:r>
+          </a:p>
+        </p:txBody>
+      </p:sp>
+      <p:cxnSp>
+        <p:nvCxnSpPr>
+          <p:cNvPr id="14" name="Gerader Verbinder 13">
+            <a:extLst>
+              <a:ext uri="{FF2B5EF4-FFF2-40B4-BE49-F238E27FC236}">
+                <a16:creationId xmlns:a16="http://schemas.microsoft.com/office/drawing/2014/main" id="{1CDE483F-007A-4AB6-9094-9439F0148193}"/>
+              </a:ext>
+            </a:extLst>
+          </p:cNvPr>
+          <p:cNvCxnSpPr>
+            <a:cxnSpLocks/>
+          </p:cNvCxnSpPr>
+          <p:nvPr/>
+        </p:nvCxnSpPr>
+        <p:spPr>
+          <a:xfrm>
+            <a:off x="726619" y="849404"/>
+            <a:ext cx="6854981" cy="0"/>
+          </a:xfrm>
+          <a:prstGeom prst="line">
+            <a:avLst/>
+          </a:prstGeom>
+          <a:ln>
+            <a:solidFill>
+              <a:srgbClr val="10A1EA"/>
+            </a:solidFill>
+          </a:ln>
+        </p:spPr>
+        <p:style>
+          <a:lnRef idx="1">
+            <a:schemeClr val="accent1"/>
+          </a:lnRef>
+          <a:fillRef idx="0">
+            <a:schemeClr val="accent1"/>
+          </a:fillRef>
+          <a:effectRef idx="0">
+            <a:schemeClr val="accent1"/>
+          </a:effectRef>
+          <a:fontRef idx="minor">
+            <a:schemeClr val="tx1"/>
+          </a:fontRef>
+        </p:style>
+      </p:cxnSp>
+      <p:sp>
+        <p:nvSpPr>
+          <p:cNvPr id="24" name="Rechteck 23">
+            <a:extLst>
+              <a:ext uri="{FF2B5EF4-FFF2-40B4-BE49-F238E27FC236}">
+                <a16:creationId xmlns:a16="http://schemas.microsoft.com/office/drawing/2014/main" id="{85AA2DAF-4E4E-60E3-5793-E5162487086D}"/>
+              </a:ext>
+            </a:extLst>
+          </p:cNvPr>
+          <p:cNvSpPr/>
+          <p:nvPr/>
+        </p:nvSpPr>
+        <p:spPr>
+          <a:xfrm>
+            <a:off x="152780" y="0"/>
+            <a:ext cx="406921" cy="5715000"/>
+          </a:xfrm>
+          <a:prstGeom prst="rect">
+            <a:avLst/>
+          </a:prstGeom>
+          <a:gradFill>
+            <a:gsLst>
+              <a:gs pos="2000">
+                <a:schemeClr val="bg1">
+                  <a:alpha val="91000"/>
+                </a:schemeClr>
+              </a:gs>
+              <a:gs pos="95000">
+                <a:schemeClr val="bg1"/>
+              </a:gs>
+              <a:gs pos="75000">
+                <a:srgbClr val="12D4E8"/>
+              </a:gs>
+              <a:gs pos="58000">
+                <a:srgbClr val="10A1EA"/>
+              </a:gs>
+              <a:gs pos="15000">
+                <a:srgbClr val="12D4E8"/>
+              </a:gs>
+              <a:gs pos="35000">
+                <a:srgbClr val="175CF5"/>
+              </a:gs>
+              <a:gs pos="26000">
+                <a:srgbClr val="10A1EA"/>
+              </a:gs>
+              <a:gs pos="46000">
+                <a:srgbClr val="175CF5"/>
+              </a:gs>
+            </a:gsLst>
+            <a:lin ang="5400000" scaled="1"/>
+          </a:gradFill>
+          <a:ln>
+            <a:noFill/>
+          </a:ln>
+          <a:effectLst>
+            <a:softEdge rad="38100"/>
+          </a:effectLst>
+        </p:spPr>
+        <p:style>
+          <a:lnRef idx="2">
+            <a:schemeClr val="accent1">
+              <a:shade val="50000"/>
+            </a:schemeClr>
+          </a:lnRef>
+          <a:fillRef idx="1">
+            <a:schemeClr val="accent1"/>
+          </a:fillRef>
+          <a:effectRef idx="0">
+            <a:schemeClr val="accent1"/>
+          </a:effectRef>
+          <a:fontRef idx="minor">
+            <a:schemeClr val="lt1"/>
+          </a:fontRef>
+        </p:style>
+        <p:txBody>
+          <a:bodyPr rot="0" spcFirstLastPara="0" vert="horz" wrap="square" lIns="91440" tIns="45720" rIns="91440" bIns="45720" numCol="1" spcCol="0" rtlCol="0" fromWordArt="0" anchor="ctr" anchorCtr="0" forceAA="0" compatLnSpc="1">
+            <a:prstTxWarp prst="textNoShape">
+              <a:avLst/>
+            </a:prstTxWarp>
+            <a:noAutofit/>
+          </a:bodyPr>
+          <a:lstStyle/>
+          <a:p>
+            <a:endParaRPr lang="de-DE"/>
+          </a:p>
+        </p:txBody>
+      </p:sp>
+      <p:sp>
+        <p:nvSpPr>
+          <p:cNvPr id="2" name="Foliennummernplatzhalter 1">
+            <a:extLst>
+              <a:ext uri="{FF2B5EF4-FFF2-40B4-BE49-F238E27FC236}">
+                <a16:creationId xmlns:a16="http://schemas.microsoft.com/office/drawing/2014/main" id="{7127E193-062B-1452-70A0-30F77337207F}"/>
+              </a:ext>
+            </a:extLst>
+          </p:cNvPr>
+          <p:cNvSpPr>
+            <a:spLocks noGrp="1"/>
+          </p:cNvSpPr>
+          <p:nvPr>
+            <p:ph type="sldNum" sz="quarter" idx="12"/>
+          </p:nvPr>
+        </p:nvSpPr>
+        <p:spPr>
+          <a:xfrm>
+            <a:off x="6774750" y="5325759"/>
+            <a:ext cx="2057400" cy="304271"/>
+          </a:xfrm>
+        </p:spPr>
+        <p:txBody>
+          <a:bodyPr/>
+          <a:lstStyle/>
+          <a:p>
+            <a:fld id="{D3D8A29C-259F-45D5-BFFA-A48772AC905C}" type="slidenum">
+              <a:rPr lang="de-DE" smtClean="0">
+                <a:solidFill>
+                  <a:srgbClr val="2E4186"/>
+                </a:solidFill>
+              </a:rPr>
+              <a:t>5</a:t>
+            </a:fld>
+            <a:endParaRPr lang="de-DE" dirty="0">
+              <a:solidFill>
+                <a:srgbClr val="2E4186"/>
+              </a:solidFill>
+            </a:endParaRPr>
+          </a:p>
+        </p:txBody>
+      </p:sp>
+      <p:cxnSp>
+        <p:nvCxnSpPr>
+          <p:cNvPr id="23" name="Gerader Verbinder 22">
+            <a:extLst>
+              <a:ext uri="{FF2B5EF4-FFF2-40B4-BE49-F238E27FC236}">
+                <a16:creationId xmlns:a16="http://schemas.microsoft.com/office/drawing/2014/main" id="{F400FDB4-FD57-FB87-F549-2AF5E6E1AE51}"/>
+              </a:ext>
+            </a:extLst>
+          </p:cNvPr>
+          <p:cNvCxnSpPr>
+            <a:cxnSpLocks/>
+          </p:cNvCxnSpPr>
+          <p:nvPr/>
+        </p:nvCxnSpPr>
+        <p:spPr>
+          <a:xfrm flipH="1">
+            <a:off x="8832150" y="4805914"/>
+            <a:ext cx="311850" cy="909086"/>
+          </a:xfrm>
+          <a:prstGeom prst="line">
+            <a:avLst/>
+          </a:prstGeom>
+          <a:ln>
+            <a:solidFill>
+              <a:srgbClr val="10A1EA"/>
+            </a:solidFill>
+          </a:ln>
+        </p:spPr>
+        <p:style>
+          <a:lnRef idx="1">
+            <a:schemeClr val="accent1"/>
+          </a:lnRef>
+          <a:fillRef idx="0">
+            <a:schemeClr val="accent1"/>
+          </a:fillRef>
+          <a:effectRef idx="0">
+            <a:schemeClr val="accent1"/>
+          </a:effectRef>
+          <a:fontRef idx="minor">
+            <a:schemeClr val="tx1"/>
+          </a:fontRef>
+        </p:style>
+      </p:cxnSp>
+      <p:pic>
+        <p:nvPicPr>
+          <p:cNvPr id="39" name="Grafik 38">
+            <a:extLst>
+              <a:ext uri="{FF2B5EF4-FFF2-40B4-BE49-F238E27FC236}">
+                <a16:creationId xmlns:a16="http://schemas.microsoft.com/office/drawing/2014/main" id="{83A8EE2E-0954-6F9A-1734-5FCF5AFB3FA0}"/>
+              </a:ext>
+            </a:extLst>
+          </p:cNvPr>
+          <p:cNvPicPr>
+            <a:picLocks noChangeAspect="1"/>
+          </p:cNvPicPr>
+          <p:nvPr/>
+        </p:nvPicPr>
+        <p:blipFill>
+          <a:blip r:embed="rId2"/>
+          <a:stretch>
+            <a:fillRect/>
+          </a:stretch>
+        </p:blipFill>
+        <p:spPr>
+          <a:xfrm>
+            <a:off x="7644639" y="107468"/>
+            <a:ext cx="1385921" cy="1236316"/>
+          </a:xfrm>
+          <a:prstGeom prst="rect">
+            <a:avLst/>
+          </a:prstGeom>
+        </p:spPr>
+      </p:pic>
+      <p:cxnSp>
+        <p:nvCxnSpPr>
+          <p:cNvPr id="42" name="Gerader Verbinder 41">
+            <a:extLst>
+              <a:ext uri="{FF2B5EF4-FFF2-40B4-BE49-F238E27FC236}">
+                <a16:creationId xmlns:a16="http://schemas.microsoft.com/office/drawing/2014/main" id="{916F5C3D-50C3-059D-6772-1DD70D5E9604}"/>
+              </a:ext>
+            </a:extLst>
+          </p:cNvPr>
+          <p:cNvCxnSpPr>
+            <a:cxnSpLocks/>
+          </p:cNvCxnSpPr>
+          <p:nvPr/>
+        </p:nvCxnSpPr>
+        <p:spPr>
+          <a:xfrm>
+            <a:off x="628650" y="5378847"/>
+            <a:ext cx="7414752" cy="0"/>
+          </a:xfrm>
+          <a:prstGeom prst="line">
+            <a:avLst/>
+          </a:prstGeom>
+          <a:ln>
+            <a:solidFill>
+              <a:srgbClr val="10A1EA"/>
+            </a:solidFill>
+          </a:ln>
+        </p:spPr>
+        <p:style>
+          <a:lnRef idx="1">
+            <a:schemeClr val="accent1"/>
+          </a:lnRef>
+          <a:fillRef idx="0">
+            <a:schemeClr val="accent1"/>
+          </a:fillRef>
+          <a:effectRef idx="0">
+            <a:schemeClr val="accent1"/>
+          </a:effectRef>
+          <a:fontRef idx="minor">
+            <a:schemeClr val="tx1"/>
+          </a:fontRef>
+        </p:style>
+      </p:cxnSp>
+      <p:pic>
+        <p:nvPicPr>
+          <p:cNvPr id="45" name="Grafik 44" descr="Monatskalender Silhouette">
+            <a:extLst>
+              <a:ext uri="{FF2B5EF4-FFF2-40B4-BE49-F238E27FC236}">
+                <a16:creationId xmlns:a16="http://schemas.microsoft.com/office/drawing/2014/main" id="{ADE41C17-DE6A-3F4F-C168-68D57E9362E4}"/>
+              </a:ext>
+            </a:extLst>
+          </p:cNvPr>
+          <p:cNvPicPr>
+            <a:picLocks noChangeAspect="1"/>
+          </p:cNvPicPr>
+          <p:nvPr/>
+        </p:nvPicPr>
+        <p:blipFill>
+          <a:blip r:embed="rId3">
+            <a:extLst>
+              <a:ext uri="{28A0092B-C50C-407E-A947-70E740481C1C}">
+                <a14:useLocalDpi xmlns:a14="http://schemas.microsoft.com/office/drawing/2010/main" val="0"/>
+              </a:ext>
+              <a:ext uri="{96DAC541-7B7A-43D3-8B79-37D633B846F1}">
+                <asvg:svgBlip xmlns:asvg="http://schemas.microsoft.com/office/drawing/2016/SVG/main" r:embed="rId4"/>
+              </a:ext>
+            </a:extLst>
+          </a:blip>
+          <a:stretch>
+            <a:fillRect/>
+          </a:stretch>
+        </p:blipFill>
+        <p:spPr>
+          <a:xfrm>
+            <a:off x="147948" y="3234705"/>
+            <a:ext cx="406921" cy="406921"/>
+          </a:xfrm>
+          <a:prstGeom prst="rect">
+            <a:avLst/>
+          </a:prstGeom>
+        </p:spPr>
+      </p:pic>
+      <p:pic>
+        <p:nvPicPr>
+          <p:cNvPr id="49" name="Grafik 48" descr="DNA Silhouette">
+            <a:extLst>
+              <a:ext uri="{FF2B5EF4-FFF2-40B4-BE49-F238E27FC236}">
+                <a16:creationId xmlns:a16="http://schemas.microsoft.com/office/drawing/2014/main" id="{6DEF5C3C-BCD8-CE26-6A1F-44421E61A3CA}"/>
+              </a:ext>
+            </a:extLst>
+          </p:cNvPr>
+          <p:cNvPicPr>
+            <a:picLocks noChangeAspect="1"/>
+          </p:cNvPicPr>
+          <p:nvPr/>
+        </p:nvPicPr>
+        <p:blipFill>
+          <a:blip r:embed="rId5">
+            <a:extLst>
+              <a:ext uri="{28A0092B-C50C-407E-A947-70E740481C1C}">
+                <a14:useLocalDpi xmlns:a14="http://schemas.microsoft.com/office/drawing/2010/main" val="0"/>
+              </a:ext>
+              <a:ext uri="{96DAC541-7B7A-43D3-8B79-37D633B846F1}">
+                <asvg:svgBlip xmlns:asvg="http://schemas.microsoft.com/office/drawing/2016/SVG/main" r:embed="rId6"/>
+              </a:ext>
+            </a:extLst>
+          </a:blip>
+          <a:stretch>
+            <a:fillRect/>
+          </a:stretch>
+        </p:blipFill>
+        <p:spPr>
+          <a:xfrm>
+            <a:off x="143735" y="872897"/>
+            <a:ext cx="406921" cy="406921"/>
+          </a:xfrm>
+          <a:prstGeom prst="rect">
+            <a:avLst/>
+          </a:prstGeom>
+        </p:spPr>
+      </p:pic>
+      <p:pic>
+        <p:nvPicPr>
+          <p:cNvPr id="53" name="Grafik 52" descr="Balkendiagramm mit einfarbiger Füllung">
+            <a:extLst>
+              <a:ext uri="{FF2B5EF4-FFF2-40B4-BE49-F238E27FC236}">
+                <a16:creationId xmlns:a16="http://schemas.microsoft.com/office/drawing/2014/main" id="{AB79FB33-E613-4BA8-9EB6-7A65F1DCEBBD}"/>
+              </a:ext>
+            </a:extLst>
+          </p:cNvPr>
+          <p:cNvPicPr>
+            <a:picLocks noChangeAspect="1"/>
+          </p:cNvPicPr>
+          <p:nvPr/>
+        </p:nvPicPr>
+        <p:blipFill>
+          <a:blip r:embed="rId7">
+            <a:extLst>
+              <a:ext uri="{28A0092B-C50C-407E-A947-70E740481C1C}">
+                <a14:useLocalDpi xmlns:a14="http://schemas.microsoft.com/office/drawing/2010/main" val="0"/>
+              </a:ext>
+              <a:ext uri="{96DAC541-7B7A-43D3-8B79-37D633B846F1}">
+                <asvg:svgBlip xmlns:asvg="http://schemas.microsoft.com/office/drawing/2016/SVG/main" r:embed="rId8"/>
+              </a:ext>
+            </a:extLst>
+          </a:blip>
+          <a:stretch>
+            <a:fillRect/>
+          </a:stretch>
+        </p:blipFill>
+        <p:spPr>
+          <a:xfrm>
+            <a:off x="161825" y="2053186"/>
+            <a:ext cx="406921" cy="406921"/>
+          </a:xfrm>
+          <a:prstGeom prst="rect">
+            <a:avLst/>
+          </a:prstGeom>
+        </p:spPr>
+      </p:pic>
+      <p:pic>
+        <p:nvPicPr>
+          <p:cNvPr id="57" name="Grafik 56" descr="Benutzer Silhouette">
+            <a:extLst>
+              <a:ext uri="{FF2B5EF4-FFF2-40B4-BE49-F238E27FC236}">
+                <a16:creationId xmlns:a16="http://schemas.microsoft.com/office/drawing/2014/main" id="{FAF1D196-7D05-3E8B-77EB-98DB84254DF3}"/>
+              </a:ext>
+            </a:extLst>
+          </p:cNvPr>
+          <p:cNvPicPr>
+            <a:picLocks noChangeAspect="1"/>
+          </p:cNvPicPr>
+          <p:nvPr/>
+        </p:nvPicPr>
+        <p:blipFill>
+          <a:blip r:embed="rId9">
+            <a:extLst>
+              <a:ext uri="{28A0092B-C50C-407E-A947-70E740481C1C}">
+                <a14:useLocalDpi xmlns:a14="http://schemas.microsoft.com/office/drawing/2010/main" val="0"/>
+              </a:ext>
+              <a:ext uri="{96DAC541-7B7A-43D3-8B79-37D633B846F1}">
+                <asvg:svgBlip xmlns:asvg="http://schemas.microsoft.com/office/drawing/2016/SVG/main" r:embed="rId10"/>
+              </a:ext>
+            </a:extLst>
+          </a:blip>
+          <a:stretch>
+            <a:fillRect/>
+          </a:stretch>
+        </p:blipFill>
+        <p:spPr>
+          <a:xfrm>
+            <a:off x="147949" y="4415609"/>
+            <a:ext cx="406921" cy="406921"/>
+          </a:xfrm>
+          <a:prstGeom prst="rect">
+            <a:avLst/>
+          </a:prstGeom>
+        </p:spPr>
+      </p:pic>
+    </p:spTree>
+    <p:extLst>
+      <p:ext uri="{BB962C8B-B14F-4D97-AF65-F5344CB8AC3E}">
+        <p14:creationId xmlns:p14="http://schemas.microsoft.com/office/powerpoint/2010/main" val="3842833307"/>
+      </p:ext>
+    </p:extLst>
+  </p:cSld>
+  <p:clrMapOvr>
+    <a:masterClrMapping/>
+  </p:clrMapOvr>
+</p:sld>
+</file>
+
+<file path=ppt/slides/slide6.xml><?xml version="1.0" encoding="utf-8"?>
+<p:sld xmlns:a="http://schemas.openxmlformats.org/drawingml/2006/main" xmlns:r="http://schemas.openxmlformats.org/officeDocument/2006/relationships" xmlns:p="http://schemas.openxmlformats.org/presentationml/2006/main">
+  <p:cSld>
+    <p:bg>
+      <p:bgPr>
+        <a:gradFill flip="none" rotWithShape="1">
+          <a:gsLst>
+            <a:gs pos="28571">
+              <a:schemeClr val="accent1">
+                <a:lumMod val="5000"/>
+                <a:lumOff val="95000"/>
+                <a:alpha val="54000"/>
+              </a:schemeClr>
+            </a:gs>
+            <a:gs pos="79000">
+              <a:srgbClr val="8CD0F4">
+                <a:alpha val="50000"/>
+                <a:lumMod val="72000"/>
+                <a:lumOff val="28000"/>
+              </a:srgbClr>
+            </a:gs>
+            <a:gs pos="100000">
+              <a:srgbClr val="10A1EA">
+                <a:alpha val="26000"/>
+                <a:lumMod val="73000"/>
+                <a:lumOff val="27000"/>
+              </a:srgbClr>
+            </a:gs>
+          </a:gsLst>
+          <a:lin ang="2700000" scaled="1"/>
+          <a:tileRect/>
+        </a:gradFill>
+        <a:effectLst/>
+      </p:bgPr>
+    </p:bg>
+    <p:spTree>
+      <p:nvGrpSpPr>
+        <p:cNvPr id="1" name=""/>
+        <p:cNvGrpSpPr/>
+        <p:nvPr/>
+      </p:nvGrpSpPr>
+      <p:grpSpPr>
+        <a:xfrm>
+          <a:off x="0" y="0"/>
+          <a:ext cx="0" cy="0"/>
+          <a:chOff x="0" y="0"/>
+          <a:chExt cx="0" cy="0"/>
+        </a:xfrm>
+      </p:grpSpPr>
+      <p:sp>
+        <p:nvSpPr>
+          <p:cNvPr id="9" name="Datumsplatzhalter 8">
+            <a:extLst>
+              <a:ext uri="{FF2B5EF4-FFF2-40B4-BE49-F238E27FC236}">
+                <a16:creationId xmlns:a16="http://schemas.microsoft.com/office/drawing/2014/main" id="{B2E44AFA-B29A-4513-B164-74DF574E302B}"/>
+              </a:ext>
+            </a:extLst>
+          </p:cNvPr>
+          <p:cNvSpPr>
+            <a:spLocks noGrp="1"/>
+          </p:cNvSpPr>
+          <p:nvPr>
+            <p:ph type="dt" sz="half" idx="10"/>
+          </p:nvPr>
+        </p:nvSpPr>
+        <p:spPr>
+          <a:xfrm>
+            <a:off x="628650" y="5357247"/>
+            <a:ext cx="2057400" cy="304271"/>
+          </a:xfrm>
+        </p:spPr>
+        <p:txBody>
+          <a:bodyPr/>
+          <a:lstStyle/>
+          <a:p>
+            <a:fld id="{4ABD6D1D-9BE7-4B6A-B4D1-FD497C782274}" type="datetime1">
+              <a:rPr lang="de-DE" smtClean="0">
+                <a:solidFill>
+                  <a:srgbClr val="2E4186"/>
+                </a:solidFill>
+              </a:rPr>
+              <a:t>09.05.2022</a:t>
+            </a:fld>
+            <a:endParaRPr lang="de-DE" dirty="0">
+              <a:solidFill>
+                <a:srgbClr val="2E4186"/>
+              </a:solidFill>
+            </a:endParaRPr>
+          </a:p>
+        </p:txBody>
+      </p:sp>
+      <p:sp>
+        <p:nvSpPr>
+          <p:cNvPr id="13" name="Textfeld 12">
+            <a:extLst>
+              <a:ext uri="{FF2B5EF4-FFF2-40B4-BE49-F238E27FC236}">
+                <a16:creationId xmlns:a16="http://schemas.microsoft.com/office/drawing/2014/main" id="{88E434CB-53F2-43DE-989A-34F83773913E}"/>
+              </a:ext>
+            </a:extLst>
+          </p:cNvPr>
+          <p:cNvSpPr txBox="1"/>
+          <p:nvPr/>
+        </p:nvSpPr>
+        <p:spPr>
+          <a:xfrm>
+            <a:off x="855423" y="295945"/>
+            <a:ext cx="7187979" cy="584775"/>
+          </a:xfrm>
+          <a:prstGeom prst="rect">
+            <a:avLst/>
+          </a:prstGeom>
+          <a:noFill/>
+        </p:spPr>
+        <p:txBody>
+          <a:bodyPr wrap="square" rtlCol="0">
+            <a:spAutoFit/>
+          </a:bodyPr>
+          <a:lstStyle/>
+          <a:p>
+            <a:r>
+              <a:rPr lang="de-DE" sz="3200" dirty="0">
+                <a:latin typeface="+mj-lt"/>
+              </a:rPr>
+              <a:t>Milestones/Timeline</a:t>
+            </a:r>
+          </a:p>
+        </p:txBody>
+      </p:sp>
+      <p:cxnSp>
+        <p:nvCxnSpPr>
+          <p:cNvPr id="14" name="Gerader Verbinder 13">
+            <a:extLst>
+              <a:ext uri="{FF2B5EF4-FFF2-40B4-BE49-F238E27FC236}">
+                <a16:creationId xmlns:a16="http://schemas.microsoft.com/office/drawing/2014/main" id="{1CDE483F-007A-4AB6-9094-9439F0148193}"/>
+              </a:ext>
+            </a:extLst>
+          </p:cNvPr>
+          <p:cNvCxnSpPr>
+            <a:cxnSpLocks/>
+          </p:cNvCxnSpPr>
+          <p:nvPr/>
+        </p:nvCxnSpPr>
+        <p:spPr>
+          <a:xfrm>
+            <a:off x="726619" y="849404"/>
+            <a:ext cx="6854981" cy="0"/>
+          </a:xfrm>
+          <a:prstGeom prst="line">
+            <a:avLst/>
+          </a:prstGeom>
+          <a:ln>
+            <a:solidFill>
+              <a:srgbClr val="10A1EA"/>
+            </a:solidFill>
+          </a:ln>
+        </p:spPr>
+        <p:style>
+          <a:lnRef idx="1">
+            <a:schemeClr val="accent1"/>
+          </a:lnRef>
+          <a:fillRef idx="0">
+            <a:schemeClr val="accent1"/>
+          </a:fillRef>
+          <a:effectRef idx="0">
+            <a:schemeClr val="accent1"/>
+          </a:effectRef>
+          <a:fontRef idx="minor">
+            <a:schemeClr val="tx1"/>
+          </a:fontRef>
+        </p:style>
+      </p:cxnSp>
+      <p:sp>
+        <p:nvSpPr>
+          <p:cNvPr id="24" name="Rechteck 23">
+            <a:extLst>
+              <a:ext uri="{FF2B5EF4-FFF2-40B4-BE49-F238E27FC236}">
+                <a16:creationId xmlns:a16="http://schemas.microsoft.com/office/drawing/2014/main" id="{85AA2DAF-4E4E-60E3-5793-E5162487086D}"/>
+              </a:ext>
+            </a:extLst>
+          </p:cNvPr>
+          <p:cNvSpPr/>
+          <p:nvPr/>
+        </p:nvSpPr>
+        <p:spPr>
+          <a:xfrm>
+            <a:off x="152780" y="0"/>
+            <a:ext cx="406921" cy="5715000"/>
+          </a:xfrm>
+          <a:prstGeom prst="rect">
+            <a:avLst/>
+          </a:prstGeom>
+          <a:gradFill>
+            <a:gsLst>
+              <a:gs pos="5000">
+                <a:schemeClr val="bg1">
+                  <a:alpha val="91000"/>
+                </a:schemeClr>
+              </a:gs>
+              <a:gs pos="98000">
+                <a:schemeClr val="bg1"/>
+              </a:gs>
+              <a:gs pos="85000">
+                <a:srgbClr val="12D4E8"/>
+              </a:gs>
+              <a:gs pos="77000">
+                <a:srgbClr val="10A1EA"/>
+              </a:gs>
+              <a:gs pos="32000">
+                <a:srgbClr val="12D4E8"/>
+              </a:gs>
+              <a:gs pos="56000">
+                <a:srgbClr val="175CF5"/>
+              </a:gs>
+              <a:gs pos="46000">
+                <a:srgbClr val="10A1EA"/>
+              </a:gs>
+              <a:gs pos="65000">
+                <a:srgbClr val="175CF5"/>
+              </a:gs>
+            </a:gsLst>
+            <a:lin ang="5400000" scaled="1"/>
+          </a:gradFill>
+          <a:ln>
+            <a:noFill/>
+          </a:ln>
+          <a:effectLst>
+            <a:softEdge rad="38100"/>
+          </a:effectLst>
+        </p:spPr>
+        <p:style>
+          <a:lnRef idx="2">
+            <a:schemeClr val="accent1">
+              <a:shade val="50000"/>
+            </a:schemeClr>
+          </a:lnRef>
+          <a:fillRef idx="1">
+            <a:schemeClr val="accent1"/>
+          </a:fillRef>
+          <a:effectRef idx="0">
+            <a:schemeClr val="accent1"/>
+          </a:effectRef>
+          <a:fontRef idx="minor">
+            <a:schemeClr val="lt1"/>
+          </a:fontRef>
+        </p:style>
+        <p:txBody>
+          <a:bodyPr rot="0" spcFirstLastPara="0" vert="horz" wrap="square" lIns="91440" tIns="45720" rIns="91440" bIns="45720" numCol="1" spcCol="0" rtlCol="0" fromWordArt="0" anchor="ctr" anchorCtr="0" forceAA="0" compatLnSpc="1">
+            <a:prstTxWarp prst="textNoShape">
+              <a:avLst/>
+            </a:prstTxWarp>
+            <a:noAutofit/>
+          </a:bodyPr>
+          <a:lstStyle/>
+          <a:p>
+            <a:endParaRPr lang="de-DE"/>
+          </a:p>
+        </p:txBody>
+      </p:sp>
+      <p:sp>
+        <p:nvSpPr>
+          <p:cNvPr id="2" name="Foliennummernplatzhalter 1">
+            <a:extLst>
+              <a:ext uri="{FF2B5EF4-FFF2-40B4-BE49-F238E27FC236}">
+                <a16:creationId xmlns:a16="http://schemas.microsoft.com/office/drawing/2014/main" id="{7127E193-062B-1452-70A0-30F77337207F}"/>
+              </a:ext>
+            </a:extLst>
+          </p:cNvPr>
+          <p:cNvSpPr>
+            <a:spLocks noGrp="1"/>
+          </p:cNvSpPr>
+          <p:nvPr>
+            <p:ph type="sldNum" sz="quarter" idx="12"/>
+          </p:nvPr>
+        </p:nvSpPr>
+        <p:spPr>
+          <a:xfrm>
+            <a:off x="6774750" y="5325759"/>
+            <a:ext cx="2057400" cy="304271"/>
+          </a:xfrm>
+        </p:spPr>
+        <p:txBody>
+          <a:bodyPr/>
+          <a:lstStyle/>
+          <a:p>
+            <a:fld id="{D3D8A29C-259F-45D5-BFFA-A48772AC905C}" type="slidenum">
+              <a:rPr lang="de-DE" smtClean="0">
+                <a:solidFill>
+                  <a:srgbClr val="2E4186"/>
+                </a:solidFill>
+              </a:rPr>
+              <a:t>6</a:t>
+            </a:fld>
+            <a:endParaRPr lang="de-DE" dirty="0">
+              <a:solidFill>
+                <a:srgbClr val="2E4186"/>
+              </a:solidFill>
+            </a:endParaRPr>
+          </a:p>
+        </p:txBody>
+      </p:sp>
+      <p:cxnSp>
+        <p:nvCxnSpPr>
+          <p:cNvPr id="23" name="Gerader Verbinder 22">
+            <a:extLst>
+              <a:ext uri="{FF2B5EF4-FFF2-40B4-BE49-F238E27FC236}">
+                <a16:creationId xmlns:a16="http://schemas.microsoft.com/office/drawing/2014/main" id="{F400FDB4-FD57-FB87-F549-2AF5E6E1AE51}"/>
+              </a:ext>
+            </a:extLst>
+          </p:cNvPr>
+          <p:cNvCxnSpPr>
+            <a:cxnSpLocks/>
+          </p:cNvCxnSpPr>
+          <p:nvPr/>
+        </p:nvCxnSpPr>
+        <p:spPr>
+          <a:xfrm flipH="1">
+            <a:off x="8832150" y="4805914"/>
+            <a:ext cx="311850" cy="909086"/>
+          </a:xfrm>
+          <a:prstGeom prst="line">
+            <a:avLst/>
+          </a:prstGeom>
+          <a:ln>
+            <a:solidFill>
+              <a:srgbClr val="10A1EA"/>
+            </a:solidFill>
+          </a:ln>
+        </p:spPr>
+        <p:style>
+          <a:lnRef idx="1">
+            <a:schemeClr val="accent1"/>
+          </a:lnRef>
+          <a:fillRef idx="0">
+            <a:schemeClr val="accent1"/>
+          </a:fillRef>
+          <a:effectRef idx="0">
+            <a:schemeClr val="accent1"/>
+          </a:effectRef>
+          <a:fontRef idx="minor">
+            <a:schemeClr val="tx1"/>
+          </a:fontRef>
+        </p:style>
+      </p:cxnSp>
+      <p:pic>
+        <p:nvPicPr>
+          <p:cNvPr id="39" name="Grafik 38">
+            <a:extLst>
+              <a:ext uri="{FF2B5EF4-FFF2-40B4-BE49-F238E27FC236}">
+                <a16:creationId xmlns:a16="http://schemas.microsoft.com/office/drawing/2014/main" id="{83A8EE2E-0954-6F9A-1734-5FCF5AFB3FA0}"/>
+              </a:ext>
+            </a:extLst>
+          </p:cNvPr>
+          <p:cNvPicPr>
+            <a:picLocks noChangeAspect="1"/>
+          </p:cNvPicPr>
+          <p:nvPr/>
+        </p:nvPicPr>
+        <p:blipFill>
+          <a:blip r:embed="rId2"/>
+          <a:stretch>
+            <a:fillRect/>
+          </a:stretch>
+        </p:blipFill>
+        <p:spPr>
+          <a:xfrm>
+            <a:off x="7644639" y="107468"/>
+            <a:ext cx="1385921" cy="1236316"/>
+          </a:xfrm>
+          <a:prstGeom prst="rect">
+            <a:avLst/>
+          </a:prstGeom>
+        </p:spPr>
+      </p:pic>
+      <p:cxnSp>
+        <p:nvCxnSpPr>
+          <p:cNvPr id="42" name="Gerader Verbinder 41">
+            <a:extLst>
+              <a:ext uri="{FF2B5EF4-FFF2-40B4-BE49-F238E27FC236}">
+                <a16:creationId xmlns:a16="http://schemas.microsoft.com/office/drawing/2014/main" id="{916F5C3D-50C3-059D-6772-1DD70D5E9604}"/>
+              </a:ext>
+            </a:extLst>
+          </p:cNvPr>
+          <p:cNvCxnSpPr>
+            <a:cxnSpLocks/>
+          </p:cNvCxnSpPr>
+          <p:nvPr/>
+        </p:nvCxnSpPr>
+        <p:spPr>
+          <a:xfrm>
+            <a:off x="628650" y="5378847"/>
+            <a:ext cx="7414752" cy="0"/>
+          </a:xfrm>
+          <a:prstGeom prst="line">
+            <a:avLst/>
+          </a:prstGeom>
+          <a:ln>
+            <a:solidFill>
+              <a:srgbClr val="10A1EA"/>
+            </a:solidFill>
+          </a:ln>
+        </p:spPr>
+        <p:style>
+          <a:lnRef idx="1">
+            <a:schemeClr val="accent1"/>
+          </a:lnRef>
+          <a:fillRef idx="0">
+            <a:schemeClr val="accent1"/>
+          </a:fillRef>
+          <a:effectRef idx="0">
+            <a:schemeClr val="accent1"/>
+          </a:effectRef>
+          <a:fontRef idx="minor">
+            <a:schemeClr val="tx1"/>
+          </a:fontRef>
+        </p:style>
+      </p:cxnSp>
+      <p:pic>
+        <p:nvPicPr>
+          <p:cNvPr id="49" name="Grafik 48" descr="DNA Silhouette">
+            <a:extLst>
+              <a:ext uri="{FF2B5EF4-FFF2-40B4-BE49-F238E27FC236}">
+                <a16:creationId xmlns:a16="http://schemas.microsoft.com/office/drawing/2014/main" id="{6DEF5C3C-BCD8-CE26-6A1F-44421E61A3CA}"/>
+              </a:ext>
+            </a:extLst>
+          </p:cNvPr>
+          <p:cNvPicPr>
+            <a:picLocks noChangeAspect="1"/>
+          </p:cNvPicPr>
+          <p:nvPr/>
+        </p:nvPicPr>
+        <p:blipFill>
+          <a:blip r:embed="rId3">
+            <a:extLst>
+              <a:ext uri="{28A0092B-C50C-407E-A947-70E740481C1C}">
+                <a14:useLocalDpi xmlns:a14="http://schemas.microsoft.com/office/drawing/2010/main" val="0"/>
+              </a:ext>
+              <a:ext uri="{96DAC541-7B7A-43D3-8B79-37D633B846F1}">
+                <asvg:svgBlip xmlns:asvg="http://schemas.microsoft.com/office/drawing/2016/SVG/main" r:embed="rId4"/>
+              </a:ext>
+            </a:extLst>
+          </a:blip>
+          <a:stretch>
+            <a:fillRect/>
+          </a:stretch>
+        </p:blipFill>
+        <p:spPr>
+          <a:xfrm>
+            <a:off x="143735" y="872897"/>
+            <a:ext cx="406921" cy="406921"/>
+          </a:xfrm>
+          <a:prstGeom prst="rect">
+            <a:avLst/>
+          </a:prstGeom>
+        </p:spPr>
+      </p:pic>
+      <p:pic>
+        <p:nvPicPr>
+          <p:cNvPr id="51" name="Grafik 50" descr="Balkendiagramm Silhouette">
+            <a:extLst>
+              <a:ext uri="{FF2B5EF4-FFF2-40B4-BE49-F238E27FC236}">
+                <a16:creationId xmlns:a16="http://schemas.microsoft.com/office/drawing/2014/main" id="{96C3BDE6-7984-B720-4EB5-C4480C42E2EA}"/>
+              </a:ext>
+            </a:extLst>
+          </p:cNvPr>
+          <p:cNvPicPr>
+            <a:picLocks noChangeAspect="1"/>
+          </p:cNvPicPr>
+          <p:nvPr/>
+        </p:nvPicPr>
+        <p:blipFill>
+          <a:blip r:embed="rId5">
+            <a:extLst>
+              <a:ext uri="{28A0092B-C50C-407E-A947-70E740481C1C}">
+                <a14:useLocalDpi xmlns:a14="http://schemas.microsoft.com/office/drawing/2010/main" val="0"/>
+              </a:ext>
+              <a:ext uri="{96DAC541-7B7A-43D3-8B79-37D633B846F1}">
+                <asvg:svgBlip xmlns:asvg="http://schemas.microsoft.com/office/drawing/2016/SVG/main" r:embed="rId6"/>
+              </a:ext>
+            </a:extLst>
+          </a:blip>
+          <a:stretch>
+            <a:fillRect/>
+          </a:stretch>
+        </p:blipFill>
+        <p:spPr>
+          <a:xfrm>
+            <a:off x="156220" y="2053801"/>
+            <a:ext cx="406921" cy="406921"/>
+          </a:xfrm>
+          <a:prstGeom prst="rect">
+            <a:avLst/>
+          </a:prstGeom>
+        </p:spPr>
+      </p:pic>
+      <p:pic>
+        <p:nvPicPr>
+          <p:cNvPr id="55" name="Grafik 54" descr="Monatskalender mit einfarbiger Füllung">
+            <a:extLst>
+              <a:ext uri="{FF2B5EF4-FFF2-40B4-BE49-F238E27FC236}">
+                <a16:creationId xmlns:a16="http://schemas.microsoft.com/office/drawing/2014/main" id="{22B8239E-946F-E377-A9D5-1C5712DC9123}"/>
+              </a:ext>
+            </a:extLst>
+          </p:cNvPr>
+          <p:cNvPicPr>
+            <a:picLocks noChangeAspect="1"/>
+          </p:cNvPicPr>
+          <p:nvPr/>
+        </p:nvPicPr>
+        <p:blipFill>
+          <a:blip r:embed="rId7">
+            <a:extLst>
+              <a:ext uri="{28A0092B-C50C-407E-A947-70E740481C1C}">
+                <a14:useLocalDpi xmlns:a14="http://schemas.microsoft.com/office/drawing/2010/main" val="0"/>
+              </a:ext>
+              <a:ext uri="{96DAC541-7B7A-43D3-8B79-37D633B846F1}">
+                <asvg:svgBlip xmlns:asvg="http://schemas.microsoft.com/office/drawing/2016/SVG/main" r:embed="rId8"/>
+              </a:ext>
+            </a:extLst>
+          </a:blip>
+          <a:stretch>
+            <a:fillRect/>
+          </a:stretch>
+        </p:blipFill>
+        <p:spPr>
+          <a:xfrm>
+            <a:off x="143734" y="3234705"/>
+            <a:ext cx="406921" cy="406921"/>
+          </a:xfrm>
+          <a:prstGeom prst="rect">
+            <a:avLst/>
+          </a:prstGeom>
+        </p:spPr>
+      </p:pic>
+      <p:pic>
+        <p:nvPicPr>
+          <p:cNvPr id="57" name="Grafik 56" descr="Benutzer Silhouette">
+            <a:extLst>
+              <a:ext uri="{FF2B5EF4-FFF2-40B4-BE49-F238E27FC236}">
+                <a16:creationId xmlns:a16="http://schemas.microsoft.com/office/drawing/2014/main" id="{FAF1D196-7D05-3E8B-77EB-98DB84254DF3}"/>
+              </a:ext>
+            </a:extLst>
+          </p:cNvPr>
+          <p:cNvPicPr>
+            <a:picLocks noChangeAspect="1"/>
+          </p:cNvPicPr>
+          <p:nvPr/>
+        </p:nvPicPr>
+        <p:blipFill>
+          <a:blip r:embed="rId9">
+            <a:extLst>
+              <a:ext uri="{28A0092B-C50C-407E-A947-70E740481C1C}">
+                <a14:useLocalDpi xmlns:a14="http://schemas.microsoft.com/office/drawing/2010/main" val="0"/>
+              </a:ext>
+              <a:ext uri="{96DAC541-7B7A-43D3-8B79-37D633B846F1}">
+                <asvg:svgBlip xmlns:asvg="http://schemas.microsoft.com/office/drawing/2016/SVG/main" r:embed="rId10"/>
+              </a:ext>
+            </a:extLst>
+          </a:blip>
+          <a:stretch>
+            <a:fillRect/>
+          </a:stretch>
+        </p:blipFill>
+        <p:spPr>
+          <a:xfrm>
+            <a:off x="147949" y="4415609"/>
+            <a:ext cx="406921" cy="406921"/>
+          </a:xfrm>
+          <a:prstGeom prst="rect">
+            <a:avLst/>
+          </a:prstGeom>
+        </p:spPr>
+      </p:pic>
+    </p:spTree>
+    <p:extLst>
+      <p:ext uri="{BB962C8B-B14F-4D97-AF65-F5344CB8AC3E}">
+        <p14:creationId xmlns:p14="http://schemas.microsoft.com/office/powerpoint/2010/main" val="2494335024"/>
+      </p:ext>
+    </p:extLst>
+  </p:cSld>
+  <p:clrMapOvr>
+    <a:masterClrMapping/>
+  </p:clrMapOvr>
+</p:sld>
+</file>
+
+<file path=ppt/slides/slide7.xml><?xml version="1.0" encoding="utf-8"?>
+<p:sld xmlns:a="http://schemas.openxmlformats.org/drawingml/2006/main" xmlns:r="http://schemas.openxmlformats.org/officeDocument/2006/relationships" xmlns:p="http://schemas.openxmlformats.org/presentationml/2006/main">
+  <p:cSld>
+    <p:bg>
+      <p:bgPr>
+        <a:gradFill flip="none" rotWithShape="1">
+          <a:gsLst>
+            <a:gs pos="28571">
+              <a:schemeClr val="accent1">
+                <a:lumMod val="5000"/>
+                <a:lumOff val="95000"/>
+                <a:alpha val="54000"/>
+              </a:schemeClr>
+            </a:gs>
+            <a:gs pos="79000">
+              <a:srgbClr val="8CD0F4">
+                <a:alpha val="50000"/>
+                <a:lumMod val="72000"/>
+                <a:lumOff val="28000"/>
+              </a:srgbClr>
+            </a:gs>
+            <a:gs pos="100000">
+              <a:srgbClr val="10A1EA">
+                <a:alpha val="26000"/>
+                <a:lumMod val="73000"/>
+                <a:lumOff val="27000"/>
+              </a:srgbClr>
+            </a:gs>
+          </a:gsLst>
+          <a:lin ang="2700000" scaled="1"/>
+          <a:tileRect/>
+        </a:gradFill>
+        <a:effectLst/>
+      </p:bgPr>
+    </p:bg>
+    <p:spTree>
+      <p:nvGrpSpPr>
+        <p:cNvPr id="1" name=""/>
+        <p:cNvGrpSpPr/>
+        <p:nvPr/>
+      </p:nvGrpSpPr>
+      <p:grpSpPr>
+        <a:xfrm>
+          <a:off x="0" y="0"/>
+          <a:ext cx="0" cy="0"/>
+          <a:chOff x="0" y="0"/>
+          <a:chExt cx="0" cy="0"/>
+        </a:xfrm>
+      </p:grpSpPr>
+      <p:sp>
+        <p:nvSpPr>
+          <p:cNvPr id="9" name="Datumsplatzhalter 8">
+            <a:extLst>
+              <a:ext uri="{FF2B5EF4-FFF2-40B4-BE49-F238E27FC236}">
+                <a16:creationId xmlns:a16="http://schemas.microsoft.com/office/drawing/2014/main" id="{B2E44AFA-B29A-4513-B164-74DF574E302B}"/>
+              </a:ext>
+            </a:extLst>
+          </p:cNvPr>
+          <p:cNvSpPr>
+            <a:spLocks noGrp="1"/>
+          </p:cNvSpPr>
+          <p:nvPr>
+            <p:ph type="dt" sz="half" idx="10"/>
+          </p:nvPr>
+        </p:nvSpPr>
+        <p:spPr>
+          <a:xfrm>
+            <a:off x="628650" y="5357247"/>
+            <a:ext cx="2057400" cy="304271"/>
+          </a:xfrm>
+        </p:spPr>
+        <p:txBody>
+          <a:bodyPr/>
+          <a:lstStyle/>
+          <a:p>
+            <a:fld id="{4ABD6D1D-9BE7-4B6A-B4D1-FD497C782274}" type="datetime1">
+              <a:rPr lang="de-DE" smtClean="0">
+                <a:solidFill>
+                  <a:srgbClr val="2E4186"/>
+                </a:solidFill>
+              </a:rPr>
+              <a:t>09.05.2022</a:t>
             </a:fld>
             <a:endParaRPr lang="de-DE" dirty="0">
               <a:solidFill>
@@ -5423,7 +9255,7 @@
                   <a:srgbClr val="2E4186"/>
                 </a:solidFill>
               </a:rPr>
-              <a:t>4</a:t>
+              <a:t>7</a:t>
             </a:fld>
             <a:endParaRPr lang="de-DE" dirty="0">
               <a:solidFill>

--- a/Presentations/Project Proposal/Project Proposal Presentation Structure+.pptx
+++ b/Presentations/Project Proposal/Project Proposal Presentation Structure+.pptx
@@ -5,7 +5,7 @@
     <p:sldMasterId id="2147483660" r:id="rId1"/>
   </p:sldMasterIdLst>
   <p:notesMasterIdLst>
-    <p:notesMasterId r:id="rId12"/>
+    <p:notesMasterId r:id="rId18"/>
   </p:notesMasterIdLst>
   <p:sldIdLst>
     <p:sldId id="322" r:id="rId2"/>
@@ -14,10 +14,16 @@
     <p:sldId id="323" r:id="rId5"/>
     <p:sldId id="318" r:id="rId6"/>
     <p:sldId id="319" r:id="rId7"/>
-    <p:sldId id="320" r:id="rId8"/>
-    <p:sldId id="321" r:id="rId9"/>
-    <p:sldId id="327" r:id="rId10"/>
-    <p:sldId id="328" r:id="rId11"/>
+    <p:sldId id="329" r:id="rId8"/>
+    <p:sldId id="332" r:id="rId9"/>
+    <p:sldId id="333" r:id="rId10"/>
+    <p:sldId id="330" r:id="rId11"/>
+    <p:sldId id="331" r:id="rId12"/>
+    <p:sldId id="334" r:id="rId13"/>
+    <p:sldId id="320" r:id="rId14"/>
+    <p:sldId id="321" r:id="rId15"/>
+    <p:sldId id="327" r:id="rId16"/>
+    <p:sldId id="328" r:id="rId17"/>
   </p:sldIdLst>
   <p:sldSz cx="9144000" cy="5715000" type="screen16x10"/>
   <p:notesSz cx="6858000" cy="9144000"/>
@@ -218,7 +224,7 @@
           <a:p>
             <a:fld id="{A066BCB4-5747-4B09-964D-B3729956D23A}" type="datetimeFigureOut">
               <a:rPr lang="de-DE" smtClean="0"/>
-              <a:t>15.05.2022</a:t>
+              <a:t>16.05.2022</a:t>
             </a:fld>
             <a:endParaRPr lang="de-DE"/>
           </a:p>
@@ -613,10 +619,7 @@
           <a:bodyPr/>
           <a:lstStyle/>
           <a:p>
-            <a:r>
-              <a:rPr lang="en-US" dirty="0"/>
-              <a:t> </a:t>
-            </a:r>
+            <a:endParaRPr lang="en-US"/>
           </a:p>
         </p:txBody>
       </p:sp>
@@ -638,6 +641,516 @@
             <a:fld id="{E7F12AC4-85F9-4B93-92D3-A9937CE1B92C}" type="slidenum">
               <a:rPr lang="de-DE" smtClean="0"/>
               <a:t>10</a:t>
+            </a:fld>
+            <a:endParaRPr lang="de-DE"/>
+          </a:p>
+        </p:txBody>
+      </p:sp>
+    </p:spTree>
+    <p:extLst>
+      <p:ext uri="{BB962C8B-B14F-4D97-AF65-F5344CB8AC3E}">
+        <p14:creationId xmlns:p14="http://schemas.microsoft.com/office/powerpoint/2010/main" val="1207138039"/>
+      </p:ext>
+    </p:extLst>
+  </p:cSld>
+  <p:clrMapOvr>
+    <a:masterClrMapping/>
+  </p:clrMapOvr>
+</p:notes>
+</file>
+
+<file path=ppt/notesSlides/notesSlide11.xml><?xml version="1.0" encoding="utf-8"?>
+<p:notes xmlns:a="http://schemas.openxmlformats.org/drawingml/2006/main" xmlns:r="http://schemas.openxmlformats.org/officeDocument/2006/relationships" xmlns:p="http://schemas.openxmlformats.org/presentationml/2006/main">
+  <p:cSld>
+    <p:spTree>
+      <p:nvGrpSpPr>
+        <p:cNvPr id="1" name=""/>
+        <p:cNvGrpSpPr/>
+        <p:nvPr/>
+      </p:nvGrpSpPr>
+      <p:grpSpPr>
+        <a:xfrm>
+          <a:off x="0" y="0"/>
+          <a:ext cx="0" cy="0"/>
+          <a:chOff x="0" y="0"/>
+          <a:chExt cx="0" cy="0"/>
+        </a:xfrm>
+      </p:grpSpPr>
+      <p:sp>
+        <p:nvSpPr>
+          <p:cNvPr id="2" name="Folienbildplatzhalter 1"/>
+          <p:cNvSpPr>
+            <a:spLocks noGrp="1" noRot="1" noChangeAspect="1"/>
+          </p:cNvSpPr>
+          <p:nvPr>
+            <p:ph type="sldImg"/>
+          </p:nvPr>
+        </p:nvSpPr>
+        <p:spPr/>
+      </p:sp>
+      <p:sp>
+        <p:nvSpPr>
+          <p:cNvPr id="3" name="Notizenplatzhalter 2"/>
+          <p:cNvSpPr>
+            <a:spLocks noGrp="1"/>
+          </p:cNvSpPr>
+          <p:nvPr>
+            <p:ph type="body" idx="1"/>
+          </p:nvPr>
+        </p:nvSpPr>
+        <p:spPr/>
+        <p:txBody>
+          <a:bodyPr/>
+          <a:lstStyle/>
+          <a:p>
+            <a:endParaRPr lang="en-US"/>
+          </a:p>
+        </p:txBody>
+      </p:sp>
+      <p:sp>
+        <p:nvSpPr>
+          <p:cNvPr id="4" name="Foliennummernplatzhalter 3"/>
+          <p:cNvSpPr>
+            <a:spLocks noGrp="1"/>
+          </p:cNvSpPr>
+          <p:nvPr>
+            <p:ph type="sldNum" sz="quarter" idx="5"/>
+          </p:nvPr>
+        </p:nvSpPr>
+        <p:spPr/>
+        <p:txBody>
+          <a:bodyPr/>
+          <a:lstStyle/>
+          <a:p>
+            <a:fld id="{E7F12AC4-85F9-4B93-92D3-A9937CE1B92C}" type="slidenum">
+              <a:rPr lang="de-DE" smtClean="0"/>
+              <a:t>11</a:t>
+            </a:fld>
+            <a:endParaRPr lang="de-DE"/>
+          </a:p>
+        </p:txBody>
+      </p:sp>
+    </p:spTree>
+    <p:extLst>
+      <p:ext uri="{BB962C8B-B14F-4D97-AF65-F5344CB8AC3E}">
+        <p14:creationId xmlns:p14="http://schemas.microsoft.com/office/powerpoint/2010/main" val="678726061"/>
+      </p:ext>
+    </p:extLst>
+  </p:cSld>
+  <p:clrMapOvr>
+    <a:masterClrMapping/>
+  </p:clrMapOvr>
+</p:notes>
+</file>
+
+<file path=ppt/notesSlides/notesSlide12.xml><?xml version="1.0" encoding="utf-8"?>
+<p:notes xmlns:a="http://schemas.openxmlformats.org/drawingml/2006/main" xmlns:r="http://schemas.openxmlformats.org/officeDocument/2006/relationships" xmlns:p="http://schemas.openxmlformats.org/presentationml/2006/main">
+  <p:cSld>
+    <p:spTree>
+      <p:nvGrpSpPr>
+        <p:cNvPr id="1" name=""/>
+        <p:cNvGrpSpPr/>
+        <p:nvPr/>
+      </p:nvGrpSpPr>
+      <p:grpSpPr>
+        <a:xfrm>
+          <a:off x="0" y="0"/>
+          <a:ext cx="0" cy="0"/>
+          <a:chOff x="0" y="0"/>
+          <a:chExt cx="0" cy="0"/>
+        </a:xfrm>
+      </p:grpSpPr>
+      <p:sp>
+        <p:nvSpPr>
+          <p:cNvPr id="2" name="Folienbildplatzhalter 1"/>
+          <p:cNvSpPr>
+            <a:spLocks noGrp="1" noRot="1" noChangeAspect="1"/>
+          </p:cNvSpPr>
+          <p:nvPr>
+            <p:ph type="sldImg"/>
+          </p:nvPr>
+        </p:nvSpPr>
+        <p:spPr/>
+      </p:sp>
+      <p:sp>
+        <p:nvSpPr>
+          <p:cNvPr id="3" name="Notizenplatzhalter 2"/>
+          <p:cNvSpPr>
+            <a:spLocks noGrp="1"/>
+          </p:cNvSpPr>
+          <p:nvPr>
+            <p:ph type="body" idx="1"/>
+          </p:nvPr>
+        </p:nvSpPr>
+        <p:spPr/>
+        <p:txBody>
+          <a:bodyPr/>
+          <a:lstStyle/>
+          <a:p>
+            <a:endParaRPr lang="en-US"/>
+          </a:p>
+        </p:txBody>
+      </p:sp>
+      <p:sp>
+        <p:nvSpPr>
+          <p:cNvPr id="4" name="Foliennummernplatzhalter 3"/>
+          <p:cNvSpPr>
+            <a:spLocks noGrp="1"/>
+          </p:cNvSpPr>
+          <p:nvPr>
+            <p:ph type="sldNum" sz="quarter" idx="5"/>
+          </p:nvPr>
+        </p:nvSpPr>
+        <p:spPr/>
+        <p:txBody>
+          <a:bodyPr/>
+          <a:lstStyle/>
+          <a:p>
+            <a:fld id="{E7F12AC4-85F9-4B93-92D3-A9937CE1B92C}" type="slidenum">
+              <a:rPr lang="de-DE" smtClean="0"/>
+              <a:t>12</a:t>
+            </a:fld>
+            <a:endParaRPr lang="de-DE"/>
+          </a:p>
+        </p:txBody>
+      </p:sp>
+    </p:spTree>
+    <p:extLst>
+      <p:ext uri="{BB962C8B-B14F-4D97-AF65-F5344CB8AC3E}">
+        <p14:creationId xmlns:p14="http://schemas.microsoft.com/office/powerpoint/2010/main" val="100732685"/>
+      </p:ext>
+    </p:extLst>
+  </p:cSld>
+  <p:clrMapOvr>
+    <a:masterClrMapping/>
+  </p:clrMapOvr>
+</p:notes>
+</file>
+
+<file path=ppt/notesSlides/notesSlide13.xml><?xml version="1.0" encoding="utf-8"?>
+<p:notes xmlns:a="http://schemas.openxmlformats.org/drawingml/2006/main" xmlns:r="http://schemas.openxmlformats.org/officeDocument/2006/relationships" xmlns:p="http://schemas.openxmlformats.org/presentationml/2006/main">
+  <p:cSld>
+    <p:spTree>
+      <p:nvGrpSpPr>
+        <p:cNvPr id="1" name=""/>
+        <p:cNvGrpSpPr/>
+        <p:nvPr/>
+      </p:nvGrpSpPr>
+      <p:grpSpPr>
+        <a:xfrm>
+          <a:off x="0" y="0"/>
+          <a:ext cx="0" cy="0"/>
+          <a:chOff x="0" y="0"/>
+          <a:chExt cx="0" cy="0"/>
+        </a:xfrm>
+      </p:grpSpPr>
+      <p:sp>
+        <p:nvSpPr>
+          <p:cNvPr id="2" name="Folienbildplatzhalter 1"/>
+          <p:cNvSpPr>
+            <a:spLocks noGrp="1" noRot="1" noChangeAspect="1"/>
+          </p:cNvSpPr>
+          <p:nvPr>
+            <p:ph type="sldImg"/>
+          </p:nvPr>
+        </p:nvSpPr>
+        <p:spPr/>
+      </p:sp>
+      <p:sp>
+        <p:nvSpPr>
+          <p:cNvPr id="3" name="Notizenplatzhalter 2"/>
+          <p:cNvSpPr>
+            <a:spLocks noGrp="1"/>
+          </p:cNvSpPr>
+          <p:nvPr>
+            <p:ph type="body" idx="1"/>
+          </p:nvPr>
+        </p:nvSpPr>
+        <p:spPr/>
+        <p:txBody>
+          <a:bodyPr/>
+          <a:lstStyle/>
+          <a:p>
+            <a:endParaRPr lang="en-US"/>
+          </a:p>
+        </p:txBody>
+      </p:sp>
+      <p:sp>
+        <p:nvSpPr>
+          <p:cNvPr id="4" name="Foliennummernplatzhalter 3"/>
+          <p:cNvSpPr>
+            <a:spLocks noGrp="1"/>
+          </p:cNvSpPr>
+          <p:nvPr>
+            <p:ph type="sldNum" sz="quarter" idx="5"/>
+          </p:nvPr>
+        </p:nvSpPr>
+        <p:spPr/>
+        <p:txBody>
+          <a:bodyPr/>
+          <a:lstStyle/>
+          <a:p>
+            <a:fld id="{E7F12AC4-85F9-4B93-92D3-A9937CE1B92C}" type="slidenum">
+              <a:rPr lang="de-DE" smtClean="0"/>
+              <a:t>13</a:t>
+            </a:fld>
+            <a:endParaRPr lang="de-DE"/>
+          </a:p>
+        </p:txBody>
+      </p:sp>
+    </p:spTree>
+    <p:extLst>
+      <p:ext uri="{BB962C8B-B14F-4D97-AF65-F5344CB8AC3E}">
+        <p14:creationId xmlns:p14="http://schemas.microsoft.com/office/powerpoint/2010/main" val="4017929050"/>
+      </p:ext>
+    </p:extLst>
+  </p:cSld>
+  <p:clrMapOvr>
+    <a:masterClrMapping/>
+  </p:clrMapOvr>
+</p:notes>
+</file>
+
+<file path=ppt/notesSlides/notesSlide14.xml><?xml version="1.0" encoding="utf-8"?>
+<p:notes xmlns:a="http://schemas.openxmlformats.org/drawingml/2006/main" xmlns:r="http://schemas.openxmlformats.org/officeDocument/2006/relationships" xmlns:p="http://schemas.openxmlformats.org/presentationml/2006/main">
+  <p:cSld>
+    <p:spTree>
+      <p:nvGrpSpPr>
+        <p:cNvPr id="1" name=""/>
+        <p:cNvGrpSpPr/>
+        <p:nvPr/>
+      </p:nvGrpSpPr>
+      <p:grpSpPr>
+        <a:xfrm>
+          <a:off x="0" y="0"/>
+          <a:ext cx="0" cy="0"/>
+          <a:chOff x="0" y="0"/>
+          <a:chExt cx="0" cy="0"/>
+        </a:xfrm>
+      </p:grpSpPr>
+      <p:sp>
+        <p:nvSpPr>
+          <p:cNvPr id="2" name="Folienbildplatzhalter 1"/>
+          <p:cNvSpPr>
+            <a:spLocks noGrp="1" noRot="1" noChangeAspect="1"/>
+          </p:cNvSpPr>
+          <p:nvPr>
+            <p:ph type="sldImg"/>
+          </p:nvPr>
+        </p:nvSpPr>
+        <p:spPr/>
+      </p:sp>
+      <p:sp>
+        <p:nvSpPr>
+          <p:cNvPr id="3" name="Notizenplatzhalter 2"/>
+          <p:cNvSpPr>
+            <a:spLocks noGrp="1"/>
+          </p:cNvSpPr>
+          <p:nvPr>
+            <p:ph type="body" idx="1"/>
+          </p:nvPr>
+        </p:nvSpPr>
+        <p:spPr/>
+        <p:txBody>
+          <a:bodyPr/>
+          <a:lstStyle/>
+          <a:p>
+            <a:endParaRPr lang="en-US"/>
+          </a:p>
+        </p:txBody>
+      </p:sp>
+      <p:sp>
+        <p:nvSpPr>
+          <p:cNvPr id="4" name="Foliennummernplatzhalter 3"/>
+          <p:cNvSpPr>
+            <a:spLocks noGrp="1"/>
+          </p:cNvSpPr>
+          <p:nvPr>
+            <p:ph type="sldNum" sz="quarter" idx="5"/>
+          </p:nvPr>
+        </p:nvSpPr>
+        <p:spPr/>
+        <p:txBody>
+          <a:bodyPr/>
+          <a:lstStyle/>
+          <a:p>
+            <a:fld id="{E7F12AC4-85F9-4B93-92D3-A9937CE1B92C}" type="slidenum">
+              <a:rPr lang="de-DE" smtClean="0"/>
+              <a:t>14</a:t>
+            </a:fld>
+            <a:endParaRPr lang="de-DE"/>
+          </a:p>
+        </p:txBody>
+      </p:sp>
+    </p:spTree>
+    <p:extLst>
+      <p:ext uri="{BB962C8B-B14F-4D97-AF65-F5344CB8AC3E}">
+        <p14:creationId xmlns:p14="http://schemas.microsoft.com/office/powerpoint/2010/main" val="2823420152"/>
+      </p:ext>
+    </p:extLst>
+  </p:cSld>
+  <p:clrMapOvr>
+    <a:masterClrMapping/>
+  </p:clrMapOvr>
+</p:notes>
+</file>
+
+<file path=ppt/notesSlides/notesSlide15.xml><?xml version="1.0" encoding="utf-8"?>
+<p:notes xmlns:a="http://schemas.openxmlformats.org/drawingml/2006/main" xmlns:r="http://schemas.openxmlformats.org/officeDocument/2006/relationships" xmlns:p="http://schemas.openxmlformats.org/presentationml/2006/main">
+  <p:cSld>
+    <p:spTree>
+      <p:nvGrpSpPr>
+        <p:cNvPr id="1" name=""/>
+        <p:cNvGrpSpPr/>
+        <p:nvPr/>
+      </p:nvGrpSpPr>
+      <p:grpSpPr>
+        <a:xfrm>
+          <a:off x="0" y="0"/>
+          <a:ext cx="0" cy="0"/>
+          <a:chOff x="0" y="0"/>
+          <a:chExt cx="0" cy="0"/>
+        </a:xfrm>
+      </p:grpSpPr>
+      <p:sp>
+        <p:nvSpPr>
+          <p:cNvPr id="2" name="Folienbildplatzhalter 1"/>
+          <p:cNvSpPr>
+            <a:spLocks noGrp="1" noRot="1" noChangeAspect="1"/>
+          </p:cNvSpPr>
+          <p:nvPr>
+            <p:ph type="sldImg"/>
+          </p:nvPr>
+        </p:nvSpPr>
+        <p:spPr/>
+      </p:sp>
+      <p:sp>
+        <p:nvSpPr>
+          <p:cNvPr id="3" name="Notizenplatzhalter 2"/>
+          <p:cNvSpPr>
+            <a:spLocks noGrp="1"/>
+          </p:cNvSpPr>
+          <p:nvPr>
+            <p:ph type="body" idx="1"/>
+          </p:nvPr>
+        </p:nvSpPr>
+        <p:spPr/>
+        <p:txBody>
+          <a:bodyPr/>
+          <a:lstStyle/>
+          <a:p>
+            <a:r>
+              <a:rPr lang="en-US" dirty="0"/>
+              <a:t> </a:t>
+            </a:r>
+          </a:p>
+        </p:txBody>
+      </p:sp>
+      <p:sp>
+        <p:nvSpPr>
+          <p:cNvPr id="4" name="Foliennummernplatzhalter 3"/>
+          <p:cNvSpPr>
+            <a:spLocks noGrp="1"/>
+          </p:cNvSpPr>
+          <p:nvPr>
+            <p:ph type="sldNum" sz="quarter" idx="5"/>
+          </p:nvPr>
+        </p:nvSpPr>
+        <p:spPr/>
+        <p:txBody>
+          <a:bodyPr/>
+          <a:lstStyle/>
+          <a:p>
+            <a:fld id="{E7F12AC4-85F9-4B93-92D3-A9937CE1B92C}" type="slidenum">
+              <a:rPr lang="de-DE" smtClean="0"/>
+              <a:t>15</a:t>
+            </a:fld>
+            <a:endParaRPr lang="de-DE"/>
+          </a:p>
+        </p:txBody>
+      </p:sp>
+    </p:spTree>
+    <p:extLst>
+      <p:ext uri="{BB962C8B-B14F-4D97-AF65-F5344CB8AC3E}">
+        <p14:creationId xmlns:p14="http://schemas.microsoft.com/office/powerpoint/2010/main" val="4088187491"/>
+      </p:ext>
+    </p:extLst>
+  </p:cSld>
+  <p:clrMapOvr>
+    <a:masterClrMapping/>
+  </p:clrMapOvr>
+</p:notes>
+</file>
+
+<file path=ppt/notesSlides/notesSlide16.xml><?xml version="1.0" encoding="utf-8"?>
+<p:notes xmlns:a="http://schemas.openxmlformats.org/drawingml/2006/main" xmlns:r="http://schemas.openxmlformats.org/officeDocument/2006/relationships" xmlns:p="http://schemas.openxmlformats.org/presentationml/2006/main">
+  <p:cSld>
+    <p:spTree>
+      <p:nvGrpSpPr>
+        <p:cNvPr id="1" name=""/>
+        <p:cNvGrpSpPr/>
+        <p:nvPr/>
+      </p:nvGrpSpPr>
+      <p:grpSpPr>
+        <a:xfrm>
+          <a:off x="0" y="0"/>
+          <a:ext cx="0" cy="0"/>
+          <a:chOff x="0" y="0"/>
+          <a:chExt cx="0" cy="0"/>
+        </a:xfrm>
+      </p:grpSpPr>
+      <p:sp>
+        <p:nvSpPr>
+          <p:cNvPr id="2" name="Folienbildplatzhalter 1"/>
+          <p:cNvSpPr>
+            <a:spLocks noGrp="1" noRot="1" noChangeAspect="1"/>
+          </p:cNvSpPr>
+          <p:nvPr>
+            <p:ph type="sldImg"/>
+          </p:nvPr>
+        </p:nvSpPr>
+        <p:spPr/>
+      </p:sp>
+      <p:sp>
+        <p:nvSpPr>
+          <p:cNvPr id="3" name="Notizenplatzhalter 2"/>
+          <p:cNvSpPr>
+            <a:spLocks noGrp="1"/>
+          </p:cNvSpPr>
+          <p:nvPr>
+            <p:ph type="body" idx="1"/>
+          </p:nvPr>
+        </p:nvSpPr>
+        <p:spPr/>
+        <p:txBody>
+          <a:bodyPr/>
+          <a:lstStyle/>
+          <a:p>
+            <a:r>
+              <a:rPr lang="en-US" dirty="0"/>
+              <a:t> </a:t>
+            </a:r>
+          </a:p>
+        </p:txBody>
+      </p:sp>
+      <p:sp>
+        <p:nvSpPr>
+          <p:cNvPr id="4" name="Foliennummernplatzhalter 3"/>
+          <p:cNvSpPr>
+            <a:spLocks noGrp="1"/>
+          </p:cNvSpPr>
+          <p:nvPr>
+            <p:ph type="sldNum" sz="quarter" idx="5"/>
+          </p:nvPr>
+        </p:nvSpPr>
+        <p:spPr/>
+        <p:txBody>
+          <a:bodyPr/>
+          <a:lstStyle/>
+          <a:p>
+            <a:fld id="{E7F12AC4-85F9-4B93-92D3-A9937CE1B92C}" type="slidenum">
+              <a:rPr lang="de-DE" smtClean="0"/>
+              <a:t>16</a:t>
             </a:fld>
             <a:endParaRPr lang="de-DE"/>
           </a:p>
@@ -1993,7 +2506,7 @@
     </p:spTree>
     <p:extLst>
       <p:ext uri="{BB962C8B-B14F-4D97-AF65-F5344CB8AC3E}">
-        <p14:creationId xmlns:p14="http://schemas.microsoft.com/office/powerpoint/2010/main" val="4017929050"/>
+        <p14:creationId xmlns:p14="http://schemas.microsoft.com/office/powerpoint/2010/main" val="2151810275"/>
       </p:ext>
     </p:extLst>
   </p:cSld>
@@ -2077,7 +2590,7 @@
     </p:spTree>
     <p:extLst>
       <p:ext uri="{BB962C8B-B14F-4D97-AF65-F5344CB8AC3E}">
-        <p14:creationId xmlns:p14="http://schemas.microsoft.com/office/powerpoint/2010/main" val="2823420152"/>
+        <p14:creationId xmlns:p14="http://schemas.microsoft.com/office/powerpoint/2010/main" val="3450785715"/>
       </p:ext>
     </p:extLst>
   </p:cSld>
@@ -2131,10 +2644,7 @@
           <a:bodyPr/>
           <a:lstStyle/>
           <a:p>
-            <a:r>
-              <a:rPr lang="en-US" dirty="0"/>
-              <a:t> </a:t>
-            </a:r>
+            <a:endParaRPr lang="en-US"/>
           </a:p>
         </p:txBody>
       </p:sp>
@@ -2164,7 +2674,7 @@
     </p:spTree>
     <p:extLst>
       <p:ext uri="{BB962C8B-B14F-4D97-AF65-F5344CB8AC3E}">
-        <p14:creationId xmlns:p14="http://schemas.microsoft.com/office/powerpoint/2010/main" val="4088187491"/>
+        <p14:creationId xmlns:p14="http://schemas.microsoft.com/office/powerpoint/2010/main" val="2342746366"/>
       </p:ext>
     </p:extLst>
   </p:cSld>
@@ -2305,7 +2815,7 @@
           <a:p>
             <a:fld id="{4E4D35B4-7069-4B30-92CD-0AEC62722384}" type="datetime1">
               <a:rPr lang="de-DE" smtClean="0"/>
-              <a:t>15.05.2022</a:t>
+              <a:t>16.05.2022</a:t>
             </a:fld>
             <a:endParaRPr lang="de-DE"/>
           </a:p>
@@ -2478,7 +2988,7 @@
           <a:p>
             <a:fld id="{EF11B494-B548-4041-8C78-F3F11B2153ED}" type="datetime1">
               <a:rPr lang="de-DE" smtClean="0"/>
-              <a:t>15.05.2022</a:t>
+              <a:t>16.05.2022</a:t>
             </a:fld>
             <a:endParaRPr lang="de-DE"/>
           </a:p>
@@ -2661,7 +3171,7 @@
           <a:p>
             <a:fld id="{D34EC744-8E0F-4666-BC5A-495C368D8BA0}" type="datetime1">
               <a:rPr lang="de-DE" smtClean="0"/>
-              <a:t>15.05.2022</a:t>
+              <a:t>16.05.2022</a:t>
             </a:fld>
             <a:endParaRPr lang="de-DE"/>
           </a:p>
@@ -2834,7 +3344,7 @@
           <a:p>
             <a:fld id="{1F96605B-8219-405C-BAB3-22CFB93EC77D}" type="datetime1">
               <a:rPr lang="de-DE" smtClean="0"/>
-              <a:t>15.05.2022</a:t>
+              <a:t>16.05.2022</a:t>
             </a:fld>
             <a:endParaRPr lang="de-DE"/>
           </a:p>
@@ -3083,7 +3593,7 @@
           <a:p>
             <a:fld id="{B8870600-3A68-4AB7-9141-BAD48B0D6406}" type="datetime1">
               <a:rPr lang="de-DE" smtClean="0"/>
-              <a:t>15.05.2022</a:t>
+              <a:t>16.05.2022</a:t>
             </a:fld>
             <a:endParaRPr lang="de-DE"/>
           </a:p>
@@ -3318,7 +3828,7 @@
           <a:p>
             <a:fld id="{5FD8DBC4-4E8B-4F2E-8D75-B3D601992F13}" type="datetime1">
               <a:rPr lang="de-DE" smtClean="0"/>
-              <a:t>15.05.2022</a:t>
+              <a:t>16.05.2022</a:t>
             </a:fld>
             <a:endParaRPr lang="de-DE"/>
           </a:p>
@@ -3688,7 +4198,7 @@
           <a:p>
             <a:fld id="{E38F780F-35A8-41F2-803D-8DFD54272BEF}" type="datetime1">
               <a:rPr lang="de-DE" smtClean="0"/>
-              <a:t>15.05.2022</a:t>
+              <a:t>16.05.2022</a:t>
             </a:fld>
             <a:endParaRPr lang="de-DE"/>
           </a:p>
@@ -3809,7 +4319,7 @@
           <a:p>
             <a:fld id="{E248A22B-5891-4BB7-B577-825EF80C8DC0}" type="datetime1">
               <a:rPr lang="de-DE" smtClean="0"/>
-              <a:t>15.05.2022</a:t>
+              <a:t>16.05.2022</a:t>
             </a:fld>
             <a:endParaRPr lang="de-DE"/>
           </a:p>
@@ -3907,7 +4417,7 @@
           <a:p>
             <a:fld id="{EBAB5F03-E438-409F-948A-23B68EC68711}" type="datetime1">
               <a:rPr lang="de-DE" smtClean="0"/>
-              <a:t>15.05.2022</a:t>
+              <a:t>16.05.2022</a:t>
             </a:fld>
             <a:endParaRPr lang="de-DE"/>
           </a:p>
@@ -4187,7 +4697,7 @@
           <a:p>
             <a:fld id="{189EC830-2B5C-4E75-B244-C97623B20C7C}" type="datetime1">
               <a:rPr lang="de-DE" smtClean="0"/>
-              <a:t>15.05.2022</a:t>
+              <a:t>16.05.2022</a:t>
             </a:fld>
             <a:endParaRPr lang="de-DE"/>
           </a:p>
@@ -4447,7 +4957,7 @@
           <a:p>
             <a:fld id="{B68E9873-F58D-4E9C-B2A6-B07C00CC07F2}" type="datetime1">
               <a:rPr lang="de-DE" smtClean="0"/>
-              <a:t>15.05.2022</a:t>
+              <a:t>16.05.2022</a:t>
             </a:fld>
             <a:endParaRPr lang="de-DE"/>
           </a:p>
@@ -4663,7 +5173,7 @@
           <a:p>
             <a:fld id="{108A87E1-5614-4AB1-8F63-E303A46FF430}" type="datetime1">
               <a:rPr lang="de-DE" smtClean="0"/>
-              <a:t>15.05.2022</a:t>
+              <a:t>16.05.2022</a:t>
             </a:fld>
             <a:endParaRPr lang="de-DE"/>
           </a:p>
@@ -5145,7 +5655,7 @@
           <a:p>
             <a:fld id="{4E4D35B4-7069-4B30-92CD-0AEC62722384}" type="datetime1">
               <a:rPr lang="de-DE" smtClean="0"/>
-              <a:t>15.05.2022</a:t>
+              <a:t>16.05.2022</a:t>
             </a:fld>
             <a:endParaRPr lang="de-DE"/>
           </a:p>
@@ -5222,6 +5732,3997 @@
 </file>
 
 <file path=ppt/slides/slide10.xml><?xml version="1.0" encoding="utf-8"?>
+<p:sld xmlns:a="http://schemas.openxmlformats.org/drawingml/2006/main" xmlns:r="http://schemas.openxmlformats.org/officeDocument/2006/relationships" xmlns:p="http://schemas.openxmlformats.org/presentationml/2006/main">
+  <p:cSld>
+    <p:spTree>
+      <p:nvGrpSpPr>
+        <p:cNvPr id="1" name=""/>
+        <p:cNvGrpSpPr/>
+        <p:nvPr/>
+      </p:nvGrpSpPr>
+      <p:grpSpPr>
+        <a:xfrm>
+          <a:off x="0" y="0"/>
+          <a:ext cx="0" cy="0"/>
+          <a:chOff x="0" y="0"/>
+          <a:chExt cx="0" cy="0"/>
+        </a:xfrm>
+      </p:grpSpPr>
+      <p:sp>
+        <p:nvSpPr>
+          <p:cNvPr id="9" name="Datumsplatzhalter 8">
+            <a:extLst>
+              <a:ext uri="{FF2B5EF4-FFF2-40B4-BE49-F238E27FC236}">
+                <a16:creationId xmlns:a16="http://schemas.microsoft.com/office/drawing/2014/main" id="{B2E44AFA-B29A-4513-B164-74DF574E302B}"/>
+              </a:ext>
+            </a:extLst>
+          </p:cNvPr>
+          <p:cNvSpPr>
+            <a:spLocks noGrp="1"/>
+          </p:cNvSpPr>
+          <p:nvPr>
+            <p:ph type="dt" sz="half" idx="10"/>
+          </p:nvPr>
+        </p:nvSpPr>
+        <p:spPr>
+          <a:xfrm>
+            <a:off x="628650" y="5357247"/>
+            <a:ext cx="2057400" cy="304271"/>
+          </a:xfrm>
+        </p:spPr>
+        <p:txBody>
+          <a:bodyPr/>
+          <a:lstStyle/>
+          <a:p>
+            <a:fld id="{4ABD6D1D-9BE7-4B6A-B4D1-FD497C782274}" type="datetime1">
+              <a:rPr lang="de-DE" smtClean="0">
+                <a:solidFill>
+                  <a:srgbClr val="2E4186"/>
+                </a:solidFill>
+              </a:rPr>
+              <a:t>16.05.2022</a:t>
+            </a:fld>
+            <a:endParaRPr lang="de-DE" dirty="0">
+              <a:solidFill>
+                <a:srgbClr val="2E4186"/>
+              </a:solidFill>
+            </a:endParaRPr>
+          </a:p>
+        </p:txBody>
+      </p:sp>
+      <p:sp>
+        <p:nvSpPr>
+          <p:cNvPr id="13" name="Textfeld 12">
+            <a:extLst>
+              <a:ext uri="{FF2B5EF4-FFF2-40B4-BE49-F238E27FC236}">
+                <a16:creationId xmlns:a16="http://schemas.microsoft.com/office/drawing/2014/main" id="{88E434CB-53F2-43DE-989A-34F83773913E}"/>
+              </a:ext>
+            </a:extLst>
+          </p:cNvPr>
+          <p:cNvSpPr txBox="1"/>
+          <p:nvPr/>
+        </p:nvSpPr>
+        <p:spPr>
+          <a:xfrm>
+            <a:off x="855423" y="295945"/>
+            <a:ext cx="7187979" cy="584775"/>
+          </a:xfrm>
+          <a:prstGeom prst="rect">
+            <a:avLst/>
+          </a:prstGeom>
+          <a:noFill/>
+        </p:spPr>
+        <p:txBody>
+          <a:bodyPr wrap="square" rtlCol="0">
+            <a:spAutoFit/>
+          </a:bodyPr>
+          <a:lstStyle/>
+          <a:p>
+            <a:r>
+              <a:rPr lang="de-DE" sz="3200" dirty="0">
+                <a:latin typeface="+mj-lt"/>
+              </a:rPr>
+              <a:t>Quality </a:t>
+            </a:r>
+            <a:r>
+              <a:rPr lang="de-DE" sz="3200" dirty="0" err="1">
+                <a:latin typeface="+mj-lt"/>
+              </a:rPr>
+              <a:t>control</a:t>
+            </a:r>
+            <a:endParaRPr lang="de-DE" sz="3200" dirty="0">
+              <a:latin typeface="+mj-lt"/>
+            </a:endParaRPr>
+          </a:p>
+        </p:txBody>
+      </p:sp>
+      <p:cxnSp>
+        <p:nvCxnSpPr>
+          <p:cNvPr id="14" name="Gerader Verbinder 13">
+            <a:extLst>
+              <a:ext uri="{FF2B5EF4-FFF2-40B4-BE49-F238E27FC236}">
+                <a16:creationId xmlns:a16="http://schemas.microsoft.com/office/drawing/2014/main" id="{1CDE483F-007A-4AB6-9094-9439F0148193}"/>
+              </a:ext>
+            </a:extLst>
+          </p:cNvPr>
+          <p:cNvCxnSpPr>
+            <a:cxnSpLocks/>
+          </p:cNvCxnSpPr>
+          <p:nvPr/>
+        </p:nvCxnSpPr>
+        <p:spPr>
+          <a:xfrm>
+            <a:off x="726619" y="849404"/>
+            <a:ext cx="6854981" cy="0"/>
+          </a:xfrm>
+          <a:prstGeom prst="line">
+            <a:avLst/>
+          </a:prstGeom>
+          <a:ln>
+            <a:solidFill>
+              <a:srgbClr val="10A1EA"/>
+            </a:solidFill>
+          </a:ln>
+        </p:spPr>
+        <p:style>
+          <a:lnRef idx="1">
+            <a:schemeClr val="accent1"/>
+          </a:lnRef>
+          <a:fillRef idx="0">
+            <a:schemeClr val="accent1"/>
+          </a:fillRef>
+          <a:effectRef idx="0">
+            <a:schemeClr val="accent1"/>
+          </a:effectRef>
+          <a:fontRef idx="minor">
+            <a:schemeClr val="tx1"/>
+          </a:fontRef>
+        </p:style>
+      </p:cxnSp>
+      <p:sp>
+        <p:nvSpPr>
+          <p:cNvPr id="24" name="Rechteck 23">
+            <a:extLst>
+              <a:ext uri="{FF2B5EF4-FFF2-40B4-BE49-F238E27FC236}">
+                <a16:creationId xmlns:a16="http://schemas.microsoft.com/office/drawing/2014/main" id="{85AA2DAF-4E4E-60E3-5793-E5162487086D}"/>
+              </a:ext>
+            </a:extLst>
+          </p:cNvPr>
+          <p:cNvSpPr/>
+          <p:nvPr/>
+        </p:nvSpPr>
+        <p:spPr>
+          <a:xfrm>
+            <a:off x="152780" y="0"/>
+            <a:ext cx="406921" cy="5715000"/>
+          </a:xfrm>
+          <a:prstGeom prst="rect">
+            <a:avLst/>
+          </a:prstGeom>
+          <a:gradFill>
+            <a:gsLst>
+              <a:gs pos="2000">
+                <a:schemeClr val="bg1">
+                  <a:alpha val="91000"/>
+                </a:schemeClr>
+              </a:gs>
+              <a:gs pos="95000">
+                <a:schemeClr val="bg1"/>
+              </a:gs>
+              <a:gs pos="75000">
+                <a:srgbClr val="12D4E8"/>
+              </a:gs>
+              <a:gs pos="58000">
+                <a:srgbClr val="10A1EA"/>
+              </a:gs>
+              <a:gs pos="15000">
+                <a:srgbClr val="12D4E8"/>
+              </a:gs>
+              <a:gs pos="35000">
+                <a:srgbClr val="175CF5"/>
+              </a:gs>
+              <a:gs pos="26000">
+                <a:srgbClr val="10A1EA"/>
+              </a:gs>
+              <a:gs pos="46000">
+                <a:srgbClr val="175CF5"/>
+              </a:gs>
+            </a:gsLst>
+            <a:lin ang="5400000" scaled="1"/>
+          </a:gradFill>
+          <a:ln>
+            <a:noFill/>
+          </a:ln>
+          <a:effectLst>
+            <a:softEdge rad="38100"/>
+          </a:effectLst>
+        </p:spPr>
+        <p:style>
+          <a:lnRef idx="2">
+            <a:schemeClr val="accent1">
+              <a:shade val="50000"/>
+            </a:schemeClr>
+          </a:lnRef>
+          <a:fillRef idx="1">
+            <a:schemeClr val="accent1"/>
+          </a:fillRef>
+          <a:effectRef idx="0">
+            <a:schemeClr val="accent1"/>
+          </a:effectRef>
+          <a:fontRef idx="minor">
+            <a:schemeClr val="lt1"/>
+          </a:fontRef>
+        </p:style>
+        <p:txBody>
+          <a:bodyPr rot="0" spcFirstLastPara="0" vert="horz" wrap="square" lIns="91440" tIns="45720" rIns="91440" bIns="45720" numCol="1" spcCol="0" rtlCol="0" fromWordArt="0" anchor="ctr" anchorCtr="0" forceAA="0" compatLnSpc="1">
+            <a:prstTxWarp prst="textNoShape">
+              <a:avLst/>
+            </a:prstTxWarp>
+            <a:noAutofit/>
+          </a:bodyPr>
+          <a:lstStyle/>
+          <a:p>
+            <a:endParaRPr lang="de-DE"/>
+          </a:p>
+        </p:txBody>
+      </p:sp>
+      <p:sp>
+        <p:nvSpPr>
+          <p:cNvPr id="2" name="Foliennummernplatzhalter 1">
+            <a:extLst>
+              <a:ext uri="{FF2B5EF4-FFF2-40B4-BE49-F238E27FC236}">
+                <a16:creationId xmlns:a16="http://schemas.microsoft.com/office/drawing/2014/main" id="{7127E193-062B-1452-70A0-30F77337207F}"/>
+              </a:ext>
+            </a:extLst>
+          </p:cNvPr>
+          <p:cNvSpPr>
+            <a:spLocks noGrp="1"/>
+          </p:cNvSpPr>
+          <p:nvPr>
+            <p:ph type="sldNum" sz="quarter" idx="12"/>
+          </p:nvPr>
+        </p:nvSpPr>
+        <p:spPr>
+          <a:xfrm>
+            <a:off x="6774750" y="5325759"/>
+            <a:ext cx="2057400" cy="304271"/>
+          </a:xfrm>
+        </p:spPr>
+        <p:txBody>
+          <a:bodyPr/>
+          <a:lstStyle/>
+          <a:p>
+            <a:fld id="{D3D8A29C-259F-45D5-BFFA-A48772AC905C}" type="slidenum">
+              <a:rPr lang="de-DE" smtClean="0">
+                <a:solidFill>
+                  <a:srgbClr val="2E4186"/>
+                </a:solidFill>
+              </a:rPr>
+              <a:t>10</a:t>
+            </a:fld>
+            <a:endParaRPr lang="de-DE" dirty="0">
+              <a:solidFill>
+                <a:srgbClr val="2E4186"/>
+              </a:solidFill>
+            </a:endParaRPr>
+          </a:p>
+        </p:txBody>
+      </p:sp>
+      <p:cxnSp>
+        <p:nvCxnSpPr>
+          <p:cNvPr id="23" name="Gerader Verbinder 22">
+            <a:extLst>
+              <a:ext uri="{FF2B5EF4-FFF2-40B4-BE49-F238E27FC236}">
+                <a16:creationId xmlns:a16="http://schemas.microsoft.com/office/drawing/2014/main" id="{F400FDB4-FD57-FB87-F549-2AF5E6E1AE51}"/>
+              </a:ext>
+            </a:extLst>
+          </p:cNvPr>
+          <p:cNvCxnSpPr>
+            <a:cxnSpLocks/>
+          </p:cNvCxnSpPr>
+          <p:nvPr/>
+        </p:nvCxnSpPr>
+        <p:spPr>
+          <a:xfrm flipH="1">
+            <a:off x="8832150" y="4805914"/>
+            <a:ext cx="311850" cy="909086"/>
+          </a:xfrm>
+          <a:prstGeom prst="line">
+            <a:avLst/>
+          </a:prstGeom>
+          <a:ln>
+            <a:solidFill>
+              <a:srgbClr val="10A1EA"/>
+            </a:solidFill>
+          </a:ln>
+        </p:spPr>
+        <p:style>
+          <a:lnRef idx="1">
+            <a:schemeClr val="accent1"/>
+          </a:lnRef>
+          <a:fillRef idx="0">
+            <a:schemeClr val="accent1"/>
+          </a:fillRef>
+          <a:effectRef idx="0">
+            <a:schemeClr val="accent1"/>
+          </a:effectRef>
+          <a:fontRef idx="minor">
+            <a:schemeClr val="tx1"/>
+          </a:fontRef>
+        </p:style>
+      </p:cxnSp>
+      <p:pic>
+        <p:nvPicPr>
+          <p:cNvPr id="39" name="Grafik 38">
+            <a:extLst>
+              <a:ext uri="{FF2B5EF4-FFF2-40B4-BE49-F238E27FC236}">
+                <a16:creationId xmlns:a16="http://schemas.microsoft.com/office/drawing/2014/main" id="{83A8EE2E-0954-6F9A-1734-5FCF5AFB3FA0}"/>
+              </a:ext>
+            </a:extLst>
+          </p:cNvPr>
+          <p:cNvPicPr>
+            <a:picLocks noChangeAspect="1"/>
+          </p:cNvPicPr>
+          <p:nvPr/>
+        </p:nvPicPr>
+        <p:blipFill>
+          <a:blip r:embed="rId3"/>
+          <a:stretch>
+            <a:fillRect/>
+          </a:stretch>
+        </p:blipFill>
+        <p:spPr>
+          <a:xfrm>
+            <a:off x="7644639" y="107468"/>
+            <a:ext cx="1385921" cy="1236316"/>
+          </a:xfrm>
+          <a:prstGeom prst="rect">
+            <a:avLst/>
+          </a:prstGeom>
+        </p:spPr>
+      </p:pic>
+      <p:cxnSp>
+        <p:nvCxnSpPr>
+          <p:cNvPr id="42" name="Gerader Verbinder 41">
+            <a:extLst>
+              <a:ext uri="{FF2B5EF4-FFF2-40B4-BE49-F238E27FC236}">
+                <a16:creationId xmlns:a16="http://schemas.microsoft.com/office/drawing/2014/main" id="{916F5C3D-50C3-059D-6772-1DD70D5E9604}"/>
+              </a:ext>
+            </a:extLst>
+          </p:cNvPr>
+          <p:cNvCxnSpPr>
+            <a:cxnSpLocks/>
+          </p:cNvCxnSpPr>
+          <p:nvPr/>
+        </p:nvCxnSpPr>
+        <p:spPr>
+          <a:xfrm>
+            <a:off x="628650" y="5378847"/>
+            <a:ext cx="7414752" cy="0"/>
+          </a:xfrm>
+          <a:prstGeom prst="line">
+            <a:avLst/>
+          </a:prstGeom>
+          <a:ln>
+            <a:solidFill>
+              <a:srgbClr val="10A1EA"/>
+            </a:solidFill>
+          </a:ln>
+        </p:spPr>
+        <p:style>
+          <a:lnRef idx="1">
+            <a:schemeClr val="accent1"/>
+          </a:lnRef>
+          <a:fillRef idx="0">
+            <a:schemeClr val="accent1"/>
+          </a:fillRef>
+          <a:effectRef idx="0">
+            <a:schemeClr val="accent1"/>
+          </a:effectRef>
+          <a:fontRef idx="minor">
+            <a:schemeClr val="tx1"/>
+          </a:fontRef>
+        </p:style>
+      </p:cxnSp>
+      <p:pic>
+        <p:nvPicPr>
+          <p:cNvPr id="45" name="Grafik 44" descr="Monatskalender Silhouette">
+            <a:extLst>
+              <a:ext uri="{FF2B5EF4-FFF2-40B4-BE49-F238E27FC236}">
+                <a16:creationId xmlns:a16="http://schemas.microsoft.com/office/drawing/2014/main" id="{ADE41C17-DE6A-3F4F-C168-68D57E9362E4}"/>
+              </a:ext>
+            </a:extLst>
+          </p:cNvPr>
+          <p:cNvPicPr>
+            <a:picLocks noChangeAspect="1"/>
+          </p:cNvPicPr>
+          <p:nvPr/>
+        </p:nvPicPr>
+        <p:blipFill>
+          <a:blip r:embed="rId4">
+            <a:extLst>
+              <a:ext uri="{28A0092B-C50C-407E-A947-70E740481C1C}">
+                <a14:useLocalDpi xmlns:a14="http://schemas.microsoft.com/office/drawing/2010/main" val="0"/>
+              </a:ext>
+              <a:ext uri="{96DAC541-7B7A-43D3-8B79-37D633B846F1}">
+                <asvg:svgBlip xmlns:asvg="http://schemas.microsoft.com/office/drawing/2016/SVG/main" r:embed="rId5"/>
+              </a:ext>
+            </a:extLst>
+          </a:blip>
+          <a:stretch>
+            <a:fillRect/>
+          </a:stretch>
+        </p:blipFill>
+        <p:spPr>
+          <a:xfrm>
+            <a:off x="147948" y="3234705"/>
+            <a:ext cx="406921" cy="406921"/>
+          </a:xfrm>
+          <a:prstGeom prst="rect">
+            <a:avLst/>
+          </a:prstGeom>
+        </p:spPr>
+      </p:pic>
+      <p:pic>
+        <p:nvPicPr>
+          <p:cNvPr id="49" name="Grafik 48" descr="DNA Silhouette">
+            <a:extLst>
+              <a:ext uri="{FF2B5EF4-FFF2-40B4-BE49-F238E27FC236}">
+                <a16:creationId xmlns:a16="http://schemas.microsoft.com/office/drawing/2014/main" id="{6DEF5C3C-BCD8-CE26-6A1F-44421E61A3CA}"/>
+              </a:ext>
+            </a:extLst>
+          </p:cNvPr>
+          <p:cNvPicPr>
+            <a:picLocks noChangeAspect="1"/>
+          </p:cNvPicPr>
+          <p:nvPr/>
+        </p:nvPicPr>
+        <p:blipFill>
+          <a:blip r:embed="rId6">
+            <a:extLst>
+              <a:ext uri="{28A0092B-C50C-407E-A947-70E740481C1C}">
+                <a14:useLocalDpi xmlns:a14="http://schemas.microsoft.com/office/drawing/2010/main" val="0"/>
+              </a:ext>
+              <a:ext uri="{96DAC541-7B7A-43D3-8B79-37D633B846F1}">
+                <asvg:svgBlip xmlns:asvg="http://schemas.microsoft.com/office/drawing/2016/SVG/main" r:embed="rId7"/>
+              </a:ext>
+            </a:extLst>
+          </a:blip>
+          <a:stretch>
+            <a:fillRect/>
+          </a:stretch>
+        </p:blipFill>
+        <p:spPr>
+          <a:xfrm>
+            <a:off x="143735" y="872897"/>
+            <a:ext cx="406921" cy="406921"/>
+          </a:xfrm>
+          <a:prstGeom prst="rect">
+            <a:avLst/>
+          </a:prstGeom>
+        </p:spPr>
+      </p:pic>
+      <p:pic>
+        <p:nvPicPr>
+          <p:cNvPr id="53" name="Grafik 52" descr="Balkendiagramm mit einfarbiger Füllung">
+            <a:extLst>
+              <a:ext uri="{FF2B5EF4-FFF2-40B4-BE49-F238E27FC236}">
+                <a16:creationId xmlns:a16="http://schemas.microsoft.com/office/drawing/2014/main" id="{AB79FB33-E613-4BA8-9EB6-7A65F1DCEBBD}"/>
+              </a:ext>
+            </a:extLst>
+          </p:cNvPr>
+          <p:cNvPicPr>
+            <a:picLocks noChangeAspect="1"/>
+          </p:cNvPicPr>
+          <p:nvPr/>
+        </p:nvPicPr>
+        <p:blipFill>
+          <a:blip r:embed="rId8">
+            <a:extLst>
+              <a:ext uri="{28A0092B-C50C-407E-A947-70E740481C1C}">
+                <a14:useLocalDpi xmlns:a14="http://schemas.microsoft.com/office/drawing/2010/main" val="0"/>
+              </a:ext>
+              <a:ext uri="{96DAC541-7B7A-43D3-8B79-37D633B846F1}">
+                <asvg:svgBlip xmlns:asvg="http://schemas.microsoft.com/office/drawing/2016/SVG/main" r:embed="rId9"/>
+              </a:ext>
+            </a:extLst>
+          </a:blip>
+          <a:stretch>
+            <a:fillRect/>
+          </a:stretch>
+        </p:blipFill>
+        <p:spPr>
+          <a:xfrm>
+            <a:off x="161825" y="2053186"/>
+            <a:ext cx="406921" cy="406921"/>
+          </a:xfrm>
+          <a:prstGeom prst="rect">
+            <a:avLst/>
+          </a:prstGeom>
+        </p:spPr>
+      </p:pic>
+      <p:pic>
+        <p:nvPicPr>
+          <p:cNvPr id="57" name="Grafik 56" descr="Benutzer Silhouette">
+            <a:extLst>
+              <a:ext uri="{FF2B5EF4-FFF2-40B4-BE49-F238E27FC236}">
+                <a16:creationId xmlns:a16="http://schemas.microsoft.com/office/drawing/2014/main" id="{FAF1D196-7D05-3E8B-77EB-98DB84254DF3}"/>
+              </a:ext>
+            </a:extLst>
+          </p:cNvPr>
+          <p:cNvPicPr>
+            <a:picLocks noChangeAspect="1"/>
+          </p:cNvPicPr>
+          <p:nvPr/>
+        </p:nvPicPr>
+        <p:blipFill>
+          <a:blip r:embed="rId10">
+            <a:extLst>
+              <a:ext uri="{28A0092B-C50C-407E-A947-70E740481C1C}">
+                <a14:useLocalDpi xmlns:a14="http://schemas.microsoft.com/office/drawing/2010/main" val="0"/>
+              </a:ext>
+              <a:ext uri="{96DAC541-7B7A-43D3-8B79-37D633B846F1}">
+                <asvg:svgBlip xmlns:asvg="http://schemas.microsoft.com/office/drawing/2016/SVG/main" r:embed="rId11"/>
+              </a:ext>
+            </a:extLst>
+          </a:blip>
+          <a:stretch>
+            <a:fillRect/>
+          </a:stretch>
+        </p:blipFill>
+        <p:spPr>
+          <a:xfrm>
+            <a:off x="147949" y="4415609"/>
+            <a:ext cx="406921" cy="406921"/>
+          </a:xfrm>
+          <a:prstGeom prst="rect">
+            <a:avLst/>
+          </a:prstGeom>
+        </p:spPr>
+      </p:pic>
+      <p:sp>
+        <p:nvSpPr>
+          <p:cNvPr id="15" name="Textfeld 14">
+            <a:extLst>
+              <a:ext uri="{FF2B5EF4-FFF2-40B4-BE49-F238E27FC236}">
+                <a16:creationId xmlns:a16="http://schemas.microsoft.com/office/drawing/2014/main" id="{9DB0080F-0B09-97B1-3CAB-35CE7FABF577}"/>
+              </a:ext>
+            </a:extLst>
+          </p:cNvPr>
+          <p:cNvSpPr txBox="1"/>
+          <p:nvPr/>
+        </p:nvSpPr>
+        <p:spPr>
+          <a:xfrm>
+            <a:off x="854632" y="948149"/>
+            <a:ext cx="6364774" cy="461665"/>
+          </a:xfrm>
+          <a:prstGeom prst="rect">
+            <a:avLst/>
+          </a:prstGeom>
+          <a:noFill/>
+        </p:spPr>
+        <p:txBody>
+          <a:bodyPr wrap="square" rtlCol="0">
+            <a:spAutoFit/>
+          </a:bodyPr>
+          <a:lstStyle/>
+          <a:p>
+            <a:r>
+              <a:rPr lang="en-US" sz="2400" dirty="0"/>
+              <a:t>2. Expression boxplot </a:t>
+            </a:r>
+            <a:r>
+              <a:rPr lang="en-US" sz="2400" dirty="0" err="1"/>
+              <a:t>vsnrma</a:t>
+            </a:r>
+            <a:r>
+              <a:rPr lang="en-US" sz="2400" dirty="0"/>
+              <a:t> normalized</a:t>
+            </a:r>
+          </a:p>
+        </p:txBody>
+      </p:sp>
+      <p:sp>
+        <p:nvSpPr>
+          <p:cNvPr id="16" name="Textfeld 15">
+            <a:extLst>
+              <a:ext uri="{FF2B5EF4-FFF2-40B4-BE49-F238E27FC236}">
+                <a16:creationId xmlns:a16="http://schemas.microsoft.com/office/drawing/2014/main" id="{62EE671E-F9A4-E7F3-16D8-8D6E11383DE3}"/>
+              </a:ext>
+            </a:extLst>
+          </p:cNvPr>
+          <p:cNvSpPr txBox="1"/>
+          <p:nvPr/>
+        </p:nvSpPr>
+        <p:spPr>
+          <a:xfrm>
+            <a:off x="858072" y="1442528"/>
+            <a:ext cx="7187978" cy="369332"/>
+          </a:xfrm>
+          <a:prstGeom prst="rect">
+            <a:avLst/>
+          </a:prstGeom>
+          <a:noFill/>
+        </p:spPr>
+        <p:txBody>
+          <a:bodyPr wrap="square" rtlCol="0">
+            <a:spAutoFit/>
+          </a:bodyPr>
+          <a:lstStyle/>
+          <a:p>
+            <a:pPr marL="285750" indent="-285750">
+              <a:buFont typeface="Arial" panose="020B0604020202020204" pitchFamily="34" charset="0"/>
+              <a:buChar char="•"/>
+            </a:pPr>
+            <a:r>
+              <a:rPr lang="de-DE" dirty="0"/>
+              <a:t>All </a:t>
+            </a:r>
+            <a:r>
+              <a:rPr lang="de-DE" dirty="0" err="1"/>
+              <a:t>chips</a:t>
+            </a:r>
+            <a:r>
+              <a:rPr lang="de-DE" dirty="0"/>
+              <a:t> in </a:t>
+            </a:r>
+            <a:r>
+              <a:rPr lang="de-DE" dirty="0" err="1"/>
+              <a:t>similar</a:t>
+            </a:r>
+            <a:r>
+              <a:rPr lang="de-DE" dirty="0"/>
+              <a:t> </a:t>
+            </a:r>
+            <a:r>
+              <a:rPr lang="de-DE" dirty="0" err="1"/>
+              <a:t>range</a:t>
+            </a:r>
+            <a:r>
+              <a:rPr lang="de-DE" dirty="0"/>
+              <a:t> after </a:t>
+            </a:r>
+            <a:r>
+              <a:rPr lang="de-DE" dirty="0" err="1"/>
+              <a:t>normalization</a:t>
+            </a:r>
+            <a:endParaRPr lang="en-US" dirty="0"/>
+          </a:p>
+        </p:txBody>
+      </p:sp>
+      <p:pic>
+        <p:nvPicPr>
+          <p:cNvPr id="4" name="Grafik 3">
+            <a:extLst>
+              <a:ext uri="{FF2B5EF4-FFF2-40B4-BE49-F238E27FC236}">
+                <a16:creationId xmlns:a16="http://schemas.microsoft.com/office/drawing/2014/main" id="{571047DF-C23F-4864-5A7B-BB6789D6B025}"/>
+              </a:ext>
+            </a:extLst>
+          </p:cNvPr>
+          <p:cNvPicPr>
+            <a:picLocks noChangeAspect="1"/>
+          </p:cNvPicPr>
+          <p:nvPr/>
+        </p:nvPicPr>
+        <p:blipFill>
+          <a:blip r:embed="rId12">
+            <a:extLst>
+              <a:ext uri="{28A0092B-C50C-407E-A947-70E740481C1C}">
+                <a14:useLocalDpi xmlns:a14="http://schemas.microsoft.com/office/drawing/2010/main" val="0"/>
+              </a:ext>
+            </a:extLst>
+          </a:blip>
+          <a:stretch>
+            <a:fillRect/>
+          </a:stretch>
+        </p:blipFill>
+        <p:spPr>
+          <a:xfrm>
+            <a:off x="4449412" y="2099630"/>
+            <a:ext cx="4300864" cy="2654247"/>
+          </a:xfrm>
+          <a:prstGeom prst="rect">
+            <a:avLst/>
+          </a:prstGeom>
+        </p:spPr>
+      </p:pic>
+      <p:sp>
+        <p:nvSpPr>
+          <p:cNvPr id="19" name="Textfeld 18">
+            <a:extLst>
+              <a:ext uri="{FF2B5EF4-FFF2-40B4-BE49-F238E27FC236}">
+                <a16:creationId xmlns:a16="http://schemas.microsoft.com/office/drawing/2014/main" id="{F6A19FC3-F16F-5405-B430-0883ADD52C3C}"/>
+              </a:ext>
+            </a:extLst>
+          </p:cNvPr>
+          <p:cNvSpPr txBox="1"/>
+          <p:nvPr/>
+        </p:nvSpPr>
+        <p:spPr>
+          <a:xfrm>
+            <a:off x="854632" y="1803351"/>
+            <a:ext cx="7839601" cy="369332"/>
+          </a:xfrm>
+          <a:prstGeom prst="rect">
+            <a:avLst/>
+          </a:prstGeom>
+          <a:noFill/>
+        </p:spPr>
+        <p:txBody>
+          <a:bodyPr wrap="square" rtlCol="0">
+            <a:spAutoFit/>
+          </a:bodyPr>
+          <a:lstStyle/>
+          <a:p>
+            <a:pPr marL="285750" indent="-285750">
+              <a:buFont typeface="Arial" panose="020B0604020202020204" pitchFamily="34" charset="0"/>
+              <a:buChar char="•"/>
+            </a:pPr>
+            <a:r>
+              <a:rPr lang="de-DE" dirty="0"/>
+              <a:t>All 18 </a:t>
+            </a:r>
+            <a:r>
+              <a:rPr lang="de-DE" dirty="0" err="1"/>
+              <a:t>chips</a:t>
+            </a:r>
+            <a:r>
+              <a:rPr lang="de-DE" dirty="0"/>
+              <a:t> </a:t>
+            </a:r>
+            <a:r>
+              <a:rPr lang="de-DE" dirty="0" err="1"/>
+              <a:t>accepted</a:t>
+            </a:r>
+            <a:endParaRPr lang="en-US" dirty="0"/>
+          </a:p>
+        </p:txBody>
+      </p:sp>
+    </p:spTree>
+    <p:extLst>
+      <p:ext uri="{BB962C8B-B14F-4D97-AF65-F5344CB8AC3E}">
+        <p14:creationId xmlns:p14="http://schemas.microsoft.com/office/powerpoint/2010/main" val="775386843"/>
+      </p:ext>
+    </p:extLst>
+  </p:cSld>
+  <p:clrMapOvr>
+    <a:masterClrMapping/>
+  </p:clrMapOvr>
+  <p:timing>
+    <p:tnLst>
+      <p:par>
+        <p:cTn id="1" dur="indefinite" restart="never" nodeType="tmRoot">
+          <p:childTnLst>
+            <p:seq concurrent="1" nextAc="seek">
+              <p:cTn id="2" dur="indefinite" nodeType="mainSeq">
+                <p:childTnLst>
+                  <p:par>
+                    <p:cTn id="3" fill="hold">
+                      <p:stCondLst>
+                        <p:cond delay="indefinite"/>
+                      </p:stCondLst>
+                      <p:childTnLst>
+                        <p:par>
+                          <p:cTn id="4" fill="hold">
+                            <p:stCondLst>
+                              <p:cond delay="0"/>
+                            </p:stCondLst>
+                            <p:childTnLst>
+                              <p:par>
+                                <p:cTn id="5" presetID="1" presetClass="entr" presetSubtype="0" fill="hold" grpId="0" nodeType="clickEffect">
+                                  <p:stCondLst>
+                                    <p:cond delay="0"/>
+                                  </p:stCondLst>
+                                  <p:childTnLst>
+                                    <p:set>
+                                      <p:cBhvr>
+                                        <p:cTn id="6" dur="1" fill="hold">
+                                          <p:stCondLst>
+                                            <p:cond delay="0"/>
+                                          </p:stCondLst>
+                                        </p:cTn>
+                                        <p:tgtEl>
+                                          <p:spTgt spid="16"/>
+                                        </p:tgtEl>
+                                        <p:attrNameLst>
+                                          <p:attrName>style.visibility</p:attrName>
+                                        </p:attrNameLst>
+                                      </p:cBhvr>
+                                      <p:to>
+                                        <p:strVal val="visible"/>
+                                      </p:to>
+                                    </p:set>
+                                  </p:childTnLst>
+                                </p:cTn>
+                              </p:par>
+                            </p:childTnLst>
+                          </p:cTn>
+                        </p:par>
+                      </p:childTnLst>
+                    </p:cTn>
+                  </p:par>
+                  <p:par>
+                    <p:cTn id="7" fill="hold">
+                      <p:stCondLst>
+                        <p:cond delay="indefinite"/>
+                      </p:stCondLst>
+                      <p:childTnLst>
+                        <p:par>
+                          <p:cTn id="8" fill="hold">
+                            <p:stCondLst>
+                              <p:cond delay="0"/>
+                            </p:stCondLst>
+                            <p:childTnLst>
+                              <p:par>
+                                <p:cTn id="9" presetID="1" presetClass="entr" presetSubtype="0" fill="hold" grpId="0" nodeType="clickEffect">
+                                  <p:stCondLst>
+                                    <p:cond delay="0"/>
+                                  </p:stCondLst>
+                                  <p:childTnLst>
+                                    <p:set>
+                                      <p:cBhvr>
+                                        <p:cTn id="10" dur="1" fill="hold">
+                                          <p:stCondLst>
+                                            <p:cond delay="0"/>
+                                          </p:stCondLst>
+                                        </p:cTn>
+                                        <p:tgtEl>
+                                          <p:spTgt spid="19"/>
+                                        </p:tgtEl>
+                                        <p:attrNameLst>
+                                          <p:attrName>style.visibility</p:attrName>
+                                        </p:attrNameLst>
+                                      </p:cBhvr>
+                                      <p:to>
+                                        <p:strVal val="visible"/>
+                                      </p:to>
+                                    </p:set>
+                                  </p:childTnLst>
+                                </p:cTn>
+                              </p:par>
+                            </p:childTnLst>
+                          </p:cTn>
+                        </p:par>
+                      </p:childTnLst>
+                    </p:cTn>
+                  </p:par>
+                </p:childTnLst>
+              </p:cTn>
+              <p:prevCondLst>
+                <p:cond evt="onPrev" delay="0">
+                  <p:tgtEl>
+                    <p:sldTgt/>
+                  </p:tgtEl>
+                </p:cond>
+              </p:prevCondLst>
+              <p:nextCondLst>
+                <p:cond evt="onNext" delay="0">
+                  <p:tgtEl>
+                    <p:sldTgt/>
+                  </p:tgtEl>
+                </p:cond>
+              </p:nextCondLst>
+            </p:seq>
+          </p:childTnLst>
+        </p:cTn>
+      </p:par>
+    </p:tnLst>
+    <p:bldLst>
+      <p:bldP spid="16" grpId="0"/>
+      <p:bldP spid="19" grpId="0"/>
+    </p:bldLst>
+  </p:timing>
+</p:sld>
+</file>
+
+<file path=ppt/slides/slide11.xml><?xml version="1.0" encoding="utf-8"?>
+<p:sld xmlns:a="http://schemas.openxmlformats.org/drawingml/2006/main" xmlns:r="http://schemas.openxmlformats.org/officeDocument/2006/relationships" xmlns:p="http://schemas.openxmlformats.org/presentationml/2006/main">
+  <p:cSld>
+    <p:spTree>
+      <p:nvGrpSpPr>
+        <p:cNvPr id="1" name=""/>
+        <p:cNvGrpSpPr/>
+        <p:nvPr/>
+      </p:nvGrpSpPr>
+      <p:grpSpPr>
+        <a:xfrm>
+          <a:off x="0" y="0"/>
+          <a:ext cx="0" cy="0"/>
+          <a:chOff x="0" y="0"/>
+          <a:chExt cx="0" cy="0"/>
+        </a:xfrm>
+      </p:grpSpPr>
+      <p:sp>
+        <p:nvSpPr>
+          <p:cNvPr id="9" name="Datumsplatzhalter 8">
+            <a:extLst>
+              <a:ext uri="{FF2B5EF4-FFF2-40B4-BE49-F238E27FC236}">
+                <a16:creationId xmlns:a16="http://schemas.microsoft.com/office/drawing/2014/main" id="{B2E44AFA-B29A-4513-B164-74DF574E302B}"/>
+              </a:ext>
+            </a:extLst>
+          </p:cNvPr>
+          <p:cNvSpPr>
+            <a:spLocks noGrp="1"/>
+          </p:cNvSpPr>
+          <p:nvPr>
+            <p:ph type="dt" sz="half" idx="10"/>
+          </p:nvPr>
+        </p:nvSpPr>
+        <p:spPr>
+          <a:xfrm>
+            <a:off x="628650" y="5357247"/>
+            <a:ext cx="2057400" cy="304271"/>
+          </a:xfrm>
+        </p:spPr>
+        <p:txBody>
+          <a:bodyPr/>
+          <a:lstStyle/>
+          <a:p>
+            <a:fld id="{4ABD6D1D-9BE7-4B6A-B4D1-FD497C782274}" type="datetime1">
+              <a:rPr lang="de-DE" smtClean="0">
+                <a:solidFill>
+                  <a:srgbClr val="2E4186"/>
+                </a:solidFill>
+              </a:rPr>
+              <a:t>16.05.2022</a:t>
+            </a:fld>
+            <a:endParaRPr lang="de-DE" dirty="0">
+              <a:solidFill>
+                <a:srgbClr val="2E4186"/>
+              </a:solidFill>
+            </a:endParaRPr>
+          </a:p>
+        </p:txBody>
+      </p:sp>
+      <p:sp>
+        <p:nvSpPr>
+          <p:cNvPr id="13" name="Textfeld 12">
+            <a:extLst>
+              <a:ext uri="{FF2B5EF4-FFF2-40B4-BE49-F238E27FC236}">
+                <a16:creationId xmlns:a16="http://schemas.microsoft.com/office/drawing/2014/main" id="{88E434CB-53F2-43DE-989A-34F83773913E}"/>
+              </a:ext>
+            </a:extLst>
+          </p:cNvPr>
+          <p:cNvSpPr txBox="1"/>
+          <p:nvPr/>
+        </p:nvSpPr>
+        <p:spPr>
+          <a:xfrm>
+            <a:off x="855423" y="295945"/>
+            <a:ext cx="7187979" cy="584775"/>
+          </a:xfrm>
+          <a:prstGeom prst="rect">
+            <a:avLst/>
+          </a:prstGeom>
+          <a:noFill/>
+        </p:spPr>
+        <p:txBody>
+          <a:bodyPr wrap="square" rtlCol="0">
+            <a:spAutoFit/>
+          </a:bodyPr>
+          <a:lstStyle/>
+          <a:p>
+            <a:r>
+              <a:rPr lang="de-DE" sz="3200" dirty="0">
+                <a:latin typeface="+mj-lt"/>
+              </a:rPr>
+              <a:t>Quality </a:t>
+            </a:r>
+            <a:r>
+              <a:rPr lang="de-DE" sz="3200" dirty="0" err="1">
+                <a:latin typeface="+mj-lt"/>
+              </a:rPr>
+              <a:t>control</a:t>
+            </a:r>
+            <a:endParaRPr lang="de-DE" sz="3200" dirty="0">
+              <a:latin typeface="+mj-lt"/>
+            </a:endParaRPr>
+          </a:p>
+        </p:txBody>
+      </p:sp>
+      <p:cxnSp>
+        <p:nvCxnSpPr>
+          <p:cNvPr id="14" name="Gerader Verbinder 13">
+            <a:extLst>
+              <a:ext uri="{FF2B5EF4-FFF2-40B4-BE49-F238E27FC236}">
+                <a16:creationId xmlns:a16="http://schemas.microsoft.com/office/drawing/2014/main" id="{1CDE483F-007A-4AB6-9094-9439F0148193}"/>
+              </a:ext>
+            </a:extLst>
+          </p:cNvPr>
+          <p:cNvCxnSpPr>
+            <a:cxnSpLocks/>
+          </p:cNvCxnSpPr>
+          <p:nvPr/>
+        </p:nvCxnSpPr>
+        <p:spPr>
+          <a:xfrm>
+            <a:off x="726619" y="849404"/>
+            <a:ext cx="6854981" cy="0"/>
+          </a:xfrm>
+          <a:prstGeom prst="line">
+            <a:avLst/>
+          </a:prstGeom>
+          <a:ln>
+            <a:solidFill>
+              <a:srgbClr val="10A1EA"/>
+            </a:solidFill>
+          </a:ln>
+        </p:spPr>
+        <p:style>
+          <a:lnRef idx="1">
+            <a:schemeClr val="accent1"/>
+          </a:lnRef>
+          <a:fillRef idx="0">
+            <a:schemeClr val="accent1"/>
+          </a:fillRef>
+          <a:effectRef idx="0">
+            <a:schemeClr val="accent1"/>
+          </a:effectRef>
+          <a:fontRef idx="minor">
+            <a:schemeClr val="tx1"/>
+          </a:fontRef>
+        </p:style>
+      </p:cxnSp>
+      <p:sp>
+        <p:nvSpPr>
+          <p:cNvPr id="24" name="Rechteck 23">
+            <a:extLst>
+              <a:ext uri="{FF2B5EF4-FFF2-40B4-BE49-F238E27FC236}">
+                <a16:creationId xmlns:a16="http://schemas.microsoft.com/office/drawing/2014/main" id="{85AA2DAF-4E4E-60E3-5793-E5162487086D}"/>
+              </a:ext>
+            </a:extLst>
+          </p:cNvPr>
+          <p:cNvSpPr/>
+          <p:nvPr/>
+        </p:nvSpPr>
+        <p:spPr>
+          <a:xfrm>
+            <a:off x="152780" y="0"/>
+            <a:ext cx="406921" cy="5715000"/>
+          </a:xfrm>
+          <a:prstGeom prst="rect">
+            <a:avLst/>
+          </a:prstGeom>
+          <a:gradFill>
+            <a:gsLst>
+              <a:gs pos="2000">
+                <a:schemeClr val="bg1">
+                  <a:alpha val="91000"/>
+                </a:schemeClr>
+              </a:gs>
+              <a:gs pos="95000">
+                <a:schemeClr val="bg1"/>
+              </a:gs>
+              <a:gs pos="75000">
+                <a:srgbClr val="12D4E8"/>
+              </a:gs>
+              <a:gs pos="58000">
+                <a:srgbClr val="10A1EA"/>
+              </a:gs>
+              <a:gs pos="15000">
+                <a:srgbClr val="12D4E8"/>
+              </a:gs>
+              <a:gs pos="35000">
+                <a:srgbClr val="175CF5"/>
+              </a:gs>
+              <a:gs pos="26000">
+                <a:srgbClr val="10A1EA"/>
+              </a:gs>
+              <a:gs pos="46000">
+                <a:srgbClr val="175CF5"/>
+              </a:gs>
+            </a:gsLst>
+            <a:lin ang="5400000" scaled="1"/>
+          </a:gradFill>
+          <a:ln>
+            <a:noFill/>
+          </a:ln>
+          <a:effectLst>
+            <a:softEdge rad="38100"/>
+          </a:effectLst>
+        </p:spPr>
+        <p:style>
+          <a:lnRef idx="2">
+            <a:schemeClr val="accent1">
+              <a:shade val="50000"/>
+            </a:schemeClr>
+          </a:lnRef>
+          <a:fillRef idx="1">
+            <a:schemeClr val="accent1"/>
+          </a:fillRef>
+          <a:effectRef idx="0">
+            <a:schemeClr val="accent1"/>
+          </a:effectRef>
+          <a:fontRef idx="minor">
+            <a:schemeClr val="lt1"/>
+          </a:fontRef>
+        </p:style>
+        <p:txBody>
+          <a:bodyPr rot="0" spcFirstLastPara="0" vert="horz" wrap="square" lIns="91440" tIns="45720" rIns="91440" bIns="45720" numCol="1" spcCol="0" rtlCol="0" fromWordArt="0" anchor="ctr" anchorCtr="0" forceAA="0" compatLnSpc="1">
+            <a:prstTxWarp prst="textNoShape">
+              <a:avLst/>
+            </a:prstTxWarp>
+            <a:noAutofit/>
+          </a:bodyPr>
+          <a:lstStyle/>
+          <a:p>
+            <a:endParaRPr lang="de-DE"/>
+          </a:p>
+        </p:txBody>
+      </p:sp>
+      <p:sp>
+        <p:nvSpPr>
+          <p:cNvPr id="2" name="Foliennummernplatzhalter 1">
+            <a:extLst>
+              <a:ext uri="{FF2B5EF4-FFF2-40B4-BE49-F238E27FC236}">
+                <a16:creationId xmlns:a16="http://schemas.microsoft.com/office/drawing/2014/main" id="{7127E193-062B-1452-70A0-30F77337207F}"/>
+              </a:ext>
+            </a:extLst>
+          </p:cNvPr>
+          <p:cNvSpPr>
+            <a:spLocks noGrp="1"/>
+          </p:cNvSpPr>
+          <p:nvPr>
+            <p:ph type="sldNum" sz="quarter" idx="12"/>
+          </p:nvPr>
+        </p:nvSpPr>
+        <p:spPr>
+          <a:xfrm>
+            <a:off x="6774750" y="5325759"/>
+            <a:ext cx="2057400" cy="304271"/>
+          </a:xfrm>
+        </p:spPr>
+        <p:txBody>
+          <a:bodyPr/>
+          <a:lstStyle/>
+          <a:p>
+            <a:fld id="{D3D8A29C-259F-45D5-BFFA-A48772AC905C}" type="slidenum">
+              <a:rPr lang="de-DE" smtClean="0">
+                <a:solidFill>
+                  <a:srgbClr val="2E4186"/>
+                </a:solidFill>
+              </a:rPr>
+              <a:t>11</a:t>
+            </a:fld>
+            <a:endParaRPr lang="de-DE" dirty="0">
+              <a:solidFill>
+                <a:srgbClr val="2E4186"/>
+              </a:solidFill>
+            </a:endParaRPr>
+          </a:p>
+        </p:txBody>
+      </p:sp>
+      <p:cxnSp>
+        <p:nvCxnSpPr>
+          <p:cNvPr id="23" name="Gerader Verbinder 22">
+            <a:extLst>
+              <a:ext uri="{FF2B5EF4-FFF2-40B4-BE49-F238E27FC236}">
+                <a16:creationId xmlns:a16="http://schemas.microsoft.com/office/drawing/2014/main" id="{F400FDB4-FD57-FB87-F549-2AF5E6E1AE51}"/>
+              </a:ext>
+            </a:extLst>
+          </p:cNvPr>
+          <p:cNvCxnSpPr>
+            <a:cxnSpLocks/>
+          </p:cNvCxnSpPr>
+          <p:nvPr/>
+        </p:nvCxnSpPr>
+        <p:spPr>
+          <a:xfrm flipH="1">
+            <a:off x="8832150" y="4805914"/>
+            <a:ext cx="311850" cy="909086"/>
+          </a:xfrm>
+          <a:prstGeom prst="line">
+            <a:avLst/>
+          </a:prstGeom>
+          <a:ln>
+            <a:solidFill>
+              <a:srgbClr val="10A1EA"/>
+            </a:solidFill>
+          </a:ln>
+        </p:spPr>
+        <p:style>
+          <a:lnRef idx="1">
+            <a:schemeClr val="accent1"/>
+          </a:lnRef>
+          <a:fillRef idx="0">
+            <a:schemeClr val="accent1"/>
+          </a:fillRef>
+          <a:effectRef idx="0">
+            <a:schemeClr val="accent1"/>
+          </a:effectRef>
+          <a:fontRef idx="minor">
+            <a:schemeClr val="tx1"/>
+          </a:fontRef>
+        </p:style>
+      </p:cxnSp>
+      <p:pic>
+        <p:nvPicPr>
+          <p:cNvPr id="39" name="Grafik 38">
+            <a:extLst>
+              <a:ext uri="{FF2B5EF4-FFF2-40B4-BE49-F238E27FC236}">
+                <a16:creationId xmlns:a16="http://schemas.microsoft.com/office/drawing/2014/main" id="{83A8EE2E-0954-6F9A-1734-5FCF5AFB3FA0}"/>
+              </a:ext>
+            </a:extLst>
+          </p:cNvPr>
+          <p:cNvPicPr>
+            <a:picLocks noChangeAspect="1"/>
+          </p:cNvPicPr>
+          <p:nvPr/>
+        </p:nvPicPr>
+        <p:blipFill>
+          <a:blip r:embed="rId3"/>
+          <a:stretch>
+            <a:fillRect/>
+          </a:stretch>
+        </p:blipFill>
+        <p:spPr>
+          <a:xfrm>
+            <a:off x="7644639" y="107468"/>
+            <a:ext cx="1385921" cy="1236316"/>
+          </a:xfrm>
+          <a:prstGeom prst="rect">
+            <a:avLst/>
+          </a:prstGeom>
+        </p:spPr>
+      </p:pic>
+      <p:cxnSp>
+        <p:nvCxnSpPr>
+          <p:cNvPr id="42" name="Gerader Verbinder 41">
+            <a:extLst>
+              <a:ext uri="{FF2B5EF4-FFF2-40B4-BE49-F238E27FC236}">
+                <a16:creationId xmlns:a16="http://schemas.microsoft.com/office/drawing/2014/main" id="{916F5C3D-50C3-059D-6772-1DD70D5E9604}"/>
+              </a:ext>
+            </a:extLst>
+          </p:cNvPr>
+          <p:cNvCxnSpPr>
+            <a:cxnSpLocks/>
+          </p:cNvCxnSpPr>
+          <p:nvPr/>
+        </p:nvCxnSpPr>
+        <p:spPr>
+          <a:xfrm>
+            <a:off x="628650" y="5378847"/>
+            <a:ext cx="7414752" cy="0"/>
+          </a:xfrm>
+          <a:prstGeom prst="line">
+            <a:avLst/>
+          </a:prstGeom>
+          <a:ln>
+            <a:solidFill>
+              <a:srgbClr val="10A1EA"/>
+            </a:solidFill>
+          </a:ln>
+        </p:spPr>
+        <p:style>
+          <a:lnRef idx="1">
+            <a:schemeClr val="accent1"/>
+          </a:lnRef>
+          <a:fillRef idx="0">
+            <a:schemeClr val="accent1"/>
+          </a:fillRef>
+          <a:effectRef idx="0">
+            <a:schemeClr val="accent1"/>
+          </a:effectRef>
+          <a:fontRef idx="minor">
+            <a:schemeClr val="tx1"/>
+          </a:fontRef>
+        </p:style>
+      </p:cxnSp>
+      <p:pic>
+        <p:nvPicPr>
+          <p:cNvPr id="45" name="Grafik 44" descr="Monatskalender Silhouette">
+            <a:extLst>
+              <a:ext uri="{FF2B5EF4-FFF2-40B4-BE49-F238E27FC236}">
+                <a16:creationId xmlns:a16="http://schemas.microsoft.com/office/drawing/2014/main" id="{ADE41C17-DE6A-3F4F-C168-68D57E9362E4}"/>
+              </a:ext>
+            </a:extLst>
+          </p:cNvPr>
+          <p:cNvPicPr>
+            <a:picLocks noChangeAspect="1"/>
+          </p:cNvPicPr>
+          <p:nvPr/>
+        </p:nvPicPr>
+        <p:blipFill>
+          <a:blip r:embed="rId4">
+            <a:extLst>
+              <a:ext uri="{28A0092B-C50C-407E-A947-70E740481C1C}">
+                <a14:useLocalDpi xmlns:a14="http://schemas.microsoft.com/office/drawing/2010/main" val="0"/>
+              </a:ext>
+              <a:ext uri="{96DAC541-7B7A-43D3-8B79-37D633B846F1}">
+                <asvg:svgBlip xmlns:asvg="http://schemas.microsoft.com/office/drawing/2016/SVG/main" r:embed="rId5"/>
+              </a:ext>
+            </a:extLst>
+          </a:blip>
+          <a:stretch>
+            <a:fillRect/>
+          </a:stretch>
+        </p:blipFill>
+        <p:spPr>
+          <a:xfrm>
+            <a:off x="147948" y="3234705"/>
+            <a:ext cx="406921" cy="406921"/>
+          </a:xfrm>
+          <a:prstGeom prst="rect">
+            <a:avLst/>
+          </a:prstGeom>
+        </p:spPr>
+      </p:pic>
+      <p:pic>
+        <p:nvPicPr>
+          <p:cNvPr id="49" name="Grafik 48" descr="DNA Silhouette">
+            <a:extLst>
+              <a:ext uri="{FF2B5EF4-FFF2-40B4-BE49-F238E27FC236}">
+                <a16:creationId xmlns:a16="http://schemas.microsoft.com/office/drawing/2014/main" id="{6DEF5C3C-BCD8-CE26-6A1F-44421E61A3CA}"/>
+              </a:ext>
+            </a:extLst>
+          </p:cNvPr>
+          <p:cNvPicPr>
+            <a:picLocks noChangeAspect="1"/>
+          </p:cNvPicPr>
+          <p:nvPr/>
+        </p:nvPicPr>
+        <p:blipFill>
+          <a:blip r:embed="rId6">
+            <a:extLst>
+              <a:ext uri="{28A0092B-C50C-407E-A947-70E740481C1C}">
+                <a14:useLocalDpi xmlns:a14="http://schemas.microsoft.com/office/drawing/2010/main" val="0"/>
+              </a:ext>
+              <a:ext uri="{96DAC541-7B7A-43D3-8B79-37D633B846F1}">
+                <asvg:svgBlip xmlns:asvg="http://schemas.microsoft.com/office/drawing/2016/SVG/main" r:embed="rId7"/>
+              </a:ext>
+            </a:extLst>
+          </a:blip>
+          <a:stretch>
+            <a:fillRect/>
+          </a:stretch>
+        </p:blipFill>
+        <p:spPr>
+          <a:xfrm>
+            <a:off x="143735" y="872897"/>
+            <a:ext cx="406921" cy="406921"/>
+          </a:xfrm>
+          <a:prstGeom prst="rect">
+            <a:avLst/>
+          </a:prstGeom>
+        </p:spPr>
+      </p:pic>
+      <p:pic>
+        <p:nvPicPr>
+          <p:cNvPr id="53" name="Grafik 52" descr="Balkendiagramm mit einfarbiger Füllung">
+            <a:extLst>
+              <a:ext uri="{FF2B5EF4-FFF2-40B4-BE49-F238E27FC236}">
+                <a16:creationId xmlns:a16="http://schemas.microsoft.com/office/drawing/2014/main" id="{AB79FB33-E613-4BA8-9EB6-7A65F1DCEBBD}"/>
+              </a:ext>
+            </a:extLst>
+          </p:cNvPr>
+          <p:cNvPicPr>
+            <a:picLocks noChangeAspect="1"/>
+          </p:cNvPicPr>
+          <p:nvPr/>
+        </p:nvPicPr>
+        <p:blipFill>
+          <a:blip r:embed="rId8">
+            <a:extLst>
+              <a:ext uri="{28A0092B-C50C-407E-A947-70E740481C1C}">
+                <a14:useLocalDpi xmlns:a14="http://schemas.microsoft.com/office/drawing/2010/main" val="0"/>
+              </a:ext>
+              <a:ext uri="{96DAC541-7B7A-43D3-8B79-37D633B846F1}">
+                <asvg:svgBlip xmlns:asvg="http://schemas.microsoft.com/office/drawing/2016/SVG/main" r:embed="rId9"/>
+              </a:ext>
+            </a:extLst>
+          </a:blip>
+          <a:stretch>
+            <a:fillRect/>
+          </a:stretch>
+        </p:blipFill>
+        <p:spPr>
+          <a:xfrm>
+            <a:off x="161825" y="2053186"/>
+            <a:ext cx="406921" cy="406921"/>
+          </a:xfrm>
+          <a:prstGeom prst="rect">
+            <a:avLst/>
+          </a:prstGeom>
+        </p:spPr>
+      </p:pic>
+      <p:pic>
+        <p:nvPicPr>
+          <p:cNvPr id="57" name="Grafik 56" descr="Benutzer Silhouette">
+            <a:extLst>
+              <a:ext uri="{FF2B5EF4-FFF2-40B4-BE49-F238E27FC236}">
+                <a16:creationId xmlns:a16="http://schemas.microsoft.com/office/drawing/2014/main" id="{FAF1D196-7D05-3E8B-77EB-98DB84254DF3}"/>
+              </a:ext>
+            </a:extLst>
+          </p:cNvPr>
+          <p:cNvPicPr>
+            <a:picLocks noChangeAspect="1"/>
+          </p:cNvPicPr>
+          <p:nvPr/>
+        </p:nvPicPr>
+        <p:blipFill>
+          <a:blip r:embed="rId10">
+            <a:extLst>
+              <a:ext uri="{28A0092B-C50C-407E-A947-70E740481C1C}">
+                <a14:useLocalDpi xmlns:a14="http://schemas.microsoft.com/office/drawing/2010/main" val="0"/>
+              </a:ext>
+              <a:ext uri="{96DAC541-7B7A-43D3-8B79-37D633B846F1}">
+                <asvg:svgBlip xmlns:asvg="http://schemas.microsoft.com/office/drawing/2016/SVG/main" r:embed="rId11"/>
+              </a:ext>
+            </a:extLst>
+          </a:blip>
+          <a:stretch>
+            <a:fillRect/>
+          </a:stretch>
+        </p:blipFill>
+        <p:spPr>
+          <a:xfrm>
+            <a:off x="147949" y="4415609"/>
+            <a:ext cx="406921" cy="406921"/>
+          </a:xfrm>
+          <a:prstGeom prst="rect">
+            <a:avLst/>
+          </a:prstGeom>
+        </p:spPr>
+      </p:pic>
+      <p:sp>
+        <p:nvSpPr>
+          <p:cNvPr id="15" name="Textfeld 14">
+            <a:extLst>
+              <a:ext uri="{FF2B5EF4-FFF2-40B4-BE49-F238E27FC236}">
+                <a16:creationId xmlns:a16="http://schemas.microsoft.com/office/drawing/2014/main" id="{9DB0080F-0B09-97B1-3CAB-35CE7FABF577}"/>
+              </a:ext>
+            </a:extLst>
+          </p:cNvPr>
+          <p:cNvSpPr txBox="1"/>
+          <p:nvPr/>
+        </p:nvSpPr>
+        <p:spPr>
+          <a:xfrm>
+            <a:off x="854632" y="948149"/>
+            <a:ext cx="6364774" cy="461665"/>
+          </a:xfrm>
+          <a:prstGeom prst="rect">
+            <a:avLst/>
+          </a:prstGeom>
+          <a:noFill/>
+        </p:spPr>
+        <p:txBody>
+          <a:bodyPr wrap="square" rtlCol="0">
+            <a:spAutoFit/>
+          </a:bodyPr>
+          <a:lstStyle/>
+          <a:p>
+            <a:r>
+              <a:rPr lang="de-DE" sz="2400" dirty="0"/>
+              <a:t>3</a:t>
+            </a:r>
+            <a:r>
+              <a:rPr lang="en-US" sz="2400" dirty="0"/>
+              <a:t>. RNA degradation plots</a:t>
+            </a:r>
+          </a:p>
+        </p:txBody>
+      </p:sp>
+      <p:sp>
+        <p:nvSpPr>
+          <p:cNvPr id="16" name="Textfeld 15">
+            <a:extLst>
+              <a:ext uri="{FF2B5EF4-FFF2-40B4-BE49-F238E27FC236}">
+                <a16:creationId xmlns:a16="http://schemas.microsoft.com/office/drawing/2014/main" id="{62EE671E-F9A4-E7F3-16D8-8D6E11383DE3}"/>
+              </a:ext>
+            </a:extLst>
+          </p:cNvPr>
+          <p:cNvSpPr txBox="1"/>
+          <p:nvPr/>
+        </p:nvSpPr>
+        <p:spPr>
+          <a:xfrm>
+            <a:off x="858072" y="1442528"/>
+            <a:ext cx="7187978" cy="369332"/>
+          </a:xfrm>
+          <a:prstGeom prst="rect">
+            <a:avLst/>
+          </a:prstGeom>
+          <a:noFill/>
+        </p:spPr>
+        <p:txBody>
+          <a:bodyPr wrap="square" rtlCol="0">
+            <a:spAutoFit/>
+          </a:bodyPr>
+          <a:lstStyle/>
+          <a:p>
+            <a:pPr marL="285750" indent="-285750">
+              <a:buFont typeface="Arial" panose="020B0604020202020204" pitchFamily="34" charset="0"/>
+              <a:buChar char="•"/>
+            </a:pPr>
+            <a:r>
+              <a:rPr lang="de-DE" dirty="0" err="1"/>
+              <a:t>Similar</a:t>
+            </a:r>
+            <a:r>
+              <a:rPr lang="de-DE" dirty="0"/>
+              <a:t> </a:t>
+            </a:r>
+            <a:r>
+              <a:rPr lang="de-DE" dirty="0" err="1"/>
+              <a:t>distribution</a:t>
+            </a:r>
+            <a:r>
+              <a:rPr lang="de-DE" dirty="0"/>
+              <a:t> in RNA </a:t>
+            </a:r>
+            <a:r>
+              <a:rPr lang="de-DE" dirty="0" err="1"/>
+              <a:t>degradation</a:t>
+            </a:r>
+            <a:r>
+              <a:rPr lang="de-DE" dirty="0"/>
+              <a:t> in all </a:t>
+            </a:r>
+            <a:r>
+              <a:rPr lang="de-DE" dirty="0" err="1"/>
+              <a:t>chips</a:t>
+            </a:r>
+            <a:endParaRPr lang="en-US" dirty="0"/>
+          </a:p>
+        </p:txBody>
+      </p:sp>
+      <p:sp>
+        <p:nvSpPr>
+          <p:cNvPr id="19" name="Textfeld 18">
+            <a:extLst>
+              <a:ext uri="{FF2B5EF4-FFF2-40B4-BE49-F238E27FC236}">
+                <a16:creationId xmlns:a16="http://schemas.microsoft.com/office/drawing/2014/main" id="{F6A19FC3-F16F-5405-B430-0883ADD52C3C}"/>
+              </a:ext>
+            </a:extLst>
+          </p:cNvPr>
+          <p:cNvSpPr txBox="1"/>
+          <p:nvPr/>
+        </p:nvSpPr>
+        <p:spPr>
+          <a:xfrm>
+            <a:off x="854632" y="1803351"/>
+            <a:ext cx="7839601" cy="369332"/>
+          </a:xfrm>
+          <a:prstGeom prst="rect">
+            <a:avLst/>
+          </a:prstGeom>
+          <a:noFill/>
+        </p:spPr>
+        <p:txBody>
+          <a:bodyPr wrap="square" rtlCol="0">
+            <a:spAutoFit/>
+          </a:bodyPr>
+          <a:lstStyle/>
+          <a:p>
+            <a:pPr marL="285750" indent="-285750">
+              <a:buFont typeface="Arial" panose="020B0604020202020204" pitchFamily="34" charset="0"/>
+              <a:buChar char="•"/>
+            </a:pPr>
+            <a:r>
+              <a:rPr lang="de-DE" dirty="0"/>
+              <a:t>All 18 </a:t>
+            </a:r>
+            <a:r>
+              <a:rPr lang="de-DE" dirty="0" err="1"/>
+              <a:t>chips</a:t>
+            </a:r>
+            <a:r>
+              <a:rPr lang="de-DE" dirty="0"/>
+              <a:t> </a:t>
+            </a:r>
+            <a:r>
+              <a:rPr lang="de-DE" dirty="0" err="1"/>
+              <a:t>accepted</a:t>
+            </a:r>
+            <a:endParaRPr lang="en-US" dirty="0"/>
+          </a:p>
+        </p:txBody>
+      </p:sp>
+      <p:pic>
+        <p:nvPicPr>
+          <p:cNvPr id="5" name="Grafik 4">
+            <a:extLst>
+              <a:ext uri="{FF2B5EF4-FFF2-40B4-BE49-F238E27FC236}">
+                <a16:creationId xmlns:a16="http://schemas.microsoft.com/office/drawing/2014/main" id="{421CCCCF-777E-E1FD-6258-040C873263AF}"/>
+              </a:ext>
+            </a:extLst>
+          </p:cNvPr>
+          <p:cNvPicPr>
+            <a:picLocks noChangeAspect="1"/>
+          </p:cNvPicPr>
+          <p:nvPr/>
+        </p:nvPicPr>
+        <p:blipFill>
+          <a:blip r:embed="rId12">
+            <a:extLst>
+              <a:ext uri="{28A0092B-C50C-407E-A947-70E740481C1C}">
+                <a14:useLocalDpi xmlns:a14="http://schemas.microsoft.com/office/drawing/2010/main" val="0"/>
+              </a:ext>
+            </a:extLst>
+          </a:blip>
+          <a:stretch>
+            <a:fillRect/>
+          </a:stretch>
+        </p:blipFill>
+        <p:spPr>
+          <a:xfrm>
+            <a:off x="1237785" y="2857499"/>
+            <a:ext cx="3334216" cy="2057687"/>
+          </a:xfrm>
+          <a:prstGeom prst="rect">
+            <a:avLst/>
+          </a:prstGeom>
+        </p:spPr>
+      </p:pic>
+      <p:pic>
+        <p:nvPicPr>
+          <p:cNvPr id="7" name="Grafik 6">
+            <a:extLst>
+              <a:ext uri="{FF2B5EF4-FFF2-40B4-BE49-F238E27FC236}">
+                <a16:creationId xmlns:a16="http://schemas.microsoft.com/office/drawing/2014/main" id="{59E66C38-E319-0E99-57B4-2D08B05B226F}"/>
+              </a:ext>
+            </a:extLst>
+          </p:cNvPr>
+          <p:cNvPicPr>
+            <a:picLocks noChangeAspect="1"/>
+          </p:cNvPicPr>
+          <p:nvPr/>
+        </p:nvPicPr>
+        <p:blipFill>
+          <a:blip r:embed="rId13">
+            <a:extLst>
+              <a:ext uri="{28A0092B-C50C-407E-A947-70E740481C1C}">
+                <a14:useLocalDpi xmlns:a14="http://schemas.microsoft.com/office/drawing/2010/main" val="0"/>
+              </a:ext>
+            </a:extLst>
+          </a:blip>
+          <a:stretch>
+            <a:fillRect/>
+          </a:stretch>
+        </p:blipFill>
+        <p:spPr>
+          <a:xfrm>
+            <a:off x="4709185" y="2937632"/>
+            <a:ext cx="3334217" cy="2057688"/>
+          </a:xfrm>
+          <a:prstGeom prst="rect">
+            <a:avLst/>
+          </a:prstGeom>
+        </p:spPr>
+      </p:pic>
+    </p:spTree>
+    <p:extLst>
+      <p:ext uri="{BB962C8B-B14F-4D97-AF65-F5344CB8AC3E}">
+        <p14:creationId xmlns:p14="http://schemas.microsoft.com/office/powerpoint/2010/main" val="1142688386"/>
+      </p:ext>
+    </p:extLst>
+  </p:cSld>
+  <p:clrMapOvr>
+    <a:masterClrMapping/>
+  </p:clrMapOvr>
+  <p:timing>
+    <p:tnLst>
+      <p:par>
+        <p:cTn id="1" dur="indefinite" restart="never" nodeType="tmRoot">
+          <p:childTnLst>
+            <p:seq concurrent="1" nextAc="seek">
+              <p:cTn id="2" dur="indefinite" nodeType="mainSeq">
+                <p:childTnLst>
+                  <p:par>
+                    <p:cTn id="3" fill="hold">
+                      <p:stCondLst>
+                        <p:cond delay="indefinite"/>
+                      </p:stCondLst>
+                      <p:childTnLst>
+                        <p:par>
+                          <p:cTn id="4" fill="hold">
+                            <p:stCondLst>
+                              <p:cond delay="0"/>
+                            </p:stCondLst>
+                            <p:childTnLst>
+                              <p:par>
+                                <p:cTn id="5" presetID="1" presetClass="entr" presetSubtype="0" fill="hold" grpId="0" nodeType="clickEffect">
+                                  <p:stCondLst>
+                                    <p:cond delay="0"/>
+                                  </p:stCondLst>
+                                  <p:childTnLst>
+                                    <p:set>
+                                      <p:cBhvr>
+                                        <p:cTn id="6" dur="1" fill="hold">
+                                          <p:stCondLst>
+                                            <p:cond delay="0"/>
+                                          </p:stCondLst>
+                                        </p:cTn>
+                                        <p:tgtEl>
+                                          <p:spTgt spid="16"/>
+                                        </p:tgtEl>
+                                        <p:attrNameLst>
+                                          <p:attrName>style.visibility</p:attrName>
+                                        </p:attrNameLst>
+                                      </p:cBhvr>
+                                      <p:to>
+                                        <p:strVal val="visible"/>
+                                      </p:to>
+                                    </p:set>
+                                  </p:childTnLst>
+                                </p:cTn>
+                              </p:par>
+                            </p:childTnLst>
+                          </p:cTn>
+                        </p:par>
+                      </p:childTnLst>
+                    </p:cTn>
+                  </p:par>
+                  <p:par>
+                    <p:cTn id="7" fill="hold">
+                      <p:stCondLst>
+                        <p:cond delay="indefinite"/>
+                      </p:stCondLst>
+                      <p:childTnLst>
+                        <p:par>
+                          <p:cTn id="8" fill="hold">
+                            <p:stCondLst>
+                              <p:cond delay="0"/>
+                            </p:stCondLst>
+                            <p:childTnLst>
+                              <p:par>
+                                <p:cTn id="9" presetID="1" presetClass="entr" presetSubtype="0" fill="hold" grpId="0" nodeType="clickEffect">
+                                  <p:stCondLst>
+                                    <p:cond delay="0"/>
+                                  </p:stCondLst>
+                                  <p:childTnLst>
+                                    <p:set>
+                                      <p:cBhvr>
+                                        <p:cTn id="10" dur="1" fill="hold">
+                                          <p:stCondLst>
+                                            <p:cond delay="0"/>
+                                          </p:stCondLst>
+                                        </p:cTn>
+                                        <p:tgtEl>
+                                          <p:spTgt spid="19"/>
+                                        </p:tgtEl>
+                                        <p:attrNameLst>
+                                          <p:attrName>style.visibility</p:attrName>
+                                        </p:attrNameLst>
+                                      </p:cBhvr>
+                                      <p:to>
+                                        <p:strVal val="visible"/>
+                                      </p:to>
+                                    </p:set>
+                                  </p:childTnLst>
+                                </p:cTn>
+                              </p:par>
+                            </p:childTnLst>
+                          </p:cTn>
+                        </p:par>
+                      </p:childTnLst>
+                    </p:cTn>
+                  </p:par>
+                </p:childTnLst>
+              </p:cTn>
+              <p:prevCondLst>
+                <p:cond evt="onPrev" delay="0">
+                  <p:tgtEl>
+                    <p:sldTgt/>
+                  </p:tgtEl>
+                </p:cond>
+              </p:prevCondLst>
+              <p:nextCondLst>
+                <p:cond evt="onNext" delay="0">
+                  <p:tgtEl>
+                    <p:sldTgt/>
+                  </p:tgtEl>
+                </p:cond>
+              </p:nextCondLst>
+            </p:seq>
+          </p:childTnLst>
+        </p:cTn>
+      </p:par>
+    </p:tnLst>
+    <p:bldLst>
+      <p:bldP spid="16" grpId="0"/>
+      <p:bldP spid="19" grpId="0"/>
+    </p:bldLst>
+  </p:timing>
+</p:sld>
+</file>
+
+<file path=ppt/slides/slide12.xml><?xml version="1.0" encoding="utf-8"?>
+<p:sld xmlns:a="http://schemas.openxmlformats.org/drawingml/2006/main" xmlns:r="http://schemas.openxmlformats.org/officeDocument/2006/relationships" xmlns:p="http://schemas.openxmlformats.org/presentationml/2006/main">
+  <p:cSld>
+    <p:spTree>
+      <p:nvGrpSpPr>
+        <p:cNvPr id="1" name=""/>
+        <p:cNvGrpSpPr/>
+        <p:nvPr/>
+      </p:nvGrpSpPr>
+      <p:grpSpPr>
+        <a:xfrm>
+          <a:off x="0" y="0"/>
+          <a:ext cx="0" cy="0"/>
+          <a:chOff x="0" y="0"/>
+          <a:chExt cx="0" cy="0"/>
+        </a:xfrm>
+      </p:grpSpPr>
+      <p:sp>
+        <p:nvSpPr>
+          <p:cNvPr id="9" name="Datumsplatzhalter 8">
+            <a:extLst>
+              <a:ext uri="{FF2B5EF4-FFF2-40B4-BE49-F238E27FC236}">
+                <a16:creationId xmlns:a16="http://schemas.microsoft.com/office/drawing/2014/main" id="{B2E44AFA-B29A-4513-B164-74DF574E302B}"/>
+              </a:ext>
+            </a:extLst>
+          </p:cNvPr>
+          <p:cNvSpPr>
+            <a:spLocks noGrp="1"/>
+          </p:cNvSpPr>
+          <p:nvPr>
+            <p:ph type="dt" sz="half" idx="10"/>
+          </p:nvPr>
+        </p:nvSpPr>
+        <p:spPr>
+          <a:xfrm>
+            <a:off x="628650" y="5357247"/>
+            <a:ext cx="2057400" cy="304271"/>
+          </a:xfrm>
+        </p:spPr>
+        <p:txBody>
+          <a:bodyPr/>
+          <a:lstStyle/>
+          <a:p>
+            <a:fld id="{4ABD6D1D-9BE7-4B6A-B4D1-FD497C782274}" type="datetime1">
+              <a:rPr lang="de-DE" smtClean="0">
+                <a:solidFill>
+                  <a:srgbClr val="2E4186"/>
+                </a:solidFill>
+              </a:rPr>
+              <a:t>16.05.2022</a:t>
+            </a:fld>
+            <a:endParaRPr lang="de-DE" dirty="0">
+              <a:solidFill>
+                <a:srgbClr val="2E4186"/>
+              </a:solidFill>
+            </a:endParaRPr>
+          </a:p>
+        </p:txBody>
+      </p:sp>
+      <p:sp>
+        <p:nvSpPr>
+          <p:cNvPr id="13" name="Textfeld 12">
+            <a:extLst>
+              <a:ext uri="{FF2B5EF4-FFF2-40B4-BE49-F238E27FC236}">
+                <a16:creationId xmlns:a16="http://schemas.microsoft.com/office/drawing/2014/main" id="{88E434CB-53F2-43DE-989A-34F83773913E}"/>
+              </a:ext>
+            </a:extLst>
+          </p:cNvPr>
+          <p:cNvSpPr txBox="1"/>
+          <p:nvPr/>
+        </p:nvSpPr>
+        <p:spPr>
+          <a:xfrm>
+            <a:off x="855423" y="295945"/>
+            <a:ext cx="7187979" cy="584775"/>
+          </a:xfrm>
+          <a:prstGeom prst="rect">
+            <a:avLst/>
+          </a:prstGeom>
+          <a:noFill/>
+        </p:spPr>
+        <p:txBody>
+          <a:bodyPr wrap="square" rtlCol="0">
+            <a:spAutoFit/>
+          </a:bodyPr>
+          <a:lstStyle/>
+          <a:p>
+            <a:r>
+              <a:rPr lang="de-DE" sz="3200" dirty="0">
+                <a:latin typeface="+mj-lt"/>
+              </a:rPr>
+              <a:t>Quality </a:t>
+            </a:r>
+            <a:r>
+              <a:rPr lang="de-DE" sz="3200" dirty="0" err="1">
+                <a:latin typeface="+mj-lt"/>
+              </a:rPr>
+              <a:t>control</a:t>
+            </a:r>
+            <a:endParaRPr lang="de-DE" sz="3200" dirty="0">
+              <a:latin typeface="+mj-lt"/>
+            </a:endParaRPr>
+          </a:p>
+        </p:txBody>
+      </p:sp>
+      <p:cxnSp>
+        <p:nvCxnSpPr>
+          <p:cNvPr id="14" name="Gerader Verbinder 13">
+            <a:extLst>
+              <a:ext uri="{FF2B5EF4-FFF2-40B4-BE49-F238E27FC236}">
+                <a16:creationId xmlns:a16="http://schemas.microsoft.com/office/drawing/2014/main" id="{1CDE483F-007A-4AB6-9094-9439F0148193}"/>
+              </a:ext>
+            </a:extLst>
+          </p:cNvPr>
+          <p:cNvCxnSpPr>
+            <a:cxnSpLocks/>
+          </p:cNvCxnSpPr>
+          <p:nvPr/>
+        </p:nvCxnSpPr>
+        <p:spPr>
+          <a:xfrm>
+            <a:off x="726619" y="849404"/>
+            <a:ext cx="6854981" cy="0"/>
+          </a:xfrm>
+          <a:prstGeom prst="line">
+            <a:avLst/>
+          </a:prstGeom>
+          <a:ln>
+            <a:solidFill>
+              <a:srgbClr val="10A1EA"/>
+            </a:solidFill>
+          </a:ln>
+        </p:spPr>
+        <p:style>
+          <a:lnRef idx="1">
+            <a:schemeClr val="accent1"/>
+          </a:lnRef>
+          <a:fillRef idx="0">
+            <a:schemeClr val="accent1"/>
+          </a:fillRef>
+          <a:effectRef idx="0">
+            <a:schemeClr val="accent1"/>
+          </a:effectRef>
+          <a:fontRef idx="minor">
+            <a:schemeClr val="tx1"/>
+          </a:fontRef>
+        </p:style>
+      </p:cxnSp>
+      <p:sp>
+        <p:nvSpPr>
+          <p:cNvPr id="24" name="Rechteck 23">
+            <a:extLst>
+              <a:ext uri="{FF2B5EF4-FFF2-40B4-BE49-F238E27FC236}">
+                <a16:creationId xmlns:a16="http://schemas.microsoft.com/office/drawing/2014/main" id="{85AA2DAF-4E4E-60E3-5793-E5162487086D}"/>
+              </a:ext>
+            </a:extLst>
+          </p:cNvPr>
+          <p:cNvSpPr/>
+          <p:nvPr/>
+        </p:nvSpPr>
+        <p:spPr>
+          <a:xfrm>
+            <a:off x="152780" y="0"/>
+            <a:ext cx="406921" cy="5715000"/>
+          </a:xfrm>
+          <a:prstGeom prst="rect">
+            <a:avLst/>
+          </a:prstGeom>
+          <a:gradFill>
+            <a:gsLst>
+              <a:gs pos="2000">
+                <a:schemeClr val="bg1">
+                  <a:alpha val="91000"/>
+                </a:schemeClr>
+              </a:gs>
+              <a:gs pos="95000">
+                <a:schemeClr val="bg1"/>
+              </a:gs>
+              <a:gs pos="75000">
+                <a:srgbClr val="12D4E8"/>
+              </a:gs>
+              <a:gs pos="58000">
+                <a:srgbClr val="10A1EA"/>
+              </a:gs>
+              <a:gs pos="15000">
+                <a:srgbClr val="12D4E8"/>
+              </a:gs>
+              <a:gs pos="35000">
+                <a:srgbClr val="175CF5"/>
+              </a:gs>
+              <a:gs pos="26000">
+                <a:srgbClr val="10A1EA"/>
+              </a:gs>
+              <a:gs pos="46000">
+                <a:srgbClr val="175CF5"/>
+              </a:gs>
+            </a:gsLst>
+            <a:lin ang="5400000" scaled="1"/>
+          </a:gradFill>
+          <a:ln>
+            <a:noFill/>
+          </a:ln>
+          <a:effectLst>
+            <a:softEdge rad="38100"/>
+          </a:effectLst>
+        </p:spPr>
+        <p:style>
+          <a:lnRef idx="2">
+            <a:schemeClr val="accent1">
+              <a:shade val="50000"/>
+            </a:schemeClr>
+          </a:lnRef>
+          <a:fillRef idx="1">
+            <a:schemeClr val="accent1"/>
+          </a:fillRef>
+          <a:effectRef idx="0">
+            <a:schemeClr val="accent1"/>
+          </a:effectRef>
+          <a:fontRef idx="minor">
+            <a:schemeClr val="lt1"/>
+          </a:fontRef>
+        </p:style>
+        <p:txBody>
+          <a:bodyPr rot="0" spcFirstLastPara="0" vert="horz" wrap="square" lIns="91440" tIns="45720" rIns="91440" bIns="45720" numCol="1" spcCol="0" rtlCol="0" fromWordArt="0" anchor="ctr" anchorCtr="0" forceAA="0" compatLnSpc="1">
+            <a:prstTxWarp prst="textNoShape">
+              <a:avLst/>
+            </a:prstTxWarp>
+            <a:noAutofit/>
+          </a:bodyPr>
+          <a:lstStyle/>
+          <a:p>
+            <a:endParaRPr lang="de-DE"/>
+          </a:p>
+        </p:txBody>
+      </p:sp>
+      <p:sp>
+        <p:nvSpPr>
+          <p:cNvPr id="2" name="Foliennummernplatzhalter 1">
+            <a:extLst>
+              <a:ext uri="{FF2B5EF4-FFF2-40B4-BE49-F238E27FC236}">
+                <a16:creationId xmlns:a16="http://schemas.microsoft.com/office/drawing/2014/main" id="{7127E193-062B-1452-70A0-30F77337207F}"/>
+              </a:ext>
+            </a:extLst>
+          </p:cNvPr>
+          <p:cNvSpPr>
+            <a:spLocks noGrp="1"/>
+          </p:cNvSpPr>
+          <p:nvPr>
+            <p:ph type="sldNum" sz="quarter" idx="12"/>
+          </p:nvPr>
+        </p:nvSpPr>
+        <p:spPr>
+          <a:xfrm>
+            <a:off x="6774750" y="5325759"/>
+            <a:ext cx="2057400" cy="304271"/>
+          </a:xfrm>
+        </p:spPr>
+        <p:txBody>
+          <a:bodyPr/>
+          <a:lstStyle/>
+          <a:p>
+            <a:fld id="{D3D8A29C-259F-45D5-BFFA-A48772AC905C}" type="slidenum">
+              <a:rPr lang="de-DE" smtClean="0">
+                <a:solidFill>
+                  <a:srgbClr val="2E4186"/>
+                </a:solidFill>
+              </a:rPr>
+              <a:t>12</a:t>
+            </a:fld>
+            <a:endParaRPr lang="de-DE" dirty="0">
+              <a:solidFill>
+                <a:srgbClr val="2E4186"/>
+              </a:solidFill>
+            </a:endParaRPr>
+          </a:p>
+        </p:txBody>
+      </p:sp>
+      <p:cxnSp>
+        <p:nvCxnSpPr>
+          <p:cNvPr id="23" name="Gerader Verbinder 22">
+            <a:extLst>
+              <a:ext uri="{FF2B5EF4-FFF2-40B4-BE49-F238E27FC236}">
+                <a16:creationId xmlns:a16="http://schemas.microsoft.com/office/drawing/2014/main" id="{F400FDB4-FD57-FB87-F549-2AF5E6E1AE51}"/>
+              </a:ext>
+            </a:extLst>
+          </p:cNvPr>
+          <p:cNvCxnSpPr>
+            <a:cxnSpLocks/>
+          </p:cNvCxnSpPr>
+          <p:nvPr/>
+        </p:nvCxnSpPr>
+        <p:spPr>
+          <a:xfrm flipH="1">
+            <a:off x="8832150" y="4805914"/>
+            <a:ext cx="311850" cy="909086"/>
+          </a:xfrm>
+          <a:prstGeom prst="line">
+            <a:avLst/>
+          </a:prstGeom>
+          <a:ln>
+            <a:solidFill>
+              <a:srgbClr val="10A1EA"/>
+            </a:solidFill>
+          </a:ln>
+        </p:spPr>
+        <p:style>
+          <a:lnRef idx="1">
+            <a:schemeClr val="accent1"/>
+          </a:lnRef>
+          <a:fillRef idx="0">
+            <a:schemeClr val="accent1"/>
+          </a:fillRef>
+          <a:effectRef idx="0">
+            <a:schemeClr val="accent1"/>
+          </a:effectRef>
+          <a:fontRef idx="minor">
+            <a:schemeClr val="tx1"/>
+          </a:fontRef>
+        </p:style>
+      </p:cxnSp>
+      <p:pic>
+        <p:nvPicPr>
+          <p:cNvPr id="39" name="Grafik 38">
+            <a:extLst>
+              <a:ext uri="{FF2B5EF4-FFF2-40B4-BE49-F238E27FC236}">
+                <a16:creationId xmlns:a16="http://schemas.microsoft.com/office/drawing/2014/main" id="{83A8EE2E-0954-6F9A-1734-5FCF5AFB3FA0}"/>
+              </a:ext>
+            </a:extLst>
+          </p:cNvPr>
+          <p:cNvPicPr>
+            <a:picLocks noChangeAspect="1"/>
+          </p:cNvPicPr>
+          <p:nvPr/>
+        </p:nvPicPr>
+        <p:blipFill>
+          <a:blip r:embed="rId3"/>
+          <a:stretch>
+            <a:fillRect/>
+          </a:stretch>
+        </p:blipFill>
+        <p:spPr>
+          <a:xfrm>
+            <a:off x="7644639" y="107468"/>
+            <a:ext cx="1385921" cy="1236316"/>
+          </a:xfrm>
+          <a:prstGeom prst="rect">
+            <a:avLst/>
+          </a:prstGeom>
+        </p:spPr>
+      </p:pic>
+      <p:cxnSp>
+        <p:nvCxnSpPr>
+          <p:cNvPr id="42" name="Gerader Verbinder 41">
+            <a:extLst>
+              <a:ext uri="{FF2B5EF4-FFF2-40B4-BE49-F238E27FC236}">
+                <a16:creationId xmlns:a16="http://schemas.microsoft.com/office/drawing/2014/main" id="{916F5C3D-50C3-059D-6772-1DD70D5E9604}"/>
+              </a:ext>
+            </a:extLst>
+          </p:cNvPr>
+          <p:cNvCxnSpPr>
+            <a:cxnSpLocks/>
+          </p:cNvCxnSpPr>
+          <p:nvPr/>
+        </p:nvCxnSpPr>
+        <p:spPr>
+          <a:xfrm>
+            <a:off x="628650" y="5378847"/>
+            <a:ext cx="7414752" cy="0"/>
+          </a:xfrm>
+          <a:prstGeom prst="line">
+            <a:avLst/>
+          </a:prstGeom>
+          <a:ln>
+            <a:solidFill>
+              <a:srgbClr val="10A1EA"/>
+            </a:solidFill>
+          </a:ln>
+        </p:spPr>
+        <p:style>
+          <a:lnRef idx="1">
+            <a:schemeClr val="accent1"/>
+          </a:lnRef>
+          <a:fillRef idx="0">
+            <a:schemeClr val="accent1"/>
+          </a:fillRef>
+          <a:effectRef idx="0">
+            <a:schemeClr val="accent1"/>
+          </a:effectRef>
+          <a:fontRef idx="minor">
+            <a:schemeClr val="tx1"/>
+          </a:fontRef>
+        </p:style>
+      </p:cxnSp>
+      <p:pic>
+        <p:nvPicPr>
+          <p:cNvPr id="45" name="Grafik 44" descr="Monatskalender Silhouette">
+            <a:extLst>
+              <a:ext uri="{FF2B5EF4-FFF2-40B4-BE49-F238E27FC236}">
+                <a16:creationId xmlns:a16="http://schemas.microsoft.com/office/drawing/2014/main" id="{ADE41C17-DE6A-3F4F-C168-68D57E9362E4}"/>
+              </a:ext>
+            </a:extLst>
+          </p:cNvPr>
+          <p:cNvPicPr>
+            <a:picLocks noChangeAspect="1"/>
+          </p:cNvPicPr>
+          <p:nvPr/>
+        </p:nvPicPr>
+        <p:blipFill>
+          <a:blip r:embed="rId4">
+            <a:extLst>
+              <a:ext uri="{28A0092B-C50C-407E-A947-70E740481C1C}">
+                <a14:useLocalDpi xmlns:a14="http://schemas.microsoft.com/office/drawing/2010/main" val="0"/>
+              </a:ext>
+              <a:ext uri="{96DAC541-7B7A-43D3-8B79-37D633B846F1}">
+                <asvg:svgBlip xmlns:asvg="http://schemas.microsoft.com/office/drawing/2016/SVG/main" r:embed="rId5"/>
+              </a:ext>
+            </a:extLst>
+          </a:blip>
+          <a:stretch>
+            <a:fillRect/>
+          </a:stretch>
+        </p:blipFill>
+        <p:spPr>
+          <a:xfrm>
+            <a:off x="147948" y="3234705"/>
+            <a:ext cx="406921" cy="406921"/>
+          </a:xfrm>
+          <a:prstGeom prst="rect">
+            <a:avLst/>
+          </a:prstGeom>
+        </p:spPr>
+      </p:pic>
+      <p:pic>
+        <p:nvPicPr>
+          <p:cNvPr id="49" name="Grafik 48" descr="DNA Silhouette">
+            <a:extLst>
+              <a:ext uri="{FF2B5EF4-FFF2-40B4-BE49-F238E27FC236}">
+                <a16:creationId xmlns:a16="http://schemas.microsoft.com/office/drawing/2014/main" id="{6DEF5C3C-BCD8-CE26-6A1F-44421E61A3CA}"/>
+              </a:ext>
+            </a:extLst>
+          </p:cNvPr>
+          <p:cNvPicPr>
+            <a:picLocks noChangeAspect="1"/>
+          </p:cNvPicPr>
+          <p:nvPr/>
+        </p:nvPicPr>
+        <p:blipFill>
+          <a:blip r:embed="rId6">
+            <a:extLst>
+              <a:ext uri="{28A0092B-C50C-407E-A947-70E740481C1C}">
+                <a14:useLocalDpi xmlns:a14="http://schemas.microsoft.com/office/drawing/2010/main" val="0"/>
+              </a:ext>
+              <a:ext uri="{96DAC541-7B7A-43D3-8B79-37D633B846F1}">
+                <asvg:svgBlip xmlns:asvg="http://schemas.microsoft.com/office/drawing/2016/SVG/main" r:embed="rId7"/>
+              </a:ext>
+            </a:extLst>
+          </a:blip>
+          <a:stretch>
+            <a:fillRect/>
+          </a:stretch>
+        </p:blipFill>
+        <p:spPr>
+          <a:xfrm>
+            <a:off x="143735" y="872897"/>
+            <a:ext cx="406921" cy="406921"/>
+          </a:xfrm>
+          <a:prstGeom prst="rect">
+            <a:avLst/>
+          </a:prstGeom>
+        </p:spPr>
+      </p:pic>
+      <p:pic>
+        <p:nvPicPr>
+          <p:cNvPr id="53" name="Grafik 52" descr="Balkendiagramm mit einfarbiger Füllung">
+            <a:extLst>
+              <a:ext uri="{FF2B5EF4-FFF2-40B4-BE49-F238E27FC236}">
+                <a16:creationId xmlns:a16="http://schemas.microsoft.com/office/drawing/2014/main" id="{AB79FB33-E613-4BA8-9EB6-7A65F1DCEBBD}"/>
+              </a:ext>
+            </a:extLst>
+          </p:cNvPr>
+          <p:cNvPicPr>
+            <a:picLocks noChangeAspect="1"/>
+          </p:cNvPicPr>
+          <p:nvPr/>
+        </p:nvPicPr>
+        <p:blipFill>
+          <a:blip r:embed="rId8">
+            <a:extLst>
+              <a:ext uri="{28A0092B-C50C-407E-A947-70E740481C1C}">
+                <a14:useLocalDpi xmlns:a14="http://schemas.microsoft.com/office/drawing/2010/main" val="0"/>
+              </a:ext>
+              <a:ext uri="{96DAC541-7B7A-43D3-8B79-37D633B846F1}">
+                <asvg:svgBlip xmlns:asvg="http://schemas.microsoft.com/office/drawing/2016/SVG/main" r:embed="rId9"/>
+              </a:ext>
+            </a:extLst>
+          </a:blip>
+          <a:stretch>
+            <a:fillRect/>
+          </a:stretch>
+        </p:blipFill>
+        <p:spPr>
+          <a:xfrm>
+            <a:off x="161825" y="2053186"/>
+            <a:ext cx="406921" cy="406921"/>
+          </a:xfrm>
+          <a:prstGeom prst="rect">
+            <a:avLst/>
+          </a:prstGeom>
+        </p:spPr>
+      </p:pic>
+      <p:pic>
+        <p:nvPicPr>
+          <p:cNvPr id="57" name="Grafik 56" descr="Benutzer Silhouette">
+            <a:extLst>
+              <a:ext uri="{FF2B5EF4-FFF2-40B4-BE49-F238E27FC236}">
+                <a16:creationId xmlns:a16="http://schemas.microsoft.com/office/drawing/2014/main" id="{FAF1D196-7D05-3E8B-77EB-98DB84254DF3}"/>
+              </a:ext>
+            </a:extLst>
+          </p:cNvPr>
+          <p:cNvPicPr>
+            <a:picLocks noChangeAspect="1"/>
+          </p:cNvPicPr>
+          <p:nvPr/>
+        </p:nvPicPr>
+        <p:blipFill>
+          <a:blip r:embed="rId10">
+            <a:extLst>
+              <a:ext uri="{28A0092B-C50C-407E-A947-70E740481C1C}">
+                <a14:useLocalDpi xmlns:a14="http://schemas.microsoft.com/office/drawing/2010/main" val="0"/>
+              </a:ext>
+              <a:ext uri="{96DAC541-7B7A-43D3-8B79-37D633B846F1}">
+                <asvg:svgBlip xmlns:asvg="http://schemas.microsoft.com/office/drawing/2016/SVG/main" r:embed="rId11"/>
+              </a:ext>
+            </a:extLst>
+          </a:blip>
+          <a:stretch>
+            <a:fillRect/>
+          </a:stretch>
+        </p:blipFill>
+        <p:spPr>
+          <a:xfrm>
+            <a:off x="147949" y="4415609"/>
+            <a:ext cx="406921" cy="406921"/>
+          </a:xfrm>
+          <a:prstGeom prst="rect">
+            <a:avLst/>
+          </a:prstGeom>
+        </p:spPr>
+      </p:pic>
+      <p:sp>
+        <p:nvSpPr>
+          <p:cNvPr id="15" name="Textfeld 14">
+            <a:extLst>
+              <a:ext uri="{FF2B5EF4-FFF2-40B4-BE49-F238E27FC236}">
+                <a16:creationId xmlns:a16="http://schemas.microsoft.com/office/drawing/2014/main" id="{9DB0080F-0B09-97B1-3CAB-35CE7FABF577}"/>
+              </a:ext>
+            </a:extLst>
+          </p:cNvPr>
+          <p:cNvSpPr txBox="1"/>
+          <p:nvPr/>
+        </p:nvSpPr>
+        <p:spPr>
+          <a:xfrm>
+            <a:off x="854632" y="948149"/>
+            <a:ext cx="6364774" cy="461665"/>
+          </a:xfrm>
+          <a:prstGeom prst="rect">
+            <a:avLst/>
+          </a:prstGeom>
+          <a:noFill/>
+        </p:spPr>
+        <p:txBody>
+          <a:bodyPr wrap="square" rtlCol="0">
+            <a:spAutoFit/>
+          </a:bodyPr>
+          <a:lstStyle/>
+          <a:p>
+            <a:r>
+              <a:rPr lang="de-DE" sz="2400" dirty="0"/>
+              <a:t>4. Scatterplots</a:t>
+            </a:r>
+            <a:endParaRPr lang="en-US" sz="2400" dirty="0"/>
+          </a:p>
+        </p:txBody>
+      </p:sp>
+      <p:sp>
+        <p:nvSpPr>
+          <p:cNvPr id="16" name="Textfeld 15">
+            <a:extLst>
+              <a:ext uri="{FF2B5EF4-FFF2-40B4-BE49-F238E27FC236}">
+                <a16:creationId xmlns:a16="http://schemas.microsoft.com/office/drawing/2014/main" id="{62EE671E-F9A4-E7F3-16D8-8D6E11383DE3}"/>
+              </a:ext>
+            </a:extLst>
+          </p:cNvPr>
+          <p:cNvSpPr txBox="1"/>
+          <p:nvPr/>
+        </p:nvSpPr>
+        <p:spPr>
+          <a:xfrm>
+            <a:off x="858072" y="1442528"/>
+            <a:ext cx="7187978" cy="369332"/>
+          </a:xfrm>
+          <a:prstGeom prst="rect">
+            <a:avLst/>
+          </a:prstGeom>
+          <a:noFill/>
+        </p:spPr>
+        <p:txBody>
+          <a:bodyPr wrap="square" rtlCol="0">
+            <a:spAutoFit/>
+          </a:bodyPr>
+          <a:lstStyle/>
+          <a:p>
+            <a:pPr marL="285750" indent="-285750">
+              <a:buFont typeface="Arial" panose="020B0604020202020204" pitchFamily="34" charset="0"/>
+              <a:buChar char="•"/>
+            </a:pPr>
+            <a:r>
+              <a:rPr lang="de-DE" dirty="0" err="1"/>
+              <a:t>Similar</a:t>
+            </a:r>
+            <a:r>
+              <a:rPr lang="de-DE" dirty="0"/>
+              <a:t> </a:t>
+            </a:r>
+            <a:r>
+              <a:rPr lang="de-DE" dirty="0" err="1"/>
+              <a:t>distribution</a:t>
+            </a:r>
+            <a:r>
+              <a:rPr lang="de-DE" dirty="0"/>
+              <a:t> in RNA </a:t>
+            </a:r>
+            <a:r>
+              <a:rPr lang="de-DE" dirty="0" err="1"/>
+              <a:t>degradation</a:t>
+            </a:r>
+            <a:r>
+              <a:rPr lang="de-DE" dirty="0"/>
+              <a:t> in all </a:t>
+            </a:r>
+            <a:r>
+              <a:rPr lang="de-DE" dirty="0" err="1"/>
+              <a:t>chips</a:t>
+            </a:r>
+            <a:endParaRPr lang="en-US" dirty="0"/>
+          </a:p>
+        </p:txBody>
+      </p:sp>
+      <p:sp>
+        <p:nvSpPr>
+          <p:cNvPr id="19" name="Textfeld 18">
+            <a:extLst>
+              <a:ext uri="{FF2B5EF4-FFF2-40B4-BE49-F238E27FC236}">
+                <a16:creationId xmlns:a16="http://schemas.microsoft.com/office/drawing/2014/main" id="{F6A19FC3-F16F-5405-B430-0883ADD52C3C}"/>
+              </a:ext>
+            </a:extLst>
+          </p:cNvPr>
+          <p:cNvSpPr txBox="1"/>
+          <p:nvPr/>
+        </p:nvSpPr>
+        <p:spPr>
+          <a:xfrm>
+            <a:off x="854632" y="1803351"/>
+            <a:ext cx="7839601" cy="369332"/>
+          </a:xfrm>
+          <a:prstGeom prst="rect">
+            <a:avLst/>
+          </a:prstGeom>
+          <a:noFill/>
+        </p:spPr>
+        <p:txBody>
+          <a:bodyPr wrap="square" rtlCol="0">
+            <a:spAutoFit/>
+          </a:bodyPr>
+          <a:lstStyle/>
+          <a:p>
+            <a:pPr marL="285750" indent="-285750">
+              <a:buFont typeface="Arial" panose="020B0604020202020204" pitchFamily="34" charset="0"/>
+              <a:buChar char="•"/>
+            </a:pPr>
+            <a:r>
+              <a:rPr lang="de-DE" dirty="0"/>
+              <a:t>All 18 </a:t>
+            </a:r>
+            <a:r>
+              <a:rPr lang="de-DE" dirty="0" err="1"/>
+              <a:t>chips</a:t>
+            </a:r>
+            <a:r>
+              <a:rPr lang="de-DE" dirty="0"/>
+              <a:t> </a:t>
+            </a:r>
+            <a:r>
+              <a:rPr lang="de-DE" dirty="0" err="1"/>
+              <a:t>accepted</a:t>
+            </a:r>
+            <a:endParaRPr lang="en-US" dirty="0"/>
+          </a:p>
+        </p:txBody>
+      </p:sp>
+      <p:pic>
+        <p:nvPicPr>
+          <p:cNvPr id="8" name="Grafik 7">
+            <a:extLst>
+              <a:ext uri="{FF2B5EF4-FFF2-40B4-BE49-F238E27FC236}">
+                <a16:creationId xmlns:a16="http://schemas.microsoft.com/office/drawing/2014/main" id="{485F32D8-565A-4C31-6F89-D9EB34BC21D8}"/>
+              </a:ext>
+            </a:extLst>
+          </p:cNvPr>
+          <p:cNvPicPr>
+            <a:picLocks noChangeAspect="1"/>
+          </p:cNvPicPr>
+          <p:nvPr/>
+        </p:nvPicPr>
+        <p:blipFill>
+          <a:blip r:embed="rId12">
+            <a:extLst>
+              <a:ext uri="{28A0092B-C50C-407E-A947-70E740481C1C}">
+                <a14:useLocalDpi xmlns:a14="http://schemas.microsoft.com/office/drawing/2010/main" val="0"/>
+              </a:ext>
+            </a:extLst>
+          </a:blip>
+          <a:stretch>
+            <a:fillRect/>
+          </a:stretch>
+        </p:blipFill>
+        <p:spPr>
+          <a:xfrm>
+            <a:off x="4925148" y="2763317"/>
+            <a:ext cx="3699203" cy="2282937"/>
+          </a:xfrm>
+          <a:prstGeom prst="rect">
+            <a:avLst/>
+          </a:prstGeom>
+        </p:spPr>
+      </p:pic>
+      <p:sp>
+        <p:nvSpPr>
+          <p:cNvPr id="10" name="Textfeld 9">
+            <a:extLst>
+              <a:ext uri="{FF2B5EF4-FFF2-40B4-BE49-F238E27FC236}">
+                <a16:creationId xmlns:a16="http://schemas.microsoft.com/office/drawing/2014/main" id="{9F66B5E5-851A-22B8-1637-AD3A5D0D6685}"/>
+              </a:ext>
+            </a:extLst>
+          </p:cNvPr>
+          <p:cNvSpPr txBox="1"/>
+          <p:nvPr/>
+        </p:nvSpPr>
+        <p:spPr>
+          <a:xfrm>
+            <a:off x="5692273" y="2419404"/>
+            <a:ext cx="2473234" cy="369332"/>
+          </a:xfrm>
+          <a:prstGeom prst="rect">
+            <a:avLst/>
+          </a:prstGeom>
+          <a:noFill/>
+        </p:spPr>
+        <p:txBody>
+          <a:bodyPr wrap="square" rtlCol="0">
+            <a:spAutoFit/>
+          </a:bodyPr>
+          <a:lstStyle/>
+          <a:p>
+            <a:r>
+              <a:rPr lang="de-DE" dirty="0" err="1"/>
+              <a:t>week</a:t>
+            </a:r>
+            <a:r>
+              <a:rPr lang="de-DE" dirty="0"/>
+              <a:t> 5, </a:t>
+            </a:r>
+            <a:r>
+              <a:rPr lang="de-DE" dirty="0" err="1"/>
+              <a:t>rep</a:t>
+            </a:r>
+            <a:r>
+              <a:rPr lang="de-DE" dirty="0"/>
+              <a:t> 1 and </a:t>
+            </a:r>
+            <a:r>
+              <a:rPr lang="de-DE" dirty="0" err="1"/>
+              <a:t>rep2</a:t>
+            </a:r>
+            <a:endParaRPr lang="en-US" dirty="0"/>
+          </a:p>
+        </p:txBody>
+      </p:sp>
+      <p:sp>
+        <p:nvSpPr>
+          <p:cNvPr id="25" name="Textfeld 24">
+            <a:extLst>
+              <a:ext uri="{FF2B5EF4-FFF2-40B4-BE49-F238E27FC236}">
+                <a16:creationId xmlns:a16="http://schemas.microsoft.com/office/drawing/2014/main" id="{A66F7926-B998-3042-B39F-EFA87DF62622}"/>
+              </a:ext>
+            </a:extLst>
+          </p:cNvPr>
+          <p:cNvSpPr txBox="1"/>
+          <p:nvPr/>
+        </p:nvSpPr>
+        <p:spPr>
+          <a:xfrm>
+            <a:off x="1795905" y="2393947"/>
+            <a:ext cx="2473234" cy="369332"/>
+          </a:xfrm>
+          <a:prstGeom prst="rect">
+            <a:avLst/>
+          </a:prstGeom>
+          <a:noFill/>
+        </p:spPr>
+        <p:txBody>
+          <a:bodyPr wrap="square" rtlCol="0">
+            <a:spAutoFit/>
+          </a:bodyPr>
+          <a:lstStyle/>
+          <a:p>
+            <a:r>
+              <a:rPr lang="de-DE" dirty="0" err="1"/>
+              <a:t>week</a:t>
+            </a:r>
+            <a:r>
+              <a:rPr lang="de-DE" dirty="0"/>
+              <a:t> 1, </a:t>
+            </a:r>
+            <a:r>
+              <a:rPr lang="de-DE" dirty="0" err="1"/>
+              <a:t>rep</a:t>
+            </a:r>
+            <a:r>
+              <a:rPr lang="de-DE" dirty="0"/>
+              <a:t> 2 and </a:t>
+            </a:r>
+            <a:r>
+              <a:rPr lang="de-DE" dirty="0" err="1"/>
+              <a:t>rep3</a:t>
+            </a:r>
+            <a:endParaRPr lang="en-US" dirty="0"/>
+          </a:p>
+        </p:txBody>
+      </p:sp>
+      <p:pic>
+        <p:nvPicPr>
+          <p:cNvPr id="12" name="Grafik 11">
+            <a:extLst>
+              <a:ext uri="{FF2B5EF4-FFF2-40B4-BE49-F238E27FC236}">
+                <a16:creationId xmlns:a16="http://schemas.microsoft.com/office/drawing/2014/main" id="{E445E157-8DE7-C57D-192C-A03B531A9EAC}"/>
+              </a:ext>
+            </a:extLst>
+          </p:cNvPr>
+          <p:cNvPicPr>
+            <a:picLocks noChangeAspect="1"/>
+          </p:cNvPicPr>
+          <p:nvPr/>
+        </p:nvPicPr>
+        <p:blipFill>
+          <a:blip r:embed="rId13">
+            <a:extLst>
+              <a:ext uri="{28A0092B-C50C-407E-A947-70E740481C1C}">
+                <a14:useLocalDpi xmlns:a14="http://schemas.microsoft.com/office/drawing/2010/main" val="0"/>
+              </a:ext>
+            </a:extLst>
+          </a:blip>
+          <a:stretch>
+            <a:fillRect/>
+          </a:stretch>
+        </p:blipFill>
+        <p:spPr>
+          <a:xfrm>
+            <a:off x="987058" y="2754770"/>
+            <a:ext cx="3704035" cy="2285918"/>
+          </a:xfrm>
+          <a:prstGeom prst="rect">
+            <a:avLst/>
+          </a:prstGeom>
+        </p:spPr>
+      </p:pic>
+    </p:spTree>
+    <p:extLst>
+      <p:ext uri="{BB962C8B-B14F-4D97-AF65-F5344CB8AC3E}">
+        <p14:creationId xmlns:p14="http://schemas.microsoft.com/office/powerpoint/2010/main" val="2185765447"/>
+      </p:ext>
+    </p:extLst>
+  </p:cSld>
+  <p:clrMapOvr>
+    <a:masterClrMapping/>
+  </p:clrMapOvr>
+  <p:timing>
+    <p:tnLst>
+      <p:par>
+        <p:cTn id="1" dur="indefinite" restart="never" nodeType="tmRoot">
+          <p:childTnLst>
+            <p:seq concurrent="1" nextAc="seek">
+              <p:cTn id="2" dur="indefinite" nodeType="mainSeq">
+                <p:childTnLst>
+                  <p:par>
+                    <p:cTn id="3" fill="hold">
+                      <p:stCondLst>
+                        <p:cond delay="indefinite"/>
+                      </p:stCondLst>
+                      <p:childTnLst>
+                        <p:par>
+                          <p:cTn id="4" fill="hold">
+                            <p:stCondLst>
+                              <p:cond delay="0"/>
+                            </p:stCondLst>
+                            <p:childTnLst>
+                              <p:par>
+                                <p:cTn id="5" presetID="1" presetClass="entr" presetSubtype="0" fill="hold" grpId="0" nodeType="clickEffect">
+                                  <p:stCondLst>
+                                    <p:cond delay="0"/>
+                                  </p:stCondLst>
+                                  <p:childTnLst>
+                                    <p:set>
+                                      <p:cBhvr>
+                                        <p:cTn id="6" dur="1" fill="hold">
+                                          <p:stCondLst>
+                                            <p:cond delay="0"/>
+                                          </p:stCondLst>
+                                        </p:cTn>
+                                        <p:tgtEl>
+                                          <p:spTgt spid="16"/>
+                                        </p:tgtEl>
+                                        <p:attrNameLst>
+                                          <p:attrName>style.visibility</p:attrName>
+                                        </p:attrNameLst>
+                                      </p:cBhvr>
+                                      <p:to>
+                                        <p:strVal val="visible"/>
+                                      </p:to>
+                                    </p:set>
+                                  </p:childTnLst>
+                                </p:cTn>
+                              </p:par>
+                            </p:childTnLst>
+                          </p:cTn>
+                        </p:par>
+                      </p:childTnLst>
+                    </p:cTn>
+                  </p:par>
+                  <p:par>
+                    <p:cTn id="7" fill="hold">
+                      <p:stCondLst>
+                        <p:cond delay="indefinite"/>
+                      </p:stCondLst>
+                      <p:childTnLst>
+                        <p:par>
+                          <p:cTn id="8" fill="hold">
+                            <p:stCondLst>
+                              <p:cond delay="0"/>
+                            </p:stCondLst>
+                            <p:childTnLst>
+                              <p:par>
+                                <p:cTn id="9" presetID="1" presetClass="entr" presetSubtype="0" fill="hold" grpId="0" nodeType="clickEffect">
+                                  <p:stCondLst>
+                                    <p:cond delay="0"/>
+                                  </p:stCondLst>
+                                  <p:childTnLst>
+                                    <p:set>
+                                      <p:cBhvr>
+                                        <p:cTn id="10" dur="1" fill="hold">
+                                          <p:stCondLst>
+                                            <p:cond delay="0"/>
+                                          </p:stCondLst>
+                                        </p:cTn>
+                                        <p:tgtEl>
+                                          <p:spTgt spid="19"/>
+                                        </p:tgtEl>
+                                        <p:attrNameLst>
+                                          <p:attrName>style.visibility</p:attrName>
+                                        </p:attrNameLst>
+                                      </p:cBhvr>
+                                      <p:to>
+                                        <p:strVal val="visible"/>
+                                      </p:to>
+                                    </p:set>
+                                  </p:childTnLst>
+                                </p:cTn>
+                              </p:par>
+                            </p:childTnLst>
+                          </p:cTn>
+                        </p:par>
+                      </p:childTnLst>
+                    </p:cTn>
+                  </p:par>
+                </p:childTnLst>
+              </p:cTn>
+              <p:prevCondLst>
+                <p:cond evt="onPrev" delay="0">
+                  <p:tgtEl>
+                    <p:sldTgt/>
+                  </p:tgtEl>
+                </p:cond>
+              </p:prevCondLst>
+              <p:nextCondLst>
+                <p:cond evt="onNext" delay="0">
+                  <p:tgtEl>
+                    <p:sldTgt/>
+                  </p:tgtEl>
+                </p:cond>
+              </p:nextCondLst>
+            </p:seq>
+          </p:childTnLst>
+        </p:cTn>
+      </p:par>
+    </p:tnLst>
+    <p:bldLst>
+      <p:bldP spid="16" grpId="0"/>
+      <p:bldP spid="19" grpId="0"/>
+    </p:bldLst>
+  </p:timing>
+</p:sld>
+</file>
+
+<file path=ppt/slides/slide13.xml><?xml version="1.0" encoding="utf-8"?>
+<p:sld xmlns:a="http://schemas.openxmlformats.org/drawingml/2006/main" xmlns:r="http://schemas.openxmlformats.org/officeDocument/2006/relationships" xmlns:p="http://schemas.openxmlformats.org/presentationml/2006/main">
+  <p:cSld>
+    <p:bg>
+      <p:bgPr>
+        <a:gradFill flip="none" rotWithShape="1">
+          <a:gsLst>
+            <a:gs pos="28571">
+              <a:schemeClr val="accent1">
+                <a:lumMod val="5000"/>
+                <a:lumOff val="95000"/>
+                <a:alpha val="54000"/>
+              </a:schemeClr>
+            </a:gs>
+            <a:gs pos="79000">
+              <a:srgbClr val="8CD0F4">
+                <a:alpha val="50000"/>
+                <a:lumMod val="72000"/>
+                <a:lumOff val="28000"/>
+              </a:srgbClr>
+            </a:gs>
+            <a:gs pos="100000">
+              <a:srgbClr val="10A1EA">
+                <a:alpha val="26000"/>
+                <a:lumMod val="73000"/>
+                <a:lumOff val="27000"/>
+              </a:srgbClr>
+            </a:gs>
+          </a:gsLst>
+          <a:lin ang="2700000" scaled="1"/>
+          <a:tileRect/>
+        </a:gradFill>
+        <a:effectLst/>
+      </p:bgPr>
+    </p:bg>
+    <p:spTree>
+      <p:nvGrpSpPr>
+        <p:cNvPr id="1" name=""/>
+        <p:cNvGrpSpPr/>
+        <p:nvPr/>
+      </p:nvGrpSpPr>
+      <p:grpSpPr>
+        <a:xfrm>
+          <a:off x="0" y="0"/>
+          <a:ext cx="0" cy="0"/>
+          <a:chOff x="0" y="0"/>
+          <a:chExt cx="0" cy="0"/>
+        </a:xfrm>
+      </p:grpSpPr>
+      <p:sp>
+        <p:nvSpPr>
+          <p:cNvPr id="9" name="Datumsplatzhalter 8">
+            <a:extLst>
+              <a:ext uri="{FF2B5EF4-FFF2-40B4-BE49-F238E27FC236}">
+                <a16:creationId xmlns:a16="http://schemas.microsoft.com/office/drawing/2014/main" id="{B2E44AFA-B29A-4513-B164-74DF574E302B}"/>
+              </a:ext>
+            </a:extLst>
+          </p:cNvPr>
+          <p:cNvSpPr>
+            <a:spLocks noGrp="1"/>
+          </p:cNvSpPr>
+          <p:nvPr>
+            <p:ph type="dt" sz="half" idx="10"/>
+          </p:nvPr>
+        </p:nvSpPr>
+        <p:spPr>
+          <a:xfrm>
+            <a:off x="628650" y="5357247"/>
+            <a:ext cx="2057400" cy="304271"/>
+          </a:xfrm>
+        </p:spPr>
+        <p:txBody>
+          <a:bodyPr/>
+          <a:lstStyle/>
+          <a:p>
+            <a:fld id="{4ABD6D1D-9BE7-4B6A-B4D1-FD497C782274}" type="datetime1">
+              <a:rPr lang="de-DE" smtClean="0">
+                <a:solidFill>
+                  <a:srgbClr val="2E4186"/>
+                </a:solidFill>
+              </a:rPr>
+              <a:t>16.05.2022</a:t>
+            </a:fld>
+            <a:endParaRPr lang="de-DE" dirty="0">
+              <a:solidFill>
+                <a:srgbClr val="2E4186"/>
+              </a:solidFill>
+            </a:endParaRPr>
+          </a:p>
+        </p:txBody>
+      </p:sp>
+      <p:sp>
+        <p:nvSpPr>
+          <p:cNvPr id="13" name="Textfeld 12">
+            <a:extLst>
+              <a:ext uri="{FF2B5EF4-FFF2-40B4-BE49-F238E27FC236}">
+                <a16:creationId xmlns:a16="http://schemas.microsoft.com/office/drawing/2014/main" id="{88E434CB-53F2-43DE-989A-34F83773913E}"/>
+              </a:ext>
+            </a:extLst>
+          </p:cNvPr>
+          <p:cNvSpPr txBox="1"/>
+          <p:nvPr/>
+        </p:nvSpPr>
+        <p:spPr>
+          <a:xfrm>
+            <a:off x="855423" y="295945"/>
+            <a:ext cx="7187979" cy="584775"/>
+          </a:xfrm>
+          <a:prstGeom prst="rect">
+            <a:avLst/>
+          </a:prstGeom>
+          <a:noFill/>
+        </p:spPr>
+        <p:txBody>
+          <a:bodyPr wrap="square" rtlCol="0">
+            <a:spAutoFit/>
+          </a:bodyPr>
+          <a:lstStyle/>
+          <a:p>
+            <a:r>
+              <a:rPr lang="de-DE" sz="3200" dirty="0">
+                <a:latin typeface="+mj-lt"/>
+              </a:rPr>
+              <a:t>Milestones/Timeline</a:t>
+            </a:r>
+          </a:p>
+        </p:txBody>
+      </p:sp>
+      <p:cxnSp>
+        <p:nvCxnSpPr>
+          <p:cNvPr id="14" name="Gerader Verbinder 13">
+            <a:extLst>
+              <a:ext uri="{FF2B5EF4-FFF2-40B4-BE49-F238E27FC236}">
+                <a16:creationId xmlns:a16="http://schemas.microsoft.com/office/drawing/2014/main" id="{1CDE483F-007A-4AB6-9094-9439F0148193}"/>
+              </a:ext>
+            </a:extLst>
+          </p:cNvPr>
+          <p:cNvCxnSpPr>
+            <a:cxnSpLocks/>
+          </p:cNvCxnSpPr>
+          <p:nvPr/>
+        </p:nvCxnSpPr>
+        <p:spPr>
+          <a:xfrm>
+            <a:off x="726619" y="849404"/>
+            <a:ext cx="6854981" cy="0"/>
+          </a:xfrm>
+          <a:prstGeom prst="line">
+            <a:avLst/>
+          </a:prstGeom>
+          <a:ln>
+            <a:solidFill>
+              <a:srgbClr val="10A1EA"/>
+            </a:solidFill>
+          </a:ln>
+        </p:spPr>
+        <p:style>
+          <a:lnRef idx="1">
+            <a:schemeClr val="accent1"/>
+          </a:lnRef>
+          <a:fillRef idx="0">
+            <a:schemeClr val="accent1"/>
+          </a:fillRef>
+          <a:effectRef idx="0">
+            <a:schemeClr val="accent1"/>
+          </a:effectRef>
+          <a:fontRef idx="minor">
+            <a:schemeClr val="tx1"/>
+          </a:fontRef>
+        </p:style>
+      </p:cxnSp>
+      <p:sp>
+        <p:nvSpPr>
+          <p:cNvPr id="24" name="Rechteck 23">
+            <a:extLst>
+              <a:ext uri="{FF2B5EF4-FFF2-40B4-BE49-F238E27FC236}">
+                <a16:creationId xmlns:a16="http://schemas.microsoft.com/office/drawing/2014/main" id="{85AA2DAF-4E4E-60E3-5793-E5162487086D}"/>
+              </a:ext>
+            </a:extLst>
+          </p:cNvPr>
+          <p:cNvSpPr/>
+          <p:nvPr/>
+        </p:nvSpPr>
+        <p:spPr>
+          <a:xfrm>
+            <a:off x="152780" y="0"/>
+            <a:ext cx="406921" cy="5715000"/>
+          </a:xfrm>
+          <a:prstGeom prst="rect">
+            <a:avLst/>
+          </a:prstGeom>
+          <a:gradFill>
+            <a:gsLst>
+              <a:gs pos="5000">
+                <a:schemeClr val="bg1">
+                  <a:alpha val="91000"/>
+                </a:schemeClr>
+              </a:gs>
+              <a:gs pos="98000">
+                <a:schemeClr val="bg1"/>
+              </a:gs>
+              <a:gs pos="85000">
+                <a:srgbClr val="12D4E8"/>
+              </a:gs>
+              <a:gs pos="77000">
+                <a:srgbClr val="10A1EA"/>
+              </a:gs>
+              <a:gs pos="32000">
+                <a:srgbClr val="12D4E8"/>
+              </a:gs>
+              <a:gs pos="56000">
+                <a:srgbClr val="175CF5"/>
+              </a:gs>
+              <a:gs pos="46000">
+                <a:srgbClr val="10A1EA"/>
+              </a:gs>
+              <a:gs pos="65000">
+                <a:srgbClr val="175CF5"/>
+              </a:gs>
+            </a:gsLst>
+            <a:lin ang="5400000" scaled="1"/>
+          </a:gradFill>
+          <a:ln>
+            <a:noFill/>
+          </a:ln>
+          <a:effectLst>
+            <a:softEdge rad="38100"/>
+          </a:effectLst>
+        </p:spPr>
+        <p:style>
+          <a:lnRef idx="2">
+            <a:schemeClr val="accent1">
+              <a:shade val="50000"/>
+            </a:schemeClr>
+          </a:lnRef>
+          <a:fillRef idx="1">
+            <a:schemeClr val="accent1"/>
+          </a:fillRef>
+          <a:effectRef idx="0">
+            <a:schemeClr val="accent1"/>
+          </a:effectRef>
+          <a:fontRef idx="minor">
+            <a:schemeClr val="lt1"/>
+          </a:fontRef>
+        </p:style>
+        <p:txBody>
+          <a:bodyPr rot="0" spcFirstLastPara="0" vert="horz" wrap="square" lIns="91440" tIns="45720" rIns="91440" bIns="45720" numCol="1" spcCol="0" rtlCol="0" fromWordArt="0" anchor="ctr" anchorCtr="0" forceAA="0" compatLnSpc="1">
+            <a:prstTxWarp prst="textNoShape">
+              <a:avLst/>
+            </a:prstTxWarp>
+            <a:noAutofit/>
+          </a:bodyPr>
+          <a:lstStyle/>
+          <a:p>
+            <a:endParaRPr lang="de-DE"/>
+          </a:p>
+        </p:txBody>
+      </p:sp>
+      <p:sp>
+        <p:nvSpPr>
+          <p:cNvPr id="2" name="Foliennummernplatzhalter 1">
+            <a:extLst>
+              <a:ext uri="{FF2B5EF4-FFF2-40B4-BE49-F238E27FC236}">
+                <a16:creationId xmlns:a16="http://schemas.microsoft.com/office/drawing/2014/main" id="{7127E193-062B-1452-70A0-30F77337207F}"/>
+              </a:ext>
+            </a:extLst>
+          </p:cNvPr>
+          <p:cNvSpPr>
+            <a:spLocks noGrp="1"/>
+          </p:cNvSpPr>
+          <p:nvPr>
+            <p:ph type="sldNum" sz="quarter" idx="12"/>
+          </p:nvPr>
+        </p:nvSpPr>
+        <p:spPr>
+          <a:xfrm>
+            <a:off x="6774750" y="5325759"/>
+            <a:ext cx="2057400" cy="304271"/>
+          </a:xfrm>
+        </p:spPr>
+        <p:txBody>
+          <a:bodyPr/>
+          <a:lstStyle/>
+          <a:p>
+            <a:fld id="{D3D8A29C-259F-45D5-BFFA-A48772AC905C}" type="slidenum">
+              <a:rPr lang="de-DE" smtClean="0">
+                <a:solidFill>
+                  <a:srgbClr val="2E4186"/>
+                </a:solidFill>
+              </a:rPr>
+              <a:t>13</a:t>
+            </a:fld>
+            <a:endParaRPr lang="de-DE" dirty="0">
+              <a:solidFill>
+                <a:srgbClr val="2E4186"/>
+              </a:solidFill>
+            </a:endParaRPr>
+          </a:p>
+        </p:txBody>
+      </p:sp>
+      <p:cxnSp>
+        <p:nvCxnSpPr>
+          <p:cNvPr id="23" name="Gerader Verbinder 22">
+            <a:extLst>
+              <a:ext uri="{FF2B5EF4-FFF2-40B4-BE49-F238E27FC236}">
+                <a16:creationId xmlns:a16="http://schemas.microsoft.com/office/drawing/2014/main" id="{F400FDB4-FD57-FB87-F549-2AF5E6E1AE51}"/>
+              </a:ext>
+            </a:extLst>
+          </p:cNvPr>
+          <p:cNvCxnSpPr>
+            <a:cxnSpLocks/>
+          </p:cNvCxnSpPr>
+          <p:nvPr/>
+        </p:nvCxnSpPr>
+        <p:spPr>
+          <a:xfrm flipH="1">
+            <a:off x="8832150" y="4805914"/>
+            <a:ext cx="311850" cy="909086"/>
+          </a:xfrm>
+          <a:prstGeom prst="line">
+            <a:avLst/>
+          </a:prstGeom>
+          <a:ln>
+            <a:solidFill>
+              <a:srgbClr val="10A1EA"/>
+            </a:solidFill>
+          </a:ln>
+        </p:spPr>
+        <p:style>
+          <a:lnRef idx="1">
+            <a:schemeClr val="accent1"/>
+          </a:lnRef>
+          <a:fillRef idx="0">
+            <a:schemeClr val="accent1"/>
+          </a:fillRef>
+          <a:effectRef idx="0">
+            <a:schemeClr val="accent1"/>
+          </a:effectRef>
+          <a:fontRef idx="minor">
+            <a:schemeClr val="tx1"/>
+          </a:fontRef>
+        </p:style>
+      </p:cxnSp>
+      <p:pic>
+        <p:nvPicPr>
+          <p:cNvPr id="39" name="Grafik 38">
+            <a:extLst>
+              <a:ext uri="{FF2B5EF4-FFF2-40B4-BE49-F238E27FC236}">
+                <a16:creationId xmlns:a16="http://schemas.microsoft.com/office/drawing/2014/main" id="{83A8EE2E-0954-6F9A-1734-5FCF5AFB3FA0}"/>
+              </a:ext>
+            </a:extLst>
+          </p:cNvPr>
+          <p:cNvPicPr>
+            <a:picLocks noChangeAspect="1"/>
+          </p:cNvPicPr>
+          <p:nvPr/>
+        </p:nvPicPr>
+        <p:blipFill>
+          <a:blip r:embed="rId3"/>
+          <a:stretch>
+            <a:fillRect/>
+          </a:stretch>
+        </p:blipFill>
+        <p:spPr>
+          <a:xfrm>
+            <a:off x="7644639" y="107468"/>
+            <a:ext cx="1385921" cy="1236316"/>
+          </a:xfrm>
+          <a:prstGeom prst="rect">
+            <a:avLst/>
+          </a:prstGeom>
+        </p:spPr>
+      </p:pic>
+      <p:cxnSp>
+        <p:nvCxnSpPr>
+          <p:cNvPr id="42" name="Gerader Verbinder 41">
+            <a:extLst>
+              <a:ext uri="{FF2B5EF4-FFF2-40B4-BE49-F238E27FC236}">
+                <a16:creationId xmlns:a16="http://schemas.microsoft.com/office/drawing/2014/main" id="{916F5C3D-50C3-059D-6772-1DD70D5E9604}"/>
+              </a:ext>
+            </a:extLst>
+          </p:cNvPr>
+          <p:cNvCxnSpPr>
+            <a:cxnSpLocks/>
+          </p:cNvCxnSpPr>
+          <p:nvPr/>
+        </p:nvCxnSpPr>
+        <p:spPr>
+          <a:xfrm>
+            <a:off x="628650" y="5378847"/>
+            <a:ext cx="7414752" cy="0"/>
+          </a:xfrm>
+          <a:prstGeom prst="line">
+            <a:avLst/>
+          </a:prstGeom>
+          <a:ln>
+            <a:solidFill>
+              <a:srgbClr val="10A1EA"/>
+            </a:solidFill>
+          </a:ln>
+        </p:spPr>
+        <p:style>
+          <a:lnRef idx="1">
+            <a:schemeClr val="accent1"/>
+          </a:lnRef>
+          <a:fillRef idx="0">
+            <a:schemeClr val="accent1"/>
+          </a:fillRef>
+          <a:effectRef idx="0">
+            <a:schemeClr val="accent1"/>
+          </a:effectRef>
+          <a:fontRef idx="minor">
+            <a:schemeClr val="tx1"/>
+          </a:fontRef>
+        </p:style>
+      </p:cxnSp>
+      <p:pic>
+        <p:nvPicPr>
+          <p:cNvPr id="49" name="Grafik 48" descr="DNA Silhouette">
+            <a:extLst>
+              <a:ext uri="{FF2B5EF4-FFF2-40B4-BE49-F238E27FC236}">
+                <a16:creationId xmlns:a16="http://schemas.microsoft.com/office/drawing/2014/main" id="{6DEF5C3C-BCD8-CE26-6A1F-44421E61A3CA}"/>
+              </a:ext>
+            </a:extLst>
+          </p:cNvPr>
+          <p:cNvPicPr>
+            <a:picLocks noChangeAspect="1"/>
+          </p:cNvPicPr>
+          <p:nvPr/>
+        </p:nvPicPr>
+        <p:blipFill>
+          <a:blip r:embed="rId4">
+            <a:extLst>
+              <a:ext uri="{28A0092B-C50C-407E-A947-70E740481C1C}">
+                <a14:useLocalDpi xmlns:a14="http://schemas.microsoft.com/office/drawing/2010/main" val="0"/>
+              </a:ext>
+              <a:ext uri="{96DAC541-7B7A-43D3-8B79-37D633B846F1}">
+                <asvg:svgBlip xmlns:asvg="http://schemas.microsoft.com/office/drawing/2016/SVG/main" r:embed="rId5"/>
+              </a:ext>
+            </a:extLst>
+          </a:blip>
+          <a:stretch>
+            <a:fillRect/>
+          </a:stretch>
+        </p:blipFill>
+        <p:spPr>
+          <a:xfrm>
+            <a:off x="143735" y="872897"/>
+            <a:ext cx="406921" cy="406921"/>
+          </a:xfrm>
+          <a:prstGeom prst="rect">
+            <a:avLst/>
+          </a:prstGeom>
+        </p:spPr>
+      </p:pic>
+      <p:pic>
+        <p:nvPicPr>
+          <p:cNvPr id="51" name="Grafik 50" descr="Balkendiagramm Silhouette">
+            <a:extLst>
+              <a:ext uri="{FF2B5EF4-FFF2-40B4-BE49-F238E27FC236}">
+                <a16:creationId xmlns:a16="http://schemas.microsoft.com/office/drawing/2014/main" id="{96C3BDE6-7984-B720-4EB5-C4480C42E2EA}"/>
+              </a:ext>
+            </a:extLst>
+          </p:cNvPr>
+          <p:cNvPicPr>
+            <a:picLocks noChangeAspect="1"/>
+          </p:cNvPicPr>
+          <p:nvPr/>
+        </p:nvPicPr>
+        <p:blipFill>
+          <a:blip r:embed="rId6">
+            <a:extLst>
+              <a:ext uri="{28A0092B-C50C-407E-A947-70E740481C1C}">
+                <a14:useLocalDpi xmlns:a14="http://schemas.microsoft.com/office/drawing/2010/main" val="0"/>
+              </a:ext>
+              <a:ext uri="{96DAC541-7B7A-43D3-8B79-37D633B846F1}">
+                <asvg:svgBlip xmlns:asvg="http://schemas.microsoft.com/office/drawing/2016/SVG/main" r:embed="rId7"/>
+              </a:ext>
+            </a:extLst>
+          </a:blip>
+          <a:stretch>
+            <a:fillRect/>
+          </a:stretch>
+        </p:blipFill>
+        <p:spPr>
+          <a:xfrm>
+            <a:off x="156220" y="2053801"/>
+            <a:ext cx="406921" cy="406921"/>
+          </a:xfrm>
+          <a:prstGeom prst="rect">
+            <a:avLst/>
+          </a:prstGeom>
+        </p:spPr>
+      </p:pic>
+      <p:pic>
+        <p:nvPicPr>
+          <p:cNvPr id="55" name="Grafik 54" descr="Monatskalender mit einfarbiger Füllung">
+            <a:extLst>
+              <a:ext uri="{FF2B5EF4-FFF2-40B4-BE49-F238E27FC236}">
+                <a16:creationId xmlns:a16="http://schemas.microsoft.com/office/drawing/2014/main" id="{22B8239E-946F-E377-A9D5-1C5712DC9123}"/>
+              </a:ext>
+            </a:extLst>
+          </p:cNvPr>
+          <p:cNvPicPr>
+            <a:picLocks noChangeAspect="1"/>
+          </p:cNvPicPr>
+          <p:nvPr/>
+        </p:nvPicPr>
+        <p:blipFill>
+          <a:blip r:embed="rId8">
+            <a:extLst>
+              <a:ext uri="{28A0092B-C50C-407E-A947-70E740481C1C}">
+                <a14:useLocalDpi xmlns:a14="http://schemas.microsoft.com/office/drawing/2010/main" val="0"/>
+              </a:ext>
+              <a:ext uri="{96DAC541-7B7A-43D3-8B79-37D633B846F1}">
+                <asvg:svgBlip xmlns:asvg="http://schemas.microsoft.com/office/drawing/2016/SVG/main" r:embed="rId9"/>
+              </a:ext>
+            </a:extLst>
+          </a:blip>
+          <a:stretch>
+            <a:fillRect/>
+          </a:stretch>
+        </p:blipFill>
+        <p:spPr>
+          <a:xfrm>
+            <a:off x="143734" y="3234705"/>
+            <a:ext cx="406921" cy="406921"/>
+          </a:xfrm>
+          <a:prstGeom prst="rect">
+            <a:avLst/>
+          </a:prstGeom>
+        </p:spPr>
+      </p:pic>
+      <p:pic>
+        <p:nvPicPr>
+          <p:cNvPr id="57" name="Grafik 56" descr="Benutzer Silhouette">
+            <a:extLst>
+              <a:ext uri="{FF2B5EF4-FFF2-40B4-BE49-F238E27FC236}">
+                <a16:creationId xmlns:a16="http://schemas.microsoft.com/office/drawing/2014/main" id="{FAF1D196-7D05-3E8B-77EB-98DB84254DF3}"/>
+              </a:ext>
+            </a:extLst>
+          </p:cNvPr>
+          <p:cNvPicPr>
+            <a:picLocks noChangeAspect="1"/>
+          </p:cNvPicPr>
+          <p:nvPr/>
+        </p:nvPicPr>
+        <p:blipFill>
+          <a:blip r:embed="rId10">
+            <a:extLst>
+              <a:ext uri="{28A0092B-C50C-407E-A947-70E740481C1C}">
+                <a14:useLocalDpi xmlns:a14="http://schemas.microsoft.com/office/drawing/2010/main" val="0"/>
+              </a:ext>
+              <a:ext uri="{96DAC541-7B7A-43D3-8B79-37D633B846F1}">
+                <asvg:svgBlip xmlns:asvg="http://schemas.microsoft.com/office/drawing/2016/SVG/main" r:embed="rId11"/>
+              </a:ext>
+            </a:extLst>
+          </a:blip>
+          <a:stretch>
+            <a:fillRect/>
+          </a:stretch>
+        </p:blipFill>
+        <p:spPr>
+          <a:xfrm>
+            <a:off x="147949" y="4415609"/>
+            <a:ext cx="406921" cy="406921"/>
+          </a:xfrm>
+          <a:prstGeom prst="rect">
+            <a:avLst/>
+          </a:prstGeom>
+        </p:spPr>
+      </p:pic>
+    </p:spTree>
+    <p:extLst>
+      <p:ext uri="{BB962C8B-B14F-4D97-AF65-F5344CB8AC3E}">
+        <p14:creationId xmlns:p14="http://schemas.microsoft.com/office/powerpoint/2010/main" val="2494335024"/>
+      </p:ext>
+    </p:extLst>
+  </p:cSld>
+  <p:clrMapOvr>
+    <a:masterClrMapping/>
+  </p:clrMapOvr>
+</p:sld>
+</file>
+
+<file path=ppt/slides/slide14.xml><?xml version="1.0" encoding="utf-8"?>
+<p:sld xmlns:a="http://schemas.openxmlformats.org/drawingml/2006/main" xmlns:r="http://schemas.openxmlformats.org/officeDocument/2006/relationships" xmlns:p="http://schemas.openxmlformats.org/presentationml/2006/main">
+  <p:cSld>
+    <p:bg>
+      <p:bgPr>
+        <a:gradFill flip="none" rotWithShape="1">
+          <a:gsLst>
+            <a:gs pos="28571">
+              <a:schemeClr val="accent1">
+                <a:lumMod val="5000"/>
+                <a:lumOff val="95000"/>
+                <a:alpha val="54000"/>
+              </a:schemeClr>
+            </a:gs>
+            <a:gs pos="79000">
+              <a:srgbClr val="8CD0F4">
+                <a:alpha val="50000"/>
+                <a:lumMod val="72000"/>
+                <a:lumOff val="28000"/>
+              </a:srgbClr>
+            </a:gs>
+            <a:gs pos="100000">
+              <a:srgbClr val="10A1EA">
+                <a:alpha val="26000"/>
+                <a:lumMod val="73000"/>
+                <a:lumOff val="27000"/>
+              </a:srgbClr>
+            </a:gs>
+          </a:gsLst>
+          <a:lin ang="2700000" scaled="1"/>
+          <a:tileRect/>
+        </a:gradFill>
+        <a:effectLst/>
+      </p:bgPr>
+    </p:bg>
+    <p:spTree>
+      <p:nvGrpSpPr>
+        <p:cNvPr id="1" name=""/>
+        <p:cNvGrpSpPr/>
+        <p:nvPr/>
+      </p:nvGrpSpPr>
+      <p:grpSpPr>
+        <a:xfrm>
+          <a:off x="0" y="0"/>
+          <a:ext cx="0" cy="0"/>
+          <a:chOff x="0" y="0"/>
+          <a:chExt cx="0" cy="0"/>
+        </a:xfrm>
+      </p:grpSpPr>
+      <p:sp>
+        <p:nvSpPr>
+          <p:cNvPr id="9" name="Datumsplatzhalter 8">
+            <a:extLst>
+              <a:ext uri="{FF2B5EF4-FFF2-40B4-BE49-F238E27FC236}">
+                <a16:creationId xmlns:a16="http://schemas.microsoft.com/office/drawing/2014/main" id="{B2E44AFA-B29A-4513-B164-74DF574E302B}"/>
+              </a:ext>
+            </a:extLst>
+          </p:cNvPr>
+          <p:cNvSpPr>
+            <a:spLocks noGrp="1"/>
+          </p:cNvSpPr>
+          <p:nvPr>
+            <p:ph type="dt" sz="half" idx="10"/>
+          </p:nvPr>
+        </p:nvSpPr>
+        <p:spPr>
+          <a:xfrm>
+            <a:off x="628650" y="5357247"/>
+            <a:ext cx="2057400" cy="304271"/>
+          </a:xfrm>
+        </p:spPr>
+        <p:txBody>
+          <a:bodyPr/>
+          <a:lstStyle/>
+          <a:p>
+            <a:fld id="{4ABD6D1D-9BE7-4B6A-B4D1-FD497C782274}" type="datetime1">
+              <a:rPr lang="de-DE" smtClean="0">
+                <a:solidFill>
+                  <a:srgbClr val="2E4186"/>
+                </a:solidFill>
+              </a:rPr>
+              <a:t>16.05.2022</a:t>
+            </a:fld>
+            <a:endParaRPr lang="de-DE" dirty="0">
+              <a:solidFill>
+                <a:srgbClr val="2E4186"/>
+              </a:solidFill>
+            </a:endParaRPr>
+          </a:p>
+        </p:txBody>
+      </p:sp>
+      <p:sp>
+        <p:nvSpPr>
+          <p:cNvPr id="13" name="Textfeld 12">
+            <a:extLst>
+              <a:ext uri="{FF2B5EF4-FFF2-40B4-BE49-F238E27FC236}">
+                <a16:creationId xmlns:a16="http://schemas.microsoft.com/office/drawing/2014/main" id="{88E434CB-53F2-43DE-989A-34F83773913E}"/>
+              </a:ext>
+            </a:extLst>
+          </p:cNvPr>
+          <p:cNvSpPr txBox="1"/>
+          <p:nvPr/>
+        </p:nvSpPr>
+        <p:spPr>
+          <a:xfrm>
+            <a:off x="855423" y="295945"/>
+            <a:ext cx="7187979" cy="584775"/>
+          </a:xfrm>
+          <a:prstGeom prst="rect">
+            <a:avLst/>
+          </a:prstGeom>
+          <a:noFill/>
+        </p:spPr>
+        <p:txBody>
+          <a:bodyPr wrap="square" rtlCol="0">
+            <a:spAutoFit/>
+          </a:bodyPr>
+          <a:lstStyle/>
+          <a:p>
+            <a:r>
+              <a:rPr lang="de-DE" sz="3200" dirty="0">
+                <a:latin typeface="+mj-lt"/>
+              </a:rPr>
+              <a:t>Team/</a:t>
+            </a:r>
+            <a:r>
+              <a:rPr lang="de-DE" sz="3200">
+                <a:latin typeface="+mj-lt"/>
+              </a:rPr>
+              <a:t>Roles</a:t>
+            </a:r>
+            <a:endParaRPr lang="de-DE" sz="3200" dirty="0">
+              <a:latin typeface="+mj-lt"/>
+            </a:endParaRPr>
+          </a:p>
+        </p:txBody>
+      </p:sp>
+      <p:cxnSp>
+        <p:nvCxnSpPr>
+          <p:cNvPr id="14" name="Gerader Verbinder 13">
+            <a:extLst>
+              <a:ext uri="{FF2B5EF4-FFF2-40B4-BE49-F238E27FC236}">
+                <a16:creationId xmlns:a16="http://schemas.microsoft.com/office/drawing/2014/main" id="{1CDE483F-007A-4AB6-9094-9439F0148193}"/>
+              </a:ext>
+            </a:extLst>
+          </p:cNvPr>
+          <p:cNvCxnSpPr>
+            <a:cxnSpLocks/>
+          </p:cNvCxnSpPr>
+          <p:nvPr/>
+        </p:nvCxnSpPr>
+        <p:spPr>
+          <a:xfrm>
+            <a:off x="726619" y="849404"/>
+            <a:ext cx="6854981" cy="0"/>
+          </a:xfrm>
+          <a:prstGeom prst="line">
+            <a:avLst/>
+          </a:prstGeom>
+          <a:ln>
+            <a:solidFill>
+              <a:srgbClr val="10A1EA"/>
+            </a:solidFill>
+          </a:ln>
+        </p:spPr>
+        <p:style>
+          <a:lnRef idx="1">
+            <a:schemeClr val="accent1"/>
+          </a:lnRef>
+          <a:fillRef idx="0">
+            <a:schemeClr val="accent1"/>
+          </a:fillRef>
+          <a:effectRef idx="0">
+            <a:schemeClr val="accent1"/>
+          </a:effectRef>
+          <a:fontRef idx="minor">
+            <a:schemeClr val="tx1"/>
+          </a:fontRef>
+        </p:style>
+      </p:cxnSp>
+      <p:sp>
+        <p:nvSpPr>
+          <p:cNvPr id="24" name="Rechteck 23">
+            <a:extLst>
+              <a:ext uri="{FF2B5EF4-FFF2-40B4-BE49-F238E27FC236}">
+                <a16:creationId xmlns:a16="http://schemas.microsoft.com/office/drawing/2014/main" id="{85AA2DAF-4E4E-60E3-5793-E5162487086D}"/>
+              </a:ext>
+            </a:extLst>
+          </p:cNvPr>
+          <p:cNvSpPr/>
+          <p:nvPr/>
+        </p:nvSpPr>
+        <p:spPr>
+          <a:xfrm>
+            <a:off x="152780" y="0"/>
+            <a:ext cx="406921" cy="5715000"/>
+          </a:xfrm>
+          <a:prstGeom prst="rect">
+            <a:avLst/>
+          </a:prstGeom>
+          <a:gradFill>
+            <a:gsLst>
+              <a:gs pos="5000">
+                <a:schemeClr val="bg1">
+                  <a:alpha val="91000"/>
+                </a:schemeClr>
+              </a:gs>
+              <a:gs pos="98000">
+                <a:schemeClr val="bg1"/>
+              </a:gs>
+              <a:gs pos="94000">
+                <a:srgbClr val="12D4E8"/>
+              </a:gs>
+              <a:gs pos="90000">
+                <a:srgbClr val="10A1EA"/>
+              </a:gs>
+              <a:gs pos="54000">
+                <a:srgbClr val="12D4E8"/>
+              </a:gs>
+              <a:gs pos="77000">
+                <a:srgbClr val="175CF5"/>
+              </a:gs>
+              <a:gs pos="68000">
+                <a:srgbClr val="10A1EA"/>
+              </a:gs>
+              <a:gs pos="85000">
+                <a:srgbClr val="175CF5"/>
+              </a:gs>
+            </a:gsLst>
+            <a:lin ang="5400000" scaled="1"/>
+          </a:gradFill>
+          <a:ln>
+            <a:noFill/>
+          </a:ln>
+          <a:effectLst>
+            <a:softEdge rad="38100"/>
+          </a:effectLst>
+        </p:spPr>
+        <p:style>
+          <a:lnRef idx="2">
+            <a:schemeClr val="accent1">
+              <a:shade val="50000"/>
+            </a:schemeClr>
+          </a:lnRef>
+          <a:fillRef idx="1">
+            <a:schemeClr val="accent1"/>
+          </a:fillRef>
+          <a:effectRef idx="0">
+            <a:schemeClr val="accent1"/>
+          </a:effectRef>
+          <a:fontRef idx="minor">
+            <a:schemeClr val="lt1"/>
+          </a:fontRef>
+        </p:style>
+        <p:txBody>
+          <a:bodyPr rot="0" spcFirstLastPara="0" vert="horz" wrap="square" lIns="91440" tIns="45720" rIns="91440" bIns="45720" numCol="1" spcCol="0" rtlCol="0" fromWordArt="0" anchor="ctr" anchorCtr="0" forceAA="0" compatLnSpc="1">
+            <a:prstTxWarp prst="textNoShape">
+              <a:avLst/>
+            </a:prstTxWarp>
+            <a:noAutofit/>
+          </a:bodyPr>
+          <a:lstStyle/>
+          <a:p>
+            <a:endParaRPr lang="de-DE"/>
+          </a:p>
+        </p:txBody>
+      </p:sp>
+      <p:sp>
+        <p:nvSpPr>
+          <p:cNvPr id="2" name="Foliennummernplatzhalter 1">
+            <a:extLst>
+              <a:ext uri="{FF2B5EF4-FFF2-40B4-BE49-F238E27FC236}">
+                <a16:creationId xmlns:a16="http://schemas.microsoft.com/office/drawing/2014/main" id="{7127E193-062B-1452-70A0-30F77337207F}"/>
+              </a:ext>
+            </a:extLst>
+          </p:cNvPr>
+          <p:cNvSpPr>
+            <a:spLocks noGrp="1"/>
+          </p:cNvSpPr>
+          <p:nvPr>
+            <p:ph type="sldNum" sz="quarter" idx="12"/>
+          </p:nvPr>
+        </p:nvSpPr>
+        <p:spPr>
+          <a:xfrm>
+            <a:off x="6774750" y="5325759"/>
+            <a:ext cx="2057400" cy="304271"/>
+          </a:xfrm>
+        </p:spPr>
+        <p:txBody>
+          <a:bodyPr/>
+          <a:lstStyle/>
+          <a:p>
+            <a:fld id="{D3D8A29C-259F-45D5-BFFA-A48772AC905C}" type="slidenum">
+              <a:rPr lang="de-DE" smtClean="0">
+                <a:solidFill>
+                  <a:srgbClr val="2E4186"/>
+                </a:solidFill>
+              </a:rPr>
+              <a:t>14</a:t>
+            </a:fld>
+            <a:endParaRPr lang="de-DE" dirty="0">
+              <a:solidFill>
+                <a:srgbClr val="2E4186"/>
+              </a:solidFill>
+            </a:endParaRPr>
+          </a:p>
+        </p:txBody>
+      </p:sp>
+      <p:cxnSp>
+        <p:nvCxnSpPr>
+          <p:cNvPr id="23" name="Gerader Verbinder 22">
+            <a:extLst>
+              <a:ext uri="{FF2B5EF4-FFF2-40B4-BE49-F238E27FC236}">
+                <a16:creationId xmlns:a16="http://schemas.microsoft.com/office/drawing/2014/main" id="{F400FDB4-FD57-FB87-F549-2AF5E6E1AE51}"/>
+              </a:ext>
+            </a:extLst>
+          </p:cNvPr>
+          <p:cNvCxnSpPr>
+            <a:cxnSpLocks/>
+          </p:cNvCxnSpPr>
+          <p:nvPr/>
+        </p:nvCxnSpPr>
+        <p:spPr>
+          <a:xfrm flipH="1">
+            <a:off x="8832150" y="4805914"/>
+            <a:ext cx="311850" cy="909086"/>
+          </a:xfrm>
+          <a:prstGeom prst="line">
+            <a:avLst/>
+          </a:prstGeom>
+          <a:ln>
+            <a:solidFill>
+              <a:srgbClr val="10A1EA"/>
+            </a:solidFill>
+          </a:ln>
+        </p:spPr>
+        <p:style>
+          <a:lnRef idx="1">
+            <a:schemeClr val="accent1"/>
+          </a:lnRef>
+          <a:fillRef idx="0">
+            <a:schemeClr val="accent1"/>
+          </a:fillRef>
+          <a:effectRef idx="0">
+            <a:schemeClr val="accent1"/>
+          </a:effectRef>
+          <a:fontRef idx="minor">
+            <a:schemeClr val="tx1"/>
+          </a:fontRef>
+        </p:style>
+      </p:cxnSp>
+      <p:pic>
+        <p:nvPicPr>
+          <p:cNvPr id="39" name="Grafik 38">
+            <a:extLst>
+              <a:ext uri="{FF2B5EF4-FFF2-40B4-BE49-F238E27FC236}">
+                <a16:creationId xmlns:a16="http://schemas.microsoft.com/office/drawing/2014/main" id="{83A8EE2E-0954-6F9A-1734-5FCF5AFB3FA0}"/>
+              </a:ext>
+            </a:extLst>
+          </p:cNvPr>
+          <p:cNvPicPr>
+            <a:picLocks noChangeAspect="1"/>
+          </p:cNvPicPr>
+          <p:nvPr/>
+        </p:nvPicPr>
+        <p:blipFill>
+          <a:blip r:embed="rId3"/>
+          <a:stretch>
+            <a:fillRect/>
+          </a:stretch>
+        </p:blipFill>
+        <p:spPr>
+          <a:xfrm>
+            <a:off x="7644639" y="107468"/>
+            <a:ext cx="1385921" cy="1236316"/>
+          </a:xfrm>
+          <a:prstGeom prst="rect">
+            <a:avLst/>
+          </a:prstGeom>
+        </p:spPr>
+      </p:pic>
+      <p:cxnSp>
+        <p:nvCxnSpPr>
+          <p:cNvPr id="42" name="Gerader Verbinder 41">
+            <a:extLst>
+              <a:ext uri="{FF2B5EF4-FFF2-40B4-BE49-F238E27FC236}">
+                <a16:creationId xmlns:a16="http://schemas.microsoft.com/office/drawing/2014/main" id="{916F5C3D-50C3-059D-6772-1DD70D5E9604}"/>
+              </a:ext>
+            </a:extLst>
+          </p:cNvPr>
+          <p:cNvCxnSpPr>
+            <a:cxnSpLocks/>
+          </p:cNvCxnSpPr>
+          <p:nvPr/>
+        </p:nvCxnSpPr>
+        <p:spPr>
+          <a:xfrm>
+            <a:off x="628650" y="5378847"/>
+            <a:ext cx="7414752" cy="0"/>
+          </a:xfrm>
+          <a:prstGeom prst="line">
+            <a:avLst/>
+          </a:prstGeom>
+          <a:ln>
+            <a:solidFill>
+              <a:srgbClr val="10A1EA"/>
+            </a:solidFill>
+          </a:ln>
+        </p:spPr>
+        <p:style>
+          <a:lnRef idx="1">
+            <a:schemeClr val="accent1"/>
+          </a:lnRef>
+          <a:fillRef idx="0">
+            <a:schemeClr val="accent1"/>
+          </a:fillRef>
+          <a:effectRef idx="0">
+            <a:schemeClr val="accent1"/>
+          </a:effectRef>
+          <a:fontRef idx="minor">
+            <a:schemeClr val="tx1"/>
+          </a:fontRef>
+        </p:style>
+      </p:cxnSp>
+      <p:pic>
+        <p:nvPicPr>
+          <p:cNvPr id="45" name="Grafik 44" descr="Monatskalender Silhouette">
+            <a:extLst>
+              <a:ext uri="{FF2B5EF4-FFF2-40B4-BE49-F238E27FC236}">
+                <a16:creationId xmlns:a16="http://schemas.microsoft.com/office/drawing/2014/main" id="{ADE41C17-DE6A-3F4F-C168-68D57E9362E4}"/>
+              </a:ext>
+            </a:extLst>
+          </p:cNvPr>
+          <p:cNvPicPr>
+            <a:picLocks noChangeAspect="1"/>
+          </p:cNvPicPr>
+          <p:nvPr/>
+        </p:nvPicPr>
+        <p:blipFill>
+          <a:blip r:embed="rId4">
+            <a:extLst>
+              <a:ext uri="{28A0092B-C50C-407E-A947-70E740481C1C}">
+                <a14:useLocalDpi xmlns:a14="http://schemas.microsoft.com/office/drawing/2010/main" val="0"/>
+              </a:ext>
+              <a:ext uri="{96DAC541-7B7A-43D3-8B79-37D633B846F1}">
+                <asvg:svgBlip xmlns:asvg="http://schemas.microsoft.com/office/drawing/2016/SVG/main" r:embed="rId5"/>
+              </a:ext>
+            </a:extLst>
+          </a:blip>
+          <a:stretch>
+            <a:fillRect/>
+          </a:stretch>
+        </p:blipFill>
+        <p:spPr>
+          <a:xfrm>
+            <a:off x="147948" y="3234705"/>
+            <a:ext cx="406921" cy="406921"/>
+          </a:xfrm>
+          <a:prstGeom prst="rect">
+            <a:avLst/>
+          </a:prstGeom>
+        </p:spPr>
+      </p:pic>
+      <p:pic>
+        <p:nvPicPr>
+          <p:cNvPr id="49" name="Grafik 48" descr="DNA Silhouette">
+            <a:extLst>
+              <a:ext uri="{FF2B5EF4-FFF2-40B4-BE49-F238E27FC236}">
+                <a16:creationId xmlns:a16="http://schemas.microsoft.com/office/drawing/2014/main" id="{6DEF5C3C-BCD8-CE26-6A1F-44421E61A3CA}"/>
+              </a:ext>
+            </a:extLst>
+          </p:cNvPr>
+          <p:cNvPicPr>
+            <a:picLocks noChangeAspect="1"/>
+          </p:cNvPicPr>
+          <p:nvPr/>
+        </p:nvPicPr>
+        <p:blipFill>
+          <a:blip r:embed="rId6">
+            <a:extLst>
+              <a:ext uri="{28A0092B-C50C-407E-A947-70E740481C1C}">
+                <a14:useLocalDpi xmlns:a14="http://schemas.microsoft.com/office/drawing/2010/main" val="0"/>
+              </a:ext>
+              <a:ext uri="{96DAC541-7B7A-43D3-8B79-37D633B846F1}">
+                <asvg:svgBlip xmlns:asvg="http://schemas.microsoft.com/office/drawing/2016/SVG/main" r:embed="rId7"/>
+              </a:ext>
+            </a:extLst>
+          </a:blip>
+          <a:stretch>
+            <a:fillRect/>
+          </a:stretch>
+        </p:blipFill>
+        <p:spPr>
+          <a:xfrm>
+            <a:off x="143735" y="872897"/>
+            <a:ext cx="406921" cy="406921"/>
+          </a:xfrm>
+          <a:prstGeom prst="rect">
+            <a:avLst/>
+          </a:prstGeom>
+        </p:spPr>
+      </p:pic>
+      <p:pic>
+        <p:nvPicPr>
+          <p:cNvPr id="51" name="Grafik 50" descr="Balkendiagramm Silhouette">
+            <a:extLst>
+              <a:ext uri="{FF2B5EF4-FFF2-40B4-BE49-F238E27FC236}">
+                <a16:creationId xmlns:a16="http://schemas.microsoft.com/office/drawing/2014/main" id="{96C3BDE6-7984-B720-4EB5-C4480C42E2EA}"/>
+              </a:ext>
+            </a:extLst>
+          </p:cNvPr>
+          <p:cNvPicPr>
+            <a:picLocks noChangeAspect="1"/>
+          </p:cNvPicPr>
+          <p:nvPr/>
+        </p:nvPicPr>
+        <p:blipFill>
+          <a:blip r:embed="rId8">
+            <a:extLst>
+              <a:ext uri="{28A0092B-C50C-407E-A947-70E740481C1C}">
+                <a14:useLocalDpi xmlns:a14="http://schemas.microsoft.com/office/drawing/2010/main" val="0"/>
+              </a:ext>
+              <a:ext uri="{96DAC541-7B7A-43D3-8B79-37D633B846F1}">
+                <asvg:svgBlip xmlns:asvg="http://schemas.microsoft.com/office/drawing/2016/SVG/main" r:embed="rId9"/>
+              </a:ext>
+            </a:extLst>
+          </a:blip>
+          <a:stretch>
+            <a:fillRect/>
+          </a:stretch>
+        </p:blipFill>
+        <p:spPr>
+          <a:xfrm>
+            <a:off x="156220" y="2053801"/>
+            <a:ext cx="406921" cy="406921"/>
+          </a:xfrm>
+          <a:prstGeom prst="rect">
+            <a:avLst/>
+          </a:prstGeom>
+        </p:spPr>
+      </p:pic>
+      <p:pic>
+        <p:nvPicPr>
+          <p:cNvPr id="59" name="Grafik 58" descr="Benutzer mit einfarbiger Füllung">
+            <a:extLst>
+              <a:ext uri="{FF2B5EF4-FFF2-40B4-BE49-F238E27FC236}">
+                <a16:creationId xmlns:a16="http://schemas.microsoft.com/office/drawing/2014/main" id="{832E687E-297F-D565-971F-3155D8676145}"/>
+              </a:ext>
+            </a:extLst>
+          </p:cNvPr>
+          <p:cNvPicPr>
+            <a:picLocks noChangeAspect="1"/>
+          </p:cNvPicPr>
+          <p:nvPr/>
+        </p:nvPicPr>
+        <p:blipFill>
+          <a:blip r:embed="rId10">
+            <a:extLst>
+              <a:ext uri="{28A0092B-C50C-407E-A947-70E740481C1C}">
+                <a14:useLocalDpi xmlns:a14="http://schemas.microsoft.com/office/drawing/2010/main" val="0"/>
+              </a:ext>
+              <a:ext uri="{96DAC541-7B7A-43D3-8B79-37D633B846F1}">
+                <asvg:svgBlip xmlns:asvg="http://schemas.microsoft.com/office/drawing/2016/SVG/main" r:embed="rId11"/>
+              </a:ext>
+            </a:extLst>
+          </a:blip>
+          <a:stretch>
+            <a:fillRect/>
+          </a:stretch>
+        </p:blipFill>
+        <p:spPr>
+          <a:xfrm>
+            <a:off x="143734" y="4415609"/>
+            <a:ext cx="406921" cy="406921"/>
+          </a:xfrm>
+          <a:prstGeom prst="rect">
+            <a:avLst/>
+          </a:prstGeom>
+        </p:spPr>
+      </p:pic>
+    </p:spTree>
+    <p:extLst>
+      <p:ext uri="{BB962C8B-B14F-4D97-AF65-F5344CB8AC3E}">
+        <p14:creationId xmlns:p14="http://schemas.microsoft.com/office/powerpoint/2010/main" val="497082336"/>
+      </p:ext>
+    </p:extLst>
+  </p:cSld>
+  <p:clrMapOvr>
+    <a:masterClrMapping/>
+  </p:clrMapOvr>
+</p:sld>
+</file>
+
+<file path=ppt/slides/slide15.xml><?xml version="1.0" encoding="utf-8"?>
 <p:sld xmlns:a="http://schemas.openxmlformats.org/drawingml/2006/main" xmlns:r="http://schemas.openxmlformats.org/officeDocument/2006/relationships" xmlns:p="http://schemas.openxmlformats.org/presentationml/2006/main">
   <p:cSld>
     <p:spTree>
@@ -5313,7 +9814,7 @@
                 <a:tabLst/>
                 <a:defRPr/>
               </a:pPr>
-              <a:t>15.05.2022</a:t>
+              <a:t>16.05.2022</a:t>
             </a:fld>
             <a:endParaRPr kumimoji="0" lang="de-DE" sz="900" b="0" i="0" u="none" strike="noStrike" kern="1200" cap="none" spc="0" normalizeH="0" baseline="0" noProof="0" dirty="0">
               <a:ln>
@@ -5663,7 +10164,7 @@
                 <a:tabLst/>
                 <a:defRPr/>
               </a:pPr>
-              <a:t>10</a:t>
+              <a:t>15</a:t>
             </a:fld>
             <a:endParaRPr kumimoji="0" lang="de-DE" sz="900" b="0" i="0" u="none" strike="noStrike" kern="1200" cap="none" spc="0" normalizeH="0" baseline="0" noProof="0" dirty="0">
               <a:ln>
@@ -5969,7 +10470,7 @@
         <p:spPr>
           <a:xfrm>
             <a:off x="513839" y="888373"/>
-            <a:ext cx="3487710" cy="461665"/>
+            <a:ext cx="1831418" cy="830997"/>
           </a:xfrm>
           <a:prstGeom prst="rect">
             <a:avLst/>
@@ -5984,17 +10485,17 @@
           <a:p>
             <a:r>
               <a:rPr lang="en-US" sz="2400" dirty="0"/>
-              <a:t>2. Classes of chemokines</a:t>
+              <a:t>1. Embryonic development </a:t>
             </a:r>
           </a:p>
         </p:txBody>
       </p:sp>
       <p:pic>
         <p:nvPicPr>
-          <p:cNvPr id="3" name="Grafik 2">
-            <a:extLst>
-              <a:ext uri="{FF2B5EF4-FFF2-40B4-BE49-F238E27FC236}">
-                <a16:creationId xmlns:a16="http://schemas.microsoft.com/office/drawing/2014/main" id="{C2B8CCF0-4DA9-02EC-8B02-6BCC13A7AA75}"/>
+          <p:cNvPr id="7" name="Grafik 6">
+            <a:extLst>
+              <a:ext uri="{FF2B5EF4-FFF2-40B4-BE49-F238E27FC236}">
+                <a16:creationId xmlns:a16="http://schemas.microsoft.com/office/drawing/2014/main" id="{17482163-8702-A1F8-2EB9-A965CF0A59D7}"/>
               </a:ext>
             </a:extLst>
           </p:cNvPr>
@@ -6011,20 +10512,154 @@
         </p:blipFill>
         <p:spPr>
           <a:xfrm>
-            <a:off x="3358780" y="1370872"/>
-            <a:ext cx="4285859" cy="3889585"/>
+            <a:off x="716954" y="3179109"/>
+            <a:ext cx="5181600" cy="2152650"/>
           </a:xfrm>
           <a:prstGeom prst="rect">
             <a:avLst/>
           </a:prstGeom>
         </p:spPr>
       </p:pic>
-      <p:sp>
-        <p:nvSpPr>
-          <p:cNvPr id="4" name="Textfeld 3">
-            <a:extLst>
-              <a:ext uri="{FF2B5EF4-FFF2-40B4-BE49-F238E27FC236}">
-                <a16:creationId xmlns:a16="http://schemas.microsoft.com/office/drawing/2014/main" id="{155F1DD3-2EDA-E43E-DFFF-E03BB38DE288}"/>
+      <p:pic>
+        <p:nvPicPr>
+          <p:cNvPr id="10" name="Grafik 9">
+            <a:extLst>
+              <a:ext uri="{FF2B5EF4-FFF2-40B4-BE49-F238E27FC236}">
+                <a16:creationId xmlns:a16="http://schemas.microsoft.com/office/drawing/2014/main" id="{6308888F-68EA-DE24-E3AE-5E857571F4D0}"/>
+              </a:ext>
+            </a:extLst>
+          </p:cNvPr>
+          <p:cNvPicPr>
+            <a:picLocks noChangeAspect="1"/>
+          </p:cNvPicPr>
+          <p:nvPr/>
+        </p:nvPicPr>
+        <p:blipFill>
+          <a:blip r:embed="rId13"/>
+          <a:stretch>
+            <a:fillRect/>
+          </a:stretch>
+        </p:blipFill>
+        <p:spPr>
+          <a:xfrm>
+            <a:off x="2513494" y="941065"/>
+            <a:ext cx="5168257" cy="2152650"/>
+          </a:xfrm>
+          <a:prstGeom prst="rect">
+            <a:avLst/>
+          </a:prstGeom>
+        </p:spPr>
+      </p:pic>
+      <p:sp>
+        <p:nvSpPr>
+          <p:cNvPr id="11" name="Rechteck 10">
+            <a:extLst>
+              <a:ext uri="{FF2B5EF4-FFF2-40B4-BE49-F238E27FC236}">
+                <a16:creationId xmlns:a16="http://schemas.microsoft.com/office/drawing/2014/main" id="{DB5AC42D-1AD2-5784-5C27-A0E25DD6F19C}"/>
+              </a:ext>
+            </a:extLst>
+          </p:cNvPr>
+          <p:cNvSpPr/>
+          <p:nvPr/>
+        </p:nvSpPr>
+        <p:spPr>
+          <a:xfrm>
+            <a:off x="5086187" y="1002847"/>
+            <a:ext cx="2595563" cy="2069078"/>
+          </a:xfrm>
+          <a:prstGeom prst="rect">
+            <a:avLst/>
+          </a:prstGeom>
+          <a:noFill/>
+          <a:ln w="28575">
+            <a:solidFill>
+              <a:srgbClr val="FF0000"/>
+            </a:solidFill>
+          </a:ln>
+        </p:spPr>
+        <p:style>
+          <a:lnRef idx="2">
+            <a:schemeClr val="accent1">
+              <a:shade val="50000"/>
+            </a:schemeClr>
+          </a:lnRef>
+          <a:fillRef idx="1">
+            <a:schemeClr val="accent1"/>
+          </a:fillRef>
+          <a:effectRef idx="0">
+            <a:schemeClr val="accent1"/>
+          </a:effectRef>
+          <a:fontRef idx="minor">
+            <a:schemeClr val="lt1"/>
+          </a:fontRef>
+        </p:style>
+        <p:txBody>
+          <a:bodyPr rtlCol="0" anchor="ctr"/>
+          <a:lstStyle/>
+          <a:p>
+            <a:pPr algn="ctr"/>
+            <a:endParaRPr lang="en-US"/>
+          </a:p>
+        </p:txBody>
+      </p:sp>
+      <p:sp>
+        <p:nvSpPr>
+          <p:cNvPr id="12" name="Rechteck 11">
+            <a:extLst>
+              <a:ext uri="{FF2B5EF4-FFF2-40B4-BE49-F238E27FC236}">
+                <a16:creationId xmlns:a16="http://schemas.microsoft.com/office/drawing/2014/main" id="{9AF83FD7-1555-3BDE-7C81-5CD6F764445A}"/>
+              </a:ext>
+            </a:extLst>
+          </p:cNvPr>
+          <p:cNvSpPr/>
+          <p:nvPr/>
+        </p:nvSpPr>
+        <p:spPr>
+          <a:xfrm>
+            <a:off x="721786" y="3199100"/>
+            <a:ext cx="2600253" cy="2140777"/>
+          </a:xfrm>
+          <a:prstGeom prst="rect">
+            <a:avLst/>
+          </a:prstGeom>
+          <a:noFill/>
+          <a:ln w="28575">
+            <a:solidFill>
+              <a:srgbClr val="FF0000"/>
+            </a:solidFill>
+          </a:ln>
+        </p:spPr>
+        <p:style>
+          <a:lnRef idx="2">
+            <a:schemeClr val="accent1">
+              <a:shade val="50000"/>
+            </a:schemeClr>
+          </a:lnRef>
+          <a:fillRef idx="1">
+            <a:schemeClr val="accent1"/>
+          </a:fillRef>
+          <a:effectRef idx="0">
+            <a:schemeClr val="accent1"/>
+          </a:effectRef>
+          <a:fontRef idx="minor">
+            <a:schemeClr val="lt1"/>
+          </a:fontRef>
+        </p:style>
+        <p:txBody>
+          <a:bodyPr rtlCol="0" anchor="ctr"/>
+          <a:lstStyle/>
+          <a:p>
+            <a:pPr algn="ctr"/>
+            <a:endParaRPr lang="en-US"/>
+          </a:p>
+        </p:txBody>
+      </p:sp>
+      <p:sp>
+        <p:nvSpPr>
+          <p:cNvPr id="15" name="Textfeld 14">
+            <a:extLst>
+              <a:ext uri="{FF2B5EF4-FFF2-40B4-BE49-F238E27FC236}">
+                <a16:creationId xmlns:a16="http://schemas.microsoft.com/office/drawing/2014/main" id="{DB3E2AB2-A001-D3F4-AF15-C9E1FA2FD984}"/>
               </a:ext>
             </a:extLst>
           </p:cNvPr>
@@ -6033,8 +10668,8 @@
         </p:nvSpPr>
         <p:spPr>
           <a:xfrm>
-            <a:off x="7610017" y="1600588"/>
-            <a:ext cx="1181792" cy="577081"/>
+            <a:off x="7155992" y="3209915"/>
+            <a:ext cx="1676158" cy="577081"/>
           </a:xfrm>
           <a:prstGeom prst="rect">
             <a:avLst/>
@@ -6049,7 +10684,7 @@
           <a:p>
             <a:r>
               <a:rPr lang="en-US" sz="1050" dirty="0"/>
-              <a:t>https://www.biolegend.com/chemokine_receptors</a:t>
+              <a:t>https://www.pinterest.de/supermamame/fetus-week-by-week/</a:t>
             </a:r>
           </a:p>
         </p:txBody>
@@ -6057,7 +10692,7 @@
     </p:spTree>
     <p:extLst>
       <p:ext uri="{BB962C8B-B14F-4D97-AF65-F5344CB8AC3E}">
-        <p14:creationId xmlns:p14="http://schemas.microsoft.com/office/powerpoint/2010/main" val="1066574808"/>
+        <p14:creationId xmlns:p14="http://schemas.microsoft.com/office/powerpoint/2010/main" val="4251777698"/>
       </p:ext>
     </p:extLst>
   </p:cSld>
@@ -6067,7 +10702,7 @@
 </p:sld>
 </file>
 
-<file path=ppt/slides/slide2.xml><?xml version="1.0" encoding="utf-8"?>
+<file path=ppt/slides/slide16.xml><?xml version="1.0" encoding="utf-8"?>
 <p:sld xmlns:a="http://schemas.openxmlformats.org/drawingml/2006/main" xmlns:r="http://schemas.openxmlformats.org/officeDocument/2006/relationships" xmlns:p="http://schemas.openxmlformats.org/presentationml/2006/main">
   <p:cSld>
     <p:spTree>
@@ -6159,7 +10794,853 @@
                 <a:tabLst/>
                 <a:defRPr/>
               </a:pPr>
-              <a:t>15.05.2022</a:t>
+              <a:t>16.05.2022</a:t>
+            </a:fld>
+            <a:endParaRPr kumimoji="0" lang="de-DE" sz="900" b="0" i="0" u="none" strike="noStrike" kern="1200" cap="none" spc="0" normalizeH="0" baseline="0" noProof="0" dirty="0">
+              <a:ln>
+                <a:noFill/>
+              </a:ln>
+              <a:solidFill>
+                <a:srgbClr val="2E4186"/>
+              </a:solidFill>
+              <a:effectLst/>
+              <a:uLnTx/>
+              <a:uFillTx/>
+              <a:latin typeface="Calibri" panose="020F0502020204030204"/>
+              <a:ea typeface="+mn-ea"/>
+              <a:cs typeface="+mn-cs"/>
+            </a:endParaRPr>
+          </a:p>
+        </p:txBody>
+      </p:sp>
+      <p:sp>
+        <p:nvSpPr>
+          <p:cNvPr id="13" name="Textfeld 12">
+            <a:extLst>
+              <a:ext uri="{FF2B5EF4-FFF2-40B4-BE49-F238E27FC236}">
+                <a16:creationId xmlns:a16="http://schemas.microsoft.com/office/drawing/2014/main" id="{88E434CB-53F2-43DE-989A-34F83773913E}"/>
+              </a:ext>
+            </a:extLst>
+          </p:cNvPr>
+          <p:cNvSpPr txBox="1"/>
+          <p:nvPr/>
+        </p:nvSpPr>
+        <p:spPr>
+          <a:xfrm>
+            <a:off x="855423" y="295945"/>
+            <a:ext cx="7187979" cy="584775"/>
+          </a:xfrm>
+          <a:prstGeom prst="rect">
+            <a:avLst/>
+          </a:prstGeom>
+          <a:noFill/>
+        </p:spPr>
+        <p:txBody>
+          <a:bodyPr wrap="square" rtlCol="0">
+            <a:spAutoFit/>
+          </a:bodyPr>
+          <a:lstStyle/>
+          <a:p>
+            <a:pPr marL="0" marR="0" lvl="0" indent="0" algn="l" defTabSz="457200" rtl="0" eaLnBrk="1" fontAlgn="auto" latinLnBrk="0" hangingPunct="1">
+              <a:lnSpc>
+                <a:spcPct val="100000"/>
+              </a:lnSpc>
+              <a:spcBef>
+                <a:spcPts val="0"/>
+              </a:spcBef>
+              <a:spcAft>
+                <a:spcPts val="0"/>
+              </a:spcAft>
+              <a:buClrTx/>
+              <a:buSzTx/>
+              <a:buFontTx/>
+              <a:buNone/>
+              <a:tabLst/>
+              <a:defRPr/>
+            </a:pPr>
+            <a:r>
+              <a:rPr kumimoji="0" lang="de-DE" sz="3200" b="0" i="0" u="none" strike="noStrike" kern="1200" cap="none" spc="0" normalizeH="0" baseline="0" noProof="0" dirty="0">
+                <a:ln>
+                  <a:noFill/>
+                </a:ln>
+                <a:solidFill>
+                  <a:prstClr val="black"/>
+                </a:solidFill>
+                <a:effectLst/>
+                <a:uLnTx/>
+                <a:uFillTx/>
+                <a:latin typeface="Calibri Light" panose="020F0302020204030204"/>
+                <a:ea typeface="+mn-ea"/>
+                <a:cs typeface="+mn-cs"/>
+              </a:rPr>
+              <a:t>Biological background- </a:t>
+            </a:r>
+            <a:r>
+              <a:rPr kumimoji="0" lang="de-DE" sz="3200" b="0" i="0" u="none" strike="noStrike" kern="1200" cap="none" spc="0" normalizeH="0" baseline="0" noProof="0" dirty="0" err="1">
+                <a:ln>
+                  <a:noFill/>
+                </a:ln>
+                <a:solidFill>
+                  <a:prstClr val="black"/>
+                </a:solidFill>
+                <a:effectLst/>
+                <a:uLnTx/>
+                <a:uFillTx/>
+                <a:latin typeface="Calibri Light" panose="020F0302020204030204"/>
+                <a:ea typeface="+mn-ea"/>
+                <a:cs typeface="+mn-cs"/>
+              </a:rPr>
+              <a:t>Supplementary</a:t>
+            </a:r>
+            <a:endParaRPr kumimoji="0" lang="de-DE" sz="3200" b="0" i="0" u="none" strike="noStrike" kern="1200" cap="none" spc="0" normalizeH="0" baseline="0" noProof="0" dirty="0">
+              <a:ln>
+                <a:noFill/>
+              </a:ln>
+              <a:solidFill>
+                <a:prstClr val="black"/>
+              </a:solidFill>
+              <a:effectLst/>
+              <a:uLnTx/>
+              <a:uFillTx/>
+              <a:latin typeface="Calibri Light" panose="020F0302020204030204"/>
+              <a:ea typeface="+mn-ea"/>
+              <a:cs typeface="+mn-cs"/>
+            </a:endParaRPr>
+          </a:p>
+        </p:txBody>
+      </p:sp>
+      <p:cxnSp>
+        <p:nvCxnSpPr>
+          <p:cNvPr id="14" name="Gerader Verbinder 13">
+            <a:extLst>
+              <a:ext uri="{FF2B5EF4-FFF2-40B4-BE49-F238E27FC236}">
+                <a16:creationId xmlns:a16="http://schemas.microsoft.com/office/drawing/2014/main" id="{1CDE483F-007A-4AB6-9094-9439F0148193}"/>
+              </a:ext>
+            </a:extLst>
+          </p:cNvPr>
+          <p:cNvCxnSpPr>
+            <a:cxnSpLocks/>
+          </p:cNvCxnSpPr>
+          <p:nvPr/>
+        </p:nvCxnSpPr>
+        <p:spPr>
+          <a:xfrm>
+            <a:off x="726619" y="849404"/>
+            <a:ext cx="6854981" cy="0"/>
+          </a:xfrm>
+          <a:prstGeom prst="line">
+            <a:avLst/>
+          </a:prstGeom>
+          <a:ln>
+            <a:solidFill>
+              <a:srgbClr val="10A1EA"/>
+            </a:solidFill>
+          </a:ln>
+        </p:spPr>
+        <p:style>
+          <a:lnRef idx="1">
+            <a:schemeClr val="accent1"/>
+          </a:lnRef>
+          <a:fillRef idx="0">
+            <a:schemeClr val="accent1"/>
+          </a:fillRef>
+          <a:effectRef idx="0">
+            <a:schemeClr val="accent1"/>
+          </a:effectRef>
+          <a:fontRef idx="minor">
+            <a:schemeClr val="tx1"/>
+          </a:fontRef>
+        </p:style>
+      </p:cxnSp>
+      <p:sp>
+        <p:nvSpPr>
+          <p:cNvPr id="24" name="Rechteck 23">
+            <a:extLst>
+              <a:ext uri="{FF2B5EF4-FFF2-40B4-BE49-F238E27FC236}">
+                <a16:creationId xmlns:a16="http://schemas.microsoft.com/office/drawing/2014/main" id="{85AA2DAF-4E4E-60E3-5793-E5162487086D}"/>
+              </a:ext>
+            </a:extLst>
+          </p:cNvPr>
+          <p:cNvSpPr/>
+          <p:nvPr/>
+        </p:nvSpPr>
+        <p:spPr>
+          <a:xfrm>
+            <a:off x="152780" y="0"/>
+            <a:ext cx="406921" cy="5715000"/>
+          </a:xfrm>
+          <a:prstGeom prst="rect">
+            <a:avLst/>
+          </a:prstGeom>
+          <a:gradFill>
+            <a:gsLst>
+              <a:gs pos="1000">
+                <a:schemeClr val="bg1">
+                  <a:alpha val="91000"/>
+                </a:schemeClr>
+              </a:gs>
+              <a:gs pos="89000">
+                <a:schemeClr val="bg1"/>
+              </a:gs>
+              <a:gs pos="57000">
+                <a:srgbClr val="12D4E8"/>
+              </a:gs>
+              <a:gs pos="30000">
+                <a:srgbClr val="10A1EA"/>
+              </a:gs>
+              <a:gs pos="6000">
+                <a:srgbClr val="12D4E8"/>
+              </a:gs>
+              <a:gs pos="15000">
+                <a:srgbClr val="175CF5"/>
+              </a:gs>
+              <a:gs pos="10000">
+                <a:srgbClr val="10A1EA"/>
+              </a:gs>
+              <a:gs pos="22000">
+                <a:srgbClr val="175CF5"/>
+              </a:gs>
+            </a:gsLst>
+            <a:lin ang="5400000" scaled="1"/>
+          </a:gradFill>
+          <a:ln>
+            <a:noFill/>
+          </a:ln>
+          <a:effectLst>
+            <a:softEdge rad="38100"/>
+          </a:effectLst>
+        </p:spPr>
+        <p:style>
+          <a:lnRef idx="2">
+            <a:schemeClr val="accent1">
+              <a:shade val="50000"/>
+            </a:schemeClr>
+          </a:lnRef>
+          <a:fillRef idx="1">
+            <a:schemeClr val="accent1"/>
+          </a:fillRef>
+          <a:effectRef idx="0">
+            <a:schemeClr val="accent1"/>
+          </a:effectRef>
+          <a:fontRef idx="minor">
+            <a:schemeClr val="lt1"/>
+          </a:fontRef>
+        </p:style>
+        <p:txBody>
+          <a:bodyPr rot="0" spcFirstLastPara="0" vert="horz" wrap="square" lIns="91440" tIns="45720" rIns="91440" bIns="45720" numCol="1" spcCol="0" rtlCol="0" fromWordArt="0" anchor="ctr" anchorCtr="0" forceAA="0" compatLnSpc="1">
+            <a:prstTxWarp prst="textNoShape">
+              <a:avLst/>
+            </a:prstTxWarp>
+            <a:noAutofit/>
+          </a:bodyPr>
+          <a:lstStyle/>
+          <a:p>
+            <a:pPr marL="0" marR="0" lvl="0" indent="0" algn="l" defTabSz="457200" rtl="0" eaLnBrk="1" fontAlgn="auto" latinLnBrk="0" hangingPunct="1">
+              <a:lnSpc>
+                <a:spcPct val="100000"/>
+              </a:lnSpc>
+              <a:spcBef>
+                <a:spcPts val="0"/>
+              </a:spcBef>
+              <a:spcAft>
+                <a:spcPts val="0"/>
+              </a:spcAft>
+              <a:buClrTx/>
+              <a:buSzTx/>
+              <a:buFontTx/>
+              <a:buNone/>
+              <a:tabLst/>
+              <a:defRPr/>
+            </a:pPr>
+            <a:endParaRPr kumimoji="0" lang="de-DE" sz="1800" b="0" i="0" u="none" strike="noStrike" kern="1200" cap="none" spc="0" normalizeH="0" baseline="0" noProof="0">
+              <a:ln>
+                <a:noFill/>
+              </a:ln>
+              <a:solidFill>
+                <a:prstClr val="white"/>
+              </a:solidFill>
+              <a:effectLst/>
+              <a:uLnTx/>
+              <a:uFillTx/>
+              <a:latin typeface="Calibri" panose="020F0502020204030204"/>
+              <a:ea typeface="+mn-ea"/>
+              <a:cs typeface="+mn-cs"/>
+            </a:endParaRPr>
+          </a:p>
+        </p:txBody>
+      </p:sp>
+      <p:sp>
+        <p:nvSpPr>
+          <p:cNvPr id="2" name="Foliennummernplatzhalter 1">
+            <a:extLst>
+              <a:ext uri="{FF2B5EF4-FFF2-40B4-BE49-F238E27FC236}">
+                <a16:creationId xmlns:a16="http://schemas.microsoft.com/office/drawing/2014/main" id="{7127E193-062B-1452-70A0-30F77337207F}"/>
+              </a:ext>
+            </a:extLst>
+          </p:cNvPr>
+          <p:cNvSpPr>
+            <a:spLocks noGrp="1"/>
+          </p:cNvSpPr>
+          <p:nvPr>
+            <p:ph type="sldNum" sz="quarter" idx="12"/>
+          </p:nvPr>
+        </p:nvSpPr>
+        <p:spPr>
+          <a:xfrm>
+            <a:off x="6774750" y="5325759"/>
+            <a:ext cx="2057400" cy="304271"/>
+          </a:xfrm>
+        </p:spPr>
+        <p:txBody>
+          <a:bodyPr/>
+          <a:lstStyle/>
+          <a:p>
+            <a:pPr marL="0" marR="0" lvl="0" indent="0" algn="r" defTabSz="457200" rtl="0" eaLnBrk="1" fontAlgn="auto" latinLnBrk="0" hangingPunct="1">
+              <a:lnSpc>
+                <a:spcPct val="100000"/>
+              </a:lnSpc>
+              <a:spcBef>
+                <a:spcPts val="0"/>
+              </a:spcBef>
+              <a:spcAft>
+                <a:spcPts val="0"/>
+              </a:spcAft>
+              <a:buClrTx/>
+              <a:buSzTx/>
+              <a:buFontTx/>
+              <a:buNone/>
+              <a:tabLst/>
+              <a:defRPr/>
+            </a:pPr>
+            <a:fld id="{D3D8A29C-259F-45D5-BFFA-A48772AC905C}" type="slidenum">
+              <a:rPr kumimoji="0" lang="de-DE" sz="900" b="0" i="0" u="none" strike="noStrike" kern="1200" cap="none" spc="0" normalizeH="0" baseline="0" noProof="0" smtClean="0">
+                <a:ln>
+                  <a:noFill/>
+                </a:ln>
+                <a:solidFill>
+                  <a:srgbClr val="2E4186"/>
+                </a:solidFill>
+                <a:effectLst/>
+                <a:uLnTx/>
+                <a:uFillTx/>
+                <a:latin typeface="Calibri" panose="020F0502020204030204"/>
+                <a:ea typeface="+mn-ea"/>
+                <a:cs typeface="+mn-cs"/>
+              </a:rPr>
+              <a:pPr marL="0" marR="0" lvl="0" indent="0" algn="r" defTabSz="457200" rtl="0" eaLnBrk="1" fontAlgn="auto" latinLnBrk="0" hangingPunct="1">
+                <a:lnSpc>
+                  <a:spcPct val="100000"/>
+                </a:lnSpc>
+                <a:spcBef>
+                  <a:spcPts val="0"/>
+                </a:spcBef>
+                <a:spcAft>
+                  <a:spcPts val="0"/>
+                </a:spcAft>
+                <a:buClrTx/>
+                <a:buSzTx/>
+                <a:buFontTx/>
+                <a:buNone/>
+                <a:tabLst/>
+                <a:defRPr/>
+              </a:pPr>
+              <a:t>16</a:t>
+            </a:fld>
+            <a:endParaRPr kumimoji="0" lang="de-DE" sz="900" b="0" i="0" u="none" strike="noStrike" kern="1200" cap="none" spc="0" normalizeH="0" baseline="0" noProof="0" dirty="0">
+              <a:ln>
+                <a:noFill/>
+              </a:ln>
+              <a:solidFill>
+                <a:srgbClr val="2E4186"/>
+              </a:solidFill>
+              <a:effectLst/>
+              <a:uLnTx/>
+              <a:uFillTx/>
+              <a:latin typeface="Calibri" panose="020F0502020204030204"/>
+              <a:ea typeface="+mn-ea"/>
+              <a:cs typeface="+mn-cs"/>
+            </a:endParaRPr>
+          </a:p>
+        </p:txBody>
+      </p:sp>
+      <p:cxnSp>
+        <p:nvCxnSpPr>
+          <p:cNvPr id="23" name="Gerader Verbinder 22">
+            <a:extLst>
+              <a:ext uri="{FF2B5EF4-FFF2-40B4-BE49-F238E27FC236}">
+                <a16:creationId xmlns:a16="http://schemas.microsoft.com/office/drawing/2014/main" id="{F400FDB4-FD57-FB87-F549-2AF5E6E1AE51}"/>
+              </a:ext>
+            </a:extLst>
+          </p:cNvPr>
+          <p:cNvCxnSpPr>
+            <a:cxnSpLocks/>
+          </p:cNvCxnSpPr>
+          <p:nvPr/>
+        </p:nvCxnSpPr>
+        <p:spPr>
+          <a:xfrm flipH="1">
+            <a:off x="8832150" y="4805914"/>
+            <a:ext cx="311850" cy="909086"/>
+          </a:xfrm>
+          <a:prstGeom prst="line">
+            <a:avLst/>
+          </a:prstGeom>
+          <a:ln>
+            <a:solidFill>
+              <a:srgbClr val="10A1EA"/>
+            </a:solidFill>
+          </a:ln>
+        </p:spPr>
+        <p:style>
+          <a:lnRef idx="1">
+            <a:schemeClr val="accent1"/>
+          </a:lnRef>
+          <a:fillRef idx="0">
+            <a:schemeClr val="accent1"/>
+          </a:fillRef>
+          <a:effectRef idx="0">
+            <a:schemeClr val="accent1"/>
+          </a:effectRef>
+          <a:fontRef idx="minor">
+            <a:schemeClr val="tx1"/>
+          </a:fontRef>
+        </p:style>
+      </p:cxnSp>
+      <p:pic>
+        <p:nvPicPr>
+          <p:cNvPr id="39" name="Grafik 38">
+            <a:extLst>
+              <a:ext uri="{FF2B5EF4-FFF2-40B4-BE49-F238E27FC236}">
+                <a16:creationId xmlns:a16="http://schemas.microsoft.com/office/drawing/2014/main" id="{83A8EE2E-0954-6F9A-1734-5FCF5AFB3FA0}"/>
+              </a:ext>
+            </a:extLst>
+          </p:cNvPr>
+          <p:cNvPicPr>
+            <a:picLocks noChangeAspect="1"/>
+          </p:cNvPicPr>
+          <p:nvPr/>
+        </p:nvPicPr>
+        <p:blipFill>
+          <a:blip r:embed="rId3"/>
+          <a:stretch>
+            <a:fillRect/>
+          </a:stretch>
+        </p:blipFill>
+        <p:spPr>
+          <a:xfrm>
+            <a:off x="7644639" y="107468"/>
+            <a:ext cx="1385921" cy="1236316"/>
+          </a:xfrm>
+          <a:prstGeom prst="rect">
+            <a:avLst/>
+          </a:prstGeom>
+        </p:spPr>
+      </p:pic>
+      <p:cxnSp>
+        <p:nvCxnSpPr>
+          <p:cNvPr id="42" name="Gerader Verbinder 41">
+            <a:extLst>
+              <a:ext uri="{FF2B5EF4-FFF2-40B4-BE49-F238E27FC236}">
+                <a16:creationId xmlns:a16="http://schemas.microsoft.com/office/drawing/2014/main" id="{916F5C3D-50C3-059D-6772-1DD70D5E9604}"/>
+              </a:ext>
+            </a:extLst>
+          </p:cNvPr>
+          <p:cNvCxnSpPr>
+            <a:cxnSpLocks/>
+          </p:cNvCxnSpPr>
+          <p:nvPr/>
+        </p:nvCxnSpPr>
+        <p:spPr>
+          <a:xfrm>
+            <a:off x="628650" y="5378847"/>
+            <a:ext cx="7414752" cy="0"/>
+          </a:xfrm>
+          <a:prstGeom prst="line">
+            <a:avLst/>
+          </a:prstGeom>
+          <a:ln>
+            <a:solidFill>
+              <a:srgbClr val="10A1EA"/>
+            </a:solidFill>
+          </a:ln>
+        </p:spPr>
+        <p:style>
+          <a:lnRef idx="1">
+            <a:schemeClr val="accent1"/>
+          </a:lnRef>
+          <a:fillRef idx="0">
+            <a:schemeClr val="accent1"/>
+          </a:fillRef>
+          <a:effectRef idx="0">
+            <a:schemeClr val="accent1"/>
+          </a:effectRef>
+          <a:fontRef idx="minor">
+            <a:schemeClr val="tx1"/>
+          </a:fontRef>
+        </p:style>
+      </p:cxnSp>
+      <p:pic>
+        <p:nvPicPr>
+          <p:cNvPr id="45" name="Grafik 44" descr="Monatskalender Silhouette">
+            <a:extLst>
+              <a:ext uri="{FF2B5EF4-FFF2-40B4-BE49-F238E27FC236}">
+                <a16:creationId xmlns:a16="http://schemas.microsoft.com/office/drawing/2014/main" id="{ADE41C17-DE6A-3F4F-C168-68D57E9362E4}"/>
+              </a:ext>
+            </a:extLst>
+          </p:cNvPr>
+          <p:cNvPicPr>
+            <a:picLocks noChangeAspect="1"/>
+          </p:cNvPicPr>
+          <p:nvPr/>
+        </p:nvPicPr>
+        <p:blipFill>
+          <a:blip r:embed="rId4">
+            <a:extLst>
+              <a:ext uri="{28A0092B-C50C-407E-A947-70E740481C1C}">
+                <a14:useLocalDpi xmlns:a14="http://schemas.microsoft.com/office/drawing/2010/main" val="0"/>
+              </a:ext>
+              <a:ext uri="{96DAC541-7B7A-43D3-8B79-37D633B846F1}">
+                <asvg:svgBlip xmlns:asvg="http://schemas.microsoft.com/office/drawing/2016/SVG/main" r:embed="rId5"/>
+              </a:ext>
+            </a:extLst>
+          </a:blip>
+          <a:stretch>
+            <a:fillRect/>
+          </a:stretch>
+        </p:blipFill>
+        <p:spPr>
+          <a:xfrm>
+            <a:off x="147948" y="3234705"/>
+            <a:ext cx="406921" cy="406921"/>
+          </a:xfrm>
+          <a:prstGeom prst="rect">
+            <a:avLst/>
+          </a:prstGeom>
+        </p:spPr>
+      </p:pic>
+      <p:pic>
+        <p:nvPicPr>
+          <p:cNvPr id="47" name="Grafik 46" descr="DNA mit einfarbiger Füllung">
+            <a:extLst>
+              <a:ext uri="{FF2B5EF4-FFF2-40B4-BE49-F238E27FC236}">
+                <a16:creationId xmlns:a16="http://schemas.microsoft.com/office/drawing/2014/main" id="{E6445AF2-A601-F24F-39D8-B822D387361F}"/>
+              </a:ext>
+            </a:extLst>
+          </p:cNvPr>
+          <p:cNvPicPr>
+            <a:picLocks noChangeAspect="1"/>
+          </p:cNvPicPr>
+          <p:nvPr/>
+        </p:nvPicPr>
+        <p:blipFill>
+          <a:blip r:embed="rId6">
+            <a:extLst>
+              <a:ext uri="{28A0092B-C50C-407E-A947-70E740481C1C}">
+                <a14:useLocalDpi xmlns:a14="http://schemas.microsoft.com/office/drawing/2010/main" val="0"/>
+              </a:ext>
+              <a:ext uri="{96DAC541-7B7A-43D3-8B79-37D633B846F1}">
+                <asvg:svgBlip xmlns:asvg="http://schemas.microsoft.com/office/drawing/2016/SVG/main" r:embed="rId7"/>
+              </a:ext>
+            </a:extLst>
+          </a:blip>
+          <a:stretch>
+            <a:fillRect/>
+          </a:stretch>
+        </p:blipFill>
+        <p:spPr>
+          <a:xfrm>
+            <a:off x="147947" y="872897"/>
+            <a:ext cx="406921" cy="406921"/>
+          </a:xfrm>
+          <a:prstGeom prst="rect">
+            <a:avLst/>
+          </a:prstGeom>
+        </p:spPr>
+      </p:pic>
+      <p:pic>
+        <p:nvPicPr>
+          <p:cNvPr id="51" name="Grafik 50" descr="Balkendiagramm Silhouette">
+            <a:extLst>
+              <a:ext uri="{FF2B5EF4-FFF2-40B4-BE49-F238E27FC236}">
+                <a16:creationId xmlns:a16="http://schemas.microsoft.com/office/drawing/2014/main" id="{96C3BDE6-7984-B720-4EB5-C4480C42E2EA}"/>
+              </a:ext>
+            </a:extLst>
+          </p:cNvPr>
+          <p:cNvPicPr>
+            <a:picLocks noChangeAspect="1"/>
+          </p:cNvPicPr>
+          <p:nvPr/>
+        </p:nvPicPr>
+        <p:blipFill>
+          <a:blip r:embed="rId8">
+            <a:extLst>
+              <a:ext uri="{28A0092B-C50C-407E-A947-70E740481C1C}">
+                <a14:useLocalDpi xmlns:a14="http://schemas.microsoft.com/office/drawing/2010/main" val="0"/>
+              </a:ext>
+              <a:ext uri="{96DAC541-7B7A-43D3-8B79-37D633B846F1}">
+                <asvg:svgBlip xmlns:asvg="http://schemas.microsoft.com/office/drawing/2016/SVG/main" r:embed="rId9"/>
+              </a:ext>
+            </a:extLst>
+          </a:blip>
+          <a:stretch>
+            <a:fillRect/>
+          </a:stretch>
+        </p:blipFill>
+        <p:spPr>
+          <a:xfrm>
+            <a:off x="156220" y="2053801"/>
+            <a:ext cx="406921" cy="406921"/>
+          </a:xfrm>
+          <a:prstGeom prst="rect">
+            <a:avLst/>
+          </a:prstGeom>
+        </p:spPr>
+      </p:pic>
+      <p:pic>
+        <p:nvPicPr>
+          <p:cNvPr id="57" name="Grafik 56" descr="Benutzer Silhouette">
+            <a:extLst>
+              <a:ext uri="{FF2B5EF4-FFF2-40B4-BE49-F238E27FC236}">
+                <a16:creationId xmlns:a16="http://schemas.microsoft.com/office/drawing/2014/main" id="{FAF1D196-7D05-3E8B-77EB-98DB84254DF3}"/>
+              </a:ext>
+            </a:extLst>
+          </p:cNvPr>
+          <p:cNvPicPr>
+            <a:picLocks noChangeAspect="1"/>
+          </p:cNvPicPr>
+          <p:nvPr/>
+        </p:nvPicPr>
+        <p:blipFill>
+          <a:blip r:embed="rId10">
+            <a:extLst>
+              <a:ext uri="{28A0092B-C50C-407E-A947-70E740481C1C}">
+                <a14:useLocalDpi xmlns:a14="http://schemas.microsoft.com/office/drawing/2010/main" val="0"/>
+              </a:ext>
+              <a:ext uri="{96DAC541-7B7A-43D3-8B79-37D633B846F1}">
+                <asvg:svgBlip xmlns:asvg="http://schemas.microsoft.com/office/drawing/2016/SVG/main" r:embed="rId11"/>
+              </a:ext>
+            </a:extLst>
+          </a:blip>
+          <a:stretch>
+            <a:fillRect/>
+          </a:stretch>
+        </p:blipFill>
+        <p:spPr>
+          <a:xfrm>
+            <a:off x="147949" y="4415609"/>
+            <a:ext cx="406921" cy="406921"/>
+          </a:xfrm>
+          <a:prstGeom prst="rect">
+            <a:avLst/>
+          </a:prstGeom>
+        </p:spPr>
+      </p:pic>
+      <p:sp>
+        <p:nvSpPr>
+          <p:cNvPr id="16" name="Textfeld 15">
+            <a:extLst>
+              <a:ext uri="{FF2B5EF4-FFF2-40B4-BE49-F238E27FC236}">
+                <a16:creationId xmlns:a16="http://schemas.microsoft.com/office/drawing/2014/main" id="{879B0F17-F148-5E16-8821-AF3E7006B5BB}"/>
+              </a:ext>
+            </a:extLst>
+          </p:cNvPr>
+          <p:cNvSpPr txBox="1"/>
+          <p:nvPr/>
+        </p:nvSpPr>
+        <p:spPr>
+          <a:xfrm>
+            <a:off x="513839" y="888373"/>
+            <a:ext cx="3487710" cy="461665"/>
+          </a:xfrm>
+          <a:prstGeom prst="rect">
+            <a:avLst/>
+          </a:prstGeom>
+          <a:noFill/>
+        </p:spPr>
+        <p:txBody>
+          <a:bodyPr wrap="square" rtlCol="0">
+            <a:spAutoFit/>
+          </a:bodyPr>
+          <a:lstStyle/>
+          <a:p>
+            <a:r>
+              <a:rPr lang="en-US" sz="2400" dirty="0"/>
+              <a:t>2. Classes of chemokines</a:t>
+            </a:r>
+          </a:p>
+        </p:txBody>
+      </p:sp>
+      <p:pic>
+        <p:nvPicPr>
+          <p:cNvPr id="3" name="Grafik 2">
+            <a:extLst>
+              <a:ext uri="{FF2B5EF4-FFF2-40B4-BE49-F238E27FC236}">
+                <a16:creationId xmlns:a16="http://schemas.microsoft.com/office/drawing/2014/main" id="{C2B8CCF0-4DA9-02EC-8B02-6BCC13A7AA75}"/>
+              </a:ext>
+            </a:extLst>
+          </p:cNvPr>
+          <p:cNvPicPr>
+            <a:picLocks noChangeAspect="1"/>
+          </p:cNvPicPr>
+          <p:nvPr/>
+        </p:nvPicPr>
+        <p:blipFill>
+          <a:blip r:embed="rId12"/>
+          <a:stretch>
+            <a:fillRect/>
+          </a:stretch>
+        </p:blipFill>
+        <p:spPr>
+          <a:xfrm>
+            <a:off x="3358780" y="1370872"/>
+            <a:ext cx="4285859" cy="3889585"/>
+          </a:xfrm>
+          <a:prstGeom prst="rect">
+            <a:avLst/>
+          </a:prstGeom>
+        </p:spPr>
+      </p:pic>
+      <p:sp>
+        <p:nvSpPr>
+          <p:cNvPr id="4" name="Textfeld 3">
+            <a:extLst>
+              <a:ext uri="{FF2B5EF4-FFF2-40B4-BE49-F238E27FC236}">
+                <a16:creationId xmlns:a16="http://schemas.microsoft.com/office/drawing/2014/main" id="{155F1DD3-2EDA-E43E-DFFF-E03BB38DE288}"/>
+              </a:ext>
+            </a:extLst>
+          </p:cNvPr>
+          <p:cNvSpPr txBox="1"/>
+          <p:nvPr/>
+        </p:nvSpPr>
+        <p:spPr>
+          <a:xfrm>
+            <a:off x="7610017" y="1600588"/>
+            <a:ext cx="1181792" cy="577081"/>
+          </a:xfrm>
+          <a:prstGeom prst="rect">
+            <a:avLst/>
+          </a:prstGeom>
+          <a:noFill/>
+        </p:spPr>
+        <p:txBody>
+          <a:bodyPr wrap="square" rtlCol="0">
+            <a:spAutoFit/>
+          </a:bodyPr>
+          <a:lstStyle/>
+          <a:p>
+            <a:r>
+              <a:rPr lang="en-US" sz="1050" dirty="0"/>
+              <a:t>https://www.biolegend.com/chemokine_receptors</a:t>
+            </a:r>
+          </a:p>
+        </p:txBody>
+      </p:sp>
+    </p:spTree>
+    <p:extLst>
+      <p:ext uri="{BB962C8B-B14F-4D97-AF65-F5344CB8AC3E}">
+        <p14:creationId xmlns:p14="http://schemas.microsoft.com/office/powerpoint/2010/main" val="1066574808"/>
+      </p:ext>
+    </p:extLst>
+  </p:cSld>
+  <p:clrMapOvr>
+    <a:masterClrMapping/>
+  </p:clrMapOvr>
+</p:sld>
+</file>
+
+<file path=ppt/slides/slide2.xml><?xml version="1.0" encoding="utf-8"?>
+<p:sld xmlns:a="http://schemas.openxmlformats.org/drawingml/2006/main" xmlns:r="http://schemas.openxmlformats.org/officeDocument/2006/relationships" xmlns:p="http://schemas.openxmlformats.org/presentationml/2006/main">
+  <p:cSld>
+    <p:spTree>
+      <p:nvGrpSpPr>
+        <p:cNvPr id="1" name=""/>
+        <p:cNvGrpSpPr/>
+        <p:nvPr/>
+      </p:nvGrpSpPr>
+      <p:grpSpPr>
+        <a:xfrm>
+          <a:off x="0" y="0"/>
+          <a:ext cx="0" cy="0"/>
+          <a:chOff x="0" y="0"/>
+          <a:chExt cx="0" cy="0"/>
+        </a:xfrm>
+      </p:grpSpPr>
+      <p:sp>
+        <p:nvSpPr>
+          <p:cNvPr id="9" name="Datumsplatzhalter 8">
+            <a:extLst>
+              <a:ext uri="{FF2B5EF4-FFF2-40B4-BE49-F238E27FC236}">
+                <a16:creationId xmlns:a16="http://schemas.microsoft.com/office/drawing/2014/main" id="{B2E44AFA-B29A-4513-B164-74DF574E302B}"/>
+              </a:ext>
+            </a:extLst>
+          </p:cNvPr>
+          <p:cNvSpPr>
+            <a:spLocks noGrp="1"/>
+          </p:cNvSpPr>
+          <p:nvPr>
+            <p:ph type="dt" sz="half" idx="10"/>
+          </p:nvPr>
+        </p:nvSpPr>
+        <p:spPr>
+          <a:xfrm>
+            <a:off x="628650" y="5357247"/>
+            <a:ext cx="2057400" cy="304271"/>
+          </a:xfrm>
+        </p:spPr>
+        <p:txBody>
+          <a:bodyPr/>
+          <a:lstStyle/>
+          <a:p>
+            <a:pPr marL="0" marR="0" lvl="0" indent="0" algn="l" defTabSz="457200" rtl="0" eaLnBrk="1" fontAlgn="auto" latinLnBrk="0" hangingPunct="1">
+              <a:lnSpc>
+                <a:spcPct val="100000"/>
+              </a:lnSpc>
+              <a:spcBef>
+                <a:spcPts val="0"/>
+              </a:spcBef>
+              <a:spcAft>
+                <a:spcPts val="0"/>
+              </a:spcAft>
+              <a:buClrTx/>
+              <a:buSzTx/>
+              <a:buFontTx/>
+              <a:buNone/>
+              <a:tabLst/>
+              <a:defRPr/>
+            </a:pPr>
+            <a:fld id="{4ABD6D1D-9BE7-4B6A-B4D1-FD497C782274}" type="datetime1">
+              <a:rPr kumimoji="0" lang="de-DE" sz="900" b="0" i="0" u="none" strike="noStrike" kern="1200" cap="none" spc="0" normalizeH="0" baseline="0" noProof="0" smtClean="0">
+                <a:ln>
+                  <a:noFill/>
+                </a:ln>
+                <a:solidFill>
+                  <a:srgbClr val="2E4186"/>
+                </a:solidFill>
+                <a:effectLst/>
+                <a:uLnTx/>
+                <a:uFillTx/>
+                <a:latin typeface="Calibri" panose="020F0502020204030204"/>
+                <a:ea typeface="+mn-ea"/>
+                <a:cs typeface="+mn-cs"/>
+              </a:rPr>
+              <a:pPr marL="0" marR="0" lvl="0" indent="0" algn="l" defTabSz="457200" rtl="0" eaLnBrk="1" fontAlgn="auto" latinLnBrk="0" hangingPunct="1">
+                <a:lnSpc>
+                  <a:spcPct val="100000"/>
+                </a:lnSpc>
+                <a:spcBef>
+                  <a:spcPts val="0"/>
+                </a:spcBef>
+                <a:spcAft>
+                  <a:spcPts val="0"/>
+                </a:spcAft>
+                <a:buClrTx/>
+                <a:buSzTx/>
+                <a:buFontTx/>
+                <a:buNone/>
+                <a:tabLst/>
+                <a:defRPr/>
+              </a:pPr>
+              <a:t>16.05.2022</a:t>
             </a:fld>
             <a:endParaRPr kumimoji="0" lang="de-DE" sz="900" b="0" i="0" u="none" strike="noStrike" kern="1200" cap="none" spc="0" normalizeH="0" baseline="0" noProof="0" dirty="0">
               <a:ln>
@@ -7031,7 +12512,7 @@
                 <a:tabLst/>
                 <a:defRPr/>
               </a:pPr>
-              <a:t>15.05.2022</a:t>
+              <a:t>16.05.2022</a:t>
             </a:fld>
             <a:endParaRPr kumimoji="0" lang="de-DE" sz="900" b="0" i="0" u="none" strike="noStrike" kern="1200" cap="none" spc="0" normalizeH="0" baseline="0" noProof="0" dirty="0">
               <a:ln>
@@ -7989,7 +13470,7 @@
                 <a:tabLst/>
                 <a:defRPr/>
               </a:pPr>
-              <a:t>15.05.2022</a:t>
+              <a:t>16.05.2022</a:t>
             </a:fld>
             <a:endParaRPr kumimoji="0" lang="de-DE" sz="900" b="0" i="0" u="none" strike="noStrike" kern="1200" cap="none" spc="0" normalizeH="0" baseline="0" noProof="0" dirty="0">
               <a:ln>
@@ -9222,7 +14703,7 @@
                   <a:srgbClr val="2E4186"/>
                 </a:solidFill>
               </a:rPr>
-              <a:t>15.05.2022</a:t>
+              <a:t>16.05.2022</a:t>
             </a:fld>
             <a:endParaRPr lang="de-DE" dirty="0">
               <a:solidFill>
@@ -10388,7 +15869,7 @@
                   <a:srgbClr val="2E4186"/>
                 </a:solidFill>
               </a:rPr>
-              <a:t>15.05.2022</a:t>
+              <a:t>16.05.2022</a:t>
             </a:fld>
             <a:endParaRPr lang="de-DE" dirty="0">
               <a:solidFill>
@@ -10973,7 +16454,7 @@
                   <a:srgbClr val="2E4186"/>
                 </a:solidFill>
               </a:rPr>
-              <a:t>15.05.2022</a:t>
+              <a:t>16.05.2022</a:t>
             </a:fld>
             <a:endParaRPr lang="de-DE" dirty="0">
               <a:solidFill>
@@ -11015,8 +16496,17 @@
               <a:rPr lang="de-DE" sz="3200" dirty="0">
                 <a:latin typeface="+mj-lt"/>
               </a:rPr>
-              <a:t>Milestones/Timeline</a:t>
-            </a:r>
+              <a:t>Quality </a:t>
+            </a:r>
+            <a:r>
+              <a:rPr lang="de-DE" sz="3200" dirty="0" err="1">
+                <a:latin typeface="+mj-lt"/>
+              </a:rPr>
+              <a:t>control</a:t>
+            </a:r>
+            <a:endParaRPr lang="de-DE" sz="3200" dirty="0">
+              <a:latin typeface="+mj-lt"/>
+            </a:endParaRPr>
           </a:p>
         </p:txBody>
       </p:sp>
@@ -11085,30 +16575,30 @@
           </a:prstGeom>
           <a:gradFill>
             <a:gsLst>
-              <a:gs pos="5000">
+              <a:gs pos="2000">
                 <a:schemeClr val="bg1">
                   <a:alpha val="91000"/>
                 </a:schemeClr>
               </a:gs>
-              <a:gs pos="98000">
+              <a:gs pos="95000">
                 <a:schemeClr val="bg1"/>
               </a:gs>
-              <a:gs pos="85000">
+              <a:gs pos="75000">
                 <a:srgbClr val="12D4E8"/>
               </a:gs>
-              <a:gs pos="77000">
+              <a:gs pos="58000">
                 <a:srgbClr val="10A1EA"/>
               </a:gs>
-              <a:gs pos="32000">
+              <a:gs pos="15000">
                 <a:srgbClr val="12D4E8"/>
               </a:gs>
-              <a:gs pos="56000">
+              <a:gs pos="35000">
                 <a:srgbClr val="175CF5"/>
               </a:gs>
-              <a:gs pos="46000">
+              <a:gs pos="26000">
                 <a:srgbClr val="10A1EA"/>
               </a:gs>
-              <a:gs pos="65000">
+              <a:gs pos="46000">
                 <a:srgbClr val="175CF5"/>
               </a:gs>
             </a:gsLst>
@@ -11310,10 +16800,10 @@
       </p:cxnSp>
       <p:pic>
         <p:nvPicPr>
-          <p:cNvPr id="49" name="Grafik 48" descr="DNA Silhouette">
-            <a:extLst>
-              <a:ext uri="{FF2B5EF4-FFF2-40B4-BE49-F238E27FC236}">
-                <a16:creationId xmlns:a16="http://schemas.microsoft.com/office/drawing/2014/main" id="{6DEF5C3C-BCD8-CE26-6A1F-44421E61A3CA}"/>
+          <p:cNvPr id="45" name="Grafik 44" descr="Monatskalender Silhouette">
+            <a:extLst>
+              <a:ext uri="{FF2B5EF4-FFF2-40B4-BE49-F238E27FC236}">
+                <a16:creationId xmlns:a16="http://schemas.microsoft.com/office/drawing/2014/main" id="{ADE41C17-DE6A-3F4F-C168-68D57E9362E4}"/>
               </a:ext>
             </a:extLst>
           </p:cNvPr>
@@ -11339,7 +16829,7 @@
         </p:blipFill>
         <p:spPr>
           <a:xfrm>
-            <a:off x="143735" y="872897"/>
+            <a:off x="147948" y="3234705"/>
             <a:ext cx="406921" cy="406921"/>
           </a:xfrm>
           <a:prstGeom prst="rect">
@@ -11349,10 +16839,10 @@
       </p:pic>
       <p:pic>
         <p:nvPicPr>
-          <p:cNvPr id="51" name="Grafik 50" descr="Balkendiagramm Silhouette">
-            <a:extLst>
-              <a:ext uri="{FF2B5EF4-FFF2-40B4-BE49-F238E27FC236}">
-                <a16:creationId xmlns:a16="http://schemas.microsoft.com/office/drawing/2014/main" id="{96C3BDE6-7984-B720-4EB5-C4480C42E2EA}"/>
+          <p:cNvPr id="49" name="Grafik 48" descr="DNA Silhouette">
+            <a:extLst>
+              <a:ext uri="{FF2B5EF4-FFF2-40B4-BE49-F238E27FC236}">
+                <a16:creationId xmlns:a16="http://schemas.microsoft.com/office/drawing/2014/main" id="{6DEF5C3C-BCD8-CE26-6A1F-44421E61A3CA}"/>
               </a:ext>
             </a:extLst>
           </p:cNvPr>
@@ -11378,7 +16868,7 @@
         </p:blipFill>
         <p:spPr>
           <a:xfrm>
-            <a:off x="156220" y="2053801"/>
+            <a:off x="143735" y="872897"/>
             <a:ext cx="406921" cy="406921"/>
           </a:xfrm>
           <a:prstGeom prst="rect">
@@ -11388,10 +16878,10 @@
       </p:pic>
       <p:pic>
         <p:nvPicPr>
-          <p:cNvPr id="55" name="Grafik 54" descr="Monatskalender mit einfarbiger Füllung">
-            <a:extLst>
-              <a:ext uri="{FF2B5EF4-FFF2-40B4-BE49-F238E27FC236}">
-                <a16:creationId xmlns:a16="http://schemas.microsoft.com/office/drawing/2014/main" id="{22B8239E-946F-E377-A9D5-1C5712DC9123}"/>
+          <p:cNvPr id="53" name="Grafik 52" descr="Balkendiagramm mit einfarbiger Füllung">
+            <a:extLst>
+              <a:ext uri="{FF2B5EF4-FFF2-40B4-BE49-F238E27FC236}">
+                <a16:creationId xmlns:a16="http://schemas.microsoft.com/office/drawing/2014/main" id="{AB79FB33-E613-4BA8-9EB6-7A65F1DCEBBD}"/>
               </a:ext>
             </a:extLst>
           </p:cNvPr>
@@ -11417,7 +16907,7 @@
         </p:blipFill>
         <p:spPr>
           <a:xfrm>
-            <a:off x="143734" y="3234705"/>
+            <a:off x="161825" y="2053186"/>
             <a:ext cx="406921" cy="406921"/>
           </a:xfrm>
           <a:prstGeom prst="rect">
@@ -11464,54 +16954,267 @@
           </a:prstGeom>
         </p:spPr>
       </p:pic>
+      <p:sp>
+        <p:nvSpPr>
+          <p:cNvPr id="15" name="Textfeld 14">
+            <a:extLst>
+              <a:ext uri="{FF2B5EF4-FFF2-40B4-BE49-F238E27FC236}">
+                <a16:creationId xmlns:a16="http://schemas.microsoft.com/office/drawing/2014/main" id="{9DB0080F-0B09-97B1-3CAB-35CE7FABF577}"/>
+              </a:ext>
+            </a:extLst>
+          </p:cNvPr>
+          <p:cNvSpPr txBox="1"/>
+          <p:nvPr/>
+        </p:nvSpPr>
+        <p:spPr>
+          <a:xfrm>
+            <a:off x="854632" y="948149"/>
+            <a:ext cx="6364774" cy="461665"/>
+          </a:xfrm>
+          <a:prstGeom prst="rect">
+            <a:avLst/>
+          </a:prstGeom>
+          <a:noFill/>
+        </p:spPr>
+        <p:txBody>
+          <a:bodyPr wrap="square" rtlCol="0">
+            <a:spAutoFit/>
+          </a:bodyPr>
+          <a:lstStyle/>
+          <a:p>
+            <a:r>
+              <a:rPr lang="en-US" sz="2400" dirty="0"/>
+              <a:t>Affymetrix Human Genome </a:t>
+            </a:r>
+            <a:r>
+              <a:rPr lang="en-US" sz="2400" dirty="0" err="1"/>
+              <a:t>U133</a:t>
+            </a:r>
+            <a:r>
+              <a:rPr lang="en-US" sz="2400" dirty="0"/>
+              <a:t> Plus 2.0 Array</a:t>
+            </a:r>
+          </a:p>
+        </p:txBody>
+      </p:sp>
+      <p:sp>
+        <p:nvSpPr>
+          <p:cNvPr id="16" name="Textfeld 15">
+            <a:extLst>
+              <a:ext uri="{FF2B5EF4-FFF2-40B4-BE49-F238E27FC236}">
+                <a16:creationId xmlns:a16="http://schemas.microsoft.com/office/drawing/2014/main" id="{62EE671E-F9A4-E7F3-16D8-8D6E11383DE3}"/>
+              </a:ext>
+            </a:extLst>
+          </p:cNvPr>
+          <p:cNvSpPr txBox="1"/>
+          <p:nvPr/>
+        </p:nvSpPr>
+        <p:spPr>
+          <a:xfrm>
+            <a:off x="858072" y="1442528"/>
+            <a:ext cx="7187978" cy="646331"/>
+          </a:xfrm>
+          <a:prstGeom prst="rect">
+            <a:avLst/>
+          </a:prstGeom>
+          <a:noFill/>
+        </p:spPr>
+        <p:txBody>
+          <a:bodyPr wrap="square" rtlCol="0">
+            <a:spAutoFit/>
+          </a:bodyPr>
+          <a:lstStyle/>
+          <a:p>
+            <a:pPr marL="285750" indent="-285750">
+              <a:buFont typeface="Arial" panose="020B0604020202020204" pitchFamily="34" charset="0"/>
+              <a:buChar char="•"/>
+            </a:pPr>
+            <a:r>
+              <a:rPr lang="en-US" dirty="0"/>
+              <a:t>Expression analysis of over 47,000 transcripts and variants through comparison of 54 000 probe sets</a:t>
+            </a:r>
+          </a:p>
+        </p:txBody>
+      </p:sp>
+      <p:sp>
+        <p:nvSpPr>
+          <p:cNvPr id="17" name="Textfeld 16">
+            <a:extLst>
+              <a:ext uri="{FF2B5EF4-FFF2-40B4-BE49-F238E27FC236}">
+                <a16:creationId xmlns:a16="http://schemas.microsoft.com/office/drawing/2014/main" id="{728472A8-7F8B-8DBD-DA72-AA84405C44C2}"/>
+              </a:ext>
+            </a:extLst>
+          </p:cNvPr>
+          <p:cNvSpPr txBox="1"/>
+          <p:nvPr/>
+        </p:nvSpPr>
+        <p:spPr>
+          <a:xfrm>
+            <a:off x="854632" y="2038484"/>
+            <a:ext cx="7839601" cy="369332"/>
+          </a:xfrm>
+          <a:prstGeom prst="rect">
+            <a:avLst/>
+          </a:prstGeom>
+          <a:noFill/>
+        </p:spPr>
+        <p:txBody>
+          <a:bodyPr wrap="square" rtlCol="0">
+            <a:spAutoFit/>
+          </a:bodyPr>
+          <a:lstStyle/>
+          <a:p>
+            <a:pPr marL="285750" indent="-285750">
+              <a:buFont typeface="Arial" panose="020B0604020202020204" pitchFamily="34" charset="0"/>
+              <a:buChar char="•"/>
+            </a:pPr>
+            <a:r>
+              <a:rPr lang="en-US" dirty="0"/>
+              <a:t>detection sensitivity 1:100,000</a:t>
+            </a:r>
+          </a:p>
+        </p:txBody>
+      </p:sp>
     </p:spTree>
     <p:extLst>
       <p:ext uri="{BB962C8B-B14F-4D97-AF65-F5344CB8AC3E}">
-        <p14:creationId xmlns:p14="http://schemas.microsoft.com/office/powerpoint/2010/main" val="2494335024"/>
+        <p14:creationId xmlns:p14="http://schemas.microsoft.com/office/powerpoint/2010/main" val="3247067291"/>
       </p:ext>
     </p:extLst>
   </p:cSld>
   <p:clrMapOvr>
     <a:masterClrMapping/>
   </p:clrMapOvr>
+  <p:timing>
+    <p:tnLst>
+      <p:par>
+        <p:cTn id="1" dur="indefinite" restart="never" nodeType="tmRoot">
+          <p:childTnLst>
+            <p:seq concurrent="1" nextAc="seek">
+              <p:cTn id="2" dur="indefinite" nodeType="mainSeq">
+                <p:childTnLst>
+                  <p:par>
+                    <p:cTn id="3" fill="hold">
+                      <p:stCondLst>
+                        <p:cond delay="indefinite"/>
+                      </p:stCondLst>
+                      <p:childTnLst>
+                        <p:par>
+                          <p:cTn id="4" fill="hold">
+                            <p:stCondLst>
+                              <p:cond delay="0"/>
+                            </p:stCondLst>
+                            <p:childTnLst>
+                              <p:par>
+                                <p:cTn id="5" presetID="1" presetClass="entr" presetSubtype="0" fill="hold" grpId="0" nodeType="clickEffect">
+                                  <p:stCondLst>
+                                    <p:cond delay="0"/>
+                                  </p:stCondLst>
+                                  <p:childTnLst>
+                                    <p:set>
+                                      <p:cBhvr>
+                                        <p:cTn id="6" dur="1" fill="hold">
+                                          <p:stCondLst>
+                                            <p:cond delay="0"/>
+                                          </p:stCondLst>
+                                        </p:cTn>
+                                        <p:tgtEl>
+                                          <p:spTgt spid="16"/>
+                                        </p:tgtEl>
+                                        <p:attrNameLst>
+                                          <p:attrName>style.visibility</p:attrName>
+                                        </p:attrNameLst>
+                                      </p:cBhvr>
+                                      <p:to>
+                                        <p:strVal val="visible"/>
+                                      </p:to>
+                                    </p:set>
+                                  </p:childTnLst>
+                                </p:cTn>
+                              </p:par>
+                            </p:childTnLst>
+                          </p:cTn>
+                        </p:par>
+                      </p:childTnLst>
+                    </p:cTn>
+                  </p:par>
+                  <p:par>
+                    <p:cTn id="7" fill="hold">
+                      <p:stCondLst>
+                        <p:cond delay="indefinite"/>
+                      </p:stCondLst>
+                      <p:childTnLst>
+                        <p:par>
+                          <p:cTn id="8" fill="hold">
+                            <p:stCondLst>
+                              <p:cond delay="0"/>
+                            </p:stCondLst>
+                            <p:childTnLst>
+                              <p:par>
+                                <p:cTn id="9" presetID="1" presetClass="entr" presetSubtype="0" fill="hold" grpId="0" nodeType="clickEffect">
+                                  <p:stCondLst>
+                                    <p:cond delay="0"/>
+                                  </p:stCondLst>
+                                  <p:childTnLst>
+                                    <p:set>
+                                      <p:cBhvr>
+                                        <p:cTn id="10" dur="1" fill="hold">
+                                          <p:stCondLst>
+                                            <p:cond delay="0"/>
+                                          </p:stCondLst>
+                                        </p:cTn>
+                                        <p:tgtEl>
+                                          <p:spTgt spid="17"/>
+                                        </p:tgtEl>
+                                        <p:attrNameLst>
+                                          <p:attrName>style.visibility</p:attrName>
+                                        </p:attrNameLst>
+                                      </p:cBhvr>
+                                      <p:to>
+                                        <p:strVal val="visible"/>
+                                      </p:to>
+                                    </p:set>
+                                  </p:childTnLst>
+                                </p:cTn>
+                              </p:par>
+                            </p:childTnLst>
+                          </p:cTn>
+                        </p:par>
+                      </p:childTnLst>
+                    </p:cTn>
+                  </p:par>
+                </p:childTnLst>
+              </p:cTn>
+              <p:prevCondLst>
+                <p:cond evt="onPrev" delay="0">
+                  <p:tgtEl>
+                    <p:sldTgt/>
+                  </p:tgtEl>
+                </p:cond>
+              </p:prevCondLst>
+              <p:nextCondLst>
+                <p:cond evt="onNext" delay="0">
+                  <p:tgtEl>
+                    <p:sldTgt/>
+                  </p:tgtEl>
+                </p:cond>
+              </p:nextCondLst>
+            </p:seq>
+          </p:childTnLst>
+        </p:cTn>
+      </p:par>
+    </p:tnLst>
+    <p:bldLst>
+      <p:bldP spid="16" grpId="0"/>
+      <p:bldP spid="17" grpId="0"/>
+    </p:bldLst>
+  </p:timing>
 </p:sld>
 </file>
 
 <file path=ppt/slides/slide8.xml><?xml version="1.0" encoding="utf-8"?>
 <p:sld xmlns:a="http://schemas.openxmlformats.org/drawingml/2006/main" xmlns:r="http://schemas.openxmlformats.org/officeDocument/2006/relationships" xmlns:p="http://schemas.openxmlformats.org/presentationml/2006/main">
   <p:cSld>
-    <p:bg>
-      <p:bgPr>
-        <a:gradFill flip="none" rotWithShape="1">
-          <a:gsLst>
-            <a:gs pos="28571">
-              <a:schemeClr val="accent1">
-                <a:lumMod val="5000"/>
-                <a:lumOff val="95000"/>
-                <a:alpha val="54000"/>
-              </a:schemeClr>
-            </a:gs>
-            <a:gs pos="79000">
-              <a:srgbClr val="8CD0F4">
-                <a:alpha val="50000"/>
-                <a:lumMod val="72000"/>
-                <a:lumOff val="28000"/>
-              </a:srgbClr>
-            </a:gs>
-            <a:gs pos="100000">
-              <a:srgbClr val="10A1EA">
-                <a:alpha val="26000"/>
-                <a:lumMod val="73000"/>
-                <a:lumOff val="27000"/>
-              </a:srgbClr>
-            </a:gs>
-          </a:gsLst>
-          <a:lin ang="2700000" scaled="1"/>
-          <a:tileRect/>
-        </a:gradFill>
-        <a:effectLst/>
-      </p:bgPr>
-    </p:bg>
     <p:spTree>
       <p:nvGrpSpPr>
         <p:cNvPr id="1" name=""/>
@@ -11558,7 +17261,7 @@
                   <a:srgbClr val="2E4186"/>
                 </a:solidFill>
               </a:rPr>
-              <a:t>15.05.2022</a:t>
+              <a:t>16.05.2022</a:t>
             </a:fld>
             <a:endParaRPr lang="de-DE" dirty="0">
               <a:solidFill>
@@ -11600,13 +17303,13 @@
               <a:rPr lang="de-DE" sz="3200" dirty="0">
                 <a:latin typeface="+mj-lt"/>
               </a:rPr>
-              <a:t>Team/</a:t>
-            </a:r>
-            <a:r>
-              <a:rPr lang="de-DE" sz="3200">
+              <a:t>Quality </a:t>
+            </a:r>
+            <a:r>
+              <a:rPr lang="de-DE" sz="3200" dirty="0" err="1">
                 <a:latin typeface="+mj-lt"/>
               </a:rPr>
-              <a:t>Roles</a:t>
+              <a:t>control</a:t>
             </a:r>
             <a:endParaRPr lang="de-DE" sz="3200" dirty="0">
               <a:latin typeface="+mj-lt"/>
@@ -11679,30 +17382,30 @@
           </a:prstGeom>
           <a:gradFill>
             <a:gsLst>
-              <a:gs pos="5000">
+              <a:gs pos="2000">
                 <a:schemeClr val="bg1">
                   <a:alpha val="91000"/>
                 </a:schemeClr>
               </a:gs>
-              <a:gs pos="98000">
+              <a:gs pos="95000">
                 <a:schemeClr val="bg1"/>
               </a:gs>
-              <a:gs pos="94000">
+              <a:gs pos="75000">
                 <a:srgbClr val="12D4E8"/>
               </a:gs>
-              <a:gs pos="90000">
+              <a:gs pos="58000">
                 <a:srgbClr val="10A1EA"/>
               </a:gs>
-              <a:gs pos="54000">
+              <a:gs pos="15000">
                 <a:srgbClr val="12D4E8"/>
               </a:gs>
-              <a:gs pos="77000">
+              <a:gs pos="35000">
                 <a:srgbClr val="175CF5"/>
               </a:gs>
-              <a:gs pos="68000">
+              <a:gs pos="26000">
                 <a:srgbClr val="10A1EA"/>
               </a:gs>
-              <a:gs pos="85000">
+              <a:gs pos="46000">
                 <a:srgbClr val="175CF5"/>
               </a:gs>
             </a:gsLst>
@@ -11982,10 +17685,10 @@
       </p:pic>
       <p:pic>
         <p:nvPicPr>
-          <p:cNvPr id="51" name="Grafik 50" descr="Balkendiagramm Silhouette">
-            <a:extLst>
-              <a:ext uri="{FF2B5EF4-FFF2-40B4-BE49-F238E27FC236}">
-                <a16:creationId xmlns:a16="http://schemas.microsoft.com/office/drawing/2014/main" id="{96C3BDE6-7984-B720-4EB5-C4480C42E2EA}"/>
+          <p:cNvPr id="53" name="Grafik 52" descr="Balkendiagramm mit einfarbiger Füllung">
+            <a:extLst>
+              <a:ext uri="{FF2B5EF4-FFF2-40B4-BE49-F238E27FC236}">
+                <a16:creationId xmlns:a16="http://schemas.microsoft.com/office/drawing/2014/main" id="{AB79FB33-E613-4BA8-9EB6-7A65F1DCEBBD}"/>
               </a:ext>
             </a:extLst>
           </p:cNvPr>
@@ -12011,7 +17714,7 @@
         </p:blipFill>
         <p:spPr>
           <a:xfrm>
-            <a:off x="156220" y="2053801"/>
+            <a:off x="161825" y="2053186"/>
             <a:ext cx="406921" cy="406921"/>
           </a:xfrm>
           <a:prstGeom prst="rect">
@@ -12021,10 +17724,10 @@
       </p:pic>
       <p:pic>
         <p:nvPicPr>
-          <p:cNvPr id="59" name="Grafik 58" descr="Benutzer mit einfarbiger Füllung">
-            <a:extLst>
-              <a:ext uri="{FF2B5EF4-FFF2-40B4-BE49-F238E27FC236}">
-                <a16:creationId xmlns:a16="http://schemas.microsoft.com/office/drawing/2014/main" id="{832E687E-297F-D565-971F-3155D8676145}"/>
+          <p:cNvPr id="57" name="Grafik 56" descr="Benutzer Silhouette">
+            <a:extLst>
+              <a:ext uri="{FF2B5EF4-FFF2-40B4-BE49-F238E27FC236}">
+                <a16:creationId xmlns:a16="http://schemas.microsoft.com/office/drawing/2014/main" id="{FAF1D196-7D05-3E8B-77EB-98DB84254DF3}"/>
               </a:ext>
             </a:extLst>
           </p:cNvPr>
@@ -12050,7 +17753,7 @@
         </p:blipFill>
         <p:spPr>
           <a:xfrm>
-            <a:off x="143734" y="4415609"/>
+            <a:off x="147949" y="4415609"/>
             <a:ext cx="406921" cy="406921"/>
           </a:xfrm>
           <a:prstGeom prst="rect">
@@ -12058,16 +17761,295 @@
           </a:prstGeom>
         </p:spPr>
       </p:pic>
+      <p:sp>
+        <p:nvSpPr>
+          <p:cNvPr id="15" name="Textfeld 14">
+            <a:extLst>
+              <a:ext uri="{FF2B5EF4-FFF2-40B4-BE49-F238E27FC236}">
+                <a16:creationId xmlns:a16="http://schemas.microsoft.com/office/drawing/2014/main" id="{9DB0080F-0B09-97B1-3CAB-35CE7FABF577}"/>
+              </a:ext>
+            </a:extLst>
+          </p:cNvPr>
+          <p:cNvSpPr txBox="1"/>
+          <p:nvPr/>
+        </p:nvSpPr>
+        <p:spPr>
+          <a:xfrm>
+            <a:off x="854632" y="948149"/>
+            <a:ext cx="6364774" cy="461665"/>
+          </a:xfrm>
+          <a:prstGeom prst="rect">
+            <a:avLst/>
+          </a:prstGeom>
+          <a:noFill/>
+        </p:spPr>
+        <p:txBody>
+          <a:bodyPr wrap="square" rtlCol="0">
+            <a:spAutoFit/>
+          </a:bodyPr>
+          <a:lstStyle/>
+          <a:p>
+            <a:r>
+              <a:rPr lang="en-US" sz="2400" dirty="0"/>
+              <a:t>1. Array surface images</a:t>
+            </a:r>
+          </a:p>
+        </p:txBody>
+      </p:sp>
+      <p:sp>
+        <p:nvSpPr>
+          <p:cNvPr id="16" name="Textfeld 15">
+            <a:extLst>
+              <a:ext uri="{FF2B5EF4-FFF2-40B4-BE49-F238E27FC236}">
+                <a16:creationId xmlns:a16="http://schemas.microsoft.com/office/drawing/2014/main" id="{62EE671E-F9A4-E7F3-16D8-8D6E11383DE3}"/>
+              </a:ext>
+            </a:extLst>
+          </p:cNvPr>
+          <p:cNvSpPr txBox="1"/>
+          <p:nvPr/>
+        </p:nvSpPr>
+        <p:spPr>
+          <a:xfrm>
+            <a:off x="858072" y="1442528"/>
+            <a:ext cx="7187978" cy="369332"/>
+          </a:xfrm>
+          <a:prstGeom prst="rect">
+            <a:avLst/>
+          </a:prstGeom>
+          <a:noFill/>
+        </p:spPr>
+        <p:txBody>
+          <a:bodyPr wrap="square" rtlCol="0">
+            <a:spAutoFit/>
+          </a:bodyPr>
+          <a:lstStyle/>
+          <a:p>
+            <a:pPr marL="285750" indent="-285750">
+              <a:buFont typeface="Arial" panose="020B0604020202020204" pitchFamily="34" charset="0"/>
+              <a:buChar char="•"/>
+            </a:pPr>
+            <a:r>
+              <a:rPr lang="de-DE" dirty="0" err="1"/>
+              <a:t>No</a:t>
+            </a:r>
+            <a:r>
+              <a:rPr lang="de-DE" dirty="0"/>
+              <a:t> </a:t>
+            </a:r>
+            <a:r>
+              <a:rPr lang="de-DE" dirty="0" err="1"/>
+              <a:t>spatial</a:t>
+            </a:r>
+            <a:r>
+              <a:rPr lang="de-DE" dirty="0"/>
+              <a:t> </a:t>
+            </a:r>
+            <a:r>
+              <a:rPr lang="de-DE" dirty="0" err="1"/>
+              <a:t>artefacts</a:t>
+            </a:r>
+            <a:endParaRPr lang="en-US" dirty="0"/>
+          </a:p>
+        </p:txBody>
+      </p:sp>
+      <p:sp>
+        <p:nvSpPr>
+          <p:cNvPr id="19" name="Textfeld 18">
+            <a:extLst>
+              <a:ext uri="{FF2B5EF4-FFF2-40B4-BE49-F238E27FC236}">
+                <a16:creationId xmlns:a16="http://schemas.microsoft.com/office/drawing/2014/main" id="{F6A19FC3-F16F-5405-B430-0883ADD52C3C}"/>
+              </a:ext>
+            </a:extLst>
+          </p:cNvPr>
+          <p:cNvSpPr txBox="1"/>
+          <p:nvPr/>
+        </p:nvSpPr>
+        <p:spPr>
+          <a:xfrm>
+            <a:off x="854632" y="1803351"/>
+            <a:ext cx="7839601" cy="369332"/>
+          </a:xfrm>
+          <a:prstGeom prst="rect">
+            <a:avLst/>
+          </a:prstGeom>
+          <a:noFill/>
+        </p:spPr>
+        <p:txBody>
+          <a:bodyPr wrap="square" rtlCol="0">
+            <a:spAutoFit/>
+          </a:bodyPr>
+          <a:lstStyle/>
+          <a:p>
+            <a:pPr marL="285750" indent="-285750">
+              <a:buFont typeface="Arial" panose="020B0604020202020204" pitchFamily="34" charset="0"/>
+              <a:buChar char="•"/>
+            </a:pPr>
+            <a:r>
+              <a:rPr lang="de-DE" dirty="0" err="1"/>
+              <a:t>Slight</a:t>
+            </a:r>
+            <a:r>
+              <a:rPr lang="de-DE" dirty="0"/>
+              <a:t> </a:t>
+            </a:r>
+            <a:r>
+              <a:rPr lang="de-DE" dirty="0" err="1"/>
+              <a:t>difference</a:t>
+            </a:r>
+            <a:r>
+              <a:rPr lang="de-DE" dirty="0"/>
+              <a:t> in </a:t>
+            </a:r>
+            <a:r>
+              <a:rPr lang="de-DE" dirty="0" err="1"/>
+              <a:t>overall</a:t>
+            </a:r>
+            <a:r>
+              <a:rPr lang="de-DE" dirty="0"/>
+              <a:t> </a:t>
+            </a:r>
+            <a:r>
+              <a:rPr lang="de-DE" dirty="0" err="1"/>
+              <a:t>intensity</a:t>
+            </a:r>
+            <a:endParaRPr lang="en-US" dirty="0"/>
+          </a:p>
+        </p:txBody>
+      </p:sp>
     </p:spTree>
     <p:extLst>
       <p:ext uri="{BB962C8B-B14F-4D97-AF65-F5344CB8AC3E}">
-        <p14:creationId xmlns:p14="http://schemas.microsoft.com/office/powerpoint/2010/main" val="497082336"/>
+        <p14:creationId xmlns:p14="http://schemas.microsoft.com/office/powerpoint/2010/main" val="2111481935"/>
       </p:ext>
     </p:extLst>
   </p:cSld>
   <p:clrMapOvr>
     <a:masterClrMapping/>
   </p:clrMapOvr>
+  <p:timing>
+    <p:tnLst>
+      <p:par>
+        <p:cTn id="1" dur="indefinite" restart="never" nodeType="tmRoot">
+          <p:childTnLst>
+            <p:seq concurrent="1" nextAc="seek">
+              <p:cTn id="2" dur="indefinite" nodeType="mainSeq">
+                <p:childTnLst>
+                  <p:par>
+                    <p:cTn id="3" fill="hold">
+                      <p:stCondLst>
+                        <p:cond delay="indefinite"/>
+                      </p:stCondLst>
+                      <p:childTnLst>
+                        <p:par>
+                          <p:cTn id="4" fill="hold">
+                            <p:stCondLst>
+                              <p:cond delay="0"/>
+                            </p:stCondLst>
+                            <p:childTnLst>
+                              <p:par>
+                                <p:cTn id="5" presetID="1" presetClass="entr" presetSubtype="0" fill="hold" grpId="0" nodeType="clickEffect">
+                                  <p:stCondLst>
+                                    <p:cond delay="0"/>
+                                  </p:stCondLst>
+                                  <p:childTnLst>
+                                    <p:set>
+                                      <p:cBhvr>
+                                        <p:cTn id="6" dur="1" fill="hold">
+                                          <p:stCondLst>
+                                            <p:cond delay="0"/>
+                                          </p:stCondLst>
+                                        </p:cTn>
+                                        <p:tgtEl>
+                                          <p:spTgt spid="16"/>
+                                        </p:tgtEl>
+                                        <p:attrNameLst>
+                                          <p:attrName>style.visibility</p:attrName>
+                                        </p:attrNameLst>
+                                      </p:cBhvr>
+                                      <p:to>
+                                        <p:strVal val="visible"/>
+                                      </p:to>
+                                    </p:set>
+                                  </p:childTnLst>
+                                </p:cTn>
+                              </p:par>
+                            </p:childTnLst>
+                          </p:cTn>
+                        </p:par>
+                      </p:childTnLst>
+                    </p:cTn>
+                  </p:par>
+                  <p:par>
+                    <p:cTn id="7" fill="hold">
+                      <p:stCondLst>
+                        <p:cond delay="indefinite"/>
+                      </p:stCondLst>
+                      <p:childTnLst>
+                        <p:par>
+                          <p:cTn id="8" fill="hold">
+                            <p:stCondLst>
+                              <p:cond delay="0"/>
+                            </p:stCondLst>
+                            <p:childTnLst>
+                              <p:par>
+                                <p:cTn id="9" presetID="1" presetClass="entr" presetSubtype="0" fill="hold" grpId="0" nodeType="clickEffect">
+                                  <p:stCondLst>
+                                    <p:cond delay="0"/>
+                                  </p:stCondLst>
+                                  <p:childTnLst>
+                                    <p:set>
+                                      <p:cBhvr>
+                                        <p:cTn id="10" dur="1" fill="hold">
+                                          <p:stCondLst>
+                                            <p:cond delay="0"/>
+                                          </p:stCondLst>
+                                        </p:cTn>
+                                        <p:tgtEl>
+                                          <p:spTgt spid="19"/>
+                                        </p:tgtEl>
+                                        <p:attrNameLst>
+                                          <p:attrName>style.visibility</p:attrName>
+                                        </p:attrNameLst>
+                                      </p:cBhvr>
+                                      <p:to>
+                                        <p:strVal val="visible"/>
+                                      </p:to>
+                                    </p:set>
+                                  </p:childTnLst>
+                                </p:cTn>
+                              </p:par>
+                            </p:childTnLst>
+                          </p:cTn>
+                        </p:par>
+                      </p:childTnLst>
+                    </p:cTn>
+                  </p:par>
+                </p:childTnLst>
+              </p:cTn>
+              <p:prevCondLst>
+                <p:cond evt="onPrev" delay="0">
+                  <p:tgtEl>
+                    <p:sldTgt/>
+                  </p:tgtEl>
+                </p:cond>
+              </p:prevCondLst>
+              <p:nextCondLst>
+                <p:cond evt="onNext" delay="0">
+                  <p:tgtEl>
+                    <p:sldTgt/>
+                  </p:tgtEl>
+                </p:cond>
+              </p:nextCondLst>
+            </p:seq>
+          </p:childTnLst>
+        </p:cTn>
+      </p:par>
+    </p:tnLst>
+    <p:bldLst>
+      <p:bldP spid="16" grpId="0"/>
+      <p:bldP spid="19" grpId="0"/>
+    </p:bldLst>
+  </p:timing>
 </p:sld>
 </file>
 
@@ -12114,70 +18096,18 @@
           <a:bodyPr/>
           <a:lstStyle/>
           <a:p>
-            <a:pPr marL="0" marR="0" lvl="0" indent="0" algn="l" defTabSz="457200" rtl="0" eaLnBrk="1" fontAlgn="auto" latinLnBrk="0" hangingPunct="1">
-              <a:lnSpc>
-                <a:spcPct val="100000"/>
-              </a:lnSpc>
-              <a:spcBef>
-                <a:spcPts val="0"/>
-              </a:spcBef>
-              <a:spcAft>
-                <a:spcPts val="0"/>
-              </a:spcAft>
-              <a:buClrTx/>
-              <a:buSzTx/>
-              <a:buFontTx/>
-              <a:buNone/>
-              <a:tabLst/>
-              <a:defRPr/>
-            </a:pPr>
             <a:fld id="{4ABD6D1D-9BE7-4B6A-B4D1-FD497C782274}" type="datetime1">
-              <a:rPr kumimoji="0" lang="de-DE" sz="900" b="0" i="0" u="none" strike="noStrike" kern="1200" cap="none" spc="0" normalizeH="0" baseline="0" noProof="0" smtClean="0">
-                <a:ln>
-                  <a:noFill/>
-                </a:ln>
+              <a:rPr lang="de-DE" smtClean="0">
                 <a:solidFill>
                   <a:srgbClr val="2E4186"/>
                 </a:solidFill>
-                <a:effectLst/>
-                <a:uLnTx/>
-                <a:uFillTx/>
-                <a:latin typeface="Calibri" panose="020F0502020204030204"/>
-                <a:ea typeface="+mn-ea"/>
-                <a:cs typeface="+mn-cs"/>
               </a:rPr>
-              <a:pPr marL="0" marR="0" lvl="0" indent="0" algn="l" defTabSz="457200" rtl="0" eaLnBrk="1" fontAlgn="auto" latinLnBrk="0" hangingPunct="1">
-                <a:lnSpc>
-                  <a:spcPct val="100000"/>
-                </a:lnSpc>
-                <a:spcBef>
-                  <a:spcPts val="0"/>
-                </a:spcBef>
-                <a:spcAft>
-                  <a:spcPts val="0"/>
-                </a:spcAft>
-                <a:buClrTx/>
-                <a:buSzTx/>
-                <a:buFontTx/>
-                <a:buNone/>
-                <a:tabLst/>
-                <a:defRPr/>
-              </a:pPr>
-              <a:t>15.05.2022</a:t>
+              <a:t>16.05.2022</a:t>
             </a:fld>
-            <a:endParaRPr kumimoji="0" lang="de-DE" sz="900" b="0" i="0" u="none" strike="noStrike" kern="1200" cap="none" spc="0" normalizeH="0" baseline="0" noProof="0" dirty="0">
-              <a:ln>
-                <a:noFill/>
-              </a:ln>
+            <a:endParaRPr lang="de-DE" dirty="0">
               <a:solidFill>
                 <a:srgbClr val="2E4186"/>
               </a:solidFill>
-              <a:effectLst/>
-              <a:uLnTx/>
-              <a:uFillTx/>
-              <a:latin typeface="Calibri" panose="020F0502020204030204"/>
-              <a:ea typeface="+mn-ea"/>
-              <a:cs typeface="+mn-cs"/>
             </a:endParaRPr>
           </a:p>
         </p:txBody>
@@ -12210,71 +18140,12 @@
           </a:bodyPr>
           <a:lstStyle/>
           <a:p>
-            <a:pPr marL="0" marR="0" lvl="0" indent="0" algn="l" defTabSz="457200" rtl="0" eaLnBrk="1" fontAlgn="auto" latinLnBrk="0" hangingPunct="1">
-              <a:lnSpc>
-                <a:spcPct val="100000"/>
-              </a:lnSpc>
-              <a:spcBef>
-                <a:spcPts val="0"/>
-              </a:spcBef>
-              <a:spcAft>
-                <a:spcPts val="0"/>
-              </a:spcAft>
-              <a:buClrTx/>
-              <a:buSzTx/>
-              <a:buFontTx/>
-              <a:buNone/>
-              <a:tabLst/>
-              <a:defRPr/>
-            </a:pPr>
-            <a:r>
-              <a:rPr kumimoji="0" lang="de-DE" sz="3200" b="0" i="0" u="none" strike="noStrike" kern="1200" cap="none" spc="0" normalizeH="0" baseline="0" noProof="0" dirty="0">
-                <a:ln>
-                  <a:noFill/>
-                </a:ln>
-                <a:solidFill>
-                  <a:prstClr val="black"/>
-                </a:solidFill>
-                <a:effectLst/>
-                <a:uLnTx/>
-                <a:uFillTx/>
-                <a:latin typeface="Calibri Light" panose="020F0302020204030204"/>
-                <a:ea typeface="+mn-ea"/>
-                <a:cs typeface="+mn-cs"/>
+            <a:r>
+              <a:rPr lang="de-DE" sz="3200" dirty="0">
+                <a:latin typeface="+mj-lt"/>
               </a:rPr>
-              <a:t>Biological background- </a:t>
-            </a:r>
-            <a:r>
-              <a:rPr kumimoji="0" lang="de-DE" sz="3200" b="0" i="0" u="none" strike="noStrike" kern="1200" cap="none" spc="0" normalizeH="0" baseline="0" noProof="0" dirty="0" err="1">
-                <a:ln>
-                  <a:noFill/>
-                </a:ln>
-                <a:solidFill>
-                  <a:prstClr val="black"/>
-                </a:solidFill>
-                <a:effectLst/>
-                <a:uLnTx/>
-                <a:uFillTx/>
-                <a:latin typeface="Calibri Light" panose="020F0302020204030204"/>
-                <a:ea typeface="+mn-ea"/>
-                <a:cs typeface="+mn-cs"/>
-              </a:rPr>
-              <a:t>Supplementary</a:t>
-            </a:r>
-            <a:endParaRPr kumimoji="0" lang="de-DE" sz="3200" b="0" i="0" u="none" strike="noStrike" kern="1200" cap="none" spc="0" normalizeH="0" baseline="0" noProof="0" dirty="0">
-              <a:ln>
-                <a:noFill/>
-              </a:ln>
-              <a:solidFill>
-                <a:prstClr val="black"/>
-              </a:solidFill>
-              <a:effectLst/>
-              <a:uLnTx/>
-              <a:uFillTx/>
-              <a:latin typeface="Calibri Light" panose="020F0302020204030204"/>
-              <a:ea typeface="+mn-ea"/>
-              <a:cs typeface="+mn-cs"/>
-            </a:endParaRPr>
+              <a:t>Dataset</a:t>
+            </a:r>
           </a:p>
         </p:txBody>
       </p:sp>
@@ -12343,30 +18214,30 @@
           </a:prstGeom>
           <a:gradFill>
             <a:gsLst>
-              <a:gs pos="1000">
+              <a:gs pos="2000">
                 <a:schemeClr val="bg1">
                   <a:alpha val="91000"/>
                 </a:schemeClr>
               </a:gs>
-              <a:gs pos="89000">
+              <a:gs pos="95000">
                 <a:schemeClr val="bg1"/>
               </a:gs>
-              <a:gs pos="57000">
+              <a:gs pos="75000">
                 <a:srgbClr val="12D4E8"/>
               </a:gs>
-              <a:gs pos="30000">
+              <a:gs pos="58000">
                 <a:srgbClr val="10A1EA"/>
               </a:gs>
-              <a:gs pos="6000">
+              <a:gs pos="15000">
                 <a:srgbClr val="12D4E8"/>
               </a:gs>
-              <a:gs pos="15000">
+              <a:gs pos="35000">
                 <a:srgbClr val="175CF5"/>
               </a:gs>
-              <a:gs pos="10000">
+              <a:gs pos="26000">
                 <a:srgbClr val="10A1EA"/>
               </a:gs>
-              <a:gs pos="22000">
+              <a:gs pos="46000">
                 <a:srgbClr val="175CF5"/>
               </a:gs>
             </a:gsLst>
@@ -12404,37 +18275,7 @@
           </a:bodyPr>
           <a:lstStyle/>
           <a:p>
-            <a:pPr marL="0" marR="0" lvl="0" indent="0" algn="l" defTabSz="457200" rtl="0" eaLnBrk="1" fontAlgn="auto" latinLnBrk="0" hangingPunct="1">
-              <a:lnSpc>
-                <a:spcPct val="100000"/>
-              </a:lnSpc>
-              <a:spcBef>
-                <a:spcPts val="0"/>
-              </a:spcBef>
-              <a:spcAft>
-                <a:spcPts val="0"/>
-              </a:spcAft>
-              <a:buClrTx/>
-              <a:buSzTx/>
-              <a:buFontTx/>
-              <a:buNone/>
-              <a:tabLst/>
-              <a:defRPr/>
-            </a:pPr>
-            <a:endParaRPr kumimoji="0" lang="de-DE" sz="1800" b="0" i="0" u="none" strike="noStrike" kern="1200" cap="none" spc="0" normalizeH="0" baseline="0" noProof="0">
-              <a:ln>
-                <a:noFill/>
-              </a:ln>
-              <a:solidFill>
-                <a:prstClr val="white"/>
-              </a:solidFill>
-              <a:effectLst/>
-              <a:uLnTx/>
-              <a:uFillTx/>
-              <a:latin typeface="Calibri" panose="020F0502020204030204"/>
-              <a:ea typeface="+mn-ea"/>
-              <a:cs typeface="+mn-cs"/>
-            </a:endParaRPr>
+            <a:endParaRPr lang="de-DE"/>
           </a:p>
         </p:txBody>
       </p:sp>
@@ -12464,70 +18305,18 @@
           <a:bodyPr/>
           <a:lstStyle/>
           <a:p>
-            <a:pPr marL="0" marR="0" lvl="0" indent="0" algn="r" defTabSz="457200" rtl="0" eaLnBrk="1" fontAlgn="auto" latinLnBrk="0" hangingPunct="1">
-              <a:lnSpc>
-                <a:spcPct val="100000"/>
-              </a:lnSpc>
-              <a:spcBef>
-                <a:spcPts val="0"/>
-              </a:spcBef>
-              <a:spcAft>
-                <a:spcPts val="0"/>
-              </a:spcAft>
-              <a:buClrTx/>
-              <a:buSzTx/>
-              <a:buFontTx/>
-              <a:buNone/>
-              <a:tabLst/>
-              <a:defRPr/>
-            </a:pPr>
             <a:fld id="{D3D8A29C-259F-45D5-BFFA-A48772AC905C}" type="slidenum">
-              <a:rPr kumimoji="0" lang="de-DE" sz="900" b="0" i="0" u="none" strike="noStrike" kern="1200" cap="none" spc="0" normalizeH="0" baseline="0" noProof="0" smtClean="0">
-                <a:ln>
-                  <a:noFill/>
-                </a:ln>
+              <a:rPr lang="de-DE" smtClean="0">
                 <a:solidFill>
                   <a:srgbClr val="2E4186"/>
                 </a:solidFill>
-                <a:effectLst/>
-                <a:uLnTx/>
-                <a:uFillTx/>
-                <a:latin typeface="Calibri" panose="020F0502020204030204"/>
-                <a:ea typeface="+mn-ea"/>
-                <a:cs typeface="+mn-cs"/>
               </a:rPr>
-              <a:pPr marL="0" marR="0" lvl="0" indent="0" algn="r" defTabSz="457200" rtl="0" eaLnBrk="1" fontAlgn="auto" latinLnBrk="0" hangingPunct="1">
-                <a:lnSpc>
-                  <a:spcPct val="100000"/>
-                </a:lnSpc>
-                <a:spcBef>
-                  <a:spcPts val="0"/>
-                </a:spcBef>
-                <a:spcAft>
-                  <a:spcPts val="0"/>
-                </a:spcAft>
-                <a:buClrTx/>
-                <a:buSzTx/>
-                <a:buFontTx/>
-                <a:buNone/>
-                <a:tabLst/>
-                <a:defRPr/>
-              </a:pPr>
               <a:t>9</a:t>
             </a:fld>
-            <a:endParaRPr kumimoji="0" lang="de-DE" sz="900" b="0" i="0" u="none" strike="noStrike" kern="1200" cap="none" spc="0" normalizeH="0" baseline="0" noProof="0" dirty="0">
-              <a:ln>
-                <a:noFill/>
-              </a:ln>
+            <a:endParaRPr lang="de-DE" dirty="0">
               <a:solidFill>
                 <a:srgbClr val="2E4186"/>
               </a:solidFill>
-              <a:effectLst/>
-              <a:uLnTx/>
-              <a:uFillTx/>
-              <a:latin typeface="Calibri" panose="020F0502020204030204"/>
-              <a:ea typeface="+mn-ea"/>
-              <a:cs typeface="+mn-cs"/>
             </a:endParaRPr>
           </a:p>
         </p:txBody>
@@ -12575,36 +18364,6 @@
           </a:fontRef>
         </p:style>
       </p:cxnSp>
-      <p:pic>
-        <p:nvPicPr>
-          <p:cNvPr id="39" name="Grafik 38">
-            <a:extLst>
-              <a:ext uri="{FF2B5EF4-FFF2-40B4-BE49-F238E27FC236}">
-                <a16:creationId xmlns:a16="http://schemas.microsoft.com/office/drawing/2014/main" id="{83A8EE2E-0954-6F9A-1734-5FCF5AFB3FA0}"/>
-              </a:ext>
-            </a:extLst>
-          </p:cNvPr>
-          <p:cNvPicPr>
-            <a:picLocks noChangeAspect="1"/>
-          </p:cNvPicPr>
-          <p:nvPr/>
-        </p:nvPicPr>
-        <p:blipFill>
-          <a:blip r:embed="rId3"/>
-          <a:stretch>
-            <a:fillRect/>
-          </a:stretch>
-        </p:blipFill>
-        <p:spPr>
-          <a:xfrm>
-            <a:off x="7644639" y="107468"/>
-            <a:ext cx="1385921" cy="1236316"/>
-          </a:xfrm>
-          <a:prstGeom prst="rect">
-            <a:avLst/>
-          </a:prstGeom>
-        </p:spPr>
-      </p:pic>
       <p:cxnSp>
         <p:nvCxnSpPr>
           <p:cNvPr id="42" name="Gerader Verbinder 41">
@@ -12663,13 +18422,13 @@
           <p:nvPr/>
         </p:nvPicPr>
         <p:blipFill>
-          <a:blip r:embed="rId4">
+          <a:blip r:embed="rId3">
             <a:extLst>
               <a:ext uri="{28A0092B-C50C-407E-A947-70E740481C1C}">
                 <a14:useLocalDpi xmlns:a14="http://schemas.microsoft.com/office/drawing/2010/main" val="0"/>
               </a:ext>
               <a:ext uri="{96DAC541-7B7A-43D3-8B79-37D633B846F1}">
-                <asvg:svgBlip xmlns:asvg="http://schemas.microsoft.com/office/drawing/2016/SVG/main" r:embed="rId5"/>
+                <asvg:svgBlip xmlns:asvg="http://schemas.microsoft.com/office/drawing/2016/SVG/main" r:embed="rId4"/>
               </a:ext>
             </a:extLst>
           </a:blip>
@@ -12689,10 +18448,10 @@
       </p:pic>
       <p:pic>
         <p:nvPicPr>
-          <p:cNvPr id="47" name="Grafik 46" descr="DNA mit einfarbiger Füllung">
-            <a:extLst>
-              <a:ext uri="{FF2B5EF4-FFF2-40B4-BE49-F238E27FC236}">
-                <a16:creationId xmlns:a16="http://schemas.microsoft.com/office/drawing/2014/main" id="{E6445AF2-A601-F24F-39D8-B822D387361F}"/>
+          <p:cNvPr id="49" name="Grafik 48" descr="DNA Silhouette">
+            <a:extLst>
+              <a:ext uri="{FF2B5EF4-FFF2-40B4-BE49-F238E27FC236}">
+                <a16:creationId xmlns:a16="http://schemas.microsoft.com/office/drawing/2014/main" id="{6DEF5C3C-BCD8-CE26-6A1F-44421E61A3CA}"/>
               </a:ext>
             </a:extLst>
           </p:cNvPr>
@@ -12702,13 +18461,13 @@
           <p:nvPr/>
         </p:nvPicPr>
         <p:blipFill>
-          <a:blip r:embed="rId6">
+          <a:blip r:embed="rId5">
             <a:extLst>
               <a:ext uri="{28A0092B-C50C-407E-A947-70E740481C1C}">
                 <a14:useLocalDpi xmlns:a14="http://schemas.microsoft.com/office/drawing/2010/main" val="0"/>
               </a:ext>
               <a:ext uri="{96DAC541-7B7A-43D3-8B79-37D633B846F1}">
-                <asvg:svgBlip xmlns:asvg="http://schemas.microsoft.com/office/drawing/2016/SVG/main" r:embed="rId7"/>
+                <asvg:svgBlip xmlns:asvg="http://schemas.microsoft.com/office/drawing/2016/SVG/main" r:embed="rId6"/>
               </a:ext>
             </a:extLst>
           </a:blip>
@@ -12718,7 +18477,7 @@
         </p:blipFill>
         <p:spPr>
           <a:xfrm>
-            <a:off x="147947" y="872897"/>
+            <a:off x="143735" y="872897"/>
             <a:ext cx="406921" cy="406921"/>
           </a:xfrm>
           <a:prstGeom prst="rect">
@@ -12728,10 +18487,10 @@
       </p:pic>
       <p:pic>
         <p:nvPicPr>
-          <p:cNvPr id="51" name="Grafik 50" descr="Balkendiagramm Silhouette">
-            <a:extLst>
-              <a:ext uri="{FF2B5EF4-FFF2-40B4-BE49-F238E27FC236}">
-                <a16:creationId xmlns:a16="http://schemas.microsoft.com/office/drawing/2014/main" id="{96C3BDE6-7984-B720-4EB5-C4480C42E2EA}"/>
+          <p:cNvPr id="53" name="Grafik 52" descr="Balkendiagramm mit einfarbiger Füllung">
+            <a:extLst>
+              <a:ext uri="{FF2B5EF4-FFF2-40B4-BE49-F238E27FC236}">
+                <a16:creationId xmlns:a16="http://schemas.microsoft.com/office/drawing/2014/main" id="{AB79FB33-E613-4BA8-9EB6-7A65F1DCEBBD}"/>
               </a:ext>
             </a:extLst>
           </p:cNvPr>
@@ -12741,13 +18500,13 @@
           <p:nvPr/>
         </p:nvPicPr>
         <p:blipFill>
-          <a:blip r:embed="rId8">
+          <a:blip r:embed="rId7">
             <a:extLst>
               <a:ext uri="{28A0092B-C50C-407E-A947-70E740481C1C}">
                 <a14:useLocalDpi xmlns:a14="http://schemas.microsoft.com/office/drawing/2010/main" val="0"/>
               </a:ext>
               <a:ext uri="{96DAC541-7B7A-43D3-8B79-37D633B846F1}">
-                <asvg:svgBlip xmlns:asvg="http://schemas.microsoft.com/office/drawing/2016/SVG/main" r:embed="rId9"/>
+                <asvg:svgBlip xmlns:asvg="http://schemas.microsoft.com/office/drawing/2016/SVG/main" r:embed="rId8"/>
               </a:ext>
             </a:extLst>
           </a:blip>
@@ -12757,7 +18516,7 @@
         </p:blipFill>
         <p:spPr>
           <a:xfrm>
-            <a:off x="156220" y="2053801"/>
+            <a:off x="161825" y="2053186"/>
             <a:ext cx="406921" cy="406921"/>
           </a:xfrm>
           <a:prstGeom prst="rect">
@@ -12780,13 +18539,13 @@
           <p:nvPr/>
         </p:nvPicPr>
         <p:blipFill>
-          <a:blip r:embed="rId10">
+          <a:blip r:embed="rId9">
             <a:extLst>
               <a:ext uri="{28A0092B-C50C-407E-A947-70E740481C1C}">
                 <a14:useLocalDpi xmlns:a14="http://schemas.microsoft.com/office/drawing/2010/main" val="0"/>
               </a:ext>
               <a:ext uri="{96DAC541-7B7A-43D3-8B79-37D633B846F1}">
-                <asvg:svgBlip xmlns:asvg="http://schemas.microsoft.com/office/drawing/2016/SVG/main" r:embed="rId11"/>
+                <asvg:svgBlip xmlns:asvg="http://schemas.microsoft.com/office/drawing/2016/SVG/main" r:embed="rId10"/>
               </a:ext>
             </a:extLst>
           </a:blip>
@@ -12804,47 +18563,12 @@
           </a:prstGeom>
         </p:spPr>
       </p:pic>
-      <p:sp>
-        <p:nvSpPr>
-          <p:cNvPr id="16" name="Textfeld 15">
-            <a:extLst>
-              <a:ext uri="{FF2B5EF4-FFF2-40B4-BE49-F238E27FC236}">
-                <a16:creationId xmlns:a16="http://schemas.microsoft.com/office/drawing/2014/main" id="{879B0F17-F148-5E16-8821-AF3E7006B5BB}"/>
-              </a:ext>
-            </a:extLst>
-          </p:cNvPr>
-          <p:cNvSpPr txBox="1"/>
-          <p:nvPr/>
-        </p:nvSpPr>
-        <p:spPr>
-          <a:xfrm>
-            <a:off x="513839" y="888373"/>
-            <a:ext cx="1831418" cy="830997"/>
-          </a:xfrm>
-          <a:prstGeom prst="rect">
-            <a:avLst/>
-          </a:prstGeom>
-          <a:noFill/>
-        </p:spPr>
-        <p:txBody>
-          <a:bodyPr wrap="square" rtlCol="0">
-            <a:spAutoFit/>
-          </a:bodyPr>
-          <a:lstStyle/>
-          <a:p>
-            <a:r>
-              <a:rPr lang="en-US" sz="2400" dirty="0"/>
-              <a:t>1. Embryonic development </a:t>
-            </a:r>
-          </a:p>
-        </p:txBody>
-      </p:sp>
       <p:pic>
         <p:nvPicPr>
-          <p:cNvPr id="7" name="Grafik 6">
-            <a:extLst>
-              <a:ext uri="{FF2B5EF4-FFF2-40B4-BE49-F238E27FC236}">
-                <a16:creationId xmlns:a16="http://schemas.microsoft.com/office/drawing/2014/main" id="{17482163-8702-A1F8-2EB9-A965CF0A59D7}"/>
+          <p:cNvPr id="39" name="Grafik 38">
+            <a:extLst>
+              <a:ext uri="{FF2B5EF4-FFF2-40B4-BE49-F238E27FC236}">
+                <a16:creationId xmlns:a16="http://schemas.microsoft.com/office/drawing/2014/main" id="{83A8EE2E-0954-6F9A-1734-5FCF5AFB3FA0}"/>
               </a:ext>
             </a:extLst>
           </p:cNvPr>
@@ -12854,194 +18578,694 @@
           <p:nvPr/>
         </p:nvPicPr>
         <p:blipFill>
-          <a:blip r:embed="rId12"/>
+          <a:blip r:embed="rId11"/>
           <a:stretch>
             <a:fillRect/>
           </a:stretch>
         </p:blipFill>
         <p:spPr>
           <a:xfrm>
-            <a:off x="716954" y="3179109"/>
-            <a:ext cx="5181600" cy="2152650"/>
+            <a:off x="7644639" y="107468"/>
+            <a:ext cx="1385921" cy="1236316"/>
           </a:xfrm>
           <a:prstGeom prst="rect">
             <a:avLst/>
           </a:prstGeom>
         </p:spPr>
       </p:pic>
-      <p:pic>
-        <p:nvPicPr>
-          <p:cNvPr id="10" name="Grafik 9">
-            <a:extLst>
-              <a:ext uri="{FF2B5EF4-FFF2-40B4-BE49-F238E27FC236}">
-                <a16:creationId xmlns:a16="http://schemas.microsoft.com/office/drawing/2014/main" id="{6308888F-68EA-DE24-E3AE-5E857571F4D0}"/>
-              </a:ext>
-            </a:extLst>
-          </p:cNvPr>
-          <p:cNvPicPr>
-            <a:picLocks noChangeAspect="1"/>
-          </p:cNvPicPr>
-          <p:nvPr/>
-        </p:nvPicPr>
-        <p:blipFill>
-          <a:blip r:embed="rId13"/>
-          <a:stretch>
-            <a:fillRect/>
-          </a:stretch>
-        </p:blipFill>
-        <p:spPr>
-          <a:xfrm>
-            <a:off x="2513494" y="941065"/>
-            <a:ext cx="5168257" cy="2152650"/>
-          </a:xfrm>
-          <a:prstGeom prst="rect">
-            <a:avLst/>
-          </a:prstGeom>
-        </p:spPr>
-      </p:pic>
-      <p:sp>
-        <p:nvSpPr>
-          <p:cNvPr id="11" name="Rechteck 10">
-            <a:extLst>
-              <a:ext uri="{FF2B5EF4-FFF2-40B4-BE49-F238E27FC236}">
-                <a16:creationId xmlns:a16="http://schemas.microsoft.com/office/drawing/2014/main" id="{DB5AC42D-1AD2-5784-5C27-A0E25DD6F19C}"/>
-              </a:ext>
-            </a:extLst>
-          </p:cNvPr>
-          <p:cNvSpPr/>
-          <p:nvPr/>
-        </p:nvSpPr>
-        <p:spPr>
-          <a:xfrm>
-            <a:off x="5086187" y="1002847"/>
-            <a:ext cx="2595563" cy="2069078"/>
-          </a:xfrm>
-          <a:prstGeom prst="rect">
-            <a:avLst/>
-          </a:prstGeom>
-          <a:noFill/>
-          <a:ln w="28575">
-            <a:solidFill>
-              <a:srgbClr val="FF0000"/>
-            </a:solidFill>
-          </a:ln>
-        </p:spPr>
-        <p:style>
-          <a:lnRef idx="2">
-            <a:schemeClr val="accent1">
-              <a:shade val="50000"/>
-            </a:schemeClr>
-          </a:lnRef>
-          <a:fillRef idx="1">
-            <a:schemeClr val="accent1"/>
-          </a:fillRef>
-          <a:effectRef idx="0">
-            <a:schemeClr val="accent1"/>
-          </a:effectRef>
-          <a:fontRef idx="minor">
-            <a:schemeClr val="lt1"/>
-          </a:fontRef>
-        </p:style>
-        <p:txBody>
-          <a:bodyPr rtlCol="0" anchor="ctr"/>
-          <a:lstStyle/>
-          <a:p>
-            <a:pPr algn="ctr"/>
-            <a:endParaRPr lang="en-US"/>
-          </a:p>
-        </p:txBody>
-      </p:sp>
-      <p:sp>
-        <p:nvSpPr>
-          <p:cNvPr id="12" name="Rechteck 11">
-            <a:extLst>
-              <a:ext uri="{FF2B5EF4-FFF2-40B4-BE49-F238E27FC236}">
-                <a16:creationId xmlns:a16="http://schemas.microsoft.com/office/drawing/2014/main" id="{9AF83FD7-1555-3BDE-7C81-5CD6F764445A}"/>
-              </a:ext>
-            </a:extLst>
-          </p:cNvPr>
-          <p:cNvSpPr/>
-          <p:nvPr/>
-        </p:nvSpPr>
-        <p:spPr>
-          <a:xfrm>
-            <a:off x="721786" y="3199100"/>
-            <a:ext cx="2600253" cy="2140777"/>
-          </a:xfrm>
-          <a:prstGeom prst="rect">
-            <a:avLst/>
-          </a:prstGeom>
-          <a:noFill/>
-          <a:ln w="28575">
-            <a:solidFill>
-              <a:srgbClr val="FF0000"/>
-            </a:solidFill>
-          </a:ln>
-        </p:spPr>
-        <p:style>
-          <a:lnRef idx="2">
-            <a:schemeClr val="accent1">
-              <a:shade val="50000"/>
-            </a:schemeClr>
-          </a:lnRef>
-          <a:fillRef idx="1">
-            <a:schemeClr val="accent1"/>
-          </a:fillRef>
-          <a:effectRef idx="0">
-            <a:schemeClr val="accent1"/>
-          </a:effectRef>
-          <a:fontRef idx="minor">
-            <a:schemeClr val="lt1"/>
-          </a:fontRef>
-        </p:style>
-        <p:txBody>
-          <a:bodyPr rtlCol="0" anchor="ctr"/>
-          <a:lstStyle/>
-          <a:p>
-            <a:pPr algn="ctr"/>
-            <a:endParaRPr lang="en-US"/>
-          </a:p>
-        </p:txBody>
-      </p:sp>
-      <p:sp>
-        <p:nvSpPr>
-          <p:cNvPr id="15" name="Textfeld 14">
-            <a:extLst>
-              <a:ext uri="{FF2B5EF4-FFF2-40B4-BE49-F238E27FC236}">
-                <a16:creationId xmlns:a16="http://schemas.microsoft.com/office/drawing/2014/main" id="{DB3E2AB2-A001-D3F4-AF15-C9E1FA2FD984}"/>
-              </a:ext>
-            </a:extLst>
-          </p:cNvPr>
-          <p:cNvSpPr txBox="1"/>
-          <p:nvPr/>
-        </p:nvSpPr>
-        <p:spPr>
-          <a:xfrm>
-            <a:off x="7155992" y="3209915"/>
-            <a:ext cx="1676158" cy="577081"/>
-          </a:xfrm>
-          <a:prstGeom prst="rect">
-            <a:avLst/>
-          </a:prstGeom>
-          <a:noFill/>
-        </p:spPr>
-        <p:txBody>
-          <a:bodyPr wrap="square" rtlCol="0">
-            <a:spAutoFit/>
-          </a:bodyPr>
-          <a:lstStyle/>
-          <a:p>
-            <a:r>
-              <a:rPr lang="en-US" sz="1050" dirty="0"/>
-              <a:t>https://www.pinterest.de/supermamame/fetus-week-by-week/</a:t>
-            </a:r>
-          </a:p>
-        </p:txBody>
-      </p:sp>
+      <p:grpSp>
+        <p:nvGrpSpPr>
+          <p:cNvPr id="48" name="Gruppieren 47">
+            <a:extLst>
+              <a:ext uri="{FF2B5EF4-FFF2-40B4-BE49-F238E27FC236}">
+                <a16:creationId xmlns:a16="http://schemas.microsoft.com/office/drawing/2014/main" id="{096C3769-587E-D85E-0A22-D0A0D83C9E66}"/>
+              </a:ext>
+            </a:extLst>
+          </p:cNvPr>
+          <p:cNvGrpSpPr/>
+          <p:nvPr/>
+        </p:nvGrpSpPr>
+        <p:grpSpPr>
+          <a:xfrm>
+            <a:off x="598485" y="913051"/>
+            <a:ext cx="7385601" cy="5238922"/>
+            <a:chOff x="598485" y="913051"/>
+            <a:chExt cx="7385601" cy="5238922"/>
+          </a:xfrm>
+        </p:grpSpPr>
+        <p:pic>
+          <p:nvPicPr>
+            <p:cNvPr id="4" name="Grafik 3">
+              <a:extLst>
+                <a:ext uri="{FF2B5EF4-FFF2-40B4-BE49-F238E27FC236}">
+                  <a16:creationId xmlns:a16="http://schemas.microsoft.com/office/drawing/2014/main" id="{1FAB96EF-F450-2C20-97E9-B1000E96D958}"/>
+                </a:ext>
+              </a:extLst>
+            </p:cNvPr>
+            <p:cNvPicPr>
+              <a:picLocks noChangeAspect="1"/>
+            </p:cNvPicPr>
+            <p:nvPr/>
+          </p:nvPicPr>
+          <p:blipFill>
+            <a:blip r:embed="rId12">
+              <a:extLst>
+                <a:ext uri="{28A0092B-C50C-407E-A947-70E740481C1C}">
+                  <a14:useLocalDpi xmlns:a14="http://schemas.microsoft.com/office/drawing/2010/main" val="0"/>
+                </a:ext>
+              </a:extLst>
+            </a:blip>
+            <a:stretch>
+              <a:fillRect/>
+            </a:stretch>
+          </p:blipFill>
+          <p:spPr>
+            <a:xfrm>
+              <a:off x="607943" y="913293"/>
+              <a:ext cx="1895833" cy="1170000"/>
+            </a:xfrm>
+            <a:prstGeom prst="rect">
+              <a:avLst/>
+            </a:prstGeom>
+          </p:spPr>
+        </p:pic>
+        <p:pic>
+          <p:nvPicPr>
+            <p:cNvPr id="6" name="Grafik 5">
+              <a:extLst>
+                <a:ext uri="{FF2B5EF4-FFF2-40B4-BE49-F238E27FC236}">
+                  <a16:creationId xmlns:a16="http://schemas.microsoft.com/office/drawing/2014/main" id="{0FFDBF95-ACFB-D61F-6698-91771BFC683A}"/>
+                </a:ext>
+              </a:extLst>
+            </p:cNvPr>
+            <p:cNvPicPr>
+              <a:picLocks noChangeAspect="1"/>
+            </p:cNvPicPr>
+            <p:nvPr/>
+          </p:nvPicPr>
+          <p:blipFill>
+            <a:blip r:embed="rId13">
+              <a:extLst>
+                <a:ext uri="{28A0092B-C50C-407E-A947-70E740481C1C}">
+                  <a14:useLocalDpi xmlns:a14="http://schemas.microsoft.com/office/drawing/2010/main" val="0"/>
+                </a:ext>
+              </a:extLst>
+            </a:blip>
+            <a:stretch>
+              <a:fillRect/>
+            </a:stretch>
+          </p:blipFill>
+          <p:spPr>
+            <a:xfrm>
+              <a:off x="2457757" y="913051"/>
+              <a:ext cx="1895834" cy="1170000"/>
+            </a:xfrm>
+            <a:prstGeom prst="rect">
+              <a:avLst/>
+            </a:prstGeom>
+          </p:spPr>
+        </p:pic>
+        <p:pic>
+          <p:nvPicPr>
+            <p:cNvPr id="8" name="Grafik 7">
+              <a:extLst>
+                <a:ext uri="{FF2B5EF4-FFF2-40B4-BE49-F238E27FC236}">
+                  <a16:creationId xmlns:a16="http://schemas.microsoft.com/office/drawing/2014/main" id="{21C84FEE-7792-D0AF-F898-E3D0C47EDDC2}"/>
+                </a:ext>
+              </a:extLst>
+            </p:cNvPr>
+            <p:cNvPicPr>
+              <a:picLocks noChangeAspect="1"/>
+            </p:cNvPicPr>
+            <p:nvPr/>
+          </p:nvPicPr>
+          <p:blipFill>
+            <a:blip r:embed="rId14">
+              <a:extLst>
+                <a:ext uri="{28A0092B-C50C-407E-A947-70E740481C1C}">
+                  <a14:useLocalDpi xmlns:a14="http://schemas.microsoft.com/office/drawing/2010/main" val="0"/>
+                </a:ext>
+              </a:extLst>
+            </a:blip>
+            <a:stretch>
+              <a:fillRect/>
+            </a:stretch>
+          </p:blipFill>
+          <p:spPr>
+            <a:xfrm>
+              <a:off x="4307571" y="921087"/>
+              <a:ext cx="1895834" cy="1170000"/>
+            </a:xfrm>
+            <a:prstGeom prst="rect">
+              <a:avLst/>
+            </a:prstGeom>
+          </p:spPr>
+        </p:pic>
+        <p:pic>
+          <p:nvPicPr>
+            <p:cNvPr id="11" name="Grafik 10">
+              <a:extLst>
+                <a:ext uri="{FF2B5EF4-FFF2-40B4-BE49-F238E27FC236}">
+                  <a16:creationId xmlns:a16="http://schemas.microsoft.com/office/drawing/2014/main" id="{E402FE35-4ABA-9B22-E188-DF841F2B2849}"/>
+                </a:ext>
+              </a:extLst>
+            </p:cNvPr>
+            <p:cNvPicPr>
+              <a:picLocks noChangeAspect="1"/>
+            </p:cNvPicPr>
+            <p:nvPr/>
+          </p:nvPicPr>
+          <p:blipFill>
+            <a:blip r:embed="rId15">
+              <a:extLst>
+                <a:ext uri="{28A0092B-C50C-407E-A947-70E740481C1C}">
+                  <a14:useLocalDpi xmlns:a14="http://schemas.microsoft.com/office/drawing/2010/main" val="0"/>
+                </a:ext>
+              </a:extLst>
+            </a:blip>
+            <a:stretch>
+              <a:fillRect/>
+            </a:stretch>
+          </p:blipFill>
+          <p:spPr>
+            <a:xfrm>
+              <a:off x="6080238" y="921087"/>
+              <a:ext cx="1895834" cy="1170000"/>
+            </a:xfrm>
+            <a:prstGeom prst="rect">
+              <a:avLst/>
+            </a:prstGeom>
+          </p:spPr>
+        </p:pic>
+        <p:pic>
+          <p:nvPicPr>
+            <p:cNvPr id="15" name="Grafik 14">
+              <a:extLst>
+                <a:ext uri="{FF2B5EF4-FFF2-40B4-BE49-F238E27FC236}">
+                  <a16:creationId xmlns:a16="http://schemas.microsoft.com/office/drawing/2014/main" id="{91A1872F-B5E9-A6F8-1F8E-AC7A2B8F2074}"/>
+                </a:ext>
+              </a:extLst>
+            </p:cNvPr>
+            <p:cNvPicPr>
+              <a:picLocks noChangeAspect="1"/>
+            </p:cNvPicPr>
+            <p:nvPr/>
+          </p:nvPicPr>
+          <p:blipFill>
+            <a:blip r:embed="rId16">
+              <a:extLst>
+                <a:ext uri="{28A0092B-C50C-407E-A947-70E740481C1C}">
+                  <a14:useLocalDpi xmlns:a14="http://schemas.microsoft.com/office/drawing/2010/main" val="0"/>
+                </a:ext>
+              </a:extLst>
+            </a:blip>
+            <a:stretch>
+              <a:fillRect/>
+            </a:stretch>
+          </p:blipFill>
+          <p:spPr>
+            <a:xfrm>
+              <a:off x="607746" y="1921059"/>
+              <a:ext cx="1895834" cy="1170000"/>
+            </a:xfrm>
+            <a:prstGeom prst="rect">
+              <a:avLst/>
+            </a:prstGeom>
+          </p:spPr>
+        </p:pic>
+        <p:pic>
+          <p:nvPicPr>
+            <p:cNvPr id="17" name="Grafik 16">
+              <a:extLst>
+                <a:ext uri="{FF2B5EF4-FFF2-40B4-BE49-F238E27FC236}">
+                  <a16:creationId xmlns:a16="http://schemas.microsoft.com/office/drawing/2014/main" id="{1C3A9C45-F03B-CFD1-B137-D3A20516E14F}"/>
+                </a:ext>
+              </a:extLst>
+            </p:cNvPr>
+            <p:cNvPicPr>
+              <a:picLocks noChangeAspect="1"/>
+            </p:cNvPicPr>
+            <p:nvPr/>
+          </p:nvPicPr>
+          <p:blipFill>
+            <a:blip r:embed="rId17">
+              <a:extLst>
+                <a:ext uri="{28A0092B-C50C-407E-A947-70E740481C1C}">
+                  <a14:useLocalDpi xmlns:a14="http://schemas.microsoft.com/office/drawing/2010/main" val="0"/>
+                </a:ext>
+              </a:extLst>
+            </a:blip>
+            <a:stretch>
+              <a:fillRect/>
+            </a:stretch>
+          </p:blipFill>
+          <p:spPr>
+            <a:xfrm>
+              <a:off x="2464580" y="1928853"/>
+              <a:ext cx="1895834" cy="1170000"/>
+            </a:xfrm>
+            <a:prstGeom prst="rect">
+              <a:avLst/>
+            </a:prstGeom>
+          </p:spPr>
+        </p:pic>
+        <p:pic>
+          <p:nvPicPr>
+            <p:cNvPr id="19" name="Grafik 18">
+              <a:extLst>
+                <a:ext uri="{FF2B5EF4-FFF2-40B4-BE49-F238E27FC236}">
+                  <a16:creationId xmlns:a16="http://schemas.microsoft.com/office/drawing/2014/main" id="{730EEB42-5057-09A3-BFE0-2A7104C0CD7E}"/>
+                </a:ext>
+              </a:extLst>
+            </p:cNvPr>
+            <p:cNvPicPr>
+              <a:picLocks noChangeAspect="1"/>
+            </p:cNvPicPr>
+            <p:nvPr/>
+          </p:nvPicPr>
+          <p:blipFill>
+            <a:blip r:embed="rId18">
+              <a:extLst>
+                <a:ext uri="{28A0092B-C50C-407E-A947-70E740481C1C}">
+                  <a14:useLocalDpi xmlns:a14="http://schemas.microsoft.com/office/drawing/2010/main" val="0"/>
+                </a:ext>
+              </a:extLst>
+            </a:blip>
+            <a:stretch>
+              <a:fillRect/>
+            </a:stretch>
+          </p:blipFill>
+          <p:spPr>
+            <a:xfrm>
+              <a:off x="4303365" y="1928611"/>
+              <a:ext cx="1895834" cy="1170000"/>
+            </a:xfrm>
+            <a:prstGeom prst="rect">
+              <a:avLst/>
+            </a:prstGeom>
+          </p:spPr>
+        </p:pic>
+        <p:pic>
+          <p:nvPicPr>
+            <p:cNvPr id="21" name="Grafik 20">
+              <a:extLst>
+                <a:ext uri="{FF2B5EF4-FFF2-40B4-BE49-F238E27FC236}">
+                  <a16:creationId xmlns:a16="http://schemas.microsoft.com/office/drawing/2014/main" id="{6BA5A92D-B68A-8088-3DD6-C12912FFB86C}"/>
+                </a:ext>
+              </a:extLst>
+            </p:cNvPr>
+            <p:cNvPicPr>
+              <a:picLocks noChangeAspect="1"/>
+            </p:cNvPicPr>
+            <p:nvPr/>
+          </p:nvPicPr>
+          <p:blipFill>
+            <a:blip r:embed="rId19">
+              <a:extLst>
+                <a:ext uri="{28A0092B-C50C-407E-A947-70E740481C1C}">
+                  <a14:useLocalDpi xmlns:a14="http://schemas.microsoft.com/office/drawing/2010/main" val="0"/>
+                </a:ext>
+              </a:extLst>
+            </a:blip>
+            <a:stretch>
+              <a:fillRect/>
+            </a:stretch>
+          </p:blipFill>
+          <p:spPr>
+            <a:xfrm>
+              <a:off x="6084245" y="1922180"/>
+              <a:ext cx="1895834" cy="1170000"/>
+            </a:xfrm>
+            <a:prstGeom prst="rect">
+              <a:avLst/>
+            </a:prstGeom>
+          </p:spPr>
+        </p:pic>
+        <p:pic>
+          <p:nvPicPr>
+            <p:cNvPr id="25" name="Grafik 24">
+              <a:extLst>
+                <a:ext uri="{FF2B5EF4-FFF2-40B4-BE49-F238E27FC236}">
+                  <a16:creationId xmlns:a16="http://schemas.microsoft.com/office/drawing/2014/main" id="{5AAF38B6-87BE-CEFC-A88D-48CA627D61B9}"/>
+                </a:ext>
+              </a:extLst>
+            </p:cNvPr>
+            <p:cNvPicPr>
+              <a:picLocks noChangeAspect="1"/>
+            </p:cNvPicPr>
+            <p:nvPr/>
+          </p:nvPicPr>
+          <p:blipFill>
+            <a:blip r:embed="rId20">
+              <a:extLst>
+                <a:ext uri="{28A0092B-C50C-407E-A947-70E740481C1C}">
+                  <a14:useLocalDpi xmlns:a14="http://schemas.microsoft.com/office/drawing/2010/main" val="0"/>
+                </a:ext>
+              </a:extLst>
+            </a:blip>
+            <a:stretch>
+              <a:fillRect/>
+            </a:stretch>
+          </p:blipFill>
+          <p:spPr>
+            <a:xfrm>
+              <a:off x="602914" y="2944413"/>
+              <a:ext cx="1895834" cy="1170000"/>
+            </a:xfrm>
+            <a:prstGeom prst="rect">
+              <a:avLst/>
+            </a:prstGeom>
+          </p:spPr>
+        </p:pic>
+        <p:pic>
+          <p:nvPicPr>
+            <p:cNvPr id="27" name="Grafik 26">
+              <a:extLst>
+                <a:ext uri="{FF2B5EF4-FFF2-40B4-BE49-F238E27FC236}">
+                  <a16:creationId xmlns:a16="http://schemas.microsoft.com/office/drawing/2014/main" id="{2A44E5DB-33C3-C435-B9E3-D81E555D3082}"/>
+                </a:ext>
+              </a:extLst>
+            </p:cNvPr>
+            <p:cNvPicPr>
+              <a:picLocks noChangeAspect="1"/>
+            </p:cNvPicPr>
+            <p:nvPr/>
+          </p:nvPicPr>
+          <p:blipFill>
+            <a:blip r:embed="rId21">
+              <a:extLst>
+                <a:ext uri="{28A0092B-C50C-407E-A947-70E740481C1C}">
+                  <a14:useLocalDpi xmlns:a14="http://schemas.microsoft.com/office/drawing/2010/main" val="0"/>
+                </a:ext>
+              </a:extLst>
+            </a:blip>
+            <a:stretch>
+              <a:fillRect/>
+            </a:stretch>
+          </p:blipFill>
+          <p:spPr>
+            <a:xfrm>
+              <a:off x="2498748" y="2953597"/>
+              <a:ext cx="1895834" cy="1170000"/>
+            </a:xfrm>
+            <a:prstGeom prst="rect">
+              <a:avLst/>
+            </a:prstGeom>
+          </p:spPr>
+        </p:pic>
+        <p:pic>
+          <p:nvPicPr>
+            <p:cNvPr id="29" name="Grafik 28">
+              <a:extLst>
+                <a:ext uri="{FF2B5EF4-FFF2-40B4-BE49-F238E27FC236}">
+                  <a16:creationId xmlns:a16="http://schemas.microsoft.com/office/drawing/2014/main" id="{E6942119-9C56-0579-DC23-D12BD8937CFA}"/>
+                </a:ext>
+              </a:extLst>
+            </p:cNvPr>
+            <p:cNvPicPr>
+              <a:picLocks noChangeAspect="1"/>
+            </p:cNvPicPr>
+            <p:nvPr/>
+          </p:nvPicPr>
+          <p:blipFill>
+            <a:blip r:embed="rId22">
+              <a:extLst>
+                <a:ext uri="{28A0092B-C50C-407E-A947-70E740481C1C}">
+                  <a14:useLocalDpi xmlns:a14="http://schemas.microsoft.com/office/drawing/2010/main" val="0"/>
+                </a:ext>
+              </a:extLst>
+            </a:blip>
+            <a:stretch>
+              <a:fillRect/>
+            </a:stretch>
+          </p:blipFill>
+          <p:spPr>
+            <a:xfrm>
+              <a:off x="4303365" y="2953597"/>
+              <a:ext cx="1895834" cy="1170000"/>
+            </a:xfrm>
+            <a:prstGeom prst="rect">
+              <a:avLst/>
+            </a:prstGeom>
+          </p:spPr>
+        </p:pic>
+        <p:pic>
+          <p:nvPicPr>
+            <p:cNvPr id="31" name="Grafik 30">
+              <a:extLst>
+                <a:ext uri="{FF2B5EF4-FFF2-40B4-BE49-F238E27FC236}">
+                  <a16:creationId xmlns:a16="http://schemas.microsoft.com/office/drawing/2014/main" id="{A42DE483-2A54-6981-3D72-0859F44832D9}"/>
+                </a:ext>
+              </a:extLst>
+            </p:cNvPr>
+            <p:cNvPicPr>
+              <a:picLocks noChangeAspect="1"/>
+            </p:cNvPicPr>
+            <p:nvPr/>
+          </p:nvPicPr>
+          <p:blipFill>
+            <a:blip r:embed="rId23">
+              <a:extLst>
+                <a:ext uri="{28A0092B-C50C-407E-A947-70E740481C1C}">
+                  <a14:useLocalDpi xmlns:a14="http://schemas.microsoft.com/office/drawing/2010/main" val="0"/>
+                </a:ext>
+              </a:extLst>
+            </a:blip>
+            <a:stretch>
+              <a:fillRect/>
+            </a:stretch>
+          </p:blipFill>
+          <p:spPr>
+            <a:xfrm>
+              <a:off x="6088252" y="2964862"/>
+              <a:ext cx="1895834" cy="1170000"/>
+            </a:xfrm>
+            <a:prstGeom prst="rect">
+              <a:avLst/>
+            </a:prstGeom>
+          </p:spPr>
+        </p:pic>
+        <p:pic>
+          <p:nvPicPr>
+            <p:cNvPr id="33" name="Grafik 32">
+              <a:extLst>
+                <a:ext uri="{FF2B5EF4-FFF2-40B4-BE49-F238E27FC236}">
+                  <a16:creationId xmlns:a16="http://schemas.microsoft.com/office/drawing/2014/main" id="{BB0E5505-1898-02D2-4295-B81A6E2AEC28}"/>
+                </a:ext>
+              </a:extLst>
+            </p:cNvPr>
+            <p:cNvPicPr>
+              <a:picLocks noChangeAspect="1"/>
+            </p:cNvPicPr>
+            <p:nvPr/>
+          </p:nvPicPr>
+          <p:blipFill>
+            <a:blip r:embed="rId24">
+              <a:extLst>
+                <a:ext uri="{28A0092B-C50C-407E-A947-70E740481C1C}">
+                  <a14:useLocalDpi xmlns:a14="http://schemas.microsoft.com/office/drawing/2010/main" val="0"/>
+                </a:ext>
+              </a:extLst>
+            </a:blip>
+            <a:stretch>
+              <a:fillRect/>
+            </a:stretch>
+          </p:blipFill>
+          <p:spPr>
+            <a:xfrm>
+              <a:off x="608987" y="3952421"/>
+              <a:ext cx="1895834" cy="1170000"/>
+            </a:xfrm>
+            <a:prstGeom prst="rect">
+              <a:avLst/>
+            </a:prstGeom>
+          </p:spPr>
+        </p:pic>
+        <p:pic>
+          <p:nvPicPr>
+            <p:cNvPr id="35" name="Grafik 34">
+              <a:extLst>
+                <a:ext uri="{FF2B5EF4-FFF2-40B4-BE49-F238E27FC236}">
+                  <a16:creationId xmlns:a16="http://schemas.microsoft.com/office/drawing/2014/main" id="{0E7280FA-4D0F-95E3-459B-DAB67FCB92BC}"/>
+                </a:ext>
+              </a:extLst>
+            </p:cNvPr>
+            <p:cNvPicPr>
+              <a:picLocks noChangeAspect="1"/>
+            </p:cNvPicPr>
+            <p:nvPr/>
+          </p:nvPicPr>
+          <p:blipFill>
+            <a:blip r:embed="rId25">
+              <a:extLst>
+                <a:ext uri="{28A0092B-C50C-407E-A947-70E740481C1C}">
+                  <a14:useLocalDpi xmlns:a14="http://schemas.microsoft.com/office/drawing/2010/main" val="0"/>
+                </a:ext>
+              </a:extLst>
+            </a:blip>
+            <a:stretch>
+              <a:fillRect/>
+            </a:stretch>
+          </p:blipFill>
+          <p:spPr>
+            <a:xfrm>
+              <a:off x="2515323" y="3969157"/>
+              <a:ext cx="1895834" cy="1170000"/>
+            </a:xfrm>
+            <a:prstGeom prst="rect">
+              <a:avLst/>
+            </a:prstGeom>
+          </p:spPr>
+        </p:pic>
+        <p:pic>
+          <p:nvPicPr>
+            <p:cNvPr id="37" name="Grafik 36">
+              <a:extLst>
+                <a:ext uri="{FF2B5EF4-FFF2-40B4-BE49-F238E27FC236}">
+                  <a16:creationId xmlns:a16="http://schemas.microsoft.com/office/drawing/2014/main" id="{2A1F29F4-E582-2CCD-2137-EF59873BD940}"/>
+                </a:ext>
+              </a:extLst>
+            </p:cNvPr>
+            <p:cNvPicPr>
+              <a:picLocks noChangeAspect="1"/>
+            </p:cNvPicPr>
+            <p:nvPr/>
+          </p:nvPicPr>
+          <p:blipFill>
+            <a:blip r:embed="rId26">
+              <a:extLst>
+                <a:ext uri="{28A0092B-C50C-407E-A947-70E740481C1C}">
+                  <a14:useLocalDpi xmlns:a14="http://schemas.microsoft.com/office/drawing/2010/main" val="0"/>
+                </a:ext>
+              </a:extLst>
+            </a:blip>
+            <a:stretch>
+              <a:fillRect/>
+            </a:stretch>
+          </p:blipFill>
+          <p:spPr>
+            <a:xfrm>
+              <a:off x="4310948" y="3969839"/>
+              <a:ext cx="1895834" cy="1170000"/>
+            </a:xfrm>
+            <a:prstGeom prst="rect">
+              <a:avLst/>
+            </a:prstGeom>
+          </p:spPr>
+        </p:pic>
+        <p:pic>
+          <p:nvPicPr>
+            <p:cNvPr id="40" name="Grafik 39">
+              <a:extLst>
+                <a:ext uri="{FF2B5EF4-FFF2-40B4-BE49-F238E27FC236}">
+                  <a16:creationId xmlns:a16="http://schemas.microsoft.com/office/drawing/2014/main" id="{8BEE6FB2-108C-428A-68AC-F0883726D770}"/>
+                </a:ext>
+              </a:extLst>
+            </p:cNvPr>
+            <p:cNvPicPr>
+              <a:picLocks noChangeAspect="1"/>
+            </p:cNvPicPr>
+            <p:nvPr/>
+          </p:nvPicPr>
+          <p:blipFill>
+            <a:blip r:embed="rId27">
+              <a:extLst>
+                <a:ext uri="{28A0092B-C50C-407E-A947-70E740481C1C}">
+                  <a14:useLocalDpi xmlns:a14="http://schemas.microsoft.com/office/drawing/2010/main" val="0"/>
+                </a:ext>
+              </a:extLst>
+            </a:blip>
+            <a:stretch>
+              <a:fillRect/>
+            </a:stretch>
+          </p:blipFill>
+          <p:spPr>
+            <a:xfrm>
+              <a:off x="6088252" y="3976270"/>
+              <a:ext cx="1895834" cy="1170000"/>
+            </a:xfrm>
+            <a:prstGeom prst="rect">
+              <a:avLst/>
+            </a:prstGeom>
+          </p:spPr>
+        </p:pic>
+        <p:pic>
+          <p:nvPicPr>
+            <p:cNvPr id="43" name="Grafik 42">
+              <a:extLst>
+                <a:ext uri="{FF2B5EF4-FFF2-40B4-BE49-F238E27FC236}">
+                  <a16:creationId xmlns:a16="http://schemas.microsoft.com/office/drawing/2014/main" id="{17D4AEE3-8F33-7F1A-24BB-604B22D6100E}"/>
+                </a:ext>
+              </a:extLst>
+            </p:cNvPr>
+            <p:cNvPicPr>
+              <a:picLocks noChangeAspect="1"/>
+            </p:cNvPicPr>
+            <p:nvPr/>
+          </p:nvPicPr>
+          <p:blipFill>
+            <a:blip r:embed="rId28">
+              <a:extLst>
+                <a:ext uri="{28A0092B-C50C-407E-A947-70E740481C1C}">
+                  <a14:useLocalDpi xmlns:a14="http://schemas.microsoft.com/office/drawing/2010/main" val="0"/>
+                </a:ext>
+              </a:extLst>
+            </a:blip>
+            <a:stretch>
+              <a:fillRect/>
+            </a:stretch>
+          </p:blipFill>
+          <p:spPr>
+            <a:xfrm>
+              <a:off x="598485" y="4964995"/>
+              <a:ext cx="1895834" cy="1170000"/>
+            </a:xfrm>
+            <a:prstGeom prst="rect">
+              <a:avLst/>
+            </a:prstGeom>
+          </p:spPr>
+        </p:pic>
+        <p:pic>
+          <p:nvPicPr>
+            <p:cNvPr id="46" name="Grafik 45">
+              <a:extLst>
+                <a:ext uri="{FF2B5EF4-FFF2-40B4-BE49-F238E27FC236}">
+                  <a16:creationId xmlns:a16="http://schemas.microsoft.com/office/drawing/2014/main" id="{C316C736-947B-5BC2-0845-38C7F7BE1E88}"/>
+                </a:ext>
+              </a:extLst>
+            </p:cNvPr>
+            <p:cNvPicPr>
+              <a:picLocks noChangeAspect="1"/>
+            </p:cNvPicPr>
+            <p:nvPr/>
+          </p:nvPicPr>
+          <p:blipFill>
+            <a:blip r:embed="rId29">
+              <a:extLst>
+                <a:ext uri="{28A0092B-C50C-407E-A947-70E740481C1C}">
+                  <a14:useLocalDpi xmlns:a14="http://schemas.microsoft.com/office/drawing/2010/main" val="0"/>
+                </a:ext>
+              </a:extLst>
+            </a:blip>
+            <a:stretch>
+              <a:fillRect/>
+            </a:stretch>
+          </p:blipFill>
+          <p:spPr>
+            <a:xfrm>
+              <a:off x="2517478" y="4981973"/>
+              <a:ext cx="1895834" cy="1170000"/>
+            </a:xfrm>
+            <a:prstGeom prst="rect">
+              <a:avLst/>
+            </a:prstGeom>
+          </p:spPr>
+        </p:pic>
+      </p:grpSp>
     </p:spTree>
     <p:extLst>
       <p:ext uri="{BB962C8B-B14F-4D97-AF65-F5344CB8AC3E}">
-        <p14:creationId xmlns:p14="http://schemas.microsoft.com/office/powerpoint/2010/main" val="4251777698"/>
+        <p14:creationId xmlns:p14="http://schemas.microsoft.com/office/powerpoint/2010/main" val="1592397647"/>
       </p:ext>
     </p:extLst>
   </p:cSld>

--- a/Presentations/Project Proposal/Project Proposal Presentation Structure+.pptx
+++ b/Presentations/Project Proposal/Project Proposal Presentation Structure+.pptx
@@ -5,7 +5,7 @@
     <p:sldMasterId id="2147483660" r:id="rId1"/>
   </p:sldMasterIdLst>
   <p:notesMasterIdLst>
-    <p:notesMasterId r:id="rId19"/>
+    <p:notesMasterId r:id="rId21"/>
   </p:notesMasterIdLst>
   <p:sldIdLst>
     <p:sldId id="326" r:id="rId2"/>
@@ -15,16 +15,18 @@
     <p:sldId id="319" r:id="rId6"/>
     <p:sldId id="329" r:id="rId7"/>
     <p:sldId id="332" r:id="rId8"/>
-    <p:sldId id="333" r:id="rId9"/>
-    <p:sldId id="330" r:id="rId10"/>
-    <p:sldId id="331" r:id="rId11"/>
-    <p:sldId id="334" r:id="rId12"/>
-    <p:sldId id="320" r:id="rId13"/>
-    <p:sldId id="321" r:id="rId14"/>
-    <p:sldId id="325" r:id="rId15"/>
-    <p:sldId id="327" r:id="rId16"/>
-    <p:sldId id="328" r:id="rId17"/>
-    <p:sldId id="322" r:id="rId18"/>
+    <p:sldId id="337" r:id="rId9"/>
+    <p:sldId id="333" r:id="rId10"/>
+    <p:sldId id="330" r:id="rId11"/>
+    <p:sldId id="331" r:id="rId12"/>
+    <p:sldId id="334" r:id="rId13"/>
+    <p:sldId id="320" r:id="rId14"/>
+    <p:sldId id="321" r:id="rId15"/>
+    <p:sldId id="325" r:id="rId16"/>
+    <p:sldId id="327" r:id="rId17"/>
+    <p:sldId id="328" r:id="rId18"/>
+    <p:sldId id="322" r:id="rId19"/>
+    <p:sldId id="336" r:id="rId20"/>
   </p:sldIdLst>
   <p:sldSz cx="9144000" cy="5715000" type="screen16x10"/>
   <p:notesSz cx="6858000" cy="9144000"/>
@@ -687,19 +689,11 @@
             </a:r>
             <a:r>
               <a:rPr lang="de-DE" dirty="0"/>
-              <a:t> RNA </a:t>
+              <a:t> </a:t>
             </a:r>
             <a:r>
               <a:rPr lang="de-DE" dirty="0" err="1"/>
-              <a:t>degradation</a:t>
-            </a:r>
-            <a:r>
-              <a:rPr lang="de-DE" dirty="0"/>
-              <a:t>. The RNA </a:t>
-            </a:r>
-            <a:r>
-              <a:rPr lang="de-DE" dirty="0" err="1"/>
-              <a:t>bound</a:t>
+              <a:t>boxplots</a:t>
             </a:r>
             <a:r>
               <a:rPr lang="de-DE" dirty="0"/>
@@ -707,7 +701,7 @@
             </a:r>
             <a:r>
               <a:rPr lang="de-DE" dirty="0" err="1"/>
-              <a:t>to</a:t>
+              <a:t>which</a:t>
             </a:r>
             <a:r>
               <a:rPr lang="de-DE" dirty="0"/>
@@ -715,7 +709,7 @@
             </a:r>
             <a:r>
               <a:rPr lang="de-DE" dirty="0" err="1"/>
-              <a:t>the</a:t>
+              <a:t>confirm</a:t>
             </a:r>
             <a:r>
               <a:rPr lang="de-DE" dirty="0"/>
@@ -723,7 +717,71 @@
             </a:r>
             <a:r>
               <a:rPr lang="de-DE" dirty="0" err="1"/>
-              <a:t>surface</a:t>
+              <a:t>that</a:t>
+            </a:r>
+            <a:r>
+              <a:rPr lang="de-DE" dirty="0"/>
+              <a:t> </a:t>
+            </a:r>
+            <a:r>
+              <a:rPr lang="de-DE" dirty="0" err="1"/>
+              <a:t>we</a:t>
+            </a:r>
+            <a:r>
+              <a:rPr lang="de-DE" dirty="0"/>
+              <a:t> </a:t>
+            </a:r>
+            <a:r>
+              <a:rPr lang="de-DE" dirty="0" err="1"/>
+              <a:t>can</a:t>
+            </a:r>
+            <a:r>
+              <a:rPr lang="de-DE" dirty="0"/>
+              <a:t> </a:t>
+            </a:r>
+            <a:r>
+              <a:rPr lang="de-DE" dirty="0" err="1"/>
+              <a:t>normalize</a:t>
+            </a:r>
+            <a:r>
+              <a:rPr lang="de-DE" dirty="0"/>
+              <a:t> </a:t>
+            </a:r>
+            <a:r>
+              <a:rPr lang="de-DE" dirty="0" err="1"/>
+              <a:t>our</a:t>
+            </a:r>
+            <a:r>
+              <a:rPr lang="de-DE" dirty="0"/>
+              <a:t> </a:t>
+            </a:r>
+            <a:r>
+              <a:rPr lang="de-DE" dirty="0" err="1"/>
+              <a:t>data</a:t>
+            </a:r>
+            <a:r>
+              <a:rPr lang="de-DE" dirty="0"/>
+              <a:t> </a:t>
+            </a:r>
+            <a:r>
+              <a:rPr lang="de-DE" dirty="0" err="1"/>
+              <a:t>by</a:t>
+            </a:r>
+            <a:r>
+              <a:rPr lang="de-DE" dirty="0"/>
+              <a:t> </a:t>
+            </a:r>
+            <a:r>
+              <a:rPr lang="de-DE" dirty="0" err="1"/>
+              <a:t>variance</a:t>
+            </a:r>
+            <a:r>
+              <a:rPr lang="de-DE" dirty="0"/>
+              <a:t> </a:t>
+            </a:r>
+            <a:r>
+              <a:rPr lang="de-DE" dirty="0" err="1"/>
+              <a:t>stabilization</a:t>
             </a:r>
             <a:r>
               <a:rPr lang="de-DE" dirty="0"/>
@@ -731,7 +789,159 @@
             </a:r>
             <a:r>
               <a:rPr lang="de-DE" dirty="0" err="1"/>
-              <a:t>is</a:t>
+              <a:t>the</a:t>
+            </a:r>
+            <a:r>
+              <a:rPr lang="de-DE" dirty="0"/>
+              <a:t> robust </a:t>
+            </a:r>
+            <a:r>
+              <a:rPr lang="de-DE" dirty="0" err="1"/>
+              <a:t>multichip</a:t>
+            </a:r>
+            <a:r>
+              <a:rPr lang="de-DE" dirty="0"/>
+              <a:t> </a:t>
+            </a:r>
+            <a:r>
+              <a:rPr lang="de-DE" dirty="0" err="1"/>
+              <a:t>average</a:t>
+            </a:r>
+            <a:r>
+              <a:rPr lang="de-DE" dirty="0"/>
+              <a:t>. These deal </a:t>
+            </a:r>
+            <a:r>
+              <a:rPr lang="de-DE" dirty="0" err="1"/>
+              <a:t>with</a:t>
+            </a:r>
+            <a:r>
+              <a:rPr lang="de-DE" dirty="0"/>
+              <a:t> </a:t>
+            </a:r>
+            <a:r>
+              <a:rPr lang="de-DE" dirty="0" err="1"/>
+              <a:t>systematic</a:t>
+            </a:r>
+            <a:r>
+              <a:rPr lang="de-DE" dirty="0"/>
+              <a:t> </a:t>
+            </a:r>
+            <a:r>
+              <a:rPr lang="de-DE" dirty="0" err="1"/>
+              <a:t>errors</a:t>
+            </a:r>
+            <a:r>
+              <a:rPr lang="de-DE" dirty="0"/>
+              <a:t> and </a:t>
+            </a:r>
+            <a:r>
+              <a:rPr lang="de-DE" dirty="0" err="1"/>
+              <a:t>random</a:t>
+            </a:r>
+            <a:r>
+              <a:rPr lang="de-DE" dirty="0"/>
+              <a:t> </a:t>
+            </a:r>
+            <a:r>
+              <a:rPr lang="de-DE" dirty="0" err="1"/>
+              <a:t>fluctuation</a:t>
+            </a:r>
+            <a:r>
+              <a:rPr lang="de-DE" dirty="0"/>
+              <a:t> and </a:t>
+            </a:r>
+            <a:r>
+              <a:rPr lang="de-DE" dirty="0" err="1"/>
+              <a:t>give</a:t>
+            </a:r>
+            <a:r>
+              <a:rPr lang="de-DE" dirty="0"/>
+              <a:t> </a:t>
+            </a:r>
+            <a:r>
+              <a:rPr lang="de-DE" dirty="0" err="1"/>
+              <a:t>us</a:t>
+            </a:r>
+            <a:r>
+              <a:rPr lang="de-DE" dirty="0"/>
+              <a:t> </a:t>
+            </a:r>
+            <a:r>
+              <a:rPr lang="de-DE" dirty="0" err="1"/>
+              <a:t>comparable</a:t>
+            </a:r>
+            <a:r>
+              <a:rPr lang="de-DE" dirty="0"/>
+              <a:t> </a:t>
+            </a:r>
+            <a:r>
+              <a:rPr lang="de-DE" dirty="0" err="1"/>
+              <a:t>results</a:t>
+            </a:r>
+            <a:r>
+              <a:rPr lang="de-DE" dirty="0"/>
+              <a:t>. These </a:t>
+            </a:r>
+            <a:r>
+              <a:rPr lang="de-DE" dirty="0" err="1"/>
+              <a:t>boxplots</a:t>
+            </a:r>
+            <a:r>
+              <a:rPr lang="de-DE" dirty="0"/>
+              <a:t> </a:t>
+            </a:r>
+            <a:r>
+              <a:rPr lang="de-DE" dirty="0" err="1"/>
+              <a:t>show</a:t>
+            </a:r>
+            <a:r>
+              <a:rPr lang="de-DE" dirty="0"/>
+              <a:t> </a:t>
+            </a:r>
+            <a:r>
+              <a:rPr lang="de-DE" dirty="0" err="1"/>
+              <a:t>us</a:t>
+            </a:r>
+            <a:r>
+              <a:rPr lang="de-DE" dirty="0"/>
+              <a:t>, </a:t>
+            </a:r>
+            <a:r>
+              <a:rPr lang="de-DE" dirty="0" err="1"/>
+              <a:t>that</a:t>
+            </a:r>
+            <a:r>
+              <a:rPr lang="de-DE" dirty="0"/>
+              <a:t> </a:t>
+            </a:r>
+            <a:r>
+              <a:rPr lang="de-DE" dirty="0" err="1"/>
+              <a:t>we</a:t>
+            </a:r>
+            <a:r>
+              <a:rPr lang="de-DE" dirty="0"/>
+              <a:t> do not </a:t>
+            </a:r>
+            <a:r>
+              <a:rPr lang="de-DE" dirty="0" err="1"/>
+              <a:t>need</a:t>
+            </a:r>
+            <a:r>
+              <a:rPr lang="de-DE" dirty="0"/>
+              <a:t> </a:t>
+            </a:r>
+            <a:r>
+              <a:rPr lang="de-DE" dirty="0" err="1"/>
+              <a:t>to</a:t>
+            </a:r>
+            <a:r>
+              <a:rPr lang="de-DE" dirty="0"/>
+              <a:t> </a:t>
+            </a:r>
+            <a:r>
+              <a:rPr lang="de-DE" dirty="0" err="1"/>
+              <a:t>eliminate</a:t>
             </a:r>
             <a:r>
               <a:rPr lang="de-DE" dirty="0"/>
@@ -739,7 +949,7 @@
             </a:r>
             <a:r>
               <a:rPr lang="de-DE" dirty="0" err="1"/>
-              <a:t>unstable</a:t>
+              <a:t>unfitting</a:t>
             </a:r>
             <a:r>
               <a:rPr lang="de-DE" dirty="0"/>
@@ -747,135 +957,7 @@
             </a:r>
             <a:r>
               <a:rPr lang="de-DE" dirty="0" err="1"/>
-              <a:t>molecule</a:t>
-            </a:r>
-            <a:r>
-              <a:rPr lang="de-DE" dirty="0"/>
-              <a:t> </a:t>
-            </a:r>
-            <a:r>
-              <a:rPr lang="de-DE" dirty="0" err="1"/>
-              <a:t>that</a:t>
-            </a:r>
-            <a:r>
-              <a:rPr lang="de-DE" dirty="0"/>
-              <a:t> </a:t>
-            </a:r>
-            <a:r>
-              <a:rPr lang="de-DE" dirty="0" err="1"/>
-              <a:t>degradates</a:t>
-            </a:r>
-            <a:r>
-              <a:rPr lang="de-DE" dirty="0"/>
-              <a:t>. This </a:t>
-            </a:r>
-            <a:r>
-              <a:rPr lang="de-DE" dirty="0" err="1"/>
-              <a:t>is</a:t>
-            </a:r>
-            <a:r>
-              <a:rPr lang="de-DE" dirty="0"/>
-              <a:t> </a:t>
-            </a:r>
-            <a:r>
-              <a:rPr lang="de-DE" dirty="0" err="1"/>
-              <a:t>no</a:t>
-            </a:r>
-            <a:r>
-              <a:rPr lang="de-DE" dirty="0"/>
-              <a:t> </a:t>
-            </a:r>
-            <a:r>
-              <a:rPr lang="de-DE" dirty="0" err="1"/>
-              <a:t>problem</a:t>
-            </a:r>
-            <a:r>
-              <a:rPr lang="de-DE" dirty="0"/>
-              <a:t> </a:t>
-            </a:r>
-            <a:r>
-              <a:rPr lang="de-DE" dirty="0" err="1"/>
-              <a:t>for</a:t>
-            </a:r>
-            <a:r>
-              <a:rPr lang="de-DE" dirty="0"/>
-              <a:t> </a:t>
-            </a:r>
-            <a:r>
-              <a:rPr lang="de-DE" dirty="0" err="1"/>
-              <a:t>statistics</a:t>
-            </a:r>
-            <a:r>
-              <a:rPr lang="de-DE" dirty="0"/>
-              <a:t> </a:t>
-            </a:r>
-            <a:r>
-              <a:rPr lang="de-DE" dirty="0" err="1"/>
-              <a:t>as</a:t>
-            </a:r>
-            <a:r>
-              <a:rPr lang="de-DE" dirty="0"/>
-              <a:t> </a:t>
-            </a:r>
-            <a:r>
-              <a:rPr lang="de-DE" dirty="0" err="1"/>
-              <a:t>long</a:t>
-            </a:r>
-            <a:r>
-              <a:rPr lang="de-DE" dirty="0"/>
-              <a:t> </a:t>
-            </a:r>
-            <a:r>
-              <a:rPr lang="de-DE" dirty="0" err="1"/>
-              <a:t>as</a:t>
-            </a:r>
-            <a:r>
-              <a:rPr lang="de-DE" dirty="0"/>
-              <a:t> </a:t>
-            </a:r>
-            <a:r>
-              <a:rPr lang="de-DE" dirty="0" err="1"/>
-              <a:t>the</a:t>
-            </a:r>
-            <a:r>
-              <a:rPr lang="de-DE" dirty="0"/>
-              <a:t> </a:t>
-            </a:r>
-            <a:r>
-              <a:rPr lang="de-DE" dirty="0" err="1"/>
-              <a:t>degradation</a:t>
-            </a:r>
-            <a:r>
-              <a:rPr lang="de-DE" dirty="0"/>
-              <a:t> </a:t>
-            </a:r>
-            <a:r>
-              <a:rPr lang="de-DE" dirty="0" err="1"/>
-              <a:t>happens</a:t>
-            </a:r>
-            <a:r>
-              <a:rPr lang="de-DE" dirty="0"/>
-              <a:t> at </a:t>
-            </a:r>
-            <a:r>
-              <a:rPr lang="de-DE" dirty="0" err="1"/>
-              <a:t>the</a:t>
-            </a:r>
-            <a:r>
-              <a:rPr lang="de-DE" dirty="0"/>
-              <a:t> same time on </a:t>
-            </a:r>
-            <a:r>
-              <a:rPr lang="de-DE" dirty="0" err="1"/>
-              <a:t>each</a:t>
-            </a:r>
-            <a:r>
-              <a:rPr lang="de-DE" dirty="0"/>
-              <a:t> </a:t>
-            </a:r>
-            <a:r>
-              <a:rPr lang="de-DE" dirty="0" err="1"/>
-              <a:t>microarray</a:t>
+              <a:t>chip</a:t>
             </a:r>
             <a:r>
               <a:rPr lang="de-DE" dirty="0"/>
@@ -911,7 +993,7 @@
     </p:spTree>
     <p:extLst>
       <p:ext uri="{BB962C8B-B14F-4D97-AF65-F5344CB8AC3E}">
-        <p14:creationId xmlns:p14="http://schemas.microsoft.com/office/powerpoint/2010/main" val="678726061"/>
+        <p14:creationId xmlns:p14="http://schemas.microsoft.com/office/powerpoint/2010/main" val="1207138039"/>
       </p:ext>
     </p:extLst>
   </p:cSld>
@@ -965,7 +1047,235 @@
           <a:bodyPr/>
           <a:lstStyle/>
           <a:p>
-            <a:endParaRPr lang="en-US"/>
+            <a:r>
+              <a:rPr lang="de-DE" dirty="0"/>
+              <a:t>Next </a:t>
+            </a:r>
+            <a:r>
+              <a:rPr lang="de-DE" dirty="0" err="1"/>
+              <a:t>up</a:t>
+            </a:r>
+            <a:r>
+              <a:rPr lang="de-DE" dirty="0"/>
+              <a:t> </a:t>
+            </a:r>
+            <a:r>
+              <a:rPr lang="de-DE" dirty="0" err="1"/>
+              <a:t>we</a:t>
+            </a:r>
+            <a:r>
+              <a:rPr lang="de-DE" dirty="0"/>
+              <a:t> </a:t>
+            </a:r>
+            <a:r>
+              <a:rPr lang="de-DE" dirty="0" err="1"/>
+              <a:t>got</a:t>
+            </a:r>
+            <a:r>
+              <a:rPr lang="de-DE" dirty="0"/>
+              <a:t> </a:t>
+            </a:r>
+            <a:r>
+              <a:rPr lang="de-DE" dirty="0" err="1"/>
+              <a:t>our</a:t>
+            </a:r>
+            <a:r>
+              <a:rPr lang="de-DE" dirty="0"/>
+              <a:t> RNA </a:t>
+            </a:r>
+            <a:r>
+              <a:rPr lang="de-DE" dirty="0" err="1"/>
+              <a:t>degradation</a:t>
+            </a:r>
+            <a:r>
+              <a:rPr lang="de-DE" dirty="0"/>
+              <a:t>. The RNA </a:t>
+            </a:r>
+            <a:r>
+              <a:rPr lang="de-DE" dirty="0" err="1"/>
+              <a:t>bound</a:t>
+            </a:r>
+            <a:r>
+              <a:rPr lang="de-DE" dirty="0"/>
+              <a:t> </a:t>
+            </a:r>
+            <a:r>
+              <a:rPr lang="de-DE" dirty="0" err="1"/>
+              <a:t>to</a:t>
+            </a:r>
+            <a:r>
+              <a:rPr lang="de-DE" dirty="0"/>
+              <a:t> </a:t>
+            </a:r>
+            <a:r>
+              <a:rPr lang="de-DE" dirty="0" err="1"/>
+              <a:t>the</a:t>
+            </a:r>
+            <a:r>
+              <a:rPr lang="de-DE" dirty="0"/>
+              <a:t> </a:t>
+            </a:r>
+            <a:r>
+              <a:rPr lang="de-DE" dirty="0" err="1"/>
+              <a:t>surface</a:t>
+            </a:r>
+            <a:r>
+              <a:rPr lang="de-DE" dirty="0"/>
+              <a:t> and </a:t>
+            </a:r>
+            <a:r>
+              <a:rPr lang="de-DE" dirty="0" err="1"/>
+              <a:t>is</a:t>
+            </a:r>
+            <a:r>
+              <a:rPr lang="de-DE" dirty="0"/>
+              <a:t> an </a:t>
+            </a:r>
+            <a:r>
+              <a:rPr lang="de-DE" dirty="0" err="1"/>
+              <a:t>unstable</a:t>
+            </a:r>
+            <a:r>
+              <a:rPr lang="de-DE" dirty="0"/>
+              <a:t> </a:t>
+            </a:r>
+            <a:r>
+              <a:rPr lang="de-DE" dirty="0" err="1"/>
+              <a:t>molecule</a:t>
+            </a:r>
+            <a:r>
+              <a:rPr lang="de-DE" dirty="0"/>
+              <a:t> </a:t>
+            </a:r>
+            <a:r>
+              <a:rPr lang="de-DE" dirty="0" err="1"/>
+              <a:t>that</a:t>
+            </a:r>
+            <a:r>
+              <a:rPr lang="de-DE" dirty="0"/>
+              <a:t> </a:t>
+            </a:r>
+            <a:r>
+              <a:rPr lang="de-DE" dirty="0" err="1"/>
+              <a:t>degradates</a:t>
+            </a:r>
+            <a:r>
+              <a:rPr lang="de-DE" dirty="0"/>
+              <a:t>. This </a:t>
+            </a:r>
+            <a:r>
+              <a:rPr lang="de-DE" dirty="0" err="1"/>
+              <a:t>is</a:t>
+            </a:r>
+            <a:r>
+              <a:rPr lang="de-DE" dirty="0"/>
+              <a:t> </a:t>
+            </a:r>
+            <a:r>
+              <a:rPr lang="de-DE" dirty="0" err="1"/>
+              <a:t>no</a:t>
+            </a:r>
+            <a:r>
+              <a:rPr lang="de-DE" dirty="0"/>
+              <a:t> </a:t>
+            </a:r>
+            <a:r>
+              <a:rPr lang="de-DE" dirty="0" err="1"/>
+              <a:t>problem</a:t>
+            </a:r>
+            <a:r>
+              <a:rPr lang="de-DE" dirty="0"/>
+              <a:t> </a:t>
+            </a:r>
+            <a:r>
+              <a:rPr lang="de-DE" dirty="0" err="1"/>
+              <a:t>for</a:t>
+            </a:r>
+            <a:r>
+              <a:rPr lang="de-DE" dirty="0"/>
+              <a:t> </a:t>
+            </a:r>
+            <a:r>
+              <a:rPr lang="de-DE" dirty="0" err="1"/>
+              <a:t>statistics</a:t>
+            </a:r>
+            <a:r>
+              <a:rPr lang="de-DE" dirty="0"/>
+              <a:t> </a:t>
+            </a:r>
+            <a:r>
+              <a:rPr lang="de-DE" dirty="0" err="1"/>
+              <a:t>as</a:t>
+            </a:r>
+            <a:r>
+              <a:rPr lang="de-DE" dirty="0"/>
+              <a:t> </a:t>
+            </a:r>
+            <a:r>
+              <a:rPr lang="de-DE" dirty="0" err="1"/>
+              <a:t>long</a:t>
+            </a:r>
+            <a:r>
+              <a:rPr lang="de-DE" dirty="0"/>
+              <a:t> </a:t>
+            </a:r>
+            <a:r>
+              <a:rPr lang="de-DE" dirty="0" err="1"/>
+              <a:t>as</a:t>
+            </a:r>
+            <a:r>
+              <a:rPr lang="de-DE" dirty="0"/>
+              <a:t> </a:t>
+            </a:r>
+            <a:r>
+              <a:rPr lang="de-DE" dirty="0" err="1"/>
+              <a:t>the</a:t>
+            </a:r>
+            <a:r>
+              <a:rPr lang="de-DE" dirty="0"/>
+              <a:t> </a:t>
+            </a:r>
+            <a:r>
+              <a:rPr lang="de-DE" dirty="0" err="1"/>
+              <a:t>degradation</a:t>
+            </a:r>
+            <a:r>
+              <a:rPr lang="de-DE" dirty="0"/>
+              <a:t> </a:t>
+            </a:r>
+            <a:r>
+              <a:rPr lang="de-DE" dirty="0" err="1"/>
+              <a:t>happens</a:t>
+            </a:r>
+            <a:r>
+              <a:rPr lang="de-DE" dirty="0"/>
+              <a:t> at </a:t>
+            </a:r>
+            <a:r>
+              <a:rPr lang="de-DE" dirty="0" err="1"/>
+              <a:t>the</a:t>
+            </a:r>
+            <a:r>
+              <a:rPr lang="de-DE" dirty="0"/>
+              <a:t> same time on </a:t>
+            </a:r>
+            <a:r>
+              <a:rPr lang="de-DE" dirty="0" err="1"/>
+              <a:t>each</a:t>
+            </a:r>
+            <a:r>
+              <a:rPr lang="de-DE" dirty="0"/>
+              <a:t> </a:t>
+            </a:r>
+            <a:r>
+              <a:rPr lang="de-DE" dirty="0" err="1"/>
+              <a:t>microarray</a:t>
+            </a:r>
+            <a:r>
+              <a:rPr lang="de-DE" dirty="0"/>
+              <a:t>.</a:t>
+            </a:r>
+            <a:endParaRPr lang="en-US" dirty="0"/>
           </a:p>
         </p:txBody>
       </p:sp>
@@ -995,7 +1305,7 @@
     </p:spTree>
     <p:extLst>
       <p:ext uri="{BB962C8B-B14F-4D97-AF65-F5344CB8AC3E}">
-        <p14:creationId xmlns:p14="http://schemas.microsoft.com/office/powerpoint/2010/main" val="100732685"/>
+        <p14:creationId xmlns:p14="http://schemas.microsoft.com/office/powerpoint/2010/main" val="678726061"/>
       </p:ext>
     </p:extLst>
   </p:cSld>
@@ -1079,7 +1389,7 @@
     </p:spTree>
     <p:extLst>
       <p:ext uri="{BB962C8B-B14F-4D97-AF65-F5344CB8AC3E}">
-        <p14:creationId xmlns:p14="http://schemas.microsoft.com/office/powerpoint/2010/main" val="4017929050"/>
+        <p14:creationId xmlns:p14="http://schemas.microsoft.com/office/powerpoint/2010/main" val="100732685"/>
       </p:ext>
     </p:extLst>
   </p:cSld>
@@ -1133,7 +1443,7 @@
           <a:bodyPr/>
           <a:lstStyle/>
           <a:p>
-            <a:endParaRPr lang="en-US" dirty="0"/>
+            <a:endParaRPr lang="en-US"/>
           </a:p>
         </p:txBody>
       </p:sp>
@@ -1163,7 +1473,7 @@
     </p:spTree>
     <p:extLst>
       <p:ext uri="{BB962C8B-B14F-4D97-AF65-F5344CB8AC3E}">
-        <p14:creationId xmlns:p14="http://schemas.microsoft.com/office/powerpoint/2010/main" val="2823420152"/>
+        <p14:creationId xmlns:p14="http://schemas.microsoft.com/office/powerpoint/2010/main" val="4017929050"/>
       </p:ext>
     </p:extLst>
   </p:cSld>
@@ -1217,60 +1527,7 @@
           <a:bodyPr/>
           <a:lstStyle/>
           <a:p>
-            <a:pPr marL="0" marR="0" lvl="0" indent="0" algn="l" defTabSz="914400" rtl="0" eaLnBrk="1" fontAlgn="auto" latinLnBrk="0" hangingPunct="1">
-              <a:lnSpc>
-                <a:spcPct val="100000"/>
-              </a:lnSpc>
-              <a:spcBef>
-                <a:spcPts val="0"/>
-              </a:spcBef>
-              <a:spcAft>
-                <a:spcPts val="0"/>
-              </a:spcAft>
-              <a:buClrTx/>
-              <a:buSzTx/>
-              <a:buFontTx/>
-              <a:buNone/>
-              <a:tabLst/>
-              <a:defRPr/>
-            </a:pPr>
-            <a:r>
-              <a:rPr lang="en-US" dirty="0"/>
-              <a:t>TRAs are meant to play an important role in embryogenesis, therefor we’ll investigate: </a:t>
-            </a:r>
-            <a:r>
-              <a:rPr lang="en-US" sz="1200" b="1" dirty="0"/>
-              <a:t>How do TRAs influence embryonic development ?</a:t>
-            </a:r>
-          </a:p>
-          <a:p>
-            <a:pPr marL="0" marR="0" lvl="0" indent="0" algn="l" defTabSz="914400" rtl="0" eaLnBrk="1" fontAlgn="auto" latinLnBrk="0" hangingPunct="1">
-              <a:lnSpc>
-                <a:spcPct val="100000"/>
-              </a:lnSpc>
-              <a:spcBef>
-                <a:spcPts val="0"/>
-              </a:spcBef>
-              <a:spcAft>
-                <a:spcPts val="0"/>
-              </a:spcAft>
-              <a:buClrTx/>
-              <a:buSzTx/>
-              <a:buFontTx/>
-              <a:buNone/>
-              <a:tabLst/>
-              <a:defRPr/>
-            </a:pPr>
-            <a:r>
-              <a:rPr lang="en-US" sz="1200" b="0" dirty="0"/>
-              <a:t>Furthermore we’ll try to figure out, if TRAs influence the development of CNS during week 4 to 9. In addition we’ll try to identify the role of chemokines for the CNS in this period.</a:t>
-            </a:r>
-          </a:p>
-          <a:p>
-            <a:r>
-              <a:rPr lang="en-US" dirty="0"/>
-              <a:t> </a:t>
-            </a:r>
+            <a:endParaRPr lang="en-US" dirty="0"/>
           </a:p>
         </p:txBody>
       </p:sp>
@@ -1300,7 +1557,7 @@
     </p:spTree>
     <p:extLst>
       <p:ext uri="{BB962C8B-B14F-4D97-AF65-F5344CB8AC3E}">
-        <p14:creationId xmlns:p14="http://schemas.microsoft.com/office/powerpoint/2010/main" val="3893822808"/>
+        <p14:creationId xmlns:p14="http://schemas.microsoft.com/office/powerpoint/2010/main" val="2823420152"/>
       </p:ext>
     </p:extLst>
   </p:cSld>
@@ -1354,6 +1611,56 @@
           <a:bodyPr/>
           <a:lstStyle/>
           <a:p>
+            <a:pPr marL="0" marR="0" lvl="0" indent="0" algn="l" defTabSz="914400" rtl="0" eaLnBrk="1" fontAlgn="auto" latinLnBrk="0" hangingPunct="1">
+              <a:lnSpc>
+                <a:spcPct val="100000"/>
+              </a:lnSpc>
+              <a:spcBef>
+                <a:spcPts val="0"/>
+              </a:spcBef>
+              <a:spcAft>
+                <a:spcPts val="0"/>
+              </a:spcAft>
+              <a:buClrTx/>
+              <a:buSzTx/>
+              <a:buFontTx/>
+              <a:buNone/>
+              <a:tabLst/>
+              <a:defRPr/>
+            </a:pPr>
+            <a:r>
+              <a:rPr lang="en-US" dirty="0"/>
+              <a:t>TRAs are meant to play an important role in embryogenesis, therefor we’ll investigate: </a:t>
+            </a:r>
+            <a:r>
+              <a:rPr lang="en-US" sz="1200" b="1" dirty="0"/>
+              <a:t>How do TRAs influence embryonic development ?</a:t>
+            </a:r>
+          </a:p>
+          <a:p>
+            <a:pPr marL="0" marR="0" lvl="0" indent="0" algn="l" defTabSz="914400" rtl="0" eaLnBrk="1" fontAlgn="auto" latinLnBrk="0" hangingPunct="1">
+              <a:lnSpc>
+                <a:spcPct val="100000"/>
+              </a:lnSpc>
+              <a:spcBef>
+                <a:spcPts val="0"/>
+              </a:spcBef>
+              <a:spcAft>
+                <a:spcPts val="0"/>
+              </a:spcAft>
+              <a:buClrTx/>
+              <a:buSzTx/>
+              <a:buFontTx/>
+              <a:buNone/>
+              <a:tabLst/>
+              <a:defRPr/>
+            </a:pPr>
+            <a:r>
+              <a:rPr lang="en-US" sz="1200" b="0" dirty="0"/>
+              <a:t>Furthermore we’ll try to figure out, if TRAs influence the development of CNS during week 4 to 9. In addition we’ll try to identify the role of chemokines for the CNS in this period.</a:t>
+            </a:r>
+          </a:p>
+          <a:p>
             <a:r>
               <a:rPr lang="en-US" dirty="0"/>
               <a:t> </a:t>
@@ -1387,7 +1694,7 @@
     </p:spTree>
     <p:extLst>
       <p:ext uri="{BB962C8B-B14F-4D97-AF65-F5344CB8AC3E}">
-        <p14:creationId xmlns:p14="http://schemas.microsoft.com/office/powerpoint/2010/main" val="4088187491"/>
+        <p14:creationId xmlns:p14="http://schemas.microsoft.com/office/powerpoint/2010/main" val="3893822808"/>
       </p:ext>
     </p:extLst>
   </p:cSld>
@@ -1474,7 +1781,7 @@
     </p:spTree>
     <p:extLst>
       <p:ext uri="{BB962C8B-B14F-4D97-AF65-F5344CB8AC3E}">
-        <p14:creationId xmlns:p14="http://schemas.microsoft.com/office/powerpoint/2010/main" val="478923918"/>
+        <p14:creationId xmlns:p14="http://schemas.microsoft.com/office/powerpoint/2010/main" val="4088187491"/>
       </p:ext>
     </p:extLst>
   </p:cSld>
@@ -1528,7 +1835,10 @@
           <a:bodyPr/>
           <a:lstStyle/>
           <a:p>
-            <a:endParaRPr lang="en-US" dirty="0"/>
+            <a:r>
+              <a:rPr lang="en-US" dirty="0"/>
+              <a:t> </a:t>
+            </a:r>
           </a:p>
         </p:txBody>
       </p:sp>
@@ -1551,6 +1861,90 @@
               <a:rPr lang="de-DE" smtClean="0"/>
               <a:t>17</a:t>
             </a:fld>
+            <a:endParaRPr lang="de-DE"/>
+          </a:p>
+        </p:txBody>
+      </p:sp>
+    </p:spTree>
+    <p:extLst>
+      <p:ext uri="{BB962C8B-B14F-4D97-AF65-F5344CB8AC3E}">
+        <p14:creationId xmlns:p14="http://schemas.microsoft.com/office/powerpoint/2010/main" val="478923918"/>
+      </p:ext>
+    </p:extLst>
+  </p:cSld>
+  <p:clrMapOvr>
+    <a:masterClrMapping/>
+  </p:clrMapOvr>
+</p:notes>
+</file>
+
+<file path=ppt/notesSlides/notesSlide18.xml><?xml version="1.0" encoding="utf-8"?>
+<p:notes xmlns:a="http://schemas.openxmlformats.org/drawingml/2006/main" xmlns:r="http://schemas.openxmlformats.org/officeDocument/2006/relationships" xmlns:p="http://schemas.openxmlformats.org/presentationml/2006/main">
+  <p:cSld>
+    <p:spTree>
+      <p:nvGrpSpPr>
+        <p:cNvPr id="1" name=""/>
+        <p:cNvGrpSpPr/>
+        <p:nvPr/>
+      </p:nvGrpSpPr>
+      <p:grpSpPr>
+        <a:xfrm>
+          <a:off x="0" y="0"/>
+          <a:ext cx="0" cy="0"/>
+          <a:chOff x="0" y="0"/>
+          <a:chExt cx="0" cy="0"/>
+        </a:xfrm>
+      </p:grpSpPr>
+      <p:sp>
+        <p:nvSpPr>
+          <p:cNvPr id="2" name="Folienbildplatzhalter 1"/>
+          <p:cNvSpPr>
+            <a:spLocks noGrp="1" noRot="1" noChangeAspect="1"/>
+          </p:cNvSpPr>
+          <p:nvPr>
+            <p:ph type="sldImg"/>
+          </p:nvPr>
+        </p:nvSpPr>
+        <p:spPr/>
+      </p:sp>
+      <p:sp>
+        <p:nvSpPr>
+          <p:cNvPr id="3" name="Notizenplatzhalter 2"/>
+          <p:cNvSpPr>
+            <a:spLocks noGrp="1"/>
+          </p:cNvSpPr>
+          <p:nvPr>
+            <p:ph type="body" idx="1"/>
+          </p:nvPr>
+        </p:nvSpPr>
+        <p:spPr/>
+        <p:txBody>
+          <a:bodyPr/>
+          <a:lstStyle/>
+          <a:p>
+            <a:endParaRPr lang="en-US" dirty="0"/>
+          </a:p>
+        </p:txBody>
+      </p:sp>
+      <p:sp>
+        <p:nvSpPr>
+          <p:cNvPr id="4" name="Foliennummernplatzhalter 3"/>
+          <p:cNvSpPr>
+            <a:spLocks noGrp="1"/>
+          </p:cNvSpPr>
+          <p:nvPr>
+            <p:ph type="sldNum" sz="quarter" idx="5"/>
+          </p:nvPr>
+        </p:nvSpPr>
+        <p:spPr/>
+        <p:txBody>
+          <a:bodyPr/>
+          <a:lstStyle/>
+          <a:p>
+            <a:fld id="{E7F12AC4-85F9-4B93-92D3-A9937CE1B92C}" type="slidenum">
+              <a:rPr lang="de-DE" smtClean="0"/>
+              <a:t>18</a:t>
+            </a:fld>
             <a:endParaRPr lang="de-DE" dirty="0"/>
           </a:p>
         </p:txBody>
@@ -1559,6 +1953,90 @@
     <p:extLst>
       <p:ext uri="{BB962C8B-B14F-4D97-AF65-F5344CB8AC3E}">
         <p14:creationId xmlns:p14="http://schemas.microsoft.com/office/powerpoint/2010/main" val="4094345983"/>
+      </p:ext>
+    </p:extLst>
+  </p:cSld>
+  <p:clrMapOvr>
+    <a:masterClrMapping/>
+  </p:clrMapOvr>
+</p:notes>
+</file>
+
+<file path=ppt/notesSlides/notesSlide19.xml><?xml version="1.0" encoding="utf-8"?>
+<p:notes xmlns:a="http://schemas.openxmlformats.org/drawingml/2006/main" xmlns:r="http://schemas.openxmlformats.org/officeDocument/2006/relationships" xmlns:p="http://schemas.openxmlformats.org/presentationml/2006/main">
+  <p:cSld>
+    <p:spTree>
+      <p:nvGrpSpPr>
+        <p:cNvPr id="1" name=""/>
+        <p:cNvGrpSpPr/>
+        <p:nvPr/>
+      </p:nvGrpSpPr>
+      <p:grpSpPr>
+        <a:xfrm>
+          <a:off x="0" y="0"/>
+          <a:ext cx="0" cy="0"/>
+          <a:chOff x="0" y="0"/>
+          <a:chExt cx="0" cy="0"/>
+        </a:xfrm>
+      </p:grpSpPr>
+      <p:sp>
+        <p:nvSpPr>
+          <p:cNvPr id="2" name="Folienbildplatzhalter 1"/>
+          <p:cNvSpPr>
+            <a:spLocks noGrp="1" noRot="1" noChangeAspect="1"/>
+          </p:cNvSpPr>
+          <p:nvPr>
+            <p:ph type="sldImg"/>
+          </p:nvPr>
+        </p:nvSpPr>
+        <p:spPr/>
+      </p:sp>
+      <p:sp>
+        <p:nvSpPr>
+          <p:cNvPr id="3" name="Notizenplatzhalter 2"/>
+          <p:cNvSpPr>
+            <a:spLocks noGrp="1"/>
+          </p:cNvSpPr>
+          <p:nvPr>
+            <p:ph type="body" idx="1"/>
+          </p:nvPr>
+        </p:nvSpPr>
+        <p:spPr/>
+        <p:txBody>
+          <a:bodyPr/>
+          <a:lstStyle/>
+          <a:p>
+            <a:endParaRPr lang="en-US" dirty="0"/>
+          </a:p>
+        </p:txBody>
+      </p:sp>
+      <p:sp>
+        <p:nvSpPr>
+          <p:cNvPr id="4" name="Foliennummernplatzhalter 3"/>
+          <p:cNvSpPr>
+            <a:spLocks noGrp="1"/>
+          </p:cNvSpPr>
+          <p:nvPr>
+            <p:ph type="sldNum" sz="quarter" idx="5"/>
+          </p:nvPr>
+        </p:nvSpPr>
+        <p:spPr/>
+        <p:txBody>
+          <a:bodyPr/>
+          <a:lstStyle/>
+          <a:p>
+            <a:fld id="{E7F12AC4-85F9-4B93-92D3-A9937CE1B92C}" type="slidenum">
+              <a:rPr lang="de-DE" smtClean="0"/>
+              <a:t>19</a:t>
+            </a:fld>
+            <a:endParaRPr lang="de-DE"/>
+          </a:p>
+        </p:txBody>
+      </p:sp>
+    </p:spTree>
+    <p:extLst>
+      <p:ext uri="{BB962C8B-B14F-4D97-AF65-F5344CB8AC3E}">
+        <p14:creationId xmlns:p14="http://schemas.microsoft.com/office/powerpoint/2010/main" val="3100630995"/>
       </p:ext>
     </p:extLst>
   </p:cSld>
@@ -4040,451 +4518,7 @@
           <a:bodyPr/>
           <a:lstStyle/>
           <a:p>
-            <a:pPr marL="0" marR="0" lvl="0" indent="0" algn="l" defTabSz="914400" rtl="0" eaLnBrk="1" fontAlgn="auto" latinLnBrk="0" hangingPunct="1">
-              <a:lnSpc>
-                <a:spcPct val="100000"/>
-              </a:lnSpc>
-              <a:spcBef>
-                <a:spcPts val="0"/>
-              </a:spcBef>
-              <a:spcAft>
-                <a:spcPts val="0"/>
-              </a:spcAft>
-              <a:buClrTx/>
-              <a:buSzTx/>
-              <a:buFontTx/>
-              <a:buNone/>
-              <a:tabLst/>
-              <a:defRPr/>
-            </a:pPr>
-            <a:r>
-              <a:rPr lang="de-DE" dirty="0" err="1"/>
-              <a:t>Starting</a:t>
-            </a:r>
-            <a:r>
-              <a:rPr lang="de-DE" dirty="0"/>
-              <a:t> </a:t>
-            </a:r>
-            <a:r>
-              <a:rPr lang="de-DE" dirty="0" err="1"/>
-              <a:t>with</a:t>
-            </a:r>
-            <a:r>
-              <a:rPr lang="de-DE" dirty="0"/>
-              <a:t> </a:t>
-            </a:r>
-            <a:r>
-              <a:rPr lang="de-DE" dirty="0" err="1"/>
-              <a:t>the</a:t>
-            </a:r>
-            <a:r>
-              <a:rPr lang="de-DE" dirty="0"/>
-              <a:t> Quality </a:t>
-            </a:r>
-            <a:r>
-              <a:rPr lang="de-DE" dirty="0" err="1"/>
-              <a:t>control</a:t>
-            </a:r>
-            <a:r>
-              <a:rPr lang="de-DE" dirty="0"/>
-              <a:t>, </a:t>
-            </a:r>
-            <a:r>
-              <a:rPr lang="de-DE" dirty="0" err="1"/>
-              <a:t>we</a:t>
-            </a:r>
-            <a:r>
-              <a:rPr lang="de-DE" dirty="0"/>
-              <a:t> </a:t>
-            </a:r>
-            <a:r>
-              <a:rPr lang="de-DE" dirty="0" err="1"/>
-              <a:t>can</a:t>
-            </a:r>
-            <a:r>
-              <a:rPr lang="de-DE" dirty="0"/>
-              <a:t> </a:t>
-            </a:r>
-            <a:r>
-              <a:rPr lang="de-DE" dirty="0" err="1"/>
-              <a:t>first</a:t>
-            </a:r>
-            <a:r>
-              <a:rPr lang="de-DE" dirty="0"/>
-              <a:t> </a:t>
-            </a:r>
-            <a:r>
-              <a:rPr lang="de-DE" dirty="0" err="1"/>
-              <a:t>observe</a:t>
-            </a:r>
-            <a:r>
-              <a:rPr lang="de-DE" dirty="0"/>
-              <a:t> </a:t>
-            </a:r>
-            <a:r>
-              <a:rPr lang="de-DE" dirty="0" err="1"/>
-              <a:t>the</a:t>
-            </a:r>
-            <a:r>
-              <a:rPr lang="de-DE" dirty="0"/>
-              <a:t> </a:t>
-            </a:r>
-            <a:r>
-              <a:rPr lang="de-DE" dirty="0" err="1"/>
-              <a:t>surface</a:t>
-            </a:r>
-            <a:r>
-              <a:rPr lang="de-DE" dirty="0"/>
-              <a:t> </a:t>
-            </a:r>
-            <a:r>
-              <a:rPr lang="de-DE" dirty="0" err="1"/>
-              <a:t>images</a:t>
-            </a:r>
-            <a:r>
-              <a:rPr lang="de-DE" dirty="0"/>
-              <a:t> </a:t>
-            </a:r>
-            <a:r>
-              <a:rPr lang="de-DE" dirty="0" err="1"/>
-              <a:t>of</a:t>
-            </a:r>
-            <a:r>
-              <a:rPr lang="de-DE" dirty="0"/>
-              <a:t> </a:t>
-            </a:r>
-            <a:r>
-              <a:rPr lang="de-DE" dirty="0" err="1"/>
-              <a:t>the</a:t>
-            </a:r>
-            <a:r>
-              <a:rPr lang="de-DE" dirty="0"/>
-              <a:t> </a:t>
-            </a:r>
-            <a:r>
-              <a:rPr lang="de-DE" dirty="0" err="1"/>
-              <a:t>array</a:t>
-            </a:r>
-            <a:r>
-              <a:rPr lang="de-DE" dirty="0"/>
-              <a:t>. On </a:t>
-            </a:r>
-            <a:r>
-              <a:rPr lang="de-DE" dirty="0" err="1"/>
-              <a:t>the</a:t>
-            </a:r>
-            <a:r>
-              <a:rPr lang="de-DE" dirty="0"/>
-              <a:t> 18 </a:t>
-            </a:r>
-            <a:r>
-              <a:rPr lang="de-DE" dirty="0" err="1"/>
-              <a:t>chips</a:t>
-            </a:r>
-            <a:r>
-              <a:rPr lang="de-DE" dirty="0"/>
-              <a:t> </a:t>
-            </a:r>
-            <a:r>
-              <a:rPr lang="de-DE" dirty="0" err="1"/>
-              <a:t>we</a:t>
-            </a:r>
-            <a:r>
-              <a:rPr lang="de-DE" dirty="0"/>
-              <a:t> </a:t>
-            </a:r>
-            <a:r>
-              <a:rPr lang="de-DE" dirty="0" err="1"/>
-              <a:t>can</a:t>
-            </a:r>
-            <a:r>
-              <a:rPr lang="de-DE" dirty="0"/>
-              <a:t> </a:t>
-            </a:r>
-            <a:r>
-              <a:rPr lang="de-DE" dirty="0" err="1"/>
-              <a:t>see</a:t>
-            </a:r>
-            <a:r>
-              <a:rPr lang="de-DE" dirty="0"/>
-              <a:t> </a:t>
-            </a:r>
-            <a:r>
-              <a:rPr lang="de-DE" dirty="0" err="1"/>
-              <a:t>no</a:t>
-            </a:r>
-            <a:r>
-              <a:rPr lang="de-DE" dirty="0"/>
-              <a:t> </a:t>
-            </a:r>
-            <a:r>
-              <a:rPr lang="de-DE" dirty="0" err="1"/>
-              <a:t>spatial</a:t>
-            </a:r>
-            <a:r>
-              <a:rPr lang="de-DE" dirty="0"/>
-              <a:t> </a:t>
-            </a:r>
-            <a:r>
-              <a:rPr lang="de-DE" dirty="0" err="1"/>
-              <a:t>artefacts</a:t>
-            </a:r>
-            <a:r>
-              <a:rPr lang="de-DE" dirty="0"/>
-              <a:t>, </a:t>
-            </a:r>
-            <a:r>
-              <a:rPr lang="de-DE" dirty="0" err="1"/>
-              <a:t>no</a:t>
-            </a:r>
-            <a:r>
-              <a:rPr lang="de-DE" dirty="0"/>
-              <a:t> </a:t>
-            </a:r>
-            <a:r>
-              <a:rPr lang="de-DE" dirty="0" err="1"/>
-              <a:t>fingerprints</a:t>
-            </a:r>
-            <a:r>
-              <a:rPr lang="de-DE" dirty="0"/>
-              <a:t>, </a:t>
-            </a:r>
-            <a:r>
-              <a:rPr lang="de-DE" dirty="0" err="1"/>
-              <a:t>no</a:t>
-            </a:r>
-            <a:r>
-              <a:rPr lang="de-DE" dirty="0"/>
-              <a:t> </a:t>
-            </a:r>
-            <a:r>
-              <a:rPr lang="de-DE" dirty="0" err="1"/>
-              <a:t>irregular</a:t>
-            </a:r>
-            <a:r>
-              <a:rPr lang="de-DE" dirty="0"/>
-              <a:t> </a:t>
-            </a:r>
-            <a:r>
-              <a:rPr lang="de-DE" dirty="0" err="1"/>
-              <a:t>dye</a:t>
-            </a:r>
-            <a:r>
-              <a:rPr lang="de-DE" dirty="0"/>
-              <a:t> </a:t>
-            </a:r>
-            <a:r>
-              <a:rPr lang="de-DE" dirty="0" err="1"/>
-              <a:t>or</a:t>
-            </a:r>
-            <a:r>
-              <a:rPr lang="de-DE" dirty="0"/>
-              <a:t> </a:t>
-            </a:r>
-            <a:r>
-              <a:rPr lang="de-DE" dirty="0" err="1"/>
-              <a:t>stripes</a:t>
-            </a:r>
-            <a:r>
-              <a:rPr lang="de-DE" dirty="0"/>
-              <a:t>. </a:t>
-            </a:r>
-            <a:r>
-              <a:rPr lang="de-DE" dirty="0" err="1"/>
-              <a:t>We</a:t>
-            </a:r>
-            <a:r>
-              <a:rPr lang="de-DE" dirty="0"/>
-              <a:t> </a:t>
-            </a:r>
-            <a:r>
-              <a:rPr lang="de-DE" dirty="0" err="1"/>
-              <a:t>can</a:t>
-            </a:r>
-            <a:r>
-              <a:rPr lang="de-DE" dirty="0"/>
-              <a:t> </a:t>
-            </a:r>
-            <a:r>
-              <a:rPr lang="de-DE" dirty="0" err="1"/>
-              <a:t>detect</a:t>
-            </a:r>
-            <a:r>
-              <a:rPr lang="de-DE" dirty="0"/>
-              <a:t> </a:t>
-            </a:r>
-            <a:r>
-              <a:rPr lang="de-DE" dirty="0" err="1"/>
-              <a:t>slight</a:t>
-            </a:r>
-            <a:r>
-              <a:rPr lang="de-DE" dirty="0"/>
-              <a:t> </a:t>
-            </a:r>
-            <a:r>
-              <a:rPr lang="de-DE" dirty="0" err="1"/>
-              <a:t>differences</a:t>
-            </a:r>
-            <a:r>
-              <a:rPr lang="de-DE" dirty="0"/>
-              <a:t> in </a:t>
-            </a:r>
-            <a:r>
-              <a:rPr lang="de-DE" dirty="0" err="1"/>
-              <a:t>overall</a:t>
-            </a:r>
-            <a:r>
-              <a:rPr lang="de-DE" dirty="0"/>
-              <a:t> </a:t>
-            </a:r>
-            <a:r>
-              <a:rPr lang="de-DE" dirty="0" err="1"/>
-              <a:t>expression</a:t>
-            </a:r>
-            <a:r>
-              <a:rPr lang="de-DE" dirty="0"/>
-              <a:t> </a:t>
-            </a:r>
-            <a:r>
-              <a:rPr lang="de-DE" dirty="0" err="1"/>
-              <a:t>detection</a:t>
-            </a:r>
-            <a:r>
-              <a:rPr lang="de-DE" dirty="0"/>
-              <a:t> </a:t>
-            </a:r>
-            <a:r>
-              <a:rPr lang="de-DE" dirty="0" err="1"/>
-              <a:t>though</a:t>
-            </a:r>
-            <a:r>
-              <a:rPr lang="de-DE" dirty="0"/>
-              <a:t>, </a:t>
-            </a:r>
-            <a:r>
-              <a:rPr lang="de-DE" dirty="0" err="1"/>
-              <a:t>for</a:t>
-            </a:r>
-            <a:r>
-              <a:rPr lang="de-DE" dirty="0"/>
-              <a:t> </a:t>
-            </a:r>
-            <a:r>
-              <a:rPr lang="de-DE" dirty="0" err="1"/>
-              <a:t>example</a:t>
-            </a:r>
-            <a:r>
-              <a:rPr lang="de-DE" dirty="0"/>
-              <a:t> </a:t>
-            </a:r>
-            <a:r>
-              <a:rPr lang="de-DE" dirty="0" err="1"/>
-              <a:t>if</a:t>
-            </a:r>
-            <a:r>
-              <a:rPr lang="de-DE" dirty="0"/>
-              <a:t> </a:t>
-            </a:r>
-            <a:r>
-              <a:rPr lang="de-DE" dirty="0" err="1"/>
-              <a:t>we</a:t>
-            </a:r>
-            <a:r>
-              <a:rPr lang="de-DE" dirty="0"/>
-              <a:t> </a:t>
-            </a:r>
-            <a:r>
-              <a:rPr lang="de-DE" dirty="0" err="1"/>
-              <a:t>compare</a:t>
-            </a:r>
-            <a:r>
-              <a:rPr lang="de-DE" dirty="0"/>
-              <a:t> Microarray 12 </a:t>
-            </a:r>
-            <a:r>
-              <a:rPr lang="de-DE" dirty="0" err="1"/>
-              <a:t>with</a:t>
-            </a:r>
-            <a:r>
-              <a:rPr lang="de-DE" dirty="0"/>
-              <a:t> 17. This </a:t>
-            </a:r>
-            <a:r>
-              <a:rPr lang="de-DE" dirty="0" err="1"/>
-              <a:t>however</a:t>
-            </a:r>
-            <a:r>
-              <a:rPr lang="de-DE" dirty="0"/>
-              <a:t> </a:t>
-            </a:r>
-            <a:r>
-              <a:rPr lang="de-DE" dirty="0" err="1"/>
-              <a:t>is</a:t>
-            </a:r>
-            <a:r>
-              <a:rPr lang="de-DE" dirty="0"/>
-              <a:t> still in </a:t>
-            </a:r>
-            <a:r>
-              <a:rPr lang="de-DE" dirty="0" err="1"/>
-              <a:t>its</a:t>
-            </a:r>
-            <a:r>
-              <a:rPr lang="de-DE" dirty="0"/>
-              <a:t> </a:t>
-            </a:r>
-            <a:r>
-              <a:rPr lang="de-DE" dirty="0" err="1"/>
-              <a:t>boundarys</a:t>
-            </a:r>
-            <a:r>
-              <a:rPr lang="de-DE" dirty="0"/>
-              <a:t> and </a:t>
-            </a:r>
-            <a:r>
-              <a:rPr lang="de-DE" dirty="0" err="1"/>
-              <a:t>should</a:t>
-            </a:r>
-            <a:r>
-              <a:rPr lang="de-DE" dirty="0"/>
-              <a:t> </a:t>
-            </a:r>
-            <a:r>
-              <a:rPr lang="de-DE" dirty="0" err="1"/>
-              <a:t>be</a:t>
-            </a:r>
-            <a:r>
-              <a:rPr lang="de-DE" dirty="0"/>
-              <a:t> </a:t>
-            </a:r>
-            <a:r>
-              <a:rPr lang="de-DE" dirty="0" err="1"/>
-              <a:t>corrected</a:t>
-            </a:r>
-            <a:r>
-              <a:rPr lang="de-DE" dirty="0"/>
-              <a:t> after </a:t>
-            </a:r>
-            <a:r>
-              <a:rPr lang="de-DE" dirty="0" err="1"/>
-              <a:t>our</a:t>
-            </a:r>
-            <a:r>
-              <a:rPr lang="de-DE" dirty="0"/>
-              <a:t> </a:t>
-            </a:r>
-            <a:r>
-              <a:rPr lang="de-DE" dirty="0" err="1"/>
-              <a:t>normalization</a:t>
-            </a:r>
-            <a:r>
-              <a:rPr lang="de-DE" dirty="0"/>
-              <a:t>.</a:t>
-            </a:r>
-            <a:endParaRPr lang="en-US" dirty="0"/>
-          </a:p>
-          <a:p>
-            <a:endParaRPr lang="en-US" dirty="0"/>
+            <a:endParaRPr lang="en-US"/>
           </a:p>
         </p:txBody>
       </p:sp>
@@ -4514,7 +4548,7 @@
     </p:spTree>
     <p:extLst>
       <p:ext uri="{BB962C8B-B14F-4D97-AF65-F5344CB8AC3E}">
-        <p14:creationId xmlns:p14="http://schemas.microsoft.com/office/powerpoint/2010/main" val="2342746366"/>
+        <p14:creationId xmlns:p14="http://schemas.microsoft.com/office/powerpoint/2010/main" val="1689382837"/>
       </p:ext>
     </p:extLst>
   </p:cSld>
@@ -4568,13 +4602,26 @@
           <a:bodyPr/>
           <a:lstStyle/>
           <a:p>
-            <a:r>
-              <a:rPr lang="de-DE" dirty="0"/>
-              <a:t>Next </a:t>
-            </a:r>
+            <a:pPr marL="0" marR="0" lvl="0" indent="0" algn="l" defTabSz="914400" rtl="0" eaLnBrk="1" fontAlgn="auto" latinLnBrk="0" hangingPunct="1">
+              <a:lnSpc>
+                <a:spcPct val="100000"/>
+              </a:lnSpc>
+              <a:spcBef>
+                <a:spcPts val="0"/>
+              </a:spcBef>
+              <a:spcAft>
+                <a:spcPts val="0"/>
+              </a:spcAft>
+              <a:buClrTx/>
+              <a:buSzTx/>
+              <a:buFontTx/>
+              <a:buNone/>
+              <a:tabLst/>
+              <a:defRPr/>
+            </a:pPr>
             <a:r>
               <a:rPr lang="de-DE" dirty="0" err="1"/>
-              <a:t>up</a:t>
+              <a:t>Starting</a:t>
             </a:r>
             <a:r>
               <a:rPr lang="de-DE" dirty="0"/>
@@ -4582,7 +4629,7 @@
             </a:r>
             <a:r>
               <a:rPr lang="de-DE" dirty="0" err="1"/>
-              <a:t>we</a:t>
+              <a:t>with</a:t>
             </a:r>
             <a:r>
               <a:rPr lang="de-DE" dirty="0"/>
@@ -4590,7 +4637,23 @@
             </a:r>
             <a:r>
               <a:rPr lang="de-DE" dirty="0" err="1"/>
-              <a:t>got</a:t>
+              <a:t>the</a:t>
+            </a:r>
+            <a:r>
+              <a:rPr lang="de-DE" dirty="0"/>
+              <a:t> Quality </a:t>
+            </a:r>
+            <a:r>
+              <a:rPr lang="de-DE" dirty="0" err="1"/>
+              <a:t>control</a:t>
+            </a:r>
+            <a:r>
+              <a:rPr lang="de-DE" dirty="0"/>
+              <a:t>, </a:t>
+            </a:r>
+            <a:r>
+              <a:rPr lang="de-DE" dirty="0" err="1"/>
+              <a:t>we</a:t>
             </a:r>
             <a:r>
               <a:rPr lang="de-DE" dirty="0"/>
@@ -4598,7 +4661,7 @@
             </a:r>
             <a:r>
               <a:rPr lang="de-DE" dirty="0" err="1"/>
-              <a:t>our</a:t>
+              <a:t>can</a:t>
             </a:r>
             <a:r>
               <a:rPr lang="de-DE" dirty="0"/>
@@ -4606,7 +4669,7 @@
             </a:r>
             <a:r>
               <a:rPr lang="de-DE" dirty="0" err="1"/>
-              <a:t>boxplots</a:t>
+              <a:t>first</a:t>
             </a:r>
             <a:r>
               <a:rPr lang="de-DE" dirty="0"/>
@@ -4614,7 +4677,7 @@
             </a:r>
             <a:r>
               <a:rPr lang="de-DE" dirty="0" err="1"/>
-              <a:t>which</a:t>
+              <a:t>observe</a:t>
             </a:r>
             <a:r>
               <a:rPr lang="de-DE" dirty="0"/>
@@ -4622,7 +4685,7 @@
             </a:r>
             <a:r>
               <a:rPr lang="de-DE" dirty="0" err="1"/>
-              <a:t>confirm</a:t>
+              <a:t>the</a:t>
             </a:r>
             <a:r>
               <a:rPr lang="de-DE" dirty="0"/>
@@ -4630,7 +4693,7 @@
             </a:r>
             <a:r>
               <a:rPr lang="de-DE" dirty="0" err="1"/>
-              <a:t>that</a:t>
+              <a:t>surface</a:t>
             </a:r>
             <a:r>
               <a:rPr lang="de-DE" dirty="0"/>
@@ -4638,7 +4701,7 @@
             </a:r>
             <a:r>
               <a:rPr lang="de-DE" dirty="0" err="1"/>
-              <a:t>we</a:t>
+              <a:t>images</a:t>
             </a:r>
             <a:r>
               <a:rPr lang="de-DE" dirty="0"/>
@@ -4646,7 +4709,7 @@
             </a:r>
             <a:r>
               <a:rPr lang="de-DE" dirty="0" err="1"/>
-              <a:t>can</a:t>
+              <a:t>of</a:t>
             </a:r>
             <a:r>
               <a:rPr lang="de-DE" dirty="0"/>
@@ -4654,7 +4717,7 @@
             </a:r>
             <a:r>
               <a:rPr lang="de-DE" dirty="0" err="1"/>
-              <a:t>normalize</a:t>
+              <a:t>the</a:t>
             </a:r>
             <a:r>
               <a:rPr lang="de-DE" dirty="0"/>
@@ -4662,7 +4725,23 @@
             </a:r>
             <a:r>
               <a:rPr lang="de-DE" dirty="0" err="1"/>
-              <a:t>our</a:t>
+              <a:t>array</a:t>
+            </a:r>
+            <a:r>
+              <a:rPr lang="de-DE" dirty="0"/>
+              <a:t>. On </a:t>
+            </a:r>
+            <a:r>
+              <a:rPr lang="de-DE" dirty="0" err="1"/>
+              <a:t>the</a:t>
+            </a:r>
+            <a:r>
+              <a:rPr lang="de-DE" dirty="0"/>
+              <a:t> 18 </a:t>
+            </a:r>
+            <a:r>
+              <a:rPr lang="de-DE" dirty="0" err="1"/>
+              <a:t>chips</a:t>
             </a:r>
             <a:r>
               <a:rPr lang="de-DE" dirty="0"/>
@@ -4670,7 +4749,7 @@
             </a:r>
             <a:r>
               <a:rPr lang="de-DE" dirty="0" err="1"/>
-              <a:t>data</a:t>
+              <a:t>we</a:t>
             </a:r>
             <a:r>
               <a:rPr lang="de-DE" dirty="0"/>
@@ -4678,7 +4757,7 @@
             </a:r>
             <a:r>
               <a:rPr lang="de-DE" dirty="0" err="1"/>
-              <a:t>by</a:t>
+              <a:t>can</a:t>
             </a:r>
             <a:r>
               <a:rPr lang="de-DE" dirty="0"/>
@@ -4686,7 +4765,7 @@
             </a:r>
             <a:r>
               <a:rPr lang="de-DE" dirty="0" err="1"/>
-              <a:t>variance</a:t>
+              <a:t>see</a:t>
             </a:r>
             <a:r>
               <a:rPr lang="de-DE" dirty="0"/>
@@ -4694,7 +4773,231 @@
             </a:r>
             <a:r>
               <a:rPr lang="de-DE" dirty="0" err="1"/>
-              <a:t>stabilization</a:t>
+              <a:t>no</a:t>
+            </a:r>
+            <a:r>
+              <a:rPr lang="de-DE" dirty="0"/>
+              <a:t> </a:t>
+            </a:r>
+            <a:r>
+              <a:rPr lang="de-DE" dirty="0" err="1"/>
+              <a:t>spatial</a:t>
+            </a:r>
+            <a:r>
+              <a:rPr lang="de-DE" dirty="0"/>
+              <a:t> </a:t>
+            </a:r>
+            <a:r>
+              <a:rPr lang="de-DE" dirty="0" err="1"/>
+              <a:t>artefacts</a:t>
+            </a:r>
+            <a:r>
+              <a:rPr lang="de-DE" dirty="0"/>
+              <a:t>, </a:t>
+            </a:r>
+            <a:r>
+              <a:rPr lang="de-DE" dirty="0" err="1"/>
+              <a:t>no</a:t>
+            </a:r>
+            <a:r>
+              <a:rPr lang="de-DE" dirty="0"/>
+              <a:t> </a:t>
+            </a:r>
+            <a:r>
+              <a:rPr lang="de-DE" dirty="0" err="1"/>
+              <a:t>fingerprints</a:t>
+            </a:r>
+            <a:r>
+              <a:rPr lang="de-DE" dirty="0"/>
+              <a:t>, </a:t>
+            </a:r>
+            <a:r>
+              <a:rPr lang="de-DE" dirty="0" err="1"/>
+              <a:t>no</a:t>
+            </a:r>
+            <a:r>
+              <a:rPr lang="de-DE" dirty="0"/>
+              <a:t> </a:t>
+            </a:r>
+            <a:r>
+              <a:rPr lang="de-DE" dirty="0" err="1"/>
+              <a:t>irregular</a:t>
+            </a:r>
+            <a:r>
+              <a:rPr lang="de-DE" dirty="0"/>
+              <a:t> </a:t>
+            </a:r>
+            <a:r>
+              <a:rPr lang="de-DE" dirty="0" err="1"/>
+              <a:t>dye</a:t>
+            </a:r>
+            <a:r>
+              <a:rPr lang="de-DE" dirty="0"/>
+              <a:t> </a:t>
+            </a:r>
+            <a:r>
+              <a:rPr lang="de-DE" dirty="0" err="1"/>
+              <a:t>or</a:t>
+            </a:r>
+            <a:r>
+              <a:rPr lang="de-DE" dirty="0"/>
+              <a:t> </a:t>
+            </a:r>
+            <a:r>
+              <a:rPr lang="de-DE" dirty="0" err="1"/>
+              <a:t>stripes</a:t>
+            </a:r>
+            <a:r>
+              <a:rPr lang="de-DE" dirty="0"/>
+              <a:t>. </a:t>
+            </a:r>
+            <a:r>
+              <a:rPr lang="de-DE" dirty="0" err="1"/>
+              <a:t>We</a:t>
+            </a:r>
+            <a:r>
+              <a:rPr lang="de-DE" dirty="0"/>
+              <a:t> </a:t>
+            </a:r>
+            <a:r>
+              <a:rPr lang="de-DE" dirty="0" err="1"/>
+              <a:t>can</a:t>
+            </a:r>
+            <a:r>
+              <a:rPr lang="de-DE" dirty="0"/>
+              <a:t> </a:t>
+            </a:r>
+            <a:r>
+              <a:rPr lang="de-DE" dirty="0" err="1"/>
+              <a:t>detect</a:t>
+            </a:r>
+            <a:r>
+              <a:rPr lang="de-DE" dirty="0"/>
+              <a:t> </a:t>
+            </a:r>
+            <a:r>
+              <a:rPr lang="de-DE" dirty="0" err="1"/>
+              <a:t>slight</a:t>
+            </a:r>
+            <a:r>
+              <a:rPr lang="de-DE" dirty="0"/>
+              <a:t> </a:t>
+            </a:r>
+            <a:r>
+              <a:rPr lang="de-DE" dirty="0" err="1"/>
+              <a:t>differences</a:t>
+            </a:r>
+            <a:r>
+              <a:rPr lang="de-DE" dirty="0"/>
+              <a:t> in </a:t>
+            </a:r>
+            <a:r>
+              <a:rPr lang="de-DE" dirty="0" err="1"/>
+              <a:t>overall</a:t>
+            </a:r>
+            <a:r>
+              <a:rPr lang="de-DE" dirty="0"/>
+              <a:t> </a:t>
+            </a:r>
+            <a:r>
+              <a:rPr lang="de-DE" dirty="0" err="1"/>
+              <a:t>expression</a:t>
+            </a:r>
+            <a:r>
+              <a:rPr lang="de-DE" dirty="0"/>
+              <a:t> </a:t>
+            </a:r>
+            <a:r>
+              <a:rPr lang="de-DE" dirty="0" err="1"/>
+              <a:t>detection</a:t>
+            </a:r>
+            <a:r>
+              <a:rPr lang="de-DE" dirty="0"/>
+              <a:t> </a:t>
+            </a:r>
+            <a:r>
+              <a:rPr lang="de-DE" dirty="0" err="1"/>
+              <a:t>though</a:t>
+            </a:r>
+            <a:r>
+              <a:rPr lang="de-DE" dirty="0"/>
+              <a:t>, </a:t>
+            </a:r>
+            <a:r>
+              <a:rPr lang="de-DE" dirty="0" err="1"/>
+              <a:t>for</a:t>
+            </a:r>
+            <a:r>
+              <a:rPr lang="de-DE" dirty="0"/>
+              <a:t> </a:t>
+            </a:r>
+            <a:r>
+              <a:rPr lang="de-DE" dirty="0" err="1"/>
+              <a:t>example</a:t>
+            </a:r>
+            <a:r>
+              <a:rPr lang="de-DE" dirty="0"/>
+              <a:t> </a:t>
+            </a:r>
+            <a:r>
+              <a:rPr lang="de-DE" dirty="0" err="1"/>
+              <a:t>if</a:t>
+            </a:r>
+            <a:r>
+              <a:rPr lang="de-DE" dirty="0"/>
+              <a:t> </a:t>
+            </a:r>
+            <a:r>
+              <a:rPr lang="de-DE" dirty="0" err="1"/>
+              <a:t>we</a:t>
+            </a:r>
+            <a:r>
+              <a:rPr lang="de-DE" dirty="0"/>
+              <a:t> </a:t>
+            </a:r>
+            <a:r>
+              <a:rPr lang="de-DE" dirty="0" err="1"/>
+              <a:t>compare</a:t>
+            </a:r>
+            <a:r>
+              <a:rPr lang="de-DE" dirty="0"/>
+              <a:t> Microarray 12 </a:t>
+            </a:r>
+            <a:r>
+              <a:rPr lang="de-DE" dirty="0" err="1"/>
+              <a:t>with</a:t>
+            </a:r>
+            <a:r>
+              <a:rPr lang="de-DE" dirty="0"/>
+              <a:t> 17. This </a:t>
+            </a:r>
+            <a:r>
+              <a:rPr lang="de-DE" dirty="0" err="1"/>
+              <a:t>however</a:t>
+            </a:r>
+            <a:r>
+              <a:rPr lang="de-DE" dirty="0"/>
+              <a:t> </a:t>
+            </a:r>
+            <a:r>
+              <a:rPr lang="de-DE" dirty="0" err="1"/>
+              <a:t>is</a:t>
+            </a:r>
+            <a:r>
+              <a:rPr lang="de-DE" dirty="0"/>
+              <a:t> still in </a:t>
+            </a:r>
+            <a:r>
+              <a:rPr lang="de-DE" dirty="0" err="1"/>
+              <a:t>its</a:t>
+            </a:r>
+            <a:r>
+              <a:rPr lang="de-DE" dirty="0"/>
+              <a:t> </a:t>
+            </a:r>
+            <a:r>
+              <a:rPr lang="de-DE" dirty="0" err="1"/>
+              <a:t>boundarys</a:t>
             </a:r>
             <a:r>
               <a:rPr lang="de-DE" dirty="0"/>
@@ -4702,15 +5005,7 @@
             </a:r>
             <a:r>
               <a:rPr lang="de-DE" dirty="0" err="1"/>
-              <a:t>the</a:t>
-            </a:r>
-            <a:r>
-              <a:rPr lang="de-DE" dirty="0"/>
-              <a:t> robust </a:t>
-            </a:r>
-            <a:r>
-              <a:rPr lang="de-DE" dirty="0" err="1"/>
-              <a:t>multichip</a:t>
+              <a:t>should</a:t>
             </a:r>
             <a:r>
               <a:rPr lang="de-DE" dirty="0"/>
@@ -4718,15 +5013,7 @@
             </a:r>
             <a:r>
               <a:rPr lang="de-DE" dirty="0" err="1"/>
-              <a:t>average</a:t>
-            </a:r>
-            <a:r>
-              <a:rPr lang="de-DE" dirty="0"/>
-              <a:t>. These deal </a:t>
-            </a:r>
-            <a:r>
-              <a:rPr lang="de-DE" dirty="0" err="1"/>
-              <a:t>with</a:t>
+              <a:t>be</a:t>
             </a:r>
             <a:r>
               <a:rPr lang="de-DE" dirty="0"/>
@@ -4734,7 +5021,15 @@
             </a:r>
             <a:r>
               <a:rPr lang="de-DE" dirty="0" err="1"/>
-              <a:t>systematic</a:t>
+              <a:t>corrected</a:t>
+            </a:r>
+            <a:r>
+              <a:rPr lang="de-DE" dirty="0"/>
+              <a:t> after </a:t>
+            </a:r>
+            <a:r>
+              <a:rPr lang="de-DE" dirty="0" err="1"/>
+              <a:t>our</a:t>
             </a:r>
             <a:r>
               <a:rPr lang="de-DE" dirty="0"/>
@@ -4742,140 +5037,15 @@
             </a:r>
             <a:r>
               <a:rPr lang="de-DE" dirty="0" err="1"/>
-              <a:t>errors</a:t>
-            </a:r>
-            <a:r>
-              <a:rPr lang="de-DE" dirty="0"/>
-              <a:t> and </a:t>
-            </a:r>
-            <a:r>
-              <a:rPr lang="de-DE" dirty="0" err="1"/>
-              <a:t>random</a:t>
-            </a:r>
-            <a:r>
-              <a:rPr lang="de-DE" dirty="0"/>
-              <a:t> </a:t>
-            </a:r>
-            <a:r>
-              <a:rPr lang="de-DE" dirty="0" err="1"/>
-              <a:t>fluctuation</a:t>
-            </a:r>
-            <a:r>
-              <a:rPr lang="de-DE" dirty="0"/>
-              <a:t> and </a:t>
-            </a:r>
-            <a:r>
-              <a:rPr lang="de-DE" dirty="0" err="1"/>
-              <a:t>give</a:t>
-            </a:r>
-            <a:r>
-              <a:rPr lang="de-DE" dirty="0"/>
-              <a:t> </a:t>
-            </a:r>
-            <a:r>
-              <a:rPr lang="de-DE" dirty="0" err="1"/>
-              <a:t>us</a:t>
-            </a:r>
-            <a:r>
-              <a:rPr lang="de-DE" dirty="0"/>
-              <a:t> </a:t>
-            </a:r>
-            <a:r>
-              <a:rPr lang="de-DE" dirty="0" err="1"/>
-              <a:t>comparable</a:t>
-            </a:r>
-            <a:r>
-              <a:rPr lang="de-DE" dirty="0"/>
-              <a:t> </a:t>
-            </a:r>
-            <a:r>
-              <a:rPr lang="de-DE" dirty="0" err="1"/>
-              <a:t>results</a:t>
-            </a:r>
-            <a:r>
-              <a:rPr lang="de-DE" dirty="0"/>
-              <a:t>. These </a:t>
-            </a:r>
-            <a:r>
-              <a:rPr lang="de-DE" dirty="0" err="1"/>
-              <a:t>boxplots</a:t>
-            </a:r>
-            <a:r>
-              <a:rPr lang="de-DE" dirty="0"/>
-              <a:t> </a:t>
-            </a:r>
-            <a:r>
-              <a:rPr lang="de-DE" dirty="0" err="1"/>
-              <a:t>show</a:t>
-            </a:r>
-            <a:r>
-              <a:rPr lang="de-DE" dirty="0"/>
-              <a:t> </a:t>
-            </a:r>
-            <a:r>
-              <a:rPr lang="de-DE" dirty="0" err="1"/>
-              <a:t>us</a:t>
-            </a:r>
-            <a:r>
-              <a:rPr lang="de-DE" dirty="0"/>
-              <a:t>, </a:t>
-            </a:r>
-            <a:r>
-              <a:rPr lang="de-DE" dirty="0" err="1"/>
-              <a:t>that</a:t>
-            </a:r>
-            <a:r>
-              <a:rPr lang="de-DE" dirty="0"/>
-              <a:t> </a:t>
-            </a:r>
-            <a:r>
-              <a:rPr lang="de-DE" dirty="0" err="1"/>
-              <a:t>we</a:t>
-            </a:r>
-            <a:r>
-              <a:rPr lang="de-DE" dirty="0"/>
-              <a:t> do not </a:t>
-            </a:r>
-            <a:r>
-              <a:rPr lang="de-DE" dirty="0" err="1"/>
-              <a:t>need</a:t>
-            </a:r>
-            <a:r>
-              <a:rPr lang="de-DE" dirty="0"/>
-              <a:t> </a:t>
-            </a:r>
-            <a:r>
-              <a:rPr lang="de-DE" dirty="0" err="1"/>
-              <a:t>to</a:t>
-            </a:r>
-            <a:r>
-              <a:rPr lang="de-DE" dirty="0"/>
-              <a:t> </a:t>
-            </a:r>
-            <a:r>
-              <a:rPr lang="de-DE" dirty="0" err="1"/>
-              <a:t>eliminate</a:t>
-            </a:r>
-            <a:r>
-              <a:rPr lang="de-DE" dirty="0"/>
-              <a:t> an </a:t>
-            </a:r>
-            <a:r>
-              <a:rPr lang="de-DE" dirty="0" err="1"/>
-              <a:t>unfitting</a:t>
-            </a:r>
-            <a:r>
-              <a:rPr lang="de-DE" dirty="0"/>
-              <a:t> </a:t>
-            </a:r>
-            <a:r>
-              <a:rPr lang="de-DE" dirty="0" err="1"/>
-              <a:t>chip</a:t>
+              <a:t>normalization</a:t>
             </a:r>
             <a:r>
               <a:rPr lang="de-DE" dirty="0"/>
               <a:t>.</a:t>
             </a:r>
+            <a:endParaRPr lang="en-US" dirty="0"/>
+          </a:p>
+          <a:p>
             <a:endParaRPr lang="en-US" dirty="0"/>
           </a:p>
         </p:txBody>
@@ -4906,7 +5076,7 @@
     </p:spTree>
     <p:extLst>
       <p:ext uri="{BB962C8B-B14F-4D97-AF65-F5344CB8AC3E}">
-        <p14:creationId xmlns:p14="http://schemas.microsoft.com/office/powerpoint/2010/main" val="1207138039"/>
+        <p14:creationId xmlns:p14="http://schemas.microsoft.com/office/powerpoint/2010/main" val="2342746366"/>
       </p:ext>
     </p:extLst>
   </p:cSld>
@@ -8797,7 +8967,7 @@
         <p:spPr>
           <a:xfrm>
             <a:off x="855423" y="295945"/>
-            <a:ext cx="7187979" cy="584775"/>
+            <a:ext cx="7187979" cy="1077218"/>
           </a:xfrm>
           <a:prstGeom prst="rect">
             <a:avLst/>
@@ -8814,17 +8984,44 @@
               <a:rPr lang="de-DE" sz="3200" dirty="0">
                 <a:latin typeface="+mj-lt"/>
               </a:rPr>
-              <a:t>Quality </a:t>
+              <a:t>2. Expression </a:t>
             </a:r>
             <a:r>
               <a:rPr lang="de-DE" sz="3200" dirty="0" err="1">
                 <a:latin typeface="+mj-lt"/>
               </a:rPr>
-              <a:t>control</a:t>
-            </a:r>
-            <a:endParaRPr lang="de-DE" sz="3200" dirty="0">
-              <a:latin typeface="+mj-lt"/>
-            </a:endParaRPr>
+              <a:t>boxplot</a:t>
+            </a:r>
+            <a:r>
+              <a:rPr lang="de-DE" sz="3200" dirty="0">
+                <a:latin typeface="+mj-lt"/>
+              </a:rPr>
+              <a:t> </a:t>
+            </a:r>
+            <a:r>
+              <a:rPr lang="de-DE" sz="3200" dirty="0" err="1">
+                <a:latin typeface="+mj-lt"/>
+              </a:rPr>
+              <a:t>vsnrma</a:t>
+            </a:r>
+            <a:r>
+              <a:rPr lang="de-DE" sz="3200" dirty="0">
+                <a:latin typeface="+mj-lt"/>
+              </a:rPr>
+              <a:t> </a:t>
+            </a:r>
+            <a:r>
+              <a:rPr lang="de-DE" sz="3200" dirty="0" err="1">
+                <a:latin typeface="+mj-lt"/>
+              </a:rPr>
+              <a:t>normalized</a:t>
+            </a:r>
+            <a:r>
+              <a:rPr lang="de-DE" sz="3200" dirty="0">
+                <a:latin typeface="+mj-lt"/>
+              </a:rPr>
+              <a:t> (QC)</a:t>
+            </a:r>
           </a:p>
         </p:txBody>
       </p:sp>
@@ -9274,10 +9471,10 @@
       </p:pic>
       <p:sp>
         <p:nvSpPr>
-          <p:cNvPr id="15" name="Textfeld 14">
-            <a:extLst>
-              <a:ext uri="{FF2B5EF4-FFF2-40B4-BE49-F238E27FC236}">
-                <a16:creationId xmlns:a16="http://schemas.microsoft.com/office/drawing/2014/main" id="{9DB0080F-0B09-97B1-3CAB-35CE7FABF577}"/>
+          <p:cNvPr id="16" name="Textfeld 15">
+            <a:extLst>
+              <a:ext uri="{FF2B5EF4-FFF2-40B4-BE49-F238E27FC236}">
+                <a16:creationId xmlns:a16="http://schemas.microsoft.com/office/drawing/2014/main" id="{62EE671E-F9A4-E7F3-16D8-8D6E11383DE3}"/>
               </a:ext>
             </a:extLst>
           </p:cNvPr>
@@ -9286,8 +9483,8 @@
         </p:nvSpPr>
         <p:spPr>
           <a:xfrm>
-            <a:off x="854632" y="948149"/>
-            <a:ext cx="6364774" cy="461665"/>
+            <a:off x="858072" y="1442528"/>
+            <a:ext cx="7187978" cy="369332"/>
           </a:xfrm>
           <a:prstGeom prst="rect">
             <a:avLst/>
@@ -9300,52 +9497,25 @@
           </a:bodyPr>
           <a:lstStyle/>
           <a:p>
-            <a:r>
-              <a:rPr lang="de-DE" sz="2400" dirty="0"/>
-              <a:t>3</a:t>
-            </a:r>
-            <a:r>
-              <a:rPr lang="en-US" sz="2400" dirty="0"/>
-              <a:t>. RNA degradation plots</a:t>
-            </a:r>
-          </a:p>
-        </p:txBody>
-      </p:sp>
-      <p:sp>
-        <p:nvSpPr>
-          <p:cNvPr id="16" name="Textfeld 15">
-            <a:extLst>
-              <a:ext uri="{FF2B5EF4-FFF2-40B4-BE49-F238E27FC236}">
-                <a16:creationId xmlns:a16="http://schemas.microsoft.com/office/drawing/2014/main" id="{62EE671E-F9A4-E7F3-16D8-8D6E11383DE3}"/>
-              </a:ext>
-            </a:extLst>
-          </p:cNvPr>
-          <p:cNvSpPr txBox="1"/>
-          <p:nvPr/>
-        </p:nvSpPr>
-        <p:spPr>
-          <a:xfrm>
-            <a:off x="858072" y="1442528"/>
-            <a:ext cx="7187978" cy="369332"/>
-          </a:xfrm>
-          <a:prstGeom prst="rect">
-            <a:avLst/>
-          </a:prstGeom>
-          <a:noFill/>
-        </p:spPr>
-        <p:txBody>
-          <a:bodyPr wrap="square" rtlCol="0">
-            <a:spAutoFit/>
-          </a:bodyPr>
-          <a:lstStyle/>
-          <a:p>
             <a:pPr marL="285750" indent="-285750">
               <a:buFont typeface="Arial" panose="020B0604020202020204" pitchFamily="34" charset="0"/>
               <a:buChar char="•"/>
             </a:pPr>
             <a:r>
+              <a:rPr lang="de-DE" dirty="0"/>
+              <a:t>All </a:t>
+            </a:r>
+            <a:r>
               <a:rPr lang="de-DE" dirty="0" err="1"/>
-              <a:t>Similar</a:t>
+              <a:t>chips</a:t>
+            </a:r>
+            <a:r>
+              <a:rPr lang="de-DE" dirty="0"/>
+              <a:t> in </a:t>
+            </a:r>
+            <a:r>
+              <a:rPr lang="de-DE" dirty="0" err="1"/>
+              <a:t>similar</a:t>
             </a:r>
             <a:r>
               <a:rPr lang="de-DE" dirty="0"/>
@@ -9353,75 +9523,15 @@
             </a:r>
             <a:r>
               <a:rPr lang="de-DE" dirty="0" err="1"/>
-              <a:t>distribution</a:t>
+              <a:t>range</a:t>
             </a:r>
             <a:r>
               <a:rPr lang="de-DE" dirty="0"/>
-              <a:t> in RNA </a:t>
+              <a:t> after </a:t>
             </a:r>
             <a:r>
               <a:rPr lang="de-DE" dirty="0" err="1"/>
-              <a:t>degradation</a:t>
-            </a:r>
-            <a:r>
-              <a:rPr lang="de-DE" dirty="0"/>
-              <a:t> in all </a:t>
-            </a:r>
-            <a:r>
-              <a:rPr lang="de-DE" dirty="0" err="1"/>
-              <a:t>chips</a:t>
-            </a:r>
-            <a:endParaRPr lang="en-US" dirty="0"/>
-          </a:p>
-        </p:txBody>
-      </p:sp>
-      <p:sp>
-        <p:nvSpPr>
-          <p:cNvPr id="19" name="Textfeld 18">
-            <a:extLst>
-              <a:ext uri="{FF2B5EF4-FFF2-40B4-BE49-F238E27FC236}">
-                <a16:creationId xmlns:a16="http://schemas.microsoft.com/office/drawing/2014/main" id="{F6A19FC3-F16F-5405-B430-0883ADD52C3C}"/>
-              </a:ext>
-            </a:extLst>
-          </p:cNvPr>
-          <p:cNvSpPr txBox="1"/>
-          <p:nvPr/>
-        </p:nvSpPr>
-        <p:spPr>
-          <a:xfrm>
-            <a:off x="854632" y="1803351"/>
-            <a:ext cx="7839601" cy="369332"/>
-          </a:xfrm>
-          <a:prstGeom prst="rect">
-            <a:avLst/>
-          </a:prstGeom>
-          <a:noFill/>
-        </p:spPr>
-        <p:txBody>
-          <a:bodyPr wrap="square" rtlCol="0">
-            <a:spAutoFit/>
-          </a:bodyPr>
-          <a:lstStyle/>
-          <a:p>
-            <a:pPr marL="285750" indent="-285750">
-              <a:buFont typeface="Arial" panose="020B0604020202020204" pitchFamily="34" charset="0"/>
-              <a:buChar char="•"/>
-            </a:pPr>
-            <a:r>
-              <a:rPr lang="de-DE" dirty="0"/>
-              <a:t>All 18 </a:t>
-            </a:r>
-            <a:r>
-              <a:rPr lang="de-DE" dirty="0" err="1"/>
-              <a:t>chips</a:t>
-            </a:r>
-            <a:r>
-              <a:rPr lang="de-DE" dirty="0"/>
-              <a:t> </a:t>
-            </a:r>
-            <a:r>
-              <a:rPr lang="de-DE" dirty="0" err="1"/>
-              <a:t>accepted</a:t>
+              <a:t>normalization</a:t>
             </a:r>
             <a:endParaRPr lang="en-US" dirty="0"/>
           </a:p>
@@ -9429,10 +9539,10 @@
       </p:sp>
       <p:pic>
         <p:nvPicPr>
-          <p:cNvPr id="5" name="Grafik 4">
-            <a:extLst>
-              <a:ext uri="{FF2B5EF4-FFF2-40B4-BE49-F238E27FC236}">
-                <a16:creationId xmlns:a16="http://schemas.microsoft.com/office/drawing/2014/main" id="{421CCCCF-777E-E1FD-6258-040C873263AF}"/>
+          <p:cNvPr id="4" name="Grafik 3">
+            <a:extLst>
+              <a:ext uri="{FF2B5EF4-FFF2-40B4-BE49-F238E27FC236}">
+                <a16:creationId xmlns:a16="http://schemas.microsoft.com/office/drawing/2014/main" id="{571047DF-C23F-4864-5A7B-BB6789D6B025}"/>
               </a:ext>
             </a:extLst>
           </p:cNvPr>
@@ -9455,20 +9565,72 @@
         </p:blipFill>
         <p:spPr>
           <a:xfrm>
-            <a:off x="1237785" y="2857499"/>
-            <a:ext cx="3334216" cy="2057687"/>
+            <a:off x="4572000" y="2632250"/>
+            <a:ext cx="4300864" cy="2654247"/>
           </a:xfrm>
           <a:prstGeom prst="rect">
             <a:avLst/>
           </a:prstGeom>
         </p:spPr>
       </p:pic>
+      <p:sp>
+        <p:nvSpPr>
+          <p:cNvPr id="19" name="Textfeld 18">
+            <a:extLst>
+              <a:ext uri="{FF2B5EF4-FFF2-40B4-BE49-F238E27FC236}">
+                <a16:creationId xmlns:a16="http://schemas.microsoft.com/office/drawing/2014/main" id="{F6A19FC3-F16F-5405-B430-0883ADD52C3C}"/>
+              </a:ext>
+            </a:extLst>
+          </p:cNvPr>
+          <p:cNvSpPr txBox="1"/>
+          <p:nvPr/>
+        </p:nvSpPr>
+        <p:spPr>
+          <a:xfrm>
+            <a:off x="854632" y="1803351"/>
+            <a:ext cx="7839601" cy="369332"/>
+          </a:xfrm>
+          <a:prstGeom prst="rect">
+            <a:avLst/>
+          </a:prstGeom>
+          <a:noFill/>
+        </p:spPr>
+        <p:txBody>
+          <a:bodyPr wrap="square" rtlCol="0">
+            <a:spAutoFit/>
+          </a:bodyPr>
+          <a:lstStyle/>
+          <a:p>
+            <a:pPr marL="285750" indent="-285750">
+              <a:buFont typeface="Arial" panose="020B0604020202020204" pitchFamily="34" charset="0"/>
+              <a:buChar char="•"/>
+            </a:pPr>
+            <a:r>
+              <a:rPr lang="de-DE" dirty="0"/>
+              <a:t>All 18 </a:t>
+            </a:r>
+            <a:r>
+              <a:rPr lang="de-DE" dirty="0" err="1"/>
+              <a:t>chips</a:t>
+            </a:r>
+            <a:r>
+              <a:rPr lang="de-DE" dirty="0"/>
+              <a:t> </a:t>
+            </a:r>
+            <a:r>
+              <a:rPr lang="de-DE" dirty="0" err="1"/>
+              <a:t>accepted</a:t>
+            </a:r>
+            <a:endParaRPr lang="en-US" dirty="0"/>
+          </a:p>
+        </p:txBody>
+      </p:sp>
       <p:pic>
         <p:nvPicPr>
-          <p:cNvPr id="7" name="Grafik 6">
-            <a:extLst>
-              <a:ext uri="{FF2B5EF4-FFF2-40B4-BE49-F238E27FC236}">
-                <a16:creationId xmlns:a16="http://schemas.microsoft.com/office/drawing/2014/main" id="{59E66C38-E319-0E99-57B4-2D08B05B226F}"/>
+          <p:cNvPr id="5" name="Grafik 4">
+            <a:extLst>
+              <a:ext uri="{FF2B5EF4-FFF2-40B4-BE49-F238E27FC236}">
+                <a16:creationId xmlns:a16="http://schemas.microsoft.com/office/drawing/2014/main" id="{AA1CD030-0980-E794-34EA-BD93FEBEB414}"/>
               </a:ext>
             </a:extLst>
           </p:cNvPr>
@@ -9478,21 +9640,15 @@
           <p:nvPr/>
         </p:nvPicPr>
         <p:blipFill>
-          <a:blip r:embed="rId13">
-            <a:extLst>
-              <a:ext uri="{28A0092B-C50C-407E-A947-70E740481C1C}">
-                <a14:useLocalDpi xmlns:a14="http://schemas.microsoft.com/office/drawing/2010/main" val="0"/>
-              </a:ext>
-            </a:extLst>
-          </a:blip>
+          <a:blip r:embed="rId13"/>
           <a:stretch>
             <a:fillRect/>
           </a:stretch>
         </p:blipFill>
         <p:spPr>
           <a:xfrm>
-            <a:off x="4709185" y="2937632"/>
-            <a:ext cx="3334217" cy="2057688"/>
+            <a:off x="1238666" y="800357"/>
+            <a:ext cx="6666667" cy="4114286"/>
           </a:xfrm>
           <a:prstGeom prst="rect">
             <a:avLst/>
@@ -9502,7 +9658,7 @@
     </p:spTree>
     <p:extLst>
       <p:ext uri="{BB962C8B-B14F-4D97-AF65-F5344CB8AC3E}">
-        <p14:creationId xmlns:p14="http://schemas.microsoft.com/office/powerpoint/2010/main" val="1142688386"/>
+        <p14:creationId xmlns:p14="http://schemas.microsoft.com/office/powerpoint/2010/main" val="775386843"/>
       </p:ext>
     </p:extLst>
   </p:cSld>
@@ -10215,6 +10371,919 @@
           <a:p>
             <a:r>
               <a:rPr lang="de-DE" sz="2400" dirty="0"/>
+              <a:t>3</a:t>
+            </a:r>
+            <a:r>
+              <a:rPr lang="en-US" sz="2400" dirty="0"/>
+              <a:t>. RNA degradation plots</a:t>
+            </a:r>
+          </a:p>
+        </p:txBody>
+      </p:sp>
+      <p:sp>
+        <p:nvSpPr>
+          <p:cNvPr id="16" name="Textfeld 15">
+            <a:extLst>
+              <a:ext uri="{FF2B5EF4-FFF2-40B4-BE49-F238E27FC236}">
+                <a16:creationId xmlns:a16="http://schemas.microsoft.com/office/drawing/2014/main" id="{62EE671E-F9A4-E7F3-16D8-8D6E11383DE3}"/>
+              </a:ext>
+            </a:extLst>
+          </p:cNvPr>
+          <p:cNvSpPr txBox="1"/>
+          <p:nvPr/>
+        </p:nvSpPr>
+        <p:spPr>
+          <a:xfrm>
+            <a:off x="858072" y="1442528"/>
+            <a:ext cx="7187978" cy="369332"/>
+          </a:xfrm>
+          <a:prstGeom prst="rect">
+            <a:avLst/>
+          </a:prstGeom>
+          <a:noFill/>
+        </p:spPr>
+        <p:txBody>
+          <a:bodyPr wrap="square" rtlCol="0">
+            <a:spAutoFit/>
+          </a:bodyPr>
+          <a:lstStyle/>
+          <a:p>
+            <a:pPr marL="285750" indent="-285750">
+              <a:buFont typeface="Arial" panose="020B0604020202020204" pitchFamily="34" charset="0"/>
+              <a:buChar char="•"/>
+            </a:pPr>
+            <a:r>
+              <a:rPr lang="de-DE" dirty="0" err="1"/>
+              <a:t>Similar</a:t>
+            </a:r>
+            <a:r>
+              <a:rPr lang="de-DE" dirty="0"/>
+              <a:t> </a:t>
+            </a:r>
+            <a:r>
+              <a:rPr lang="de-DE" dirty="0" err="1"/>
+              <a:t>distribution</a:t>
+            </a:r>
+            <a:r>
+              <a:rPr lang="de-DE" dirty="0"/>
+              <a:t> in RNA </a:t>
+            </a:r>
+            <a:r>
+              <a:rPr lang="de-DE" dirty="0" err="1"/>
+              <a:t>degradation</a:t>
+            </a:r>
+            <a:r>
+              <a:rPr lang="de-DE" dirty="0"/>
+              <a:t> in all </a:t>
+            </a:r>
+            <a:r>
+              <a:rPr lang="de-DE" dirty="0" err="1"/>
+              <a:t>chips</a:t>
+            </a:r>
+            <a:endParaRPr lang="en-US" dirty="0"/>
+          </a:p>
+        </p:txBody>
+      </p:sp>
+      <p:sp>
+        <p:nvSpPr>
+          <p:cNvPr id="19" name="Textfeld 18">
+            <a:extLst>
+              <a:ext uri="{FF2B5EF4-FFF2-40B4-BE49-F238E27FC236}">
+                <a16:creationId xmlns:a16="http://schemas.microsoft.com/office/drawing/2014/main" id="{F6A19FC3-F16F-5405-B430-0883ADD52C3C}"/>
+              </a:ext>
+            </a:extLst>
+          </p:cNvPr>
+          <p:cNvSpPr txBox="1"/>
+          <p:nvPr/>
+        </p:nvSpPr>
+        <p:spPr>
+          <a:xfrm>
+            <a:off x="854632" y="1803351"/>
+            <a:ext cx="7839601" cy="369332"/>
+          </a:xfrm>
+          <a:prstGeom prst="rect">
+            <a:avLst/>
+          </a:prstGeom>
+          <a:noFill/>
+        </p:spPr>
+        <p:txBody>
+          <a:bodyPr wrap="square" rtlCol="0">
+            <a:spAutoFit/>
+          </a:bodyPr>
+          <a:lstStyle/>
+          <a:p>
+            <a:pPr marL="285750" indent="-285750">
+              <a:buFont typeface="Arial" panose="020B0604020202020204" pitchFamily="34" charset="0"/>
+              <a:buChar char="•"/>
+            </a:pPr>
+            <a:r>
+              <a:rPr lang="de-DE" dirty="0"/>
+              <a:t>All 18 </a:t>
+            </a:r>
+            <a:r>
+              <a:rPr lang="de-DE" dirty="0" err="1"/>
+              <a:t>chips</a:t>
+            </a:r>
+            <a:r>
+              <a:rPr lang="de-DE" dirty="0"/>
+              <a:t> </a:t>
+            </a:r>
+            <a:r>
+              <a:rPr lang="de-DE" dirty="0" err="1"/>
+              <a:t>accepted</a:t>
+            </a:r>
+            <a:endParaRPr lang="en-US" dirty="0"/>
+          </a:p>
+        </p:txBody>
+      </p:sp>
+      <p:pic>
+        <p:nvPicPr>
+          <p:cNvPr id="5" name="Grafik 4">
+            <a:extLst>
+              <a:ext uri="{FF2B5EF4-FFF2-40B4-BE49-F238E27FC236}">
+                <a16:creationId xmlns:a16="http://schemas.microsoft.com/office/drawing/2014/main" id="{421CCCCF-777E-E1FD-6258-040C873263AF}"/>
+              </a:ext>
+            </a:extLst>
+          </p:cNvPr>
+          <p:cNvPicPr>
+            <a:picLocks noChangeAspect="1"/>
+          </p:cNvPicPr>
+          <p:nvPr/>
+        </p:nvPicPr>
+        <p:blipFill>
+          <a:blip r:embed="rId12">
+            <a:extLst>
+              <a:ext uri="{28A0092B-C50C-407E-A947-70E740481C1C}">
+                <a14:useLocalDpi xmlns:a14="http://schemas.microsoft.com/office/drawing/2010/main" val="0"/>
+              </a:ext>
+            </a:extLst>
+          </a:blip>
+          <a:stretch>
+            <a:fillRect/>
+          </a:stretch>
+        </p:blipFill>
+        <p:spPr>
+          <a:xfrm>
+            <a:off x="1237785" y="2857499"/>
+            <a:ext cx="3334216" cy="2057687"/>
+          </a:xfrm>
+          <a:prstGeom prst="rect">
+            <a:avLst/>
+          </a:prstGeom>
+        </p:spPr>
+      </p:pic>
+      <p:pic>
+        <p:nvPicPr>
+          <p:cNvPr id="7" name="Grafik 6">
+            <a:extLst>
+              <a:ext uri="{FF2B5EF4-FFF2-40B4-BE49-F238E27FC236}">
+                <a16:creationId xmlns:a16="http://schemas.microsoft.com/office/drawing/2014/main" id="{59E66C38-E319-0E99-57B4-2D08B05B226F}"/>
+              </a:ext>
+            </a:extLst>
+          </p:cNvPr>
+          <p:cNvPicPr>
+            <a:picLocks noChangeAspect="1"/>
+          </p:cNvPicPr>
+          <p:nvPr/>
+        </p:nvPicPr>
+        <p:blipFill>
+          <a:blip r:embed="rId13">
+            <a:extLst>
+              <a:ext uri="{28A0092B-C50C-407E-A947-70E740481C1C}">
+                <a14:useLocalDpi xmlns:a14="http://schemas.microsoft.com/office/drawing/2010/main" val="0"/>
+              </a:ext>
+            </a:extLst>
+          </a:blip>
+          <a:stretch>
+            <a:fillRect/>
+          </a:stretch>
+        </p:blipFill>
+        <p:spPr>
+          <a:xfrm>
+            <a:off x="4709185" y="2937632"/>
+            <a:ext cx="3334217" cy="2057688"/>
+          </a:xfrm>
+          <a:prstGeom prst="rect">
+            <a:avLst/>
+          </a:prstGeom>
+        </p:spPr>
+      </p:pic>
+    </p:spTree>
+    <p:extLst>
+      <p:ext uri="{BB962C8B-B14F-4D97-AF65-F5344CB8AC3E}">
+        <p14:creationId xmlns:p14="http://schemas.microsoft.com/office/powerpoint/2010/main" val="1142688386"/>
+      </p:ext>
+    </p:extLst>
+  </p:cSld>
+  <p:clrMapOvr>
+    <a:masterClrMapping/>
+  </p:clrMapOvr>
+  <p:timing>
+    <p:tnLst>
+      <p:par>
+        <p:cTn id="1" dur="indefinite" restart="never" nodeType="tmRoot">
+          <p:childTnLst>
+            <p:seq concurrent="1" nextAc="seek">
+              <p:cTn id="2" dur="indefinite" nodeType="mainSeq">
+                <p:childTnLst>
+                  <p:par>
+                    <p:cTn id="3" fill="hold">
+                      <p:stCondLst>
+                        <p:cond delay="indefinite"/>
+                      </p:stCondLst>
+                      <p:childTnLst>
+                        <p:par>
+                          <p:cTn id="4" fill="hold">
+                            <p:stCondLst>
+                              <p:cond delay="0"/>
+                            </p:stCondLst>
+                            <p:childTnLst>
+                              <p:par>
+                                <p:cTn id="5" presetID="1" presetClass="entr" presetSubtype="0" fill="hold" grpId="0" nodeType="clickEffect">
+                                  <p:stCondLst>
+                                    <p:cond delay="0"/>
+                                  </p:stCondLst>
+                                  <p:childTnLst>
+                                    <p:set>
+                                      <p:cBhvr>
+                                        <p:cTn id="6" dur="1" fill="hold">
+                                          <p:stCondLst>
+                                            <p:cond delay="0"/>
+                                          </p:stCondLst>
+                                        </p:cTn>
+                                        <p:tgtEl>
+                                          <p:spTgt spid="16"/>
+                                        </p:tgtEl>
+                                        <p:attrNameLst>
+                                          <p:attrName>style.visibility</p:attrName>
+                                        </p:attrNameLst>
+                                      </p:cBhvr>
+                                      <p:to>
+                                        <p:strVal val="visible"/>
+                                      </p:to>
+                                    </p:set>
+                                  </p:childTnLst>
+                                </p:cTn>
+                              </p:par>
+                            </p:childTnLst>
+                          </p:cTn>
+                        </p:par>
+                      </p:childTnLst>
+                    </p:cTn>
+                  </p:par>
+                  <p:par>
+                    <p:cTn id="7" fill="hold">
+                      <p:stCondLst>
+                        <p:cond delay="indefinite"/>
+                      </p:stCondLst>
+                      <p:childTnLst>
+                        <p:par>
+                          <p:cTn id="8" fill="hold">
+                            <p:stCondLst>
+                              <p:cond delay="0"/>
+                            </p:stCondLst>
+                            <p:childTnLst>
+                              <p:par>
+                                <p:cTn id="9" presetID="1" presetClass="entr" presetSubtype="0" fill="hold" grpId="0" nodeType="clickEffect">
+                                  <p:stCondLst>
+                                    <p:cond delay="0"/>
+                                  </p:stCondLst>
+                                  <p:childTnLst>
+                                    <p:set>
+                                      <p:cBhvr>
+                                        <p:cTn id="10" dur="1" fill="hold">
+                                          <p:stCondLst>
+                                            <p:cond delay="0"/>
+                                          </p:stCondLst>
+                                        </p:cTn>
+                                        <p:tgtEl>
+                                          <p:spTgt spid="19"/>
+                                        </p:tgtEl>
+                                        <p:attrNameLst>
+                                          <p:attrName>style.visibility</p:attrName>
+                                        </p:attrNameLst>
+                                      </p:cBhvr>
+                                      <p:to>
+                                        <p:strVal val="visible"/>
+                                      </p:to>
+                                    </p:set>
+                                  </p:childTnLst>
+                                </p:cTn>
+                              </p:par>
+                            </p:childTnLst>
+                          </p:cTn>
+                        </p:par>
+                      </p:childTnLst>
+                    </p:cTn>
+                  </p:par>
+                </p:childTnLst>
+              </p:cTn>
+              <p:prevCondLst>
+                <p:cond evt="onPrev" delay="0">
+                  <p:tgtEl>
+                    <p:sldTgt/>
+                  </p:tgtEl>
+                </p:cond>
+              </p:prevCondLst>
+              <p:nextCondLst>
+                <p:cond evt="onNext" delay="0">
+                  <p:tgtEl>
+                    <p:sldTgt/>
+                  </p:tgtEl>
+                </p:cond>
+              </p:nextCondLst>
+            </p:seq>
+          </p:childTnLst>
+        </p:cTn>
+      </p:par>
+    </p:tnLst>
+    <p:bldLst>
+      <p:bldP spid="16" grpId="0"/>
+      <p:bldP spid="19" grpId="0"/>
+    </p:bldLst>
+  </p:timing>
+</p:sld>
+</file>
+
+<file path=ppt/slides/slide12.xml><?xml version="1.0" encoding="utf-8"?>
+<p:sld xmlns:a="http://schemas.openxmlformats.org/drawingml/2006/main" xmlns:r="http://schemas.openxmlformats.org/officeDocument/2006/relationships" xmlns:p="http://schemas.openxmlformats.org/presentationml/2006/main">
+  <p:cSld>
+    <p:spTree>
+      <p:nvGrpSpPr>
+        <p:cNvPr id="1" name=""/>
+        <p:cNvGrpSpPr/>
+        <p:nvPr/>
+      </p:nvGrpSpPr>
+      <p:grpSpPr>
+        <a:xfrm>
+          <a:off x="0" y="0"/>
+          <a:ext cx="0" cy="0"/>
+          <a:chOff x="0" y="0"/>
+          <a:chExt cx="0" cy="0"/>
+        </a:xfrm>
+      </p:grpSpPr>
+      <p:sp>
+        <p:nvSpPr>
+          <p:cNvPr id="9" name="Datumsplatzhalter 8">
+            <a:extLst>
+              <a:ext uri="{FF2B5EF4-FFF2-40B4-BE49-F238E27FC236}">
+                <a16:creationId xmlns:a16="http://schemas.microsoft.com/office/drawing/2014/main" id="{B2E44AFA-B29A-4513-B164-74DF574E302B}"/>
+              </a:ext>
+            </a:extLst>
+          </p:cNvPr>
+          <p:cNvSpPr>
+            <a:spLocks noGrp="1"/>
+          </p:cNvSpPr>
+          <p:nvPr>
+            <p:ph type="dt" sz="half" idx="10"/>
+          </p:nvPr>
+        </p:nvSpPr>
+        <p:spPr>
+          <a:xfrm>
+            <a:off x="628650" y="5357247"/>
+            <a:ext cx="2057400" cy="304271"/>
+          </a:xfrm>
+        </p:spPr>
+        <p:txBody>
+          <a:bodyPr/>
+          <a:lstStyle/>
+          <a:p>
+            <a:fld id="{4ABD6D1D-9BE7-4B6A-B4D1-FD497C782274}" type="datetime1">
+              <a:rPr lang="de-DE" smtClean="0">
+                <a:solidFill>
+                  <a:srgbClr val="2E4186"/>
+                </a:solidFill>
+              </a:rPr>
+              <a:t>17.05.2022</a:t>
+            </a:fld>
+            <a:endParaRPr lang="de-DE" dirty="0">
+              <a:solidFill>
+                <a:srgbClr val="2E4186"/>
+              </a:solidFill>
+            </a:endParaRPr>
+          </a:p>
+        </p:txBody>
+      </p:sp>
+      <p:sp>
+        <p:nvSpPr>
+          <p:cNvPr id="13" name="Textfeld 12">
+            <a:extLst>
+              <a:ext uri="{FF2B5EF4-FFF2-40B4-BE49-F238E27FC236}">
+                <a16:creationId xmlns:a16="http://schemas.microsoft.com/office/drawing/2014/main" id="{88E434CB-53F2-43DE-989A-34F83773913E}"/>
+              </a:ext>
+            </a:extLst>
+          </p:cNvPr>
+          <p:cNvSpPr txBox="1"/>
+          <p:nvPr/>
+        </p:nvSpPr>
+        <p:spPr>
+          <a:xfrm>
+            <a:off x="855423" y="295945"/>
+            <a:ext cx="7187979" cy="584775"/>
+          </a:xfrm>
+          <a:prstGeom prst="rect">
+            <a:avLst/>
+          </a:prstGeom>
+          <a:noFill/>
+        </p:spPr>
+        <p:txBody>
+          <a:bodyPr wrap="square" rtlCol="0">
+            <a:spAutoFit/>
+          </a:bodyPr>
+          <a:lstStyle/>
+          <a:p>
+            <a:r>
+              <a:rPr lang="de-DE" sz="3200" dirty="0">
+                <a:latin typeface="+mj-lt"/>
+              </a:rPr>
+              <a:t>Quality </a:t>
+            </a:r>
+            <a:r>
+              <a:rPr lang="de-DE" sz="3200" dirty="0" err="1">
+                <a:latin typeface="+mj-lt"/>
+              </a:rPr>
+              <a:t>control</a:t>
+            </a:r>
+            <a:endParaRPr lang="de-DE" sz="3200" dirty="0">
+              <a:latin typeface="+mj-lt"/>
+            </a:endParaRPr>
+          </a:p>
+        </p:txBody>
+      </p:sp>
+      <p:cxnSp>
+        <p:nvCxnSpPr>
+          <p:cNvPr id="14" name="Gerader Verbinder 13">
+            <a:extLst>
+              <a:ext uri="{FF2B5EF4-FFF2-40B4-BE49-F238E27FC236}">
+                <a16:creationId xmlns:a16="http://schemas.microsoft.com/office/drawing/2014/main" id="{1CDE483F-007A-4AB6-9094-9439F0148193}"/>
+              </a:ext>
+            </a:extLst>
+          </p:cNvPr>
+          <p:cNvCxnSpPr>
+            <a:cxnSpLocks/>
+          </p:cNvCxnSpPr>
+          <p:nvPr/>
+        </p:nvCxnSpPr>
+        <p:spPr>
+          <a:xfrm>
+            <a:off x="726619" y="849404"/>
+            <a:ext cx="6854981" cy="0"/>
+          </a:xfrm>
+          <a:prstGeom prst="line">
+            <a:avLst/>
+          </a:prstGeom>
+          <a:ln>
+            <a:solidFill>
+              <a:srgbClr val="10A1EA"/>
+            </a:solidFill>
+          </a:ln>
+        </p:spPr>
+        <p:style>
+          <a:lnRef idx="1">
+            <a:schemeClr val="accent1"/>
+          </a:lnRef>
+          <a:fillRef idx="0">
+            <a:schemeClr val="accent1"/>
+          </a:fillRef>
+          <a:effectRef idx="0">
+            <a:schemeClr val="accent1"/>
+          </a:effectRef>
+          <a:fontRef idx="minor">
+            <a:schemeClr val="tx1"/>
+          </a:fontRef>
+        </p:style>
+      </p:cxnSp>
+      <p:sp>
+        <p:nvSpPr>
+          <p:cNvPr id="24" name="Rechteck 23">
+            <a:extLst>
+              <a:ext uri="{FF2B5EF4-FFF2-40B4-BE49-F238E27FC236}">
+                <a16:creationId xmlns:a16="http://schemas.microsoft.com/office/drawing/2014/main" id="{85AA2DAF-4E4E-60E3-5793-E5162487086D}"/>
+              </a:ext>
+            </a:extLst>
+          </p:cNvPr>
+          <p:cNvSpPr/>
+          <p:nvPr/>
+        </p:nvSpPr>
+        <p:spPr>
+          <a:xfrm>
+            <a:off x="152780" y="0"/>
+            <a:ext cx="406921" cy="5715000"/>
+          </a:xfrm>
+          <a:prstGeom prst="rect">
+            <a:avLst/>
+          </a:prstGeom>
+          <a:gradFill>
+            <a:gsLst>
+              <a:gs pos="2000">
+                <a:schemeClr val="bg1">
+                  <a:alpha val="91000"/>
+                </a:schemeClr>
+              </a:gs>
+              <a:gs pos="95000">
+                <a:schemeClr val="bg1"/>
+              </a:gs>
+              <a:gs pos="75000">
+                <a:srgbClr val="12D4E8"/>
+              </a:gs>
+              <a:gs pos="58000">
+                <a:srgbClr val="10A1EA"/>
+              </a:gs>
+              <a:gs pos="15000">
+                <a:srgbClr val="12D4E8"/>
+              </a:gs>
+              <a:gs pos="35000">
+                <a:srgbClr val="175CF5"/>
+              </a:gs>
+              <a:gs pos="26000">
+                <a:srgbClr val="10A1EA"/>
+              </a:gs>
+              <a:gs pos="46000">
+                <a:srgbClr val="175CF5"/>
+              </a:gs>
+            </a:gsLst>
+            <a:lin ang="5400000" scaled="1"/>
+          </a:gradFill>
+          <a:ln>
+            <a:noFill/>
+          </a:ln>
+          <a:effectLst>
+            <a:softEdge rad="38100"/>
+          </a:effectLst>
+        </p:spPr>
+        <p:style>
+          <a:lnRef idx="2">
+            <a:schemeClr val="accent1">
+              <a:shade val="50000"/>
+            </a:schemeClr>
+          </a:lnRef>
+          <a:fillRef idx="1">
+            <a:schemeClr val="accent1"/>
+          </a:fillRef>
+          <a:effectRef idx="0">
+            <a:schemeClr val="accent1"/>
+          </a:effectRef>
+          <a:fontRef idx="minor">
+            <a:schemeClr val="lt1"/>
+          </a:fontRef>
+        </p:style>
+        <p:txBody>
+          <a:bodyPr rot="0" spcFirstLastPara="0" vert="horz" wrap="square" lIns="91440" tIns="45720" rIns="91440" bIns="45720" numCol="1" spcCol="0" rtlCol="0" fromWordArt="0" anchor="ctr" anchorCtr="0" forceAA="0" compatLnSpc="1">
+            <a:prstTxWarp prst="textNoShape">
+              <a:avLst/>
+            </a:prstTxWarp>
+            <a:noAutofit/>
+          </a:bodyPr>
+          <a:lstStyle/>
+          <a:p>
+            <a:endParaRPr lang="de-DE"/>
+          </a:p>
+        </p:txBody>
+      </p:sp>
+      <p:sp>
+        <p:nvSpPr>
+          <p:cNvPr id="2" name="Foliennummernplatzhalter 1">
+            <a:extLst>
+              <a:ext uri="{FF2B5EF4-FFF2-40B4-BE49-F238E27FC236}">
+                <a16:creationId xmlns:a16="http://schemas.microsoft.com/office/drawing/2014/main" id="{7127E193-062B-1452-70A0-30F77337207F}"/>
+              </a:ext>
+            </a:extLst>
+          </p:cNvPr>
+          <p:cNvSpPr>
+            <a:spLocks noGrp="1"/>
+          </p:cNvSpPr>
+          <p:nvPr>
+            <p:ph type="sldNum" sz="quarter" idx="12"/>
+          </p:nvPr>
+        </p:nvSpPr>
+        <p:spPr>
+          <a:xfrm>
+            <a:off x="6774750" y="5325759"/>
+            <a:ext cx="2057400" cy="304271"/>
+          </a:xfrm>
+        </p:spPr>
+        <p:txBody>
+          <a:bodyPr/>
+          <a:lstStyle/>
+          <a:p>
+            <a:fld id="{D3D8A29C-259F-45D5-BFFA-A48772AC905C}" type="slidenum">
+              <a:rPr lang="de-DE" smtClean="0">
+                <a:solidFill>
+                  <a:srgbClr val="2E4186"/>
+                </a:solidFill>
+              </a:rPr>
+              <a:t>12</a:t>
+            </a:fld>
+            <a:endParaRPr lang="de-DE" dirty="0">
+              <a:solidFill>
+                <a:srgbClr val="2E4186"/>
+              </a:solidFill>
+            </a:endParaRPr>
+          </a:p>
+        </p:txBody>
+      </p:sp>
+      <p:cxnSp>
+        <p:nvCxnSpPr>
+          <p:cNvPr id="23" name="Gerader Verbinder 22">
+            <a:extLst>
+              <a:ext uri="{FF2B5EF4-FFF2-40B4-BE49-F238E27FC236}">
+                <a16:creationId xmlns:a16="http://schemas.microsoft.com/office/drawing/2014/main" id="{F400FDB4-FD57-FB87-F549-2AF5E6E1AE51}"/>
+              </a:ext>
+            </a:extLst>
+          </p:cNvPr>
+          <p:cNvCxnSpPr>
+            <a:cxnSpLocks/>
+          </p:cNvCxnSpPr>
+          <p:nvPr/>
+        </p:nvCxnSpPr>
+        <p:spPr>
+          <a:xfrm flipH="1">
+            <a:off x="8832150" y="4805914"/>
+            <a:ext cx="311850" cy="909086"/>
+          </a:xfrm>
+          <a:prstGeom prst="line">
+            <a:avLst/>
+          </a:prstGeom>
+          <a:ln>
+            <a:solidFill>
+              <a:srgbClr val="10A1EA"/>
+            </a:solidFill>
+          </a:ln>
+        </p:spPr>
+        <p:style>
+          <a:lnRef idx="1">
+            <a:schemeClr val="accent1"/>
+          </a:lnRef>
+          <a:fillRef idx="0">
+            <a:schemeClr val="accent1"/>
+          </a:fillRef>
+          <a:effectRef idx="0">
+            <a:schemeClr val="accent1"/>
+          </a:effectRef>
+          <a:fontRef idx="minor">
+            <a:schemeClr val="tx1"/>
+          </a:fontRef>
+        </p:style>
+      </p:cxnSp>
+      <p:pic>
+        <p:nvPicPr>
+          <p:cNvPr id="39" name="Grafik 38">
+            <a:extLst>
+              <a:ext uri="{FF2B5EF4-FFF2-40B4-BE49-F238E27FC236}">
+                <a16:creationId xmlns:a16="http://schemas.microsoft.com/office/drawing/2014/main" id="{83A8EE2E-0954-6F9A-1734-5FCF5AFB3FA0}"/>
+              </a:ext>
+            </a:extLst>
+          </p:cNvPr>
+          <p:cNvPicPr>
+            <a:picLocks noChangeAspect="1"/>
+          </p:cNvPicPr>
+          <p:nvPr/>
+        </p:nvPicPr>
+        <p:blipFill>
+          <a:blip r:embed="rId3"/>
+          <a:stretch>
+            <a:fillRect/>
+          </a:stretch>
+        </p:blipFill>
+        <p:spPr>
+          <a:xfrm>
+            <a:off x="7644639" y="107468"/>
+            <a:ext cx="1385921" cy="1236316"/>
+          </a:xfrm>
+          <a:prstGeom prst="rect">
+            <a:avLst/>
+          </a:prstGeom>
+        </p:spPr>
+      </p:pic>
+      <p:cxnSp>
+        <p:nvCxnSpPr>
+          <p:cNvPr id="42" name="Gerader Verbinder 41">
+            <a:extLst>
+              <a:ext uri="{FF2B5EF4-FFF2-40B4-BE49-F238E27FC236}">
+                <a16:creationId xmlns:a16="http://schemas.microsoft.com/office/drawing/2014/main" id="{916F5C3D-50C3-059D-6772-1DD70D5E9604}"/>
+              </a:ext>
+            </a:extLst>
+          </p:cNvPr>
+          <p:cNvCxnSpPr>
+            <a:cxnSpLocks/>
+          </p:cNvCxnSpPr>
+          <p:nvPr/>
+        </p:nvCxnSpPr>
+        <p:spPr>
+          <a:xfrm>
+            <a:off x="628650" y="5378847"/>
+            <a:ext cx="7414752" cy="0"/>
+          </a:xfrm>
+          <a:prstGeom prst="line">
+            <a:avLst/>
+          </a:prstGeom>
+          <a:ln>
+            <a:solidFill>
+              <a:srgbClr val="10A1EA"/>
+            </a:solidFill>
+          </a:ln>
+        </p:spPr>
+        <p:style>
+          <a:lnRef idx="1">
+            <a:schemeClr val="accent1"/>
+          </a:lnRef>
+          <a:fillRef idx="0">
+            <a:schemeClr val="accent1"/>
+          </a:fillRef>
+          <a:effectRef idx="0">
+            <a:schemeClr val="accent1"/>
+          </a:effectRef>
+          <a:fontRef idx="minor">
+            <a:schemeClr val="tx1"/>
+          </a:fontRef>
+        </p:style>
+      </p:cxnSp>
+      <p:pic>
+        <p:nvPicPr>
+          <p:cNvPr id="45" name="Grafik 44" descr="Monatskalender Silhouette">
+            <a:extLst>
+              <a:ext uri="{FF2B5EF4-FFF2-40B4-BE49-F238E27FC236}">
+                <a16:creationId xmlns:a16="http://schemas.microsoft.com/office/drawing/2014/main" id="{ADE41C17-DE6A-3F4F-C168-68D57E9362E4}"/>
+              </a:ext>
+            </a:extLst>
+          </p:cNvPr>
+          <p:cNvPicPr>
+            <a:picLocks noChangeAspect="1"/>
+          </p:cNvPicPr>
+          <p:nvPr/>
+        </p:nvPicPr>
+        <p:blipFill>
+          <a:blip r:embed="rId4">
+            <a:extLst>
+              <a:ext uri="{28A0092B-C50C-407E-A947-70E740481C1C}">
+                <a14:useLocalDpi xmlns:a14="http://schemas.microsoft.com/office/drawing/2010/main" val="0"/>
+              </a:ext>
+              <a:ext uri="{96DAC541-7B7A-43D3-8B79-37D633B846F1}">
+                <asvg:svgBlip xmlns:asvg="http://schemas.microsoft.com/office/drawing/2016/SVG/main" r:embed="rId5"/>
+              </a:ext>
+            </a:extLst>
+          </a:blip>
+          <a:stretch>
+            <a:fillRect/>
+          </a:stretch>
+        </p:blipFill>
+        <p:spPr>
+          <a:xfrm>
+            <a:off x="147948" y="3234705"/>
+            <a:ext cx="406921" cy="406921"/>
+          </a:xfrm>
+          <a:prstGeom prst="rect">
+            <a:avLst/>
+          </a:prstGeom>
+        </p:spPr>
+      </p:pic>
+      <p:pic>
+        <p:nvPicPr>
+          <p:cNvPr id="49" name="Grafik 48" descr="DNA Silhouette">
+            <a:extLst>
+              <a:ext uri="{FF2B5EF4-FFF2-40B4-BE49-F238E27FC236}">
+                <a16:creationId xmlns:a16="http://schemas.microsoft.com/office/drawing/2014/main" id="{6DEF5C3C-BCD8-CE26-6A1F-44421E61A3CA}"/>
+              </a:ext>
+            </a:extLst>
+          </p:cNvPr>
+          <p:cNvPicPr>
+            <a:picLocks noChangeAspect="1"/>
+          </p:cNvPicPr>
+          <p:nvPr/>
+        </p:nvPicPr>
+        <p:blipFill>
+          <a:blip r:embed="rId6">
+            <a:extLst>
+              <a:ext uri="{28A0092B-C50C-407E-A947-70E740481C1C}">
+                <a14:useLocalDpi xmlns:a14="http://schemas.microsoft.com/office/drawing/2010/main" val="0"/>
+              </a:ext>
+              <a:ext uri="{96DAC541-7B7A-43D3-8B79-37D633B846F1}">
+                <asvg:svgBlip xmlns:asvg="http://schemas.microsoft.com/office/drawing/2016/SVG/main" r:embed="rId7"/>
+              </a:ext>
+            </a:extLst>
+          </a:blip>
+          <a:stretch>
+            <a:fillRect/>
+          </a:stretch>
+        </p:blipFill>
+        <p:spPr>
+          <a:xfrm>
+            <a:off x="143735" y="872897"/>
+            <a:ext cx="406921" cy="406921"/>
+          </a:xfrm>
+          <a:prstGeom prst="rect">
+            <a:avLst/>
+          </a:prstGeom>
+        </p:spPr>
+      </p:pic>
+      <p:pic>
+        <p:nvPicPr>
+          <p:cNvPr id="53" name="Grafik 52" descr="Balkendiagramm mit einfarbiger Füllung">
+            <a:extLst>
+              <a:ext uri="{FF2B5EF4-FFF2-40B4-BE49-F238E27FC236}">
+                <a16:creationId xmlns:a16="http://schemas.microsoft.com/office/drawing/2014/main" id="{AB79FB33-E613-4BA8-9EB6-7A65F1DCEBBD}"/>
+              </a:ext>
+            </a:extLst>
+          </p:cNvPr>
+          <p:cNvPicPr>
+            <a:picLocks noChangeAspect="1"/>
+          </p:cNvPicPr>
+          <p:nvPr/>
+        </p:nvPicPr>
+        <p:blipFill>
+          <a:blip r:embed="rId8">
+            <a:extLst>
+              <a:ext uri="{28A0092B-C50C-407E-A947-70E740481C1C}">
+                <a14:useLocalDpi xmlns:a14="http://schemas.microsoft.com/office/drawing/2010/main" val="0"/>
+              </a:ext>
+              <a:ext uri="{96DAC541-7B7A-43D3-8B79-37D633B846F1}">
+                <asvg:svgBlip xmlns:asvg="http://schemas.microsoft.com/office/drawing/2016/SVG/main" r:embed="rId9"/>
+              </a:ext>
+            </a:extLst>
+          </a:blip>
+          <a:stretch>
+            <a:fillRect/>
+          </a:stretch>
+        </p:blipFill>
+        <p:spPr>
+          <a:xfrm>
+            <a:off x="161825" y="2053186"/>
+            <a:ext cx="406921" cy="406921"/>
+          </a:xfrm>
+          <a:prstGeom prst="rect">
+            <a:avLst/>
+          </a:prstGeom>
+        </p:spPr>
+      </p:pic>
+      <p:pic>
+        <p:nvPicPr>
+          <p:cNvPr id="57" name="Grafik 56" descr="Benutzer Silhouette">
+            <a:extLst>
+              <a:ext uri="{FF2B5EF4-FFF2-40B4-BE49-F238E27FC236}">
+                <a16:creationId xmlns:a16="http://schemas.microsoft.com/office/drawing/2014/main" id="{FAF1D196-7D05-3E8B-77EB-98DB84254DF3}"/>
+              </a:ext>
+            </a:extLst>
+          </p:cNvPr>
+          <p:cNvPicPr>
+            <a:picLocks noChangeAspect="1"/>
+          </p:cNvPicPr>
+          <p:nvPr/>
+        </p:nvPicPr>
+        <p:blipFill>
+          <a:blip r:embed="rId10">
+            <a:extLst>
+              <a:ext uri="{28A0092B-C50C-407E-A947-70E740481C1C}">
+                <a14:useLocalDpi xmlns:a14="http://schemas.microsoft.com/office/drawing/2010/main" val="0"/>
+              </a:ext>
+              <a:ext uri="{96DAC541-7B7A-43D3-8B79-37D633B846F1}">
+                <asvg:svgBlip xmlns:asvg="http://schemas.microsoft.com/office/drawing/2016/SVG/main" r:embed="rId11"/>
+              </a:ext>
+            </a:extLst>
+          </a:blip>
+          <a:stretch>
+            <a:fillRect/>
+          </a:stretch>
+        </p:blipFill>
+        <p:spPr>
+          <a:xfrm>
+            <a:off x="147949" y="4415609"/>
+            <a:ext cx="406921" cy="406921"/>
+          </a:xfrm>
+          <a:prstGeom prst="rect">
+            <a:avLst/>
+          </a:prstGeom>
+        </p:spPr>
+      </p:pic>
+      <p:sp>
+        <p:nvSpPr>
+          <p:cNvPr id="15" name="Textfeld 14">
+            <a:extLst>
+              <a:ext uri="{FF2B5EF4-FFF2-40B4-BE49-F238E27FC236}">
+                <a16:creationId xmlns:a16="http://schemas.microsoft.com/office/drawing/2014/main" id="{9DB0080F-0B09-97B1-3CAB-35CE7FABF577}"/>
+              </a:ext>
+            </a:extLst>
+          </p:cNvPr>
+          <p:cNvSpPr txBox="1"/>
+          <p:nvPr/>
+        </p:nvSpPr>
+        <p:spPr>
+          <a:xfrm>
+            <a:off x="854632" y="948149"/>
+            <a:ext cx="6364774" cy="461665"/>
+          </a:xfrm>
+          <a:prstGeom prst="rect">
+            <a:avLst/>
+          </a:prstGeom>
+          <a:noFill/>
+        </p:spPr>
+        <p:txBody>
+          <a:bodyPr wrap="square" rtlCol="0">
+            <a:spAutoFit/>
+          </a:bodyPr>
+          <a:lstStyle/>
+          <a:p>
+            <a:r>
+              <a:rPr lang="de-DE" sz="2400" dirty="0"/>
               <a:t>4. Scatterplots</a:t>
             </a:r>
             <a:endParaRPr lang="en-US" sz="2400" dirty="0"/>
@@ -10650,591 +11719,6 @@
 </p:sld>
 </file>
 
-<file path=ppt/slides/slide12.xml><?xml version="1.0" encoding="utf-8"?>
-<p:sld xmlns:a="http://schemas.openxmlformats.org/drawingml/2006/main" xmlns:r="http://schemas.openxmlformats.org/officeDocument/2006/relationships" xmlns:p="http://schemas.openxmlformats.org/presentationml/2006/main">
-  <p:cSld>
-    <p:bg>
-      <p:bgPr>
-        <a:gradFill flip="none" rotWithShape="1">
-          <a:gsLst>
-            <a:gs pos="28571">
-              <a:schemeClr val="accent1">
-                <a:lumMod val="5000"/>
-                <a:lumOff val="95000"/>
-                <a:alpha val="54000"/>
-              </a:schemeClr>
-            </a:gs>
-            <a:gs pos="79000">
-              <a:srgbClr val="8CD0F4">
-                <a:alpha val="50000"/>
-                <a:lumMod val="72000"/>
-                <a:lumOff val="28000"/>
-              </a:srgbClr>
-            </a:gs>
-            <a:gs pos="100000">
-              <a:srgbClr val="10A1EA">
-                <a:alpha val="26000"/>
-                <a:lumMod val="73000"/>
-                <a:lumOff val="27000"/>
-              </a:srgbClr>
-            </a:gs>
-          </a:gsLst>
-          <a:lin ang="2700000" scaled="1"/>
-          <a:tileRect/>
-        </a:gradFill>
-        <a:effectLst/>
-      </p:bgPr>
-    </p:bg>
-    <p:spTree>
-      <p:nvGrpSpPr>
-        <p:cNvPr id="1" name=""/>
-        <p:cNvGrpSpPr/>
-        <p:nvPr/>
-      </p:nvGrpSpPr>
-      <p:grpSpPr>
-        <a:xfrm>
-          <a:off x="0" y="0"/>
-          <a:ext cx="0" cy="0"/>
-          <a:chOff x="0" y="0"/>
-          <a:chExt cx="0" cy="0"/>
-        </a:xfrm>
-      </p:grpSpPr>
-      <p:sp>
-        <p:nvSpPr>
-          <p:cNvPr id="9" name="Datumsplatzhalter 8">
-            <a:extLst>
-              <a:ext uri="{FF2B5EF4-FFF2-40B4-BE49-F238E27FC236}">
-                <a16:creationId xmlns:a16="http://schemas.microsoft.com/office/drawing/2014/main" id="{B2E44AFA-B29A-4513-B164-74DF574E302B}"/>
-              </a:ext>
-            </a:extLst>
-          </p:cNvPr>
-          <p:cNvSpPr>
-            <a:spLocks noGrp="1"/>
-          </p:cNvSpPr>
-          <p:nvPr>
-            <p:ph type="dt" sz="half" idx="10"/>
-          </p:nvPr>
-        </p:nvSpPr>
-        <p:spPr>
-          <a:xfrm>
-            <a:off x="628650" y="5357247"/>
-            <a:ext cx="2057400" cy="304271"/>
-          </a:xfrm>
-        </p:spPr>
-        <p:txBody>
-          <a:bodyPr/>
-          <a:lstStyle/>
-          <a:p>
-            <a:fld id="{4ABD6D1D-9BE7-4B6A-B4D1-FD497C782274}" type="datetime1">
-              <a:rPr lang="de-DE" smtClean="0">
-                <a:solidFill>
-                  <a:srgbClr val="2E4186"/>
-                </a:solidFill>
-              </a:rPr>
-              <a:t>17.05.2022</a:t>
-            </a:fld>
-            <a:endParaRPr lang="de-DE" dirty="0">
-              <a:solidFill>
-                <a:srgbClr val="2E4186"/>
-              </a:solidFill>
-            </a:endParaRPr>
-          </a:p>
-        </p:txBody>
-      </p:sp>
-      <p:sp>
-        <p:nvSpPr>
-          <p:cNvPr id="13" name="Textfeld 12">
-            <a:extLst>
-              <a:ext uri="{FF2B5EF4-FFF2-40B4-BE49-F238E27FC236}">
-                <a16:creationId xmlns:a16="http://schemas.microsoft.com/office/drawing/2014/main" id="{88E434CB-53F2-43DE-989A-34F83773913E}"/>
-              </a:ext>
-            </a:extLst>
-          </p:cNvPr>
-          <p:cNvSpPr txBox="1"/>
-          <p:nvPr/>
-        </p:nvSpPr>
-        <p:spPr>
-          <a:xfrm>
-            <a:off x="855423" y="295945"/>
-            <a:ext cx="7187979" cy="584775"/>
-          </a:xfrm>
-          <a:prstGeom prst="rect">
-            <a:avLst/>
-          </a:prstGeom>
-          <a:noFill/>
-        </p:spPr>
-        <p:txBody>
-          <a:bodyPr wrap="square" rtlCol="0">
-            <a:spAutoFit/>
-          </a:bodyPr>
-          <a:lstStyle/>
-          <a:p>
-            <a:r>
-              <a:rPr lang="de-DE" sz="3200" dirty="0">
-                <a:latin typeface="+mj-lt"/>
-              </a:rPr>
-              <a:t>Milestones/Timeline</a:t>
-            </a:r>
-          </a:p>
-        </p:txBody>
-      </p:sp>
-      <p:cxnSp>
-        <p:nvCxnSpPr>
-          <p:cNvPr id="14" name="Gerader Verbinder 13">
-            <a:extLst>
-              <a:ext uri="{FF2B5EF4-FFF2-40B4-BE49-F238E27FC236}">
-                <a16:creationId xmlns:a16="http://schemas.microsoft.com/office/drawing/2014/main" id="{1CDE483F-007A-4AB6-9094-9439F0148193}"/>
-              </a:ext>
-            </a:extLst>
-          </p:cNvPr>
-          <p:cNvCxnSpPr>
-            <a:cxnSpLocks/>
-          </p:cNvCxnSpPr>
-          <p:nvPr/>
-        </p:nvCxnSpPr>
-        <p:spPr>
-          <a:xfrm>
-            <a:off x="726619" y="849404"/>
-            <a:ext cx="6854981" cy="0"/>
-          </a:xfrm>
-          <a:prstGeom prst="line">
-            <a:avLst/>
-          </a:prstGeom>
-          <a:ln>
-            <a:solidFill>
-              <a:srgbClr val="10A1EA"/>
-            </a:solidFill>
-          </a:ln>
-        </p:spPr>
-        <p:style>
-          <a:lnRef idx="1">
-            <a:schemeClr val="accent1"/>
-          </a:lnRef>
-          <a:fillRef idx="0">
-            <a:schemeClr val="accent1"/>
-          </a:fillRef>
-          <a:effectRef idx="0">
-            <a:schemeClr val="accent1"/>
-          </a:effectRef>
-          <a:fontRef idx="minor">
-            <a:schemeClr val="tx1"/>
-          </a:fontRef>
-        </p:style>
-      </p:cxnSp>
-      <p:sp>
-        <p:nvSpPr>
-          <p:cNvPr id="24" name="Rechteck 23">
-            <a:extLst>
-              <a:ext uri="{FF2B5EF4-FFF2-40B4-BE49-F238E27FC236}">
-                <a16:creationId xmlns:a16="http://schemas.microsoft.com/office/drawing/2014/main" id="{85AA2DAF-4E4E-60E3-5793-E5162487086D}"/>
-              </a:ext>
-            </a:extLst>
-          </p:cNvPr>
-          <p:cNvSpPr/>
-          <p:nvPr/>
-        </p:nvSpPr>
-        <p:spPr>
-          <a:xfrm>
-            <a:off x="152780" y="0"/>
-            <a:ext cx="406921" cy="5715000"/>
-          </a:xfrm>
-          <a:prstGeom prst="rect">
-            <a:avLst/>
-          </a:prstGeom>
-          <a:gradFill>
-            <a:gsLst>
-              <a:gs pos="5000">
-                <a:schemeClr val="bg1">
-                  <a:alpha val="91000"/>
-                </a:schemeClr>
-              </a:gs>
-              <a:gs pos="98000">
-                <a:schemeClr val="bg1"/>
-              </a:gs>
-              <a:gs pos="85000">
-                <a:srgbClr val="12D4E8"/>
-              </a:gs>
-              <a:gs pos="77000">
-                <a:srgbClr val="10A1EA"/>
-              </a:gs>
-              <a:gs pos="32000">
-                <a:srgbClr val="12D4E8"/>
-              </a:gs>
-              <a:gs pos="56000">
-                <a:srgbClr val="175CF5"/>
-              </a:gs>
-              <a:gs pos="46000">
-                <a:srgbClr val="10A1EA"/>
-              </a:gs>
-              <a:gs pos="65000">
-                <a:srgbClr val="175CF5"/>
-              </a:gs>
-            </a:gsLst>
-            <a:lin ang="5400000" scaled="1"/>
-          </a:gradFill>
-          <a:ln>
-            <a:noFill/>
-          </a:ln>
-          <a:effectLst>
-            <a:softEdge rad="38100"/>
-          </a:effectLst>
-        </p:spPr>
-        <p:style>
-          <a:lnRef idx="2">
-            <a:schemeClr val="accent1">
-              <a:shade val="50000"/>
-            </a:schemeClr>
-          </a:lnRef>
-          <a:fillRef idx="1">
-            <a:schemeClr val="accent1"/>
-          </a:fillRef>
-          <a:effectRef idx="0">
-            <a:schemeClr val="accent1"/>
-          </a:effectRef>
-          <a:fontRef idx="minor">
-            <a:schemeClr val="lt1"/>
-          </a:fontRef>
-        </p:style>
-        <p:txBody>
-          <a:bodyPr rot="0" spcFirstLastPara="0" vert="horz" wrap="square" lIns="91440" tIns="45720" rIns="91440" bIns="45720" numCol="1" spcCol="0" rtlCol="0" fromWordArt="0" anchor="ctr" anchorCtr="0" forceAA="0" compatLnSpc="1">
-            <a:prstTxWarp prst="textNoShape">
-              <a:avLst/>
-            </a:prstTxWarp>
-            <a:noAutofit/>
-          </a:bodyPr>
-          <a:lstStyle/>
-          <a:p>
-            <a:endParaRPr lang="de-DE"/>
-          </a:p>
-        </p:txBody>
-      </p:sp>
-      <p:sp>
-        <p:nvSpPr>
-          <p:cNvPr id="2" name="Foliennummernplatzhalter 1">
-            <a:extLst>
-              <a:ext uri="{FF2B5EF4-FFF2-40B4-BE49-F238E27FC236}">
-                <a16:creationId xmlns:a16="http://schemas.microsoft.com/office/drawing/2014/main" id="{7127E193-062B-1452-70A0-30F77337207F}"/>
-              </a:ext>
-            </a:extLst>
-          </p:cNvPr>
-          <p:cNvSpPr>
-            <a:spLocks noGrp="1"/>
-          </p:cNvSpPr>
-          <p:nvPr>
-            <p:ph type="sldNum" sz="quarter" idx="12"/>
-          </p:nvPr>
-        </p:nvSpPr>
-        <p:spPr>
-          <a:xfrm>
-            <a:off x="6774750" y="5325759"/>
-            <a:ext cx="2057400" cy="304271"/>
-          </a:xfrm>
-        </p:spPr>
-        <p:txBody>
-          <a:bodyPr/>
-          <a:lstStyle/>
-          <a:p>
-            <a:fld id="{D3D8A29C-259F-45D5-BFFA-A48772AC905C}" type="slidenum">
-              <a:rPr lang="de-DE" smtClean="0">
-                <a:solidFill>
-                  <a:srgbClr val="2E4186"/>
-                </a:solidFill>
-              </a:rPr>
-              <a:t>12</a:t>
-            </a:fld>
-            <a:endParaRPr lang="de-DE" dirty="0">
-              <a:solidFill>
-                <a:srgbClr val="2E4186"/>
-              </a:solidFill>
-            </a:endParaRPr>
-          </a:p>
-        </p:txBody>
-      </p:sp>
-      <p:cxnSp>
-        <p:nvCxnSpPr>
-          <p:cNvPr id="23" name="Gerader Verbinder 22">
-            <a:extLst>
-              <a:ext uri="{FF2B5EF4-FFF2-40B4-BE49-F238E27FC236}">
-                <a16:creationId xmlns:a16="http://schemas.microsoft.com/office/drawing/2014/main" id="{F400FDB4-FD57-FB87-F549-2AF5E6E1AE51}"/>
-              </a:ext>
-            </a:extLst>
-          </p:cNvPr>
-          <p:cNvCxnSpPr>
-            <a:cxnSpLocks/>
-          </p:cNvCxnSpPr>
-          <p:nvPr/>
-        </p:nvCxnSpPr>
-        <p:spPr>
-          <a:xfrm flipH="1">
-            <a:off x="8832150" y="4805914"/>
-            <a:ext cx="311850" cy="909086"/>
-          </a:xfrm>
-          <a:prstGeom prst="line">
-            <a:avLst/>
-          </a:prstGeom>
-          <a:ln>
-            <a:solidFill>
-              <a:srgbClr val="10A1EA"/>
-            </a:solidFill>
-          </a:ln>
-        </p:spPr>
-        <p:style>
-          <a:lnRef idx="1">
-            <a:schemeClr val="accent1"/>
-          </a:lnRef>
-          <a:fillRef idx="0">
-            <a:schemeClr val="accent1"/>
-          </a:fillRef>
-          <a:effectRef idx="0">
-            <a:schemeClr val="accent1"/>
-          </a:effectRef>
-          <a:fontRef idx="minor">
-            <a:schemeClr val="tx1"/>
-          </a:fontRef>
-        </p:style>
-      </p:cxnSp>
-      <p:pic>
-        <p:nvPicPr>
-          <p:cNvPr id="39" name="Grafik 38">
-            <a:extLst>
-              <a:ext uri="{FF2B5EF4-FFF2-40B4-BE49-F238E27FC236}">
-                <a16:creationId xmlns:a16="http://schemas.microsoft.com/office/drawing/2014/main" id="{83A8EE2E-0954-6F9A-1734-5FCF5AFB3FA0}"/>
-              </a:ext>
-            </a:extLst>
-          </p:cNvPr>
-          <p:cNvPicPr>
-            <a:picLocks noChangeAspect="1"/>
-          </p:cNvPicPr>
-          <p:nvPr/>
-        </p:nvPicPr>
-        <p:blipFill>
-          <a:blip r:embed="rId3"/>
-          <a:stretch>
-            <a:fillRect/>
-          </a:stretch>
-        </p:blipFill>
-        <p:spPr>
-          <a:xfrm>
-            <a:off x="7644639" y="107468"/>
-            <a:ext cx="1385921" cy="1236316"/>
-          </a:xfrm>
-          <a:prstGeom prst="rect">
-            <a:avLst/>
-          </a:prstGeom>
-        </p:spPr>
-      </p:pic>
-      <p:cxnSp>
-        <p:nvCxnSpPr>
-          <p:cNvPr id="42" name="Gerader Verbinder 41">
-            <a:extLst>
-              <a:ext uri="{FF2B5EF4-FFF2-40B4-BE49-F238E27FC236}">
-                <a16:creationId xmlns:a16="http://schemas.microsoft.com/office/drawing/2014/main" id="{916F5C3D-50C3-059D-6772-1DD70D5E9604}"/>
-              </a:ext>
-            </a:extLst>
-          </p:cNvPr>
-          <p:cNvCxnSpPr>
-            <a:cxnSpLocks/>
-          </p:cNvCxnSpPr>
-          <p:nvPr/>
-        </p:nvCxnSpPr>
-        <p:spPr>
-          <a:xfrm>
-            <a:off x="628650" y="5378847"/>
-            <a:ext cx="7414752" cy="0"/>
-          </a:xfrm>
-          <a:prstGeom prst="line">
-            <a:avLst/>
-          </a:prstGeom>
-          <a:ln>
-            <a:solidFill>
-              <a:srgbClr val="10A1EA"/>
-            </a:solidFill>
-          </a:ln>
-        </p:spPr>
-        <p:style>
-          <a:lnRef idx="1">
-            <a:schemeClr val="accent1"/>
-          </a:lnRef>
-          <a:fillRef idx="0">
-            <a:schemeClr val="accent1"/>
-          </a:fillRef>
-          <a:effectRef idx="0">
-            <a:schemeClr val="accent1"/>
-          </a:effectRef>
-          <a:fontRef idx="minor">
-            <a:schemeClr val="tx1"/>
-          </a:fontRef>
-        </p:style>
-      </p:cxnSp>
-      <p:pic>
-        <p:nvPicPr>
-          <p:cNvPr id="49" name="Grafik 48" descr="DNA Silhouette">
-            <a:extLst>
-              <a:ext uri="{FF2B5EF4-FFF2-40B4-BE49-F238E27FC236}">
-                <a16:creationId xmlns:a16="http://schemas.microsoft.com/office/drawing/2014/main" id="{6DEF5C3C-BCD8-CE26-6A1F-44421E61A3CA}"/>
-              </a:ext>
-            </a:extLst>
-          </p:cNvPr>
-          <p:cNvPicPr>
-            <a:picLocks noChangeAspect="1"/>
-          </p:cNvPicPr>
-          <p:nvPr/>
-        </p:nvPicPr>
-        <p:blipFill>
-          <a:blip r:embed="rId4">
-            <a:extLst>
-              <a:ext uri="{28A0092B-C50C-407E-A947-70E740481C1C}">
-                <a14:useLocalDpi xmlns:a14="http://schemas.microsoft.com/office/drawing/2010/main" val="0"/>
-              </a:ext>
-              <a:ext uri="{96DAC541-7B7A-43D3-8B79-37D633B846F1}">
-                <asvg:svgBlip xmlns:asvg="http://schemas.microsoft.com/office/drawing/2016/SVG/main" r:embed="rId5"/>
-              </a:ext>
-            </a:extLst>
-          </a:blip>
-          <a:stretch>
-            <a:fillRect/>
-          </a:stretch>
-        </p:blipFill>
-        <p:spPr>
-          <a:xfrm>
-            <a:off x="143735" y="872897"/>
-            <a:ext cx="406921" cy="406921"/>
-          </a:xfrm>
-          <a:prstGeom prst="rect">
-            <a:avLst/>
-          </a:prstGeom>
-        </p:spPr>
-      </p:pic>
-      <p:pic>
-        <p:nvPicPr>
-          <p:cNvPr id="51" name="Grafik 50" descr="Balkendiagramm Silhouette">
-            <a:extLst>
-              <a:ext uri="{FF2B5EF4-FFF2-40B4-BE49-F238E27FC236}">
-                <a16:creationId xmlns:a16="http://schemas.microsoft.com/office/drawing/2014/main" id="{96C3BDE6-7984-B720-4EB5-C4480C42E2EA}"/>
-              </a:ext>
-            </a:extLst>
-          </p:cNvPr>
-          <p:cNvPicPr>
-            <a:picLocks noChangeAspect="1"/>
-          </p:cNvPicPr>
-          <p:nvPr/>
-        </p:nvPicPr>
-        <p:blipFill>
-          <a:blip r:embed="rId6">
-            <a:extLst>
-              <a:ext uri="{28A0092B-C50C-407E-A947-70E740481C1C}">
-                <a14:useLocalDpi xmlns:a14="http://schemas.microsoft.com/office/drawing/2010/main" val="0"/>
-              </a:ext>
-              <a:ext uri="{96DAC541-7B7A-43D3-8B79-37D633B846F1}">
-                <asvg:svgBlip xmlns:asvg="http://schemas.microsoft.com/office/drawing/2016/SVG/main" r:embed="rId7"/>
-              </a:ext>
-            </a:extLst>
-          </a:blip>
-          <a:stretch>
-            <a:fillRect/>
-          </a:stretch>
-        </p:blipFill>
-        <p:spPr>
-          <a:xfrm>
-            <a:off x="156220" y="2053801"/>
-            <a:ext cx="406921" cy="406921"/>
-          </a:xfrm>
-          <a:prstGeom prst="rect">
-            <a:avLst/>
-          </a:prstGeom>
-        </p:spPr>
-      </p:pic>
-      <p:pic>
-        <p:nvPicPr>
-          <p:cNvPr id="55" name="Grafik 54" descr="Monatskalender mit einfarbiger Füllung">
-            <a:extLst>
-              <a:ext uri="{FF2B5EF4-FFF2-40B4-BE49-F238E27FC236}">
-                <a16:creationId xmlns:a16="http://schemas.microsoft.com/office/drawing/2014/main" id="{22B8239E-946F-E377-A9D5-1C5712DC9123}"/>
-              </a:ext>
-            </a:extLst>
-          </p:cNvPr>
-          <p:cNvPicPr>
-            <a:picLocks noChangeAspect="1"/>
-          </p:cNvPicPr>
-          <p:nvPr/>
-        </p:nvPicPr>
-        <p:blipFill>
-          <a:blip r:embed="rId8">
-            <a:extLst>
-              <a:ext uri="{28A0092B-C50C-407E-A947-70E740481C1C}">
-                <a14:useLocalDpi xmlns:a14="http://schemas.microsoft.com/office/drawing/2010/main" val="0"/>
-              </a:ext>
-              <a:ext uri="{96DAC541-7B7A-43D3-8B79-37D633B846F1}">
-                <asvg:svgBlip xmlns:asvg="http://schemas.microsoft.com/office/drawing/2016/SVG/main" r:embed="rId9"/>
-              </a:ext>
-            </a:extLst>
-          </a:blip>
-          <a:stretch>
-            <a:fillRect/>
-          </a:stretch>
-        </p:blipFill>
-        <p:spPr>
-          <a:xfrm>
-            <a:off x="143734" y="3234705"/>
-            <a:ext cx="406921" cy="406921"/>
-          </a:xfrm>
-          <a:prstGeom prst="rect">
-            <a:avLst/>
-          </a:prstGeom>
-        </p:spPr>
-      </p:pic>
-      <p:pic>
-        <p:nvPicPr>
-          <p:cNvPr id="57" name="Grafik 56" descr="Benutzer Silhouette">
-            <a:extLst>
-              <a:ext uri="{FF2B5EF4-FFF2-40B4-BE49-F238E27FC236}">
-                <a16:creationId xmlns:a16="http://schemas.microsoft.com/office/drawing/2014/main" id="{FAF1D196-7D05-3E8B-77EB-98DB84254DF3}"/>
-              </a:ext>
-            </a:extLst>
-          </p:cNvPr>
-          <p:cNvPicPr>
-            <a:picLocks noChangeAspect="1"/>
-          </p:cNvPicPr>
-          <p:nvPr/>
-        </p:nvPicPr>
-        <p:blipFill>
-          <a:blip r:embed="rId10">
-            <a:extLst>
-              <a:ext uri="{28A0092B-C50C-407E-A947-70E740481C1C}">
-                <a14:useLocalDpi xmlns:a14="http://schemas.microsoft.com/office/drawing/2010/main" val="0"/>
-              </a:ext>
-              <a:ext uri="{96DAC541-7B7A-43D3-8B79-37D633B846F1}">
-                <asvg:svgBlip xmlns:asvg="http://schemas.microsoft.com/office/drawing/2016/SVG/main" r:embed="rId11"/>
-              </a:ext>
-            </a:extLst>
-          </a:blip>
-          <a:stretch>
-            <a:fillRect/>
-          </a:stretch>
-        </p:blipFill>
-        <p:spPr>
-          <a:xfrm>
-            <a:off x="147949" y="4415609"/>
-            <a:ext cx="406921" cy="406921"/>
-          </a:xfrm>
-          <a:prstGeom prst="rect">
-            <a:avLst/>
-          </a:prstGeom>
-        </p:spPr>
-      </p:pic>
-    </p:spTree>
-    <p:extLst>
-      <p:ext uri="{BB962C8B-B14F-4D97-AF65-F5344CB8AC3E}">
-        <p14:creationId xmlns:p14="http://schemas.microsoft.com/office/powerpoint/2010/main" val="2494335024"/>
-      </p:ext>
-    </p:extLst>
-  </p:cSld>
-  <p:clrMapOvr>
-    <a:masterClrMapping/>
-  </p:clrMapOvr>
-</p:sld>
-</file>
-
 <file path=ppt/slides/slide13.xml><?xml version="1.0" encoding="utf-8"?>
 <p:sld xmlns:a="http://schemas.openxmlformats.org/drawingml/2006/main" xmlns:r="http://schemas.openxmlformats.org/officeDocument/2006/relationships" xmlns:p="http://schemas.openxmlformats.org/presentationml/2006/main">
   <p:cSld>
@@ -11355,6 +11839,591 @@
           <a:lstStyle/>
           <a:p>
             <a:r>
+              <a:rPr lang="de-DE" sz="3200" dirty="0">
+                <a:latin typeface="+mj-lt"/>
+              </a:rPr>
+              <a:t>Milestones/Timeline</a:t>
+            </a:r>
+          </a:p>
+        </p:txBody>
+      </p:sp>
+      <p:cxnSp>
+        <p:nvCxnSpPr>
+          <p:cNvPr id="14" name="Gerader Verbinder 13">
+            <a:extLst>
+              <a:ext uri="{FF2B5EF4-FFF2-40B4-BE49-F238E27FC236}">
+                <a16:creationId xmlns:a16="http://schemas.microsoft.com/office/drawing/2014/main" id="{1CDE483F-007A-4AB6-9094-9439F0148193}"/>
+              </a:ext>
+            </a:extLst>
+          </p:cNvPr>
+          <p:cNvCxnSpPr>
+            <a:cxnSpLocks/>
+          </p:cNvCxnSpPr>
+          <p:nvPr/>
+        </p:nvCxnSpPr>
+        <p:spPr>
+          <a:xfrm>
+            <a:off x="726619" y="849404"/>
+            <a:ext cx="6854981" cy="0"/>
+          </a:xfrm>
+          <a:prstGeom prst="line">
+            <a:avLst/>
+          </a:prstGeom>
+          <a:ln>
+            <a:solidFill>
+              <a:srgbClr val="10A1EA"/>
+            </a:solidFill>
+          </a:ln>
+        </p:spPr>
+        <p:style>
+          <a:lnRef idx="1">
+            <a:schemeClr val="accent1"/>
+          </a:lnRef>
+          <a:fillRef idx="0">
+            <a:schemeClr val="accent1"/>
+          </a:fillRef>
+          <a:effectRef idx="0">
+            <a:schemeClr val="accent1"/>
+          </a:effectRef>
+          <a:fontRef idx="minor">
+            <a:schemeClr val="tx1"/>
+          </a:fontRef>
+        </p:style>
+      </p:cxnSp>
+      <p:sp>
+        <p:nvSpPr>
+          <p:cNvPr id="24" name="Rechteck 23">
+            <a:extLst>
+              <a:ext uri="{FF2B5EF4-FFF2-40B4-BE49-F238E27FC236}">
+                <a16:creationId xmlns:a16="http://schemas.microsoft.com/office/drawing/2014/main" id="{85AA2DAF-4E4E-60E3-5793-E5162487086D}"/>
+              </a:ext>
+            </a:extLst>
+          </p:cNvPr>
+          <p:cNvSpPr/>
+          <p:nvPr/>
+        </p:nvSpPr>
+        <p:spPr>
+          <a:xfrm>
+            <a:off x="152780" y="0"/>
+            <a:ext cx="406921" cy="5715000"/>
+          </a:xfrm>
+          <a:prstGeom prst="rect">
+            <a:avLst/>
+          </a:prstGeom>
+          <a:gradFill>
+            <a:gsLst>
+              <a:gs pos="5000">
+                <a:schemeClr val="bg1">
+                  <a:alpha val="91000"/>
+                </a:schemeClr>
+              </a:gs>
+              <a:gs pos="98000">
+                <a:schemeClr val="bg1"/>
+              </a:gs>
+              <a:gs pos="85000">
+                <a:srgbClr val="12D4E8"/>
+              </a:gs>
+              <a:gs pos="77000">
+                <a:srgbClr val="10A1EA"/>
+              </a:gs>
+              <a:gs pos="32000">
+                <a:srgbClr val="12D4E8"/>
+              </a:gs>
+              <a:gs pos="56000">
+                <a:srgbClr val="175CF5"/>
+              </a:gs>
+              <a:gs pos="46000">
+                <a:srgbClr val="10A1EA"/>
+              </a:gs>
+              <a:gs pos="65000">
+                <a:srgbClr val="175CF5"/>
+              </a:gs>
+            </a:gsLst>
+            <a:lin ang="5400000" scaled="1"/>
+          </a:gradFill>
+          <a:ln>
+            <a:noFill/>
+          </a:ln>
+          <a:effectLst>
+            <a:softEdge rad="38100"/>
+          </a:effectLst>
+        </p:spPr>
+        <p:style>
+          <a:lnRef idx="2">
+            <a:schemeClr val="accent1">
+              <a:shade val="50000"/>
+            </a:schemeClr>
+          </a:lnRef>
+          <a:fillRef idx="1">
+            <a:schemeClr val="accent1"/>
+          </a:fillRef>
+          <a:effectRef idx="0">
+            <a:schemeClr val="accent1"/>
+          </a:effectRef>
+          <a:fontRef idx="minor">
+            <a:schemeClr val="lt1"/>
+          </a:fontRef>
+        </p:style>
+        <p:txBody>
+          <a:bodyPr rot="0" spcFirstLastPara="0" vert="horz" wrap="square" lIns="91440" tIns="45720" rIns="91440" bIns="45720" numCol="1" spcCol="0" rtlCol="0" fromWordArt="0" anchor="ctr" anchorCtr="0" forceAA="0" compatLnSpc="1">
+            <a:prstTxWarp prst="textNoShape">
+              <a:avLst/>
+            </a:prstTxWarp>
+            <a:noAutofit/>
+          </a:bodyPr>
+          <a:lstStyle/>
+          <a:p>
+            <a:endParaRPr lang="de-DE"/>
+          </a:p>
+        </p:txBody>
+      </p:sp>
+      <p:sp>
+        <p:nvSpPr>
+          <p:cNvPr id="2" name="Foliennummernplatzhalter 1">
+            <a:extLst>
+              <a:ext uri="{FF2B5EF4-FFF2-40B4-BE49-F238E27FC236}">
+                <a16:creationId xmlns:a16="http://schemas.microsoft.com/office/drawing/2014/main" id="{7127E193-062B-1452-70A0-30F77337207F}"/>
+              </a:ext>
+            </a:extLst>
+          </p:cNvPr>
+          <p:cNvSpPr>
+            <a:spLocks noGrp="1"/>
+          </p:cNvSpPr>
+          <p:nvPr>
+            <p:ph type="sldNum" sz="quarter" idx="12"/>
+          </p:nvPr>
+        </p:nvSpPr>
+        <p:spPr>
+          <a:xfrm>
+            <a:off x="6774750" y="5325759"/>
+            <a:ext cx="2057400" cy="304271"/>
+          </a:xfrm>
+        </p:spPr>
+        <p:txBody>
+          <a:bodyPr/>
+          <a:lstStyle/>
+          <a:p>
+            <a:fld id="{D3D8A29C-259F-45D5-BFFA-A48772AC905C}" type="slidenum">
+              <a:rPr lang="de-DE" smtClean="0">
+                <a:solidFill>
+                  <a:srgbClr val="2E4186"/>
+                </a:solidFill>
+              </a:rPr>
+              <a:t>13</a:t>
+            </a:fld>
+            <a:endParaRPr lang="de-DE" dirty="0">
+              <a:solidFill>
+                <a:srgbClr val="2E4186"/>
+              </a:solidFill>
+            </a:endParaRPr>
+          </a:p>
+        </p:txBody>
+      </p:sp>
+      <p:cxnSp>
+        <p:nvCxnSpPr>
+          <p:cNvPr id="23" name="Gerader Verbinder 22">
+            <a:extLst>
+              <a:ext uri="{FF2B5EF4-FFF2-40B4-BE49-F238E27FC236}">
+                <a16:creationId xmlns:a16="http://schemas.microsoft.com/office/drawing/2014/main" id="{F400FDB4-FD57-FB87-F549-2AF5E6E1AE51}"/>
+              </a:ext>
+            </a:extLst>
+          </p:cNvPr>
+          <p:cNvCxnSpPr>
+            <a:cxnSpLocks/>
+          </p:cNvCxnSpPr>
+          <p:nvPr/>
+        </p:nvCxnSpPr>
+        <p:spPr>
+          <a:xfrm flipH="1">
+            <a:off x="8832150" y="4805914"/>
+            <a:ext cx="311850" cy="909086"/>
+          </a:xfrm>
+          <a:prstGeom prst="line">
+            <a:avLst/>
+          </a:prstGeom>
+          <a:ln>
+            <a:solidFill>
+              <a:srgbClr val="10A1EA"/>
+            </a:solidFill>
+          </a:ln>
+        </p:spPr>
+        <p:style>
+          <a:lnRef idx="1">
+            <a:schemeClr val="accent1"/>
+          </a:lnRef>
+          <a:fillRef idx="0">
+            <a:schemeClr val="accent1"/>
+          </a:fillRef>
+          <a:effectRef idx="0">
+            <a:schemeClr val="accent1"/>
+          </a:effectRef>
+          <a:fontRef idx="minor">
+            <a:schemeClr val="tx1"/>
+          </a:fontRef>
+        </p:style>
+      </p:cxnSp>
+      <p:pic>
+        <p:nvPicPr>
+          <p:cNvPr id="39" name="Grafik 38">
+            <a:extLst>
+              <a:ext uri="{FF2B5EF4-FFF2-40B4-BE49-F238E27FC236}">
+                <a16:creationId xmlns:a16="http://schemas.microsoft.com/office/drawing/2014/main" id="{83A8EE2E-0954-6F9A-1734-5FCF5AFB3FA0}"/>
+              </a:ext>
+            </a:extLst>
+          </p:cNvPr>
+          <p:cNvPicPr>
+            <a:picLocks noChangeAspect="1"/>
+          </p:cNvPicPr>
+          <p:nvPr/>
+        </p:nvPicPr>
+        <p:blipFill>
+          <a:blip r:embed="rId3"/>
+          <a:stretch>
+            <a:fillRect/>
+          </a:stretch>
+        </p:blipFill>
+        <p:spPr>
+          <a:xfrm>
+            <a:off x="7644639" y="107468"/>
+            <a:ext cx="1385921" cy="1236316"/>
+          </a:xfrm>
+          <a:prstGeom prst="rect">
+            <a:avLst/>
+          </a:prstGeom>
+        </p:spPr>
+      </p:pic>
+      <p:cxnSp>
+        <p:nvCxnSpPr>
+          <p:cNvPr id="42" name="Gerader Verbinder 41">
+            <a:extLst>
+              <a:ext uri="{FF2B5EF4-FFF2-40B4-BE49-F238E27FC236}">
+                <a16:creationId xmlns:a16="http://schemas.microsoft.com/office/drawing/2014/main" id="{916F5C3D-50C3-059D-6772-1DD70D5E9604}"/>
+              </a:ext>
+            </a:extLst>
+          </p:cNvPr>
+          <p:cNvCxnSpPr>
+            <a:cxnSpLocks/>
+          </p:cNvCxnSpPr>
+          <p:nvPr/>
+        </p:nvCxnSpPr>
+        <p:spPr>
+          <a:xfrm>
+            <a:off x="628650" y="5378847"/>
+            <a:ext cx="7414752" cy="0"/>
+          </a:xfrm>
+          <a:prstGeom prst="line">
+            <a:avLst/>
+          </a:prstGeom>
+          <a:ln>
+            <a:solidFill>
+              <a:srgbClr val="10A1EA"/>
+            </a:solidFill>
+          </a:ln>
+        </p:spPr>
+        <p:style>
+          <a:lnRef idx="1">
+            <a:schemeClr val="accent1"/>
+          </a:lnRef>
+          <a:fillRef idx="0">
+            <a:schemeClr val="accent1"/>
+          </a:fillRef>
+          <a:effectRef idx="0">
+            <a:schemeClr val="accent1"/>
+          </a:effectRef>
+          <a:fontRef idx="minor">
+            <a:schemeClr val="tx1"/>
+          </a:fontRef>
+        </p:style>
+      </p:cxnSp>
+      <p:pic>
+        <p:nvPicPr>
+          <p:cNvPr id="49" name="Grafik 48" descr="DNA Silhouette">
+            <a:extLst>
+              <a:ext uri="{FF2B5EF4-FFF2-40B4-BE49-F238E27FC236}">
+                <a16:creationId xmlns:a16="http://schemas.microsoft.com/office/drawing/2014/main" id="{6DEF5C3C-BCD8-CE26-6A1F-44421E61A3CA}"/>
+              </a:ext>
+            </a:extLst>
+          </p:cNvPr>
+          <p:cNvPicPr>
+            <a:picLocks noChangeAspect="1"/>
+          </p:cNvPicPr>
+          <p:nvPr/>
+        </p:nvPicPr>
+        <p:blipFill>
+          <a:blip r:embed="rId4">
+            <a:extLst>
+              <a:ext uri="{28A0092B-C50C-407E-A947-70E740481C1C}">
+                <a14:useLocalDpi xmlns:a14="http://schemas.microsoft.com/office/drawing/2010/main" val="0"/>
+              </a:ext>
+              <a:ext uri="{96DAC541-7B7A-43D3-8B79-37D633B846F1}">
+                <asvg:svgBlip xmlns:asvg="http://schemas.microsoft.com/office/drawing/2016/SVG/main" r:embed="rId5"/>
+              </a:ext>
+            </a:extLst>
+          </a:blip>
+          <a:stretch>
+            <a:fillRect/>
+          </a:stretch>
+        </p:blipFill>
+        <p:spPr>
+          <a:xfrm>
+            <a:off x="143735" y="872897"/>
+            <a:ext cx="406921" cy="406921"/>
+          </a:xfrm>
+          <a:prstGeom prst="rect">
+            <a:avLst/>
+          </a:prstGeom>
+        </p:spPr>
+      </p:pic>
+      <p:pic>
+        <p:nvPicPr>
+          <p:cNvPr id="51" name="Grafik 50" descr="Balkendiagramm Silhouette">
+            <a:extLst>
+              <a:ext uri="{FF2B5EF4-FFF2-40B4-BE49-F238E27FC236}">
+                <a16:creationId xmlns:a16="http://schemas.microsoft.com/office/drawing/2014/main" id="{96C3BDE6-7984-B720-4EB5-C4480C42E2EA}"/>
+              </a:ext>
+            </a:extLst>
+          </p:cNvPr>
+          <p:cNvPicPr>
+            <a:picLocks noChangeAspect="1"/>
+          </p:cNvPicPr>
+          <p:nvPr/>
+        </p:nvPicPr>
+        <p:blipFill>
+          <a:blip r:embed="rId6">
+            <a:extLst>
+              <a:ext uri="{28A0092B-C50C-407E-A947-70E740481C1C}">
+                <a14:useLocalDpi xmlns:a14="http://schemas.microsoft.com/office/drawing/2010/main" val="0"/>
+              </a:ext>
+              <a:ext uri="{96DAC541-7B7A-43D3-8B79-37D633B846F1}">
+                <asvg:svgBlip xmlns:asvg="http://schemas.microsoft.com/office/drawing/2016/SVG/main" r:embed="rId7"/>
+              </a:ext>
+            </a:extLst>
+          </a:blip>
+          <a:stretch>
+            <a:fillRect/>
+          </a:stretch>
+        </p:blipFill>
+        <p:spPr>
+          <a:xfrm>
+            <a:off x="156220" y="2053801"/>
+            <a:ext cx="406921" cy="406921"/>
+          </a:xfrm>
+          <a:prstGeom prst="rect">
+            <a:avLst/>
+          </a:prstGeom>
+        </p:spPr>
+      </p:pic>
+      <p:pic>
+        <p:nvPicPr>
+          <p:cNvPr id="55" name="Grafik 54" descr="Monatskalender mit einfarbiger Füllung">
+            <a:extLst>
+              <a:ext uri="{FF2B5EF4-FFF2-40B4-BE49-F238E27FC236}">
+                <a16:creationId xmlns:a16="http://schemas.microsoft.com/office/drawing/2014/main" id="{22B8239E-946F-E377-A9D5-1C5712DC9123}"/>
+              </a:ext>
+            </a:extLst>
+          </p:cNvPr>
+          <p:cNvPicPr>
+            <a:picLocks noChangeAspect="1"/>
+          </p:cNvPicPr>
+          <p:nvPr/>
+        </p:nvPicPr>
+        <p:blipFill>
+          <a:blip r:embed="rId8">
+            <a:extLst>
+              <a:ext uri="{28A0092B-C50C-407E-A947-70E740481C1C}">
+                <a14:useLocalDpi xmlns:a14="http://schemas.microsoft.com/office/drawing/2010/main" val="0"/>
+              </a:ext>
+              <a:ext uri="{96DAC541-7B7A-43D3-8B79-37D633B846F1}">
+                <asvg:svgBlip xmlns:asvg="http://schemas.microsoft.com/office/drawing/2016/SVG/main" r:embed="rId9"/>
+              </a:ext>
+            </a:extLst>
+          </a:blip>
+          <a:stretch>
+            <a:fillRect/>
+          </a:stretch>
+        </p:blipFill>
+        <p:spPr>
+          <a:xfrm>
+            <a:off x="143734" y="3234705"/>
+            <a:ext cx="406921" cy="406921"/>
+          </a:xfrm>
+          <a:prstGeom prst="rect">
+            <a:avLst/>
+          </a:prstGeom>
+        </p:spPr>
+      </p:pic>
+      <p:pic>
+        <p:nvPicPr>
+          <p:cNvPr id="57" name="Grafik 56" descr="Benutzer Silhouette">
+            <a:extLst>
+              <a:ext uri="{FF2B5EF4-FFF2-40B4-BE49-F238E27FC236}">
+                <a16:creationId xmlns:a16="http://schemas.microsoft.com/office/drawing/2014/main" id="{FAF1D196-7D05-3E8B-77EB-98DB84254DF3}"/>
+              </a:ext>
+            </a:extLst>
+          </p:cNvPr>
+          <p:cNvPicPr>
+            <a:picLocks noChangeAspect="1"/>
+          </p:cNvPicPr>
+          <p:nvPr/>
+        </p:nvPicPr>
+        <p:blipFill>
+          <a:blip r:embed="rId10">
+            <a:extLst>
+              <a:ext uri="{28A0092B-C50C-407E-A947-70E740481C1C}">
+                <a14:useLocalDpi xmlns:a14="http://schemas.microsoft.com/office/drawing/2010/main" val="0"/>
+              </a:ext>
+              <a:ext uri="{96DAC541-7B7A-43D3-8B79-37D633B846F1}">
+                <asvg:svgBlip xmlns:asvg="http://schemas.microsoft.com/office/drawing/2016/SVG/main" r:embed="rId11"/>
+              </a:ext>
+            </a:extLst>
+          </a:blip>
+          <a:stretch>
+            <a:fillRect/>
+          </a:stretch>
+        </p:blipFill>
+        <p:spPr>
+          <a:xfrm>
+            <a:off x="147949" y="4415609"/>
+            <a:ext cx="406921" cy="406921"/>
+          </a:xfrm>
+          <a:prstGeom prst="rect">
+            <a:avLst/>
+          </a:prstGeom>
+        </p:spPr>
+      </p:pic>
+    </p:spTree>
+    <p:extLst>
+      <p:ext uri="{BB962C8B-B14F-4D97-AF65-F5344CB8AC3E}">
+        <p14:creationId xmlns:p14="http://schemas.microsoft.com/office/powerpoint/2010/main" val="2494335024"/>
+      </p:ext>
+    </p:extLst>
+  </p:cSld>
+  <p:clrMapOvr>
+    <a:masterClrMapping/>
+  </p:clrMapOvr>
+</p:sld>
+</file>
+
+<file path=ppt/slides/slide14.xml><?xml version="1.0" encoding="utf-8"?>
+<p:sld xmlns:a="http://schemas.openxmlformats.org/drawingml/2006/main" xmlns:r="http://schemas.openxmlformats.org/officeDocument/2006/relationships" xmlns:p="http://schemas.openxmlformats.org/presentationml/2006/main">
+  <p:cSld>
+    <p:bg>
+      <p:bgPr>
+        <a:gradFill flip="none" rotWithShape="1">
+          <a:gsLst>
+            <a:gs pos="28571">
+              <a:schemeClr val="accent1">
+                <a:lumMod val="5000"/>
+                <a:lumOff val="95000"/>
+                <a:alpha val="54000"/>
+              </a:schemeClr>
+            </a:gs>
+            <a:gs pos="79000">
+              <a:srgbClr val="8CD0F4">
+                <a:alpha val="50000"/>
+                <a:lumMod val="72000"/>
+                <a:lumOff val="28000"/>
+              </a:srgbClr>
+            </a:gs>
+            <a:gs pos="100000">
+              <a:srgbClr val="10A1EA">
+                <a:alpha val="26000"/>
+                <a:lumMod val="73000"/>
+                <a:lumOff val="27000"/>
+              </a:srgbClr>
+            </a:gs>
+          </a:gsLst>
+          <a:lin ang="2700000" scaled="1"/>
+          <a:tileRect/>
+        </a:gradFill>
+        <a:effectLst/>
+      </p:bgPr>
+    </p:bg>
+    <p:spTree>
+      <p:nvGrpSpPr>
+        <p:cNvPr id="1" name=""/>
+        <p:cNvGrpSpPr/>
+        <p:nvPr/>
+      </p:nvGrpSpPr>
+      <p:grpSpPr>
+        <a:xfrm>
+          <a:off x="0" y="0"/>
+          <a:ext cx="0" cy="0"/>
+          <a:chOff x="0" y="0"/>
+          <a:chExt cx="0" cy="0"/>
+        </a:xfrm>
+      </p:grpSpPr>
+      <p:sp>
+        <p:nvSpPr>
+          <p:cNvPr id="9" name="Datumsplatzhalter 8">
+            <a:extLst>
+              <a:ext uri="{FF2B5EF4-FFF2-40B4-BE49-F238E27FC236}">
+                <a16:creationId xmlns:a16="http://schemas.microsoft.com/office/drawing/2014/main" id="{B2E44AFA-B29A-4513-B164-74DF574E302B}"/>
+              </a:ext>
+            </a:extLst>
+          </p:cNvPr>
+          <p:cNvSpPr>
+            <a:spLocks noGrp="1"/>
+          </p:cNvSpPr>
+          <p:nvPr>
+            <p:ph type="dt" sz="half" idx="10"/>
+          </p:nvPr>
+        </p:nvSpPr>
+        <p:spPr>
+          <a:xfrm>
+            <a:off x="628650" y="5357247"/>
+            <a:ext cx="2057400" cy="304271"/>
+          </a:xfrm>
+        </p:spPr>
+        <p:txBody>
+          <a:bodyPr/>
+          <a:lstStyle/>
+          <a:p>
+            <a:fld id="{4ABD6D1D-9BE7-4B6A-B4D1-FD497C782274}" type="datetime1">
+              <a:rPr lang="de-DE" smtClean="0">
+                <a:solidFill>
+                  <a:srgbClr val="2E4186"/>
+                </a:solidFill>
+              </a:rPr>
+              <a:t>17.05.2022</a:t>
+            </a:fld>
+            <a:endParaRPr lang="de-DE" dirty="0">
+              <a:solidFill>
+                <a:srgbClr val="2E4186"/>
+              </a:solidFill>
+            </a:endParaRPr>
+          </a:p>
+        </p:txBody>
+      </p:sp>
+      <p:sp>
+        <p:nvSpPr>
+          <p:cNvPr id="13" name="Textfeld 12">
+            <a:extLst>
+              <a:ext uri="{FF2B5EF4-FFF2-40B4-BE49-F238E27FC236}">
+                <a16:creationId xmlns:a16="http://schemas.microsoft.com/office/drawing/2014/main" id="{88E434CB-53F2-43DE-989A-34F83773913E}"/>
+              </a:ext>
+            </a:extLst>
+          </p:cNvPr>
+          <p:cNvSpPr txBox="1"/>
+          <p:nvPr/>
+        </p:nvSpPr>
+        <p:spPr>
+          <a:xfrm>
+            <a:off x="855423" y="295945"/>
+            <a:ext cx="7187979" cy="584775"/>
+          </a:xfrm>
+          <a:prstGeom prst="rect">
+            <a:avLst/>
+          </a:prstGeom>
+          <a:noFill/>
+        </p:spPr>
+        <p:txBody>
+          <a:bodyPr wrap="square" rtlCol="0">
+            <a:spAutoFit/>
+          </a:bodyPr>
+          <a:lstStyle/>
+          <a:p>
+            <a:r>
               <a:rPr lang="en-US" sz="3200" dirty="0">
                 <a:latin typeface="+mj-lt"/>
               </a:rPr>
@@ -11525,7 +12594,7 @@
                   <a:srgbClr val="2E4186"/>
                 </a:solidFill>
               </a:rPr>
-              <a:t>13</a:t>
+              <a:t>14</a:t>
             </a:fld>
             <a:endParaRPr lang="de-DE" dirty="0">
               <a:solidFill>
@@ -12253,7 +13322,7 @@
 </p:sld>
 </file>
 
-<file path=ppt/slides/slide14.xml><?xml version="1.0" encoding="utf-8"?>
+<file path=ppt/slides/slide15.xml><?xml version="1.0" encoding="utf-8"?>
 <p:sld xmlns:a="http://schemas.openxmlformats.org/drawingml/2006/main" xmlns:r="http://schemas.openxmlformats.org/officeDocument/2006/relationships" xmlns:p="http://schemas.openxmlformats.org/presentationml/2006/main">
   <p:cSld>
     <p:spTree>
@@ -12695,7 +13764,7 @@
                 <a:tabLst/>
                 <a:defRPr/>
               </a:pPr>
-              <a:t>14</a:t>
+              <a:t>15</a:t>
             </a:fld>
             <a:endParaRPr kumimoji="0" lang="de-DE" sz="900" b="0" i="0" u="none" strike="noStrike" kern="1200" cap="none" spc="0" normalizeH="0" baseline="0" noProof="0" dirty="0">
               <a:ln>
@@ -13125,7 +14194,7 @@
 </p:sld>
 </file>
 
-<file path=ppt/slides/slide15.xml><?xml version="1.0" encoding="utf-8"?>
+<file path=ppt/slides/slide16.xml><?xml version="1.0" encoding="utf-8"?>
 <p:sld xmlns:a="http://schemas.openxmlformats.org/drawingml/2006/main" xmlns:r="http://schemas.openxmlformats.org/officeDocument/2006/relationships" xmlns:p="http://schemas.openxmlformats.org/presentationml/2006/main">
   <p:cSld>
     <p:spTree>
@@ -13567,7 +14636,7 @@
                 <a:tabLst/>
                 <a:defRPr/>
               </a:pPr>
-              <a:t>15</a:t>
+              <a:t>16</a:t>
             </a:fld>
             <a:endParaRPr kumimoji="0" lang="de-DE" sz="900" b="0" i="0" u="none" strike="noStrike" kern="1200" cap="none" spc="0" normalizeH="0" baseline="0" noProof="0" dirty="0">
               <a:ln>
@@ -14105,7 +15174,7 @@
 </p:sld>
 </file>
 
-<file path=ppt/slides/slide16.xml><?xml version="1.0" encoding="utf-8"?>
+<file path=ppt/slides/slide17.xml><?xml version="1.0" encoding="utf-8"?>
 <p:sld xmlns:a="http://schemas.openxmlformats.org/drawingml/2006/main" xmlns:r="http://schemas.openxmlformats.org/officeDocument/2006/relationships" xmlns:p="http://schemas.openxmlformats.org/presentationml/2006/main">
   <p:cSld>
     <p:spTree>
@@ -14547,7 +15616,7 @@
                 <a:tabLst/>
                 <a:defRPr/>
               </a:pPr>
-              <a:t>16</a:t>
+              <a:t>17</a:t>
             </a:fld>
             <a:endParaRPr kumimoji="0" lang="de-DE" sz="900" b="0" i="0" u="none" strike="noStrike" kern="1200" cap="none" spc="0" normalizeH="0" baseline="0" noProof="0" dirty="0">
               <a:ln>
@@ -14951,7 +16020,7 @@
 </p:sld>
 </file>
 
-<file path=ppt/slides/slide17.xml><?xml version="1.0" encoding="utf-8"?>
+<file path=ppt/slides/slide18.xml><?xml version="1.0" encoding="utf-8"?>
 <p:sld xmlns:a="http://schemas.openxmlformats.org/drawingml/2006/main" xmlns:r="http://schemas.openxmlformats.org/officeDocument/2006/relationships" xmlns:p="http://schemas.openxmlformats.org/presentationml/2006/main">
   <p:cSld>
     <p:spTree>
@@ -15098,7 +16167,7 @@
           <a:p>
             <a:fld id="{D3D8A29C-259F-45D5-BFFA-A48772AC905C}" type="slidenum">
               <a:rPr lang="de-DE" smtClean="0"/>
-              <a:t>17</a:t>
+              <a:t>18</a:t>
             </a:fld>
             <a:endParaRPr lang="de-DE" dirty="0"/>
           </a:p>
@@ -15108,6 +16177,625 @@
     <p:extLst>
       <p:ext uri="{BB962C8B-B14F-4D97-AF65-F5344CB8AC3E}">
         <p14:creationId xmlns:p14="http://schemas.microsoft.com/office/powerpoint/2010/main" val="2839282687"/>
+      </p:ext>
+    </p:extLst>
+  </p:cSld>
+  <p:clrMapOvr>
+    <a:masterClrMapping/>
+  </p:clrMapOvr>
+</p:sld>
+</file>
+
+<file path=ppt/slides/slide19.xml><?xml version="1.0" encoding="utf-8"?>
+<p:sld xmlns:a="http://schemas.openxmlformats.org/drawingml/2006/main" xmlns:r="http://schemas.openxmlformats.org/officeDocument/2006/relationships" xmlns:p="http://schemas.openxmlformats.org/presentationml/2006/main">
+  <p:cSld>
+    <p:spTree>
+      <p:nvGrpSpPr>
+        <p:cNvPr id="1" name=""/>
+        <p:cNvGrpSpPr/>
+        <p:nvPr/>
+      </p:nvGrpSpPr>
+      <p:grpSpPr>
+        <a:xfrm>
+          <a:off x="0" y="0"/>
+          <a:ext cx="0" cy="0"/>
+          <a:chOff x="0" y="0"/>
+          <a:chExt cx="0" cy="0"/>
+        </a:xfrm>
+      </p:grpSpPr>
+      <p:sp>
+        <p:nvSpPr>
+          <p:cNvPr id="9" name="Datumsplatzhalter 8">
+            <a:extLst>
+              <a:ext uri="{FF2B5EF4-FFF2-40B4-BE49-F238E27FC236}">
+                <a16:creationId xmlns:a16="http://schemas.microsoft.com/office/drawing/2014/main" id="{B2E44AFA-B29A-4513-B164-74DF574E302B}"/>
+              </a:ext>
+            </a:extLst>
+          </p:cNvPr>
+          <p:cNvSpPr>
+            <a:spLocks noGrp="1"/>
+          </p:cNvSpPr>
+          <p:nvPr>
+            <p:ph type="dt" sz="half" idx="10"/>
+          </p:nvPr>
+        </p:nvSpPr>
+        <p:spPr>
+          <a:xfrm>
+            <a:off x="628650" y="5357247"/>
+            <a:ext cx="2057400" cy="304271"/>
+          </a:xfrm>
+        </p:spPr>
+        <p:txBody>
+          <a:bodyPr/>
+          <a:lstStyle/>
+          <a:p>
+            <a:fld id="{4ABD6D1D-9BE7-4B6A-B4D1-FD497C782274}" type="datetime1">
+              <a:rPr lang="de-DE" smtClean="0">
+                <a:solidFill>
+                  <a:srgbClr val="2E4186"/>
+                </a:solidFill>
+              </a:rPr>
+              <a:t>17.05.2022</a:t>
+            </a:fld>
+            <a:endParaRPr lang="de-DE" dirty="0">
+              <a:solidFill>
+                <a:srgbClr val="2E4186"/>
+              </a:solidFill>
+            </a:endParaRPr>
+          </a:p>
+        </p:txBody>
+      </p:sp>
+      <p:sp>
+        <p:nvSpPr>
+          <p:cNvPr id="13" name="Textfeld 12">
+            <a:extLst>
+              <a:ext uri="{FF2B5EF4-FFF2-40B4-BE49-F238E27FC236}">
+                <a16:creationId xmlns:a16="http://schemas.microsoft.com/office/drawing/2014/main" id="{88E434CB-53F2-43DE-989A-34F83773913E}"/>
+              </a:ext>
+            </a:extLst>
+          </p:cNvPr>
+          <p:cNvSpPr txBox="1"/>
+          <p:nvPr/>
+        </p:nvSpPr>
+        <p:spPr>
+          <a:xfrm>
+            <a:off x="855423" y="295945"/>
+            <a:ext cx="7187979" cy="1077218"/>
+          </a:xfrm>
+          <a:prstGeom prst="rect">
+            <a:avLst/>
+          </a:prstGeom>
+          <a:noFill/>
+        </p:spPr>
+        <p:txBody>
+          <a:bodyPr wrap="square" rtlCol="0">
+            <a:spAutoFit/>
+          </a:bodyPr>
+          <a:lstStyle/>
+          <a:p>
+            <a:r>
+              <a:rPr lang="de-DE" sz="3200" dirty="0">
+                <a:latin typeface="+mj-lt"/>
+              </a:rPr>
+              <a:t>2. Expression </a:t>
+            </a:r>
+            <a:r>
+              <a:rPr lang="de-DE" sz="3200" dirty="0" err="1">
+                <a:latin typeface="+mj-lt"/>
+              </a:rPr>
+              <a:t>boxplot</a:t>
+            </a:r>
+            <a:r>
+              <a:rPr lang="de-DE" sz="3200" dirty="0">
+                <a:latin typeface="+mj-lt"/>
+              </a:rPr>
+              <a:t> </a:t>
+            </a:r>
+            <a:r>
+              <a:rPr lang="de-DE" sz="3200" dirty="0" err="1">
+                <a:latin typeface="+mj-lt"/>
+              </a:rPr>
+              <a:t>vsnrma</a:t>
+            </a:r>
+            <a:r>
+              <a:rPr lang="de-DE" sz="3200" dirty="0">
+                <a:latin typeface="+mj-lt"/>
+              </a:rPr>
+              <a:t> </a:t>
+            </a:r>
+            <a:r>
+              <a:rPr lang="de-DE" sz="3200" dirty="0" err="1">
+                <a:latin typeface="+mj-lt"/>
+              </a:rPr>
+              <a:t>normalized</a:t>
+            </a:r>
+            <a:r>
+              <a:rPr lang="de-DE" sz="3200" dirty="0">
+                <a:latin typeface="+mj-lt"/>
+              </a:rPr>
+              <a:t> (QC)</a:t>
+            </a:r>
+          </a:p>
+        </p:txBody>
+      </p:sp>
+      <p:cxnSp>
+        <p:nvCxnSpPr>
+          <p:cNvPr id="14" name="Gerader Verbinder 13">
+            <a:extLst>
+              <a:ext uri="{FF2B5EF4-FFF2-40B4-BE49-F238E27FC236}">
+                <a16:creationId xmlns:a16="http://schemas.microsoft.com/office/drawing/2014/main" id="{1CDE483F-007A-4AB6-9094-9439F0148193}"/>
+              </a:ext>
+            </a:extLst>
+          </p:cNvPr>
+          <p:cNvCxnSpPr>
+            <a:cxnSpLocks/>
+          </p:cNvCxnSpPr>
+          <p:nvPr/>
+        </p:nvCxnSpPr>
+        <p:spPr>
+          <a:xfrm>
+            <a:off x="726619" y="849404"/>
+            <a:ext cx="6854981" cy="0"/>
+          </a:xfrm>
+          <a:prstGeom prst="line">
+            <a:avLst/>
+          </a:prstGeom>
+          <a:ln>
+            <a:solidFill>
+              <a:srgbClr val="10A1EA"/>
+            </a:solidFill>
+          </a:ln>
+        </p:spPr>
+        <p:style>
+          <a:lnRef idx="1">
+            <a:schemeClr val="accent1"/>
+          </a:lnRef>
+          <a:fillRef idx="0">
+            <a:schemeClr val="accent1"/>
+          </a:fillRef>
+          <a:effectRef idx="0">
+            <a:schemeClr val="accent1"/>
+          </a:effectRef>
+          <a:fontRef idx="minor">
+            <a:schemeClr val="tx1"/>
+          </a:fontRef>
+        </p:style>
+      </p:cxnSp>
+      <p:sp>
+        <p:nvSpPr>
+          <p:cNvPr id="24" name="Rechteck 23">
+            <a:extLst>
+              <a:ext uri="{FF2B5EF4-FFF2-40B4-BE49-F238E27FC236}">
+                <a16:creationId xmlns:a16="http://schemas.microsoft.com/office/drawing/2014/main" id="{85AA2DAF-4E4E-60E3-5793-E5162487086D}"/>
+              </a:ext>
+            </a:extLst>
+          </p:cNvPr>
+          <p:cNvSpPr/>
+          <p:nvPr/>
+        </p:nvSpPr>
+        <p:spPr>
+          <a:xfrm>
+            <a:off x="152780" y="0"/>
+            <a:ext cx="406921" cy="5715000"/>
+          </a:xfrm>
+          <a:prstGeom prst="rect">
+            <a:avLst/>
+          </a:prstGeom>
+          <a:gradFill>
+            <a:gsLst>
+              <a:gs pos="2000">
+                <a:schemeClr val="bg1">
+                  <a:alpha val="91000"/>
+                </a:schemeClr>
+              </a:gs>
+              <a:gs pos="95000">
+                <a:schemeClr val="bg1"/>
+              </a:gs>
+              <a:gs pos="75000">
+                <a:srgbClr val="12D4E8"/>
+              </a:gs>
+              <a:gs pos="58000">
+                <a:srgbClr val="10A1EA"/>
+              </a:gs>
+              <a:gs pos="15000">
+                <a:srgbClr val="12D4E8"/>
+              </a:gs>
+              <a:gs pos="35000">
+                <a:srgbClr val="175CF5"/>
+              </a:gs>
+              <a:gs pos="26000">
+                <a:srgbClr val="10A1EA"/>
+              </a:gs>
+              <a:gs pos="46000">
+                <a:srgbClr val="175CF5"/>
+              </a:gs>
+            </a:gsLst>
+            <a:lin ang="5400000" scaled="1"/>
+          </a:gradFill>
+          <a:ln>
+            <a:noFill/>
+          </a:ln>
+          <a:effectLst>
+            <a:softEdge rad="38100"/>
+          </a:effectLst>
+        </p:spPr>
+        <p:style>
+          <a:lnRef idx="2">
+            <a:schemeClr val="accent1">
+              <a:shade val="50000"/>
+            </a:schemeClr>
+          </a:lnRef>
+          <a:fillRef idx="1">
+            <a:schemeClr val="accent1"/>
+          </a:fillRef>
+          <a:effectRef idx="0">
+            <a:schemeClr val="accent1"/>
+          </a:effectRef>
+          <a:fontRef idx="minor">
+            <a:schemeClr val="lt1"/>
+          </a:fontRef>
+        </p:style>
+        <p:txBody>
+          <a:bodyPr rot="0" spcFirstLastPara="0" vert="horz" wrap="square" lIns="91440" tIns="45720" rIns="91440" bIns="45720" numCol="1" spcCol="0" rtlCol="0" fromWordArt="0" anchor="ctr" anchorCtr="0" forceAA="0" compatLnSpc="1">
+            <a:prstTxWarp prst="textNoShape">
+              <a:avLst/>
+            </a:prstTxWarp>
+            <a:noAutofit/>
+          </a:bodyPr>
+          <a:lstStyle/>
+          <a:p>
+            <a:endParaRPr lang="de-DE"/>
+          </a:p>
+        </p:txBody>
+      </p:sp>
+      <p:sp>
+        <p:nvSpPr>
+          <p:cNvPr id="2" name="Foliennummernplatzhalter 1">
+            <a:extLst>
+              <a:ext uri="{FF2B5EF4-FFF2-40B4-BE49-F238E27FC236}">
+                <a16:creationId xmlns:a16="http://schemas.microsoft.com/office/drawing/2014/main" id="{7127E193-062B-1452-70A0-30F77337207F}"/>
+              </a:ext>
+            </a:extLst>
+          </p:cNvPr>
+          <p:cNvSpPr>
+            <a:spLocks noGrp="1"/>
+          </p:cNvSpPr>
+          <p:nvPr>
+            <p:ph type="sldNum" sz="quarter" idx="12"/>
+          </p:nvPr>
+        </p:nvSpPr>
+        <p:spPr>
+          <a:xfrm>
+            <a:off x="6774750" y="5325759"/>
+            <a:ext cx="2057400" cy="304271"/>
+          </a:xfrm>
+        </p:spPr>
+        <p:txBody>
+          <a:bodyPr/>
+          <a:lstStyle/>
+          <a:p>
+            <a:fld id="{D3D8A29C-259F-45D5-BFFA-A48772AC905C}" type="slidenum">
+              <a:rPr lang="de-DE" smtClean="0">
+                <a:solidFill>
+                  <a:srgbClr val="2E4186"/>
+                </a:solidFill>
+              </a:rPr>
+              <a:t>19</a:t>
+            </a:fld>
+            <a:endParaRPr lang="de-DE" dirty="0">
+              <a:solidFill>
+                <a:srgbClr val="2E4186"/>
+              </a:solidFill>
+            </a:endParaRPr>
+          </a:p>
+        </p:txBody>
+      </p:sp>
+      <p:cxnSp>
+        <p:nvCxnSpPr>
+          <p:cNvPr id="23" name="Gerader Verbinder 22">
+            <a:extLst>
+              <a:ext uri="{FF2B5EF4-FFF2-40B4-BE49-F238E27FC236}">
+                <a16:creationId xmlns:a16="http://schemas.microsoft.com/office/drawing/2014/main" id="{F400FDB4-FD57-FB87-F549-2AF5E6E1AE51}"/>
+              </a:ext>
+            </a:extLst>
+          </p:cNvPr>
+          <p:cNvCxnSpPr>
+            <a:cxnSpLocks/>
+          </p:cNvCxnSpPr>
+          <p:nvPr/>
+        </p:nvCxnSpPr>
+        <p:spPr>
+          <a:xfrm flipH="1">
+            <a:off x="8832150" y="4805914"/>
+            <a:ext cx="311850" cy="909086"/>
+          </a:xfrm>
+          <a:prstGeom prst="line">
+            <a:avLst/>
+          </a:prstGeom>
+          <a:ln>
+            <a:solidFill>
+              <a:srgbClr val="10A1EA"/>
+            </a:solidFill>
+          </a:ln>
+        </p:spPr>
+        <p:style>
+          <a:lnRef idx="1">
+            <a:schemeClr val="accent1"/>
+          </a:lnRef>
+          <a:fillRef idx="0">
+            <a:schemeClr val="accent1"/>
+          </a:fillRef>
+          <a:effectRef idx="0">
+            <a:schemeClr val="accent1"/>
+          </a:effectRef>
+          <a:fontRef idx="minor">
+            <a:schemeClr val="tx1"/>
+          </a:fontRef>
+        </p:style>
+      </p:cxnSp>
+      <p:pic>
+        <p:nvPicPr>
+          <p:cNvPr id="39" name="Grafik 38">
+            <a:extLst>
+              <a:ext uri="{FF2B5EF4-FFF2-40B4-BE49-F238E27FC236}">
+                <a16:creationId xmlns:a16="http://schemas.microsoft.com/office/drawing/2014/main" id="{83A8EE2E-0954-6F9A-1734-5FCF5AFB3FA0}"/>
+              </a:ext>
+            </a:extLst>
+          </p:cNvPr>
+          <p:cNvPicPr>
+            <a:picLocks noChangeAspect="1"/>
+          </p:cNvPicPr>
+          <p:nvPr/>
+        </p:nvPicPr>
+        <p:blipFill>
+          <a:blip r:embed="rId3"/>
+          <a:stretch>
+            <a:fillRect/>
+          </a:stretch>
+        </p:blipFill>
+        <p:spPr>
+          <a:xfrm>
+            <a:off x="7644639" y="107468"/>
+            <a:ext cx="1385921" cy="1236316"/>
+          </a:xfrm>
+          <a:prstGeom prst="rect">
+            <a:avLst/>
+          </a:prstGeom>
+        </p:spPr>
+      </p:pic>
+      <p:cxnSp>
+        <p:nvCxnSpPr>
+          <p:cNvPr id="42" name="Gerader Verbinder 41">
+            <a:extLst>
+              <a:ext uri="{FF2B5EF4-FFF2-40B4-BE49-F238E27FC236}">
+                <a16:creationId xmlns:a16="http://schemas.microsoft.com/office/drawing/2014/main" id="{916F5C3D-50C3-059D-6772-1DD70D5E9604}"/>
+              </a:ext>
+            </a:extLst>
+          </p:cNvPr>
+          <p:cNvCxnSpPr>
+            <a:cxnSpLocks/>
+          </p:cNvCxnSpPr>
+          <p:nvPr/>
+        </p:nvCxnSpPr>
+        <p:spPr>
+          <a:xfrm>
+            <a:off x="628650" y="5378847"/>
+            <a:ext cx="7414752" cy="0"/>
+          </a:xfrm>
+          <a:prstGeom prst="line">
+            <a:avLst/>
+          </a:prstGeom>
+          <a:ln>
+            <a:solidFill>
+              <a:srgbClr val="10A1EA"/>
+            </a:solidFill>
+          </a:ln>
+        </p:spPr>
+        <p:style>
+          <a:lnRef idx="1">
+            <a:schemeClr val="accent1"/>
+          </a:lnRef>
+          <a:fillRef idx="0">
+            <a:schemeClr val="accent1"/>
+          </a:fillRef>
+          <a:effectRef idx="0">
+            <a:schemeClr val="accent1"/>
+          </a:effectRef>
+          <a:fontRef idx="minor">
+            <a:schemeClr val="tx1"/>
+          </a:fontRef>
+        </p:style>
+      </p:cxnSp>
+      <p:pic>
+        <p:nvPicPr>
+          <p:cNvPr id="45" name="Grafik 44" descr="Monatskalender Silhouette">
+            <a:extLst>
+              <a:ext uri="{FF2B5EF4-FFF2-40B4-BE49-F238E27FC236}">
+                <a16:creationId xmlns:a16="http://schemas.microsoft.com/office/drawing/2014/main" id="{ADE41C17-DE6A-3F4F-C168-68D57E9362E4}"/>
+              </a:ext>
+            </a:extLst>
+          </p:cNvPr>
+          <p:cNvPicPr>
+            <a:picLocks noChangeAspect="1"/>
+          </p:cNvPicPr>
+          <p:nvPr/>
+        </p:nvPicPr>
+        <p:blipFill>
+          <a:blip r:embed="rId4">
+            <a:extLst>
+              <a:ext uri="{28A0092B-C50C-407E-A947-70E740481C1C}">
+                <a14:useLocalDpi xmlns:a14="http://schemas.microsoft.com/office/drawing/2010/main" val="0"/>
+              </a:ext>
+              <a:ext uri="{96DAC541-7B7A-43D3-8B79-37D633B846F1}">
+                <asvg:svgBlip xmlns:asvg="http://schemas.microsoft.com/office/drawing/2016/SVG/main" r:embed="rId5"/>
+              </a:ext>
+            </a:extLst>
+          </a:blip>
+          <a:stretch>
+            <a:fillRect/>
+          </a:stretch>
+        </p:blipFill>
+        <p:spPr>
+          <a:xfrm>
+            <a:off x="147948" y="3234705"/>
+            <a:ext cx="406921" cy="406921"/>
+          </a:xfrm>
+          <a:prstGeom prst="rect">
+            <a:avLst/>
+          </a:prstGeom>
+        </p:spPr>
+      </p:pic>
+      <p:pic>
+        <p:nvPicPr>
+          <p:cNvPr id="49" name="Grafik 48" descr="DNA Silhouette">
+            <a:extLst>
+              <a:ext uri="{FF2B5EF4-FFF2-40B4-BE49-F238E27FC236}">
+                <a16:creationId xmlns:a16="http://schemas.microsoft.com/office/drawing/2014/main" id="{6DEF5C3C-BCD8-CE26-6A1F-44421E61A3CA}"/>
+              </a:ext>
+            </a:extLst>
+          </p:cNvPr>
+          <p:cNvPicPr>
+            <a:picLocks noChangeAspect="1"/>
+          </p:cNvPicPr>
+          <p:nvPr/>
+        </p:nvPicPr>
+        <p:blipFill>
+          <a:blip r:embed="rId6">
+            <a:extLst>
+              <a:ext uri="{28A0092B-C50C-407E-A947-70E740481C1C}">
+                <a14:useLocalDpi xmlns:a14="http://schemas.microsoft.com/office/drawing/2010/main" val="0"/>
+              </a:ext>
+              <a:ext uri="{96DAC541-7B7A-43D3-8B79-37D633B846F1}">
+                <asvg:svgBlip xmlns:asvg="http://schemas.microsoft.com/office/drawing/2016/SVG/main" r:embed="rId7"/>
+              </a:ext>
+            </a:extLst>
+          </a:blip>
+          <a:stretch>
+            <a:fillRect/>
+          </a:stretch>
+        </p:blipFill>
+        <p:spPr>
+          <a:xfrm>
+            <a:off x="143735" y="872897"/>
+            <a:ext cx="406921" cy="406921"/>
+          </a:xfrm>
+          <a:prstGeom prst="rect">
+            <a:avLst/>
+          </a:prstGeom>
+        </p:spPr>
+      </p:pic>
+      <p:pic>
+        <p:nvPicPr>
+          <p:cNvPr id="53" name="Grafik 52" descr="Balkendiagramm mit einfarbiger Füllung">
+            <a:extLst>
+              <a:ext uri="{FF2B5EF4-FFF2-40B4-BE49-F238E27FC236}">
+                <a16:creationId xmlns:a16="http://schemas.microsoft.com/office/drawing/2014/main" id="{AB79FB33-E613-4BA8-9EB6-7A65F1DCEBBD}"/>
+              </a:ext>
+            </a:extLst>
+          </p:cNvPr>
+          <p:cNvPicPr>
+            <a:picLocks noChangeAspect="1"/>
+          </p:cNvPicPr>
+          <p:nvPr/>
+        </p:nvPicPr>
+        <p:blipFill>
+          <a:blip r:embed="rId8">
+            <a:extLst>
+              <a:ext uri="{28A0092B-C50C-407E-A947-70E740481C1C}">
+                <a14:useLocalDpi xmlns:a14="http://schemas.microsoft.com/office/drawing/2010/main" val="0"/>
+              </a:ext>
+              <a:ext uri="{96DAC541-7B7A-43D3-8B79-37D633B846F1}">
+                <asvg:svgBlip xmlns:asvg="http://schemas.microsoft.com/office/drawing/2016/SVG/main" r:embed="rId9"/>
+              </a:ext>
+            </a:extLst>
+          </a:blip>
+          <a:stretch>
+            <a:fillRect/>
+          </a:stretch>
+        </p:blipFill>
+        <p:spPr>
+          <a:xfrm>
+            <a:off x="161825" y="2053186"/>
+            <a:ext cx="406921" cy="406921"/>
+          </a:xfrm>
+          <a:prstGeom prst="rect">
+            <a:avLst/>
+          </a:prstGeom>
+        </p:spPr>
+      </p:pic>
+      <p:pic>
+        <p:nvPicPr>
+          <p:cNvPr id="57" name="Grafik 56" descr="Benutzer Silhouette">
+            <a:extLst>
+              <a:ext uri="{FF2B5EF4-FFF2-40B4-BE49-F238E27FC236}">
+                <a16:creationId xmlns:a16="http://schemas.microsoft.com/office/drawing/2014/main" id="{FAF1D196-7D05-3E8B-77EB-98DB84254DF3}"/>
+              </a:ext>
+            </a:extLst>
+          </p:cNvPr>
+          <p:cNvPicPr>
+            <a:picLocks noChangeAspect="1"/>
+          </p:cNvPicPr>
+          <p:nvPr/>
+        </p:nvPicPr>
+        <p:blipFill>
+          <a:blip r:embed="rId10">
+            <a:extLst>
+              <a:ext uri="{28A0092B-C50C-407E-A947-70E740481C1C}">
+                <a14:useLocalDpi xmlns:a14="http://schemas.microsoft.com/office/drawing/2010/main" val="0"/>
+              </a:ext>
+              <a:ext uri="{96DAC541-7B7A-43D3-8B79-37D633B846F1}">
+                <asvg:svgBlip xmlns:asvg="http://schemas.microsoft.com/office/drawing/2016/SVG/main" r:embed="rId11"/>
+              </a:ext>
+            </a:extLst>
+          </a:blip>
+          <a:stretch>
+            <a:fillRect/>
+          </a:stretch>
+        </p:blipFill>
+        <p:spPr>
+          <a:xfrm>
+            <a:off x="147949" y="4415609"/>
+            <a:ext cx="406921" cy="406921"/>
+          </a:xfrm>
+          <a:prstGeom prst="rect">
+            <a:avLst/>
+          </a:prstGeom>
+        </p:spPr>
+      </p:pic>
+      <p:pic>
+        <p:nvPicPr>
+          <p:cNvPr id="3" name="Grafik 2">
+            <a:extLst>
+              <a:ext uri="{FF2B5EF4-FFF2-40B4-BE49-F238E27FC236}">
+                <a16:creationId xmlns:a16="http://schemas.microsoft.com/office/drawing/2014/main" id="{DE47A378-BD99-E254-8C07-EA3FCA9658FB}"/>
+              </a:ext>
+            </a:extLst>
+          </p:cNvPr>
+          <p:cNvPicPr>
+            <a:picLocks noChangeAspect="1"/>
+          </p:cNvPicPr>
+          <p:nvPr/>
+        </p:nvPicPr>
+        <p:blipFill>
+          <a:blip r:embed="rId12"/>
+          <a:stretch>
+            <a:fillRect/>
+          </a:stretch>
+        </p:blipFill>
+        <p:spPr>
+          <a:xfrm>
+            <a:off x="1343617" y="1323270"/>
+            <a:ext cx="6194464" cy="3822869"/>
+          </a:xfrm>
+          <a:prstGeom prst="rect">
+            <a:avLst/>
+          </a:prstGeom>
+        </p:spPr>
+      </p:pic>
+    </p:spTree>
+    <p:extLst>
+      <p:ext uri="{BB962C8B-B14F-4D97-AF65-F5344CB8AC3E}">
+        <p14:creationId xmlns:p14="http://schemas.microsoft.com/office/powerpoint/2010/main" val="2531226135"/>
       </p:ext>
     </p:extLst>
   </p:cSld>
@@ -21574,13 +23262,13 @@
               <a:rPr lang="de-DE" sz="3200" dirty="0">
                 <a:latin typeface="+mj-lt"/>
               </a:rPr>
-              <a:t>1. Array </a:t>
+              <a:t>Dataset </a:t>
             </a:r>
             <a:r>
               <a:rPr lang="de-DE" sz="3200" dirty="0" err="1">
                 <a:latin typeface="+mj-lt"/>
               </a:rPr>
-              <a:t>surface</a:t>
+              <a:t>Intensity</a:t>
             </a:r>
             <a:r>
               <a:rPr lang="de-DE" sz="3200" dirty="0">
@@ -21592,14 +23280,11 @@
               <a:rPr lang="de-DE" sz="3200" dirty="0" err="1">
                 <a:latin typeface="+mj-lt"/>
               </a:rPr>
-              <a:t>images</a:t>
-            </a:r>
-            <a:r>
-              <a:rPr lang="de-DE" sz="3200" dirty="0">
-                <a:latin typeface="+mj-lt"/>
-              </a:rPr>
-              <a:t> (QC)</a:t>
-            </a:r>
+              <a:t>histograms</a:t>
+            </a:r>
+            <a:endParaRPr lang="de-DE" sz="3200" dirty="0">
+              <a:latin typeface="+mj-lt"/>
+            </a:endParaRPr>
           </a:p>
         </p:txBody>
       </p:sp>
@@ -21766,6 +23451,583 @@
                 </a:solidFill>
               </a:rPr>
               <a:t>8</a:t>
+            </a:fld>
+            <a:endParaRPr lang="de-DE" dirty="0">
+              <a:solidFill>
+                <a:srgbClr val="2E4186"/>
+              </a:solidFill>
+            </a:endParaRPr>
+          </a:p>
+        </p:txBody>
+      </p:sp>
+      <p:cxnSp>
+        <p:nvCxnSpPr>
+          <p:cNvPr id="23" name="Gerader Verbinder 22">
+            <a:extLst>
+              <a:ext uri="{FF2B5EF4-FFF2-40B4-BE49-F238E27FC236}">
+                <a16:creationId xmlns:a16="http://schemas.microsoft.com/office/drawing/2014/main" id="{F400FDB4-FD57-FB87-F549-2AF5E6E1AE51}"/>
+              </a:ext>
+            </a:extLst>
+          </p:cNvPr>
+          <p:cNvCxnSpPr>
+            <a:cxnSpLocks/>
+          </p:cNvCxnSpPr>
+          <p:nvPr/>
+        </p:nvCxnSpPr>
+        <p:spPr>
+          <a:xfrm flipH="1">
+            <a:off x="8832150" y="4805914"/>
+            <a:ext cx="311850" cy="909086"/>
+          </a:xfrm>
+          <a:prstGeom prst="line">
+            <a:avLst/>
+          </a:prstGeom>
+          <a:ln>
+            <a:solidFill>
+              <a:srgbClr val="10A1EA"/>
+            </a:solidFill>
+          </a:ln>
+        </p:spPr>
+        <p:style>
+          <a:lnRef idx="1">
+            <a:schemeClr val="accent1"/>
+          </a:lnRef>
+          <a:fillRef idx="0">
+            <a:schemeClr val="accent1"/>
+          </a:fillRef>
+          <a:effectRef idx="0">
+            <a:schemeClr val="accent1"/>
+          </a:effectRef>
+          <a:fontRef idx="minor">
+            <a:schemeClr val="tx1"/>
+          </a:fontRef>
+        </p:style>
+      </p:cxnSp>
+      <p:pic>
+        <p:nvPicPr>
+          <p:cNvPr id="39" name="Grafik 38">
+            <a:extLst>
+              <a:ext uri="{FF2B5EF4-FFF2-40B4-BE49-F238E27FC236}">
+                <a16:creationId xmlns:a16="http://schemas.microsoft.com/office/drawing/2014/main" id="{83A8EE2E-0954-6F9A-1734-5FCF5AFB3FA0}"/>
+              </a:ext>
+            </a:extLst>
+          </p:cNvPr>
+          <p:cNvPicPr>
+            <a:picLocks noChangeAspect="1"/>
+          </p:cNvPicPr>
+          <p:nvPr/>
+        </p:nvPicPr>
+        <p:blipFill>
+          <a:blip r:embed="rId3"/>
+          <a:stretch>
+            <a:fillRect/>
+          </a:stretch>
+        </p:blipFill>
+        <p:spPr>
+          <a:xfrm>
+            <a:off x="7644639" y="107468"/>
+            <a:ext cx="1385921" cy="1236316"/>
+          </a:xfrm>
+          <a:prstGeom prst="rect">
+            <a:avLst/>
+          </a:prstGeom>
+        </p:spPr>
+      </p:pic>
+      <p:cxnSp>
+        <p:nvCxnSpPr>
+          <p:cNvPr id="42" name="Gerader Verbinder 41">
+            <a:extLst>
+              <a:ext uri="{FF2B5EF4-FFF2-40B4-BE49-F238E27FC236}">
+                <a16:creationId xmlns:a16="http://schemas.microsoft.com/office/drawing/2014/main" id="{916F5C3D-50C3-059D-6772-1DD70D5E9604}"/>
+              </a:ext>
+            </a:extLst>
+          </p:cNvPr>
+          <p:cNvCxnSpPr>
+            <a:cxnSpLocks/>
+          </p:cNvCxnSpPr>
+          <p:nvPr/>
+        </p:nvCxnSpPr>
+        <p:spPr>
+          <a:xfrm>
+            <a:off x="628650" y="5378847"/>
+            <a:ext cx="7414752" cy="0"/>
+          </a:xfrm>
+          <a:prstGeom prst="line">
+            <a:avLst/>
+          </a:prstGeom>
+          <a:ln>
+            <a:solidFill>
+              <a:srgbClr val="10A1EA"/>
+            </a:solidFill>
+          </a:ln>
+        </p:spPr>
+        <p:style>
+          <a:lnRef idx="1">
+            <a:schemeClr val="accent1"/>
+          </a:lnRef>
+          <a:fillRef idx="0">
+            <a:schemeClr val="accent1"/>
+          </a:fillRef>
+          <a:effectRef idx="0">
+            <a:schemeClr val="accent1"/>
+          </a:effectRef>
+          <a:fontRef idx="minor">
+            <a:schemeClr val="tx1"/>
+          </a:fontRef>
+        </p:style>
+      </p:cxnSp>
+      <p:pic>
+        <p:nvPicPr>
+          <p:cNvPr id="45" name="Grafik 44" descr="Monatskalender Silhouette">
+            <a:extLst>
+              <a:ext uri="{FF2B5EF4-FFF2-40B4-BE49-F238E27FC236}">
+                <a16:creationId xmlns:a16="http://schemas.microsoft.com/office/drawing/2014/main" id="{ADE41C17-DE6A-3F4F-C168-68D57E9362E4}"/>
+              </a:ext>
+            </a:extLst>
+          </p:cNvPr>
+          <p:cNvPicPr>
+            <a:picLocks noChangeAspect="1"/>
+          </p:cNvPicPr>
+          <p:nvPr/>
+        </p:nvPicPr>
+        <p:blipFill>
+          <a:blip r:embed="rId4">
+            <a:extLst>
+              <a:ext uri="{28A0092B-C50C-407E-A947-70E740481C1C}">
+                <a14:useLocalDpi xmlns:a14="http://schemas.microsoft.com/office/drawing/2010/main" val="0"/>
+              </a:ext>
+              <a:ext uri="{96DAC541-7B7A-43D3-8B79-37D633B846F1}">
+                <asvg:svgBlip xmlns:asvg="http://schemas.microsoft.com/office/drawing/2016/SVG/main" r:embed="rId5"/>
+              </a:ext>
+            </a:extLst>
+          </a:blip>
+          <a:stretch>
+            <a:fillRect/>
+          </a:stretch>
+        </p:blipFill>
+        <p:spPr>
+          <a:xfrm>
+            <a:off x="147948" y="3234705"/>
+            <a:ext cx="406921" cy="406921"/>
+          </a:xfrm>
+          <a:prstGeom prst="rect">
+            <a:avLst/>
+          </a:prstGeom>
+        </p:spPr>
+      </p:pic>
+      <p:pic>
+        <p:nvPicPr>
+          <p:cNvPr id="49" name="Grafik 48" descr="DNA Silhouette">
+            <a:extLst>
+              <a:ext uri="{FF2B5EF4-FFF2-40B4-BE49-F238E27FC236}">
+                <a16:creationId xmlns:a16="http://schemas.microsoft.com/office/drawing/2014/main" id="{6DEF5C3C-BCD8-CE26-6A1F-44421E61A3CA}"/>
+              </a:ext>
+            </a:extLst>
+          </p:cNvPr>
+          <p:cNvPicPr>
+            <a:picLocks noChangeAspect="1"/>
+          </p:cNvPicPr>
+          <p:nvPr/>
+        </p:nvPicPr>
+        <p:blipFill>
+          <a:blip r:embed="rId6">
+            <a:extLst>
+              <a:ext uri="{28A0092B-C50C-407E-A947-70E740481C1C}">
+                <a14:useLocalDpi xmlns:a14="http://schemas.microsoft.com/office/drawing/2010/main" val="0"/>
+              </a:ext>
+              <a:ext uri="{96DAC541-7B7A-43D3-8B79-37D633B846F1}">
+                <asvg:svgBlip xmlns:asvg="http://schemas.microsoft.com/office/drawing/2016/SVG/main" r:embed="rId7"/>
+              </a:ext>
+            </a:extLst>
+          </a:blip>
+          <a:stretch>
+            <a:fillRect/>
+          </a:stretch>
+        </p:blipFill>
+        <p:spPr>
+          <a:xfrm>
+            <a:off x="143735" y="872897"/>
+            <a:ext cx="406921" cy="406921"/>
+          </a:xfrm>
+          <a:prstGeom prst="rect">
+            <a:avLst/>
+          </a:prstGeom>
+        </p:spPr>
+      </p:pic>
+      <p:pic>
+        <p:nvPicPr>
+          <p:cNvPr id="53" name="Grafik 52" descr="Balkendiagramm mit einfarbiger Füllung">
+            <a:extLst>
+              <a:ext uri="{FF2B5EF4-FFF2-40B4-BE49-F238E27FC236}">
+                <a16:creationId xmlns:a16="http://schemas.microsoft.com/office/drawing/2014/main" id="{AB79FB33-E613-4BA8-9EB6-7A65F1DCEBBD}"/>
+              </a:ext>
+            </a:extLst>
+          </p:cNvPr>
+          <p:cNvPicPr>
+            <a:picLocks noChangeAspect="1"/>
+          </p:cNvPicPr>
+          <p:nvPr/>
+        </p:nvPicPr>
+        <p:blipFill>
+          <a:blip r:embed="rId8">
+            <a:extLst>
+              <a:ext uri="{28A0092B-C50C-407E-A947-70E740481C1C}">
+                <a14:useLocalDpi xmlns:a14="http://schemas.microsoft.com/office/drawing/2010/main" val="0"/>
+              </a:ext>
+              <a:ext uri="{96DAC541-7B7A-43D3-8B79-37D633B846F1}">
+                <asvg:svgBlip xmlns:asvg="http://schemas.microsoft.com/office/drawing/2016/SVG/main" r:embed="rId9"/>
+              </a:ext>
+            </a:extLst>
+          </a:blip>
+          <a:stretch>
+            <a:fillRect/>
+          </a:stretch>
+        </p:blipFill>
+        <p:spPr>
+          <a:xfrm>
+            <a:off x="161825" y="2053186"/>
+            <a:ext cx="406921" cy="406921"/>
+          </a:xfrm>
+          <a:prstGeom prst="rect">
+            <a:avLst/>
+          </a:prstGeom>
+        </p:spPr>
+      </p:pic>
+      <p:pic>
+        <p:nvPicPr>
+          <p:cNvPr id="57" name="Grafik 56" descr="Benutzer Silhouette">
+            <a:extLst>
+              <a:ext uri="{FF2B5EF4-FFF2-40B4-BE49-F238E27FC236}">
+                <a16:creationId xmlns:a16="http://schemas.microsoft.com/office/drawing/2014/main" id="{FAF1D196-7D05-3E8B-77EB-98DB84254DF3}"/>
+              </a:ext>
+            </a:extLst>
+          </p:cNvPr>
+          <p:cNvPicPr>
+            <a:picLocks noChangeAspect="1"/>
+          </p:cNvPicPr>
+          <p:nvPr/>
+        </p:nvPicPr>
+        <p:blipFill>
+          <a:blip r:embed="rId10">
+            <a:extLst>
+              <a:ext uri="{28A0092B-C50C-407E-A947-70E740481C1C}">
+                <a14:useLocalDpi xmlns:a14="http://schemas.microsoft.com/office/drawing/2010/main" val="0"/>
+              </a:ext>
+              <a:ext uri="{96DAC541-7B7A-43D3-8B79-37D633B846F1}">
+                <asvg:svgBlip xmlns:asvg="http://schemas.microsoft.com/office/drawing/2016/SVG/main" r:embed="rId11"/>
+              </a:ext>
+            </a:extLst>
+          </a:blip>
+          <a:stretch>
+            <a:fillRect/>
+          </a:stretch>
+        </p:blipFill>
+        <p:spPr>
+          <a:xfrm>
+            <a:off x="147949" y="4415609"/>
+            <a:ext cx="406921" cy="406921"/>
+          </a:xfrm>
+          <a:prstGeom prst="rect">
+            <a:avLst/>
+          </a:prstGeom>
+        </p:spPr>
+      </p:pic>
+    </p:spTree>
+    <p:extLst>
+      <p:ext uri="{BB962C8B-B14F-4D97-AF65-F5344CB8AC3E}">
+        <p14:creationId xmlns:p14="http://schemas.microsoft.com/office/powerpoint/2010/main" val="3115420722"/>
+      </p:ext>
+    </p:extLst>
+  </p:cSld>
+  <p:clrMapOvr>
+    <a:masterClrMapping/>
+  </p:clrMapOvr>
+</p:sld>
+</file>
+
+<file path=ppt/slides/slide9.xml><?xml version="1.0" encoding="utf-8"?>
+<p:sld xmlns:a="http://schemas.openxmlformats.org/drawingml/2006/main" xmlns:r="http://schemas.openxmlformats.org/officeDocument/2006/relationships" xmlns:p="http://schemas.openxmlformats.org/presentationml/2006/main">
+  <p:cSld>
+    <p:spTree>
+      <p:nvGrpSpPr>
+        <p:cNvPr id="1" name=""/>
+        <p:cNvGrpSpPr/>
+        <p:nvPr/>
+      </p:nvGrpSpPr>
+      <p:grpSpPr>
+        <a:xfrm>
+          <a:off x="0" y="0"/>
+          <a:ext cx="0" cy="0"/>
+          <a:chOff x="0" y="0"/>
+          <a:chExt cx="0" cy="0"/>
+        </a:xfrm>
+      </p:grpSpPr>
+      <p:sp>
+        <p:nvSpPr>
+          <p:cNvPr id="9" name="Datumsplatzhalter 8">
+            <a:extLst>
+              <a:ext uri="{FF2B5EF4-FFF2-40B4-BE49-F238E27FC236}">
+                <a16:creationId xmlns:a16="http://schemas.microsoft.com/office/drawing/2014/main" id="{B2E44AFA-B29A-4513-B164-74DF574E302B}"/>
+              </a:ext>
+            </a:extLst>
+          </p:cNvPr>
+          <p:cNvSpPr>
+            <a:spLocks noGrp="1"/>
+          </p:cNvSpPr>
+          <p:nvPr>
+            <p:ph type="dt" sz="half" idx="10"/>
+          </p:nvPr>
+        </p:nvSpPr>
+        <p:spPr>
+          <a:xfrm>
+            <a:off x="628650" y="5357247"/>
+            <a:ext cx="2057400" cy="304271"/>
+          </a:xfrm>
+        </p:spPr>
+        <p:txBody>
+          <a:bodyPr/>
+          <a:lstStyle/>
+          <a:p>
+            <a:fld id="{4ABD6D1D-9BE7-4B6A-B4D1-FD497C782274}" type="datetime1">
+              <a:rPr lang="de-DE" smtClean="0">
+                <a:solidFill>
+                  <a:srgbClr val="2E4186"/>
+                </a:solidFill>
+              </a:rPr>
+              <a:t>17.05.2022</a:t>
+            </a:fld>
+            <a:endParaRPr lang="de-DE" dirty="0">
+              <a:solidFill>
+                <a:srgbClr val="2E4186"/>
+              </a:solidFill>
+            </a:endParaRPr>
+          </a:p>
+        </p:txBody>
+      </p:sp>
+      <p:sp>
+        <p:nvSpPr>
+          <p:cNvPr id="13" name="Textfeld 12">
+            <a:extLst>
+              <a:ext uri="{FF2B5EF4-FFF2-40B4-BE49-F238E27FC236}">
+                <a16:creationId xmlns:a16="http://schemas.microsoft.com/office/drawing/2014/main" id="{88E434CB-53F2-43DE-989A-34F83773913E}"/>
+              </a:ext>
+            </a:extLst>
+          </p:cNvPr>
+          <p:cNvSpPr txBox="1"/>
+          <p:nvPr/>
+        </p:nvSpPr>
+        <p:spPr>
+          <a:xfrm>
+            <a:off x="855423" y="295945"/>
+            <a:ext cx="7187979" cy="584775"/>
+          </a:xfrm>
+          <a:prstGeom prst="rect">
+            <a:avLst/>
+          </a:prstGeom>
+          <a:noFill/>
+        </p:spPr>
+        <p:txBody>
+          <a:bodyPr wrap="square" rtlCol="0">
+            <a:spAutoFit/>
+          </a:bodyPr>
+          <a:lstStyle/>
+          <a:p>
+            <a:r>
+              <a:rPr lang="de-DE" sz="3200" dirty="0">
+                <a:latin typeface="+mj-lt"/>
+              </a:rPr>
+              <a:t>1. Array </a:t>
+            </a:r>
+            <a:r>
+              <a:rPr lang="de-DE" sz="3200" dirty="0" err="1">
+                <a:latin typeface="+mj-lt"/>
+              </a:rPr>
+              <a:t>surface</a:t>
+            </a:r>
+            <a:r>
+              <a:rPr lang="de-DE" sz="3200" dirty="0">
+                <a:latin typeface="+mj-lt"/>
+              </a:rPr>
+              <a:t> </a:t>
+            </a:r>
+            <a:r>
+              <a:rPr lang="de-DE" sz="3200" dirty="0" err="1">
+                <a:latin typeface="+mj-lt"/>
+              </a:rPr>
+              <a:t>images</a:t>
+            </a:r>
+            <a:r>
+              <a:rPr lang="de-DE" sz="3200" dirty="0">
+                <a:latin typeface="+mj-lt"/>
+              </a:rPr>
+              <a:t> (QC)</a:t>
+            </a:r>
+          </a:p>
+        </p:txBody>
+      </p:sp>
+      <p:cxnSp>
+        <p:nvCxnSpPr>
+          <p:cNvPr id="14" name="Gerader Verbinder 13">
+            <a:extLst>
+              <a:ext uri="{FF2B5EF4-FFF2-40B4-BE49-F238E27FC236}">
+                <a16:creationId xmlns:a16="http://schemas.microsoft.com/office/drawing/2014/main" id="{1CDE483F-007A-4AB6-9094-9439F0148193}"/>
+              </a:ext>
+            </a:extLst>
+          </p:cNvPr>
+          <p:cNvCxnSpPr>
+            <a:cxnSpLocks/>
+          </p:cNvCxnSpPr>
+          <p:nvPr/>
+        </p:nvCxnSpPr>
+        <p:spPr>
+          <a:xfrm>
+            <a:off x="726619" y="849404"/>
+            <a:ext cx="6854981" cy="0"/>
+          </a:xfrm>
+          <a:prstGeom prst="line">
+            <a:avLst/>
+          </a:prstGeom>
+          <a:ln>
+            <a:solidFill>
+              <a:srgbClr val="10A1EA"/>
+            </a:solidFill>
+          </a:ln>
+        </p:spPr>
+        <p:style>
+          <a:lnRef idx="1">
+            <a:schemeClr val="accent1"/>
+          </a:lnRef>
+          <a:fillRef idx="0">
+            <a:schemeClr val="accent1"/>
+          </a:fillRef>
+          <a:effectRef idx="0">
+            <a:schemeClr val="accent1"/>
+          </a:effectRef>
+          <a:fontRef idx="minor">
+            <a:schemeClr val="tx1"/>
+          </a:fontRef>
+        </p:style>
+      </p:cxnSp>
+      <p:sp>
+        <p:nvSpPr>
+          <p:cNvPr id="24" name="Rechteck 23">
+            <a:extLst>
+              <a:ext uri="{FF2B5EF4-FFF2-40B4-BE49-F238E27FC236}">
+                <a16:creationId xmlns:a16="http://schemas.microsoft.com/office/drawing/2014/main" id="{85AA2DAF-4E4E-60E3-5793-E5162487086D}"/>
+              </a:ext>
+            </a:extLst>
+          </p:cNvPr>
+          <p:cNvSpPr/>
+          <p:nvPr/>
+        </p:nvSpPr>
+        <p:spPr>
+          <a:xfrm>
+            <a:off x="152780" y="0"/>
+            <a:ext cx="406921" cy="5715000"/>
+          </a:xfrm>
+          <a:prstGeom prst="rect">
+            <a:avLst/>
+          </a:prstGeom>
+          <a:gradFill>
+            <a:gsLst>
+              <a:gs pos="2000">
+                <a:schemeClr val="bg1">
+                  <a:alpha val="91000"/>
+                </a:schemeClr>
+              </a:gs>
+              <a:gs pos="95000">
+                <a:schemeClr val="bg1"/>
+              </a:gs>
+              <a:gs pos="75000">
+                <a:srgbClr val="12D4E8"/>
+              </a:gs>
+              <a:gs pos="58000">
+                <a:srgbClr val="10A1EA"/>
+              </a:gs>
+              <a:gs pos="15000">
+                <a:srgbClr val="12D4E8"/>
+              </a:gs>
+              <a:gs pos="35000">
+                <a:srgbClr val="175CF5"/>
+              </a:gs>
+              <a:gs pos="26000">
+                <a:srgbClr val="10A1EA"/>
+              </a:gs>
+              <a:gs pos="46000">
+                <a:srgbClr val="175CF5"/>
+              </a:gs>
+            </a:gsLst>
+            <a:lin ang="5400000" scaled="1"/>
+          </a:gradFill>
+          <a:ln>
+            <a:noFill/>
+          </a:ln>
+          <a:effectLst>
+            <a:softEdge rad="38100"/>
+          </a:effectLst>
+        </p:spPr>
+        <p:style>
+          <a:lnRef idx="2">
+            <a:schemeClr val="accent1">
+              <a:shade val="50000"/>
+            </a:schemeClr>
+          </a:lnRef>
+          <a:fillRef idx="1">
+            <a:schemeClr val="accent1"/>
+          </a:fillRef>
+          <a:effectRef idx="0">
+            <a:schemeClr val="accent1"/>
+          </a:effectRef>
+          <a:fontRef idx="minor">
+            <a:schemeClr val="lt1"/>
+          </a:fontRef>
+        </p:style>
+        <p:txBody>
+          <a:bodyPr rot="0" spcFirstLastPara="0" vert="horz" wrap="square" lIns="91440" tIns="45720" rIns="91440" bIns="45720" numCol="1" spcCol="0" rtlCol="0" fromWordArt="0" anchor="ctr" anchorCtr="0" forceAA="0" compatLnSpc="1">
+            <a:prstTxWarp prst="textNoShape">
+              <a:avLst/>
+            </a:prstTxWarp>
+            <a:noAutofit/>
+          </a:bodyPr>
+          <a:lstStyle/>
+          <a:p>
+            <a:endParaRPr lang="de-DE"/>
+          </a:p>
+        </p:txBody>
+      </p:sp>
+      <p:sp>
+        <p:nvSpPr>
+          <p:cNvPr id="2" name="Foliennummernplatzhalter 1">
+            <a:extLst>
+              <a:ext uri="{FF2B5EF4-FFF2-40B4-BE49-F238E27FC236}">
+                <a16:creationId xmlns:a16="http://schemas.microsoft.com/office/drawing/2014/main" id="{7127E193-062B-1452-70A0-30F77337207F}"/>
+              </a:ext>
+            </a:extLst>
+          </p:cNvPr>
+          <p:cNvSpPr>
+            <a:spLocks noGrp="1"/>
+          </p:cNvSpPr>
+          <p:nvPr>
+            <p:ph type="sldNum" sz="quarter" idx="12"/>
+          </p:nvPr>
+        </p:nvSpPr>
+        <p:spPr>
+          <a:xfrm>
+            <a:off x="6774750" y="5325759"/>
+            <a:ext cx="2057400" cy="304271"/>
+          </a:xfrm>
+        </p:spPr>
+        <p:txBody>
+          <a:bodyPr/>
+          <a:lstStyle/>
+          <a:p>
+            <a:fld id="{D3D8A29C-259F-45D5-BFFA-A48772AC905C}" type="slidenum">
+              <a:rPr lang="de-DE" smtClean="0">
+                <a:solidFill>
+                  <a:srgbClr val="2E4186"/>
+                </a:solidFill>
+              </a:rPr>
+              <a:t>9</a:t>
             </a:fld>
             <a:endParaRPr lang="de-DE" dirty="0">
               <a:solidFill>
@@ -23021,875 +25283,6 @@
 </p:sld>
 </file>
 
-<file path=ppt/slides/slide9.xml><?xml version="1.0" encoding="utf-8"?>
-<p:sld xmlns:a="http://schemas.openxmlformats.org/drawingml/2006/main" xmlns:r="http://schemas.openxmlformats.org/officeDocument/2006/relationships" xmlns:p="http://schemas.openxmlformats.org/presentationml/2006/main">
-  <p:cSld>
-    <p:spTree>
-      <p:nvGrpSpPr>
-        <p:cNvPr id="1" name=""/>
-        <p:cNvGrpSpPr/>
-        <p:nvPr/>
-      </p:nvGrpSpPr>
-      <p:grpSpPr>
-        <a:xfrm>
-          <a:off x="0" y="0"/>
-          <a:ext cx="0" cy="0"/>
-          <a:chOff x="0" y="0"/>
-          <a:chExt cx="0" cy="0"/>
-        </a:xfrm>
-      </p:grpSpPr>
-      <p:sp>
-        <p:nvSpPr>
-          <p:cNvPr id="9" name="Datumsplatzhalter 8">
-            <a:extLst>
-              <a:ext uri="{FF2B5EF4-FFF2-40B4-BE49-F238E27FC236}">
-                <a16:creationId xmlns:a16="http://schemas.microsoft.com/office/drawing/2014/main" id="{B2E44AFA-B29A-4513-B164-74DF574E302B}"/>
-              </a:ext>
-            </a:extLst>
-          </p:cNvPr>
-          <p:cNvSpPr>
-            <a:spLocks noGrp="1"/>
-          </p:cNvSpPr>
-          <p:nvPr>
-            <p:ph type="dt" sz="half" idx="10"/>
-          </p:nvPr>
-        </p:nvSpPr>
-        <p:spPr>
-          <a:xfrm>
-            <a:off x="628650" y="5357247"/>
-            <a:ext cx="2057400" cy="304271"/>
-          </a:xfrm>
-        </p:spPr>
-        <p:txBody>
-          <a:bodyPr/>
-          <a:lstStyle/>
-          <a:p>
-            <a:fld id="{4ABD6D1D-9BE7-4B6A-B4D1-FD497C782274}" type="datetime1">
-              <a:rPr lang="de-DE" smtClean="0">
-                <a:solidFill>
-                  <a:srgbClr val="2E4186"/>
-                </a:solidFill>
-              </a:rPr>
-              <a:t>17.05.2022</a:t>
-            </a:fld>
-            <a:endParaRPr lang="de-DE" dirty="0">
-              <a:solidFill>
-                <a:srgbClr val="2E4186"/>
-              </a:solidFill>
-            </a:endParaRPr>
-          </a:p>
-        </p:txBody>
-      </p:sp>
-      <p:sp>
-        <p:nvSpPr>
-          <p:cNvPr id="13" name="Textfeld 12">
-            <a:extLst>
-              <a:ext uri="{FF2B5EF4-FFF2-40B4-BE49-F238E27FC236}">
-                <a16:creationId xmlns:a16="http://schemas.microsoft.com/office/drawing/2014/main" id="{88E434CB-53F2-43DE-989A-34F83773913E}"/>
-              </a:ext>
-            </a:extLst>
-          </p:cNvPr>
-          <p:cNvSpPr txBox="1"/>
-          <p:nvPr/>
-        </p:nvSpPr>
-        <p:spPr>
-          <a:xfrm>
-            <a:off x="855423" y="295945"/>
-            <a:ext cx="7187979" cy="1077218"/>
-          </a:xfrm>
-          <a:prstGeom prst="rect">
-            <a:avLst/>
-          </a:prstGeom>
-          <a:noFill/>
-        </p:spPr>
-        <p:txBody>
-          <a:bodyPr wrap="square" rtlCol="0">
-            <a:spAutoFit/>
-          </a:bodyPr>
-          <a:lstStyle/>
-          <a:p>
-            <a:r>
-              <a:rPr lang="de-DE" sz="3200" dirty="0">
-                <a:latin typeface="+mj-lt"/>
-              </a:rPr>
-              <a:t>2. Expression </a:t>
-            </a:r>
-            <a:r>
-              <a:rPr lang="de-DE" sz="3200" dirty="0" err="1">
-                <a:latin typeface="+mj-lt"/>
-              </a:rPr>
-              <a:t>boxplot</a:t>
-            </a:r>
-            <a:r>
-              <a:rPr lang="de-DE" sz="3200" dirty="0">
-                <a:latin typeface="+mj-lt"/>
-              </a:rPr>
-              <a:t> </a:t>
-            </a:r>
-            <a:r>
-              <a:rPr lang="de-DE" sz="3200" dirty="0" err="1">
-                <a:latin typeface="+mj-lt"/>
-              </a:rPr>
-              <a:t>vsnrma</a:t>
-            </a:r>
-            <a:r>
-              <a:rPr lang="de-DE" sz="3200" dirty="0">
-                <a:latin typeface="+mj-lt"/>
-              </a:rPr>
-              <a:t> </a:t>
-            </a:r>
-            <a:r>
-              <a:rPr lang="de-DE" sz="3200" dirty="0" err="1">
-                <a:latin typeface="+mj-lt"/>
-              </a:rPr>
-              <a:t>normalized</a:t>
-            </a:r>
-            <a:r>
-              <a:rPr lang="de-DE" sz="3200" dirty="0">
-                <a:latin typeface="+mj-lt"/>
-              </a:rPr>
-              <a:t> (QC)</a:t>
-            </a:r>
-          </a:p>
-        </p:txBody>
-      </p:sp>
-      <p:cxnSp>
-        <p:nvCxnSpPr>
-          <p:cNvPr id="14" name="Gerader Verbinder 13">
-            <a:extLst>
-              <a:ext uri="{FF2B5EF4-FFF2-40B4-BE49-F238E27FC236}">
-                <a16:creationId xmlns:a16="http://schemas.microsoft.com/office/drawing/2014/main" id="{1CDE483F-007A-4AB6-9094-9439F0148193}"/>
-              </a:ext>
-            </a:extLst>
-          </p:cNvPr>
-          <p:cNvCxnSpPr>
-            <a:cxnSpLocks/>
-          </p:cNvCxnSpPr>
-          <p:nvPr/>
-        </p:nvCxnSpPr>
-        <p:spPr>
-          <a:xfrm>
-            <a:off x="726619" y="849404"/>
-            <a:ext cx="6854981" cy="0"/>
-          </a:xfrm>
-          <a:prstGeom prst="line">
-            <a:avLst/>
-          </a:prstGeom>
-          <a:ln>
-            <a:solidFill>
-              <a:srgbClr val="10A1EA"/>
-            </a:solidFill>
-          </a:ln>
-        </p:spPr>
-        <p:style>
-          <a:lnRef idx="1">
-            <a:schemeClr val="accent1"/>
-          </a:lnRef>
-          <a:fillRef idx="0">
-            <a:schemeClr val="accent1"/>
-          </a:fillRef>
-          <a:effectRef idx="0">
-            <a:schemeClr val="accent1"/>
-          </a:effectRef>
-          <a:fontRef idx="minor">
-            <a:schemeClr val="tx1"/>
-          </a:fontRef>
-        </p:style>
-      </p:cxnSp>
-      <p:sp>
-        <p:nvSpPr>
-          <p:cNvPr id="24" name="Rechteck 23">
-            <a:extLst>
-              <a:ext uri="{FF2B5EF4-FFF2-40B4-BE49-F238E27FC236}">
-                <a16:creationId xmlns:a16="http://schemas.microsoft.com/office/drawing/2014/main" id="{85AA2DAF-4E4E-60E3-5793-E5162487086D}"/>
-              </a:ext>
-            </a:extLst>
-          </p:cNvPr>
-          <p:cNvSpPr/>
-          <p:nvPr/>
-        </p:nvSpPr>
-        <p:spPr>
-          <a:xfrm>
-            <a:off x="152780" y="0"/>
-            <a:ext cx="406921" cy="5715000"/>
-          </a:xfrm>
-          <a:prstGeom prst="rect">
-            <a:avLst/>
-          </a:prstGeom>
-          <a:gradFill>
-            <a:gsLst>
-              <a:gs pos="2000">
-                <a:schemeClr val="bg1">
-                  <a:alpha val="91000"/>
-                </a:schemeClr>
-              </a:gs>
-              <a:gs pos="95000">
-                <a:schemeClr val="bg1"/>
-              </a:gs>
-              <a:gs pos="75000">
-                <a:srgbClr val="12D4E8"/>
-              </a:gs>
-              <a:gs pos="58000">
-                <a:srgbClr val="10A1EA"/>
-              </a:gs>
-              <a:gs pos="15000">
-                <a:srgbClr val="12D4E8"/>
-              </a:gs>
-              <a:gs pos="35000">
-                <a:srgbClr val="175CF5"/>
-              </a:gs>
-              <a:gs pos="26000">
-                <a:srgbClr val="10A1EA"/>
-              </a:gs>
-              <a:gs pos="46000">
-                <a:srgbClr val="175CF5"/>
-              </a:gs>
-            </a:gsLst>
-            <a:lin ang="5400000" scaled="1"/>
-          </a:gradFill>
-          <a:ln>
-            <a:noFill/>
-          </a:ln>
-          <a:effectLst>
-            <a:softEdge rad="38100"/>
-          </a:effectLst>
-        </p:spPr>
-        <p:style>
-          <a:lnRef idx="2">
-            <a:schemeClr val="accent1">
-              <a:shade val="50000"/>
-            </a:schemeClr>
-          </a:lnRef>
-          <a:fillRef idx="1">
-            <a:schemeClr val="accent1"/>
-          </a:fillRef>
-          <a:effectRef idx="0">
-            <a:schemeClr val="accent1"/>
-          </a:effectRef>
-          <a:fontRef idx="minor">
-            <a:schemeClr val="lt1"/>
-          </a:fontRef>
-        </p:style>
-        <p:txBody>
-          <a:bodyPr rot="0" spcFirstLastPara="0" vert="horz" wrap="square" lIns="91440" tIns="45720" rIns="91440" bIns="45720" numCol="1" spcCol="0" rtlCol="0" fromWordArt="0" anchor="ctr" anchorCtr="0" forceAA="0" compatLnSpc="1">
-            <a:prstTxWarp prst="textNoShape">
-              <a:avLst/>
-            </a:prstTxWarp>
-            <a:noAutofit/>
-          </a:bodyPr>
-          <a:lstStyle/>
-          <a:p>
-            <a:endParaRPr lang="de-DE"/>
-          </a:p>
-        </p:txBody>
-      </p:sp>
-      <p:sp>
-        <p:nvSpPr>
-          <p:cNvPr id="2" name="Foliennummernplatzhalter 1">
-            <a:extLst>
-              <a:ext uri="{FF2B5EF4-FFF2-40B4-BE49-F238E27FC236}">
-                <a16:creationId xmlns:a16="http://schemas.microsoft.com/office/drawing/2014/main" id="{7127E193-062B-1452-70A0-30F77337207F}"/>
-              </a:ext>
-            </a:extLst>
-          </p:cNvPr>
-          <p:cNvSpPr>
-            <a:spLocks noGrp="1"/>
-          </p:cNvSpPr>
-          <p:nvPr>
-            <p:ph type="sldNum" sz="quarter" idx="12"/>
-          </p:nvPr>
-        </p:nvSpPr>
-        <p:spPr>
-          <a:xfrm>
-            <a:off x="6774750" y="5325759"/>
-            <a:ext cx="2057400" cy="304271"/>
-          </a:xfrm>
-        </p:spPr>
-        <p:txBody>
-          <a:bodyPr/>
-          <a:lstStyle/>
-          <a:p>
-            <a:fld id="{D3D8A29C-259F-45D5-BFFA-A48772AC905C}" type="slidenum">
-              <a:rPr lang="de-DE" smtClean="0">
-                <a:solidFill>
-                  <a:srgbClr val="2E4186"/>
-                </a:solidFill>
-              </a:rPr>
-              <a:t>9</a:t>
-            </a:fld>
-            <a:endParaRPr lang="de-DE" dirty="0">
-              <a:solidFill>
-                <a:srgbClr val="2E4186"/>
-              </a:solidFill>
-            </a:endParaRPr>
-          </a:p>
-        </p:txBody>
-      </p:sp>
-      <p:cxnSp>
-        <p:nvCxnSpPr>
-          <p:cNvPr id="23" name="Gerader Verbinder 22">
-            <a:extLst>
-              <a:ext uri="{FF2B5EF4-FFF2-40B4-BE49-F238E27FC236}">
-                <a16:creationId xmlns:a16="http://schemas.microsoft.com/office/drawing/2014/main" id="{F400FDB4-FD57-FB87-F549-2AF5E6E1AE51}"/>
-              </a:ext>
-            </a:extLst>
-          </p:cNvPr>
-          <p:cNvCxnSpPr>
-            <a:cxnSpLocks/>
-          </p:cNvCxnSpPr>
-          <p:nvPr/>
-        </p:nvCxnSpPr>
-        <p:spPr>
-          <a:xfrm flipH="1">
-            <a:off x="8832150" y="4805914"/>
-            <a:ext cx="311850" cy="909086"/>
-          </a:xfrm>
-          <a:prstGeom prst="line">
-            <a:avLst/>
-          </a:prstGeom>
-          <a:ln>
-            <a:solidFill>
-              <a:srgbClr val="10A1EA"/>
-            </a:solidFill>
-          </a:ln>
-        </p:spPr>
-        <p:style>
-          <a:lnRef idx="1">
-            <a:schemeClr val="accent1"/>
-          </a:lnRef>
-          <a:fillRef idx="0">
-            <a:schemeClr val="accent1"/>
-          </a:fillRef>
-          <a:effectRef idx="0">
-            <a:schemeClr val="accent1"/>
-          </a:effectRef>
-          <a:fontRef idx="minor">
-            <a:schemeClr val="tx1"/>
-          </a:fontRef>
-        </p:style>
-      </p:cxnSp>
-      <p:pic>
-        <p:nvPicPr>
-          <p:cNvPr id="39" name="Grafik 38">
-            <a:extLst>
-              <a:ext uri="{FF2B5EF4-FFF2-40B4-BE49-F238E27FC236}">
-                <a16:creationId xmlns:a16="http://schemas.microsoft.com/office/drawing/2014/main" id="{83A8EE2E-0954-6F9A-1734-5FCF5AFB3FA0}"/>
-              </a:ext>
-            </a:extLst>
-          </p:cNvPr>
-          <p:cNvPicPr>
-            <a:picLocks noChangeAspect="1"/>
-          </p:cNvPicPr>
-          <p:nvPr/>
-        </p:nvPicPr>
-        <p:blipFill>
-          <a:blip r:embed="rId3"/>
-          <a:stretch>
-            <a:fillRect/>
-          </a:stretch>
-        </p:blipFill>
-        <p:spPr>
-          <a:xfrm>
-            <a:off x="7644639" y="107468"/>
-            <a:ext cx="1385921" cy="1236316"/>
-          </a:xfrm>
-          <a:prstGeom prst="rect">
-            <a:avLst/>
-          </a:prstGeom>
-        </p:spPr>
-      </p:pic>
-      <p:cxnSp>
-        <p:nvCxnSpPr>
-          <p:cNvPr id="42" name="Gerader Verbinder 41">
-            <a:extLst>
-              <a:ext uri="{FF2B5EF4-FFF2-40B4-BE49-F238E27FC236}">
-                <a16:creationId xmlns:a16="http://schemas.microsoft.com/office/drawing/2014/main" id="{916F5C3D-50C3-059D-6772-1DD70D5E9604}"/>
-              </a:ext>
-            </a:extLst>
-          </p:cNvPr>
-          <p:cNvCxnSpPr>
-            <a:cxnSpLocks/>
-          </p:cNvCxnSpPr>
-          <p:nvPr/>
-        </p:nvCxnSpPr>
-        <p:spPr>
-          <a:xfrm>
-            <a:off x="628650" y="5378847"/>
-            <a:ext cx="7414752" cy="0"/>
-          </a:xfrm>
-          <a:prstGeom prst="line">
-            <a:avLst/>
-          </a:prstGeom>
-          <a:ln>
-            <a:solidFill>
-              <a:srgbClr val="10A1EA"/>
-            </a:solidFill>
-          </a:ln>
-        </p:spPr>
-        <p:style>
-          <a:lnRef idx="1">
-            <a:schemeClr val="accent1"/>
-          </a:lnRef>
-          <a:fillRef idx="0">
-            <a:schemeClr val="accent1"/>
-          </a:fillRef>
-          <a:effectRef idx="0">
-            <a:schemeClr val="accent1"/>
-          </a:effectRef>
-          <a:fontRef idx="minor">
-            <a:schemeClr val="tx1"/>
-          </a:fontRef>
-        </p:style>
-      </p:cxnSp>
-      <p:pic>
-        <p:nvPicPr>
-          <p:cNvPr id="45" name="Grafik 44" descr="Monatskalender Silhouette">
-            <a:extLst>
-              <a:ext uri="{FF2B5EF4-FFF2-40B4-BE49-F238E27FC236}">
-                <a16:creationId xmlns:a16="http://schemas.microsoft.com/office/drawing/2014/main" id="{ADE41C17-DE6A-3F4F-C168-68D57E9362E4}"/>
-              </a:ext>
-            </a:extLst>
-          </p:cNvPr>
-          <p:cNvPicPr>
-            <a:picLocks noChangeAspect="1"/>
-          </p:cNvPicPr>
-          <p:nvPr/>
-        </p:nvPicPr>
-        <p:blipFill>
-          <a:blip r:embed="rId4">
-            <a:extLst>
-              <a:ext uri="{28A0092B-C50C-407E-A947-70E740481C1C}">
-                <a14:useLocalDpi xmlns:a14="http://schemas.microsoft.com/office/drawing/2010/main" val="0"/>
-              </a:ext>
-              <a:ext uri="{96DAC541-7B7A-43D3-8B79-37D633B846F1}">
-                <asvg:svgBlip xmlns:asvg="http://schemas.microsoft.com/office/drawing/2016/SVG/main" r:embed="rId5"/>
-              </a:ext>
-            </a:extLst>
-          </a:blip>
-          <a:stretch>
-            <a:fillRect/>
-          </a:stretch>
-        </p:blipFill>
-        <p:spPr>
-          <a:xfrm>
-            <a:off x="147948" y="3234705"/>
-            <a:ext cx="406921" cy="406921"/>
-          </a:xfrm>
-          <a:prstGeom prst="rect">
-            <a:avLst/>
-          </a:prstGeom>
-        </p:spPr>
-      </p:pic>
-      <p:pic>
-        <p:nvPicPr>
-          <p:cNvPr id="49" name="Grafik 48" descr="DNA Silhouette">
-            <a:extLst>
-              <a:ext uri="{FF2B5EF4-FFF2-40B4-BE49-F238E27FC236}">
-                <a16:creationId xmlns:a16="http://schemas.microsoft.com/office/drawing/2014/main" id="{6DEF5C3C-BCD8-CE26-6A1F-44421E61A3CA}"/>
-              </a:ext>
-            </a:extLst>
-          </p:cNvPr>
-          <p:cNvPicPr>
-            <a:picLocks noChangeAspect="1"/>
-          </p:cNvPicPr>
-          <p:nvPr/>
-        </p:nvPicPr>
-        <p:blipFill>
-          <a:blip r:embed="rId6">
-            <a:extLst>
-              <a:ext uri="{28A0092B-C50C-407E-A947-70E740481C1C}">
-                <a14:useLocalDpi xmlns:a14="http://schemas.microsoft.com/office/drawing/2010/main" val="0"/>
-              </a:ext>
-              <a:ext uri="{96DAC541-7B7A-43D3-8B79-37D633B846F1}">
-                <asvg:svgBlip xmlns:asvg="http://schemas.microsoft.com/office/drawing/2016/SVG/main" r:embed="rId7"/>
-              </a:ext>
-            </a:extLst>
-          </a:blip>
-          <a:stretch>
-            <a:fillRect/>
-          </a:stretch>
-        </p:blipFill>
-        <p:spPr>
-          <a:xfrm>
-            <a:off x="143735" y="872897"/>
-            <a:ext cx="406921" cy="406921"/>
-          </a:xfrm>
-          <a:prstGeom prst="rect">
-            <a:avLst/>
-          </a:prstGeom>
-        </p:spPr>
-      </p:pic>
-      <p:pic>
-        <p:nvPicPr>
-          <p:cNvPr id="53" name="Grafik 52" descr="Balkendiagramm mit einfarbiger Füllung">
-            <a:extLst>
-              <a:ext uri="{FF2B5EF4-FFF2-40B4-BE49-F238E27FC236}">
-                <a16:creationId xmlns:a16="http://schemas.microsoft.com/office/drawing/2014/main" id="{AB79FB33-E613-4BA8-9EB6-7A65F1DCEBBD}"/>
-              </a:ext>
-            </a:extLst>
-          </p:cNvPr>
-          <p:cNvPicPr>
-            <a:picLocks noChangeAspect="1"/>
-          </p:cNvPicPr>
-          <p:nvPr/>
-        </p:nvPicPr>
-        <p:blipFill>
-          <a:blip r:embed="rId8">
-            <a:extLst>
-              <a:ext uri="{28A0092B-C50C-407E-A947-70E740481C1C}">
-                <a14:useLocalDpi xmlns:a14="http://schemas.microsoft.com/office/drawing/2010/main" val="0"/>
-              </a:ext>
-              <a:ext uri="{96DAC541-7B7A-43D3-8B79-37D633B846F1}">
-                <asvg:svgBlip xmlns:asvg="http://schemas.microsoft.com/office/drawing/2016/SVG/main" r:embed="rId9"/>
-              </a:ext>
-            </a:extLst>
-          </a:blip>
-          <a:stretch>
-            <a:fillRect/>
-          </a:stretch>
-        </p:blipFill>
-        <p:spPr>
-          <a:xfrm>
-            <a:off x="161825" y="2053186"/>
-            <a:ext cx="406921" cy="406921"/>
-          </a:xfrm>
-          <a:prstGeom prst="rect">
-            <a:avLst/>
-          </a:prstGeom>
-        </p:spPr>
-      </p:pic>
-      <p:pic>
-        <p:nvPicPr>
-          <p:cNvPr id="57" name="Grafik 56" descr="Benutzer Silhouette">
-            <a:extLst>
-              <a:ext uri="{FF2B5EF4-FFF2-40B4-BE49-F238E27FC236}">
-                <a16:creationId xmlns:a16="http://schemas.microsoft.com/office/drawing/2014/main" id="{FAF1D196-7D05-3E8B-77EB-98DB84254DF3}"/>
-              </a:ext>
-            </a:extLst>
-          </p:cNvPr>
-          <p:cNvPicPr>
-            <a:picLocks noChangeAspect="1"/>
-          </p:cNvPicPr>
-          <p:nvPr/>
-        </p:nvPicPr>
-        <p:blipFill>
-          <a:blip r:embed="rId10">
-            <a:extLst>
-              <a:ext uri="{28A0092B-C50C-407E-A947-70E740481C1C}">
-                <a14:useLocalDpi xmlns:a14="http://schemas.microsoft.com/office/drawing/2010/main" val="0"/>
-              </a:ext>
-              <a:ext uri="{96DAC541-7B7A-43D3-8B79-37D633B846F1}">
-                <asvg:svgBlip xmlns:asvg="http://schemas.microsoft.com/office/drawing/2016/SVG/main" r:embed="rId11"/>
-              </a:ext>
-            </a:extLst>
-          </a:blip>
-          <a:stretch>
-            <a:fillRect/>
-          </a:stretch>
-        </p:blipFill>
-        <p:spPr>
-          <a:xfrm>
-            <a:off x="147949" y="4415609"/>
-            <a:ext cx="406921" cy="406921"/>
-          </a:xfrm>
-          <a:prstGeom prst="rect">
-            <a:avLst/>
-          </a:prstGeom>
-        </p:spPr>
-      </p:pic>
-      <p:sp>
-        <p:nvSpPr>
-          <p:cNvPr id="16" name="Textfeld 15">
-            <a:extLst>
-              <a:ext uri="{FF2B5EF4-FFF2-40B4-BE49-F238E27FC236}">
-                <a16:creationId xmlns:a16="http://schemas.microsoft.com/office/drawing/2014/main" id="{62EE671E-F9A4-E7F3-16D8-8D6E11383DE3}"/>
-              </a:ext>
-            </a:extLst>
-          </p:cNvPr>
-          <p:cNvSpPr txBox="1"/>
-          <p:nvPr/>
-        </p:nvSpPr>
-        <p:spPr>
-          <a:xfrm>
-            <a:off x="858072" y="1442528"/>
-            <a:ext cx="7187978" cy="369332"/>
-          </a:xfrm>
-          <a:prstGeom prst="rect">
-            <a:avLst/>
-          </a:prstGeom>
-          <a:noFill/>
-        </p:spPr>
-        <p:txBody>
-          <a:bodyPr wrap="square" rtlCol="0">
-            <a:spAutoFit/>
-          </a:bodyPr>
-          <a:lstStyle/>
-          <a:p>
-            <a:pPr marL="285750" indent="-285750">
-              <a:buFont typeface="Arial" panose="020B0604020202020204" pitchFamily="34" charset="0"/>
-              <a:buChar char="•"/>
-            </a:pPr>
-            <a:r>
-              <a:rPr lang="de-DE" dirty="0"/>
-              <a:t>All </a:t>
-            </a:r>
-            <a:r>
-              <a:rPr lang="de-DE" dirty="0" err="1"/>
-              <a:t>chips</a:t>
-            </a:r>
-            <a:r>
-              <a:rPr lang="de-DE" dirty="0"/>
-              <a:t> in </a:t>
-            </a:r>
-            <a:r>
-              <a:rPr lang="de-DE" dirty="0" err="1"/>
-              <a:t>similar</a:t>
-            </a:r>
-            <a:r>
-              <a:rPr lang="de-DE" dirty="0"/>
-              <a:t> </a:t>
-            </a:r>
-            <a:r>
-              <a:rPr lang="de-DE" dirty="0" err="1"/>
-              <a:t>range</a:t>
-            </a:r>
-            <a:r>
-              <a:rPr lang="de-DE" dirty="0"/>
-              <a:t> after </a:t>
-            </a:r>
-            <a:r>
-              <a:rPr lang="de-DE" dirty="0" err="1"/>
-              <a:t>normalization</a:t>
-            </a:r>
-            <a:endParaRPr lang="en-US" dirty="0"/>
-          </a:p>
-        </p:txBody>
-      </p:sp>
-      <p:pic>
-        <p:nvPicPr>
-          <p:cNvPr id="4" name="Grafik 3">
-            <a:extLst>
-              <a:ext uri="{FF2B5EF4-FFF2-40B4-BE49-F238E27FC236}">
-                <a16:creationId xmlns:a16="http://schemas.microsoft.com/office/drawing/2014/main" id="{571047DF-C23F-4864-5A7B-BB6789D6B025}"/>
-              </a:ext>
-            </a:extLst>
-          </p:cNvPr>
-          <p:cNvPicPr>
-            <a:picLocks noChangeAspect="1"/>
-          </p:cNvPicPr>
-          <p:nvPr/>
-        </p:nvPicPr>
-        <p:blipFill>
-          <a:blip r:embed="rId12">
-            <a:extLst>
-              <a:ext uri="{28A0092B-C50C-407E-A947-70E740481C1C}">
-                <a14:useLocalDpi xmlns:a14="http://schemas.microsoft.com/office/drawing/2010/main" val="0"/>
-              </a:ext>
-            </a:extLst>
-          </a:blip>
-          <a:stretch>
-            <a:fillRect/>
-          </a:stretch>
-        </p:blipFill>
-        <p:spPr>
-          <a:xfrm>
-            <a:off x="4449412" y="2099630"/>
-            <a:ext cx="4300864" cy="2654247"/>
-          </a:xfrm>
-          <a:prstGeom prst="rect">
-            <a:avLst/>
-          </a:prstGeom>
-        </p:spPr>
-      </p:pic>
-      <p:sp>
-        <p:nvSpPr>
-          <p:cNvPr id="19" name="Textfeld 18">
-            <a:extLst>
-              <a:ext uri="{FF2B5EF4-FFF2-40B4-BE49-F238E27FC236}">
-                <a16:creationId xmlns:a16="http://schemas.microsoft.com/office/drawing/2014/main" id="{F6A19FC3-F16F-5405-B430-0883ADD52C3C}"/>
-              </a:ext>
-            </a:extLst>
-          </p:cNvPr>
-          <p:cNvSpPr txBox="1"/>
-          <p:nvPr/>
-        </p:nvSpPr>
-        <p:spPr>
-          <a:xfrm>
-            <a:off x="854632" y="1803351"/>
-            <a:ext cx="7839601" cy="369332"/>
-          </a:xfrm>
-          <a:prstGeom prst="rect">
-            <a:avLst/>
-          </a:prstGeom>
-          <a:noFill/>
-        </p:spPr>
-        <p:txBody>
-          <a:bodyPr wrap="square" rtlCol="0">
-            <a:spAutoFit/>
-          </a:bodyPr>
-          <a:lstStyle/>
-          <a:p>
-            <a:pPr marL="285750" indent="-285750">
-              <a:buFont typeface="Arial" panose="020B0604020202020204" pitchFamily="34" charset="0"/>
-              <a:buChar char="•"/>
-            </a:pPr>
-            <a:r>
-              <a:rPr lang="de-DE" dirty="0"/>
-              <a:t>All 18 </a:t>
-            </a:r>
-            <a:r>
-              <a:rPr lang="de-DE" dirty="0" err="1"/>
-              <a:t>chips</a:t>
-            </a:r>
-            <a:r>
-              <a:rPr lang="de-DE" dirty="0"/>
-              <a:t> </a:t>
-            </a:r>
-            <a:r>
-              <a:rPr lang="de-DE" dirty="0" err="1"/>
-              <a:t>accepted</a:t>
-            </a:r>
-            <a:endParaRPr lang="en-US" dirty="0"/>
-          </a:p>
-        </p:txBody>
-      </p:sp>
-    </p:spTree>
-    <p:extLst>
-      <p:ext uri="{BB962C8B-B14F-4D97-AF65-F5344CB8AC3E}">
-        <p14:creationId xmlns:p14="http://schemas.microsoft.com/office/powerpoint/2010/main" val="775386843"/>
-      </p:ext>
-    </p:extLst>
-  </p:cSld>
-  <p:clrMapOvr>
-    <a:masterClrMapping/>
-  </p:clrMapOvr>
-  <p:timing>
-    <p:tnLst>
-      <p:par>
-        <p:cTn id="1" dur="indefinite" restart="never" nodeType="tmRoot">
-          <p:childTnLst>
-            <p:seq concurrent="1" nextAc="seek">
-              <p:cTn id="2" dur="indefinite" nodeType="mainSeq">
-                <p:childTnLst>
-                  <p:par>
-                    <p:cTn id="3" fill="hold">
-                      <p:stCondLst>
-                        <p:cond delay="indefinite"/>
-                      </p:stCondLst>
-                      <p:childTnLst>
-                        <p:par>
-                          <p:cTn id="4" fill="hold">
-                            <p:stCondLst>
-                              <p:cond delay="0"/>
-                            </p:stCondLst>
-                            <p:childTnLst>
-                              <p:par>
-                                <p:cTn id="5" presetID="1" presetClass="entr" presetSubtype="0" fill="hold" grpId="0" nodeType="clickEffect">
-                                  <p:stCondLst>
-                                    <p:cond delay="0"/>
-                                  </p:stCondLst>
-                                  <p:childTnLst>
-                                    <p:set>
-                                      <p:cBhvr>
-                                        <p:cTn id="6" dur="1" fill="hold">
-                                          <p:stCondLst>
-                                            <p:cond delay="0"/>
-                                          </p:stCondLst>
-                                        </p:cTn>
-                                        <p:tgtEl>
-                                          <p:spTgt spid="16"/>
-                                        </p:tgtEl>
-                                        <p:attrNameLst>
-                                          <p:attrName>style.visibility</p:attrName>
-                                        </p:attrNameLst>
-                                      </p:cBhvr>
-                                      <p:to>
-                                        <p:strVal val="visible"/>
-                                      </p:to>
-                                    </p:set>
-                                  </p:childTnLst>
-                                </p:cTn>
-                              </p:par>
-                            </p:childTnLst>
-                          </p:cTn>
-                        </p:par>
-                      </p:childTnLst>
-                    </p:cTn>
-                  </p:par>
-                  <p:par>
-                    <p:cTn id="7" fill="hold">
-                      <p:stCondLst>
-                        <p:cond delay="indefinite"/>
-                      </p:stCondLst>
-                      <p:childTnLst>
-                        <p:par>
-                          <p:cTn id="8" fill="hold">
-                            <p:stCondLst>
-                              <p:cond delay="0"/>
-                            </p:stCondLst>
-                            <p:childTnLst>
-                              <p:par>
-                                <p:cTn id="9" presetID="1" presetClass="entr" presetSubtype="0" fill="hold" grpId="0" nodeType="clickEffect">
-                                  <p:stCondLst>
-                                    <p:cond delay="0"/>
-                                  </p:stCondLst>
-                                  <p:childTnLst>
-                                    <p:set>
-                                      <p:cBhvr>
-                                        <p:cTn id="10" dur="1" fill="hold">
-                                          <p:stCondLst>
-                                            <p:cond delay="0"/>
-                                          </p:stCondLst>
-                                        </p:cTn>
-                                        <p:tgtEl>
-                                          <p:spTgt spid="19"/>
-                                        </p:tgtEl>
-                                        <p:attrNameLst>
-                                          <p:attrName>style.visibility</p:attrName>
-                                        </p:attrNameLst>
-                                      </p:cBhvr>
-                                      <p:to>
-                                        <p:strVal val="visible"/>
-                                      </p:to>
-                                    </p:set>
-                                  </p:childTnLst>
-                                </p:cTn>
-                              </p:par>
-                            </p:childTnLst>
-                          </p:cTn>
-                        </p:par>
-                      </p:childTnLst>
-                    </p:cTn>
-                  </p:par>
-                </p:childTnLst>
-              </p:cTn>
-              <p:prevCondLst>
-                <p:cond evt="onPrev" delay="0">
-                  <p:tgtEl>
-                    <p:sldTgt/>
-                  </p:tgtEl>
-                </p:cond>
-              </p:prevCondLst>
-              <p:nextCondLst>
-                <p:cond evt="onNext" delay="0">
-                  <p:tgtEl>
-                    <p:sldTgt/>
-                  </p:tgtEl>
-                </p:cond>
-              </p:nextCondLst>
-            </p:seq>
-          </p:childTnLst>
-        </p:cTn>
-      </p:par>
-    </p:tnLst>
-    <p:bldLst>
-      <p:bldP spid="16" grpId="0"/>
-      <p:bldP spid="19" grpId="0"/>
-    </p:bldLst>
-  </p:timing>
-</p:sld>
-</file>
-
 <file path=ppt/theme/theme1.xml><?xml version="1.0" encoding="utf-8"?>
 <a:theme xmlns:a="http://schemas.openxmlformats.org/drawingml/2006/main" name="Office">
   <a:themeElements>

--- a/Presentations/Project Proposal/Project Proposal Presentation Structure+.pptx
+++ b/Presentations/Project Proposal/Project Proposal Presentation Structure+.pptx
@@ -383,7 +383,7 @@
           <a:p>
             <a:fld id="{E7F12AC4-85F9-4B93-92D3-A9937CE1B92C}" type="slidenum">
               <a:rPr lang="de-DE" smtClean="0"/>
-              <a:t>‹Nr.›</a:t>
+              <a:t>‹#›</a:t>
             </a:fld>
             <a:endParaRPr lang="de-DE"/>
           </a:p>
@@ -5092,7 +5092,7 @@
           <a:p>
             <a:fld id="{D3D8A29C-259F-45D5-BFFA-A48772AC905C}" type="slidenum">
               <a:rPr lang="de-DE" smtClean="0"/>
-              <a:t>‹Nr.›</a:t>
+              <a:t>‹#›</a:t>
             </a:fld>
             <a:endParaRPr lang="de-DE"/>
           </a:p>
@@ -5265,7 +5265,7 @@
           <a:p>
             <a:fld id="{D3D8A29C-259F-45D5-BFFA-A48772AC905C}" type="slidenum">
               <a:rPr lang="de-DE" smtClean="0"/>
-              <a:t>‹Nr.›</a:t>
+              <a:t>‹#›</a:t>
             </a:fld>
             <a:endParaRPr lang="de-DE"/>
           </a:p>
@@ -5448,7 +5448,7 @@
           <a:p>
             <a:fld id="{D3D8A29C-259F-45D5-BFFA-A48772AC905C}" type="slidenum">
               <a:rPr lang="de-DE" smtClean="0"/>
-              <a:t>‹Nr.›</a:t>
+              <a:t>‹#›</a:t>
             </a:fld>
             <a:endParaRPr lang="de-DE"/>
           </a:p>
@@ -5621,7 +5621,7 @@
           <a:p>
             <a:fld id="{D3D8A29C-259F-45D5-BFFA-A48772AC905C}" type="slidenum">
               <a:rPr lang="de-DE" smtClean="0"/>
-              <a:t>‹Nr.›</a:t>
+              <a:t>‹#›</a:t>
             </a:fld>
             <a:endParaRPr lang="de-DE"/>
           </a:p>
@@ -5870,7 +5870,7 @@
           <a:p>
             <a:fld id="{D3D8A29C-259F-45D5-BFFA-A48772AC905C}" type="slidenum">
               <a:rPr lang="de-DE" smtClean="0"/>
-              <a:t>‹Nr.›</a:t>
+              <a:t>‹#›</a:t>
             </a:fld>
             <a:endParaRPr lang="de-DE"/>
           </a:p>
@@ -6105,7 +6105,7 @@
           <a:p>
             <a:fld id="{D3D8A29C-259F-45D5-BFFA-A48772AC905C}" type="slidenum">
               <a:rPr lang="de-DE" smtClean="0"/>
-              <a:t>‹Nr.›</a:t>
+              <a:t>‹#›</a:t>
             </a:fld>
             <a:endParaRPr lang="de-DE"/>
           </a:p>
@@ -6475,7 +6475,7 @@
           <a:p>
             <a:fld id="{D3D8A29C-259F-45D5-BFFA-A48772AC905C}" type="slidenum">
               <a:rPr lang="de-DE" smtClean="0"/>
-              <a:t>‹Nr.›</a:t>
+              <a:t>‹#›</a:t>
             </a:fld>
             <a:endParaRPr lang="de-DE"/>
           </a:p>
@@ -6596,7 +6596,7 @@
           <a:p>
             <a:fld id="{D3D8A29C-259F-45D5-BFFA-A48772AC905C}" type="slidenum">
               <a:rPr lang="de-DE" smtClean="0"/>
-              <a:t>‹Nr.›</a:t>
+              <a:t>‹#›</a:t>
             </a:fld>
             <a:endParaRPr lang="de-DE"/>
           </a:p>
@@ -6694,7 +6694,7 @@
           <a:p>
             <a:fld id="{D3D8A29C-259F-45D5-BFFA-A48772AC905C}" type="slidenum">
               <a:rPr lang="de-DE" smtClean="0"/>
-              <a:t>‹Nr.›</a:t>
+              <a:t>‹#›</a:t>
             </a:fld>
             <a:endParaRPr lang="de-DE"/>
           </a:p>
@@ -6974,7 +6974,7 @@
           <a:p>
             <a:fld id="{D3D8A29C-259F-45D5-BFFA-A48772AC905C}" type="slidenum">
               <a:rPr lang="de-DE" smtClean="0"/>
-              <a:t>‹Nr.›</a:t>
+              <a:t>‹#›</a:t>
             </a:fld>
             <a:endParaRPr lang="de-DE"/>
           </a:p>
@@ -7234,7 +7234,7 @@
           <a:p>
             <a:fld id="{D3D8A29C-259F-45D5-BFFA-A48772AC905C}" type="slidenum">
               <a:rPr lang="de-DE" smtClean="0"/>
-              <a:t>‹Nr.›</a:t>
+              <a:t>‹#›</a:t>
             </a:fld>
             <a:endParaRPr lang="de-DE"/>
           </a:p>
@@ -7486,7 +7486,7 @@
           <a:p>
             <a:fld id="{D3D8A29C-259F-45D5-BFFA-A48772AC905C}" type="slidenum">
               <a:rPr lang="de-DE" smtClean="0"/>
-              <a:t>‹Nr.›</a:t>
+              <a:t>‹#›</a:t>
             </a:fld>
             <a:endParaRPr lang="de-DE"/>
           </a:p>
@@ -11340,7 +11340,7 @@
         </p:nvSpPr>
         <p:spPr>
           <a:xfrm>
-            <a:off x="855423" y="295945"/>
+            <a:off x="855423" y="288122"/>
             <a:ext cx="7187979" cy="584775"/>
           </a:xfrm>
           <a:prstGeom prst="rect">
@@ -11358,7 +11358,7 @@
               <a:rPr lang="en-US" sz="3200" dirty="0">
                 <a:latin typeface="+mj-lt"/>
               </a:rPr>
-              <a:t>Teamwork</a:t>
+              <a:t>Building Blocks of our Teamwork</a:t>
             </a:r>
           </a:p>
         </p:txBody>
@@ -12194,7 +12194,7 @@
           <a:p>
             <a:r>
               <a:rPr lang="en-US" dirty="0"/>
-              <a:t>Tuesday 5 pm, in-depth discussion of tutorial and setting this weeks tasks</a:t>
+              <a:t>Tuesday 5 pm, in-depth discussion of tutorial and setting this week's tasks</a:t>
             </a:r>
           </a:p>
         </p:txBody>
